--- a/FinalePräsentation.pptx
+++ b/FinalePräsentation.pptx
@@ -145,34 +145,6 @@
     </p:extLst>
   </p:cmAuthor>
 </p:cmAuthorLst>
-</file>
-
-<file path=ppt/comments/comment1.xml><?xml version="1.0" encoding="utf-8"?>
-<p:cmLst xmlns:a="http://schemas.openxmlformats.org/drawingml/2006/main" xmlns:r="http://schemas.openxmlformats.org/officeDocument/2006/relationships" xmlns:p="http://schemas.openxmlformats.org/presentationml/2006/main">
-  <p:cm authorId="1" dt="2015-09-30T19:14:35.261" idx="2">
-    <p:pos x="10" y="10"/>
-    <p:text>Wir sollen ja die Präsentation übersichtlich halten mit viel Bildern und weniger Text. Sollen wir jedes Einzelne Objekt beschreiben oder nur die wichtigsten?</p:text>
-    <p:extLst>
-      <p:ext uri="{C676402C-5697-4E1C-873F-D02D1690AC5C}">
-        <p15:threadingInfo xmlns:p15="http://schemas.microsoft.com/office/powerpoint/2012/main" timeZoneBias="-120"/>
-      </p:ext>
-    </p:extLst>
-  </p:cm>
-</p:cmLst>
-</file>
-
-<file path=ppt/comments/comment2.xml><?xml version="1.0" encoding="utf-8"?>
-<p:cmLst xmlns:a="http://schemas.openxmlformats.org/drawingml/2006/main" xmlns:r="http://schemas.openxmlformats.org/officeDocument/2006/relationships" xmlns:p="http://schemas.openxmlformats.org/presentationml/2006/main">
-  <p:cm authorId="1" dt="2015-09-30T19:13:48.711" idx="1">
-    <p:pos x="10" y="10"/>
-    <p:text>Achtung! Die System Architektur ist noch unübersichtlich. Auf Wunsch werde ich sie korrigieren</p:text>
-    <p:extLst>
-      <p:ext uri="{C676402C-5697-4E1C-873F-D02D1690AC5C}">
-        <p15:threadingInfo xmlns:p15="http://schemas.microsoft.com/office/powerpoint/2012/main" timeZoneBias="-120"/>
-      </p:ext>
-    </p:extLst>
-  </p:cm>
-</p:cmLst>
 </file>
 
 <file path=ppt/notesMasters/notesMaster1.xml><?xml version="1.0" encoding="utf-8"?>

--- a/FinalePräsentation.pptx
+++ b/FinalePräsentation.pptx
@@ -5,7 +5,7 @@
     <p:sldMasterId id="2147483648" r:id="rId1"/>
   </p:sldMasterIdLst>
   <p:notesMasterIdLst>
-    <p:notesMasterId r:id="rId23"/>
+    <p:notesMasterId r:id="rId31"/>
   </p:notesMasterIdLst>
   <p:sldIdLst>
     <p:sldId id="256" r:id="rId2"/>
@@ -16,19 +16,27 @@
     <p:sldId id="262" r:id="rId7"/>
     <p:sldId id="288" r:id="rId8"/>
     <p:sldId id="267" r:id="rId9"/>
-    <p:sldId id="278" r:id="rId10"/>
-    <p:sldId id="271" r:id="rId11"/>
-    <p:sldId id="270" r:id="rId12"/>
-    <p:sldId id="268" r:id="rId13"/>
-    <p:sldId id="272" r:id="rId14"/>
-    <p:sldId id="269" r:id="rId15"/>
-    <p:sldId id="273" r:id="rId16"/>
-    <p:sldId id="263" r:id="rId17"/>
-    <p:sldId id="274" r:id="rId18"/>
-    <p:sldId id="275" r:id="rId19"/>
-    <p:sldId id="258" r:id="rId20"/>
-    <p:sldId id="266" r:id="rId21"/>
-    <p:sldId id="264" r:id="rId22"/>
+    <p:sldId id="289" r:id="rId10"/>
+    <p:sldId id="290" r:id="rId11"/>
+    <p:sldId id="297" r:id="rId12"/>
+    <p:sldId id="291" r:id="rId13"/>
+    <p:sldId id="292" r:id="rId14"/>
+    <p:sldId id="293" r:id="rId15"/>
+    <p:sldId id="294" r:id="rId16"/>
+    <p:sldId id="295" r:id="rId17"/>
+    <p:sldId id="296" r:id="rId18"/>
+    <p:sldId id="271" r:id="rId19"/>
+    <p:sldId id="270" r:id="rId20"/>
+    <p:sldId id="268" r:id="rId21"/>
+    <p:sldId id="272" r:id="rId22"/>
+    <p:sldId id="269" r:id="rId23"/>
+    <p:sldId id="273" r:id="rId24"/>
+    <p:sldId id="263" r:id="rId25"/>
+    <p:sldId id="274" r:id="rId26"/>
+    <p:sldId id="275" r:id="rId27"/>
+    <p:sldId id="258" r:id="rId28"/>
+    <p:sldId id="266" r:id="rId29"/>
+    <p:sldId id="264" r:id="rId30"/>
   </p:sldIdLst>
   <p:sldSz cx="12192000" cy="6858000"/>
   <p:notesSz cx="6858000" cy="9144000"/>
@@ -3512,6 +3520,275 @@
           <a:p>
             <a:pPr algn="ctr"/>
             <a:r>
+              <a:rPr lang="de-DE" b="1" dirty="0" smtClean="0"/>
+              <a:t>Systemarchitektur</a:t>
+            </a:r>
+            <a:endParaRPr lang="de-DE" b="1" dirty="0"/>
+          </a:p>
+        </p:txBody>
+      </p:sp>
+      <p:sp>
+        <p:nvSpPr>
+          <p:cNvPr id="4" name="Foliennummernplatzhalter 3"/>
+          <p:cNvSpPr>
+            <a:spLocks noGrp="1"/>
+          </p:cNvSpPr>
+          <p:nvPr>
+            <p:ph type="sldNum" sz="quarter" idx="12"/>
+          </p:nvPr>
+        </p:nvSpPr>
+        <p:spPr/>
+        <p:txBody>
+          <a:bodyPr/>
+          <a:lstStyle/>
+          <a:p>
+            <a:fld id="{AFC15D4E-52BD-4359-8CF4-4D643ACA6A81}" type="slidenum">
+              <a:rPr lang="de-DE" smtClean="0"/>
+              <a:t>10</a:t>
+            </a:fld>
+            <a:endParaRPr lang="de-DE"/>
+          </a:p>
+        </p:txBody>
+      </p:sp>
+      <p:sp>
+        <p:nvSpPr>
+          <p:cNvPr id="5" name="Rechteck 4"/>
+          <p:cNvSpPr/>
+          <p:nvPr/>
+        </p:nvSpPr>
+        <p:spPr>
+          <a:xfrm>
+            <a:off x="115910" y="1403989"/>
+            <a:ext cx="2627290" cy="634621"/>
+          </a:xfrm>
+          <a:prstGeom prst="rect">
+            <a:avLst/>
+          </a:prstGeom>
+          <a:solidFill>
+            <a:schemeClr val="tx2"/>
+          </a:solidFill>
+          <a:ln>
+            <a:solidFill>
+              <a:schemeClr val="tx2">
+                <a:lumMod val="50000"/>
+              </a:schemeClr>
+            </a:solidFill>
+          </a:ln>
+        </p:spPr>
+        <p:style>
+          <a:lnRef idx="2">
+            <a:schemeClr val="accent1">
+              <a:shade val="50000"/>
+            </a:schemeClr>
+          </a:lnRef>
+          <a:fillRef idx="1">
+            <a:schemeClr val="accent1"/>
+          </a:fillRef>
+          <a:effectRef idx="0">
+            <a:schemeClr val="accent1"/>
+          </a:effectRef>
+          <a:fontRef idx="minor">
+            <a:schemeClr val="lt1"/>
+          </a:fontRef>
+        </p:style>
+        <p:txBody>
+          <a:bodyPr rtlCol="0" anchor="ctr"/>
+          <a:lstStyle/>
+          <a:p>
+            <a:pPr algn="ctr"/>
+            <a:r>
+              <a:rPr lang="de-DE" dirty="0" smtClean="0"/>
+              <a:t>Objekte im Spiel</a:t>
+            </a:r>
+            <a:endParaRPr lang="de-DE" dirty="0"/>
+          </a:p>
+        </p:txBody>
+      </p:sp>
+      <p:sp>
+        <p:nvSpPr>
+          <p:cNvPr id="6" name="Rechteck 5"/>
+          <p:cNvSpPr/>
+          <p:nvPr/>
+        </p:nvSpPr>
+        <p:spPr>
+          <a:xfrm>
+            <a:off x="1998372" y="2228970"/>
+            <a:ext cx="2163651" cy="463640"/>
+          </a:xfrm>
+          <a:prstGeom prst="rect">
+            <a:avLst/>
+          </a:prstGeom>
+          <a:solidFill>
+            <a:srgbClr val="FFC000"/>
+          </a:solidFill>
+          <a:ln>
+            <a:solidFill>
+              <a:schemeClr val="accent2"/>
+            </a:solidFill>
+          </a:ln>
+        </p:spPr>
+        <p:style>
+          <a:lnRef idx="2">
+            <a:schemeClr val="accent1">
+              <a:shade val="50000"/>
+            </a:schemeClr>
+          </a:lnRef>
+          <a:fillRef idx="1">
+            <a:schemeClr val="accent1"/>
+          </a:fillRef>
+          <a:effectRef idx="0">
+            <a:schemeClr val="accent1"/>
+          </a:effectRef>
+          <a:fontRef idx="minor">
+            <a:schemeClr val="lt1"/>
+          </a:fontRef>
+        </p:style>
+        <p:txBody>
+          <a:bodyPr rtlCol="0" anchor="ctr"/>
+          <a:lstStyle/>
+          <a:p>
+            <a:pPr algn="ctr"/>
+            <a:r>
+              <a:rPr lang="de-DE" dirty="0" smtClean="0">
+                <a:solidFill>
+                  <a:schemeClr val="tx1"/>
+                </a:solidFill>
+              </a:rPr>
+              <a:t>Schlange</a:t>
+            </a:r>
+            <a:endParaRPr lang="de-DE" dirty="0">
+              <a:solidFill>
+                <a:schemeClr val="tx1"/>
+              </a:solidFill>
+            </a:endParaRPr>
+          </a:p>
+        </p:txBody>
+      </p:sp>
+      <p:sp>
+        <p:nvSpPr>
+          <p:cNvPr id="7" name="Rechteck 6"/>
+          <p:cNvSpPr/>
+          <p:nvPr/>
+        </p:nvSpPr>
+        <p:spPr>
+          <a:xfrm>
+            <a:off x="1998371" y="3565112"/>
+            <a:ext cx="2163651" cy="463640"/>
+          </a:xfrm>
+          <a:prstGeom prst="rect">
+            <a:avLst/>
+          </a:prstGeom>
+        </p:spPr>
+        <p:style>
+          <a:lnRef idx="2">
+            <a:schemeClr val="accent1">
+              <a:shade val="50000"/>
+            </a:schemeClr>
+          </a:lnRef>
+          <a:fillRef idx="1">
+            <a:schemeClr val="accent1"/>
+          </a:fillRef>
+          <a:effectRef idx="0">
+            <a:schemeClr val="accent1"/>
+          </a:effectRef>
+          <a:fontRef idx="minor">
+            <a:schemeClr val="lt1"/>
+          </a:fontRef>
+        </p:style>
+        <p:txBody>
+          <a:bodyPr rtlCol="0" anchor="ctr"/>
+          <a:lstStyle/>
+          <a:p>
+            <a:pPr algn="ctr"/>
+            <a:r>
+              <a:rPr lang="de-DE" dirty="0" smtClean="0"/>
+              <a:t>Speerfalle</a:t>
+            </a:r>
+            <a:endParaRPr lang="de-DE" dirty="0"/>
+          </a:p>
+        </p:txBody>
+      </p:sp>
+      <p:sp>
+        <p:nvSpPr>
+          <p:cNvPr id="8" name="Rechteck 7"/>
+          <p:cNvSpPr/>
+          <p:nvPr/>
+        </p:nvSpPr>
+        <p:spPr>
+          <a:xfrm>
+            <a:off x="1998371" y="4229034"/>
+            <a:ext cx="2163651" cy="463640"/>
+          </a:xfrm>
+          <a:prstGeom prst="rect">
+            <a:avLst/>
+          </a:prstGeom>
+        </p:spPr>
+        <p:style>
+          <a:lnRef idx="2">
+            <a:schemeClr val="accent1">
+              <a:shade val="50000"/>
+            </a:schemeClr>
+          </a:lnRef>
+          <a:fillRef idx="1">
+            <a:schemeClr val="accent1"/>
+          </a:fillRef>
+          <a:effectRef idx="0">
+            <a:schemeClr val="accent1"/>
+          </a:effectRef>
+          <a:fontRef idx="minor">
+            <a:schemeClr val="lt1"/>
+          </a:fontRef>
+        </p:style>
+        <p:txBody>
+          <a:bodyPr rtlCol="0" anchor="ctr"/>
+          <a:lstStyle/>
+          <a:p>
+            <a:pPr algn="ctr"/>
+            <a:r>
+              <a:rPr lang="de-DE" dirty="0" smtClean="0"/>
+              <a:t>Fallende Steine</a:t>
+            </a:r>
+            <a:endParaRPr lang="de-DE" dirty="0"/>
+          </a:p>
+        </p:txBody>
+      </p:sp>
+      <p:sp>
+        <p:nvSpPr>
+          <p:cNvPr id="9" name="Rechteck 8"/>
+          <p:cNvSpPr/>
+          <p:nvPr/>
+        </p:nvSpPr>
+        <p:spPr>
+          <a:xfrm>
+            <a:off x="1998370" y="5556878"/>
+            <a:ext cx="2163651" cy="463640"/>
+          </a:xfrm>
+          <a:prstGeom prst="rect">
+            <a:avLst/>
+          </a:prstGeom>
+        </p:spPr>
+        <p:style>
+          <a:lnRef idx="2">
+            <a:schemeClr val="accent1">
+              <a:shade val="50000"/>
+            </a:schemeClr>
+          </a:lnRef>
+          <a:fillRef idx="1">
+            <a:schemeClr val="accent1"/>
+          </a:fillRef>
+          <a:effectRef idx="0">
+            <a:schemeClr val="accent1"/>
+          </a:effectRef>
+          <a:fontRef idx="minor">
+            <a:schemeClr val="lt1"/>
+          </a:fontRef>
+        </p:style>
+        <p:txBody>
+          <a:bodyPr rtlCol="0" anchor="ctr"/>
+          <a:lstStyle/>
+          <a:p>
+            <a:pPr algn="ctr"/>
+            <a:r>
               <a:rPr lang="de-DE" dirty="0" smtClean="0"/>
               <a:t>Futter</a:t>
             </a:r>
@@ -3519,9 +3796,397 @@
           </a:p>
         </p:txBody>
       </p:sp>
+      <p:sp>
+        <p:nvSpPr>
+          <p:cNvPr id="10" name="Rechteck 9"/>
+          <p:cNvSpPr/>
+          <p:nvPr/>
+        </p:nvSpPr>
+        <p:spPr>
+          <a:xfrm>
+            <a:off x="1998370" y="4892956"/>
+            <a:ext cx="2163651" cy="463640"/>
+          </a:xfrm>
+          <a:prstGeom prst="rect">
+            <a:avLst/>
+          </a:prstGeom>
+        </p:spPr>
+        <p:style>
+          <a:lnRef idx="2">
+            <a:schemeClr val="accent1">
+              <a:shade val="50000"/>
+            </a:schemeClr>
+          </a:lnRef>
+          <a:fillRef idx="1">
+            <a:schemeClr val="accent1"/>
+          </a:fillRef>
+          <a:effectRef idx="0">
+            <a:schemeClr val="accent1"/>
+          </a:effectRef>
+          <a:fontRef idx="minor">
+            <a:schemeClr val="lt1"/>
+          </a:fontRef>
+        </p:style>
+        <p:txBody>
+          <a:bodyPr rtlCol="0" anchor="ctr"/>
+          <a:lstStyle/>
+          <a:p>
+            <a:pPr algn="ctr"/>
+            <a:r>
+              <a:rPr lang="de-DE" dirty="0" smtClean="0"/>
+              <a:t>Diätpille</a:t>
+            </a:r>
+            <a:endParaRPr lang="de-DE" dirty="0"/>
+          </a:p>
+        </p:txBody>
+      </p:sp>
+      <p:cxnSp>
+        <p:nvCxnSpPr>
+          <p:cNvPr id="12" name="Gerader Verbinder 11"/>
+          <p:cNvCxnSpPr>
+            <a:stCxn id="5" idx="2"/>
+          </p:cNvCxnSpPr>
+          <p:nvPr/>
+        </p:nvCxnSpPr>
+        <p:spPr>
+          <a:xfrm>
+            <a:off x="1429555" y="2038610"/>
+            <a:ext cx="0" cy="4414008"/>
+          </a:xfrm>
+          <a:prstGeom prst="line">
+            <a:avLst/>
+          </a:prstGeom>
+        </p:spPr>
+        <p:style>
+          <a:lnRef idx="1">
+            <a:schemeClr val="accent1"/>
+          </a:lnRef>
+          <a:fillRef idx="0">
+            <a:schemeClr val="accent1"/>
+          </a:fillRef>
+          <a:effectRef idx="0">
+            <a:schemeClr val="accent1"/>
+          </a:effectRef>
+          <a:fontRef idx="minor">
+            <a:schemeClr val="tx1"/>
+          </a:fontRef>
+        </p:style>
+      </p:cxnSp>
+      <p:cxnSp>
+        <p:nvCxnSpPr>
+          <p:cNvPr id="14" name="Gerader Verbinder 13"/>
+          <p:cNvCxnSpPr>
+            <a:stCxn id="6" idx="1"/>
+          </p:cNvCxnSpPr>
+          <p:nvPr/>
+        </p:nvCxnSpPr>
+        <p:spPr>
+          <a:xfrm flipH="1">
+            <a:off x="1429555" y="2460790"/>
+            <a:ext cx="568817" cy="0"/>
+          </a:xfrm>
+          <a:prstGeom prst="line">
+            <a:avLst/>
+          </a:prstGeom>
+        </p:spPr>
+        <p:style>
+          <a:lnRef idx="1">
+            <a:schemeClr val="accent1"/>
+          </a:lnRef>
+          <a:fillRef idx="0">
+            <a:schemeClr val="accent1"/>
+          </a:fillRef>
+          <a:effectRef idx="0">
+            <a:schemeClr val="accent1"/>
+          </a:effectRef>
+          <a:fontRef idx="minor">
+            <a:schemeClr val="tx1"/>
+          </a:fontRef>
+        </p:style>
+      </p:cxnSp>
+      <p:sp>
+        <p:nvSpPr>
+          <p:cNvPr id="15" name="Rechteck 14"/>
+          <p:cNvSpPr/>
+          <p:nvPr/>
+        </p:nvSpPr>
+        <p:spPr>
+          <a:xfrm>
+            <a:off x="1998372" y="2892893"/>
+            <a:ext cx="2163651" cy="463640"/>
+          </a:xfrm>
+          <a:prstGeom prst="rect">
+            <a:avLst/>
+          </a:prstGeom>
+        </p:spPr>
+        <p:style>
+          <a:lnRef idx="2">
+            <a:schemeClr val="accent1">
+              <a:shade val="50000"/>
+            </a:schemeClr>
+          </a:lnRef>
+          <a:fillRef idx="1">
+            <a:schemeClr val="accent1"/>
+          </a:fillRef>
+          <a:effectRef idx="0">
+            <a:schemeClr val="accent1"/>
+          </a:effectRef>
+          <a:fontRef idx="minor">
+            <a:schemeClr val="lt1"/>
+          </a:fontRef>
+        </p:style>
+        <p:txBody>
+          <a:bodyPr rtlCol="0" anchor="ctr"/>
+          <a:lstStyle/>
+          <a:p>
+            <a:pPr algn="ctr"/>
+            <a:r>
+              <a:rPr lang="de-DE" dirty="0" smtClean="0"/>
+              <a:t>Spielfeld</a:t>
+            </a:r>
+            <a:endParaRPr lang="de-DE" dirty="0"/>
+          </a:p>
+        </p:txBody>
+      </p:sp>
+      <p:sp>
+        <p:nvSpPr>
+          <p:cNvPr id="16" name="Rechteck 15"/>
+          <p:cNvSpPr/>
+          <p:nvPr/>
+        </p:nvSpPr>
+        <p:spPr>
+          <a:xfrm>
+            <a:off x="1998369" y="6220800"/>
+            <a:ext cx="2163651" cy="463640"/>
+          </a:xfrm>
+          <a:prstGeom prst="rect">
+            <a:avLst/>
+          </a:prstGeom>
+        </p:spPr>
+        <p:style>
+          <a:lnRef idx="2">
+            <a:schemeClr val="accent1">
+              <a:shade val="50000"/>
+            </a:schemeClr>
+          </a:lnRef>
+          <a:fillRef idx="1">
+            <a:schemeClr val="accent1"/>
+          </a:fillRef>
+          <a:effectRef idx="0">
+            <a:schemeClr val="accent1"/>
+          </a:effectRef>
+          <a:fontRef idx="minor">
+            <a:schemeClr val="lt1"/>
+          </a:fontRef>
+        </p:style>
+        <p:txBody>
+          <a:bodyPr rtlCol="0" anchor="ctr"/>
+          <a:lstStyle/>
+          <a:p>
+            <a:pPr algn="ctr"/>
+            <a:r>
+              <a:rPr lang="de-DE" dirty="0" smtClean="0"/>
+              <a:t>Sonstige Objekte</a:t>
+            </a:r>
+            <a:endParaRPr lang="de-DE" dirty="0"/>
+          </a:p>
+        </p:txBody>
+      </p:sp>
+      <p:cxnSp>
+        <p:nvCxnSpPr>
+          <p:cNvPr id="18" name="Gerader Verbinder 17"/>
+          <p:cNvCxnSpPr>
+            <a:stCxn id="15" idx="1"/>
+          </p:cNvCxnSpPr>
+          <p:nvPr/>
+        </p:nvCxnSpPr>
+        <p:spPr>
+          <a:xfrm flipH="1">
+            <a:off x="1429555" y="3124713"/>
+            <a:ext cx="568817" cy="0"/>
+          </a:xfrm>
+          <a:prstGeom prst="line">
+            <a:avLst/>
+          </a:prstGeom>
+        </p:spPr>
+        <p:style>
+          <a:lnRef idx="1">
+            <a:schemeClr val="accent1"/>
+          </a:lnRef>
+          <a:fillRef idx="0">
+            <a:schemeClr val="accent1"/>
+          </a:fillRef>
+          <a:effectRef idx="0">
+            <a:schemeClr val="accent1"/>
+          </a:effectRef>
+          <a:fontRef idx="minor">
+            <a:schemeClr val="tx1"/>
+          </a:fontRef>
+        </p:style>
+      </p:cxnSp>
+      <p:cxnSp>
+        <p:nvCxnSpPr>
+          <p:cNvPr id="20" name="Gerader Verbinder 19"/>
+          <p:cNvCxnSpPr>
+            <a:stCxn id="7" idx="1"/>
+          </p:cNvCxnSpPr>
+          <p:nvPr/>
+        </p:nvCxnSpPr>
+        <p:spPr>
+          <a:xfrm flipH="1" flipV="1">
+            <a:off x="1429555" y="3796930"/>
+            <a:ext cx="568816" cy="2"/>
+          </a:xfrm>
+          <a:prstGeom prst="line">
+            <a:avLst/>
+          </a:prstGeom>
+        </p:spPr>
+        <p:style>
+          <a:lnRef idx="1">
+            <a:schemeClr val="accent1"/>
+          </a:lnRef>
+          <a:fillRef idx="0">
+            <a:schemeClr val="accent1"/>
+          </a:fillRef>
+          <a:effectRef idx="0">
+            <a:schemeClr val="accent1"/>
+          </a:effectRef>
+          <a:fontRef idx="minor">
+            <a:schemeClr val="tx1"/>
+          </a:fontRef>
+        </p:style>
+      </p:cxnSp>
+      <p:cxnSp>
+        <p:nvCxnSpPr>
+          <p:cNvPr id="24" name="Gerader Verbinder 23"/>
+          <p:cNvCxnSpPr>
+            <a:stCxn id="8" idx="1"/>
+          </p:cNvCxnSpPr>
+          <p:nvPr/>
+        </p:nvCxnSpPr>
+        <p:spPr>
+          <a:xfrm flipH="1">
+            <a:off x="1429555" y="4460854"/>
+            <a:ext cx="568816" cy="0"/>
+          </a:xfrm>
+          <a:prstGeom prst="line">
+            <a:avLst/>
+          </a:prstGeom>
+        </p:spPr>
+        <p:style>
+          <a:lnRef idx="1">
+            <a:schemeClr val="accent1"/>
+          </a:lnRef>
+          <a:fillRef idx="0">
+            <a:schemeClr val="accent1"/>
+          </a:fillRef>
+          <a:effectRef idx="0">
+            <a:schemeClr val="accent1"/>
+          </a:effectRef>
+          <a:fontRef idx="minor">
+            <a:schemeClr val="tx1"/>
+          </a:fontRef>
+        </p:style>
+      </p:cxnSp>
+      <p:cxnSp>
+        <p:nvCxnSpPr>
+          <p:cNvPr id="26" name="Gerader Verbinder 25"/>
+          <p:cNvCxnSpPr>
+            <a:stCxn id="10" idx="1"/>
+          </p:cNvCxnSpPr>
+          <p:nvPr/>
+        </p:nvCxnSpPr>
+        <p:spPr>
+          <a:xfrm flipH="1" flipV="1">
+            <a:off x="1429555" y="5124775"/>
+            <a:ext cx="568815" cy="1"/>
+          </a:xfrm>
+          <a:prstGeom prst="line">
+            <a:avLst/>
+          </a:prstGeom>
+        </p:spPr>
+        <p:style>
+          <a:lnRef idx="1">
+            <a:schemeClr val="accent1"/>
+          </a:lnRef>
+          <a:fillRef idx="0">
+            <a:schemeClr val="accent1"/>
+          </a:fillRef>
+          <a:effectRef idx="0">
+            <a:schemeClr val="accent1"/>
+          </a:effectRef>
+          <a:fontRef idx="minor">
+            <a:schemeClr val="tx1"/>
+          </a:fontRef>
+        </p:style>
+      </p:cxnSp>
+      <p:cxnSp>
+        <p:nvCxnSpPr>
+          <p:cNvPr id="28" name="Gerader Verbinder 27"/>
+          <p:cNvCxnSpPr>
+            <a:stCxn id="9" idx="1"/>
+          </p:cNvCxnSpPr>
+          <p:nvPr/>
+        </p:nvCxnSpPr>
+        <p:spPr>
+          <a:xfrm flipH="1" flipV="1">
+            <a:off x="1429555" y="5788696"/>
+            <a:ext cx="568815" cy="2"/>
+          </a:xfrm>
+          <a:prstGeom prst="line">
+            <a:avLst/>
+          </a:prstGeom>
+        </p:spPr>
+        <p:style>
+          <a:lnRef idx="1">
+            <a:schemeClr val="accent1"/>
+          </a:lnRef>
+          <a:fillRef idx="0">
+            <a:schemeClr val="accent1"/>
+          </a:fillRef>
+          <a:effectRef idx="0">
+            <a:schemeClr val="accent1"/>
+          </a:effectRef>
+          <a:fontRef idx="minor">
+            <a:schemeClr val="tx1"/>
+          </a:fontRef>
+        </p:style>
+      </p:cxnSp>
+      <p:cxnSp>
+        <p:nvCxnSpPr>
+          <p:cNvPr id="30" name="Gerader Verbinder 29"/>
+          <p:cNvCxnSpPr>
+            <a:stCxn id="16" idx="1"/>
+          </p:cNvCxnSpPr>
+          <p:nvPr/>
+        </p:nvCxnSpPr>
+        <p:spPr>
+          <a:xfrm flipH="1" flipV="1">
+            <a:off x="1429555" y="6452618"/>
+            <a:ext cx="568814" cy="2"/>
+          </a:xfrm>
+          <a:prstGeom prst="line">
+            <a:avLst/>
+          </a:prstGeom>
+        </p:spPr>
+        <p:style>
+          <a:lnRef idx="1">
+            <a:schemeClr val="accent1"/>
+          </a:lnRef>
+          <a:fillRef idx="0">
+            <a:schemeClr val="accent1"/>
+          </a:fillRef>
+          <a:effectRef idx="0">
+            <a:schemeClr val="accent1"/>
+          </a:effectRef>
+          <a:fontRef idx="minor">
+            <a:schemeClr val="tx1"/>
+          </a:fontRef>
+        </p:style>
+      </p:cxnSp>
       <p:pic>
         <p:nvPicPr>
-          <p:cNvPr id="5" name="Inhaltsplatzhalter 4"/>
+          <p:cNvPr id="21" name="Inhaltsplatzhalter 4"/>
           <p:cNvPicPr>
             <a:picLocks noGrp="1" noChangeAspect="1"/>
           </p:cNvPicPr>
@@ -3543,62 +4208,9 @@
         </p:blipFill>
         <p:spPr>
           <a:xfrm>
-            <a:off x="2314792" y="1842164"/>
-            <a:ext cx="2397003" cy="2423786"/>
-          </a:xfrm>
-        </p:spPr>
-      </p:pic>
-      <p:sp>
-        <p:nvSpPr>
-          <p:cNvPr id="4" name="Foliennummernplatzhalter 3"/>
-          <p:cNvSpPr>
-            <a:spLocks noGrp="1"/>
-          </p:cNvSpPr>
-          <p:nvPr>
-            <p:ph type="sldNum" sz="quarter" idx="12"/>
-          </p:nvPr>
-        </p:nvSpPr>
-        <p:spPr/>
-        <p:txBody>
-          <a:bodyPr/>
-          <a:lstStyle/>
-          <a:p>
-            <a:fld id="{AFC15D4E-52BD-4359-8CF4-4D643ACA6A81}" type="slidenum">
-              <a:rPr lang="de-DE" smtClean="0"/>
-              <a:t>10</a:t>
-            </a:fld>
-            <a:endParaRPr lang="de-DE"/>
-          </a:p>
-        </p:txBody>
-      </p:sp>
-      <p:pic>
-        <p:nvPicPr>
-          <p:cNvPr id="6" name="Grafik 5"/>
-          <p:cNvPicPr>
-            <a:picLocks noChangeAspect="1"/>
-          </p:cNvPicPr>
-          <p:nvPr/>
-        </p:nvPicPr>
-        <p:blipFill>
-          <a:blip r:embed="rId3">
-            <a:extLst>
-              <a:ext uri="{28A0092B-C50C-407E-A947-70E740481C1C}">
-                <a14:useLocalDpi xmlns:a14="http://schemas.microsoft.com/office/drawing/2010/main" val="0"/>
-              </a:ext>
-            </a:extLst>
-          </a:blip>
-          <a:stretch>
-            <a:fillRect/>
-          </a:stretch>
-        </p:blipFill>
-        <p:spPr>
-          <a:xfrm>
-            <a:off x="6045869" y="1842164"/>
-            <a:ext cx="3896888" cy="2435556"/>
-          </a:xfrm>
-          <a:prstGeom prst="rect">
-            <a:avLst/>
-          </a:prstGeom>
+            <a:off x="7097439" y="1403989"/>
+            <a:ext cx="2601425" cy="2320588"/>
+          </a:xfrm>
         </p:spPr>
       </p:pic>
       <p:sp>
@@ -3609,44 +4221,8 @@
         </p:nvSpPr>
         <p:spPr>
           <a:xfrm>
-            <a:off x="2314792" y="4429197"/>
-            <a:ext cx="2397003" cy="646331"/>
-          </a:xfrm>
-          <a:prstGeom prst="rect">
-            <a:avLst/>
-          </a:prstGeom>
-          <a:noFill/>
-        </p:spPr>
-        <p:txBody>
-          <a:bodyPr wrap="none" rtlCol="0">
-            <a:spAutoFit/>
-          </a:bodyPr>
-          <a:lstStyle/>
-          <a:p>
-            <a:r>
-              <a:rPr lang="de-DE" dirty="0" smtClean="0"/>
-              <a:t>Das Futter hat die Form</a:t>
-            </a:r>
-          </a:p>
-          <a:p>
-            <a:r>
-              <a:rPr lang="de-DE" dirty="0" smtClean="0"/>
-              <a:t> von einem Kegel</a:t>
-            </a:r>
-            <a:endParaRPr lang="de-DE" dirty="0"/>
-          </a:p>
-        </p:txBody>
-      </p:sp>
-      <p:sp>
-        <p:nvSpPr>
-          <p:cNvPr id="7" name="Textfeld 6"/>
-          <p:cNvSpPr txBox="1"/>
-          <p:nvPr/>
-        </p:nvSpPr>
-        <p:spPr>
-          <a:xfrm>
-            <a:off x="6045869" y="4429197"/>
-            <a:ext cx="4848045" cy="646331"/>
+            <a:off x="5442450" y="4109112"/>
+            <a:ext cx="6065949" cy="1477328"/>
           </a:xfrm>
           <a:prstGeom prst="rect">
             <a:avLst/>
@@ -3659,28 +4235,79 @@
           </a:bodyPr>
           <a:lstStyle/>
           <a:p>
+            <a:pPr marL="285750" indent="-285750">
+              <a:buFont typeface="Arial" panose="020B0604020202020204" pitchFamily="34" charset="0"/>
+              <a:buChar char="•"/>
+            </a:pPr>
             <a:r>
               <a:rPr lang="de-DE" dirty="0" smtClean="0"/>
-              <a:t>Kollidiert die Schlange mit dem Futter,</a:t>
-            </a:r>
-          </a:p>
-          <a:p>
-            <a:r>
-              <a:rPr lang="de-DE" dirty="0"/>
-              <a:t>b</a:t>
-            </a:r>
+              <a:t>Ist ein Objekt mit Array-Attribut, welches Würfel speichert</a:t>
+            </a:r>
+          </a:p>
+          <a:p>
+            <a:endParaRPr lang="de-DE" dirty="0"/>
+          </a:p>
+          <a:p>
+            <a:pPr marL="285750" indent="-285750">
+              <a:buFont typeface="Arial" panose="020B0604020202020204" pitchFamily="34" charset="0"/>
+              <a:buChar char="•"/>
+            </a:pPr>
             <a:r>
               <a:rPr lang="de-DE" dirty="0" smtClean="0"/>
-              <a:t>linkt sie kurz grün</a:t>
+              <a:t>Enthält die Kollisionserkennung für sich selbst, das Futter, die Diätpille, die Speerfalle, die fallenden Steine und für den Rand des Spielfeldes.</a:t>
             </a:r>
             <a:endParaRPr lang="de-DE" dirty="0"/>
+          </a:p>
+        </p:txBody>
+      </p:sp>
+      <p:sp>
+        <p:nvSpPr>
+          <p:cNvPr id="11" name="Textfeld 10"/>
+          <p:cNvSpPr txBox="1"/>
+          <p:nvPr/>
+        </p:nvSpPr>
+        <p:spPr>
+          <a:xfrm>
+            <a:off x="7035727" y="3789886"/>
+            <a:ext cx="2724847" cy="253916"/>
+          </a:xfrm>
+          <a:prstGeom prst="rect">
+            <a:avLst/>
+          </a:prstGeom>
+          <a:noFill/>
+        </p:spPr>
+        <p:txBody>
+          <a:bodyPr wrap="square" rtlCol="0">
+            <a:spAutoFit/>
+          </a:bodyPr>
+          <a:lstStyle/>
+          <a:p>
+            <a:r>
+              <a:rPr lang="de-DE" sz="1050" i="1" dirty="0" smtClean="0">
+                <a:solidFill>
+                  <a:schemeClr val="tx1">
+                    <a:lumMod val="50000"/>
+                    <a:lumOff val="50000"/>
+                  </a:schemeClr>
+                </a:solidFill>
+              </a:rPr>
+              <a:t>Die Schlange Nimmersatt (Stand: 29.09.2015)</a:t>
+            </a:r>
+            <a:endParaRPr lang="de-DE" sz="1050" i="1" dirty="0">
+              <a:solidFill>
+                <a:schemeClr val="tx1">
+                  <a:lumMod val="50000"/>
+                  <a:lumOff val="50000"/>
+                </a:schemeClr>
+              </a:solidFill>
+            </a:endParaRPr>
           </a:p>
         </p:txBody>
       </p:sp>
     </p:spTree>
     <p:extLst>
       <p:ext uri="{BB962C8B-B14F-4D97-AF65-F5344CB8AC3E}">
-        <p14:creationId xmlns:p14="http://schemas.microsoft.com/office/powerpoint/2010/main" val="2986249817"/>
+        <p14:creationId xmlns:p14="http://schemas.microsoft.com/office/powerpoint/2010/main" val="719510289"/>
       </p:ext>
     </p:extLst>
   </p:cSld>
@@ -3731,16 +4358,673 @@
           <a:p>
             <a:pPr algn="ctr"/>
             <a:r>
+              <a:rPr lang="de-DE" b="1" dirty="0" smtClean="0"/>
+              <a:t>Systemarchitektur</a:t>
+            </a:r>
+            <a:endParaRPr lang="de-DE" b="1" dirty="0"/>
+          </a:p>
+        </p:txBody>
+      </p:sp>
+      <p:sp>
+        <p:nvSpPr>
+          <p:cNvPr id="4" name="Foliennummernplatzhalter 3"/>
+          <p:cNvSpPr>
+            <a:spLocks noGrp="1"/>
+          </p:cNvSpPr>
+          <p:nvPr>
+            <p:ph type="sldNum" sz="quarter" idx="12"/>
+          </p:nvPr>
+        </p:nvSpPr>
+        <p:spPr/>
+        <p:txBody>
+          <a:bodyPr/>
+          <a:lstStyle/>
+          <a:p>
+            <a:fld id="{AFC15D4E-52BD-4359-8CF4-4D643ACA6A81}" type="slidenum">
+              <a:rPr lang="de-DE" smtClean="0"/>
+              <a:t>11</a:t>
+            </a:fld>
+            <a:endParaRPr lang="de-DE"/>
+          </a:p>
+        </p:txBody>
+      </p:sp>
+      <p:sp>
+        <p:nvSpPr>
+          <p:cNvPr id="5" name="Rechteck 4"/>
+          <p:cNvSpPr/>
+          <p:nvPr/>
+        </p:nvSpPr>
+        <p:spPr>
+          <a:xfrm>
+            <a:off x="115910" y="1403989"/>
+            <a:ext cx="2627290" cy="634621"/>
+          </a:xfrm>
+          <a:prstGeom prst="rect">
+            <a:avLst/>
+          </a:prstGeom>
+          <a:solidFill>
+            <a:schemeClr val="tx2"/>
+          </a:solidFill>
+          <a:ln>
+            <a:solidFill>
+              <a:schemeClr val="tx2">
+                <a:lumMod val="50000"/>
+              </a:schemeClr>
+            </a:solidFill>
+          </a:ln>
+        </p:spPr>
+        <p:style>
+          <a:lnRef idx="2">
+            <a:schemeClr val="accent1">
+              <a:shade val="50000"/>
+            </a:schemeClr>
+          </a:lnRef>
+          <a:fillRef idx="1">
+            <a:schemeClr val="accent1"/>
+          </a:fillRef>
+          <a:effectRef idx="0">
+            <a:schemeClr val="accent1"/>
+          </a:effectRef>
+          <a:fontRef idx="minor">
+            <a:schemeClr val="lt1"/>
+          </a:fontRef>
+        </p:style>
+        <p:txBody>
+          <a:bodyPr rtlCol="0" anchor="ctr"/>
+          <a:lstStyle/>
+          <a:p>
+            <a:pPr algn="ctr"/>
+            <a:r>
               <a:rPr lang="de-DE" dirty="0" smtClean="0"/>
-              <a:t>Diät-Pille</a:t>
+              <a:t>Objekte im Spiel</a:t>
             </a:r>
             <a:endParaRPr lang="de-DE" dirty="0"/>
           </a:p>
         </p:txBody>
       </p:sp>
+      <p:sp>
+        <p:nvSpPr>
+          <p:cNvPr id="6" name="Rechteck 5"/>
+          <p:cNvSpPr/>
+          <p:nvPr/>
+        </p:nvSpPr>
+        <p:spPr>
+          <a:xfrm>
+            <a:off x="1998372" y="2228970"/>
+            <a:ext cx="2163651" cy="463640"/>
+          </a:xfrm>
+          <a:prstGeom prst="rect">
+            <a:avLst/>
+          </a:prstGeom>
+          <a:solidFill>
+            <a:srgbClr val="FFC000"/>
+          </a:solidFill>
+          <a:ln>
+            <a:solidFill>
+              <a:schemeClr val="accent2"/>
+            </a:solidFill>
+          </a:ln>
+        </p:spPr>
+        <p:style>
+          <a:lnRef idx="2">
+            <a:schemeClr val="accent1">
+              <a:shade val="50000"/>
+            </a:schemeClr>
+          </a:lnRef>
+          <a:fillRef idx="1">
+            <a:schemeClr val="accent1"/>
+          </a:fillRef>
+          <a:effectRef idx="0">
+            <a:schemeClr val="accent1"/>
+          </a:effectRef>
+          <a:fontRef idx="minor">
+            <a:schemeClr val="lt1"/>
+          </a:fontRef>
+        </p:style>
+        <p:txBody>
+          <a:bodyPr rtlCol="0" anchor="ctr"/>
+          <a:lstStyle/>
+          <a:p>
+            <a:pPr algn="ctr"/>
+            <a:r>
+              <a:rPr lang="de-DE" dirty="0" smtClean="0">
+                <a:solidFill>
+                  <a:schemeClr val="tx1"/>
+                </a:solidFill>
+              </a:rPr>
+              <a:t>Schlange</a:t>
+            </a:r>
+            <a:endParaRPr lang="de-DE" dirty="0">
+              <a:solidFill>
+                <a:schemeClr val="tx1"/>
+              </a:solidFill>
+            </a:endParaRPr>
+          </a:p>
+        </p:txBody>
+      </p:sp>
+      <p:sp>
+        <p:nvSpPr>
+          <p:cNvPr id="7" name="Rechteck 6"/>
+          <p:cNvSpPr/>
+          <p:nvPr/>
+        </p:nvSpPr>
+        <p:spPr>
+          <a:xfrm>
+            <a:off x="1998371" y="3565112"/>
+            <a:ext cx="2163651" cy="463640"/>
+          </a:xfrm>
+          <a:prstGeom prst="rect">
+            <a:avLst/>
+          </a:prstGeom>
+        </p:spPr>
+        <p:style>
+          <a:lnRef idx="2">
+            <a:schemeClr val="accent1">
+              <a:shade val="50000"/>
+            </a:schemeClr>
+          </a:lnRef>
+          <a:fillRef idx="1">
+            <a:schemeClr val="accent1"/>
+          </a:fillRef>
+          <a:effectRef idx="0">
+            <a:schemeClr val="accent1"/>
+          </a:effectRef>
+          <a:fontRef idx="minor">
+            <a:schemeClr val="lt1"/>
+          </a:fontRef>
+        </p:style>
+        <p:txBody>
+          <a:bodyPr rtlCol="0" anchor="ctr"/>
+          <a:lstStyle/>
+          <a:p>
+            <a:pPr algn="ctr"/>
+            <a:r>
+              <a:rPr lang="de-DE" dirty="0" smtClean="0"/>
+              <a:t>Speerfalle</a:t>
+            </a:r>
+            <a:endParaRPr lang="de-DE" dirty="0"/>
+          </a:p>
+        </p:txBody>
+      </p:sp>
+      <p:sp>
+        <p:nvSpPr>
+          <p:cNvPr id="8" name="Rechteck 7"/>
+          <p:cNvSpPr/>
+          <p:nvPr/>
+        </p:nvSpPr>
+        <p:spPr>
+          <a:xfrm>
+            <a:off x="1998371" y="4229034"/>
+            <a:ext cx="2163651" cy="463640"/>
+          </a:xfrm>
+          <a:prstGeom prst="rect">
+            <a:avLst/>
+          </a:prstGeom>
+        </p:spPr>
+        <p:style>
+          <a:lnRef idx="2">
+            <a:schemeClr val="accent1">
+              <a:shade val="50000"/>
+            </a:schemeClr>
+          </a:lnRef>
+          <a:fillRef idx="1">
+            <a:schemeClr val="accent1"/>
+          </a:fillRef>
+          <a:effectRef idx="0">
+            <a:schemeClr val="accent1"/>
+          </a:effectRef>
+          <a:fontRef idx="minor">
+            <a:schemeClr val="lt1"/>
+          </a:fontRef>
+        </p:style>
+        <p:txBody>
+          <a:bodyPr rtlCol="0" anchor="ctr"/>
+          <a:lstStyle/>
+          <a:p>
+            <a:pPr algn="ctr"/>
+            <a:r>
+              <a:rPr lang="de-DE" dirty="0" smtClean="0"/>
+              <a:t>Fallende Steine</a:t>
+            </a:r>
+            <a:endParaRPr lang="de-DE" dirty="0"/>
+          </a:p>
+        </p:txBody>
+      </p:sp>
+      <p:sp>
+        <p:nvSpPr>
+          <p:cNvPr id="9" name="Rechteck 8"/>
+          <p:cNvSpPr/>
+          <p:nvPr/>
+        </p:nvSpPr>
+        <p:spPr>
+          <a:xfrm>
+            <a:off x="1998370" y="5556878"/>
+            <a:ext cx="2163651" cy="463640"/>
+          </a:xfrm>
+          <a:prstGeom prst="rect">
+            <a:avLst/>
+          </a:prstGeom>
+        </p:spPr>
+        <p:style>
+          <a:lnRef idx="2">
+            <a:schemeClr val="accent1">
+              <a:shade val="50000"/>
+            </a:schemeClr>
+          </a:lnRef>
+          <a:fillRef idx="1">
+            <a:schemeClr val="accent1"/>
+          </a:fillRef>
+          <a:effectRef idx="0">
+            <a:schemeClr val="accent1"/>
+          </a:effectRef>
+          <a:fontRef idx="minor">
+            <a:schemeClr val="lt1"/>
+          </a:fontRef>
+        </p:style>
+        <p:txBody>
+          <a:bodyPr rtlCol="0" anchor="ctr"/>
+          <a:lstStyle/>
+          <a:p>
+            <a:pPr algn="ctr"/>
+            <a:r>
+              <a:rPr lang="de-DE" dirty="0" smtClean="0"/>
+              <a:t>Futter</a:t>
+            </a:r>
+            <a:endParaRPr lang="de-DE" dirty="0"/>
+          </a:p>
+        </p:txBody>
+      </p:sp>
+      <p:sp>
+        <p:nvSpPr>
+          <p:cNvPr id="10" name="Rechteck 9"/>
+          <p:cNvSpPr/>
+          <p:nvPr/>
+        </p:nvSpPr>
+        <p:spPr>
+          <a:xfrm>
+            <a:off x="1998370" y="4892956"/>
+            <a:ext cx="2163651" cy="463640"/>
+          </a:xfrm>
+          <a:prstGeom prst="rect">
+            <a:avLst/>
+          </a:prstGeom>
+        </p:spPr>
+        <p:style>
+          <a:lnRef idx="2">
+            <a:schemeClr val="accent1">
+              <a:shade val="50000"/>
+            </a:schemeClr>
+          </a:lnRef>
+          <a:fillRef idx="1">
+            <a:schemeClr val="accent1"/>
+          </a:fillRef>
+          <a:effectRef idx="0">
+            <a:schemeClr val="accent1"/>
+          </a:effectRef>
+          <a:fontRef idx="minor">
+            <a:schemeClr val="lt1"/>
+          </a:fontRef>
+        </p:style>
+        <p:txBody>
+          <a:bodyPr rtlCol="0" anchor="ctr"/>
+          <a:lstStyle/>
+          <a:p>
+            <a:pPr algn="ctr"/>
+            <a:r>
+              <a:rPr lang="de-DE" dirty="0" smtClean="0"/>
+              <a:t>Diätpille</a:t>
+            </a:r>
+            <a:endParaRPr lang="de-DE" dirty="0"/>
+          </a:p>
+        </p:txBody>
+      </p:sp>
+      <p:cxnSp>
+        <p:nvCxnSpPr>
+          <p:cNvPr id="12" name="Gerader Verbinder 11"/>
+          <p:cNvCxnSpPr>
+            <a:stCxn id="5" idx="2"/>
+          </p:cNvCxnSpPr>
+          <p:nvPr/>
+        </p:nvCxnSpPr>
+        <p:spPr>
+          <a:xfrm>
+            <a:off x="1429555" y="2038610"/>
+            <a:ext cx="0" cy="4414008"/>
+          </a:xfrm>
+          <a:prstGeom prst="line">
+            <a:avLst/>
+          </a:prstGeom>
+        </p:spPr>
+        <p:style>
+          <a:lnRef idx="1">
+            <a:schemeClr val="accent1"/>
+          </a:lnRef>
+          <a:fillRef idx="0">
+            <a:schemeClr val="accent1"/>
+          </a:fillRef>
+          <a:effectRef idx="0">
+            <a:schemeClr val="accent1"/>
+          </a:effectRef>
+          <a:fontRef idx="minor">
+            <a:schemeClr val="tx1"/>
+          </a:fontRef>
+        </p:style>
+      </p:cxnSp>
+      <p:cxnSp>
+        <p:nvCxnSpPr>
+          <p:cNvPr id="14" name="Gerader Verbinder 13"/>
+          <p:cNvCxnSpPr>
+            <a:stCxn id="6" idx="1"/>
+          </p:cNvCxnSpPr>
+          <p:nvPr/>
+        </p:nvCxnSpPr>
+        <p:spPr>
+          <a:xfrm flipH="1">
+            <a:off x="1429555" y="2460790"/>
+            <a:ext cx="568817" cy="0"/>
+          </a:xfrm>
+          <a:prstGeom prst="line">
+            <a:avLst/>
+          </a:prstGeom>
+        </p:spPr>
+        <p:style>
+          <a:lnRef idx="1">
+            <a:schemeClr val="accent1"/>
+          </a:lnRef>
+          <a:fillRef idx="0">
+            <a:schemeClr val="accent1"/>
+          </a:fillRef>
+          <a:effectRef idx="0">
+            <a:schemeClr val="accent1"/>
+          </a:effectRef>
+          <a:fontRef idx="minor">
+            <a:schemeClr val="tx1"/>
+          </a:fontRef>
+        </p:style>
+      </p:cxnSp>
+      <p:sp>
+        <p:nvSpPr>
+          <p:cNvPr id="15" name="Rechteck 14"/>
+          <p:cNvSpPr/>
+          <p:nvPr/>
+        </p:nvSpPr>
+        <p:spPr>
+          <a:xfrm>
+            <a:off x="1998372" y="2892893"/>
+            <a:ext cx="2163651" cy="463640"/>
+          </a:xfrm>
+          <a:prstGeom prst="rect">
+            <a:avLst/>
+          </a:prstGeom>
+        </p:spPr>
+        <p:style>
+          <a:lnRef idx="2">
+            <a:schemeClr val="accent1">
+              <a:shade val="50000"/>
+            </a:schemeClr>
+          </a:lnRef>
+          <a:fillRef idx="1">
+            <a:schemeClr val="accent1"/>
+          </a:fillRef>
+          <a:effectRef idx="0">
+            <a:schemeClr val="accent1"/>
+          </a:effectRef>
+          <a:fontRef idx="minor">
+            <a:schemeClr val="lt1"/>
+          </a:fontRef>
+        </p:style>
+        <p:txBody>
+          <a:bodyPr rtlCol="0" anchor="ctr"/>
+          <a:lstStyle/>
+          <a:p>
+            <a:pPr algn="ctr"/>
+            <a:r>
+              <a:rPr lang="de-DE" dirty="0" smtClean="0"/>
+              <a:t>Spielfeld</a:t>
+            </a:r>
+            <a:endParaRPr lang="de-DE" dirty="0"/>
+          </a:p>
+        </p:txBody>
+      </p:sp>
+      <p:sp>
+        <p:nvSpPr>
+          <p:cNvPr id="16" name="Rechteck 15"/>
+          <p:cNvSpPr/>
+          <p:nvPr/>
+        </p:nvSpPr>
+        <p:spPr>
+          <a:xfrm>
+            <a:off x="1998369" y="6220800"/>
+            <a:ext cx="2163651" cy="463640"/>
+          </a:xfrm>
+          <a:prstGeom prst="rect">
+            <a:avLst/>
+          </a:prstGeom>
+        </p:spPr>
+        <p:style>
+          <a:lnRef idx="2">
+            <a:schemeClr val="accent1">
+              <a:shade val="50000"/>
+            </a:schemeClr>
+          </a:lnRef>
+          <a:fillRef idx="1">
+            <a:schemeClr val="accent1"/>
+          </a:fillRef>
+          <a:effectRef idx="0">
+            <a:schemeClr val="accent1"/>
+          </a:effectRef>
+          <a:fontRef idx="minor">
+            <a:schemeClr val="lt1"/>
+          </a:fontRef>
+        </p:style>
+        <p:txBody>
+          <a:bodyPr rtlCol="0" anchor="ctr"/>
+          <a:lstStyle/>
+          <a:p>
+            <a:pPr algn="ctr"/>
+            <a:r>
+              <a:rPr lang="de-DE" dirty="0" smtClean="0"/>
+              <a:t>Sonstige Objekte</a:t>
+            </a:r>
+            <a:endParaRPr lang="de-DE" dirty="0"/>
+          </a:p>
+        </p:txBody>
+      </p:sp>
+      <p:cxnSp>
+        <p:nvCxnSpPr>
+          <p:cNvPr id="18" name="Gerader Verbinder 17"/>
+          <p:cNvCxnSpPr>
+            <a:stCxn id="15" idx="1"/>
+          </p:cNvCxnSpPr>
+          <p:nvPr/>
+        </p:nvCxnSpPr>
+        <p:spPr>
+          <a:xfrm flipH="1">
+            <a:off x="1429555" y="3124713"/>
+            <a:ext cx="568817" cy="0"/>
+          </a:xfrm>
+          <a:prstGeom prst="line">
+            <a:avLst/>
+          </a:prstGeom>
+        </p:spPr>
+        <p:style>
+          <a:lnRef idx="1">
+            <a:schemeClr val="accent1"/>
+          </a:lnRef>
+          <a:fillRef idx="0">
+            <a:schemeClr val="accent1"/>
+          </a:fillRef>
+          <a:effectRef idx="0">
+            <a:schemeClr val="accent1"/>
+          </a:effectRef>
+          <a:fontRef idx="minor">
+            <a:schemeClr val="tx1"/>
+          </a:fontRef>
+        </p:style>
+      </p:cxnSp>
+      <p:cxnSp>
+        <p:nvCxnSpPr>
+          <p:cNvPr id="20" name="Gerader Verbinder 19"/>
+          <p:cNvCxnSpPr>
+            <a:stCxn id="7" idx="1"/>
+          </p:cNvCxnSpPr>
+          <p:nvPr/>
+        </p:nvCxnSpPr>
+        <p:spPr>
+          <a:xfrm flipH="1" flipV="1">
+            <a:off x="1429555" y="3796930"/>
+            <a:ext cx="568816" cy="2"/>
+          </a:xfrm>
+          <a:prstGeom prst="line">
+            <a:avLst/>
+          </a:prstGeom>
+        </p:spPr>
+        <p:style>
+          <a:lnRef idx="1">
+            <a:schemeClr val="accent1"/>
+          </a:lnRef>
+          <a:fillRef idx="0">
+            <a:schemeClr val="accent1"/>
+          </a:fillRef>
+          <a:effectRef idx="0">
+            <a:schemeClr val="accent1"/>
+          </a:effectRef>
+          <a:fontRef idx="minor">
+            <a:schemeClr val="tx1"/>
+          </a:fontRef>
+        </p:style>
+      </p:cxnSp>
+      <p:cxnSp>
+        <p:nvCxnSpPr>
+          <p:cNvPr id="24" name="Gerader Verbinder 23"/>
+          <p:cNvCxnSpPr>
+            <a:stCxn id="8" idx="1"/>
+          </p:cNvCxnSpPr>
+          <p:nvPr/>
+        </p:nvCxnSpPr>
+        <p:spPr>
+          <a:xfrm flipH="1">
+            <a:off x="1429555" y="4460854"/>
+            <a:ext cx="568816" cy="0"/>
+          </a:xfrm>
+          <a:prstGeom prst="line">
+            <a:avLst/>
+          </a:prstGeom>
+        </p:spPr>
+        <p:style>
+          <a:lnRef idx="1">
+            <a:schemeClr val="accent1"/>
+          </a:lnRef>
+          <a:fillRef idx="0">
+            <a:schemeClr val="accent1"/>
+          </a:fillRef>
+          <a:effectRef idx="0">
+            <a:schemeClr val="accent1"/>
+          </a:effectRef>
+          <a:fontRef idx="minor">
+            <a:schemeClr val="tx1"/>
+          </a:fontRef>
+        </p:style>
+      </p:cxnSp>
+      <p:cxnSp>
+        <p:nvCxnSpPr>
+          <p:cNvPr id="26" name="Gerader Verbinder 25"/>
+          <p:cNvCxnSpPr>
+            <a:stCxn id="10" idx="1"/>
+          </p:cNvCxnSpPr>
+          <p:nvPr/>
+        </p:nvCxnSpPr>
+        <p:spPr>
+          <a:xfrm flipH="1" flipV="1">
+            <a:off x="1429555" y="5124775"/>
+            <a:ext cx="568815" cy="1"/>
+          </a:xfrm>
+          <a:prstGeom prst="line">
+            <a:avLst/>
+          </a:prstGeom>
+        </p:spPr>
+        <p:style>
+          <a:lnRef idx="1">
+            <a:schemeClr val="accent1"/>
+          </a:lnRef>
+          <a:fillRef idx="0">
+            <a:schemeClr val="accent1"/>
+          </a:fillRef>
+          <a:effectRef idx="0">
+            <a:schemeClr val="accent1"/>
+          </a:effectRef>
+          <a:fontRef idx="minor">
+            <a:schemeClr val="tx1"/>
+          </a:fontRef>
+        </p:style>
+      </p:cxnSp>
+      <p:cxnSp>
+        <p:nvCxnSpPr>
+          <p:cNvPr id="28" name="Gerader Verbinder 27"/>
+          <p:cNvCxnSpPr>
+            <a:stCxn id="9" idx="1"/>
+          </p:cNvCxnSpPr>
+          <p:nvPr/>
+        </p:nvCxnSpPr>
+        <p:spPr>
+          <a:xfrm flipH="1" flipV="1">
+            <a:off x="1429555" y="5788696"/>
+            <a:ext cx="568815" cy="2"/>
+          </a:xfrm>
+          <a:prstGeom prst="line">
+            <a:avLst/>
+          </a:prstGeom>
+        </p:spPr>
+        <p:style>
+          <a:lnRef idx="1">
+            <a:schemeClr val="accent1"/>
+          </a:lnRef>
+          <a:fillRef idx="0">
+            <a:schemeClr val="accent1"/>
+          </a:fillRef>
+          <a:effectRef idx="0">
+            <a:schemeClr val="accent1"/>
+          </a:effectRef>
+          <a:fontRef idx="minor">
+            <a:schemeClr val="tx1"/>
+          </a:fontRef>
+        </p:style>
+      </p:cxnSp>
+      <p:cxnSp>
+        <p:nvCxnSpPr>
+          <p:cNvPr id="30" name="Gerader Verbinder 29"/>
+          <p:cNvCxnSpPr>
+            <a:stCxn id="16" idx="1"/>
+          </p:cNvCxnSpPr>
+          <p:nvPr/>
+        </p:nvCxnSpPr>
+        <p:spPr>
+          <a:xfrm flipH="1" flipV="1">
+            <a:off x="1429555" y="6452618"/>
+            <a:ext cx="568814" cy="2"/>
+          </a:xfrm>
+          <a:prstGeom prst="line">
+            <a:avLst/>
+          </a:prstGeom>
+        </p:spPr>
+        <p:style>
+          <a:lnRef idx="1">
+            <a:schemeClr val="accent1"/>
+          </a:lnRef>
+          <a:fillRef idx="0">
+            <a:schemeClr val="accent1"/>
+          </a:fillRef>
+          <a:effectRef idx="0">
+            <a:schemeClr val="accent1"/>
+          </a:effectRef>
+          <a:fontRef idx="minor">
+            <a:schemeClr val="tx1"/>
+          </a:fontRef>
+        </p:style>
+      </p:cxnSp>
       <p:pic>
         <p:nvPicPr>
-          <p:cNvPr id="5" name="Inhaltsplatzhalter 4"/>
+          <p:cNvPr id="21" name="Inhaltsplatzhalter 4"/>
           <p:cNvPicPr>
             <a:picLocks noGrp="1" noChangeAspect="1"/>
           </p:cNvPicPr>
@@ -3762,68 +5046,134 @@
         </p:blipFill>
         <p:spPr>
           <a:xfrm>
-            <a:off x="1691481" y="3147643"/>
-            <a:ext cx="3784957" cy="2609720"/>
+            <a:off x="7097439" y="1403989"/>
+            <a:ext cx="2601425" cy="2320588"/>
           </a:xfrm>
         </p:spPr>
       </p:pic>
       <p:sp>
         <p:nvSpPr>
-          <p:cNvPr id="4" name="Foliennummernplatzhalter 3"/>
-          <p:cNvSpPr>
-            <a:spLocks noGrp="1"/>
-          </p:cNvSpPr>
-          <p:nvPr>
-            <p:ph type="sldNum" sz="quarter" idx="12"/>
-          </p:nvPr>
-        </p:nvSpPr>
-        <p:spPr/>
-        <p:txBody>
-          <a:bodyPr/>
-          <a:lstStyle/>
-          <a:p>
-            <a:fld id="{AFC15D4E-52BD-4359-8CF4-4D643ACA6A81}" type="slidenum">
-              <a:rPr lang="de-DE" smtClean="0"/>
-              <a:t>11</a:t>
-            </a:fld>
-            <a:endParaRPr lang="de-DE"/>
-          </a:p>
-        </p:txBody>
-      </p:sp>
-      <p:pic>
-        <p:nvPicPr>
-          <p:cNvPr id="6" name="Grafik 5"/>
-          <p:cNvPicPr>
-            <a:picLocks noChangeAspect="1"/>
-          </p:cNvPicPr>
-          <p:nvPr/>
-        </p:nvPicPr>
-        <p:blipFill>
-          <a:blip r:embed="rId3">
-            <a:extLst>
-              <a:ext uri="{28A0092B-C50C-407E-A947-70E740481C1C}">
-                <a14:useLocalDpi xmlns:a14="http://schemas.microsoft.com/office/drawing/2010/main" val="0"/>
-              </a:ext>
-            </a:extLst>
-          </a:blip>
-          <a:stretch>
-            <a:fillRect/>
-          </a:stretch>
-        </p:blipFill>
+          <p:cNvPr id="3" name="Textfeld 2"/>
+          <p:cNvSpPr txBox="1"/>
+          <p:nvPr/>
+        </p:nvSpPr>
         <p:spPr>
           <a:xfrm>
-            <a:off x="6848038" y="3147643"/>
-            <a:ext cx="3134162" cy="2915057"/>
+            <a:off x="5442450" y="4109112"/>
+            <a:ext cx="6065949" cy="2031325"/>
           </a:xfrm>
           <a:prstGeom prst="rect">
             <a:avLst/>
           </a:prstGeom>
-        </p:spPr>
-      </p:pic>
+          <a:noFill/>
+        </p:spPr>
+        <p:txBody>
+          <a:bodyPr wrap="square" rtlCol="0">
+            <a:spAutoFit/>
+          </a:bodyPr>
+          <a:lstStyle/>
+          <a:p>
+            <a:pPr marL="285750" indent="-285750">
+              <a:buFont typeface="Arial" panose="020B0604020202020204" pitchFamily="34" charset="0"/>
+              <a:buChar char="•"/>
+            </a:pPr>
+            <a:r>
+              <a:rPr lang="de-DE" dirty="0" smtClean="0"/>
+              <a:t>Eigentlich wird nur der Kopf gesteuert, und die nachfolgenden Würfel übernehmen nur die Position vom Vorgänger Würfel.</a:t>
+            </a:r>
+          </a:p>
+          <a:p>
+            <a:pPr marL="285750" indent="-285750">
+              <a:buFont typeface="Arial" panose="020B0604020202020204" pitchFamily="34" charset="0"/>
+              <a:buChar char="•"/>
+            </a:pPr>
+            <a:endParaRPr lang="de-DE" dirty="0"/>
+          </a:p>
+          <a:p>
+            <a:pPr marL="285750" indent="-285750">
+              <a:buFont typeface="Arial" panose="020B0604020202020204" pitchFamily="34" charset="0"/>
+              <a:buChar char="•"/>
+            </a:pPr>
+            <a:r>
+              <a:rPr lang="de-DE" dirty="0"/>
+              <a:t>Kann man mit den Pfeiltasten oder W, A, S, D steuern.</a:t>
+            </a:r>
+          </a:p>
+          <a:p>
+            <a:pPr marL="285750" indent="-285750">
+              <a:buFont typeface="Arial" panose="020B0604020202020204" pitchFamily="34" charset="0"/>
+              <a:buChar char="•"/>
+            </a:pPr>
+            <a:endParaRPr lang="de-DE" dirty="0" smtClean="0"/>
+          </a:p>
+          <a:p>
+            <a:pPr marL="285750" indent="-285750">
+              <a:buFont typeface="Arial" panose="020B0604020202020204" pitchFamily="34" charset="0"/>
+              <a:buChar char="•"/>
+            </a:pPr>
+            <a:r>
+              <a:rPr lang="de-DE" dirty="0" smtClean="0"/>
+              <a:t>Schlange wird durch </a:t>
+            </a:r>
+            <a:r>
+              <a:rPr lang="de-DE" dirty="0" err="1" smtClean="0"/>
+              <a:t>SetIntervall</a:t>
+            </a:r>
+            <a:r>
+              <a:rPr lang="de-DE" dirty="0" smtClean="0"/>
+              <a:t>-Funktion ständig bewegt.</a:t>
+            </a:r>
+          </a:p>
+        </p:txBody>
+      </p:sp>
+      <p:sp>
+        <p:nvSpPr>
+          <p:cNvPr id="11" name="Textfeld 10"/>
+          <p:cNvSpPr txBox="1"/>
+          <p:nvPr/>
+        </p:nvSpPr>
+        <p:spPr>
+          <a:xfrm>
+            <a:off x="7035727" y="3789886"/>
+            <a:ext cx="2724847" cy="253916"/>
+          </a:xfrm>
+          <a:prstGeom prst="rect">
+            <a:avLst/>
+          </a:prstGeom>
+          <a:noFill/>
+        </p:spPr>
+        <p:txBody>
+          <a:bodyPr wrap="square" rtlCol="0">
+            <a:spAutoFit/>
+          </a:bodyPr>
+          <a:lstStyle/>
+          <a:p>
+            <a:r>
+              <a:rPr lang="de-DE" sz="1050" i="1" dirty="0" smtClean="0">
+                <a:solidFill>
+                  <a:schemeClr val="tx1">
+                    <a:lumMod val="50000"/>
+                    <a:lumOff val="50000"/>
+                  </a:schemeClr>
+                </a:solidFill>
+              </a:rPr>
+              <a:t>Die Schlange Nimmersatt (Stand: 29.09.2015)</a:t>
+            </a:r>
+            <a:endParaRPr lang="de-DE" sz="1050" i="1" dirty="0">
+              <a:solidFill>
+                <a:schemeClr val="tx1">
+                  <a:lumMod val="50000"/>
+                  <a:lumOff val="50000"/>
+                </a:schemeClr>
+              </a:solidFill>
+            </a:endParaRPr>
+          </a:p>
+        </p:txBody>
+      </p:sp>
     </p:spTree>
     <p:extLst>
       <p:ext uri="{BB962C8B-B14F-4D97-AF65-F5344CB8AC3E}">
-        <p14:creationId xmlns:p14="http://schemas.microsoft.com/office/powerpoint/2010/main" val="1960891540"/>
+        <p14:creationId xmlns:p14="http://schemas.microsoft.com/office/powerpoint/2010/main" val="1079494959"/>
       </p:ext>
     </p:extLst>
   </p:cSld>
@@ -3874,16 +5224,673 @@
           <a:p>
             <a:pPr algn="ctr"/>
             <a:r>
+              <a:rPr lang="de-DE" b="1" dirty="0" smtClean="0"/>
+              <a:t>Systemarchitektur</a:t>
+            </a:r>
+            <a:endParaRPr lang="de-DE" b="1" dirty="0"/>
+          </a:p>
+        </p:txBody>
+      </p:sp>
+      <p:sp>
+        <p:nvSpPr>
+          <p:cNvPr id="4" name="Foliennummernplatzhalter 3"/>
+          <p:cNvSpPr>
+            <a:spLocks noGrp="1"/>
+          </p:cNvSpPr>
+          <p:nvPr>
+            <p:ph type="sldNum" sz="quarter" idx="12"/>
+          </p:nvPr>
+        </p:nvSpPr>
+        <p:spPr/>
+        <p:txBody>
+          <a:bodyPr/>
+          <a:lstStyle/>
+          <a:p>
+            <a:fld id="{AFC15D4E-52BD-4359-8CF4-4D643ACA6A81}" type="slidenum">
+              <a:rPr lang="de-DE" smtClean="0"/>
+              <a:t>12</a:t>
+            </a:fld>
+            <a:endParaRPr lang="de-DE"/>
+          </a:p>
+        </p:txBody>
+      </p:sp>
+      <p:sp>
+        <p:nvSpPr>
+          <p:cNvPr id="5" name="Rechteck 4"/>
+          <p:cNvSpPr/>
+          <p:nvPr/>
+        </p:nvSpPr>
+        <p:spPr>
+          <a:xfrm>
+            <a:off x="115910" y="1403989"/>
+            <a:ext cx="2627290" cy="634621"/>
+          </a:xfrm>
+          <a:prstGeom prst="rect">
+            <a:avLst/>
+          </a:prstGeom>
+          <a:solidFill>
+            <a:schemeClr val="tx2"/>
+          </a:solidFill>
+          <a:ln>
+            <a:solidFill>
+              <a:schemeClr val="tx2">
+                <a:lumMod val="50000"/>
+              </a:schemeClr>
+            </a:solidFill>
+          </a:ln>
+        </p:spPr>
+        <p:style>
+          <a:lnRef idx="2">
+            <a:schemeClr val="accent1">
+              <a:shade val="50000"/>
+            </a:schemeClr>
+          </a:lnRef>
+          <a:fillRef idx="1">
+            <a:schemeClr val="accent1"/>
+          </a:fillRef>
+          <a:effectRef idx="0">
+            <a:schemeClr val="accent1"/>
+          </a:effectRef>
+          <a:fontRef idx="minor">
+            <a:schemeClr val="lt1"/>
+          </a:fontRef>
+        </p:style>
+        <p:txBody>
+          <a:bodyPr rtlCol="0" anchor="ctr"/>
+          <a:lstStyle/>
+          <a:p>
+            <a:pPr algn="ctr"/>
+            <a:r>
               <a:rPr lang="de-DE" dirty="0" smtClean="0"/>
+              <a:t>Objekte im Spiel</a:t>
+            </a:r>
+            <a:endParaRPr lang="de-DE" dirty="0"/>
+          </a:p>
+        </p:txBody>
+      </p:sp>
+      <p:sp>
+        <p:nvSpPr>
+          <p:cNvPr id="6" name="Rechteck 5"/>
+          <p:cNvSpPr/>
+          <p:nvPr/>
+        </p:nvSpPr>
+        <p:spPr>
+          <a:xfrm>
+            <a:off x="1998372" y="2228970"/>
+            <a:ext cx="2163651" cy="463640"/>
+          </a:xfrm>
+          <a:prstGeom prst="rect">
+            <a:avLst/>
+          </a:prstGeom>
+        </p:spPr>
+        <p:style>
+          <a:lnRef idx="2">
+            <a:schemeClr val="accent1">
+              <a:shade val="50000"/>
+            </a:schemeClr>
+          </a:lnRef>
+          <a:fillRef idx="1">
+            <a:schemeClr val="accent1"/>
+          </a:fillRef>
+          <a:effectRef idx="0">
+            <a:schemeClr val="accent1"/>
+          </a:effectRef>
+          <a:fontRef idx="minor">
+            <a:schemeClr val="lt1"/>
+          </a:fontRef>
+        </p:style>
+        <p:txBody>
+          <a:bodyPr rtlCol="0" anchor="ctr"/>
+          <a:lstStyle/>
+          <a:p>
+            <a:pPr algn="ctr"/>
+            <a:r>
+              <a:rPr lang="de-DE" dirty="0" smtClean="0"/>
+              <a:t>Schlange</a:t>
+            </a:r>
+            <a:endParaRPr lang="de-DE" dirty="0"/>
+          </a:p>
+        </p:txBody>
+      </p:sp>
+      <p:sp>
+        <p:nvSpPr>
+          <p:cNvPr id="7" name="Rechteck 6"/>
+          <p:cNvSpPr/>
+          <p:nvPr/>
+        </p:nvSpPr>
+        <p:spPr>
+          <a:xfrm>
+            <a:off x="1998371" y="3565112"/>
+            <a:ext cx="2163651" cy="463640"/>
+          </a:xfrm>
+          <a:prstGeom prst="rect">
+            <a:avLst/>
+          </a:prstGeom>
+        </p:spPr>
+        <p:style>
+          <a:lnRef idx="2">
+            <a:schemeClr val="accent1">
+              <a:shade val="50000"/>
+            </a:schemeClr>
+          </a:lnRef>
+          <a:fillRef idx="1">
+            <a:schemeClr val="accent1"/>
+          </a:fillRef>
+          <a:effectRef idx="0">
+            <a:schemeClr val="accent1"/>
+          </a:effectRef>
+          <a:fontRef idx="minor">
+            <a:schemeClr val="lt1"/>
+          </a:fontRef>
+        </p:style>
+        <p:txBody>
+          <a:bodyPr rtlCol="0" anchor="ctr"/>
+          <a:lstStyle/>
+          <a:p>
+            <a:pPr algn="ctr"/>
+            <a:r>
+              <a:rPr lang="de-DE" dirty="0" smtClean="0"/>
+              <a:t>Speerfalle</a:t>
+            </a:r>
+            <a:endParaRPr lang="de-DE" dirty="0"/>
+          </a:p>
+        </p:txBody>
+      </p:sp>
+      <p:sp>
+        <p:nvSpPr>
+          <p:cNvPr id="8" name="Rechteck 7"/>
+          <p:cNvSpPr/>
+          <p:nvPr/>
+        </p:nvSpPr>
+        <p:spPr>
+          <a:xfrm>
+            <a:off x="1998371" y="4229034"/>
+            <a:ext cx="2163651" cy="463640"/>
+          </a:xfrm>
+          <a:prstGeom prst="rect">
+            <a:avLst/>
+          </a:prstGeom>
+        </p:spPr>
+        <p:style>
+          <a:lnRef idx="2">
+            <a:schemeClr val="accent1">
+              <a:shade val="50000"/>
+            </a:schemeClr>
+          </a:lnRef>
+          <a:fillRef idx="1">
+            <a:schemeClr val="accent1"/>
+          </a:fillRef>
+          <a:effectRef idx="0">
+            <a:schemeClr val="accent1"/>
+          </a:effectRef>
+          <a:fontRef idx="minor">
+            <a:schemeClr val="lt1"/>
+          </a:fontRef>
+        </p:style>
+        <p:txBody>
+          <a:bodyPr rtlCol="0" anchor="ctr"/>
+          <a:lstStyle/>
+          <a:p>
+            <a:pPr algn="ctr"/>
+            <a:r>
+              <a:rPr lang="de-DE" dirty="0" smtClean="0"/>
+              <a:t>Fallende Steine</a:t>
+            </a:r>
+            <a:endParaRPr lang="de-DE" dirty="0"/>
+          </a:p>
+        </p:txBody>
+      </p:sp>
+      <p:sp>
+        <p:nvSpPr>
+          <p:cNvPr id="9" name="Rechteck 8"/>
+          <p:cNvSpPr/>
+          <p:nvPr/>
+        </p:nvSpPr>
+        <p:spPr>
+          <a:xfrm>
+            <a:off x="1998370" y="5556878"/>
+            <a:ext cx="2163651" cy="463640"/>
+          </a:xfrm>
+          <a:prstGeom prst="rect">
+            <a:avLst/>
+          </a:prstGeom>
+        </p:spPr>
+        <p:style>
+          <a:lnRef idx="2">
+            <a:schemeClr val="accent1">
+              <a:shade val="50000"/>
+            </a:schemeClr>
+          </a:lnRef>
+          <a:fillRef idx="1">
+            <a:schemeClr val="accent1"/>
+          </a:fillRef>
+          <a:effectRef idx="0">
+            <a:schemeClr val="accent1"/>
+          </a:effectRef>
+          <a:fontRef idx="minor">
+            <a:schemeClr val="lt1"/>
+          </a:fontRef>
+        </p:style>
+        <p:txBody>
+          <a:bodyPr rtlCol="0" anchor="ctr"/>
+          <a:lstStyle/>
+          <a:p>
+            <a:pPr algn="ctr"/>
+            <a:r>
+              <a:rPr lang="de-DE" dirty="0" smtClean="0"/>
+              <a:t>Futter</a:t>
+            </a:r>
+            <a:endParaRPr lang="de-DE" dirty="0"/>
+          </a:p>
+        </p:txBody>
+      </p:sp>
+      <p:sp>
+        <p:nvSpPr>
+          <p:cNvPr id="10" name="Rechteck 9"/>
+          <p:cNvSpPr/>
+          <p:nvPr/>
+        </p:nvSpPr>
+        <p:spPr>
+          <a:xfrm>
+            <a:off x="1998370" y="4892956"/>
+            <a:ext cx="2163651" cy="463640"/>
+          </a:xfrm>
+          <a:prstGeom prst="rect">
+            <a:avLst/>
+          </a:prstGeom>
+        </p:spPr>
+        <p:style>
+          <a:lnRef idx="2">
+            <a:schemeClr val="accent1">
+              <a:shade val="50000"/>
+            </a:schemeClr>
+          </a:lnRef>
+          <a:fillRef idx="1">
+            <a:schemeClr val="accent1"/>
+          </a:fillRef>
+          <a:effectRef idx="0">
+            <a:schemeClr val="accent1"/>
+          </a:effectRef>
+          <a:fontRef idx="minor">
+            <a:schemeClr val="lt1"/>
+          </a:fontRef>
+        </p:style>
+        <p:txBody>
+          <a:bodyPr rtlCol="0" anchor="ctr"/>
+          <a:lstStyle/>
+          <a:p>
+            <a:pPr algn="ctr"/>
+            <a:r>
+              <a:rPr lang="de-DE" dirty="0" smtClean="0"/>
+              <a:t>Diätpille</a:t>
+            </a:r>
+            <a:endParaRPr lang="de-DE" dirty="0"/>
+          </a:p>
+        </p:txBody>
+      </p:sp>
+      <p:cxnSp>
+        <p:nvCxnSpPr>
+          <p:cNvPr id="12" name="Gerader Verbinder 11"/>
+          <p:cNvCxnSpPr>
+            <a:stCxn id="5" idx="2"/>
+          </p:cNvCxnSpPr>
+          <p:nvPr/>
+        </p:nvCxnSpPr>
+        <p:spPr>
+          <a:xfrm>
+            <a:off x="1429555" y="2038610"/>
+            <a:ext cx="0" cy="4414008"/>
+          </a:xfrm>
+          <a:prstGeom prst="line">
+            <a:avLst/>
+          </a:prstGeom>
+        </p:spPr>
+        <p:style>
+          <a:lnRef idx="1">
+            <a:schemeClr val="accent1"/>
+          </a:lnRef>
+          <a:fillRef idx="0">
+            <a:schemeClr val="accent1"/>
+          </a:fillRef>
+          <a:effectRef idx="0">
+            <a:schemeClr val="accent1"/>
+          </a:effectRef>
+          <a:fontRef idx="minor">
+            <a:schemeClr val="tx1"/>
+          </a:fontRef>
+        </p:style>
+      </p:cxnSp>
+      <p:cxnSp>
+        <p:nvCxnSpPr>
+          <p:cNvPr id="14" name="Gerader Verbinder 13"/>
+          <p:cNvCxnSpPr>
+            <a:stCxn id="6" idx="1"/>
+          </p:cNvCxnSpPr>
+          <p:nvPr/>
+        </p:nvCxnSpPr>
+        <p:spPr>
+          <a:xfrm flipH="1">
+            <a:off x="1429555" y="2460790"/>
+            <a:ext cx="568817" cy="0"/>
+          </a:xfrm>
+          <a:prstGeom prst="line">
+            <a:avLst/>
+          </a:prstGeom>
+        </p:spPr>
+        <p:style>
+          <a:lnRef idx="1">
+            <a:schemeClr val="accent1"/>
+          </a:lnRef>
+          <a:fillRef idx="0">
+            <a:schemeClr val="accent1"/>
+          </a:fillRef>
+          <a:effectRef idx="0">
+            <a:schemeClr val="accent1"/>
+          </a:effectRef>
+          <a:fontRef idx="minor">
+            <a:schemeClr val="tx1"/>
+          </a:fontRef>
+        </p:style>
+      </p:cxnSp>
+      <p:sp>
+        <p:nvSpPr>
+          <p:cNvPr id="15" name="Rechteck 14"/>
+          <p:cNvSpPr/>
+          <p:nvPr/>
+        </p:nvSpPr>
+        <p:spPr>
+          <a:xfrm>
+            <a:off x="1998372" y="2892893"/>
+            <a:ext cx="2163651" cy="463640"/>
+          </a:xfrm>
+          <a:prstGeom prst="rect">
+            <a:avLst/>
+          </a:prstGeom>
+          <a:solidFill>
+            <a:srgbClr val="FFC000"/>
+          </a:solidFill>
+          <a:ln>
+            <a:solidFill>
+              <a:schemeClr val="accent2"/>
+            </a:solidFill>
+          </a:ln>
+        </p:spPr>
+        <p:style>
+          <a:lnRef idx="2">
+            <a:schemeClr val="accent1">
+              <a:shade val="50000"/>
+            </a:schemeClr>
+          </a:lnRef>
+          <a:fillRef idx="1">
+            <a:schemeClr val="accent1"/>
+          </a:fillRef>
+          <a:effectRef idx="0">
+            <a:schemeClr val="accent1"/>
+          </a:effectRef>
+          <a:fontRef idx="minor">
+            <a:schemeClr val="lt1"/>
+          </a:fontRef>
+        </p:style>
+        <p:txBody>
+          <a:bodyPr rtlCol="0" anchor="ctr"/>
+          <a:lstStyle/>
+          <a:p>
+            <a:pPr algn="ctr"/>
+            <a:r>
+              <a:rPr lang="de-DE" dirty="0" smtClean="0">
+                <a:solidFill>
+                  <a:schemeClr val="tx1"/>
+                </a:solidFill>
+              </a:rPr>
               <a:t>Spielfeld</a:t>
             </a:r>
+            <a:endParaRPr lang="de-DE" dirty="0">
+              <a:solidFill>
+                <a:schemeClr val="tx1"/>
+              </a:solidFill>
+            </a:endParaRPr>
+          </a:p>
+        </p:txBody>
+      </p:sp>
+      <p:sp>
+        <p:nvSpPr>
+          <p:cNvPr id="16" name="Rechteck 15"/>
+          <p:cNvSpPr/>
+          <p:nvPr/>
+        </p:nvSpPr>
+        <p:spPr>
+          <a:xfrm>
+            <a:off x="1998369" y="6220800"/>
+            <a:ext cx="2163651" cy="463640"/>
+          </a:xfrm>
+          <a:prstGeom prst="rect">
+            <a:avLst/>
+          </a:prstGeom>
+        </p:spPr>
+        <p:style>
+          <a:lnRef idx="2">
+            <a:schemeClr val="accent1">
+              <a:shade val="50000"/>
+            </a:schemeClr>
+          </a:lnRef>
+          <a:fillRef idx="1">
+            <a:schemeClr val="accent1"/>
+          </a:fillRef>
+          <a:effectRef idx="0">
+            <a:schemeClr val="accent1"/>
+          </a:effectRef>
+          <a:fontRef idx="minor">
+            <a:schemeClr val="lt1"/>
+          </a:fontRef>
+        </p:style>
+        <p:txBody>
+          <a:bodyPr rtlCol="0" anchor="ctr"/>
+          <a:lstStyle/>
+          <a:p>
+            <a:pPr algn="ctr"/>
+            <a:r>
+              <a:rPr lang="de-DE" dirty="0" smtClean="0"/>
+              <a:t>Sonstige Objekte</a:t>
+            </a:r>
             <a:endParaRPr lang="de-DE" dirty="0"/>
           </a:p>
         </p:txBody>
       </p:sp>
+      <p:cxnSp>
+        <p:nvCxnSpPr>
+          <p:cNvPr id="18" name="Gerader Verbinder 17"/>
+          <p:cNvCxnSpPr>
+            <a:stCxn id="15" idx="1"/>
+          </p:cNvCxnSpPr>
+          <p:nvPr/>
+        </p:nvCxnSpPr>
+        <p:spPr>
+          <a:xfrm flipH="1">
+            <a:off x="1429555" y="3124713"/>
+            <a:ext cx="568817" cy="0"/>
+          </a:xfrm>
+          <a:prstGeom prst="line">
+            <a:avLst/>
+          </a:prstGeom>
+        </p:spPr>
+        <p:style>
+          <a:lnRef idx="1">
+            <a:schemeClr val="accent1"/>
+          </a:lnRef>
+          <a:fillRef idx="0">
+            <a:schemeClr val="accent1"/>
+          </a:fillRef>
+          <a:effectRef idx="0">
+            <a:schemeClr val="accent1"/>
+          </a:effectRef>
+          <a:fontRef idx="minor">
+            <a:schemeClr val="tx1"/>
+          </a:fontRef>
+        </p:style>
+      </p:cxnSp>
+      <p:cxnSp>
+        <p:nvCxnSpPr>
+          <p:cNvPr id="20" name="Gerader Verbinder 19"/>
+          <p:cNvCxnSpPr>
+            <a:stCxn id="7" idx="1"/>
+          </p:cNvCxnSpPr>
+          <p:nvPr/>
+        </p:nvCxnSpPr>
+        <p:spPr>
+          <a:xfrm flipH="1" flipV="1">
+            <a:off x="1429555" y="3796930"/>
+            <a:ext cx="568816" cy="2"/>
+          </a:xfrm>
+          <a:prstGeom prst="line">
+            <a:avLst/>
+          </a:prstGeom>
+        </p:spPr>
+        <p:style>
+          <a:lnRef idx="1">
+            <a:schemeClr val="accent1"/>
+          </a:lnRef>
+          <a:fillRef idx="0">
+            <a:schemeClr val="accent1"/>
+          </a:fillRef>
+          <a:effectRef idx="0">
+            <a:schemeClr val="accent1"/>
+          </a:effectRef>
+          <a:fontRef idx="minor">
+            <a:schemeClr val="tx1"/>
+          </a:fontRef>
+        </p:style>
+      </p:cxnSp>
+      <p:cxnSp>
+        <p:nvCxnSpPr>
+          <p:cNvPr id="24" name="Gerader Verbinder 23"/>
+          <p:cNvCxnSpPr>
+            <a:stCxn id="8" idx="1"/>
+          </p:cNvCxnSpPr>
+          <p:nvPr/>
+        </p:nvCxnSpPr>
+        <p:spPr>
+          <a:xfrm flipH="1">
+            <a:off x="1429555" y="4460854"/>
+            <a:ext cx="568816" cy="0"/>
+          </a:xfrm>
+          <a:prstGeom prst="line">
+            <a:avLst/>
+          </a:prstGeom>
+        </p:spPr>
+        <p:style>
+          <a:lnRef idx="1">
+            <a:schemeClr val="accent1"/>
+          </a:lnRef>
+          <a:fillRef idx="0">
+            <a:schemeClr val="accent1"/>
+          </a:fillRef>
+          <a:effectRef idx="0">
+            <a:schemeClr val="accent1"/>
+          </a:effectRef>
+          <a:fontRef idx="minor">
+            <a:schemeClr val="tx1"/>
+          </a:fontRef>
+        </p:style>
+      </p:cxnSp>
+      <p:cxnSp>
+        <p:nvCxnSpPr>
+          <p:cNvPr id="26" name="Gerader Verbinder 25"/>
+          <p:cNvCxnSpPr>
+            <a:stCxn id="10" idx="1"/>
+          </p:cNvCxnSpPr>
+          <p:nvPr/>
+        </p:nvCxnSpPr>
+        <p:spPr>
+          <a:xfrm flipH="1" flipV="1">
+            <a:off x="1429555" y="5124775"/>
+            <a:ext cx="568815" cy="1"/>
+          </a:xfrm>
+          <a:prstGeom prst="line">
+            <a:avLst/>
+          </a:prstGeom>
+        </p:spPr>
+        <p:style>
+          <a:lnRef idx="1">
+            <a:schemeClr val="accent1"/>
+          </a:lnRef>
+          <a:fillRef idx="0">
+            <a:schemeClr val="accent1"/>
+          </a:fillRef>
+          <a:effectRef idx="0">
+            <a:schemeClr val="accent1"/>
+          </a:effectRef>
+          <a:fontRef idx="minor">
+            <a:schemeClr val="tx1"/>
+          </a:fontRef>
+        </p:style>
+      </p:cxnSp>
+      <p:cxnSp>
+        <p:nvCxnSpPr>
+          <p:cNvPr id="28" name="Gerader Verbinder 27"/>
+          <p:cNvCxnSpPr>
+            <a:stCxn id="9" idx="1"/>
+          </p:cNvCxnSpPr>
+          <p:nvPr/>
+        </p:nvCxnSpPr>
+        <p:spPr>
+          <a:xfrm flipH="1" flipV="1">
+            <a:off x="1429555" y="5788696"/>
+            <a:ext cx="568815" cy="2"/>
+          </a:xfrm>
+          <a:prstGeom prst="line">
+            <a:avLst/>
+          </a:prstGeom>
+        </p:spPr>
+        <p:style>
+          <a:lnRef idx="1">
+            <a:schemeClr val="accent1"/>
+          </a:lnRef>
+          <a:fillRef idx="0">
+            <a:schemeClr val="accent1"/>
+          </a:fillRef>
+          <a:effectRef idx="0">
+            <a:schemeClr val="accent1"/>
+          </a:effectRef>
+          <a:fontRef idx="minor">
+            <a:schemeClr val="tx1"/>
+          </a:fontRef>
+        </p:style>
+      </p:cxnSp>
+      <p:cxnSp>
+        <p:nvCxnSpPr>
+          <p:cNvPr id="30" name="Gerader Verbinder 29"/>
+          <p:cNvCxnSpPr>
+            <a:stCxn id="16" idx="1"/>
+          </p:cNvCxnSpPr>
+          <p:nvPr/>
+        </p:nvCxnSpPr>
+        <p:spPr>
+          <a:xfrm flipH="1" flipV="1">
+            <a:off x="1429555" y="6452618"/>
+            <a:ext cx="568814" cy="2"/>
+          </a:xfrm>
+          <a:prstGeom prst="line">
+            <a:avLst/>
+          </a:prstGeom>
+        </p:spPr>
+        <p:style>
+          <a:lnRef idx="1">
+            <a:schemeClr val="accent1"/>
+          </a:lnRef>
+          <a:fillRef idx="0">
+            <a:schemeClr val="accent1"/>
+          </a:fillRef>
+          <a:effectRef idx="0">
+            <a:schemeClr val="accent1"/>
+          </a:effectRef>
+          <a:fontRef idx="minor">
+            <a:schemeClr val="tx1"/>
+          </a:fontRef>
+        </p:style>
+      </p:cxnSp>
       <p:pic>
         <p:nvPicPr>
-          <p:cNvPr id="5" name="Inhaltsplatzhalter 4"/>
+          <p:cNvPr id="21" name="Inhaltsplatzhalter 4"/>
           <p:cNvPicPr>
             <a:picLocks noGrp="1" noChangeAspect="1"/>
           </p:cNvPicPr>
@@ -3905,38 +5912,62 @@
         </p:blipFill>
         <p:spPr>
           <a:xfrm>
-            <a:off x="838200" y="1690689"/>
+            <a:off x="5049592" y="1403989"/>
             <a:ext cx="6026239" cy="1872186"/>
           </a:xfrm>
         </p:spPr>
       </p:pic>
       <p:sp>
         <p:nvSpPr>
-          <p:cNvPr id="4" name="Foliennummernplatzhalter 3"/>
-          <p:cNvSpPr>
-            <a:spLocks noGrp="1"/>
-          </p:cNvSpPr>
-          <p:nvPr>
-            <p:ph type="sldNum" sz="quarter" idx="12"/>
-          </p:nvPr>
-        </p:nvSpPr>
-        <p:spPr/>
-        <p:txBody>
-          <a:bodyPr/>
-          <a:lstStyle/>
-          <a:p>
-            <a:fld id="{AFC15D4E-52BD-4359-8CF4-4D643ACA6A81}" type="slidenum">
-              <a:rPr lang="de-DE" smtClean="0"/>
-              <a:t>12</a:t>
-            </a:fld>
-            <a:endParaRPr lang="de-DE"/>
+          <p:cNvPr id="3" name="Textfeld 2"/>
+          <p:cNvSpPr txBox="1"/>
+          <p:nvPr/>
+        </p:nvSpPr>
+        <p:spPr>
+          <a:xfrm>
+            <a:off x="5049592" y="3356533"/>
+            <a:ext cx="3688830" cy="530915"/>
+          </a:xfrm>
+          <a:prstGeom prst="rect">
+            <a:avLst/>
+          </a:prstGeom>
+          <a:noFill/>
+        </p:spPr>
+        <p:txBody>
+          <a:bodyPr wrap="none" rtlCol="0">
+            <a:spAutoFit/>
+          </a:bodyPr>
+          <a:lstStyle/>
+          <a:p>
+            <a:r>
+              <a:rPr lang="de-DE" sz="1050" i="1" dirty="0" smtClean="0">
+                <a:solidFill>
+                  <a:schemeClr val="tx1">
+                    <a:lumMod val="50000"/>
+                    <a:lumOff val="50000"/>
+                  </a:schemeClr>
+                </a:solidFill>
+              </a:rPr>
+              <a:t>Nimmersatt und ihr Futter auf dem Spielfeld (Stand: 29.09.2015)</a:t>
+            </a:r>
+            <a:endParaRPr lang="de-DE" sz="1050" i="1" dirty="0">
+              <a:solidFill>
+                <a:schemeClr val="tx1">
+                  <a:lumMod val="50000"/>
+                  <a:lumOff val="50000"/>
+                </a:schemeClr>
+              </a:solidFill>
+            </a:endParaRPr>
+          </a:p>
+          <a:p>
+            <a:endParaRPr lang="de-DE" dirty="0"/>
           </a:p>
         </p:txBody>
       </p:sp>
     </p:spTree>
     <p:extLst>
       <p:ext uri="{BB962C8B-B14F-4D97-AF65-F5344CB8AC3E}">
-        <p14:creationId xmlns:p14="http://schemas.microsoft.com/office/powerpoint/2010/main" val="1796283047"/>
+        <p14:creationId xmlns:p14="http://schemas.microsoft.com/office/powerpoint/2010/main" val="630567246"/>
       </p:ext>
     </p:extLst>
   </p:cSld>
@@ -3987,42 +6018,13 @@
           <a:p>
             <a:pPr algn="ctr"/>
             <a:r>
-              <a:rPr lang="de-DE" dirty="0" smtClean="0"/>
-              <a:t>Kollisionserkennung</a:t>
-            </a:r>
-            <a:endParaRPr lang="de-DE" dirty="0"/>
-          </a:p>
-        </p:txBody>
-      </p:sp>
-      <p:pic>
-        <p:nvPicPr>
-          <p:cNvPr id="5" name="Inhaltsplatzhalter 4"/>
-          <p:cNvPicPr>
-            <a:picLocks noGrp="1" noChangeAspect="1"/>
-          </p:cNvPicPr>
-          <p:nvPr>
-            <p:ph idx="1"/>
-          </p:nvPr>
-        </p:nvPicPr>
-        <p:blipFill>
-          <a:blip r:embed="rId2">
-            <a:extLst>
-              <a:ext uri="{28A0092B-C50C-407E-A947-70E740481C1C}">
-                <a14:useLocalDpi xmlns:a14="http://schemas.microsoft.com/office/drawing/2010/main" val="0"/>
-              </a:ext>
-            </a:extLst>
-          </a:blip>
-          <a:stretch>
-            <a:fillRect/>
-          </a:stretch>
-        </p:blipFill>
-        <p:spPr>
-          <a:xfrm>
-            <a:off x="315072" y="2400400"/>
-            <a:ext cx="2672827" cy="2157500"/>
-          </a:xfrm>
-        </p:spPr>
-      </p:pic>
+              <a:rPr lang="de-DE" b="1" dirty="0" smtClean="0"/>
+              <a:t>Systemarchitektur</a:t>
+            </a:r>
+            <a:endParaRPr lang="de-DE" b="1" dirty="0"/>
+          </a:p>
+        </p:txBody>
+      </p:sp>
       <p:sp>
         <p:nvSpPr>
           <p:cNvPr id="4" name="Foliennummernplatzhalter 3"/>
@@ -4046,40 +6048,644 @@
           </a:p>
         </p:txBody>
       </p:sp>
-      <p:pic>
-        <p:nvPicPr>
-          <p:cNvPr id="6" name="Grafik 5"/>
-          <p:cNvPicPr>
-            <a:picLocks noChangeAspect="1"/>
-          </p:cNvPicPr>
-          <p:nvPr/>
-        </p:nvPicPr>
-        <p:blipFill>
-          <a:blip r:embed="rId3">
-            <a:extLst>
-              <a:ext uri="{28A0092B-C50C-407E-A947-70E740481C1C}">
-                <a14:useLocalDpi xmlns:a14="http://schemas.microsoft.com/office/drawing/2010/main" val="0"/>
-              </a:ext>
-            </a:extLst>
-          </a:blip>
-          <a:stretch>
-            <a:fillRect/>
-          </a:stretch>
-        </p:blipFill>
+      <p:sp>
+        <p:nvSpPr>
+          <p:cNvPr id="5" name="Rechteck 4"/>
+          <p:cNvSpPr/>
+          <p:nvPr/>
+        </p:nvSpPr>
         <p:spPr>
           <a:xfrm>
-            <a:off x="3179661" y="2400401"/>
-            <a:ext cx="1971107" cy="2157500"/>
+            <a:off x="115910" y="1403989"/>
+            <a:ext cx="2627290" cy="634621"/>
           </a:xfrm>
           <a:prstGeom prst="rect">
             <a:avLst/>
           </a:prstGeom>
-        </p:spPr>
-      </p:pic>
+          <a:solidFill>
+            <a:schemeClr val="tx2"/>
+          </a:solidFill>
+          <a:ln>
+            <a:solidFill>
+              <a:schemeClr val="tx2">
+                <a:lumMod val="50000"/>
+              </a:schemeClr>
+            </a:solidFill>
+          </a:ln>
+        </p:spPr>
+        <p:style>
+          <a:lnRef idx="2">
+            <a:schemeClr val="accent1">
+              <a:shade val="50000"/>
+            </a:schemeClr>
+          </a:lnRef>
+          <a:fillRef idx="1">
+            <a:schemeClr val="accent1"/>
+          </a:fillRef>
+          <a:effectRef idx="0">
+            <a:schemeClr val="accent1"/>
+          </a:effectRef>
+          <a:fontRef idx="minor">
+            <a:schemeClr val="lt1"/>
+          </a:fontRef>
+        </p:style>
+        <p:txBody>
+          <a:bodyPr rtlCol="0" anchor="ctr"/>
+          <a:lstStyle/>
+          <a:p>
+            <a:pPr algn="ctr"/>
+            <a:r>
+              <a:rPr lang="de-DE" dirty="0" smtClean="0"/>
+              <a:t>Objekte im Spiel</a:t>
+            </a:r>
+            <a:endParaRPr lang="de-DE" dirty="0"/>
+          </a:p>
+        </p:txBody>
+      </p:sp>
+      <p:sp>
+        <p:nvSpPr>
+          <p:cNvPr id="6" name="Rechteck 5"/>
+          <p:cNvSpPr/>
+          <p:nvPr/>
+        </p:nvSpPr>
+        <p:spPr>
+          <a:xfrm>
+            <a:off x="1998372" y="2228970"/>
+            <a:ext cx="2163651" cy="463640"/>
+          </a:xfrm>
+          <a:prstGeom prst="rect">
+            <a:avLst/>
+          </a:prstGeom>
+        </p:spPr>
+        <p:style>
+          <a:lnRef idx="2">
+            <a:schemeClr val="accent1">
+              <a:shade val="50000"/>
+            </a:schemeClr>
+          </a:lnRef>
+          <a:fillRef idx="1">
+            <a:schemeClr val="accent1"/>
+          </a:fillRef>
+          <a:effectRef idx="0">
+            <a:schemeClr val="accent1"/>
+          </a:effectRef>
+          <a:fontRef idx="minor">
+            <a:schemeClr val="lt1"/>
+          </a:fontRef>
+        </p:style>
+        <p:txBody>
+          <a:bodyPr rtlCol="0" anchor="ctr"/>
+          <a:lstStyle/>
+          <a:p>
+            <a:pPr algn="ctr"/>
+            <a:r>
+              <a:rPr lang="de-DE" dirty="0" smtClean="0"/>
+              <a:t>Schlange</a:t>
+            </a:r>
+            <a:endParaRPr lang="de-DE" dirty="0"/>
+          </a:p>
+        </p:txBody>
+      </p:sp>
+      <p:sp>
+        <p:nvSpPr>
+          <p:cNvPr id="7" name="Rechteck 6"/>
+          <p:cNvSpPr/>
+          <p:nvPr/>
+        </p:nvSpPr>
+        <p:spPr>
+          <a:xfrm>
+            <a:off x="1998371" y="3565112"/>
+            <a:ext cx="2163651" cy="463640"/>
+          </a:xfrm>
+          <a:prstGeom prst="rect">
+            <a:avLst/>
+          </a:prstGeom>
+          <a:solidFill>
+            <a:srgbClr val="FFC000"/>
+          </a:solidFill>
+          <a:ln>
+            <a:solidFill>
+              <a:schemeClr val="accent2"/>
+            </a:solidFill>
+          </a:ln>
+        </p:spPr>
+        <p:style>
+          <a:lnRef idx="2">
+            <a:schemeClr val="accent1">
+              <a:shade val="50000"/>
+            </a:schemeClr>
+          </a:lnRef>
+          <a:fillRef idx="1">
+            <a:schemeClr val="accent1"/>
+          </a:fillRef>
+          <a:effectRef idx="0">
+            <a:schemeClr val="accent1"/>
+          </a:effectRef>
+          <a:fontRef idx="minor">
+            <a:schemeClr val="lt1"/>
+          </a:fontRef>
+        </p:style>
+        <p:txBody>
+          <a:bodyPr rtlCol="0" anchor="ctr"/>
+          <a:lstStyle/>
+          <a:p>
+            <a:pPr algn="ctr"/>
+            <a:r>
+              <a:rPr lang="de-DE" dirty="0" smtClean="0">
+                <a:solidFill>
+                  <a:schemeClr val="tx1"/>
+                </a:solidFill>
+              </a:rPr>
+              <a:t>Speerfalle</a:t>
+            </a:r>
+            <a:endParaRPr lang="de-DE" dirty="0">
+              <a:solidFill>
+                <a:schemeClr val="tx1"/>
+              </a:solidFill>
+            </a:endParaRPr>
+          </a:p>
+        </p:txBody>
+      </p:sp>
+      <p:sp>
+        <p:nvSpPr>
+          <p:cNvPr id="8" name="Rechteck 7"/>
+          <p:cNvSpPr/>
+          <p:nvPr/>
+        </p:nvSpPr>
+        <p:spPr>
+          <a:xfrm>
+            <a:off x="1998371" y="4229034"/>
+            <a:ext cx="2163651" cy="463640"/>
+          </a:xfrm>
+          <a:prstGeom prst="rect">
+            <a:avLst/>
+          </a:prstGeom>
+        </p:spPr>
+        <p:style>
+          <a:lnRef idx="2">
+            <a:schemeClr val="accent1">
+              <a:shade val="50000"/>
+            </a:schemeClr>
+          </a:lnRef>
+          <a:fillRef idx="1">
+            <a:schemeClr val="accent1"/>
+          </a:fillRef>
+          <a:effectRef idx="0">
+            <a:schemeClr val="accent1"/>
+          </a:effectRef>
+          <a:fontRef idx="minor">
+            <a:schemeClr val="lt1"/>
+          </a:fontRef>
+        </p:style>
+        <p:txBody>
+          <a:bodyPr rtlCol="0" anchor="ctr"/>
+          <a:lstStyle/>
+          <a:p>
+            <a:pPr algn="ctr"/>
+            <a:r>
+              <a:rPr lang="de-DE" dirty="0" smtClean="0"/>
+              <a:t>Fallende Steine</a:t>
+            </a:r>
+            <a:endParaRPr lang="de-DE" dirty="0"/>
+          </a:p>
+        </p:txBody>
+      </p:sp>
+      <p:sp>
+        <p:nvSpPr>
+          <p:cNvPr id="9" name="Rechteck 8"/>
+          <p:cNvSpPr/>
+          <p:nvPr/>
+        </p:nvSpPr>
+        <p:spPr>
+          <a:xfrm>
+            <a:off x="1998370" y="5556878"/>
+            <a:ext cx="2163651" cy="463640"/>
+          </a:xfrm>
+          <a:prstGeom prst="rect">
+            <a:avLst/>
+          </a:prstGeom>
+        </p:spPr>
+        <p:style>
+          <a:lnRef idx="2">
+            <a:schemeClr val="accent1">
+              <a:shade val="50000"/>
+            </a:schemeClr>
+          </a:lnRef>
+          <a:fillRef idx="1">
+            <a:schemeClr val="accent1"/>
+          </a:fillRef>
+          <a:effectRef idx="0">
+            <a:schemeClr val="accent1"/>
+          </a:effectRef>
+          <a:fontRef idx="minor">
+            <a:schemeClr val="lt1"/>
+          </a:fontRef>
+        </p:style>
+        <p:txBody>
+          <a:bodyPr rtlCol="0" anchor="ctr"/>
+          <a:lstStyle/>
+          <a:p>
+            <a:pPr algn="ctr"/>
+            <a:r>
+              <a:rPr lang="de-DE" dirty="0" smtClean="0"/>
+              <a:t>Futter</a:t>
+            </a:r>
+            <a:endParaRPr lang="de-DE" dirty="0"/>
+          </a:p>
+        </p:txBody>
+      </p:sp>
+      <p:sp>
+        <p:nvSpPr>
+          <p:cNvPr id="10" name="Rechteck 9"/>
+          <p:cNvSpPr/>
+          <p:nvPr/>
+        </p:nvSpPr>
+        <p:spPr>
+          <a:xfrm>
+            <a:off x="1998370" y="4892956"/>
+            <a:ext cx="2163651" cy="463640"/>
+          </a:xfrm>
+          <a:prstGeom prst="rect">
+            <a:avLst/>
+          </a:prstGeom>
+        </p:spPr>
+        <p:style>
+          <a:lnRef idx="2">
+            <a:schemeClr val="accent1">
+              <a:shade val="50000"/>
+            </a:schemeClr>
+          </a:lnRef>
+          <a:fillRef idx="1">
+            <a:schemeClr val="accent1"/>
+          </a:fillRef>
+          <a:effectRef idx="0">
+            <a:schemeClr val="accent1"/>
+          </a:effectRef>
+          <a:fontRef idx="minor">
+            <a:schemeClr val="lt1"/>
+          </a:fontRef>
+        </p:style>
+        <p:txBody>
+          <a:bodyPr rtlCol="0" anchor="ctr"/>
+          <a:lstStyle/>
+          <a:p>
+            <a:pPr algn="ctr"/>
+            <a:r>
+              <a:rPr lang="de-DE" dirty="0" smtClean="0"/>
+              <a:t>Diätpille</a:t>
+            </a:r>
+            <a:endParaRPr lang="de-DE" dirty="0"/>
+          </a:p>
+        </p:txBody>
+      </p:sp>
+      <p:cxnSp>
+        <p:nvCxnSpPr>
+          <p:cNvPr id="12" name="Gerader Verbinder 11"/>
+          <p:cNvCxnSpPr>
+            <a:stCxn id="5" idx="2"/>
+          </p:cNvCxnSpPr>
+          <p:nvPr/>
+        </p:nvCxnSpPr>
+        <p:spPr>
+          <a:xfrm>
+            <a:off x="1429555" y="2038610"/>
+            <a:ext cx="0" cy="4414008"/>
+          </a:xfrm>
+          <a:prstGeom prst="line">
+            <a:avLst/>
+          </a:prstGeom>
+        </p:spPr>
+        <p:style>
+          <a:lnRef idx="1">
+            <a:schemeClr val="accent1"/>
+          </a:lnRef>
+          <a:fillRef idx="0">
+            <a:schemeClr val="accent1"/>
+          </a:fillRef>
+          <a:effectRef idx="0">
+            <a:schemeClr val="accent1"/>
+          </a:effectRef>
+          <a:fontRef idx="minor">
+            <a:schemeClr val="tx1"/>
+          </a:fontRef>
+        </p:style>
+      </p:cxnSp>
+      <p:cxnSp>
+        <p:nvCxnSpPr>
+          <p:cNvPr id="14" name="Gerader Verbinder 13"/>
+          <p:cNvCxnSpPr>
+            <a:stCxn id="6" idx="1"/>
+          </p:cNvCxnSpPr>
+          <p:nvPr/>
+        </p:nvCxnSpPr>
+        <p:spPr>
+          <a:xfrm flipH="1">
+            <a:off x="1429555" y="2460790"/>
+            <a:ext cx="568817" cy="0"/>
+          </a:xfrm>
+          <a:prstGeom prst="line">
+            <a:avLst/>
+          </a:prstGeom>
+        </p:spPr>
+        <p:style>
+          <a:lnRef idx="1">
+            <a:schemeClr val="accent1"/>
+          </a:lnRef>
+          <a:fillRef idx="0">
+            <a:schemeClr val="accent1"/>
+          </a:fillRef>
+          <a:effectRef idx="0">
+            <a:schemeClr val="accent1"/>
+          </a:effectRef>
+          <a:fontRef idx="minor">
+            <a:schemeClr val="tx1"/>
+          </a:fontRef>
+        </p:style>
+      </p:cxnSp>
+      <p:sp>
+        <p:nvSpPr>
+          <p:cNvPr id="15" name="Rechteck 14"/>
+          <p:cNvSpPr/>
+          <p:nvPr/>
+        </p:nvSpPr>
+        <p:spPr>
+          <a:xfrm>
+            <a:off x="1998372" y="2892893"/>
+            <a:ext cx="2163651" cy="463640"/>
+          </a:xfrm>
+          <a:prstGeom prst="rect">
+            <a:avLst/>
+          </a:prstGeom>
+        </p:spPr>
+        <p:style>
+          <a:lnRef idx="2">
+            <a:schemeClr val="accent1">
+              <a:shade val="50000"/>
+            </a:schemeClr>
+          </a:lnRef>
+          <a:fillRef idx="1">
+            <a:schemeClr val="accent1"/>
+          </a:fillRef>
+          <a:effectRef idx="0">
+            <a:schemeClr val="accent1"/>
+          </a:effectRef>
+          <a:fontRef idx="minor">
+            <a:schemeClr val="lt1"/>
+          </a:fontRef>
+        </p:style>
+        <p:txBody>
+          <a:bodyPr rtlCol="0" anchor="ctr"/>
+          <a:lstStyle/>
+          <a:p>
+            <a:pPr algn="ctr"/>
+            <a:r>
+              <a:rPr lang="de-DE" dirty="0" smtClean="0"/>
+              <a:t>Spielfeld</a:t>
+            </a:r>
+            <a:endParaRPr lang="de-DE" dirty="0"/>
+          </a:p>
+        </p:txBody>
+      </p:sp>
+      <p:sp>
+        <p:nvSpPr>
+          <p:cNvPr id="16" name="Rechteck 15"/>
+          <p:cNvSpPr/>
+          <p:nvPr/>
+        </p:nvSpPr>
+        <p:spPr>
+          <a:xfrm>
+            <a:off x="1998369" y="6220800"/>
+            <a:ext cx="2163651" cy="463640"/>
+          </a:xfrm>
+          <a:prstGeom prst="rect">
+            <a:avLst/>
+          </a:prstGeom>
+        </p:spPr>
+        <p:style>
+          <a:lnRef idx="2">
+            <a:schemeClr val="accent1">
+              <a:shade val="50000"/>
+            </a:schemeClr>
+          </a:lnRef>
+          <a:fillRef idx="1">
+            <a:schemeClr val="accent1"/>
+          </a:fillRef>
+          <a:effectRef idx="0">
+            <a:schemeClr val="accent1"/>
+          </a:effectRef>
+          <a:fontRef idx="minor">
+            <a:schemeClr val="lt1"/>
+          </a:fontRef>
+        </p:style>
+        <p:txBody>
+          <a:bodyPr rtlCol="0" anchor="ctr"/>
+          <a:lstStyle/>
+          <a:p>
+            <a:pPr algn="ctr"/>
+            <a:r>
+              <a:rPr lang="de-DE" dirty="0" smtClean="0"/>
+              <a:t>Sonstige Objekte</a:t>
+            </a:r>
+            <a:endParaRPr lang="de-DE" dirty="0"/>
+          </a:p>
+        </p:txBody>
+      </p:sp>
+      <p:cxnSp>
+        <p:nvCxnSpPr>
+          <p:cNvPr id="18" name="Gerader Verbinder 17"/>
+          <p:cNvCxnSpPr>
+            <a:stCxn id="15" idx="1"/>
+          </p:cNvCxnSpPr>
+          <p:nvPr/>
+        </p:nvCxnSpPr>
+        <p:spPr>
+          <a:xfrm flipH="1">
+            <a:off x="1429555" y="3124713"/>
+            <a:ext cx="568817" cy="0"/>
+          </a:xfrm>
+          <a:prstGeom prst="line">
+            <a:avLst/>
+          </a:prstGeom>
+        </p:spPr>
+        <p:style>
+          <a:lnRef idx="1">
+            <a:schemeClr val="accent1"/>
+          </a:lnRef>
+          <a:fillRef idx="0">
+            <a:schemeClr val="accent1"/>
+          </a:fillRef>
+          <a:effectRef idx="0">
+            <a:schemeClr val="accent1"/>
+          </a:effectRef>
+          <a:fontRef idx="minor">
+            <a:schemeClr val="tx1"/>
+          </a:fontRef>
+        </p:style>
+      </p:cxnSp>
+      <p:cxnSp>
+        <p:nvCxnSpPr>
+          <p:cNvPr id="20" name="Gerader Verbinder 19"/>
+          <p:cNvCxnSpPr>
+            <a:stCxn id="7" idx="1"/>
+          </p:cNvCxnSpPr>
+          <p:nvPr/>
+        </p:nvCxnSpPr>
+        <p:spPr>
+          <a:xfrm flipH="1" flipV="1">
+            <a:off x="1429555" y="3796930"/>
+            <a:ext cx="568816" cy="2"/>
+          </a:xfrm>
+          <a:prstGeom prst="line">
+            <a:avLst/>
+          </a:prstGeom>
+        </p:spPr>
+        <p:style>
+          <a:lnRef idx="1">
+            <a:schemeClr val="accent1"/>
+          </a:lnRef>
+          <a:fillRef idx="0">
+            <a:schemeClr val="accent1"/>
+          </a:fillRef>
+          <a:effectRef idx="0">
+            <a:schemeClr val="accent1"/>
+          </a:effectRef>
+          <a:fontRef idx="minor">
+            <a:schemeClr val="tx1"/>
+          </a:fontRef>
+        </p:style>
+      </p:cxnSp>
+      <p:cxnSp>
+        <p:nvCxnSpPr>
+          <p:cNvPr id="24" name="Gerader Verbinder 23"/>
+          <p:cNvCxnSpPr>
+            <a:stCxn id="8" idx="1"/>
+          </p:cNvCxnSpPr>
+          <p:nvPr/>
+        </p:nvCxnSpPr>
+        <p:spPr>
+          <a:xfrm flipH="1">
+            <a:off x="1429555" y="4460854"/>
+            <a:ext cx="568816" cy="0"/>
+          </a:xfrm>
+          <a:prstGeom prst="line">
+            <a:avLst/>
+          </a:prstGeom>
+        </p:spPr>
+        <p:style>
+          <a:lnRef idx="1">
+            <a:schemeClr val="accent1"/>
+          </a:lnRef>
+          <a:fillRef idx="0">
+            <a:schemeClr val="accent1"/>
+          </a:fillRef>
+          <a:effectRef idx="0">
+            <a:schemeClr val="accent1"/>
+          </a:effectRef>
+          <a:fontRef idx="minor">
+            <a:schemeClr val="tx1"/>
+          </a:fontRef>
+        </p:style>
+      </p:cxnSp>
+      <p:cxnSp>
+        <p:nvCxnSpPr>
+          <p:cNvPr id="26" name="Gerader Verbinder 25"/>
+          <p:cNvCxnSpPr>
+            <a:stCxn id="10" idx="1"/>
+          </p:cNvCxnSpPr>
+          <p:nvPr/>
+        </p:nvCxnSpPr>
+        <p:spPr>
+          <a:xfrm flipH="1" flipV="1">
+            <a:off x="1429555" y="5124775"/>
+            <a:ext cx="568815" cy="1"/>
+          </a:xfrm>
+          <a:prstGeom prst="line">
+            <a:avLst/>
+          </a:prstGeom>
+        </p:spPr>
+        <p:style>
+          <a:lnRef idx="1">
+            <a:schemeClr val="accent1"/>
+          </a:lnRef>
+          <a:fillRef idx="0">
+            <a:schemeClr val="accent1"/>
+          </a:fillRef>
+          <a:effectRef idx="0">
+            <a:schemeClr val="accent1"/>
+          </a:effectRef>
+          <a:fontRef idx="minor">
+            <a:schemeClr val="tx1"/>
+          </a:fontRef>
+        </p:style>
+      </p:cxnSp>
+      <p:cxnSp>
+        <p:nvCxnSpPr>
+          <p:cNvPr id="28" name="Gerader Verbinder 27"/>
+          <p:cNvCxnSpPr>
+            <a:stCxn id="9" idx="1"/>
+          </p:cNvCxnSpPr>
+          <p:nvPr/>
+        </p:nvCxnSpPr>
+        <p:spPr>
+          <a:xfrm flipH="1" flipV="1">
+            <a:off x="1429555" y="5788696"/>
+            <a:ext cx="568815" cy="2"/>
+          </a:xfrm>
+          <a:prstGeom prst="line">
+            <a:avLst/>
+          </a:prstGeom>
+        </p:spPr>
+        <p:style>
+          <a:lnRef idx="1">
+            <a:schemeClr val="accent1"/>
+          </a:lnRef>
+          <a:fillRef idx="0">
+            <a:schemeClr val="accent1"/>
+          </a:fillRef>
+          <a:effectRef idx="0">
+            <a:schemeClr val="accent1"/>
+          </a:effectRef>
+          <a:fontRef idx="minor">
+            <a:schemeClr val="tx1"/>
+          </a:fontRef>
+        </p:style>
+      </p:cxnSp>
+      <p:cxnSp>
+        <p:nvCxnSpPr>
+          <p:cNvPr id="30" name="Gerader Verbinder 29"/>
+          <p:cNvCxnSpPr>
+            <a:stCxn id="16" idx="1"/>
+          </p:cNvCxnSpPr>
+          <p:nvPr/>
+        </p:nvCxnSpPr>
+        <p:spPr>
+          <a:xfrm flipH="1" flipV="1">
+            <a:off x="1429555" y="6452618"/>
+            <a:ext cx="568814" cy="2"/>
+          </a:xfrm>
+          <a:prstGeom prst="line">
+            <a:avLst/>
+          </a:prstGeom>
+        </p:spPr>
+        <p:style>
+          <a:lnRef idx="1">
+            <a:schemeClr val="accent1"/>
+          </a:lnRef>
+          <a:fillRef idx="0">
+            <a:schemeClr val="accent1"/>
+          </a:fillRef>
+          <a:effectRef idx="0">
+            <a:schemeClr val="accent1"/>
+          </a:effectRef>
+          <a:fontRef idx="minor">
+            <a:schemeClr val="tx1"/>
+          </a:fontRef>
+        </p:style>
+      </p:cxnSp>
     </p:spTree>
     <p:extLst>
       <p:ext uri="{BB962C8B-B14F-4D97-AF65-F5344CB8AC3E}">
-        <p14:creationId xmlns:p14="http://schemas.microsoft.com/office/powerpoint/2010/main" val="82274653"/>
+        <p14:creationId xmlns:p14="http://schemas.microsoft.com/office/powerpoint/2010/main" val="205349613"/>
       </p:ext>
     </p:extLst>
   </p:cSld>
@@ -4130,42 +6736,13 @@
           <a:p>
             <a:pPr algn="ctr"/>
             <a:r>
-              <a:rPr lang="de-DE" dirty="0" smtClean="0"/>
-              <a:t>Steine</a:t>
-            </a:r>
-            <a:endParaRPr lang="de-DE" dirty="0"/>
-          </a:p>
-        </p:txBody>
-      </p:sp>
-      <p:pic>
-        <p:nvPicPr>
-          <p:cNvPr id="5" name="Inhaltsplatzhalter 4"/>
-          <p:cNvPicPr>
-            <a:picLocks noGrp="1" noChangeAspect="1"/>
-          </p:cNvPicPr>
-          <p:nvPr>
-            <p:ph idx="1"/>
-          </p:nvPr>
-        </p:nvPicPr>
-        <p:blipFill>
-          <a:blip r:embed="rId2">
-            <a:extLst>
-              <a:ext uri="{28A0092B-C50C-407E-A947-70E740481C1C}">
-                <a14:useLocalDpi xmlns:a14="http://schemas.microsoft.com/office/drawing/2010/main" val="0"/>
-              </a:ext>
-            </a:extLst>
-          </a:blip>
-          <a:stretch>
-            <a:fillRect/>
-          </a:stretch>
-        </p:blipFill>
-        <p:spPr>
-          <a:xfrm>
-            <a:off x="519304" y="2137834"/>
-            <a:ext cx="6351988" cy="2897805"/>
-          </a:xfrm>
-        </p:spPr>
-      </p:pic>
+              <a:rPr lang="de-DE" b="1" dirty="0" smtClean="0"/>
+              <a:t>Systemarchitektur</a:t>
+            </a:r>
+            <a:endParaRPr lang="de-DE" b="1" dirty="0"/>
+          </a:p>
+        </p:txBody>
+      </p:sp>
       <p:sp>
         <p:nvSpPr>
           <p:cNvPr id="4" name="Foliennummernplatzhalter 3"/>
@@ -4189,10 +6766,644 @@
           </a:p>
         </p:txBody>
       </p:sp>
+      <p:sp>
+        <p:nvSpPr>
+          <p:cNvPr id="5" name="Rechteck 4"/>
+          <p:cNvSpPr/>
+          <p:nvPr/>
+        </p:nvSpPr>
+        <p:spPr>
+          <a:xfrm>
+            <a:off x="115910" y="1403989"/>
+            <a:ext cx="2627290" cy="634621"/>
+          </a:xfrm>
+          <a:prstGeom prst="rect">
+            <a:avLst/>
+          </a:prstGeom>
+          <a:solidFill>
+            <a:schemeClr val="tx2"/>
+          </a:solidFill>
+          <a:ln>
+            <a:solidFill>
+              <a:schemeClr val="tx2">
+                <a:lumMod val="50000"/>
+              </a:schemeClr>
+            </a:solidFill>
+          </a:ln>
+        </p:spPr>
+        <p:style>
+          <a:lnRef idx="2">
+            <a:schemeClr val="accent1">
+              <a:shade val="50000"/>
+            </a:schemeClr>
+          </a:lnRef>
+          <a:fillRef idx="1">
+            <a:schemeClr val="accent1"/>
+          </a:fillRef>
+          <a:effectRef idx="0">
+            <a:schemeClr val="accent1"/>
+          </a:effectRef>
+          <a:fontRef idx="minor">
+            <a:schemeClr val="lt1"/>
+          </a:fontRef>
+        </p:style>
+        <p:txBody>
+          <a:bodyPr rtlCol="0" anchor="ctr"/>
+          <a:lstStyle/>
+          <a:p>
+            <a:pPr algn="ctr"/>
+            <a:r>
+              <a:rPr lang="de-DE" dirty="0" smtClean="0"/>
+              <a:t>Objekte im Spiel</a:t>
+            </a:r>
+            <a:endParaRPr lang="de-DE" dirty="0"/>
+          </a:p>
+        </p:txBody>
+      </p:sp>
+      <p:sp>
+        <p:nvSpPr>
+          <p:cNvPr id="6" name="Rechteck 5"/>
+          <p:cNvSpPr/>
+          <p:nvPr/>
+        </p:nvSpPr>
+        <p:spPr>
+          <a:xfrm>
+            <a:off x="1998372" y="2228970"/>
+            <a:ext cx="2163651" cy="463640"/>
+          </a:xfrm>
+          <a:prstGeom prst="rect">
+            <a:avLst/>
+          </a:prstGeom>
+        </p:spPr>
+        <p:style>
+          <a:lnRef idx="2">
+            <a:schemeClr val="accent1">
+              <a:shade val="50000"/>
+            </a:schemeClr>
+          </a:lnRef>
+          <a:fillRef idx="1">
+            <a:schemeClr val="accent1"/>
+          </a:fillRef>
+          <a:effectRef idx="0">
+            <a:schemeClr val="accent1"/>
+          </a:effectRef>
+          <a:fontRef idx="minor">
+            <a:schemeClr val="lt1"/>
+          </a:fontRef>
+        </p:style>
+        <p:txBody>
+          <a:bodyPr rtlCol="0" anchor="ctr"/>
+          <a:lstStyle/>
+          <a:p>
+            <a:pPr algn="ctr"/>
+            <a:r>
+              <a:rPr lang="de-DE" dirty="0" smtClean="0"/>
+              <a:t>Schlange</a:t>
+            </a:r>
+            <a:endParaRPr lang="de-DE" dirty="0"/>
+          </a:p>
+        </p:txBody>
+      </p:sp>
+      <p:sp>
+        <p:nvSpPr>
+          <p:cNvPr id="7" name="Rechteck 6"/>
+          <p:cNvSpPr/>
+          <p:nvPr/>
+        </p:nvSpPr>
+        <p:spPr>
+          <a:xfrm>
+            <a:off x="1998371" y="3565112"/>
+            <a:ext cx="2163651" cy="463640"/>
+          </a:xfrm>
+          <a:prstGeom prst="rect">
+            <a:avLst/>
+          </a:prstGeom>
+        </p:spPr>
+        <p:style>
+          <a:lnRef idx="2">
+            <a:schemeClr val="accent1">
+              <a:shade val="50000"/>
+            </a:schemeClr>
+          </a:lnRef>
+          <a:fillRef idx="1">
+            <a:schemeClr val="accent1"/>
+          </a:fillRef>
+          <a:effectRef idx="0">
+            <a:schemeClr val="accent1"/>
+          </a:effectRef>
+          <a:fontRef idx="minor">
+            <a:schemeClr val="lt1"/>
+          </a:fontRef>
+        </p:style>
+        <p:txBody>
+          <a:bodyPr rtlCol="0" anchor="ctr"/>
+          <a:lstStyle/>
+          <a:p>
+            <a:pPr algn="ctr"/>
+            <a:r>
+              <a:rPr lang="de-DE" dirty="0" smtClean="0"/>
+              <a:t>Speerfalle</a:t>
+            </a:r>
+            <a:endParaRPr lang="de-DE" dirty="0"/>
+          </a:p>
+        </p:txBody>
+      </p:sp>
+      <p:sp>
+        <p:nvSpPr>
+          <p:cNvPr id="8" name="Rechteck 7"/>
+          <p:cNvSpPr/>
+          <p:nvPr/>
+        </p:nvSpPr>
+        <p:spPr>
+          <a:xfrm>
+            <a:off x="1998371" y="4229034"/>
+            <a:ext cx="2163651" cy="463640"/>
+          </a:xfrm>
+          <a:prstGeom prst="rect">
+            <a:avLst/>
+          </a:prstGeom>
+          <a:solidFill>
+            <a:srgbClr val="FFC000"/>
+          </a:solidFill>
+          <a:ln>
+            <a:solidFill>
+              <a:schemeClr val="accent2"/>
+            </a:solidFill>
+          </a:ln>
+        </p:spPr>
+        <p:style>
+          <a:lnRef idx="2">
+            <a:schemeClr val="accent1">
+              <a:shade val="50000"/>
+            </a:schemeClr>
+          </a:lnRef>
+          <a:fillRef idx="1">
+            <a:schemeClr val="accent1"/>
+          </a:fillRef>
+          <a:effectRef idx="0">
+            <a:schemeClr val="accent1"/>
+          </a:effectRef>
+          <a:fontRef idx="minor">
+            <a:schemeClr val="lt1"/>
+          </a:fontRef>
+        </p:style>
+        <p:txBody>
+          <a:bodyPr rtlCol="0" anchor="ctr"/>
+          <a:lstStyle/>
+          <a:p>
+            <a:pPr algn="ctr"/>
+            <a:r>
+              <a:rPr lang="de-DE" dirty="0" smtClean="0">
+                <a:solidFill>
+                  <a:schemeClr val="tx1"/>
+                </a:solidFill>
+              </a:rPr>
+              <a:t>Fallende Steine</a:t>
+            </a:r>
+            <a:endParaRPr lang="de-DE" dirty="0">
+              <a:solidFill>
+                <a:schemeClr val="tx1"/>
+              </a:solidFill>
+            </a:endParaRPr>
+          </a:p>
+        </p:txBody>
+      </p:sp>
+      <p:sp>
+        <p:nvSpPr>
+          <p:cNvPr id="9" name="Rechteck 8"/>
+          <p:cNvSpPr/>
+          <p:nvPr/>
+        </p:nvSpPr>
+        <p:spPr>
+          <a:xfrm>
+            <a:off x="1998370" y="5556878"/>
+            <a:ext cx="2163651" cy="463640"/>
+          </a:xfrm>
+          <a:prstGeom prst="rect">
+            <a:avLst/>
+          </a:prstGeom>
+        </p:spPr>
+        <p:style>
+          <a:lnRef idx="2">
+            <a:schemeClr val="accent1">
+              <a:shade val="50000"/>
+            </a:schemeClr>
+          </a:lnRef>
+          <a:fillRef idx="1">
+            <a:schemeClr val="accent1"/>
+          </a:fillRef>
+          <a:effectRef idx="0">
+            <a:schemeClr val="accent1"/>
+          </a:effectRef>
+          <a:fontRef idx="minor">
+            <a:schemeClr val="lt1"/>
+          </a:fontRef>
+        </p:style>
+        <p:txBody>
+          <a:bodyPr rtlCol="0" anchor="ctr"/>
+          <a:lstStyle/>
+          <a:p>
+            <a:pPr algn="ctr"/>
+            <a:r>
+              <a:rPr lang="de-DE" dirty="0" smtClean="0"/>
+              <a:t>Futter</a:t>
+            </a:r>
+            <a:endParaRPr lang="de-DE" dirty="0"/>
+          </a:p>
+        </p:txBody>
+      </p:sp>
+      <p:sp>
+        <p:nvSpPr>
+          <p:cNvPr id="10" name="Rechteck 9"/>
+          <p:cNvSpPr/>
+          <p:nvPr/>
+        </p:nvSpPr>
+        <p:spPr>
+          <a:xfrm>
+            <a:off x="1998370" y="4892956"/>
+            <a:ext cx="2163651" cy="463640"/>
+          </a:xfrm>
+          <a:prstGeom prst="rect">
+            <a:avLst/>
+          </a:prstGeom>
+        </p:spPr>
+        <p:style>
+          <a:lnRef idx="2">
+            <a:schemeClr val="accent1">
+              <a:shade val="50000"/>
+            </a:schemeClr>
+          </a:lnRef>
+          <a:fillRef idx="1">
+            <a:schemeClr val="accent1"/>
+          </a:fillRef>
+          <a:effectRef idx="0">
+            <a:schemeClr val="accent1"/>
+          </a:effectRef>
+          <a:fontRef idx="minor">
+            <a:schemeClr val="lt1"/>
+          </a:fontRef>
+        </p:style>
+        <p:txBody>
+          <a:bodyPr rtlCol="0" anchor="ctr"/>
+          <a:lstStyle/>
+          <a:p>
+            <a:pPr algn="ctr"/>
+            <a:r>
+              <a:rPr lang="de-DE" dirty="0" smtClean="0"/>
+              <a:t>Diätpille</a:t>
+            </a:r>
+            <a:endParaRPr lang="de-DE" dirty="0"/>
+          </a:p>
+        </p:txBody>
+      </p:sp>
+      <p:cxnSp>
+        <p:nvCxnSpPr>
+          <p:cNvPr id="12" name="Gerader Verbinder 11"/>
+          <p:cNvCxnSpPr>
+            <a:stCxn id="5" idx="2"/>
+          </p:cNvCxnSpPr>
+          <p:nvPr/>
+        </p:nvCxnSpPr>
+        <p:spPr>
+          <a:xfrm>
+            <a:off x="1429555" y="2038610"/>
+            <a:ext cx="0" cy="4414008"/>
+          </a:xfrm>
+          <a:prstGeom prst="line">
+            <a:avLst/>
+          </a:prstGeom>
+        </p:spPr>
+        <p:style>
+          <a:lnRef idx="1">
+            <a:schemeClr val="accent1"/>
+          </a:lnRef>
+          <a:fillRef idx="0">
+            <a:schemeClr val="accent1"/>
+          </a:fillRef>
+          <a:effectRef idx="0">
+            <a:schemeClr val="accent1"/>
+          </a:effectRef>
+          <a:fontRef idx="minor">
+            <a:schemeClr val="tx1"/>
+          </a:fontRef>
+        </p:style>
+      </p:cxnSp>
+      <p:cxnSp>
+        <p:nvCxnSpPr>
+          <p:cNvPr id="14" name="Gerader Verbinder 13"/>
+          <p:cNvCxnSpPr>
+            <a:stCxn id="6" idx="1"/>
+          </p:cNvCxnSpPr>
+          <p:nvPr/>
+        </p:nvCxnSpPr>
+        <p:spPr>
+          <a:xfrm flipH="1">
+            <a:off x="1429555" y="2460790"/>
+            <a:ext cx="568817" cy="0"/>
+          </a:xfrm>
+          <a:prstGeom prst="line">
+            <a:avLst/>
+          </a:prstGeom>
+        </p:spPr>
+        <p:style>
+          <a:lnRef idx="1">
+            <a:schemeClr val="accent1"/>
+          </a:lnRef>
+          <a:fillRef idx="0">
+            <a:schemeClr val="accent1"/>
+          </a:fillRef>
+          <a:effectRef idx="0">
+            <a:schemeClr val="accent1"/>
+          </a:effectRef>
+          <a:fontRef idx="minor">
+            <a:schemeClr val="tx1"/>
+          </a:fontRef>
+        </p:style>
+      </p:cxnSp>
+      <p:sp>
+        <p:nvSpPr>
+          <p:cNvPr id="15" name="Rechteck 14"/>
+          <p:cNvSpPr/>
+          <p:nvPr/>
+        </p:nvSpPr>
+        <p:spPr>
+          <a:xfrm>
+            <a:off x="1998372" y="2892893"/>
+            <a:ext cx="2163651" cy="463640"/>
+          </a:xfrm>
+          <a:prstGeom prst="rect">
+            <a:avLst/>
+          </a:prstGeom>
+        </p:spPr>
+        <p:style>
+          <a:lnRef idx="2">
+            <a:schemeClr val="accent1">
+              <a:shade val="50000"/>
+            </a:schemeClr>
+          </a:lnRef>
+          <a:fillRef idx="1">
+            <a:schemeClr val="accent1"/>
+          </a:fillRef>
+          <a:effectRef idx="0">
+            <a:schemeClr val="accent1"/>
+          </a:effectRef>
+          <a:fontRef idx="minor">
+            <a:schemeClr val="lt1"/>
+          </a:fontRef>
+        </p:style>
+        <p:txBody>
+          <a:bodyPr rtlCol="0" anchor="ctr"/>
+          <a:lstStyle/>
+          <a:p>
+            <a:pPr algn="ctr"/>
+            <a:r>
+              <a:rPr lang="de-DE" dirty="0" smtClean="0"/>
+              <a:t>Spielfeld</a:t>
+            </a:r>
+            <a:endParaRPr lang="de-DE" dirty="0"/>
+          </a:p>
+        </p:txBody>
+      </p:sp>
+      <p:sp>
+        <p:nvSpPr>
+          <p:cNvPr id="16" name="Rechteck 15"/>
+          <p:cNvSpPr/>
+          <p:nvPr/>
+        </p:nvSpPr>
+        <p:spPr>
+          <a:xfrm>
+            <a:off x="1998369" y="6220800"/>
+            <a:ext cx="2163651" cy="463640"/>
+          </a:xfrm>
+          <a:prstGeom prst="rect">
+            <a:avLst/>
+          </a:prstGeom>
+        </p:spPr>
+        <p:style>
+          <a:lnRef idx="2">
+            <a:schemeClr val="accent1">
+              <a:shade val="50000"/>
+            </a:schemeClr>
+          </a:lnRef>
+          <a:fillRef idx="1">
+            <a:schemeClr val="accent1"/>
+          </a:fillRef>
+          <a:effectRef idx="0">
+            <a:schemeClr val="accent1"/>
+          </a:effectRef>
+          <a:fontRef idx="minor">
+            <a:schemeClr val="lt1"/>
+          </a:fontRef>
+        </p:style>
+        <p:txBody>
+          <a:bodyPr rtlCol="0" anchor="ctr"/>
+          <a:lstStyle/>
+          <a:p>
+            <a:pPr algn="ctr"/>
+            <a:r>
+              <a:rPr lang="de-DE" dirty="0" smtClean="0"/>
+              <a:t>Sonstige Objekte</a:t>
+            </a:r>
+            <a:endParaRPr lang="de-DE" dirty="0"/>
+          </a:p>
+        </p:txBody>
+      </p:sp>
+      <p:cxnSp>
+        <p:nvCxnSpPr>
+          <p:cNvPr id="18" name="Gerader Verbinder 17"/>
+          <p:cNvCxnSpPr>
+            <a:stCxn id="15" idx="1"/>
+          </p:cNvCxnSpPr>
+          <p:nvPr/>
+        </p:nvCxnSpPr>
+        <p:spPr>
+          <a:xfrm flipH="1">
+            <a:off x="1429555" y="3124713"/>
+            <a:ext cx="568817" cy="0"/>
+          </a:xfrm>
+          <a:prstGeom prst="line">
+            <a:avLst/>
+          </a:prstGeom>
+        </p:spPr>
+        <p:style>
+          <a:lnRef idx="1">
+            <a:schemeClr val="accent1"/>
+          </a:lnRef>
+          <a:fillRef idx="0">
+            <a:schemeClr val="accent1"/>
+          </a:fillRef>
+          <a:effectRef idx="0">
+            <a:schemeClr val="accent1"/>
+          </a:effectRef>
+          <a:fontRef idx="minor">
+            <a:schemeClr val="tx1"/>
+          </a:fontRef>
+        </p:style>
+      </p:cxnSp>
+      <p:cxnSp>
+        <p:nvCxnSpPr>
+          <p:cNvPr id="20" name="Gerader Verbinder 19"/>
+          <p:cNvCxnSpPr>
+            <a:stCxn id="7" idx="1"/>
+          </p:cNvCxnSpPr>
+          <p:nvPr/>
+        </p:nvCxnSpPr>
+        <p:spPr>
+          <a:xfrm flipH="1" flipV="1">
+            <a:off x="1429555" y="3796930"/>
+            <a:ext cx="568816" cy="2"/>
+          </a:xfrm>
+          <a:prstGeom prst="line">
+            <a:avLst/>
+          </a:prstGeom>
+        </p:spPr>
+        <p:style>
+          <a:lnRef idx="1">
+            <a:schemeClr val="accent1"/>
+          </a:lnRef>
+          <a:fillRef idx="0">
+            <a:schemeClr val="accent1"/>
+          </a:fillRef>
+          <a:effectRef idx="0">
+            <a:schemeClr val="accent1"/>
+          </a:effectRef>
+          <a:fontRef idx="minor">
+            <a:schemeClr val="tx1"/>
+          </a:fontRef>
+        </p:style>
+      </p:cxnSp>
+      <p:cxnSp>
+        <p:nvCxnSpPr>
+          <p:cNvPr id="24" name="Gerader Verbinder 23"/>
+          <p:cNvCxnSpPr>
+            <a:stCxn id="8" idx="1"/>
+          </p:cNvCxnSpPr>
+          <p:nvPr/>
+        </p:nvCxnSpPr>
+        <p:spPr>
+          <a:xfrm flipH="1">
+            <a:off x="1429555" y="4460854"/>
+            <a:ext cx="568816" cy="0"/>
+          </a:xfrm>
+          <a:prstGeom prst="line">
+            <a:avLst/>
+          </a:prstGeom>
+        </p:spPr>
+        <p:style>
+          <a:lnRef idx="1">
+            <a:schemeClr val="accent1"/>
+          </a:lnRef>
+          <a:fillRef idx="0">
+            <a:schemeClr val="accent1"/>
+          </a:fillRef>
+          <a:effectRef idx="0">
+            <a:schemeClr val="accent1"/>
+          </a:effectRef>
+          <a:fontRef idx="minor">
+            <a:schemeClr val="tx1"/>
+          </a:fontRef>
+        </p:style>
+      </p:cxnSp>
+      <p:cxnSp>
+        <p:nvCxnSpPr>
+          <p:cNvPr id="26" name="Gerader Verbinder 25"/>
+          <p:cNvCxnSpPr>
+            <a:stCxn id="10" idx="1"/>
+          </p:cNvCxnSpPr>
+          <p:nvPr/>
+        </p:nvCxnSpPr>
+        <p:spPr>
+          <a:xfrm flipH="1" flipV="1">
+            <a:off x="1429555" y="5124775"/>
+            <a:ext cx="568815" cy="1"/>
+          </a:xfrm>
+          <a:prstGeom prst="line">
+            <a:avLst/>
+          </a:prstGeom>
+        </p:spPr>
+        <p:style>
+          <a:lnRef idx="1">
+            <a:schemeClr val="accent1"/>
+          </a:lnRef>
+          <a:fillRef idx="0">
+            <a:schemeClr val="accent1"/>
+          </a:fillRef>
+          <a:effectRef idx="0">
+            <a:schemeClr val="accent1"/>
+          </a:effectRef>
+          <a:fontRef idx="minor">
+            <a:schemeClr val="tx1"/>
+          </a:fontRef>
+        </p:style>
+      </p:cxnSp>
+      <p:cxnSp>
+        <p:nvCxnSpPr>
+          <p:cNvPr id="28" name="Gerader Verbinder 27"/>
+          <p:cNvCxnSpPr>
+            <a:stCxn id="9" idx="1"/>
+          </p:cNvCxnSpPr>
+          <p:nvPr/>
+        </p:nvCxnSpPr>
+        <p:spPr>
+          <a:xfrm flipH="1" flipV="1">
+            <a:off x="1429555" y="5788696"/>
+            <a:ext cx="568815" cy="2"/>
+          </a:xfrm>
+          <a:prstGeom prst="line">
+            <a:avLst/>
+          </a:prstGeom>
+        </p:spPr>
+        <p:style>
+          <a:lnRef idx="1">
+            <a:schemeClr val="accent1"/>
+          </a:lnRef>
+          <a:fillRef idx="0">
+            <a:schemeClr val="accent1"/>
+          </a:fillRef>
+          <a:effectRef idx="0">
+            <a:schemeClr val="accent1"/>
+          </a:effectRef>
+          <a:fontRef idx="minor">
+            <a:schemeClr val="tx1"/>
+          </a:fontRef>
+        </p:style>
+      </p:cxnSp>
+      <p:cxnSp>
+        <p:nvCxnSpPr>
+          <p:cNvPr id="30" name="Gerader Verbinder 29"/>
+          <p:cNvCxnSpPr>
+            <a:stCxn id="16" idx="1"/>
+          </p:cNvCxnSpPr>
+          <p:nvPr/>
+        </p:nvCxnSpPr>
+        <p:spPr>
+          <a:xfrm flipH="1" flipV="1">
+            <a:off x="1429555" y="6452618"/>
+            <a:ext cx="568814" cy="2"/>
+          </a:xfrm>
+          <a:prstGeom prst="line">
+            <a:avLst/>
+          </a:prstGeom>
+        </p:spPr>
+        <p:style>
+          <a:lnRef idx="1">
+            <a:schemeClr val="accent1"/>
+          </a:lnRef>
+          <a:fillRef idx="0">
+            <a:schemeClr val="accent1"/>
+          </a:fillRef>
+          <a:effectRef idx="0">
+            <a:schemeClr val="accent1"/>
+          </a:effectRef>
+          <a:fontRef idx="minor">
+            <a:schemeClr val="tx1"/>
+          </a:fontRef>
+        </p:style>
+      </p:cxnSp>
     </p:spTree>
     <p:extLst>
       <p:ext uri="{BB962C8B-B14F-4D97-AF65-F5344CB8AC3E}">
-        <p14:creationId xmlns:p14="http://schemas.microsoft.com/office/powerpoint/2010/main" val="562471745"/>
+        <p14:creationId xmlns:p14="http://schemas.microsoft.com/office/powerpoint/2010/main" val="4190046946"/>
       </p:ext>
     </p:extLst>
   </p:cSld>
@@ -4243,10 +7454,10 @@
           <a:p>
             <a:pPr algn="ctr"/>
             <a:r>
-              <a:rPr lang="de-DE" dirty="0" smtClean="0"/>
-              <a:t>Speerfalle</a:t>
-            </a:r>
-            <a:endParaRPr lang="de-DE" dirty="0"/>
+              <a:rPr lang="de-DE" b="1" dirty="0" smtClean="0"/>
+              <a:t>Systemarchitektur</a:t>
+            </a:r>
+            <a:endParaRPr lang="de-DE" b="1" dirty="0"/>
           </a:p>
         </p:txBody>
       </p:sp>
@@ -4273,70 +7484,644 @@
           </a:p>
         </p:txBody>
       </p:sp>
-      <p:pic>
-        <p:nvPicPr>
-          <p:cNvPr id="7" name="Grafik 6"/>
-          <p:cNvPicPr>
-            <a:picLocks noChangeAspect="1"/>
-          </p:cNvPicPr>
-          <p:nvPr/>
-        </p:nvPicPr>
-        <p:blipFill>
-          <a:blip r:embed="rId2">
-            <a:extLst>
-              <a:ext uri="{28A0092B-C50C-407E-A947-70E740481C1C}">
-                <a14:useLocalDpi xmlns:a14="http://schemas.microsoft.com/office/drawing/2010/main" val="0"/>
-              </a:ext>
-            </a:extLst>
-          </a:blip>
-          <a:stretch>
-            <a:fillRect/>
-          </a:stretch>
-        </p:blipFill>
+      <p:sp>
+        <p:nvSpPr>
+          <p:cNvPr id="5" name="Rechteck 4"/>
+          <p:cNvSpPr/>
+          <p:nvPr/>
+        </p:nvSpPr>
         <p:spPr>
           <a:xfrm>
-            <a:off x="970447" y="1937253"/>
-            <a:ext cx="2343477" cy="2086266"/>
+            <a:off x="115910" y="1403989"/>
+            <a:ext cx="2627290" cy="634621"/>
           </a:xfrm>
           <a:prstGeom prst="rect">
             <a:avLst/>
           </a:prstGeom>
-        </p:spPr>
-      </p:pic>
-      <p:pic>
-        <p:nvPicPr>
-          <p:cNvPr id="8" name="Grafik 7"/>
-          <p:cNvPicPr>
-            <a:picLocks noChangeAspect="1"/>
-          </p:cNvPicPr>
-          <p:nvPr/>
-        </p:nvPicPr>
-        <p:blipFill>
-          <a:blip r:embed="rId3">
-            <a:extLst>
-              <a:ext uri="{28A0092B-C50C-407E-A947-70E740481C1C}">
-                <a14:useLocalDpi xmlns:a14="http://schemas.microsoft.com/office/drawing/2010/main" val="0"/>
-              </a:ext>
-            </a:extLst>
-          </a:blip>
-          <a:stretch>
-            <a:fillRect/>
-          </a:stretch>
-        </p:blipFill>
+          <a:solidFill>
+            <a:schemeClr val="tx2"/>
+          </a:solidFill>
+          <a:ln>
+            <a:solidFill>
+              <a:schemeClr val="tx2">
+                <a:lumMod val="50000"/>
+              </a:schemeClr>
+            </a:solidFill>
+          </a:ln>
+        </p:spPr>
+        <p:style>
+          <a:lnRef idx="2">
+            <a:schemeClr val="accent1">
+              <a:shade val="50000"/>
+            </a:schemeClr>
+          </a:lnRef>
+          <a:fillRef idx="1">
+            <a:schemeClr val="accent1"/>
+          </a:fillRef>
+          <a:effectRef idx="0">
+            <a:schemeClr val="accent1"/>
+          </a:effectRef>
+          <a:fontRef idx="minor">
+            <a:schemeClr val="lt1"/>
+          </a:fontRef>
+        </p:style>
+        <p:txBody>
+          <a:bodyPr rtlCol="0" anchor="ctr"/>
+          <a:lstStyle/>
+          <a:p>
+            <a:pPr algn="ctr"/>
+            <a:r>
+              <a:rPr lang="de-DE" dirty="0" smtClean="0"/>
+              <a:t>Objekte im Spiel</a:t>
+            </a:r>
+            <a:endParaRPr lang="de-DE" dirty="0"/>
+          </a:p>
+        </p:txBody>
+      </p:sp>
+      <p:sp>
+        <p:nvSpPr>
+          <p:cNvPr id="6" name="Rechteck 5"/>
+          <p:cNvSpPr/>
+          <p:nvPr/>
+        </p:nvSpPr>
         <p:spPr>
           <a:xfrm>
-            <a:off x="3713169" y="1937253"/>
-            <a:ext cx="2667253" cy="2086266"/>
+            <a:off x="1998372" y="2228970"/>
+            <a:ext cx="2163651" cy="463640"/>
           </a:xfrm>
           <a:prstGeom prst="rect">
             <a:avLst/>
           </a:prstGeom>
         </p:spPr>
-      </p:pic>
+        <p:style>
+          <a:lnRef idx="2">
+            <a:schemeClr val="accent1">
+              <a:shade val="50000"/>
+            </a:schemeClr>
+          </a:lnRef>
+          <a:fillRef idx="1">
+            <a:schemeClr val="accent1"/>
+          </a:fillRef>
+          <a:effectRef idx="0">
+            <a:schemeClr val="accent1"/>
+          </a:effectRef>
+          <a:fontRef idx="minor">
+            <a:schemeClr val="lt1"/>
+          </a:fontRef>
+        </p:style>
+        <p:txBody>
+          <a:bodyPr rtlCol="0" anchor="ctr"/>
+          <a:lstStyle/>
+          <a:p>
+            <a:pPr algn="ctr"/>
+            <a:r>
+              <a:rPr lang="de-DE" dirty="0" smtClean="0"/>
+              <a:t>Schlange</a:t>
+            </a:r>
+            <a:endParaRPr lang="de-DE" dirty="0"/>
+          </a:p>
+        </p:txBody>
+      </p:sp>
+      <p:sp>
+        <p:nvSpPr>
+          <p:cNvPr id="7" name="Rechteck 6"/>
+          <p:cNvSpPr/>
+          <p:nvPr/>
+        </p:nvSpPr>
+        <p:spPr>
+          <a:xfrm>
+            <a:off x="1998371" y="3565112"/>
+            <a:ext cx="2163651" cy="463640"/>
+          </a:xfrm>
+          <a:prstGeom prst="rect">
+            <a:avLst/>
+          </a:prstGeom>
+        </p:spPr>
+        <p:style>
+          <a:lnRef idx="2">
+            <a:schemeClr val="accent1">
+              <a:shade val="50000"/>
+            </a:schemeClr>
+          </a:lnRef>
+          <a:fillRef idx="1">
+            <a:schemeClr val="accent1"/>
+          </a:fillRef>
+          <a:effectRef idx="0">
+            <a:schemeClr val="accent1"/>
+          </a:effectRef>
+          <a:fontRef idx="minor">
+            <a:schemeClr val="lt1"/>
+          </a:fontRef>
+        </p:style>
+        <p:txBody>
+          <a:bodyPr rtlCol="0" anchor="ctr"/>
+          <a:lstStyle/>
+          <a:p>
+            <a:pPr algn="ctr"/>
+            <a:r>
+              <a:rPr lang="de-DE" dirty="0" smtClean="0"/>
+              <a:t>Speerfalle</a:t>
+            </a:r>
+            <a:endParaRPr lang="de-DE" dirty="0"/>
+          </a:p>
+        </p:txBody>
+      </p:sp>
+      <p:sp>
+        <p:nvSpPr>
+          <p:cNvPr id="8" name="Rechteck 7"/>
+          <p:cNvSpPr/>
+          <p:nvPr/>
+        </p:nvSpPr>
+        <p:spPr>
+          <a:xfrm>
+            <a:off x="1998371" y="4229034"/>
+            <a:ext cx="2163651" cy="463640"/>
+          </a:xfrm>
+          <a:prstGeom prst="rect">
+            <a:avLst/>
+          </a:prstGeom>
+        </p:spPr>
+        <p:style>
+          <a:lnRef idx="2">
+            <a:schemeClr val="accent1">
+              <a:shade val="50000"/>
+            </a:schemeClr>
+          </a:lnRef>
+          <a:fillRef idx="1">
+            <a:schemeClr val="accent1"/>
+          </a:fillRef>
+          <a:effectRef idx="0">
+            <a:schemeClr val="accent1"/>
+          </a:effectRef>
+          <a:fontRef idx="minor">
+            <a:schemeClr val="lt1"/>
+          </a:fontRef>
+        </p:style>
+        <p:txBody>
+          <a:bodyPr rtlCol="0" anchor="ctr"/>
+          <a:lstStyle/>
+          <a:p>
+            <a:pPr algn="ctr"/>
+            <a:r>
+              <a:rPr lang="de-DE" dirty="0" smtClean="0"/>
+              <a:t>Fallende Steine</a:t>
+            </a:r>
+            <a:endParaRPr lang="de-DE" dirty="0"/>
+          </a:p>
+        </p:txBody>
+      </p:sp>
+      <p:sp>
+        <p:nvSpPr>
+          <p:cNvPr id="9" name="Rechteck 8"/>
+          <p:cNvSpPr/>
+          <p:nvPr/>
+        </p:nvSpPr>
+        <p:spPr>
+          <a:xfrm>
+            <a:off x="1998370" y="5556878"/>
+            <a:ext cx="2163651" cy="463640"/>
+          </a:xfrm>
+          <a:prstGeom prst="rect">
+            <a:avLst/>
+          </a:prstGeom>
+        </p:spPr>
+        <p:style>
+          <a:lnRef idx="2">
+            <a:schemeClr val="accent1">
+              <a:shade val="50000"/>
+            </a:schemeClr>
+          </a:lnRef>
+          <a:fillRef idx="1">
+            <a:schemeClr val="accent1"/>
+          </a:fillRef>
+          <a:effectRef idx="0">
+            <a:schemeClr val="accent1"/>
+          </a:effectRef>
+          <a:fontRef idx="minor">
+            <a:schemeClr val="lt1"/>
+          </a:fontRef>
+        </p:style>
+        <p:txBody>
+          <a:bodyPr rtlCol="0" anchor="ctr"/>
+          <a:lstStyle/>
+          <a:p>
+            <a:pPr algn="ctr"/>
+            <a:r>
+              <a:rPr lang="de-DE" dirty="0" smtClean="0"/>
+              <a:t>Futter</a:t>
+            </a:r>
+            <a:endParaRPr lang="de-DE" dirty="0"/>
+          </a:p>
+        </p:txBody>
+      </p:sp>
+      <p:sp>
+        <p:nvSpPr>
+          <p:cNvPr id="10" name="Rechteck 9"/>
+          <p:cNvSpPr/>
+          <p:nvPr/>
+        </p:nvSpPr>
+        <p:spPr>
+          <a:xfrm>
+            <a:off x="1998370" y="4892956"/>
+            <a:ext cx="2163651" cy="463640"/>
+          </a:xfrm>
+          <a:prstGeom prst="rect">
+            <a:avLst/>
+          </a:prstGeom>
+          <a:solidFill>
+            <a:srgbClr val="FFC000"/>
+          </a:solidFill>
+          <a:ln>
+            <a:solidFill>
+              <a:schemeClr val="accent2"/>
+            </a:solidFill>
+          </a:ln>
+        </p:spPr>
+        <p:style>
+          <a:lnRef idx="2">
+            <a:schemeClr val="accent1">
+              <a:shade val="50000"/>
+            </a:schemeClr>
+          </a:lnRef>
+          <a:fillRef idx="1">
+            <a:schemeClr val="accent1"/>
+          </a:fillRef>
+          <a:effectRef idx="0">
+            <a:schemeClr val="accent1"/>
+          </a:effectRef>
+          <a:fontRef idx="minor">
+            <a:schemeClr val="lt1"/>
+          </a:fontRef>
+        </p:style>
+        <p:txBody>
+          <a:bodyPr rtlCol="0" anchor="ctr"/>
+          <a:lstStyle/>
+          <a:p>
+            <a:pPr algn="ctr"/>
+            <a:r>
+              <a:rPr lang="de-DE" dirty="0" smtClean="0">
+                <a:solidFill>
+                  <a:schemeClr val="tx1"/>
+                </a:solidFill>
+              </a:rPr>
+              <a:t>Diätpille</a:t>
+            </a:r>
+            <a:endParaRPr lang="de-DE" dirty="0">
+              <a:solidFill>
+                <a:schemeClr val="tx1"/>
+              </a:solidFill>
+            </a:endParaRPr>
+          </a:p>
+        </p:txBody>
+      </p:sp>
+      <p:cxnSp>
+        <p:nvCxnSpPr>
+          <p:cNvPr id="12" name="Gerader Verbinder 11"/>
+          <p:cNvCxnSpPr>
+            <a:stCxn id="5" idx="2"/>
+          </p:cNvCxnSpPr>
+          <p:nvPr/>
+        </p:nvCxnSpPr>
+        <p:spPr>
+          <a:xfrm>
+            <a:off x="1429555" y="2038610"/>
+            <a:ext cx="0" cy="4414008"/>
+          </a:xfrm>
+          <a:prstGeom prst="line">
+            <a:avLst/>
+          </a:prstGeom>
+        </p:spPr>
+        <p:style>
+          <a:lnRef idx="1">
+            <a:schemeClr val="accent1"/>
+          </a:lnRef>
+          <a:fillRef idx="0">
+            <a:schemeClr val="accent1"/>
+          </a:fillRef>
+          <a:effectRef idx="0">
+            <a:schemeClr val="accent1"/>
+          </a:effectRef>
+          <a:fontRef idx="minor">
+            <a:schemeClr val="tx1"/>
+          </a:fontRef>
+        </p:style>
+      </p:cxnSp>
+      <p:cxnSp>
+        <p:nvCxnSpPr>
+          <p:cNvPr id="14" name="Gerader Verbinder 13"/>
+          <p:cNvCxnSpPr>
+            <a:stCxn id="6" idx="1"/>
+          </p:cNvCxnSpPr>
+          <p:nvPr/>
+        </p:nvCxnSpPr>
+        <p:spPr>
+          <a:xfrm flipH="1">
+            <a:off x="1429555" y="2460790"/>
+            <a:ext cx="568817" cy="0"/>
+          </a:xfrm>
+          <a:prstGeom prst="line">
+            <a:avLst/>
+          </a:prstGeom>
+        </p:spPr>
+        <p:style>
+          <a:lnRef idx="1">
+            <a:schemeClr val="accent1"/>
+          </a:lnRef>
+          <a:fillRef idx="0">
+            <a:schemeClr val="accent1"/>
+          </a:fillRef>
+          <a:effectRef idx="0">
+            <a:schemeClr val="accent1"/>
+          </a:effectRef>
+          <a:fontRef idx="minor">
+            <a:schemeClr val="tx1"/>
+          </a:fontRef>
+        </p:style>
+      </p:cxnSp>
+      <p:sp>
+        <p:nvSpPr>
+          <p:cNvPr id="15" name="Rechteck 14"/>
+          <p:cNvSpPr/>
+          <p:nvPr/>
+        </p:nvSpPr>
+        <p:spPr>
+          <a:xfrm>
+            <a:off x="1998372" y="2892893"/>
+            <a:ext cx="2163651" cy="463640"/>
+          </a:xfrm>
+          <a:prstGeom prst="rect">
+            <a:avLst/>
+          </a:prstGeom>
+        </p:spPr>
+        <p:style>
+          <a:lnRef idx="2">
+            <a:schemeClr val="accent1">
+              <a:shade val="50000"/>
+            </a:schemeClr>
+          </a:lnRef>
+          <a:fillRef idx="1">
+            <a:schemeClr val="accent1"/>
+          </a:fillRef>
+          <a:effectRef idx="0">
+            <a:schemeClr val="accent1"/>
+          </a:effectRef>
+          <a:fontRef idx="minor">
+            <a:schemeClr val="lt1"/>
+          </a:fontRef>
+        </p:style>
+        <p:txBody>
+          <a:bodyPr rtlCol="0" anchor="ctr"/>
+          <a:lstStyle/>
+          <a:p>
+            <a:pPr algn="ctr"/>
+            <a:r>
+              <a:rPr lang="de-DE" dirty="0" smtClean="0"/>
+              <a:t>Spielfeld</a:t>
+            </a:r>
+            <a:endParaRPr lang="de-DE" dirty="0"/>
+          </a:p>
+        </p:txBody>
+      </p:sp>
+      <p:sp>
+        <p:nvSpPr>
+          <p:cNvPr id="16" name="Rechteck 15"/>
+          <p:cNvSpPr/>
+          <p:nvPr/>
+        </p:nvSpPr>
+        <p:spPr>
+          <a:xfrm>
+            <a:off x="1998369" y="6220800"/>
+            <a:ext cx="2163651" cy="463640"/>
+          </a:xfrm>
+          <a:prstGeom prst="rect">
+            <a:avLst/>
+          </a:prstGeom>
+        </p:spPr>
+        <p:style>
+          <a:lnRef idx="2">
+            <a:schemeClr val="accent1">
+              <a:shade val="50000"/>
+            </a:schemeClr>
+          </a:lnRef>
+          <a:fillRef idx="1">
+            <a:schemeClr val="accent1"/>
+          </a:fillRef>
+          <a:effectRef idx="0">
+            <a:schemeClr val="accent1"/>
+          </a:effectRef>
+          <a:fontRef idx="minor">
+            <a:schemeClr val="lt1"/>
+          </a:fontRef>
+        </p:style>
+        <p:txBody>
+          <a:bodyPr rtlCol="0" anchor="ctr"/>
+          <a:lstStyle/>
+          <a:p>
+            <a:pPr algn="ctr"/>
+            <a:r>
+              <a:rPr lang="de-DE" dirty="0" smtClean="0"/>
+              <a:t>Sonstige Objekte</a:t>
+            </a:r>
+            <a:endParaRPr lang="de-DE" dirty="0"/>
+          </a:p>
+        </p:txBody>
+      </p:sp>
+      <p:cxnSp>
+        <p:nvCxnSpPr>
+          <p:cNvPr id="18" name="Gerader Verbinder 17"/>
+          <p:cNvCxnSpPr>
+            <a:stCxn id="15" idx="1"/>
+          </p:cNvCxnSpPr>
+          <p:nvPr/>
+        </p:nvCxnSpPr>
+        <p:spPr>
+          <a:xfrm flipH="1">
+            <a:off x="1429555" y="3124713"/>
+            <a:ext cx="568817" cy="0"/>
+          </a:xfrm>
+          <a:prstGeom prst="line">
+            <a:avLst/>
+          </a:prstGeom>
+        </p:spPr>
+        <p:style>
+          <a:lnRef idx="1">
+            <a:schemeClr val="accent1"/>
+          </a:lnRef>
+          <a:fillRef idx="0">
+            <a:schemeClr val="accent1"/>
+          </a:fillRef>
+          <a:effectRef idx="0">
+            <a:schemeClr val="accent1"/>
+          </a:effectRef>
+          <a:fontRef idx="minor">
+            <a:schemeClr val="tx1"/>
+          </a:fontRef>
+        </p:style>
+      </p:cxnSp>
+      <p:cxnSp>
+        <p:nvCxnSpPr>
+          <p:cNvPr id="20" name="Gerader Verbinder 19"/>
+          <p:cNvCxnSpPr>
+            <a:stCxn id="7" idx="1"/>
+          </p:cNvCxnSpPr>
+          <p:nvPr/>
+        </p:nvCxnSpPr>
+        <p:spPr>
+          <a:xfrm flipH="1" flipV="1">
+            <a:off x="1429555" y="3796930"/>
+            <a:ext cx="568816" cy="2"/>
+          </a:xfrm>
+          <a:prstGeom prst="line">
+            <a:avLst/>
+          </a:prstGeom>
+        </p:spPr>
+        <p:style>
+          <a:lnRef idx="1">
+            <a:schemeClr val="accent1"/>
+          </a:lnRef>
+          <a:fillRef idx="0">
+            <a:schemeClr val="accent1"/>
+          </a:fillRef>
+          <a:effectRef idx="0">
+            <a:schemeClr val="accent1"/>
+          </a:effectRef>
+          <a:fontRef idx="minor">
+            <a:schemeClr val="tx1"/>
+          </a:fontRef>
+        </p:style>
+      </p:cxnSp>
+      <p:cxnSp>
+        <p:nvCxnSpPr>
+          <p:cNvPr id="24" name="Gerader Verbinder 23"/>
+          <p:cNvCxnSpPr>
+            <a:stCxn id="8" idx="1"/>
+          </p:cNvCxnSpPr>
+          <p:nvPr/>
+        </p:nvCxnSpPr>
+        <p:spPr>
+          <a:xfrm flipH="1">
+            <a:off x="1429555" y="4460854"/>
+            <a:ext cx="568816" cy="0"/>
+          </a:xfrm>
+          <a:prstGeom prst="line">
+            <a:avLst/>
+          </a:prstGeom>
+        </p:spPr>
+        <p:style>
+          <a:lnRef idx="1">
+            <a:schemeClr val="accent1"/>
+          </a:lnRef>
+          <a:fillRef idx="0">
+            <a:schemeClr val="accent1"/>
+          </a:fillRef>
+          <a:effectRef idx="0">
+            <a:schemeClr val="accent1"/>
+          </a:effectRef>
+          <a:fontRef idx="minor">
+            <a:schemeClr val="tx1"/>
+          </a:fontRef>
+        </p:style>
+      </p:cxnSp>
+      <p:cxnSp>
+        <p:nvCxnSpPr>
+          <p:cNvPr id="26" name="Gerader Verbinder 25"/>
+          <p:cNvCxnSpPr>
+            <a:stCxn id="10" idx="1"/>
+          </p:cNvCxnSpPr>
+          <p:nvPr/>
+        </p:nvCxnSpPr>
+        <p:spPr>
+          <a:xfrm flipH="1" flipV="1">
+            <a:off x="1429555" y="5124775"/>
+            <a:ext cx="568815" cy="1"/>
+          </a:xfrm>
+          <a:prstGeom prst="line">
+            <a:avLst/>
+          </a:prstGeom>
+        </p:spPr>
+        <p:style>
+          <a:lnRef idx="1">
+            <a:schemeClr val="accent1"/>
+          </a:lnRef>
+          <a:fillRef idx="0">
+            <a:schemeClr val="accent1"/>
+          </a:fillRef>
+          <a:effectRef idx="0">
+            <a:schemeClr val="accent1"/>
+          </a:effectRef>
+          <a:fontRef idx="minor">
+            <a:schemeClr val="tx1"/>
+          </a:fontRef>
+        </p:style>
+      </p:cxnSp>
+      <p:cxnSp>
+        <p:nvCxnSpPr>
+          <p:cNvPr id="28" name="Gerader Verbinder 27"/>
+          <p:cNvCxnSpPr>
+            <a:stCxn id="9" idx="1"/>
+          </p:cNvCxnSpPr>
+          <p:nvPr/>
+        </p:nvCxnSpPr>
+        <p:spPr>
+          <a:xfrm flipH="1" flipV="1">
+            <a:off x="1429555" y="5788696"/>
+            <a:ext cx="568815" cy="2"/>
+          </a:xfrm>
+          <a:prstGeom prst="line">
+            <a:avLst/>
+          </a:prstGeom>
+        </p:spPr>
+        <p:style>
+          <a:lnRef idx="1">
+            <a:schemeClr val="accent1"/>
+          </a:lnRef>
+          <a:fillRef idx="0">
+            <a:schemeClr val="accent1"/>
+          </a:fillRef>
+          <a:effectRef idx="0">
+            <a:schemeClr val="accent1"/>
+          </a:effectRef>
+          <a:fontRef idx="minor">
+            <a:schemeClr val="tx1"/>
+          </a:fontRef>
+        </p:style>
+      </p:cxnSp>
+      <p:cxnSp>
+        <p:nvCxnSpPr>
+          <p:cNvPr id="30" name="Gerader Verbinder 29"/>
+          <p:cNvCxnSpPr>
+            <a:stCxn id="16" idx="1"/>
+          </p:cNvCxnSpPr>
+          <p:nvPr/>
+        </p:nvCxnSpPr>
+        <p:spPr>
+          <a:xfrm flipH="1" flipV="1">
+            <a:off x="1429555" y="6452618"/>
+            <a:ext cx="568814" cy="2"/>
+          </a:xfrm>
+          <a:prstGeom prst="line">
+            <a:avLst/>
+          </a:prstGeom>
+        </p:spPr>
+        <p:style>
+          <a:lnRef idx="1">
+            <a:schemeClr val="accent1"/>
+          </a:lnRef>
+          <a:fillRef idx="0">
+            <a:schemeClr val="accent1"/>
+          </a:fillRef>
+          <a:effectRef idx="0">
+            <a:schemeClr val="accent1"/>
+          </a:effectRef>
+          <a:fontRef idx="minor">
+            <a:schemeClr val="tx1"/>
+          </a:fontRef>
+        </p:style>
+      </p:cxnSp>
     </p:spTree>
     <p:extLst>
       <p:ext uri="{BB962C8B-B14F-4D97-AF65-F5344CB8AC3E}">
-        <p14:creationId xmlns:p14="http://schemas.microsoft.com/office/powerpoint/2010/main" val="1285909600"/>
+        <p14:creationId xmlns:p14="http://schemas.microsoft.com/office/powerpoint/2010/main" val="1496639185"/>
       </p:ext>
     </p:extLst>
   </p:cSld>
@@ -4387,8 +8172,1806 @@
           <a:p>
             <a:pPr algn="ctr"/>
             <a:r>
+              <a:rPr lang="de-DE" b="1" dirty="0" smtClean="0"/>
+              <a:t>Systemarchitektur</a:t>
+            </a:r>
+            <a:endParaRPr lang="de-DE" b="1" dirty="0"/>
+          </a:p>
+        </p:txBody>
+      </p:sp>
+      <p:sp>
+        <p:nvSpPr>
+          <p:cNvPr id="4" name="Foliennummernplatzhalter 3"/>
+          <p:cNvSpPr>
+            <a:spLocks noGrp="1"/>
+          </p:cNvSpPr>
+          <p:nvPr>
+            <p:ph type="sldNum" sz="quarter" idx="12"/>
+          </p:nvPr>
+        </p:nvSpPr>
+        <p:spPr/>
+        <p:txBody>
+          <a:bodyPr/>
+          <a:lstStyle/>
+          <a:p>
+            <a:fld id="{AFC15D4E-52BD-4359-8CF4-4D643ACA6A81}" type="slidenum">
+              <a:rPr lang="de-DE" smtClean="0"/>
+              <a:t>16</a:t>
+            </a:fld>
+            <a:endParaRPr lang="de-DE"/>
+          </a:p>
+        </p:txBody>
+      </p:sp>
+      <p:sp>
+        <p:nvSpPr>
+          <p:cNvPr id="5" name="Rechteck 4"/>
+          <p:cNvSpPr/>
+          <p:nvPr/>
+        </p:nvSpPr>
+        <p:spPr>
+          <a:xfrm>
+            <a:off x="115910" y="1403989"/>
+            <a:ext cx="2627290" cy="634621"/>
+          </a:xfrm>
+          <a:prstGeom prst="rect">
+            <a:avLst/>
+          </a:prstGeom>
+          <a:solidFill>
+            <a:schemeClr val="tx2"/>
+          </a:solidFill>
+          <a:ln>
+            <a:solidFill>
+              <a:schemeClr val="tx2">
+                <a:lumMod val="50000"/>
+              </a:schemeClr>
+            </a:solidFill>
+          </a:ln>
+        </p:spPr>
+        <p:style>
+          <a:lnRef idx="2">
+            <a:schemeClr val="accent1">
+              <a:shade val="50000"/>
+            </a:schemeClr>
+          </a:lnRef>
+          <a:fillRef idx="1">
+            <a:schemeClr val="accent1"/>
+          </a:fillRef>
+          <a:effectRef idx="0">
+            <a:schemeClr val="accent1"/>
+          </a:effectRef>
+          <a:fontRef idx="minor">
+            <a:schemeClr val="lt1"/>
+          </a:fontRef>
+        </p:style>
+        <p:txBody>
+          <a:bodyPr rtlCol="0" anchor="ctr"/>
+          <a:lstStyle/>
+          <a:p>
+            <a:pPr algn="ctr"/>
+            <a:r>
               <a:rPr lang="de-DE" dirty="0" smtClean="0"/>
-              <a:t>Tatsächlicher Zeitplan (Soll-Ist-Vergleich unserer Entwicklungszeit)</a:t>
+              <a:t>Objekte im Spiel</a:t>
+            </a:r>
+            <a:endParaRPr lang="de-DE" dirty="0"/>
+          </a:p>
+        </p:txBody>
+      </p:sp>
+      <p:sp>
+        <p:nvSpPr>
+          <p:cNvPr id="6" name="Rechteck 5"/>
+          <p:cNvSpPr/>
+          <p:nvPr/>
+        </p:nvSpPr>
+        <p:spPr>
+          <a:xfrm>
+            <a:off x="1998372" y="2228970"/>
+            <a:ext cx="2163651" cy="463640"/>
+          </a:xfrm>
+          <a:prstGeom prst="rect">
+            <a:avLst/>
+          </a:prstGeom>
+        </p:spPr>
+        <p:style>
+          <a:lnRef idx="2">
+            <a:schemeClr val="accent1">
+              <a:shade val="50000"/>
+            </a:schemeClr>
+          </a:lnRef>
+          <a:fillRef idx="1">
+            <a:schemeClr val="accent1"/>
+          </a:fillRef>
+          <a:effectRef idx="0">
+            <a:schemeClr val="accent1"/>
+          </a:effectRef>
+          <a:fontRef idx="minor">
+            <a:schemeClr val="lt1"/>
+          </a:fontRef>
+        </p:style>
+        <p:txBody>
+          <a:bodyPr rtlCol="0" anchor="ctr"/>
+          <a:lstStyle/>
+          <a:p>
+            <a:pPr algn="ctr"/>
+            <a:r>
+              <a:rPr lang="de-DE" dirty="0" smtClean="0"/>
+              <a:t>Schlange</a:t>
+            </a:r>
+            <a:endParaRPr lang="de-DE" dirty="0"/>
+          </a:p>
+        </p:txBody>
+      </p:sp>
+      <p:sp>
+        <p:nvSpPr>
+          <p:cNvPr id="7" name="Rechteck 6"/>
+          <p:cNvSpPr/>
+          <p:nvPr/>
+        </p:nvSpPr>
+        <p:spPr>
+          <a:xfrm>
+            <a:off x="1998371" y="3565112"/>
+            <a:ext cx="2163651" cy="463640"/>
+          </a:xfrm>
+          <a:prstGeom prst="rect">
+            <a:avLst/>
+          </a:prstGeom>
+        </p:spPr>
+        <p:style>
+          <a:lnRef idx="2">
+            <a:schemeClr val="accent1">
+              <a:shade val="50000"/>
+            </a:schemeClr>
+          </a:lnRef>
+          <a:fillRef idx="1">
+            <a:schemeClr val="accent1"/>
+          </a:fillRef>
+          <a:effectRef idx="0">
+            <a:schemeClr val="accent1"/>
+          </a:effectRef>
+          <a:fontRef idx="minor">
+            <a:schemeClr val="lt1"/>
+          </a:fontRef>
+        </p:style>
+        <p:txBody>
+          <a:bodyPr rtlCol="0" anchor="ctr"/>
+          <a:lstStyle/>
+          <a:p>
+            <a:pPr algn="ctr"/>
+            <a:r>
+              <a:rPr lang="de-DE" dirty="0" smtClean="0"/>
+              <a:t>Speerfalle</a:t>
+            </a:r>
+            <a:endParaRPr lang="de-DE" dirty="0"/>
+          </a:p>
+        </p:txBody>
+      </p:sp>
+      <p:sp>
+        <p:nvSpPr>
+          <p:cNvPr id="8" name="Rechteck 7"/>
+          <p:cNvSpPr/>
+          <p:nvPr/>
+        </p:nvSpPr>
+        <p:spPr>
+          <a:xfrm>
+            <a:off x="1998371" y="4229034"/>
+            <a:ext cx="2163651" cy="463640"/>
+          </a:xfrm>
+          <a:prstGeom prst="rect">
+            <a:avLst/>
+          </a:prstGeom>
+        </p:spPr>
+        <p:style>
+          <a:lnRef idx="2">
+            <a:schemeClr val="accent1">
+              <a:shade val="50000"/>
+            </a:schemeClr>
+          </a:lnRef>
+          <a:fillRef idx="1">
+            <a:schemeClr val="accent1"/>
+          </a:fillRef>
+          <a:effectRef idx="0">
+            <a:schemeClr val="accent1"/>
+          </a:effectRef>
+          <a:fontRef idx="minor">
+            <a:schemeClr val="lt1"/>
+          </a:fontRef>
+        </p:style>
+        <p:txBody>
+          <a:bodyPr rtlCol="0" anchor="ctr"/>
+          <a:lstStyle/>
+          <a:p>
+            <a:pPr algn="ctr"/>
+            <a:r>
+              <a:rPr lang="de-DE" dirty="0" smtClean="0"/>
+              <a:t>Fallende Steine</a:t>
+            </a:r>
+            <a:endParaRPr lang="de-DE" dirty="0"/>
+          </a:p>
+        </p:txBody>
+      </p:sp>
+      <p:sp>
+        <p:nvSpPr>
+          <p:cNvPr id="9" name="Rechteck 8"/>
+          <p:cNvSpPr/>
+          <p:nvPr/>
+        </p:nvSpPr>
+        <p:spPr>
+          <a:xfrm>
+            <a:off x="1998370" y="5556878"/>
+            <a:ext cx="2163651" cy="463640"/>
+          </a:xfrm>
+          <a:prstGeom prst="rect">
+            <a:avLst/>
+          </a:prstGeom>
+          <a:solidFill>
+            <a:srgbClr val="FFC000"/>
+          </a:solidFill>
+          <a:ln>
+            <a:solidFill>
+              <a:schemeClr val="accent2"/>
+            </a:solidFill>
+          </a:ln>
+        </p:spPr>
+        <p:style>
+          <a:lnRef idx="2">
+            <a:schemeClr val="accent1">
+              <a:shade val="50000"/>
+            </a:schemeClr>
+          </a:lnRef>
+          <a:fillRef idx="1">
+            <a:schemeClr val="accent1"/>
+          </a:fillRef>
+          <a:effectRef idx="0">
+            <a:schemeClr val="accent1"/>
+          </a:effectRef>
+          <a:fontRef idx="minor">
+            <a:schemeClr val="lt1"/>
+          </a:fontRef>
+        </p:style>
+        <p:txBody>
+          <a:bodyPr rtlCol="0" anchor="ctr"/>
+          <a:lstStyle/>
+          <a:p>
+            <a:pPr algn="ctr"/>
+            <a:r>
+              <a:rPr lang="de-DE" dirty="0" smtClean="0">
+                <a:solidFill>
+                  <a:schemeClr val="tx1"/>
+                </a:solidFill>
+              </a:rPr>
+              <a:t>Futter</a:t>
+            </a:r>
+            <a:endParaRPr lang="de-DE" dirty="0">
+              <a:solidFill>
+                <a:schemeClr val="tx1"/>
+              </a:solidFill>
+            </a:endParaRPr>
+          </a:p>
+        </p:txBody>
+      </p:sp>
+      <p:sp>
+        <p:nvSpPr>
+          <p:cNvPr id="10" name="Rechteck 9"/>
+          <p:cNvSpPr/>
+          <p:nvPr/>
+        </p:nvSpPr>
+        <p:spPr>
+          <a:xfrm>
+            <a:off x="1998370" y="4892956"/>
+            <a:ext cx="2163651" cy="463640"/>
+          </a:xfrm>
+          <a:prstGeom prst="rect">
+            <a:avLst/>
+          </a:prstGeom>
+        </p:spPr>
+        <p:style>
+          <a:lnRef idx="2">
+            <a:schemeClr val="accent1">
+              <a:shade val="50000"/>
+            </a:schemeClr>
+          </a:lnRef>
+          <a:fillRef idx="1">
+            <a:schemeClr val="accent1"/>
+          </a:fillRef>
+          <a:effectRef idx="0">
+            <a:schemeClr val="accent1"/>
+          </a:effectRef>
+          <a:fontRef idx="minor">
+            <a:schemeClr val="lt1"/>
+          </a:fontRef>
+        </p:style>
+        <p:txBody>
+          <a:bodyPr rtlCol="0" anchor="ctr"/>
+          <a:lstStyle/>
+          <a:p>
+            <a:pPr algn="ctr"/>
+            <a:r>
+              <a:rPr lang="de-DE" dirty="0" smtClean="0"/>
+              <a:t>Diätpille</a:t>
+            </a:r>
+            <a:endParaRPr lang="de-DE" dirty="0"/>
+          </a:p>
+        </p:txBody>
+      </p:sp>
+      <p:cxnSp>
+        <p:nvCxnSpPr>
+          <p:cNvPr id="12" name="Gerader Verbinder 11"/>
+          <p:cNvCxnSpPr>
+            <a:stCxn id="5" idx="2"/>
+          </p:cNvCxnSpPr>
+          <p:nvPr/>
+        </p:nvCxnSpPr>
+        <p:spPr>
+          <a:xfrm>
+            <a:off x="1429555" y="2038610"/>
+            <a:ext cx="0" cy="4414008"/>
+          </a:xfrm>
+          <a:prstGeom prst="line">
+            <a:avLst/>
+          </a:prstGeom>
+        </p:spPr>
+        <p:style>
+          <a:lnRef idx="1">
+            <a:schemeClr val="accent1"/>
+          </a:lnRef>
+          <a:fillRef idx="0">
+            <a:schemeClr val="accent1"/>
+          </a:fillRef>
+          <a:effectRef idx="0">
+            <a:schemeClr val="accent1"/>
+          </a:effectRef>
+          <a:fontRef idx="minor">
+            <a:schemeClr val="tx1"/>
+          </a:fontRef>
+        </p:style>
+      </p:cxnSp>
+      <p:cxnSp>
+        <p:nvCxnSpPr>
+          <p:cNvPr id="14" name="Gerader Verbinder 13"/>
+          <p:cNvCxnSpPr>
+            <a:stCxn id="6" idx="1"/>
+          </p:cNvCxnSpPr>
+          <p:nvPr/>
+        </p:nvCxnSpPr>
+        <p:spPr>
+          <a:xfrm flipH="1">
+            <a:off x="1429555" y="2460790"/>
+            <a:ext cx="568817" cy="0"/>
+          </a:xfrm>
+          <a:prstGeom prst="line">
+            <a:avLst/>
+          </a:prstGeom>
+        </p:spPr>
+        <p:style>
+          <a:lnRef idx="1">
+            <a:schemeClr val="accent1"/>
+          </a:lnRef>
+          <a:fillRef idx="0">
+            <a:schemeClr val="accent1"/>
+          </a:fillRef>
+          <a:effectRef idx="0">
+            <a:schemeClr val="accent1"/>
+          </a:effectRef>
+          <a:fontRef idx="minor">
+            <a:schemeClr val="tx1"/>
+          </a:fontRef>
+        </p:style>
+      </p:cxnSp>
+      <p:sp>
+        <p:nvSpPr>
+          <p:cNvPr id="15" name="Rechteck 14"/>
+          <p:cNvSpPr/>
+          <p:nvPr/>
+        </p:nvSpPr>
+        <p:spPr>
+          <a:xfrm>
+            <a:off x="1998372" y="2892893"/>
+            <a:ext cx="2163651" cy="463640"/>
+          </a:xfrm>
+          <a:prstGeom prst="rect">
+            <a:avLst/>
+          </a:prstGeom>
+        </p:spPr>
+        <p:style>
+          <a:lnRef idx="2">
+            <a:schemeClr val="accent1">
+              <a:shade val="50000"/>
+            </a:schemeClr>
+          </a:lnRef>
+          <a:fillRef idx="1">
+            <a:schemeClr val="accent1"/>
+          </a:fillRef>
+          <a:effectRef idx="0">
+            <a:schemeClr val="accent1"/>
+          </a:effectRef>
+          <a:fontRef idx="minor">
+            <a:schemeClr val="lt1"/>
+          </a:fontRef>
+        </p:style>
+        <p:txBody>
+          <a:bodyPr rtlCol="0" anchor="ctr"/>
+          <a:lstStyle/>
+          <a:p>
+            <a:pPr algn="ctr"/>
+            <a:r>
+              <a:rPr lang="de-DE" dirty="0" smtClean="0"/>
+              <a:t>Spielfeld</a:t>
+            </a:r>
+            <a:endParaRPr lang="de-DE" dirty="0"/>
+          </a:p>
+        </p:txBody>
+      </p:sp>
+      <p:sp>
+        <p:nvSpPr>
+          <p:cNvPr id="16" name="Rechteck 15"/>
+          <p:cNvSpPr/>
+          <p:nvPr/>
+        </p:nvSpPr>
+        <p:spPr>
+          <a:xfrm>
+            <a:off x="1998369" y="6220800"/>
+            <a:ext cx="2163651" cy="463640"/>
+          </a:xfrm>
+          <a:prstGeom prst="rect">
+            <a:avLst/>
+          </a:prstGeom>
+        </p:spPr>
+        <p:style>
+          <a:lnRef idx="2">
+            <a:schemeClr val="accent1">
+              <a:shade val="50000"/>
+            </a:schemeClr>
+          </a:lnRef>
+          <a:fillRef idx="1">
+            <a:schemeClr val="accent1"/>
+          </a:fillRef>
+          <a:effectRef idx="0">
+            <a:schemeClr val="accent1"/>
+          </a:effectRef>
+          <a:fontRef idx="minor">
+            <a:schemeClr val="lt1"/>
+          </a:fontRef>
+        </p:style>
+        <p:txBody>
+          <a:bodyPr rtlCol="0" anchor="ctr"/>
+          <a:lstStyle/>
+          <a:p>
+            <a:pPr algn="ctr"/>
+            <a:r>
+              <a:rPr lang="de-DE" dirty="0" smtClean="0"/>
+              <a:t>Sonstige Objekte</a:t>
+            </a:r>
+            <a:endParaRPr lang="de-DE" dirty="0"/>
+          </a:p>
+        </p:txBody>
+      </p:sp>
+      <p:cxnSp>
+        <p:nvCxnSpPr>
+          <p:cNvPr id="18" name="Gerader Verbinder 17"/>
+          <p:cNvCxnSpPr>
+            <a:stCxn id="15" idx="1"/>
+          </p:cNvCxnSpPr>
+          <p:nvPr/>
+        </p:nvCxnSpPr>
+        <p:spPr>
+          <a:xfrm flipH="1">
+            <a:off x="1429555" y="3124713"/>
+            <a:ext cx="568817" cy="0"/>
+          </a:xfrm>
+          <a:prstGeom prst="line">
+            <a:avLst/>
+          </a:prstGeom>
+        </p:spPr>
+        <p:style>
+          <a:lnRef idx="1">
+            <a:schemeClr val="accent1"/>
+          </a:lnRef>
+          <a:fillRef idx="0">
+            <a:schemeClr val="accent1"/>
+          </a:fillRef>
+          <a:effectRef idx="0">
+            <a:schemeClr val="accent1"/>
+          </a:effectRef>
+          <a:fontRef idx="minor">
+            <a:schemeClr val="tx1"/>
+          </a:fontRef>
+        </p:style>
+      </p:cxnSp>
+      <p:cxnSp>
+        <p:nvCxnSpPr>
+          <p:cNvPr id="20" name="Gerader Verbinder 19"/>
+          <p:cNvCxnSpPr>
+            <a:stCxn id="7" idx="1"/>
+          </p:cNvCxnSpPr>
+          <p:nvPr/>
+        </p:nvCxnSpPr>
+        <p:spPr>
+          <a:xfrm flipH="1" flipV="1">
+            <a:off x="1429555" y="3796930"/>
+            <a:ext cx="568816" cy="2"/>
+          </a:xfrm>
+          <a:prstGeom prst="line">
+            <a:avLst/>
+          </a:prstGeom>
+        </p:spPr>
+        <p:style>
+          <a:lnRef idx="1">
+            <a:schemeClr val="accent1"/>
+          </a:lnRef>
+          <a:fillRef idx="0">
+            <a:schemeClr val="accent1"/>
+          </a:fillRef>
+          <a:effectRef idx="0">
+            <a:schemeClr val="accent1"/>
+          </a:effectRef>
+          <a:fontRef idx="minor">
+            <a:schemeClr val="tx1"/>
+          </a:fontRef>
+        </p:style>
+      </p:cxnSp>
+      <p:cxnSp>
+        <p:nvCxnSpPr>
+          <p:cNvPr id="24" name="Gerader Verbinder 23"/>
+          <p:cNvCxnSpPr>
+            <a:stCxn id="8" idx="1"/>
+          </p:cNvCxnSpPr>
+          <p:nvPr/>
+        </p:nvCxnSpPr>
+        <p:spPr>
+          <a:xfrm flipH="1">
+            <a:off x="1429555" y="4460854"/>
+            <a:ext cx="568816" cy="0"/>
+          </a:xfrm>
+          <a:prstGeom prst="line">
+            <a:avLst/>
+          </a:prstGeom>
+        </p:spPr>
+        <p:style>
+          <a:lnRef idx="1">
+            <a:schemeClr val="accent1"/>
+          </a:lnRef>
+          <a:fillRef idx="0">
+            <a:schemeClr val="accent1"/>
+          </a:fillRef>
+          <a:effectRef idx="0">
+            <a:schemeClr val="accent1"/>
+          </a:effectRef>
+          <a:fontRef idx="minor">
+            <a:schemeClr val="tx1"/>
+          </a:fontRef>
+        </p:style>
+      </p:cxnSp>
+      <p:cxnSp>
+        <p:nvCxnSpPr>
+          <p:cNvPr id="26" name="Gerader Verbinder 25"/>
+          <p:cNvCxnSpPr>
+            <a:stCxn id="10" idx="1"/>
+          </p:cNvCxnSpPr>
+          <p:nvPr/>
+        </p:nvCxnSpPr>
+        <p:spPr>
+          <a:xfrm flipH="1" flipV="1">
+            <a:off x="1429555" y="5124775"/>
+            <a:ext cx="568815" cy="1"/>
+          </a:xfrm>
+          <a:prstGeom prst="line">
+            <a:avLst/>
+          </a:prstGeom>
+        </p:spPr>
+        <p:style>
+          <a:lnRef idx="1">
+            <a:schemeClr val="accent1"/>
+          </a:lnRef>
+          <a:fillRef idx="0">
+            <a:schemeClr val="accent1"/>
+          </a:fillRef>
+          <a:effectRef idx="0">
+            <a:schemeClr val="accent1"/>
+          </a:effectRef>
+          <a:fontRef idx="minor">
+            <a:schemeClr val="tx1"/>
+          </a:fontRef>
+        </p:style>
+      </p:cxnSp>
+      <p:cxnSp>
+        <p:nvCxnSpPr>
+          <p:cNvPr id="28" name="Gerader Verbinder 27"/>
+          <p:cNvCxnSpPr>
+            <a:stCxn id="9" idx="1"/>
+          </p:cNvCxnSpPr>
+          <p:nvPr/>
+        </p:nvCxnSpPr>
+        <p:spPr>
+          <a:xfrm flipH="1" flipV="1">
+            <a:off x="1429555" y="5788696"/>
+            <a:ext cx="568815" cy="2"/>
+          </a:xfrm>
+          <a:prstGeom prst="line">
+            <a:avLst/>
+          </a:prstGeom>
+        </p:spPr>
+        <p:style>
+          <a:lnRef idx="1">
+            <a:schemeClr val="accent1"/>
+          </a:lnRef>
+          <a:fillRef idx="0">
+            <a:schemeClr val="accent1"/>
+          </a:fillRef>
+          <a:effectRef idx="0">
+            <a:schemeClr val="accent1"/>
+          </a:effectRef>
+          <a:fontRef idx="minor">
+            <a:schemeClr val="tx1"/>
+          </a:fontRef>
+        </p:style>
+      </p:cxnSp>
+      <p:cxnSp>
+        <p:nvCxnSpPr>
+          <p:cNvPr id="30" name="Gerader Verbinder 29"/>
+          <p:cNvCxnSpPr>
+            <a:stCxn id="16" idx="1"/>
+          </p:cNvCxnSpPr>
+          <p:nvPr/>
+        </p:nvCxnSpPr>
+        <p:spPr>
+          <a:xfrm flipH="1" flipV="1">
+            <a:off x="1429555" y="6452618"/>
+            <a:ext cx="568814" cy="2"/>
+          </a:xfrm>
+          <a:prstGeom prst="line">
+            <a:avLst/>
+          </a:prstGeom>
+        </p:spPr>
+        <p:style>
+          <a:lnRef idx="1">
+            <a:schemeClr val="accent1"/>
+          </a:lnRef>
+          <a:fillRef idx="0">
+            <a:schemeClr val="accent1"/>
+          </a:fillRef>
+          <a:effectRef idx="0">
+            <a:schemeClr val="accent1"/>
+          </a:effectRef>
+          <a:fontRef idx="minor">
+            <a:schemeClr val="tx1"/>
+          </a:fontRef>
+        </p:style>
+      </p:cxnSp>
+    </p:spTree>
+    <p:extLst>
+      <p:ext uri="{BB962C8B-B14F-4D97-AF65-F5344CB8AC3E}">
+        <p14:creationId xmlns:p14="http://schemas.microsoft.com/office/powerpoint/2010/main" val="56509074"/>
+      </p:ext>
+    </p:extLst>
+  </p:cSld>
+  <p:clrMapOvr>
+    <a:masterClrMapping/>
+  </p:clrMapOvr>
+  <p:timing>
+    <p:tnLst>
+      <p:par>
+        <p:cTn id="1" dur="indefinite" restart="never" nodeType="tmRoot"/>
+      </p:par>
+    </p:tnLst>
+  </p:timing>
+</p:sld>
+</file>
+
+<file path=ppt/slides/slide17.xml><?xml version="1.0" encoding="utf-8"?>
+<p:sld xmlns:a="http://schemas.openxmlformats.org/drawingml/2006/main" xmlns:r="http://schemas.openxmlformats.org/officeDocument/2006/relationships" xmlns:p="http://schemas.openxmlformats.org/presentationml/2006/main">
+  <p:cSld>
+    <p:spTree>
+      <p:nvGrpSpPr>
+        <p:cNvPr id="1" name=""/>
+        <p:cNvGrpSpPr/>
+        <p:nvPr/>
+      </p:nvGrpSpPr>
+      <p:grpSpPr>
+        <a:xfrm>
+          <a:off x="0" y="0"/>
+          <a:ext cx="0" cy="0"/>
+          <a:chOff x="0" y="0"/>
+          <a:chExt cx="0" cy="0"/>
+        </a:xfrm>
+      </p:grpSpPr>
+      <p:sp>
+        <p:nvSpPr>
+          <p:cNvPr id="2" name="Titel 1"/>
+          <p:cNvSpPr>
+            <a:spLocks noGrp="1"/>
+          </p:cNvSpPr>
+          <p:nvPr>
+            <p:ph type="title"/>
+          </p:nvPr>
+        </p:nvSpPr>
+        <p:spPr/>
+        <p:txBody>
+          <a:bodyPr/>
+          <a:lstStyle/>
+          <a:p>
+            <a:pPr algn="ctr"/>
+            <a:r>
+              <a:rPr lang="de-DE" b="1" dirty="0" smtClean="0"/>
+              <a:t>Systemarchitektur</a:t>
+            </a:r>
+            <a:endParaRPr lang="de-DE" b="1" dirty="0"/>
+          </a:p>
+        </p:txBody>
+      </p:sp>
+      <p:sp>
+        <p:nvSpPr>
+          <p:cNvPr id="4" name="Foliennummernplatzhalter 3"/>
+          <p:cNvSpPr>
+            <a:spLocks noGrp="1"/>
+          </p:cNvSpPr>
+          <p:nvPr>
+            <p:ph type="sldNum" sz="quarter" idx="12"/>
+          </p:nvPr>
+        </p:nvSpPr>
+        <p:spPr/>
+        <p:txBody>
+          <a:bodyPr/>
+          <a:lstStyle/>
+          <a:p>
+            <a:fld id="{AFC15D4E-52BD-4359-8CF4-4D643ACA6A81}" type="slidenum">
+              <a:rPr lang="de-DE" smtClean="0"/>
+              <a:t>17</a:t>
+            </a:fld>
+            <a:endParaRPr lang="de-DE"/>
+          </a:p>
+        </p:txBody>
+      </p:sp>
+      <p:sp>
+        <p:nvSpPr>
+          <p:cNvPr id="5" name="Rechteck 4"/>
+          <p:cNvSpPr/>
+          <p:nvPr/>
+        </p:nvSpPr>
+        <p:spPr>
+          <a:xfrm>
+            <a:off x="115910" y="1403989"/>
+            <a:ext cx="2627290" cy="634621"/>
+          </a:xfrm>
+          <a:prstGeom prst="rect">
+            <a:avLst/>
+          </a:prstGeom>
+          <a:solidFill>
+            <a:schemeClr val="tx2"/>
+          </a:solidFill>
+          <a:ln>
+            <a:solidFill>
+              <a:schemeClr val="tx2">
+                <a:lumMod val="75000"/>
+              </a:schemeClr>
+            </a:solidFill>
+          </a:ln>
+        </p:spPr>
+        <p:style>
+          <a:lnRef idx="2">
+            <a:schemeClr val="accent1">
+              <a:shade val="50000"/>
+            </a:schemeClr>
+          </a:lnRef>
+          <a:fillRef idx="1">
+            <a:schemeClr val="accent1"/>
+          </a:fillRef>
+          <a:effectRef idx="0">
+            <a:schemeClr val="accent1"/>
+          </a:effectRef>
+          <a:fontRef idx="minor">
+            <a:schemeClr val="lt1"/>
+          </a:fontRef>
+        </p:style>
+        <p:txBody>
+          <a:bodyPr rtlCol="0" anchor="ctr"/>
+          <a:lstStyle/>
+          <a:p>
+            <a:pPr algn="ctr"/>
+            <a:r>
+              <a:rPr lang="de-DE" dirty="0" smtClean="0"/>
+              <a:t>Objekte im Spiel</a:t>
+            </a:r>
+            <a:endParaRPr lang="de-DE" dirty="0"/>
+          </a:p>
+        </p:txBody>
+      </p:sp>
+      <p:sp>
+        <p:nvSpPr>
+          <p:cNvPr id="6" name="Rechteck 5"/>
+          <p:cNvSpPr/>
+          <p:nvPr/>
+        </p:nvSpPr>
+        <p:spPr>
+          <a:xfrm>
+            <a:off x="1998372" y="2228970"/>
+            <a:ext cx="2163651" cy="463640"/>
+          </a:xfrm>
+          <a:prstGeom prst="rect">
+            <a:avLst/>
+          </a:prstGeom>
+        </p:spPr>
+        <p:style>
+          <a:lnRef idx="2">
+            <a:schemeClr val="accent1">
+              <a:shade val="50000"/>
+            </a:schemeClr>
+          </a:lnRef>
+          <a:fillRef idx="1">
+            <a:schemeClr val="accent1"/>
+          </a:fillRef>
+          <a:effectRef idx="0">
+            <a:schemeClr val="accent1"/>
+          </a:effectRef>
+          <a:fontRef idx="minor">
+            <a:schemeClr val="lt1"/>
+          </a:fontRef>
+        </p:style>
+        <p:txBody>
+          <a:bodyPr rtlCol="0" anchor="ctr"/>
+          <a:lstStyle/>
+          <a:p>
+            <a:pPr algn="ctr"/>
+            <a:r>
+              <a:rPr lang="de-DE" dirty="0" smtClean="0"/>
+              <a:t>Schlange</a:t>
+            </a:r>
+            <a:endParaRPr lang="de-DE" dirty="0"/>
+          </a:p>
+        </p:txBody>
+      </p:sp>
+      <p:sp>
+        <p:nvSpPr>
+          <p:cNvPr id="7" name="Rechteck 6"/>
+          <p:cNvSpPr/>
+          <p:nvPr/>
+        </p:nvSpPr>
+        <p:spPr>
+          <a:xfrm>
+            <a:off x="1998371" y="3565112"/>
+            <a:ext cx="2163651" cy="463640"/>
+          </a:xfrm>
+          <a:prstGeom prst="rect">
+            <a:avLst/>
+          </a:prstGeom>
+        </p:spPr>
+        <p:style>
+          <a:lnRef idx="2">
+            <a:schemeClr val="accent1">
+              <a:shade val="50000"/>
+            </a:schemeClr>
+          </a:lnRef>
+          <a:fillRef idx="1">
+            <a:schemeClr val="accent1"/>
+          </a:fillRef>
+          <a:effectRef idx="0">
+            <a:schemeClr val="accent1"/>
+          </a:effectRef>
+          <a:fontRef idx="minor">
+            <a:schemeClr val="lt1"/>
+          </a:fontRef>
+        </p:style>
+        <p:txBody>
+          <a:bodyPr rtlCol="0" anchor="ctr"/>
+          <a:lstStyle/>
+          <a:p>
+            <a:pPr algn="ctr"/>
+            <a:r>
+              <a:rPr lang="de-DE" dirty="0" smtClean="0"/>
+              <a:t>Speerfalle</a:t>
+            </a:r>
+            <a:endParaRPr lang="de-DE" dirty="0"/>
+          </a:p>
+        </p:txBody>
+      </p:sp>
+      <p:sp>
+        <p:nvSpPr>
+          <p:cNvPr id="8" name="Rechteck 7"/>
+          <p:cNvSpPr/>
+          <p:nvPr/>
+        </p:nvSpPr>
+        <p:spPr>
+          <a:xfrm>
+            <a:off x="1998371" y="4229034"/>
+            <a:ext cx="2163651" cy="463640"/>
+          </a:xfrm>
+          <a:prstGeom prst="rect">
+            <a:avLst/>
+          </a:prstGeom>
+        </p:spPr>
+        <p:style>
+          <a:lnRef idx="2">
+            <a:schemeClr val="accent1">
+              <a:shade val="50000"/>
+            </a:schemeClr>
+          </a:lnRef>
+          <a:fillRef idx="1">
+            <a:schemeClr val="accent1"/>
+          </a:fillRef>
+          <a:effectRef idx="0">
+            <a:schemeClr val="accent1"/>
+          </a:effectRef>
+          <a:fontRef idx="minor">
+            <a:schemeClr val="lt1"/>
+          </a:fontRef>
+        </p:style>
+        <p:txBody>
+          <a:bodyPr rtlCol="0" anchor="ctr"/>
+          <a:lstStyle/>
+          <a:p>
+            <a:pPr algn="ctr"/>
+            <a:r>
+              <a:rPr lang="de-DE" dirty="0" smtClean="0"/>
+              <a:t>Fallende Steine</a:t>
+            </a:r>
+            <a:endParaRPr lang="de-DE" dirty="0"/>
+          </a:p>
+        </p:txBody>
+      </p:sp>
+      <p:sp>
+        <p:nvSpPr>
+          <p:cNvPr id="9" name="Rechteck 8"/>
+          <p:cNvSpPr/>
+          <p:nvPr/>
+        </p:nvSpPr>
+        <p:spPr>
+          <a:xfrm>
+            <a:off x="1998370" y="5556878"/>
+            <a:ext cx="2163651" cy="463640"/>
+          </a:xfrm>
+          <a:prstGeom prst="rect">
+            <a:avLst/>
+          </a:prstGeom>
+        </p:spPr>
+        <p:style>
+          <a:lnRef idx="2">
+            <a:schemeClr val="accent1">
+              <a:shade val="50000"/>
+            </a:schemeClr>
+          </a:lnRef>
+          <a:fillRef idx="1">
+            <a:schemeClr val="accent1"/>
+          </a:fillRef>
+          <a:effectRef idx="0">
+            <a:schemeClr val="accent1"/>
+          </a:effectRef>
+          <a:fontRef idx="minor">
+            <a:schemeClr val="lt1"/>
+          </a:fontRef>
+        </p:style>
+        <p:txBody>
+          <a:bodyPr rtlCol="0" anchor="ctr"/>
+          <a:lstStyle/>
+          <a:p>
+            <a:pPr algn="ctr"/>
+            <a:r>
+              <a:rPr lang="de-DE" dirty="0" smtClean="0"/>
+              <a:t>Futter</a:t>
+            </a:r>
+            <a:endParaRPr lang="de-DE" dirty="0"/>
+          </a:p>
+        </p:txBody>
+      </p:sp>
+      <p:sp>
+        <p:nvSpPr>
+          <p:cNvPr id="10" name="Rechteck 9"/>
+          <p:cNvSpPr/>
+          <p:nvPr/>
+        </p:nvSpPr>
+        <p:spPr>
+          <a:xfrm>
+            <a:off x="1998370" y="4892956"/>
+            <a:ext cx="2163651" cy="463640"/>
+          </a:xfrm>
+          <a:prstGeom prst="rect">
+            <a:avLst/>
+          </a:prstGeom>
+        </p:spPr>
+        <p:style>
+          <a:lnRef idx="2">
+            <a:schemeClr val="accent1">
+              <a:shade val="50000"/>
+            </a:schemeClr>
+          </a:lnRef>
+          <a:fillRef idx="1">
+            <a:schemeClr val="accent1"/>
+          </a:fillRef>
+          <a:effectRef idx="0">
+            <a:schemeClr val="accent1"/>
+          </a:effectRef>
+          <a:fontRef idx="minor">
+            <a:schemeClr val="lt1"/>
+          </a:fontRef>
+        </p:style>
+        <p:txBody>
+          <a:bodyPr rtlCol="0" anchor="ctr"/>
+          <a:lstStyle/>
+          <a:p>
+            <a:pPr algn="ctr"/>
+            <a:r>
+              <a:rPr lang="de-DE" dirty="0" smtClean="0"/>
+              <a:t>Diätpille</a:t>
+            </a:r>
+            <a:endParaRPr lang="de-DE" dirty="0"/>
+          </a:p>
+        </p:txBody>
+      </p:sp>
+      <p:cxnSp>
+        <p:nvCxnSpPr>
+          <p:cNvPr id="12" name="Gerader Verbinder 11"/>
+          <p:cNvCxnSpPr>
+            <a:stCxn id="5" idx="2"/>
+          </p:cNvCxnSpPr>
+          <p:nvPr/>
+        </p:nvCxnSpPr>
+        <p:spPr>
+          <a:xfrm>
+            <a:off x="1429555" y="2038610"/>
+            <a:ext cx="0" cy="4414008"/>
+          </a:xfrm>
+          <a:prstGeom prst="line">
+            <a:avLst/>
+          </a:prstGeom>
+        </p:spPr>
+        <p:style>
+          <a:lnRef idx="1">
+            <a:schemeClr val="accent1"/>
+          </a:lnRef>
+          <a:fillRef idx="0">
+            <a:schemeClr val="accent1"/>
+          </a:fillRef>
+          <a:effectRef idx="0">
+            <a:schemeClr val="accent1"/>
+          </a:effectRef>
+          <a:fontRef idx="minor">
+            <a:schemeClr val="tx1"/>
+          </a:fontRef>
+        </p:style>
+      </p:cxnSp>
+      <p:cxnSp>
+        <p:nvCxnSpPr>
+          <p:cNvPr id="14" name="Gerader Verbinder 13"/>
+          <p:cNvCxnSpPr>
+            <a:stCxn id="6" idx="1"/>
+          </p:cNvCxnSpPr>
+          <p:nvPr/>
+        </p:nvCxnSpPr>
+        <p:spPr>
+          <a:xfrm flipH="1">
+            <a:off x="1429555" y="2460790"/>
+            <a:ext cx="568817" cy="0"/>
+          </a:xfrm>
+          <a:prstGeom prst="line">
+            <a:avLst/>
+          </a:prstGeom>
+        </p:spPr>
+        <p:style>
+          <a:lnRef idx="1">
+            <a:schemeClr val="accent1"/>
+          </a:lnRef>
+          <a:fillRef idx="0">
+            <a:schemeClr val="accent1"/>
+          </a:fillRef>
+          <a:effectRef idx="0">
+            <a:schemeClr val="accent1"/>
+          </a:effectRef>
+          <a:fontRef idx="minor">
+            <a:schemeClr val="tx1"/>
+          </a:fontRef>
+        </p:style>
+      </p:cxnSp>
+      <p:sp>
+        <p:nvSpPr>
+          <p:cNvPr id="15" name="Rechteck 14"/>
+          <p:cNvSpPr/>
+          <p:nvPr/>
+        </p:nvSpPr>
+        <p:spPr>
+          <a:xfrm>
+            <a:off x="1998372" y="2892893"/>
+            <a:ext cx="2163651" cy="463640"/>
+          </a:xfrm>
+          <a:prstGeom prst="rect">
+            <a:avLst/>
+          </a:prstGeom>
+        </p:spPr>
+        <p:style>
+          <a:lnRef idx="2">
+            <a:schemeClr val="accent1">
+              <a:shade val="50000"/>
+            </a:schemeClr>
+          </a:lnRef>
+          <a:fillRef idx="1">
+            <a:schemeClr val="accent1"/>
+          </a:fillRef>
+          <a:effectRef idx="0">
+            <a:schemeClr val="accent1"/>
+          </a:effectRef>
+          <a:fontRef idx="minor">
+            <a:schemeClr val="lt1"/>
+          </a:fontRef>
+        </p:style>
+        <p:txBody>
+          <a:bodyPr rtlCol="0" anchor="ctr"/>
+          <a:lstStyle/>
+          <a:p>
+            <a:pPr algn="ctr"/>
+            <a:r>
+              <a:rPr lang="de-DE" dirty="0" smtClean="0"/>
+              <a:t>Spielfeld</a:t>
+            </a:r>
+            <a:endParaRPr lang="de-DE" dirty="0"/>
+          </a:p>
+        </p:txBody>
+      </p:sp>
+      <p:sp>
+        <p:nvSpPr>
+          <p:cNvPr id="16" name="Rechteck 15"/>
+          <p:cNvSpPr/>
+          <p:nvPr/>
+        </p:nvSpPr>
+        <p:spPr>
+          <a:xfrm>
+            <a:off x="1998369" y="6220800"/>
+            <a:ext cx="2163651" cy="463640"/>
+          </a:xfrm>
+          <a:prstGeom prst="rect">
+            <a:avLst/>
+          </a:prstGeom>
+          <a:solidFill>
+            <a:srgbClr val="FFC000"/>
+          </a:solidFill>
+          <a:ln>
+            <a:solidFill>
+              <a:schemeClr val="accent2"/>
+            </a:solidFill>
+          </a:ln>
+        </p:spPr>
+        <p:style>
+          <a:lnRef idx="2">
+            <a:schemeClr val="accent1">
+              <a:shade val="50000"/>
+            </a:schemeClr>
+          </a:lnRef>
+          <a:fillRef idx="1">
+            <a:schemeClr val="accent1"/>
+          </a:fillRef>
+          <a:effectRef idx="0">
+            <a:schemeClr val="accent1"/>
+          </a:effectRef>
+          <a:fontRef idx="minor">
+            <a:schemeClr val="lt1"/>
+          </a:fontRef>
+        </p:style>
+        <p:txBody>
+          <a:bodyPr rtlCol="0" anchor="ctr"/>
+          <a:lstStyle/>
+          <a:p>
+            <a:pPr algn="ctr"/>
+            <a:r>
+              <a:rPr lang="de-DE" dirty="0" smtClean="0">
+                <a:solidFill>
+                  <a:schemeClr val="tx1"/>
+                </a:solidFill>
+              </a:rPr>
+              <a:t>Sonstige Objekte</a:t>
+            </a:r>
+            <a:endParaRPr lang="de-DE" dirty="0">
+              <a:solidFill>
+                <a:schemeClr val="tx1"/>
+              </a:solidFill>
+            </a:endParaRPr>
+          </a:p>
+        </p:txBody>
+      </p:sp>
+      <p:cxnSp>
+        <p:nvCxnSpPr>
+          <p:cNvPr id="18" name="Gerader Verbinder 17"/>
+          <p:cNvCxnSpPr>
+            <a:stCxn id="15" idx="1"/>
+          </p:cNvCxnSpPr>
+          <p:nvPr/>
+        </p:nvCxnSpPr>
+        <p:spPr>
+          <a:xfrm flipH="1">
+            <a:off x="1429555" y="3124713"/>
+            <a:ext cx="568817" cy="0"/>
+          </a:xfrm>
+          <a:prstGeom prst="line">
+            <a:avLst/>
+          </a:prstGeom>
+        </p:spPr>
+        <p:style>
+          <a:lnRef idx="1">
+            <a:schemeClr val="accent1"/>
+          </a:lnRef>
+          <a:fillRef idx="0">
+            <a:schemeClr val="accent1"/>
+          </a:fillRef>
+          <a:effectRef idx="0">
+            <a:schemeClr val="accent1"/>
+          </a:effectRef>
+          <a:fontRef idx="minor">
+            <a:schemeClr val="tx1"/>
+          </a:fontRef>
+        </p:style>
+      </p:cxnSp>
+      <p:cxnSp>
+        <p:nvCxnSpPr>
+          <p:cNvPr id="20" name="Gerader Verbinder 19"/>
+          <p:cNvCxnSpPr>
+            <a:stCxn id="7" idx="1"/>
+          </p:cNvCxnSpPr>
+          <p:nvPr/>
+        </p:nvCxnSpPr>
+        <p:spPr>
+          <a:xfrm flipH="1" flipV="1">
+            <a:off x="1429555" y="3796930"/>
+            <a:ext cx="568816" cy="2"/>
+          </a:xfrm>
+          <a:prstGeom prst="line">
+            <a:avLst/>
+          </a:prstGeom>
+        </p:spPr>
+        <p:style>
+          <a:lnRef idx="1">
+            <a:schemeClr val="accent1"/>
+          </a:lnRef>
+          <a:fillRef idx="0">
+            <a:schemeClr val="accent1"/>
+          </a:fillRef>
+          <a:effectRef idx="0">
+            <a:schemeClr val="accent1"/>
+          </a:effectRef>
+          <a:fontRef idx="minor">
+            <a:schemeClr val="tx1"/>
+          </a:fontRef>
+        </p:style>
+      </p:cxnSp>
+      <p:cxnSp>
+        <p:nvCxnSpPr>
+          <p:cNvPr id="24" name="Gerader Verbinder 23"/>
+          <p:cNvCxnSpPr>
+            <a:stCxn id="8" idx="1"/>
+          </p:cNvCxnSpPr>
+          <p:nvPr/>
+        </p:nvCxnSpPr>
+        <p:spPr>
+          <a:xfrm flipH="1">
+            <a:off x="1429555" y="4460854"/>
+            <a:ext cx="568816" cy="0"/>
+          </a:xfrm>
+          <a:prstGeom prst="line">
+            <a:avLst/>
+          </a:prstGeom>
+        </p:spPr>
+        <p:style>
+          <a:lnRef idx="1">
+            <a:schemeClr val="accent1"/>
+          </a:lnRef>
+          <a:fillRef idx="0">
+            <a:schemeClr val="accent1"/>
+          </a:fillRef>
+          <a:effectRef idx="0">
+            <a:schemeClr val="accent1"/>
+          </a:effectRef>
+          <a:fontRef idx="minor">
+            <a:schemeClr val="tx1"/>
+          </a:fontRef>
+        </p:style>
+      </p:cxnSp>
+      <p:cxnSp>
+        <p:nvCxnSpPr>
+          <p:cNvPr id="26" name="Gerader Verbinder 25"/>
+          <p:cNvCxnSpPr>
+            <a:stCxn id="10" idx="1"/>
+          </p:cNvCxnSpPr>
+          <p:nvPr/>
+        </p:nvCxnSpPr>
+        <p:spPr>
+          <a:xfrm flipH="1" flipV="1">
+            <a:off x="1429555" y="5124775"/>
+            <a:ext cx="568815" cy="1"/>
+          </a:xfrm>
+          <a:prstGeom prst="line">
+            <a:avLst/>
+          </a:prstGeom>
+        </p:spPr>
+        <p:style>
+          <a:lnRef idx="1">
+            <a:schemeClr val="accent1"/>
+          </a:lnRef>
+          <a:fillRef idx="0">
+            <a:schemeClr val="accent1"/>
+          </a:fillRef>
+          <a:effectRef idx="0">
+            <a:schemeClr val="accent1"/>
+          </a:effectRef>
+          <a:fontRef idx="minor">
+            <a:schemeClr val="tx1"/>
+          </a:fontRef>
+        </p:style>
+      </p:cxnSp>
+      <p:cxnSp>
+        <p:nvCxnSpPr>
+          <p:cNvPr id="28" name="Gerader Verbinder 27"/>
+          <p:cNvCxnSpPr>
+            <a:stCxn id="9" idx="1"/>
+          </p:cNvCxnSpPr>
+          <p:nvPr/>
+        </p:nvCxnSpPr>
+        <p:spPr>
+          <a:xfrm flipH="1" flipV="1">
+            <a:off x="1429555" y="5788696"/>
+            <a:ext cx="568815" cy="2"/>
+          </a:xfrm>
+          <a:prstGeom prst="line">
+            <a:avLst/>
+          </a:prstGeom>
+        </p:spPr>
+        <p:style>
+          <a:lnRef idx="1">
+            <a:schemeClr val="accent1"/>
+          </a:lnRef>
+          <a:fillRef idx="0">
+            <a:schemeClr val="accent1"/>
+          </a:fillRef>
+          <a:effectRef idx="0">
+            <a:schemeClr val="accent1"/>
+          </a:effectRef>
+          <a:fontRef idx="minor">
+            <a:schemeClr val="tx1"/>
+          </a:fontRef>
+        </p:style>
+      </p:cxnSp>
+      <p:cxnSp>
+        <p:nvCxnSpPr>
+          <p:cNvPr id="30" name="Gerader Verbinder 29"/>
+          <p:cNvCxnSpPr>
+            <a:stCxn id="16" idx="1"/>
+          </p:cNvCxnSpPr>
+          <p:nvPr/>
+        </p:nvCxnSpPr>
+        <p:spPr>
+          <a:xfrm flipH="1" flipV="1">
+            <a:off x="1429555" y="6452618"/>
+            <a:ext cx="568814" cy="2"/>
+          </a:xfrm>
+          <a:prstGeom prst="line">
+            <a:avLst/>
+          </a:prstGeom>
+        </p:spPr>
+        <p:style>
+          <a:lnRef idx="1">
+            <a:schemeClr val="accent1"/>
+          </a:lnRef>
+          <a:fillRef idx="0">
+            <a:schemeClr val="accent1"/>
+          </a:fillRef>
+          <a:effectRef idx="0">
+            <a:schemeClr val="accent1"/>
+          </a:effectRef>
+          <a:fontRef idx="minor">
+            <a:schemeClr val="tx1"/>
+          </a:fontRef>
+        </p:style>
+      </p:cxnSp>
+    </p:spTree>
+    <p:extLst>
+      <p:ext uri="{BB962C8B-B14F-4D97-AF65-F5344CB8AC3E}">
+        <p14:creationId xmlns:p14="http://schemas.microsoft.com/office/powerpoint/2010/main" val="1751196747"/>
+      </p:ext>
+    </p:extLst>
+  </p:cSld>
+  <p:clrMapOvr>
+    <a:masterClrMapping/>
+  </p:clrMapOvr>
+  <p:timing>
+    <p:tnLst>
+      <p:par>
+        <p:cTn id="1" dur="indefinite" restart="never" nodeType="tmRoot"/>
+      </p:par>
+    </p:tnLst>
+  </p:timing>
+</p:sld>
+</file>
+
+<file path=ppt/slides/slide18.xml><?xml version="1.0" encoding="utf-8"?>
+<p:sld xmlns:a="http://schemas.openxmlformats.org/drawingml/2006/main" xmlns:r="http://schemas.openxmlformats.org/officeDocument/2006/relationships" xmlns:p="http://schemas.openxmlformats.org/presentationml/2006/main">
+  <p:cSld>
+    <p:spTree>
+      <p:nvGrpSpPr>
+        <p:cNvPr id="1" name=""/>
+        <p:cNvGrpSpPr/>
+        <p:nvPr/>
+      </p:nvGrpSpPr>
+      <p:grpSpPr>
+        <a:xfrm>
+          <a:off x="0" y="0"/>
+          <a:ext cx="0" cy="0"/>
+          <a:chOff x="0" y="0"/>
+          <a:chExt cx="0" cy="0"/>
+        </a:xfrm>
+      </p:grpSpPr>
+      <p:sp>
+        <p:nvSpPr>
+          <p:cNvPr id="2" name="Titel 1"/>
+          <p:cNvSpPr>
+            <a:spLocks noGrp="1"/>
+          </p:cNvSpPr>
+          <p:nvPr>
+            <p:ph type="title"/>
+          </p:nvPr>
+        </p:nvSpPr>
+        <p:spPr/>
+        <p:txBody>
+          <a:bodyPr/>
+          <a:lstStyle/>
+          <a:p>
+            <a:pPr algn="ctr"/>
+            <a:r>
+              <a:rPr lang="de-DE" dirty="0" smtClean="0"/>
+              <a:t>Futter</a:t>
+            </a:r>
+            <a:endParaRPr lang="de-DE" dirty="0"/>
+          </a:p>
+        </p:txBody>
+      </p:sp>
+      <p:pic>
+        <p:nvPicPr>
+          <p:cNvPr id="5" name="Inhaltsplatzhalter 4"/>
+          <p:cNvPicPr>
+            <a:picLocks noGrp="1" noChangeAspect="1"/>
+          </p:cNvPicPr>
+          <p:nvPr>
+            <p:ph idx="1"/>
+          </p:nvPr>
+        </p:nvPicPr>
+        <p:blipFill>
+          <a:blip r:embed="rId2">
+            <a:extLst>
+              <a:ext uri="{28A0092B-C50C-407E-A947-70E740481C1C}">
+                <a14:useLocalDpi xmlns:a14="http://schemas.microsoft.com/office/drawing/2010/main" val="0"/>
+              </a:ext>
+            </a:extLst>
+          </a:blip>
+          <a:stretch>
+            <a:fillRect/>
+          </a:stretch>
+        </p:blipFill>
+        <p:spPr>
+          <a:xfrm>
+            <a:off x="2314792" y="1842164"/>
+            <a:ext cx="2397003" cy="2423786"/>
+          </a:xfrm>
+        </p:spPr>
+      </p:pic>
+      <p:sp>
+        <p:nvSpPr>
+          <p:cNvPr id="4" name="Foliennummernplatzhalter 3"/>
+          <p:cNvSpPr>
+            <a:spLocks noGrp="1"/>
+          </p:cNvSpPr>
+          <p:nvPr>
+            <p:ph type="sldNum" sz="quarter" idx="12"/>
+          </p:nvPr>
+        </p:nvSpPr>
+        <p:spPr/>
+        <p:txBody>
+          <a:bodyPr/>
+          <a:lstStyle/>
+          <a:p>
+            <a:fld id="{AFC15D4E-52BD-4359-8CF4-4D643ACA6A81}" type="slidenum">
+              <a:rPr lang="de-DE" smtClean="0"/>
+              <a:t>18</a:t>
+            </a:fld>
+            <a:endParaRPr lang="de-DE"/>
+          </a:p>
+        </p:txBody>
+      </p:sp>
+      <p:pic>
+        <p:nvPicPr>
+          <p:cNvPr id="6" name="Grafik 5"/>
+          <p:cNvPicPr>
+            <a:picLocks noChangeAspect="1"/>
+          </p:cNvPicPr>
+          <p:nvPr/>
+        </p:nvPicPr>
+        <p:blipFill>
+          <a:blip r:embed="rId3">
+            <a:extLst>
+              <a:ext uri="{28A0092B-C50C-407E-A947-70E740481C1C}">
+                <a14:useLocalDpi xmlns:a14="http://schemas.microsoft.com/office/drawing/2010/main" val="0"/>
+              </a:ext>
+            </a:extLst>
+          </a:blip>
+          <a:stretch>
+            <a:fillRect/>
+          </a:stretch>
+        </p:blipFill>
+        <p:spPr>
+          <a:xfrm>
+            <a:off x="6045869" y="1842164"/>
+            <a:ext cx="3896888" cy="2435556"/>
+          </a:xfrm>
+          <a:prstGeom prst="rect">
+            <a:avLst/>
+          </a:prstGeom>
+        </p:spPr>
+      </p:pic>
+      <p:sp>
+        <p:nvSpPr>
+          <p:cNvPr id="3" name="Textfeld 2"/>
+          <p:cNvSpPr txBox="1"/>
+          <p:nvPr/>
+        </p:nvSpPr>
+        <p:spPr>
+          <a:xfrm>
+            <a:off x="2314792" y="4429197"/>
+            <a:ext cx="2397003" cy="646331"/>
+          </a:xfrm>
+          <a:prstGeom prst="rect">
+            <a:avLst/>
+          </a:prstGeom>
+          <a:noFill/>
+        </p:spPr>
+        <p:txBody>
+          <a:bodyPr wrap="none" rtlCol="0">
+            <a:spAutoFit/>
+          </a:bodyPr>
+          <a:lstStyle/>
+          <a:p>
+            <a:r>
+              <a:rPr lang="de-DE" dirty="0" smtClean="0"/>
+              <a:t>Das Futter hat die Form</a:t>
+            </a:r>
+          </a:p>
+          <a:p>
+            <a:r>
+              <a:rPr lang="de-DE" dirty="0" smtClean="0"/>
+              <a:t> von einem Kegel</a:t>
+            </a:r>
+            <a:endParaRPr lang="de-DE" dirty="0"/>
+          </a:p>
+        </p:txBody>
+      </p:sp>
+      <p:sp>
+        <p:nvSpPr>
+          <p:cNvPr id="7" name="Textfeld 6"/>
+          <p:cNvSpPr txBox="1"/>
+          <p:nvPr/>
+        </p:nvSpPr>
+        <p:spPr>
+          <a:xfrm>
+            <a:off x="6045869" y="4429197"/>
+            <a:ext cx="4848045" cy="646331"/>
+          </a:xfrm>
+          <a:prstGeom prst="rect">
+            <a:avLst/>
+          </a:prstGeom>
+          <a:noFill/>
+        </p:spPr>
+        <p:txBody>
+          <a:bodyPr wrap="square" rtlCol="0">
+            <a:spAutoFit/>
+          </a:bodyPr>
+          <a:lstStyle/>
+          <a:p>
+            <a:r>
+              <a:rPr lang="de-DE" dirty="0" smtClean="0"/>
+              <a:t>Kollidiert die Schlange mit dem Futter,</a:t>
+            </a:r>
+          </a:p>
+          <a:p>
+            <a:r>
+              <a:rPr lang="de-DE" dirty="0"/>
+              <a:t>b</a:t>
+            </a:r>
+            <a:r>
+              <a:rPr lang="de-DE" dirty="0" smtClean="0"/>
+              <a:t>linkt sie kurz grün</a:t>
+            </a:r>
+            <a:endParaRPr lang="de-DE" dirty="0"/>
+          </a:p>
+        </p:txBody>
+      </p:sp>
+    </p:spTree>
+    <p:extLst>
+      <p:ext uri="{BB962C8B-B14F-4D97-AF65-F5344CB8AC3E}">
+        <p14:creationId xmlns:p14="http://schemas.microsoft.com/office/powerpoint/2010/main" val="2986249817"/>
+      </p:ext>
+    </p:extLst>
+  </p:cSld>
+  <p:clrMapOvr>
+    <a:masterClrMapping/>
+  </p:clrMapOvr>
+  <p:timing>
+    <p:tnLst>
+      <p:par>
+        <p:cTn id="1" dur="indefinite" restart="never" nodeType="tmRoot"/>
+      </p:par>
+    </p:tnLst>
+  </p:timing>
+</p:sld>
+</file>
+
+<file path=ppt/slides/slide19.xml><?xml version="1.0" encoding="utf-8"?>
+<p:sld xmlns:a="http://schemas.openxmlformats.org/drawingml/2006/main" xmlns:r="http://schemas.openxmlformats.org/officeDocument/2006/relationships" xmlns:p="http://schemas.openxmlformats.org/presentationml/2006/main">
+  <p:cSld>
+    <p:spTree>
+      <p:nvGrpSpPr>
+        <p:cNvPr id="1" name=""/>
+        <p:cNvGrpSpPr/>
+        <p:nvPr/>
+      </p:nvGrpSpPr>
+      <p:grpSpPr>
+        <a:xfrm>
+          <a:off x="0" y="0"/>
+          <a:ext cx="0" cy="0"/>
+          <a:chOff x="0" y="0"/>
+          <a:chExt cx="0" cy="0"/>
+        </a:xfrm>
+      </p:grpSpPr>
+      <p:sp>
+        <p:nvSpPr>
+          <p:cNvPr id="2" name="Titel 1"/>
+          <p:cNvSpPr>
+            <a:spLocks noGrp="1"/>
+          </p:cNvSpPr>
+          <p:nvPr>
+            <p:ph type="title"/>
+          </p:nvPr>
+        </p:nvSpPr>
+        <p:spPr/>
+        <p:txBody>
+          <a:bodyPr/>
+          <a:lstStyle/>
+          <a:p>
+            <a:pPr algn="ctr"/>
+            <a:r>
+              <a:rPr lang="de-DE" dirty="0" smtClean="0"/>
+              <a:t>Diät-Pille</a:t>
+            </a:r>
+            <a:endParaRPr lang="de-DE" dirty="0"/>
+          </a:p>
+        </p:txBody>
+      </p:sp>
+      <p:pic>
+        <p:nvPicPr>
+          <p:cNvPr id="5" name="Inhaltsplatzhalter 4"/>
+          <p:cNvPicPr>
+            <a:picLocks noGrp="1" noChangeAspect="1"/>
+          </p:cNvPicPr>
+          <p:nvPr>
+            <p:ph idx="1"/>
+          </p:nvPr>
+        </p:nvPicPr>
+        <p:blipFill>
+          <a:blip r:embed="rId2">
+            <a:extLst>
+              <a:ext uri="{28A0092B-C50C-407E-A947-70E740481C1C}">
+                <a14:useLocalDpi xmlns:a14="http://schemas.microsoft.com/office/drawing/2010/main" val="0"/>
+              </a:ext>
+            </a:extLst>
+          </a:blip>
+          <a:stretch>
+            <a:fillRect/>
+          </a:stretch>
+        </p:blipFill>
+        <p:spPr>
+          <a:xfrm>
+            <a:off x="1691481" y="3147643"/>
+            <a:ext cx="3784957" cy="2609720"/>
+          </a:xfrm>
+        </p:spPr>
+      </p:pic>
+      <p:sp>
+        <p:nvSpPr>
+          <p:cNvPr id="4" name="Foliennummernplatzhalter 3"/>
+          <p:cNvSpPr>
+            <a:spLocks noGrp="1"/>
+          </p:cNvSpPr>
+          <p:nvPr>
+            <p:ph type="sldNum" sz="quarter" idx="12"/>
+          </p:nvPr>
+        </p:nvSpPr>
+        <p:spPr/>
+        <p:txBody>
+          <a:bodyPr/>
+          <a:lstStyle/>
+          <a:p>
+            <a:fld id="{AFC15D4E-52BD-4359-8CF4-4D643ACA6A81}" type="slidenum">
+              <a:rPr lang="de-DE" smtClean="0"/>
+              <a:t>19</a:t>
+            </a:fld>
+            <a:endParaRPr lang="de-DE"/>
+          </a:p>
+        </p:txBody>
+      </p:sp>
+      <p:pic>
+        <p:nvPicPr>
+          <p:cNvPr id="6" name="Grafik 5"/>
+          <p:cNvPicPr>
+            <a:picLocks noChangeAspect="1"/>
+          </p:cNvPicPr>
+          <p:nvPr/>
+        </p:nvPicPr>
+        <p:blipFill>
+          <a:blip r:embed="rId3">
+            <a:extLst>
+              <a:ext uri="{28A0092B-C50C-407E-A947-70E740481C1C}">
+                <a14:useLocalDpi xmlns:a14="http://schemas.microsoft.com/office/drawing/2010/main" val="0"/>
+              </a:ext>
+            </a:extLst>
+          </a:blip>
+          <a:stretch>
+            <a:fillRect/>
+          </a:stretch>
+        </p:blipFill>
+        <p:spPr>
+          <a:xfrm>
+            <a:off x="6848038" y="3147643"/>
+            <a:ext cx="3134162" cy="2915057"/>
+          </a:xfrm>
+          <a:prstGeom prst="rect">
+            <a:avLst/>
+          </a:prstGeom>
+        </p:spPr>
+      </p:pic>
+    </p:spTree>
+    <p:extLst>
+      <p:ext uri="{BB962C8B-B14F-4D97-AF65-F5344CB8AC3E}">
+        <p14:creationId xmlns:p14="http://schemas.microsoft.com/office/powerpoint/2010/main" val="1960891540"/>
+      </p:ext>
+    </p:extLst>
+  </p:cSld>
+  <p:clrMapOvr>
+    <a:masterClrMapping/>
+  </p:clrMapOvr>
+  <p:timing>
+    <p:tnLst>
+      <p:par>
+        <p:cTn id="1" dur="indefinite" restart="never" nodeType="tmRoot"/>
+      </p:par>
+    </p:tnLst>
+  </p:timing>
+</p:sld>
+</file>
+
+<file path=ppt/slides/slide2.xml><?xml version="1.0" encoding="utf-8"?>
+<p:sld xmlns:a="http://schemas.openxmlformats.org/drawingml/2006/main" xmlns:r="http://schemas.openxmlformats.org/officeDocument/2006/relationships" xmlns:p="http://schemas.openxmlformats.org/presentationml/2006/main">
+  <p:cSld>
+    <p:spTree>
+      <p:nvGrpSpPr>
+        <p:cNvPr id="1" name=""/>
+        <p:cNvGrpSpPr/>
+        <p:nvPr/>
+      </p:nvGrpSpPr>
+      <p:grpSpPr>
+        <a:xfrm>
+          <a:off x="0" y="0"/>
+          <a:ext cx="0" cy="0"/>
+          <a:chOff x="0" y="0"/>
+          <a:chExt cx="0" cy="0"/>
+        </a:xfrm>
+      </p:grpSpPr>
+      <p:sp>
+        <p:nvSpPr>
+          <p:cNvPr id="2" name="Titel 1"/>
+          <p:cNvSpPr>
+            <a:spLocks noGrp="1"/>
+          </p:cNvSpPr>
+          <p:nvPr>
+            <p:ph type="title"/>
+          </p:nvPr>
+        </p:nvSpPr>
+        <p:spPr/>
+        <p:txBody>
+          <a:bodyPr/>
+          <a:lstStyle/>
+          <a:p>
+            <a:pPr algn="ctr"/>
+            <a:r>
+              <a:rPr lang="de-DE" dirty="0" smtClean="0"/>
+              <a:t>Gliederung</a:t>
             </a:r>
             <a:endParaRPr lang="de-DE" dirty="0"/>
           </a:p>
@@ -4406,12 +9989,14 @@
         </p:nvSpPr>
         <p:spPr>
           <a:xfrm>
-            <a:off x="838200" y="1825624"/>
-            <a:ext cx="10515600" cy="4695945"/>
-          </a:xfrm>
-        </p:spPr>
-        <p:txBody>
-          <a:bodyPr/>
+            <a:off x="4220473" y="1847849"/>
+            <a:ext cx="3751053" cy="4873625"/>
+          </a:xfrm>
+        </p:spPr>
+        <p:txBody>
+          <a:bodyPr>
+            <a:normAutofit fontScale="70000" lnSpcReduction="20000"/>
+          </a:bodyPr>
           <a:lstStyle/>
           <a:p>
             <a:pPr marL="0" indent="0">
@@ -4419,47 +10004,125 @@
             </a:pPr>
             <a:r>
               <a:rPr lang="de-DE" dirty="0" smtClean="0"/>
-              <a:t>Leider sind auch Verzögerungen bzw. Änderungen im Zeitplan aufgetreten. </a:t>
-            </a:r>
-            <a:r>
-              <a:rPr lang="de-DE" dirty="0"/>
-              <a:t>Bedingt durch </a:t>
-            </a:r>
+              <a:t>Video</a:t>
+            </a:r>
+          </a:p>
+          <a:p>
+            <a:pPr marL="0" indent="0">
+              <a:buNone/>
+            </a:pPr>
             <a:r>
               <a:rPr lang="de-DE" dirty="0" smtClean="0"/>
-              <a:t>…</a:t>
-            </a:r>
-          </a:p>
-          <a:p>
+              <a:t>Features</a:t>
+            </a:r>
+          </a:p>
+          <a:p>
+            <a:pPr marL="0" indent="0">
+              <a:buNone/>
+            </a:pPr>
             <a:r>
               <a:rPr lang="de-DE" dirty="0" smtClean="0"/>
-              <a:t>Frühzeitige Fertigstellung einiger Aufgaben</a:t>
-            </a:r>
+              <a:t>Ziel des Spiels</a:t>
+            </a:r>
+          </a:p>
+          <a:p>
+            <a:pPr marL="0" indent="0">
+              <a:buNone/>
+            </a:pPr>
+            <a:r>
+              <a:rPr lang="de-DE" dirty="0" smtClean="0"/>
+              <a:t>Spielaufbau</a:t>
+            </a:r>
+          </a:p>
+          <a:p>
+            <a:r>
+              <a:rPr lang="de-DE" sz="2400" dirty="0" smtClean="0"/>
+              <a:t>Schlange</a:t>
+            </a:r>
+          </a:p>
+          <a:p>
+            <a:r>
+              <a:rPr lang="de-DE" sz="2400" dirty="0" smtClean="0"/>
+              <a:t>Spielfeld</a:t>
+            </a:r>
+          </a:p>
+          <a:p>
+            <a:r>
+              <a:rPr lang="de-DE" sz="2400" dirty="0" smtClean="0"/>
+              <a:t>Kollisionserkennung</a:t>
+            </a:r>
+          </a:p>
+          <a:p>
+            <a:r>
+              <a:rPr lang="de-DE" sz="2400" dirty="0" smtClean="0"/>
+              <a:t>Steine</a:t>
+            </a:r>
+          </a:p>
+          <a:p>
+            <a:r>
+              <a:rPr lang="de-DE" sz="2400" dirty="0" smtClean="0"/>
+              <a:t>Diät-Pille</a:t>
+            </a:r>
+          </a:p>
+          <a:p>
+            <a:r>
+              <a:rPr lang="de-DE" sz="2400" dirty="0" smtClean="0"/>
+              <a:t>Futter</a:t>
+            </a:r>
+          </a:p>
+          <a:p>
+            <a:r>
+              <a:rPr lang="de-DE" sz="2400" dirty="0" smtClean="0"/>
+              <a:t>Speerfalle</a:t>
+            </a:r>
+          </a:p>
+          <a:p>
+            <a:pPr marL="0" indent="0">
+              <a:buNone/>
+            </a:pPr>
+            <a:r>
+              <a:rPr lang="de-DE" dirty="0" smtClean="0"/>
+              <a:t>Tatsächlicher Zeitplan</a:t>
+            </a:r>
+          </a:p>
+          <a:p>
+            <a:pPr marL="0" indent="0">
+              <a:buNone/>
+            </a:pPr>
+            <a:r>
+              <a:rPr lang="de-DE" dirty="0" smtClean="0"/>
+              <a:t>Aufgabenverteilung</a:t>
+            </a:r>
+          </a:p>
+          <a:p>
+            <a:pPr marL="0" indent="0">
+              <a:buNone/>
+            </a:pPr>
+            <a:r>
+              <a:rPr lang="de-DE" dirty="0" smtClean="0"/>
+              <a:t>Ende der Präsentation</a:t>
+            </a:r>
+          </a:p>
+          <a:p>
+            <a:pPr marL="0" indent="0">
+              <a:buNone/>
+            </a:pPr>
+            <a:r>
+              <a:rPr lang="de-DE" dirty="0" smtClean="0"/>
+              <a:t>Quellen</a:t>
+            </a:r>
+          </a:p>
+          <a:p>
+            <a:pPr marL="0" indent="0">
+              <a:buNone/>
+            </a:pPr>
+            <a:endParaRPr lang="de-DE" dirty="0" smtClean="0"/>
+          </a:p>
+          <a:p>
+            <a:pPr marL="0" indent="0">
+              <a:buNone/>
+            </a:pPr>
             <a:endParaRPr lang="de-DE" dirty="0"/>
-          </a:p>
-          <a:p>
-            <a:r>
-              <a:rPr lang="de-DE" dirty="0" smtClean="0"/>
-              <a:t>Umverteilung der Aufgaben, aufgrund unterschiedlicher Programmierkenntnisse.</a:t>
-            </a:r>
-          </a:p>
-          <a:p>
-            <a:r>
-              <a:rPr lang="de-DE" dirty="0" smtClean="0"/>
-              <a:t>Nebenjob, Krankheitsausfall, Internetausfall und Zwangsurlaub.</a:t>
-            </a:r>
-          </a:p>
-          <a:p>
-            <a:r>
-              <a:rPr lang="de-DE" dirty="0" smtClean="0"/>
-              <a:t>Längerer Experimentierphase mit den Features von Three.js.</a:t>
-            </a:r>
-          </a:p>
-          <a:p>
-            <a:r>
-              <a:rPr lang="de-DE" dirty="0" smtClean="0"/>
-              <a:t>Entwicklung neuer Ideen im Spiel, die ursprünglich nicht geplant waren.</a:t>
-            </a:r>
           </a:p>
         </p:txBody>
       </p:sp>
@@ -4480,7 +10143,673 @@
           <a:p>
             <a:fld id="{AFC15D4E-52BD-4359-8CF4-4D643ACA6A81}" type="slidenum">
               <a:rPr lang="de-DE" smtClean="0"/>
-              <a:t>16</a:t>
+              <a:t>2</a:t>
+            </a:fld>
+            <a:endParaRPr lang="de-DE"/>
+          </a:p>
+        </p:txBody>
+      </p:sp>
+    </p:spTree>
+    <p:extLst>
+      <p:ext uri="{BB962C8B-B14F-4D97-AF65-F5344CB8AC3E}">
+        <p14:creationId xmlns:p14="http://schemas.microsoft.com/office/powerpoint/2010/main" val="1490034197"/>
+      </p:ext>
+    </p:extLst>
+  </p:cSld>
+  <p:clrMapOvr>
+    <a:masterClrMapping/>
+  </p:clrMapOvr>
+  <p:timing>
+    <p:tnLst>
+      <p:par>
+        <p:cTn id="1" dur="indefinite" restart="never" nodeType="tmRoot"/>
+      </p:par>
+    </p:tnLst>
+  </p:timing>
+</p:sld>
+</file>
+
+<file path=ppt/slides/slide20.xml><?xml version="1.0" encoding="utf-8"?>
+<p:sld xmlns:a="http://schemas.openxmlformats.org/drawingml/2006/main" xmlns:r="http://schemas.openxmlformats.org/officeDocument/2006/relationships" xmlns:p="http://schemas.openxmlformats.org/presentationml/2006/main">
+  <p:cSld>
+    <p:spTree>
+      <p:nvGrpSpPr>
+        <p:cNvPr id="1" name=""/>
+        <p:cNvGrpSpPr/>
+        <p:nvPr/>
+      </p:nvGrpSpPr>
+      <p:grpSpPr>
+        <a:xfrm>
+          <a:off x="0" y="0"/>
+          <a:ext cx="0" cy="0"/>
+          <a:chOff x="0" y="0"/>
+          <a:chExt cx="0" cy="0"/>
+        </a:xfrm>
+      </p:grpSpPr>
+      <p:sp>
+        <p:nvSpPr>
+          <p:cNvPr id="2" name="Titel 1"/>
+          <p:cNvSpPr>
+            <a:spLocks noGrp="1"/>
+          </p:cNvSpPr>
+          <p:nvPr>
+            <p:ph type="title"/>
+          </p:nvPr>
+        </p:nvSpPr>
+        <p:spPr/>
+        <p:txBody>
+          <a:bodyPr/>
+          <a:lstStyle/>
+          <a:p>
+            <a:pPr algn="ctr"/>
+            <a:r>
+              <a:rPr lang="de-DE" dirty="0" smtClean="0"/>
+              <a:t>Spielfeld</a:t>
+            </a:r>
+            <a:endParaRPr lang="de-DE" dirty="0"/>
+          </a:p>
+        </p:txBody>
+      </p:sp>
+      <p:pic>
+        <p:nvPicPr>
+          <p:cNvPr id="5" name="Inhaltsplatzhalter 4"/>
+          <p:cNvPicPr>
+            <a:picLocks noGrp="1" noChangeAspect="1"/>
+          </p:cNvPicPr>
+          <p:nvPr>
+            <p:ph idx="1"/>
+          </p:nvPr>
+        </p:nvPicPr>
+        <p:blipFill>
+          <a:blip r:embed="rId2">
+            <a:extLst>
+              <a:ext uri="{28A0092B-C50C-407E-A947-70E740481C1C}">
+                <a14:useLocalDpi xmlns:a14="http://schemas.microsoft.com/office/drawing/2010/main" val="0"/>
+              </a:ext>
+            </a:extLst>
+          </a:blip>
+          <a:stretch>
+            <a:fillRect/>
+          </a:stretch>
+        </p:blipFill>
+        <p:spPr>
+          <a:xfrm>
+            <a:off x="838200" y="1690689"/>
+            <a:ext cx="6026239" cy="1872186"/>
+          </a:xfrm>
+        </p:spPr>
+      </p:pic>
+      <p:sp>
+        <p:nvSpPr>
+          <p:cNvPr id="4" name="Foliennummernplatzhalter 3"/>
+          <p:cNvSpPr>
+            <a:spLocks noGrp="1"/>
+          </p:cNvSpPr>
+          <p:nvPr>
+            <p:ph type="sldNum" sz="quarter" idx="12"/>
+          </p:nvPr>
+        </p:nvSpPr>
+        <p:spPr/>
+        <p:txBody>
+          <a:bodyPr/>
+          <a:lstStyle/>
+          <a:p>
+            <a:fld id="{AFC15D4E-52BD-4359-8CF4-4D643ACA6A81}" type="slidenum">
+              <a:rPr lang="de-DE" smtClean="0"/>
+              <a:t>20</a:t>
+            </a:fld>
+            <a:endParaRPr lang="de-DE"/>
+          </a:p>
+        </p:txBody>
+      </p:sp>
+    </p:spTree>
+    <p:extLst>
+      <p:ext uri="{BB962C8B-B14F-4D97-AF65-F5344CB8AC3E}">
+        <p14:creationId xmlns:p14="http://schemas.microsoft.com/office/powerpoint/2010/main" val="1796283047"/>
+      </p:ext>
+    </p:extLst>
+  </p:cSld>
+  <p:clrMapOvr>
+    <a:masterClrMapping/>
+  </p:clrMapOvr>
+  <p:timing>
+    <p:tnLst>
+      <p:par>
+        <p:cTn id="1" dur="indefinite" restart="never" nodeType="tmRoot"/>
+      </p:par>
+    </p:tnLst>
+  </p:timing>
+</p:sld>
+</file>
+
+<file path=ppt/slides/slide21.xml><?xml version="1.0" encoding="utf-8"?>
+<p:sld xmlns:a="http://schemas.openxmlformats.org/drawingml/2006/main" xmlns:r="http://schemas.openxmlformats.org/officeDocument/2006/relationships" xmlns:p="http://schemas.openxmlformats.org/presentationml/2006/main">
+  <p:cSld>
+    <p:spTree>
+      <p:nvGrpSpPr>
+        <p:cNvPr id="1" name=""/>
+        <p:cNvGrpSpPr/>
+        <p:nvPr/>
+      </p:nvGrpSpPr>
+      <p:grpSpPr>
+        <a:xfrm>
+          <a:off x="0" y="0"/>
+          <a:ext cx="0" cy="0"/>
+          <a:chOff x="0" y="0"/>
+          <a:chExt cx="0" cy="0"/>
+        </a:xfrm>
+      </p:grpSpPr>
+      <p:sp>
+        <p:nvSpPr>
+          <p:cNvPr id="2" name="Titel 1"/>
+          <p:cNvSpPr>
+            <a:spLocks noGrp="1"/>
+          </p:cNvSpPr>
+          <p:nvPr>
+            <p:ph type="title"/>
+          </p:nvPr>
+        </p:nvSpPr>
+        <p:spPr/>
+        <p:txBody>
+          <a:bodyPr/>
+          <a:lstStyle/>
+          <a:p>
+            <a:pPr algn="ctr"/>
+            <a:r>
+              <a:rPr lang="de-DE" dirty="0" smtClean="0"/>
+              <a:t>Kollisionserkennung</a:t>
+            </a:r>
+            <a:endParaRPr lang="de-DE" dirty="0"/>
+          </a:p>
+        </p:txBody>
+      </p:sp>
+      <p:pic>
+        <p:nvPicPr>
+          <p:cNvPr id="5" name="Inhaltsplatzhalter 4"/>
+          <p:cNvPicPr>
+            <a:picLocks noGrp="1" noChangeAspect="1"/>
+          </p:cNvPicPr>
+          <p:nvPr>
+            <p:ph idx="1"/>
+          </p:nvPr>
+        </p:nvPicPr>
+        <p:blipFill>
+          <a:blip r:embed="rId2">
+            <a:extLst>
+              <a:ext uri="{28A0092B-C50C-407E-A947-70E740481C1C}">
+                <a14:useLocalDpi xmlns:a14="http://schemas.microsoft.com/office/drawing/2010/main" val="0"/>
+              </a:ext>
+            </a:extLst>
+          </a:blip>
+          <a:stretch>
+            <a:fillRect/>
+          </a:stretch>
+        </p:blipFill>
+        <p:spPr>
+          <a:xfrm>
+            <a:off x="315072" y="2400400"/>
+            <a:ext cx="2672827" cy="2157500"/>
+          </a:xfrm>
+        </p:spPr>
+      </p:pic>
+      <p:sp>
+        <p:nvSpPr>
+          <p:cNvPr id="4" name="Foliennummernplatzhalter 3"/>
+          <p:cNvSpPr>
+            <a:spLocks noGrp="1"/>
+          </p:cNvSpPr>
+          <p:nvPr>
+            <p:ph type="sldNum" sz="quarter" idx="12"/>
+          </p:nvPr>
+        </p:nvSpPr>
+        <p:spPr/>
+        <p:txBody>
+          <a:bodyPr/>
+          <a:lstStyle/>
+          <a:p>
+            <a:fld id="{AFC15D4E-52BD-4359-8CF4-4D643ACA6A81}" type="slidenum">
+              <a:rPr lang="de-DE" smtClean="0"/>
+              <a:t>21</a:t>
+            </a:fld>
+            <a:endParaRPr lang="de-DE"/>
+          </a:p>
+        </p:txBody>
+      </p:sp>
+      <p:pic>
+        <p:nvPicPr>
+          <p:cNvPr id="6" name="Grafik 5"/>
+          <p:cNvPicPr>
+            <a:picLocks noChangeAspect="1"/>
+          </p:cNvPicPr>
+          <p:nvPr/>
+        </p:nvPicPr>
+        <p:blipFill>
+          <a:blip r:embed="rId3">
+            <a:extLst>
+              <a:ext uri="{28A0092B-C50C-407E-A947-70E740481C1C}">
+                <a14:useLocalDpi xmlns:a14="http://schemas.microsoft.com/office/drawing/2010/main" val="0"/>
+              </a:ext>
+            </a:extLst>
+          </a:blip>
+          <a:stretch>
+            <a:fillRect/>
+          </a:stretch>
+        </p:blipFill>
+        <p:spPr>
+          <a:xfrm>
+            <a:off x="3179661" y="2400401"/>
+            <a:ext cx="1971107" cy="2157500"/>
+          </a:xfrm>
+          <a:prstGeom prst="rect">
+            <a:avLst/>
+          </a:prstGeom>
+        </p:spPr>
+      </p:pic>
+    </p:spTree>
+    <p:extLst>
+      <p:ext uri="{BB962C8B-B14F-4D97-AF65-F5344CB8AC3E}">
+        <p14:creationId xmlns:p14="http://schemas.microsoft.com/office/powerpoint/2010/main" val="82274653"/>
+      </p:ext>
+    </p:extLst>
+  </p:cSld>
+  <p:clrMapOvr>
+    <a:masterClrMapping/>
+  </p:clrMapOvr>
+  <p:timing>
+    <p:tnLst>
+      <p:par>
+        <p:cTn id="1" dur="indefinite" restart="never" nodeType="tmRoot"/>
+      </p:par>
+    </p:tnLst>
+  </p:timing>
+</p:sld>
+</file>
+
+<file path=ppt/slides/slide22.xml><?xml version="1.0" encoding="utf-8"?>
+<p:sld xmlns:a="http://schemas.openxmlformats.org/drawingml/2006/main" xmlns:r="http://schemas.openxmlformats.org/officeDocument/2006/relationships" xmlns:p="http://schemas.openxmlformats.org/presentationml/2006/main">
+  <p:cSld>
+    <p:spTree>
+      <p:nvGrpSpPr>
+        <p:cNvPr id="1" name=""/>
+        <p:cNvGrpSpPr/>
+        <p:nvPr/>
+      </p:nvGrpSpPr>
+      <p:grpSpPr>
+        <a:xfrm>
+          <a:off x="0" y="0"/>
+          <a:ext cx="0" cy="0"/>
+          <a:chOff x="0" y="0"/>
+          <a:chExt cx="0" cy="0"/>
+        </a:xfrm>
+      </p:grpSpPr>
+      <p:sp>
+        <p:nvSpPr>
+          <p:cNvPr id="2" name="Titel 1"/>
+          <p:cNvSpPr>
+            <a:spLocks noGrp="1"/>
+          </p:cNvSpPr>
+          <p:nvPr>
+            <p:ph type="title"/>
+          </p:nvPr>
+        </p:nvSpPr>
+        <p:spPr/>
+        <p:txBody>
+          <a:bodyPr/>
+          <a:lstStyle/>
+          <a:p>
+            <a:pPr algn="ctr"/>
+            <a:r>
+              <a:rPr lang="de-DE" dirty="0" smtClean="0"/>
+              <a:t>Steine</a:t>
+            </a:r>
+            <a:endParaRPr lang="de-DE" dirty="0"/>
+          </a:p>
+        </p:txBody>
+      </p:sp>
+      <p:pic>
+        <p:nvPicPr>
+          <p:cNvPr id="5" name="Inhaltsplatzhalter 4"/>
+          <p:cNvPicPr>
+            <a:picLocks noGrp="1" noChangeAspect="1"/>
+          </p:cNvPicPr>
+          <p:nvPr>
+            <p:ph idx="1"/>
+          </p:nvPr>
+        </p:nvPicPr>
+        <p:blipFill>
+          <a:blip r:embed="rId2">
+            <a:extLst>
+              <a:ext uri="{28A0092B-C50C-407E-A947-70E740481C1C}">
+                <a14:useLocalDpi xmlns:a14="http://schemas.microsoft.com/office/drawing/2010/main" val="0"/>
+              </a:ext>
+            </a:extLst>
+          </a:blip>
+          <a:stretch>
+            <a:fillRect/>
+          </a:stretch>
+        </p:blipFill>
+        <p:spPr>
+          <a:xfrm>
+            <a:off x="519304" y="2137834"/>
+            <a:ext cx="6351988" cy="2897805"/>
+          </a:xfrm>
+        </p:spPr>
+      </p:pic>
+      <p:sp>
+        <p:nvSpPr>
+          <p:cNvPr id="4" name="Foliennummernplatzhalter 3"/>
+          <p:cNvSpPr>
+            <a:spLocks noGrp="1"/>
+          </p:cNvSpPr>
+          <p:nvPr>
+            <p:ph type="sldNum" sz="quarter" idx="12"/>
+          </p:nvPr>
+        </p:nvSpPr>
+        <p:spPr/>
+        <p:txBody>
+          <a:bodyPr/>
+          <a:lstStyle/>
+          <a:p>
+            <a:fld id="{AFC15D4E-52BD-4359-8CF4-4D643ACA6A81}" type="slidenum">
+              <a:rPr lang="de-DE" smtClean="0"/>
+              <a:t>22</a:t>
+            </a:fld>
+            <a:endParaRPr lang="de-DE"/>
+          </a:p>
+        </p:txBody>
+      </p:sp>
+    </p:spTree>
+    <p:extLst>
+      <p:ext uri="{BB962C8B-B14F-4D97-AF65-F5344CB8AC3E}">
+        <p14:creationId xmlns:p14="http://schemas.microsoft.com/office/powerpoint/2010/main" val="562471745"/>
+      </p:ext>
+    </p:extLst>
+  </p:cSld>
+  <p:clrMapOvr>
+    <a:masterClrMapping/>
+  </p:clrMapOvr>
+  <p:timing>
+    <p:tnLst>
+      <p:par>
+        <p:cTn id="1" dur="indefinite" restart="never" nodeType="tmRoot"/>
+      </p:par>
+    </p:tnLst>
+  </p:timing>
+</p:sld>
+</file>
+
+<file path=ppt/slides/slide23.xml><?xml version="1.0" encoding="utf-8"?>
+<p:sld xmlns:a="http://schemas.openxmlformats.org/drawingml/2006/main" xmlns:r="http://schemas.openxmlformats.org/officeDocument/2006/relationships" xmlns:p="http://schemas.openxmlformats.org/presentationml/2006/main">
+  <p:cSld>
+    <p:spTree>
+      <p:nvGrpSpPr>
+        <p:cNvPr id="1" name=""/>
+        <p:cNvGrpSpPr/>
+        <p:nvPr/>
+      </p:nvGrpSpPr>
+      <p:grpSpPr>
+        <a:xfrm>
+          <a:off x="0" y="0"/>
+          <a:ext cx="0" cy="0"/>
+          <a:chOff x="0" y="0"/>
+          <a:chExt cx="0" cy="0"/>
+        </a:xfrm>
+      </p:grpSpPr>
+      <p:sp>
+        <p:nvSpPr>
+          <p:cNvPr id="2" name="Titel 1"/>
+          <p:cNvSpPr>
+            <a:spLocks noGrp="1"/>
+          </p:cNvSpPr>
+          <p:nvPr>
+            <p:ph type="title"/>
+          </p:nvPr>
+        </p:nvSpPr>
+        <p:spPr/>
+        <p:txBody>
+          <a:bodyPr/>
+          <a:lstStyle/>
+          <a:p>
+            <a:pPr algn="ctr"/>
+            <a:r>
+              <a:rPr lang="de-DE" dirty="0" smtClean="0"/>
+              <a:t>Speerfalle</a:t>
+            </a:r>
+            <a:endParaRPr lang="de-DE" dirty="0"/>
+          </a:p>
+        </p:txBody>
+      </p:sp>
+      <p:sp>
+        <p:nvSpPr>
+          <p:cNvPr id="4" name="Foliennummernplatzhalter 3"/>
+          <p:cNvSpPr>
+            <a:spLocks noGrp="1"/>
+          </p:cNvSpPr>
+          <p:nvPr>
+            <p:ph type="sldNum" sz="quarter" idx="12"/>
+          </p:nvPr>
+        </p:nvSpPr>
+        <p:spPr/>
+        <p:txBody>
+          <a:bodyPr/>
+          <a:lstStyle/>
+          <a:p>
+            <a:fld id="{AFC15D4E-52BD-4359-8CF4-4D643ACA6A81}" type="slidenum">
+              <a:rPr lang="de-DE" smtClean="0"/>
+              <a:t>23</a:t>
+            </a:fld>
+            <a:endParaRPr lang="de-DE"/>
+          </a:p>
+        </p:txBody>
+      </p:sp>
+      <p:pic>
+        <p:nvPicPr>
+          <p:cNvPr id="7" name="Grafik 6"/>
+          <p:cNvPicPr>
+            <a:picLocks noChangeAspect="1"/>
+          </p:cNvPicPr>
+          <p:nvPr/>
+        </p:nvPicPr>
+        <p:blipFill>
+          <a:blip r:embed="rId2">
+            <a:extLst>
+              <a:ext uri="{28A0092B-C50C-407E-A947-70E740481C1C}">
+                <a14:useLocalDpi xmlns:a14="http://schemas.microsoft.com/office/drawing/2010/main" val="0"/>
+              </a:ext>
+            </a:extLst>
+          </a:blip>
+          <a:stretch>
+            <a:fillRect/>
+          </a:stretch>
+        </p:blipFill>
+        <p:spPr>
+          <a:xfrm>
+            <a:off x="970447" y="1937253"/>
+            <a:ext cx="2343477" cy="2086266"/>
+          </a:xfrm>
+          <a:prstGeom prst="rect">
+            <a:avLst/>
+          </a:prstGeom>
+        </p:spPr>
+      </p:pic>
+      <p:pic>
+        <p:nvPicPr>
+          <p:cNvPr id="8" name="Grafik 7"/>
+          <p:cNvPicPr>
+            <a:picLocks noChangeAspect="1"/>
+          </p:cNvPicPr>
+          <p:nvPr/>
+        </p:nvPicPr>
+        <p:blipFill>
+          <a:blip r:embed="rId3">
+            <a:extLst>
+              <a:ext uri="{28A0092B-C50C-407E-A947-70E740481C1C}">
+                <a14:useLocalDpi xmlns:a14="http://schemas.microsoft.com/office/drawing/2010/main" val="0"/>
+              </a:ext>
+            </a:extLst>
+          </a:blip>
+          <a:stretch>
+            <a:fillRect/>
+          </a:stretch>
+        </p:blipFill>
+        <p:spPr>
+          <a:xfrm>
+            <a:off x="3713169" y="1937253"/>
+            <a:ext cx="2667253" cy="2086266"/>
+          </a:xfrm>
+          <a:prstGeom prst="rect">
+            <a:avLst/>
+          </a:prstGeom>
+        </p:spPr>
+      </p:pic>
+    </p:spTree>
+    <p:extLst>
+      <p:ext uri="{BB962C8B-B14F-4D97-AF65-F5344CB8AC3E}">
+        <p14:creationId xmlns:p14="http://schemas.microsoft.com/office/powerpoint/2010/main" val="1285909600"/>
+      </p:ext>
+    </p:extLst>
+  </p:cSld>
+  <p:clrMapOvr>
+    <a:masterClrMapping/>
+  </p:clrMapOvr>
+  <p:timing>
+    <p:tnLst>
+      <p:par>
+        <p:cTn id="1" dur="indefinite" restart="never" nodeType="tmRoot"/>
+      </p:par>
+    </p:tnLst>
+  </p:timing>
+</p:sld>
+</file>
+
+<file path=ppt/slides/slide24.xml><?xml version="1.0" encoding="utf-8"?>
+<p:sld xmlns:a="http://schemas.openxmlformats.org/drawingml/2006/main" xmlns:r="http://schemas.openxmlformats.org/officeDocument/2006/relationships" xmlns:p="http://schemas.openxmlformats.org/presentationml/2006/main">
+  <p:cSld>
+    <p:spTree>
+      <p:nvGrpSpPr>
+        <p:cNvPr id="1" name=""/>
+        <p:cNvGrpSpPr/>
+        <p:nvPr/>
+      </p:nvGrpSpPr>
+      <p:grpSpPr>
+        <a:xfrm>
+          <a:off x="0" y="0"/>
+          <a:ext cx="0" cy="0"/>
+          <a:chOff x="0" y="0"/>
+          <a:chExt cx="0" cy="0"/>
+        </a:xfrm>
+      </p:grpSpPr>
+      <p:sp>
+        <p:nvSpPr>
+          <p:cNvPr id="2" name="Titel 1"/>
+          <p:cNvSpPr>
+            <a:spLocks noGrp="1"/>
+          </p:cNvSpPr>
+          <p:nvPr>
+            <p:ph type="title"/>
+          </p:nvPr>
+        </p:nvSpPr>
+        <p:spPr/>
+        <p:txBody>
+          <a:bodyPr/>
+          <a:lstStyle/>
+          <a:p>
+            <a:pPr algn="ctr"/>
+            <a:r>
+              <a:rPr lang="de-DE" dirty="0" smtClean="0"/>
+              <a:t>Tatsächlicher Zeitplan (Soll-Ist-Vergleich unserer Entwicklungszeit)</a:t>
+            </a:r>
+            <a:endParaRPr lang="de-DE" dirty="0"/>
+          </a:p>
+        </p:txBody>
+      </p:sp>
+      <p:sp>
+        <p:nvSpPr>
+          <p:cNvPr id="3" name="Inhaltsplatzhalter 2"/>
+          <p:cNvSpPr>
+            <a:spLocks noGrp="1"/>
+          </p:cNvSpPr>
+          <p:nvPr>
+            <p:ph idx="1"/>
+          </p:nvPr>
+        </p:nvSpPr>
+        <p:spPr>
+          <a:xfrm>
+            <a:off x="838200" y="1825624"/>
+            <a:ext cx="10515600" cy="4695945"/>
+          </a:xfrm>
+        </p:spPr>
+        <p:txBody>
+          <a:bodyPr/>
+          <a:lstStyle/>
+          <a:p>
+            <a:pPr marL="0" indent="0">
+              <a:buNone/>
+            </a:pPr>
+            <a:r>
+              <a:rPr lang="de-DE" dirty="0" smtClean="0"/>
+              <a:t>Leider sind auch Verzögerungen bzw. Änderungen im Zeitplan aufgetreten. </a:t>
+            </a:r>
+            <a:r>
+              <a:rPr lang="de-DE" dirty="0"/>
+              <a:t>Bedingt durch </a:t>
+            </a:r>
+            <a:r>
+              <a:rPr lang="de-DE" dirty="0" smtClean="0"/>
+              <a:t>…</a:t>
+            </a:r>
+          </a:p>
+          <a:p>
+            <a:r>
+              <a:rPr lang="de-DE" dirty="0" smtClean="0"/>
+              <a:t>Frühzeitige Fertigstellung einiger Aufgaben</a:t>
+            </a:r>
+            <a:endParaRPr lang="de-DE" dirty="0"/>
+          </a:p>
+          <a:p>
+            <a:r>
+              <a:rPr lang="de-DE" dirty="0" smtClean="0"/>
+              <a:t>Umverteilung der Aufgaben, aufgrund unterschiedlicher Programmierkenntnisse.</a:t>
+            </a:r>
+          </a:p>
+          <a:p>
+            <a:r>
+              <a:rPr lang="de-DE" dirty="0" smtClean="0"/>
+              <a:t>Nebenjob, Krankheitsausfall, Internetausfall und Zwangsurlaub.</a:t>
+            </a:r>
+          </a:p>
+          <a:p>
+            <a:r>
+              <a:rPr lang="de-DE" dirty="0" smtClean="0"/>
+              <a:t>Längerer Experimentierphase mit den Features von Three.js.</a:t>
+            </a:r>
+          </a:p>
+          <a:p>
+            <a:r>
+              <a:rPr lang="de-DE" dirty="0" smtClean="0"/>
+              <a:t>Entwicklung neuer Ideen im Spiel, die ursprünglich nicht geplant waren.</a:t>
+            </a:r>
+          </a:p>
+        </p:txBody>
+      </p:sp>
+      <p:sp>
+        <p:nvSpPr>
+          <p:cNvPr id="4" name="Foliennummernplatzhalter 3"/>
+          <p:cNvSpPr>
+            <a:spLocks noGrp="1"/>
+          </p:cNvSpPr>
+          <p:nvPr>
+            <p:ph type="sldNum" sz="quarter" idx="12"/>
+          </p:nvPr>
+        </p:nvSpPr>
+        <p:spPr/>
+        <p:txBody>
+          <a:bodyPr/>
+          <a:lstStyle/>
+          <a:p>
+            <a:fld id="{AFC15D4E-52BD-4359-8CF4-4D643ACA6A81}" type="slidenum">
+              <a:rPr lang="de-DE" smtClean="0"/>
+              <a:t>24</a:t>
             </a:fld>
             <a:endParaRPr lang="de-DE"/>
           </a:p>
@@ -4506,7 +10835,7 @@
 </p:sld>
 </file>
 
-<file path=ppt/slides/slide17.xml><?xml version="1.0" encoding="utf-8"?>
+<file path=ppt/slides/slide25.xml><?xml version="1.0" encoding="utf-8"?>
 <p:sld xmlns:a="http://schemas.openxmlformats.org/drawingml/2006/main" xmlns:r="http://schemas.openxmlformats.org/officeDocument/2006/relationships" xmlns:p="http://schemas.openxmlformats.org/presentationml/2006/main">
   <p:cSld>
     <p:spTree>
@@ -5203,7 +11532,7 @@
           <a:p>
             <a:fld id="{8C23CA4F-E948-324D-AE99-93DD634CB28D}" type="slidenum">
               <a:rPr lang="de-DE" smtClean="0"/>
-              <a:t>17</a:t>
+              <a:t>25</a:t>
             </a:fld>
             <a:endParaRPr lang="de-DE"/>
           </a:p>
@@ -5229,7 +11558,7 @@
 </p:sld>
 </file>
 
-<file path=ppt/slides/slide18.xml><?xml version="1.0" encoding="utf-8"?>
+<file path=ppt/slides/slide26.xml><?xml version="1.0" encoding="utf-8"?>
 <p:sld xmlns:a="http://schemas.openxmlformats.org/drawingml/2006/main" xmlns:r="http://schemas.openxmlformats.org/officeDocument/2006/relationships" xmlns:p="http://schemas.openxmlformats.org/presentationml/2006/main">
   <p:cSld>
     <p:spTree>
@@ -5362,7 +11691,7 @@
           <a:p>
             <a:fld id="{AFC15D4E-52BD-4359-8CF4-4D643ACA6A81}" type="slidenum">
               <a:rPr lang="de-DE" smtClean="0"/>
-              <a:t>18</a:t>
+              <a:t>26</a:t>
             </a:fld>
             <a:endParaRPr lang="de-DE"/>
           </a:p>
@@ -5388,7 +11717,7 @@
 </p:sld>
 </file>
 
-<file path=ppt/slides/slide19.xml><?xml version="1.0" encoding="utf-8"?>
+<file path=ppt/slides/slide27.xml><?xml version="1.0" encoding="utf-8"?>
 <p:sld xmlns:a="http://schemas.openxmlformats.org/drawingml/2006/main" xmlns:r="http://schemas.openxmlformats.org/officeDocument/2006/relationships" xmlns:p="http://schemas.openxmlformats.org/presentationml/2006/main">
   <p:cSld>
     <p:spTree>
@@ -6085,7 +12414,7 @@
           <a:p>
             <a:fld id="{AFC15D4E-52BD-4359-8CF4-4D643ACA6A81}" type="slidenum">
               <a:rPr lang="de-DE" smtClean="0"/>
-              <a:t>19</a:t>
+              <a:t>27</a:t>
             </a:fld>
             <a:endParaRPr lang="de-DE"/>
           </a:p>
@@ -6217,7 +12546,7 @@
 </p:sld>
 </file>
 
-<file path=ppt/slides/slide2.xml><?xml version="1.0" encoding="utf-8"?>
+<file path=ppt/slides/slide28.xml><?xml version="1.0" encoding="utf-8"?>
 <p:sld xmlns:a="http://schemas.openxmlformats.org/drawingml/2006/main" xmlns:r="http://schemas.openxmlformats.org/officeDocument/2006/relationships" xmlns:p="http://schemas.openxmlformats.org/presentationml/2006/main">
   <p:cSld>
     <p:spTree>
@@ -6250,10 +12579,6 @@
           <a:lstStyle/>
           <a:p>
             <a:pPr algn="ctr"/>
-            <a:r>
-              <a:rPr lang="de-DE" dirty="0" smtClean="0"/>
-              <a:t>Gliederung</a:t>
-            </a:r>
             <a:endParaRPr lang="de-DE" dirty="0"/>
           </a:p>
         </p:txBody>
@@ -6268,142 +12593,20 @@
             <p:ph idx="1"/>
           </p:nvPr>
         </p:nvSpPr>
-        <p:spPr>
-          <a:xfrm>
-            <a:off x="4220473" y="1847849"/>
-            <a:ext cx="3751053" cy="4873625"/>
-          </a:xfrm>
-        </p:spPr>
+        <p:spPr/>
         <p:txBody>
           <a:bodyPr>
-            <a:normAutofit fontScale="70000" lnSpcReduction="20000"/>
+            <a:normAutofit/>
           </a:bodyPr>
           <a:lstStyle/>
           <a:p>
-            <a:pPr marL="0" indent="0">
+            <a:pPr marL="0" indent="0" algn="ctr">
               <a:buNone/>
             </a:pPr>
             <a:r>
-              <a:rPr lang="de-DE" dirty="0" smtClean="0"/>
-              <a:t>Video</a:t>
-            </a:r>
-          </a:p>
-          <a:p>
-            <a:pPr marL="0" indent="0">
-              <a:buNone/>
-            </a:pPr>
-            <a:r>
-              <a:rPr lang="de-DE" dirty="0" smtClean="0"/>
-              <a:t>Features</a:t>
-            </a:r>
-          </a:p>
-          <a:p>
-            <a:pPr marL="0" indent="0">
-              <a:buNone/>
-            </a:pPr>
-            <a:r>
-              <a:rPr lang="de-DE" dirty="0" smtClean="0"/>
-              <a:t>Ziel des Spiels</a:t>
-            </a:r>
-          </a:p>
-          <a:p>
-            <a:pPr marL="0" indent="0">
-              <a:buNone/>
-            </a:pPr>
-            <a:r>
-              <a:rPr lang="de-DE" dirty="0" smtClean="0"/>
-              <a:t>Spielaufbau</a:t>
-            </a:r>
-          </a:p>
-          <a:p>
-            <a:r>
-              <a:rPr lang="de-DE" sz="2400" dirty="0" smtClean="0"/>
-              <a:t>Schlange</a:t>
-            </a:r>
-          </a:p>
-          <a:p>
-            <a:r>
-              <a:rPr lang="de-DE" sz="2400" dirty="0" smtClean="0"/>
-              <a:t>Spielfeld</a:t>
-            </a:r>
-          </a:p>
-          <a:p>
-            <a:r>
-              <a:rPr lang="de-DE" sz="2400" dirty="0" smtClean="0"/>
-              <a:t>Kollisionserkennung</a:t>
-            </a:r>
-          </a:p>
-          <a:p>
-            <a:r>
-              <a:rPr lang="de-DE" sz="2400" dirty="0" smtClean="0"/>
-              <a:t>Steine</a:t>
-            </a:r>
-          </a:p>
-          <a:p>
-            <a:r>
-              <a:rPr lang="de-DE" sz="2400" dirty="0" smtClean="0"/>
-              <a:t>Diät-Pille</a:t>
-            </a:r>
-          </a:p>
-          <a:p>
-            <a:r>
-              <a:rPr lang="de-DE" sz="2400" dirty="0" smtClean="0"/>
-              <a:t>Futter</a:t>
-            </a:r>
-          </a:p>
-          <a:p>
-            <a:r>
-              <a:rPr lang="de-DE" sz="2400" dirty="0" smtClean="0"/>
-              <a:t>Speerfalle</a:t>
-            </a:r>
-          </a:p>
-          <a:p>
-            <a:pPr marL="0" indent="0">
-              <a:buNone/>
-            </a:pPr>
-            <a:r>
-              <a:rPr lang="de-DE" dirty="0" smtClean="0"/>
-              <a:t>Tatsächlicher Zeitplan</a:t>
-            </a:r>
-          </a:p>
-          <a:p>
-            <a:pPr marL="0" indent="0">
-              <a:buNone/>
-            </a:pPr>
-            <a:r>
-              <a:rPr lang="de-DE" dirty="0" smtClean="0"/>
-              <a:t>Aufgabenverteilung</a:t>
-            </a:r>
-          </a:p>
-          <a:p>
-            <a:pPr marL="0" indent="0">
-              <a:buNone/>
-            </a:pPr>
-            <a:r>
-              <a:rPr lang="de-DE" dirty="0" smtClean="0"/>
+              <a:rPr lang="de-DE" sz="6600" dirty="0"/>
               <a:t>Ende der Präsentation</a:t>
             </a:r>
-          </a:p>
-          <a:p>
-            <a:pPr marL="0" indent="0">
-              <a:buNone/>
-            </a:pPr>
-            <a:r>
-              <a:rPr lang="de-DE" dirty="0" smtClean="0"/>
-              <a:t>Quellen</a:t>
-            </a:r>
-          </a:p>
-          <a:p>
-            <a:pPr marL="0" indent="0">
-              <a:buNone/>
-            </a:pPr>
-            <a:endParaRPr lang="de-DE" dirty="0" smtClean="0"/>
-          </a:p>
-          <a:p>
-            <a:pPr marL="0" indent="0">
-              <a:buNone/>
-            </a:pPr>
-            <a:endParaRPr lang="de-DE" dirty="0"/>
           </a:p>
         </p:txBody>
       </p:sp>
@@ -6424,114 +12627,7 @@
           <a:p>
             <a:fld id="{AFC15D4E-52BD-4359-8CF4-4D643ACA6A81}" type="slidenum">
               <a:rPr lang="de-DE" smtClean="0"/>
-              <a:t>2</a:t>
-            </a:fld>
-            <a:endParaRPr lang="de-DE"/>
-          </a:p>
-        </p:txBody>
-      </p:sp>
-    </p:spTree>
-    <p:extLst>
-      <p:ext uri="{BB962C8B-B14F-4D97-AF65-F5344CB8AC3E}">
-        <p14:creationId xmlns:p14="http://schemas.microsoft.com/office/powerpoint/2010/main" val="1490034197"/>
-      </p:ext>
-    </p:extLst>
-  </p:cSld>
-  <p:clrMapOvr>
-    <a:masterClrMapping/>
-  </p:clrMapOvr>
-  <p:timing>
-    <p:tnLst>
-      <p:par>
-        <p:cTn id="1" dur="indefinite" restart="never" nodeType="tmRoot"/>
-      </p:par>
-    </p:tnLst>
-  </p:timing>
-</p:sld>
-</file>
-
-<file path=ppt/slides/slide20.xml><?xml version="1.0" encoding="utf-8"?>
-<p:sld xmlns:a="http://schemas.openxmlformats.org/drawingml/2006/main" xmlns:r="http://schemas.openxmlformats.org/officeDocument/2006/relationships" xmlns:p="http://schemas.openxmlformats.org/presentationml/2006/main">
-  <p:cSld>
-    <p:spTree>
-      <p:nvGrpSpPr>
-        <p:cNvPr id="1" name=""/>
-        <p:cNvGrpSpPr/>
-        <p:nvPr/>
-      </p:nvGrpSpPr>
-      <p:grpSpPr>
-        <a:xfrm>
-          <a:off x="0" y="0"/>
-          <a:ext cx="0" cy="0"/>
-          <a:chOff x="0" y="0"/>
-          <a:chExt cx="0" cy="0"/>
-        </a:xfrm>
-      </p:grpSpPr>
-      <p:sp>
-        <p:nvSpPr>
-          <p:cNvPr id="2" name="Titel 1"/>
-          <p:cNvSpPr>
-            <a:spLocks noGrp="1"/>
-          </p:cNvSpPr>
-          <p:nvPr>
-            <p:ph type="title"/>
-          </p:nvPr>
-        </p:nvSpPr>
-        <p:spPr/>
-        <p:txBody>
-          <a:bodyPr/>
-          <a:lstStyle/>
-          <a:p>
-            <a:pPr algn="ctr"/>
-            <a:endParaRPr lang="de-DE" dirty="0"/>
-          </a:p>
-        </p:txBody>
-      </p:sp>
-      <p:sp>
-        <p:nvSpPr>
-          <p:cNvPr id="3" name="Inhaltsplatzhalter 2"/>
-          <p:cNvSpPr>
-            <a:spLocks noGrp="1"/>
-          </p:cNvSpPr>
-          <p:nvPr>
-            <p:ph idx="1"/>
-          </p:nvPr>
-        </p:nvSpPr>
-        <p:spPr/>
-        <p:txBody>
-          <a:bodyPr>
-            <a:normAutofit/>
-          </a:bodyPr>
-          <a:lstStyle/>
-          <a:p>
-            <a:pPr marL="0" indent="0" algn="ctr">
-              <a:buNone/>
-            </a:pPr>
-            <a:r>
-              <a:rPr lang="de-DE" sz="6600" dirty="0"/>
-              <a:t>Ende der Präsentation</a:t>
-            </a:r>
-          </a:p>
-        </p:txBody>
-      </p:sp>
-      <p:sp>
-        <p:nvSpPr>
-          <p:cNvPr id="4" name="Foliennummernplatzhalter 3"/>
-          <p:cNvSpPr>
-            <a:spLocks noGrp="1"/>
-          </p:cNvSpPr>
-          <p:nvPr>
-            <p:ph type="sldNum" sz="quarter" idx="12"/>
-          </p:nvPr>
-        </p:nvSpPr>
-        <p:spPr/>
-        <p:txBody>
-          <a:bodyPr/>
-          <a:lstStyle/>
-          <a:p>
-            <a:fld id="{AFC15D4E-52BD-4359-8CF4-4D643ACA6A81}" type="slidenum">
-              <a:rPr lang="de-DE" smtClean="0"/>
-              <a:t>20</a:t>
+              <a:t>28</a:t>
             </a:fld>
             <a:endParaRPr lang="de-DE"/>
           </a:p>
@@ -6557,7 +12653,7 @@
 </p:sld>
 </file>
 
-<file path=ppt/slides/slide21.xml><?xml version="1.0" encoding="utf-8"?>
+<file path=ppt/slides/slide29.xml><?xml version="1.0" encoding="utf-8"?>
 <p:sld xmlns:a="http://schemas.openxmlformats.org/drawingml/2006/main" xmlns:r="http://schemas.openxmlformats.org/officeDocument/2006/relationships" xmlns:p="http://schemas.openxmlformats.org/presentationml/2006/main">
   <p:cSld>
     <p:spTree>
@@ -6925,7 +13021,7 @@
           <a:p>
             <a:fld id="{AFC15D4E-52BD-4359-8CF4-4D643ACA6A81}" type="slidenum">
               <a:rPr lang="de-DE" smtClean="0"/>
-              <a:t>21</a:t>
+              <a:t>29</a:t>
             </a:fld>
             <a:endParaRPr lang="de-DE"/>
           </a:p>
@@ -9719,7 +15815,7 @@
             <a:pPr algn="ctr"/>
             <a:r>
               <a:rPr lang="de-DE" b="1" dirty="0" smtClean="0"/>
-              <a:t>Schlange</a:t>
+              <a:t>Systemarchitektur</a:t>
             </a:r>
             <a:endParaRPr lang="de-DE" b="1" dirty="0"/>
           </a:p>
@@ -9750,21 +15846,28 @@
       </p:sp>
       <p:sp>
         <p:nvSpPr>
-          <p:cNvPr id="13" name="Rechteck 12"/>
+          <p:cNvPr id="5" name="Rechteck 4"/>
           <p:cNvSpPr/>
           <p:nvPr/>
         </p:nvSpPr>
         <p:spPr>
           <a:xfrm>
-            <a:off x="260949" y="1421858"/>
-            <a:ext cx="1846053" cy="793539"/>
+            <a:off x="115910" y="1403989"/>
+            <a:ext cx="2627290" cy="634621"/>
           </a:xfrm>
           <a:prstGeom prst="rect">
             <a:avLst/>
           </a:prstGeom>
           <a:solidFill>
-            <a:srgbClr val="FFFF00"/>
+            <a:schemeClr val="tx2"/>
           </a:solidFill>
+          <a:ln>
+            <a:solidFill>
+              <a:schemeClr val="tx2">
+                <a:lumMod val="50000"/>
+              </a:schemeClr>
+            </a:solidFill>
+          </a:ln>
         </p:spPr>
         <p:style>
           <a:lnRef idx="2">
@@ -9788,45 +15891,27 @@
           <a:p>
             <a:pPr algn="ctr"/>
             <a:r>
-              <a:rPr lang="de-DE" sz="4800" dirty="0" err="1" smtClean="0">
-                <a:solidFill>
-                  <a:schemeClr val="tx1"/>
-                </a:solidFill>
-              </a:rPr>
-              <a:t>Snake</a:t>
-            </a:r>
-            <a:endParaRPr lang="de-DE" sz="4800" dirty="0">
-              <a:solidFill>
-                <a:schemeClr val="tx1"/>
-              </a:solidFill>
-            </a:endParaRPr>
-          </a:p>
-        </p:txBody>
-      </p:sp>
-      <p:sp>
-        <p:nvSpPr>
-          <p:cNvPr id="18" name="Rechteck 17"/>
+              <a:rPr lang="de-DE" dirty="0" smtClean="0"/>
+              <a:t>Objekte im Spiel</a:t>
+            </a:r>
+            <a:endParaRPr lang="de-DE" dirty="0"/>
+          </a:p>
+        </p:txBody>
+      </p:sp>
+      <p:sp>
+        <p:nvSpPr>
+          <p:cNvPr id="6" name="Rechteck 5"/>
           <p:cNvSpPr/>
           <p:nvPr/>
         </p:nvSpPr>
         <p:spPr>
           <a:xfrm>
-            <a:off x="661357" y="2313685"/>
-            <a:ext cx="3715110" cy="434669"/>
+            <a:off x="1998372" y="2228970"/>
+            <a:ext cx="2163651" cy="463640"/>
           </a:xfrm>
           <a:prstGeom prst="rect">
             <a:avLst/>
           </a:prstGeom>
-          <a:solidFill>
-            <a:schemeClr val="accent2"/>
-          </a:solidFill>
-          <a:ln>
-            <a:solidFill>
-              <a:schemeClr val="accent2">
-                <a:lumMod val="50000"/>
-              </a:schemeClr>
-            </a:solidFill>
-          </a:ln>
         </p:spPr>
         <p:style>
           <a:lnRef idx="2">
@@ -9850,45 +15935,27 @@
           <a:p>
             <a:pPr algn="ctr"/>
             <a:r>
-              <a:rPr lang="de-DE" sz="2800" dirty="0" smtClean="0"/>
-              <a:t>.generateSnake(</a:t>
-            </a:r>
-            <a:r>
-              <a:rPr lang="de-DE" sz="2800" dirty="0" err="1" smtClean="0"/>
-              <a:t>length</a:t>
-            </a:r>
-            <a:r>
-              <a:rPr lang="de-DE" sz="2800" dirty="0" smtClean="0"/>
-              <a:t>)</a:t>
-            </a:r>
-            <a:endParaRPr lang="de-DE" sz="2800" dirty="0"/>
-          </a:p>
-        </p:txBody>
-      </p:sp>
-      <p:sp>
-        <p:nvSpPr>
-          <p:cNvPr id="19" name="Rechteck 18"/>
+              <a:rPr lang="de-DE" dirty="0" smtClean="0"/>
+              <a:t>Schlange</a:t>
+            </a:r>
+            <a:endParaRPr lang="de-DE" dirty="0"/>
+          </a:p>
+        </p:txBody>
+      </p:sp>
+      <p:sp>
+        <p:nvSpPr>
+          <p:cNvPr id="7" name="Rechteck 6"/>
           <p:cNvSpPr/>
           <p:nvPr/>
         </p:nvSpPr>
         <p:spPr>
           <a:xfrm>
-            <a:off x="661357" y="2919504"/>
-            <a:ext cx="1683586" cy="425861"/>
+            <a:off x="1998371" y="3565112"/>
+            <a:ext cx="2163651" cy="463640"/>
           </a:xfrm>
           <a:prstGeom prst="rect">
             <a:avLst/>
           </a:prstGeom>
-          <a:solidFill>
-            <a:schemeClr val="accent2"/>
-          </a:solidFill>
-          <a:ln>
-            <a:solidFill>
-              <a:schemeClr val="accent2">
-                <a:lumMod val="50000"/>
-              </a:schemeClr>
-            </a:solidFill>
-          </a:ln>
         </p:spPr>
         <p:style>
           <a:lnRef idx="2">
@@ -9912,45 +15979,27 @@
           <a:p>
             <a:pPr algn="ctr"/>
             <a:r>
-              <a:rPr lang="de-DE" sz="2800" dirty="0" smtClean="0"/>
-              <a:t>.</a:t>
-            </a:r>
-            <a:r>
-              <a:rPr lang="de-DE" sz="2800" dirty="0" err="1" smtClean="0"/>
-              <a:t>move</a:t>
-            </a:r>
-            <a:r>
-              <a:rPr lang="de-DE" sz="2800" dirty="0" smtClean="0"/>
-              <a:t>()</a:t>
-            </a:r>
-            <a:endParaRPr lang="de-DE" sz="2800" dirty="0"/>
-          </a:p>
-        </p:txBody>
-      </p:sp>
-      <p:sp>
-        <p:nvSpPr>
-          <p:cNvPr id="20" name="Rechteck 19"/>
+              <a:rPr lang="de-DE" dirty="0" smtClean="0"/>
+              <a:t>Speerfalle</a:t>
+            </a:r>
+            <a:endParaRPr lang="de-DE" dirty="0"/>
+          </a:p>
+        </p:txBody>
+      </p:sp>
+      <p:sp>
+        <p:nvSpPr>
+          <p:cNvPr id="8" name="Rechteck 7"/>
           <p:cNvSpPr/>
           <p:nvPr/>
         </p:nvSpPr>
         <p:spPr>
           <a:xfrm>
-            <a:off x="661356" y="3516515"/>
-            <a:ext cx="2040150" cy="425861"/>
+            <a:off x="1998371" y="4229034"/>
+            <a:ext cx="2163651" cy="463640"/>
           </a:xfrm>
           <a:prstGeom prst="rect">
             <a:avLst/>
           </a:prstGeom>
-          <a:solidFill>
-            <a:schemeClr val="accent2"/>
-          </a:solidFill>
-          <a:ln>
-            <a:solidFill>
-              <a:schemeClr val="accent2">
-                <a:lumMod val="50000"/>
-              </a:schemeClr>
-            </a:solidFill>
-          </a:ln>
         </p:spPr>
         <p:style>
           <a:lnRef idx="2">
@@ -9974,45 +16023,27 @@
           <a:p>
             <a:pPr algn="ctr"/>
             <a:r>
-              <a:rPr lang="de-DE" sz="2800" dirty="0" smtClean="0"/>
-              <a:t>.</a:t>
-            </a:r>
-            <a:r>
-              <a:rPr lang="de-DE" sz="2800" dirty="0" err="1" smtClean="0"/>
-              <a:t>collision</a:t>
-            </a:r>
-            <a:r>
-              <a:rPr lang="de-DE" sz="2800" dirty="0" smtClean="0"/>
-              <a:t>()</a:t>
-            </a:r>
-            <a:endParaRPr lang="de-DE" sz="2800" dirty="0"/>
-          </a:p>
-        </p:txBody>
-      </p:sp>
-      <p:sp>
-        <p:nvSpPr>
-          <p:cNvPr id="22" name="Rechteck 21"/>
+              <a:rPr lang="de-DE" dirty="0" smtClean="0"/>
+              <a:t>Fallende Steine</a:t>
+            </a:r>
+            <a:endParaRPr lang="de-DE" dirty="0"/>
+          </a:p>
+        </p:txBody>
+      </p:sp>
+      <p:sp>
+        <p:nvSpPr>
+          <p:cNvPr id="9" name="Rechteck 8"/>
           <p:cNvSpPr/>
           <p:nvPr/>
         </p:nvSpPr>
         <p:spPr>
           <a:xfrm>
-            <a:off x="653450" y="4113526"/>
-            <a:ext cx="1909315" cy="434669"/>
+            <a:off x="1998370" y="5556878"/>
+            <a:ext cx="2163651" cy="463640"/>
           </a:xfrm>
           <a:prstGeom prst="rect">
             <a:avLst/>
           </a:prstGeom>
-          <a:solidFill>
-            <a:schemeClr val="accent2"/>
-          </a:solidFill>
-          <a:ln>
-            <a:solidFill>
-              <a:schemeClr val="accent2">
-                <a:lumMod val="50000"/>
-              </a:schemeClr>
-            </a:solidFill>
-          </a:ln>
         </p:spPr>
         <p:style>
           <a:lnRef idx="2">
@@ -10036,45 +16067,27 @@
           <a:p>
             <a:pPr algn="ctr"/>
             <a:r>
-              <a:rPr lang="de-DE" sz="2800" dirty="0" smtClean="0"/>
-              <a:t>.</a:t>
-            </a:r>
-            <a:r>
-              <a:rPr lang="de-DE" sz="2800" dirty="0" err="1" smtClean="0"/>
-              <a:t>teleport</a:t>
-            </a:r>
-            <a:r>
-              <a:rPr lang="de-DE" sz="2800" dirty="0" smtClean="0"/>
-              <a:t>()</a:t>
-            </a:r>
-            <a:endParaRPr lang="de-DE" sz="2800" dirty="0"/>
-          </a:p>
-        </p:txBody>
-      </p:sp>
-      <p:sp>
-        <p:nvSpPr>
-          <p:cNvPr id="24" name="Rechteck 23"/>
+              <a:rPr lang="de-DE" dirty="0" smtClean="0"/>
+              <a:t>Futter</a:t>
+            </a:r>
+            <a:endParaRPr lang="de-DE" dirty="0"/>
+          </a:p>
+        </p:txBody>
+      </p:sp>
+      <p:sp>
+        <p:nvSpPr>
+          <p:cNvPr id="10" name="Rechteck 9"/>
           <p:cNvSpPr/>
           <p:nvPr/>
         </p:nvSpPr>
         <p:spPr>
           <a:xfrm>
-            <a:off x="705208" y="5289004"/>
-            <a:ext cx="1952446" cy="425861"/>
+            <a:off x="1998370" y="4892956"/>
+            <a:ext cx="2163651" cy="463640"/>
           </a:xfrm>
           <a:prstGeom prst="rect">
             <a:avLst/>
           </a:prstGeom>
-          <a:solidFill>
-            <a:schemeClr val="accent2"/>
-          </a:solidFill>
-          <a:ln>
-            <a:solidFill>
-              <a:schemeClr val="accent2">
-                <a:lumMod val="50000"/>
-              </a:schemeClr>
-            </a:solidFill>
-          </a:ln>
         </p:spPr>
         <p:style>
           <a:lnRef idx="2">
@@ -10098,45 +16111,91 @@
           <a:p>
             <a:pPr algn="ctr"/>
             <a:r>
-              <a:rPr lang="de-DE" sz="2800" dirty="0" smtClean="0"/>
-              <a:t>.</a:t>
-            </a:r>
-            <a:r>
-              <a:rPr lang="de-DE" sz="2800" dirty="0" err="1" smtClean="0"/>
-              <a:t>eatFood</a:t>
-            </a:r>
-            <a:r>
-              <a:rPr lang="de-DE" sz="2800" dirty="0" smtClean="0"/>
-              <a:t>()</a:t>
-            </a:r>
-            <a:endParaRPr lang="de-DE" sz="2800" dirty="0"/>
-          </a:p>
-        </p:txBody>
-      </p:sp>
-      <p:sp>
-        <p:nvSpPr>
-          <p:cNvPr id="25" name="Rechteck 24"/>
+              <a:rPr lang="de-DE" dirty="0" smtClean="0"/>
+              <a:t>Diätpille</a:t>
+            </a:r>
+            <a:endParaRPr lang="de-DE" dirty="0"/>
+          </a:p>
+        </p:txBody>
+      </p:sp>
+      <p:cxnSp>
+        <p:nvCxnSpPr>
+          <p:cNvPr id="12" name="Gerader Verbinder 11"/>
+          <p:cNvCxnSpPr>
+            <a:stCxn id="5" idx="2"/>
+          </p:cNvCxnSpPr>
+          <p:nvPr/>
+        </p:nvCxnSpPr>
+        <p:spPr>
+          <a:xfrm>
+            <a:off x="1429555" y="2038610"/>
+            <a:ext cx="0" cy="4414008"/>
+          </a:xfrm>
+          <a:prstGeom prst="line">
+            <a:avLst/>
+          </a:prstGeom>
+        </p:spPr>
+        <p:style>
+          <a:lnRef idx="1">
+            <a:schemeClr val="accent1"/>
+          </a:lnRef>
+          <a:fillRef idx="0">
+            <a:schemeClr val="accent1"/>
+          </a:fillRef>
+          <a:effectRef idx="0">
+            <a:schemeClr val="accent1"/>
+          </a:effectRef>
+          <a:fontRef idx="minor">
+            <a:schemeClr val="tx1"/>
+          </a:fontRef>
+        </p:style>
+      </p:cxnSp>
+      <p:cxnSp>
+        <p:nvCxnSpPr>
+          <p:cNvPr id="14" name="Gerader Verbinder 13"/>
+          <p:cNvCxnSpPr>
+            <a:stCxn id="6" idx="1"/>
+          </p:cNvCxnSpPr>
+          <p:nvPr/>
+        </p:nvCxnSpPr>
+        <p:spPr>
+          <a:xfrm flipH="1">
+            <a:off x="1429555" y="2460790"/>
+            <a:ext cx="568817" cy="0"/>
+          </a:xfrm>
+          <a:prstGeom prst="line">
+            <a:avLst/>
+          </a:prstGeom>
+        </p:spPr>
+        <p:style>
+          <a:lnRef idx="1">
+            <a:schemeClr val="accent1"/>
+          </a:lnRef>
+          <a:fillRef idx="0">
+            <a:schemeClr val="accent1"/>
+          </a:fillRef>
+          <a:effectRef idx="0">
+            <a:schemeClr val="accent1"/>
+          </a:effectRef>
+          <a:fontRef idx="minor">
+            <a:schemeClr val="tx1"/>
+          </a:fontRef>
+        </p:style>
+      </p:cxnSp>
+      <p:sp>
+        <p:nvSpPr>
+          <p:cNvPr id="15" name="Rechteck 14"/>
           <p:cNvSpPr/>
           <p:nvPr/>
         </p:nvSpPr>
         <p:spPr>
           <a:xfrm>
-            <a:off x="681485" y="4701265"/>
-            <a:ext cx="1663458" cy="434669"/>
+            <a:off x="1998372" y="2892893"/>
+            <a:ext cx="2163651" cy="463640"/>
           </a:xfrm>
           <a:prstGeom prst="rect">
             <a:avLst/>
           </a:prstGeom>
-          <a:solidFill>
-            <a:schemeClr val="accent2"/>
-          </a:solidFill>
-          <a:ln>
-            <a:solidFill>
-              <a:schemeClr val="accent2">
-                <a:lumMod val="50000"/>
-              </a:schemeClr>
-            </a:solidFill>
-          </a:ln>
         </p:spPr>
         <p:style>
           <a:lnRef idx="2">
@@ -10160,45 +16219,27 @@
           <a:p>
             <a:pPr algn="ctr"/>
             <a:r>
-              <a:rPr lang="de-DE" sz="2800" dirty="0" smtClean="0"/>
-              <a:t>.</a:t>
-            </a:r>
-            <a:r>
-              <a:rPr lang="de-DE" sz="2800" dirty="0" err="1" smtClean="0"/>
-              <a:t>eatPill</a:t>
-            </a:r>
-            <a:r>
-              <a:rPr lang="de-DE" sz="2800" dirty="0" smtClean="0"/>
-              <a:t>()</a:t>
-            </a:r>
-            <a:endParaRPr lang="de-DE" sz="2800" dirty="0"/>
-          </a:p>
-        </p:txBody>
-      </p:sp>
-      <p:sp>
-        <p:nvSpPr>
-          <p:cNvPr id="26" name="Rechteck 25"/>
+              <a:rPr lang="de-DE" dirty="0" smtClean="0"/>
+              <a:t>Spielfeld</a:t>
+            </a:r>
+            <a:endParaRPr lang="de-DE" dirty="0"/>
+          </a:p>
+        </p:txBody>
+      </p:sp>
+      <p:sp>
+        <p:nvSpPr>
+          <p:cNvPr id="16" name="Rechteck 15"/>
           <p:cNvSpPr/>
           <p:nvPr/>
         </p:nvSpPr>
         <p:spPr>
           <a:xfrm>
-            <a:off x="2838808" y="5280196"/>
-            <a:ext cx="1951009" cy="434669"/>
+            <a:off x="1998369" y="6220800"/>
+            <a:ext cx="2163651" cy="463640"/>
           </a:xfrm>
           <a:prstGeom prst="rect">
             <a:avLst/>
           </a:prstGeom>
-          <a:solidFill>
-            <a:schemeClr val="accent2"/>
-          </a:solidFill>
-          <a:ln>
-            <a:solidFill>
-              <a:schemeClr val="accent2">
-                <a:lumMod val="50000"/>
-              </a:schemeClr>
-            </a:solidFill>
-          </a:ln>
         </p:spPr>
         <p:style>
           <a:lnRef idx="2">
@@ -10222,164 +16263,189 @@
           <a:p>
             <a:pPr algn="ctr"/>
             <a:r>
-              <a:rPr lang="de-DE" sz="2800" dirty="0" smtClean="0"/>
-              <a:t>.</a:t>
-            </a:r>
-            <a:r>
-              <a:rPr lang="de-DE" sz="2800" dirty="0" err="1" smtClean="0"/>
-              <a:t>addCube</a:t>
-            </a:r>
-            <a:r>
-              <a:rPr lang="de-DE" sz="2800" dirty="0" smtClean="0"/>
-              <a:t>()</a:t>
-            </a:r>
-            <a:endParaRPr lang="de-DE" sz="2800" dirty="0"/>
-          </a:p>
-        </p:txBody>
-      </p:sp>
-      <p:sp>
-        <p:nvSpPr>
-          <p:cNvPr id="27" name="Rechteck 26"/>
-          <p:cNvSpPr/>
-          <p:nvPr/>
-        </p:nvSpPr>
-        <p:spPr>
-          <a:xfrm>
-            <a:off x="2838808" y="5859127"/>
-            <a:ext cx="2371547" cy="434669"/>
-          </a:xfrm>
-          <a:prstGeom prst="rect">
-            <a:avLst/>
-          </a:prstGeom>
-          <a:solidFill>
-            <a:schemeClr val="accent2"/>
-          </a:solidFill>
-          <a:ln>
-            <a:solidFill>
-              <a:schemeClr val="accent2">
-                <a:lumMod val="50000"/>
-              </a:schemeClr>
-            </a:solidFill>
-          </a:ln>
-        </p:spPr>
-        <p:style>
-          <a:lnRef idx="2">
-            <a:schemeClr val="accent1">
-              <a:shade val="50000"/>
-            </a:schemeClr>
-          </a:lnRef>
-          <a:fillRef idx="1">
-            <a:schemeClr val="accent1"/>
-          </a:fillRef>
-          <a:effectRef idx="0">
-            <a:schemeClr val="accent1"/>
-          </a:effectRef>
-          <a:fontRef idx="minor">
-            <a:schemeClr val="lt1"/>
-          </a:fontRef>
-        </p:style>
-        <p:txBody>
-          <a:bodyPr rtlCol="0" anchor="ctr"/>
-          <a:lstStyle/>
-          <a:p>
-            <a:pPr algn="ctr"/>
-            <a:r>
-              <a:rPr lang="de-DE" sz="2800" dirty="0" smtClean="0"/>
-              <a:t>.</a:t>
-            </a:r>
-            <a:r>
-              <a:rPr lang="de-DE" sz="2800" dirty="0" err="1" smtClean="0"/>
-              <a:t>removeCube</a:t>
-            </a:r>
-            <a:r>
-              <a:rPr lang="de-DE" sz="2800" dirty="0" smtClean="0"/>
-              <a:t>()</a:t>
-            </a:r>
-            <a:endParaRPr lang="de-DE" sz="2800" dirty="0"/>
-          </a:p>
-        </p:txBody>
-      </p:sp>
-      <p:sp>
-        <p:nvSpPr>
-          <p:cNvPr id="28" name="Rechteck 27"/>
-          <p:cNvSpPr/>
-          <p:nvPr/>
-        </p:nvSpPr>
-        <p:spPr>
-          <a:xfrm>
-            <a:off x="705208" y="5867935"/>
-            <a:ext cx="1647645" cy="425861"/>
-          </a:xfrm>
-          <a:prstGeom prst="rect">
-            <a:avLst/>
-          </a:prstGeom>
-          <a:solidFill>
-            <a:schemeClr val="accent2"/>
-          </a:solidFill>
-          <a:ln>
-            <a:solidFill>
-              <a:schemeClr val="accent2">
-                <a:lumMod val="50000"/>
-              </a:schemeClr>
-            </a:solidFill>
-          </a:ln>
-        </p:spPr>
-        <p:style>
-          <a:lnRef idx="2">
-            <a:schemeClr val="accent1">
-              <a:shade val="50000"/>
-            </a:schemeClr>
-          </a:lnRef>
-          <a:fillRef idx="1">
-            <a:schemeClr val="accent1"/>
-          </a:fillRef>
-          <a:effectRef idx="0">
-            <a:schemeClr val="accent1"/>
-          </a:effectRef>
-          <a:fontRef idx="minor">
-            <a:schemeClr val="lt1"/>
-          </a:fontRef>
-        </p:style>
-        <p:txBody>
-          <a:bodyPr rtlCol="0" anchor="ctr"/>
-          <a:lstStyle/>
-          <a:p>
-            <a:pPr algn="ctr"/>
-            <a:r>
-              <a:rPr lang="de-DE" sz="2800" dirty="0" smtClean="0"/>
-              <a:t>.</a:t>
-            </a:r>
-            <a:r>
-              <a:rPr lang="de-DE" sz="2800" dirty="0" err="1" smtClean="0"/>
-              <a:t>loose</a:t>
-            </a:r>
-            <a:r>
-              <a:rPr lang="de-DE" sz="2800" dirty="0" smtClean="0"/>
-              <a:t>()</a:t>
-            </a:r>
-            <a:endParaRPr lang="de-DE" sz="2800" dirty="0"/>
-          </a:p>
-        </p:txBody>
-      </p:sp>
+              <a:rPr lang="de-DE" dirty="0" smtClean="0"/>
+              <a:t>Sonstige Objekte</a:t>
+            </a:r>
+            <a:endParaRPr lang="de-DE" dirty="0"/>
+          </a:p>
+        </p:txBody>
+      </p:sp>
+      <p:cxnSp>
+        <p:nvCxnSpPr>
+          <p:cNvPr id="18" name="Gerader Verbinder 17"/>
+          <p:cNvCxnSpPr>
+            <a:stCxn id="15" idx="1"/>
+          </p:cNvCxnSpPr>
+          <p:nvPr/>
+        </p:nvCxnSpPr>
+        <p:spPr>
+          <a:xfrm flipH="1">
+            <a:off x="1429555" y="3124713"/>
+            <a:ext cx="568817" cy="0"/>
+          </a:xfrm>
+          <a:prstGeom prst="line">
+            <a:avLst/>
+          </a:prstGeom>
+        </p:spPr>
+        <p:style>
+          <a:lnRef idx="1">
+            <a:schemeClr val="accent1"/>
+          </a:lnRef>
+          <a:fillRef idx="0">
+            <a:schemeClr val="accent1"/>
+          </a:fillRef>
+          <a:effectRef idx="0">
+            <a:schemeClr val="accent1"/>
+          </a:effectRef>
+          <a:fontRef idx="minor">
+            <a:schemeClr val="tx1"/>
+          </a:fontRef>
+        </p:style>
+      </p:cxnSp>
+      <p:cxnSp>
+        <p:nvCxnSpPr>
+          <p:cNvPr id="20" name="Gerader Verbinder 19"/>
+          <p:cNvCxnSpPr>
+            <a:stCxn id="7" idx="1"/>
+          </p:cNvCxnSpPr>
+          <p:nvPr/>
+        </p:nvCxnSpPr>
+        <p:spPr>
+          <a:xfrm flipH="1" flipV="1">
+            <a:off x="1429555" y="3796930"/>
+            <a:ext cx="568816" cy="2"/>
+          </a:xfrm>
+          <a:prstGeom prst="line">
+            <a:avLst/>
+          </a:prstGeom>
+        </p:spPr>
+        <p:style>
+          <a:lnRef idx="1">
+            <a:schemeClr val="accent1"/>
+          </a:lnRef>
+          <a:fillRef idx="0">
+            <a:schemeClr val="accent1"/>
+          </a:fillRef>
+          <a:effectRef idx="0">
+            <a:schemeClr val="accent1"/>
+          </a:effectRef>
+          <a:fontRef idx="minor">
+            <a:schemeClr val="tx1"/>
+          </a:fontRef>
+        </p:style>
+      </p:cxnSp>
+      <p:cxnSp>
+        <p:nvCxnSpPr>
+          <p:cNvPr id="24" name="Gerader Verbinder 23"/>
+          <p:cNvCxnSpPr>
+            <a:stCxn id="8" idx="1"/>
+          </p:cNvCxnSpPr>
+          <p:nvPr/>
+        </p:nvCxnSpPr>
+        <p:spPr>
+          <a:xfrm flipH="1">
+            <a:off x="1429555" y="4460854"/>
+            <a:ext cx="568816" cy="0"/>
+          </a:xfrm>
+          <a:prstGeom prst="line">
+            <a:avLst/>
+          </a:prstGeom>
+        </p:spPr>
+        <p:style>
+          <a:lnRef idx="1">
+            <a:schemeClr val="accent1"/>
+          </a:lnRef>
+          <a:fillRef idx="0">
+            <a:schemeClr val="accent1"/>
+          </a:fillRef>
+          <a:effectRef idx="0">
+            <a:schemeClr val="accent1"/>
+          </a:effectRef>
+          <a:fontRef idx="minor">
+            <a:schemeClr val="tx1"/>
+          </a:fontRef>
+        </p:style>
+      </p:cxnSp>
+      <p:cxnSp>
+        <p:nvCxnSpPr>
+          <p:cNvPr id="26" name="Gerader Verbinder 25"/>
+          <p:cNvCxnSpPr>
+            <a:stCxn id="10" idx="1"/>
+          </p:cNvCxnSpPr>
+          <p:nvPr/>
+        </p:nvCxnSpPr>
+        <p:spPr>
+          <a:xfrm flipH="1" flipV="1">
+            <a:off x="1429555" y="5124775"/>
+            <a:ext cx="568815" cy="1"/>
+          </a:xfrm>
+          <a:prstGeom prst="line">
+            <a:avLst/>
+          </a:prstGeom>
+        </p:spPr>
+        <p:style>
+          <a:lnRef idx="1">
+            <a:schemeClr val="accent1"/>
+          </a:lnRef>
+          <a:fillRef idx="0">
+            <a:schemeClr val="accent1"/>
+          </a:fillRef>
+          <a:effectRef idx="0">
+            <a:schemeClr val="accent1"/>
+          </a:effectRef>
+          <a:fontRef idx="minor">
+            <a:schemeClr val="tx1"/>
+          </a:fontRef>
+        </p:style>
+      </p:cxnSp>
+      <p:cxnSp>
+        <p:nvCxnSpPr>
+          <p:cNvPr id="28" name="Gerader Verbinder 27"/>
+          <p:cNvCxnSpPr>
+            <a:stCxn id="9" idx="1"/>
+          </p:cNvCxnSpPr>
+          <p:nvPr/>
+        </p:nvCxnSpPr>
+        <p:spPr>
+          <a:xfrm flipH="1" flipV="1">
+            <a:off x="1429555" y="5788696"/>
+            <a:ext cx="568815" cy="2"/>
+          </a:xfrm>
+          <a:prstGeom prst="line">
+            <a:avLst/>
+          </a:prstGeom>
+        </p:spPr>
+        <p:style>
+          <a:lnRef idx="1">
+            <a:schemeClr val="accent1"/>
+          </a:lnRef>
+          <a:fillRef idx="0">
+            <a:schemeClr val="accent1"/>
+          </a:fillRef>
+          <a:effectRef idx="0">
+            <a:schemeClr val="accent1"/>
+          </a:effectRef>
+          <a:fontRef idx="minor">
+            <a:schemeClr val="tx1"/>
+          </a:fontRef>
+        </p:style>
+      </p:cxnSp>
       <p:cxnSp>
         <p:nvCxnSpPr>
           <p:cNvPr id="30" name="Gerader Verbinder 29"/>
-          <p:cNvCxnSpPr/>
+          <p:cNvCxnSpPr>
+            <a:stCxn id="16" idx="1"/>
+          </p:cNvCxnSpPr>
           <p:nvPr/>
         </p:nvCxnSpPr>
         <p:spPr>
-          <a:xfrm>
-            <a:off x="330316" y="2205812"/>
-            <a:ext cx="51759" cy="3875793"/>
+          <a:xfrm flipH="1" flipV="1">
+            <a:off x="1429555" y="6452618"/>
+            <a:ext cx="568814" cy="2"/>
           </a:xfrm>
           <a:prstGeom prst="line">
             <a:avLst/>
           </a:prstGeom>
-          <a:ln w="57150">
-            <a:solidFill>
-              <a:schemeClr val="tx1"/>
-            </a:solidFill>
-          </a:ln>
         </p:spPr>
         <p:style>
           <a:lnRef idx="1">
@@ -10396,472 +16462,10 @@
           </a:fontRef>
         </p:style>
       </p:cxnSp>
-      <p:cxnSp>
-        <p:nvCxnSpPr>
-          <p:cNvPr id="44" name="Gerader Verbinder 43"/>
-          <p:cNvCxnSpPr>
-            <a:endCxn id="20" idx="1"/>
-          </p:cNvCxnSpPr>
-          <p:nvPr/>
-        </p:nvCxnSpPr>
-        <p:spPr>
-          <a:xfrm>
-            <a:off x="364103" y="3729445"/>
-            <a:ext cx="297253" cy="1"/>
-          </a:xfrm>
-          <a:prstGeom prst="line">
-            <a:avLst/>
-          </a:prstGeom>
-          <a:ln w="57150">
-            <a:solidFill>
-              <a:schemeClr val="tx1"/>
-            </a:solidFill>
-          </a:ln>
-        </p:spPr>
-        <p:style>
-          <a:lnRef idx="1">
-            <a:schemeClr val="accent1"/>
-          </a:lnRef>
-          <a:fillRef idx="0">
-            <a:schemeClr val="accent1"/>
-          </a:fillRef>
-          <a:effectRef idx="0">
-            <a:schemeClr val="accent1"/>
-          </a:effectRef>
-          <a:fontRef idx="minor">
-            <a:schemeClr val="tx1"/>
-          </a:fontRef>
-        </p:style>
-      </p:cxnSp>
-      <p:cxnSp>
-        <p:nvCxnSpPr>
-          <p:cNvPr id="46" name="Gerader Verbinder 45"/>
-          <p:cNvCxnSpPr>
-            <a:endCxn id="19" idx="1"/>
-          </p:cNvCxnSpPr>
-          <p:nvPr/>
-        </p:nvCxnSpPr>
-        <p:spPr>
-          <a:xfrm>
-            <a:off x="350438" y="3132434"/>
-            <a:ext cx="310919" cy="1"/>
-          </a:xfrm>
-          <a:prstGeom prst="line">
-            <a:avLst/>
-          </a:prstGeom>
-          <a:ln w="57150">
-            <a:solidFill>
-              <a:schemeClr val="tx1"/>
-            </a:solidFill>
-          </a:ln>
-        </p:spPr>
-        <p:style>
-          <a:lnRef idx="1">
-            <a:schemeClr val="accent1"/>
-          </a:lnRef>
-          <a:fillRef idx="0">
-            <a:schemeClr val="accent1"/>
-          </a:fillRef>
-          <a:effectRef idx="0">
-            <a:schemeClr val="accent1"/>
-          </a:effectRef>
-          <a:fontRef idx="minor">
-            <a:schemeClr val="tx1"/>
-          </a:fontRef>
-        </p:style>
-      </p:cxnSp>
-      <p:cxnSp>
-        <p:nvCxnSpPr>
-          <p:cNvPr id="54" name="Gerader Verbinder 53"/>
-          <p:cNvCxnSpPr>
-            <a:endCxn id="18" idx="1"/>
-          </p:cNvCxnSpPr>
-          <p:nvPr/>
-        </p:nvCxnSpPr>
-        <p:spPr>
-          <a:xfrm flipV="1">
-            <a:off x="352597" y="2531020"/>
-            <a:ext cx="308760" cy="3033"/>
-          </a:xfrm>
-          <a:prstGeom prst="line">
-            <a:avLst/>
-          </a:prstGeom>
-          <a:ln w="57150">
-            <a:solidFill>
-              <a:schemeClr val="tx1"/>
-            </a:solidFill>
-          </a:ln>
-        </p:spPr>
-        <p:style>
-          <a:lnRef idx="1">
-            <a:schemeClr val="accent1"/>
-          </a:lnRef>
-          <a:fillRef idx="0">
-            <a:schemeClr val="accent1"/>
-          </a:fillRef>
-          <a:effectRef idx="0">
-            <a:schemeClr val="accent1"/>
-          </a:effectRef>
-          <a:fontRef idx="minor">
-            <a:schemeClr val="tx1"/>
-          </a:fontRef>
-        </p:style>
-      </p:cxnSp>
-      <p:cxnSp>
-        <p:nvCxnSpPr>
-          <p:cNvPr id="56" name="Gerader Verbinder 55"/>
-          <p:cNvCxnSpPr>
-            <a:stCxn id="24" idx="3"/>
-            <a:endCxn id="26" idx="1"/>
-          </p:cNvCxnSpPr>
-          <p:nvPr/>
-        </p:nvCxnSpPr>
-        <p:spPr>
-          <a:xfrm flipV="1">
-            <a:off x="2657654" y="5497531"/>
-            <a:ext cx="181154" cy="4404"/>
-          </a:xfrm>
-          <a:prstGeom prst="line">
-            <a:avLst/>
-          </a:prstGeom>
-          <a:ln w="57150">
-            <a:solidFill>
-              <a:schemeClr val="tx1"/>
-            </a:solidFill>
-          </a:ln>
-        </p:spPr>
-        <p:style>
-          <a:lnRef idx="1">
-            <a:schemeClr val="accent1"/>
-          </a:lnRef>
-          <a:fillRef idx="0">
-            <a:schemeClr val="accent1"/>
-          </a:fillRef>
-          <a:effectRef idx="0">
-            <a:schemeClr val="accent1"/>
-          </a:effectRef>
-          <a:fontRef idx="minor">
-            <a:schemeClr val="tx1"/>
-          </a:fontRef>
-        </p:style>
-      </p:cxnSp>
-      <p:cxnSp>
-        <p:nvCxnSpPr>
-          <p:cNvPr id="59" name="Gerader Verbinder 58"/>
-          <p:cNvCxnSpPr>
-            <a:stCxn id="28" idx="3"/>
-            <a:endCxn id="27" idx="1"/>
-          </p:cNvCxnSpPr>
-          <p:nvPr/>
-        </p:nvCxnSpPr>
-        <p:spPr>
-          <a:xfrm flipV="1">
-            <a:off x="2352853" y="6076462"/>
-            <a:ext cx="485955" cy="4404"/>
-          </a:xfrm>
-          <a:prstGeom prst="line">
-            <a:avLst/>
-          </a:prstGeom>
-          <a:ln w="57150">
-            <a:solidFill>
-              <a:schemeClr val="tx1"/>
-            </a:solidFill>
-          </a:ln>
-        </p:spPr>
-        <p:style>
-          <a:lnRef idx="1">
-            <a:schemeClr val="accent1"/>
-          </a:lnRef>
-          <a:fillRef idx="0">
-            <a:schemeClr val="accent1"/>
-          </a:fillRef>
-          <a:effectRef idx="0">
-            <a:schemeClr val="accent1"/>
-          </a:effectRef>
-          <a:fontRef idx="minor">
-            <a:schemeClr val="tx1"/>
-          </a:fontRef>
-        </p:style>
-      </p:cxnSp>
-      <p:cxnSp>
-        <p:nvCxnSpPr>
-          <p:cNvPr id="67" name="Gerader Verbinder 66"/>
-          <p:cNvCxnSpPr/>
-          <p:nvPr/>
-        </p:nvCxnSpPr>
-        <p:spPr>
-          <a:xfrm>
-            <a:off x="357270" y="4324914"/>
-            <a:ext cx="297253" cy="1"/>
-          </a:xfrm>
-          <a:prstGeom prst="line">
-            <a:avLst/>
-          </a:prstGeom>
-          <a:ln w="57150">
-            <a:solidFill>
-              <a:schemeClr val="tx1"/>
-            </a:solidFill>
-          </a:ln>
-        </p:spPr>
-        <p:style>
-          <a:lnRef idx="1">
-            <a:schemeClr val="accent1"/>
-          </a:lnRef>
-          <a:fillRef idx="0">
-            <a:schemeClr val="accent1"/>
-          </a:fillRef>
-          <a:effectRef idx="0">
-            <a:schemeClr val="accent1"/>
-          </a:effectRef>
-          <a:fontRef idx="minor">
-            <a:schemeClr val="tx1"/>
-          </a:fontRef>
-        </p:style>
-      </p:cxnSp>
-      <p:cxnSp>
-        <p:nvCxnSpPr>
-          <p:cNvPr id="68" name="Gerader Verbinder 67"/>
-          <p:cNvCxnSpPr/>
-          <p:nvPr/>
-        </p:nvCxnSpPr>
-        <p:spPr>
-          <a:xfrm>
-            <a:off x="377937" y="4915273"/>
-            <a:ext cx="297253" cy="1"/>
-          </a:xfrm>
-          <a:prstGeom prst="line">
-            <a:avLst/>
-          </a:prstGeom>
-          <a:ln w="57150">
-            <a:solidFill>
-              <a:schemeClr val="tx1"/>
-            </a:solidFill>
-          </a:ln>
-        </p:spPr>
-        <p:style>
-          <a:lnRef idx="1">
-            <a:schemeClr val="accent1"/>
-          </a:lnRef>
-          <a:fillRef idx="0">
-            <a:schemeClr val="accent1"/>
-          </a:fillRef>
-          <a:effectRef idx="0">
-            <a:schemeClr val="accent1"/>
-          </a:effectRef>
-          <a:fontRef idx="minor">
-            <a:schemeClr val="tx1"/>
-          </a:fontRef>
-        </p:style>
-      </p:cxnSp>
-      <p:cxnSp>
-        <p:nvCxnSpPr>
-          <p:cNvPr id="69" name="Gerader Verbinder 68"/>
-          <p:cNvCxnSpPr/>
-          <p:nvPr/>
-        </p:nvCxnSpPr>
-        <p:spPr>
-          <a:xfrm>
-            <a:off x="414602" y="5510742"/>
-            <a:ext cx="297253" cy="1"/>
-          </a:xfrm>
-          <a:prstGeom prst="line">
-            <a:avLst/>
-          </a:prstGeom>
-          <a:ln w="57150">
-            <a:solidFill>
-              <a:schemeClr val="tx1"/>
-            </a:solidFill>
-          </a:ln>
-        </p:spPr>
-        <p:style>
-          <a:lnRef idx="1">
-            <a:schemeClr val="accent1"/>
-          </a:lnRef>
-          <a:fillRef idx="0">
-            <a:schemeClr val="accent1"/>
-          </a:fillRef>
-          <a:effectRef idx="0">
-            <a:schemeClr val="accent1"/>
-          </a:effectRef>
-          <a:fontRef idx="minor">
-            <a:schemeClr val="tx1"/>
-          </a:fontRef>
-        </p:style>
-      </p:cxnSp>
-      <p:cxnSp>
-        <p:nvCxnSpPr>
-          <p:cNvPr id="71" name="Gerader Verbinder 70"/>
-          <p:cNvCxnSpPr/>
-          <p:nvPr/>
-        </p:nvCxnSpPr>
-        <p:spPr>
-          <a:xfrm>
-            <a:off x="414601" y="6075254"/>
-            <a:ext cx="297253" cy="1"/>
-          </a:xfrm>
-          <a:prstGeom prst="line">
-            <a:avLst/>
-          </a:prstGeom>
-          <a:ln w="57150">
-            <a:solidFill>
-              <a:schemeClr val="tx1"/>
-            </a:solidFill>
-          </a:ln>
-        </p:spPr>
-        <p:style>
-          <a:lnRef idx="1">
-            <a:schemeClr val="accent1"/>
-          </a:lnRef>
-          <a:fillRef idx="0">
-            <a:schemeClr val="accent1"/>
-          </a:fillRef>
-          <a:effectRef idx="0">
-            <a:schemeClr val="accent1"/>
-          </a:effectRef>
-          <a:fontRef idx="minor">
-            <a:schemeClr val="tx1"/>
-          </a:fontRef>
-        </p:style>
-      </p:cxnSp>
-      <p:cxnSp>
-        <p:nvCxnSpPr>
-          <p:cNvPr id="72" name="Gerader Verbinder 71"/>
-          <p:cNvCxnSpPr/>
-          <p:nvPr/>
-        </p:nvCxnSpPr>
-        <p:spPr>
-          <a:xfrm>
-            <a:off x="363014" y="6081605"/>
-            <a:ext cx="297253" cy="1"/>
-          </a:xfrm>
-          <a:prstGeom prst="line">
-            <a:avLst/>
-          </a:prstGeom>
-          <a:ln w="57150">
-            <a:solidFill>
-              <a:schemeClr val="tx1"/>
-            </a:solidFill>
-          </a:ln>
-        </p:spPr>
-        <p:style>
-          <a:lnRef idx="1">
-            <a:schemeClr val="accent1"/>
-          </a:lnRef>
-          <a:fillRef idx="0">
-            <a:schemeClr val="accent1"/>
-          </a:fillRef>
-          <a:effectRef idx="0">
-            <a:schemeClr val="accent1"/>
-          </a:effectRef>
-          <a:fontRef idx="minor">
-            <a:schemeClr val="tx1"/>
-          </a:fontRef>
-        </p:style>
-      </p:cxnSp>
-      <p:cxnSp>
-        <p:nvCxnSpPr>
-          <p:cNvPr id="73" name="Gerader Verbinder 72"/>
-          <p:cNvCxnSpPr/>
-          <p:nvPr/>
-        </p:nvCxnSpPr>
-        <p:spPr>
-          <a:xfrm>
-            <a:off x="372545" y="5501934"/>
-            <a:ext cx="297253" cy="1"/>
-          </a:xfrm>
-          <a:prstGeom prst="line">
-            <a:avLst/>
-          </a:prstGeom>
-          <a:ln w="57150">
-            <a:solidFill>
-              <a:schemeClr val="tx1"/>
-            </a:solidFill>
-          </a:ln>
-        </p:spPr>
-        <p:style>
-          <a:lnRef idx="1">
-            <a:schemeClr val="accent1"/>
-          </a:lnRef>
-          <a:fillRef idx="0">
-            <a:schemeClr val="accent1"/>
-          </a:fillRef>
-          <a:effectRef idx="0">
-            <a:schemeClr val="accent1"/>
-          </a:effectRef>
-          <a:fontRef idx="minor">
-            <a:schemeClr val="tx1"/>
-          </a:fontRef>
-        </p:style>
-      </p:cxnSp>
-      <p:pic>
-        <p:nvPicPr>
-          <p:cNvPr id="75" name="Inhaltsplatzhalter 4"/>
-          <p:cNvPicPr>
-            <a:picLocks noGrp="1" noChangeAspect="1"/>
-          </p:cNvPicPr>
-          <p:nvPr>
-            <p:ph idx="1"/>
-          </p:nvPr>
-        </p:nvPicPr>
-        <p:blipFill>
-          <a:blip r:embed="rId2">
-            <a:extLst>
-              <a:ext uri="{28A0092B-C50C-407E-A947-70E740481C1C}">
-                <a14:useLocalDpi xmlns:a14="http://schemas.microsoft.com/office/drawing/2010/main" val="0"/>
-              </a:ext>
-            </a:extLst>
-          </a:blip>
-          <a:stretch>
-            <a:fillRect/>
-          </a:stretch>
-        </p:blipFill>
-        <p:spPr>
-          <a:xfrm>
-            <a:off x="7535322" y="1421858"/>
-            <a:ext cx="2446878" cy="2320588"/>
-          </a:xfrm>
-        </p:spPr>
-      </p:pic>
-      <p:sp>
-        <p:nvSpPr>
-          <p:cNvPr id="76" name="Textfeld 75"/>
-          <p:cNvSpPr txBox="1"/>
-          <p:nvPr/>
-        </p:nvSpPr>
-        <p:spPr>
-          <a:xfrm>
-            <a:off x="5733028" y="3928860"/>
-            <a:ext cx="6051465" cy="646331"/>
-          </a:xfrm>
-          <a:prstGeom prst="rect">
-            <a:avLst/>
-          </a:prstGeom>
-          <a:noFill/>
-        </p:spPr>
-        <p:txBody>
-          <a:bodyPr wrap="none" rtlCol="0">
-            <a:spAutoFit/>
-          </a:bodyPr>
-          <a:lstStyle/>
-          <a:p>
-            <a:r>
-              <a:rPr lang="de-DE" dirty="0" smtClean="0"/>
-              <a:t>Die Schlange ist ein Objekt, bestehend aus einem Würfel-Array</a:t>
-            </a:r>
-          </a:p>
-          <a:p>
-            <a:r>
-              <a:rPr lang="de-DE" dirty="0" smtClean="0"/>
-              <a:t>und mehreren Funktionen.</a:t>
-            </a:r>
-            <a:endParaRPr lang="de-DE" dirty="0"/>
-          </a:p>
-        </p:txBody>
-      </p:sp>
     </p:spTree>
     <p:extLst>
       <p:ext uri="{BB962C8B-B14F-4D97-AF65-F5344CB8AC3E}">
-        <p14:creationId xmlns:p14="http://schemas.microsoft.com/office/powerpoint/2010/main" val="4102112347"/>
+        <p14:creationId xmlns:p14="http://schemas.microsoft.com/office/powerpoint/2010/main" val="1253214192"/>
       </p:ext>
     </p:extLst>
   </p:cSld>

--- a/FinalePräsentation.pptx
+++ b/FinalePräsentation.pptx
@@ -5,7 +5,7 @@
     <p:sldMasterId id="2147483648" r:id="rId1"/>
   </p:sldMasterIdLst>
   <p:notesMasterIdLst>
-    <p:notesMasterId r:id="rId31"/>
+    <p:notesMasterId r:id="rId27"/>
   </p:notesMasterIdLst>
   <p:sldIdLst>
     <p:sldId id="256" r:id="rId2"/>
@@ -19,24 +19,20 @@
     <p:sldId id="289" r:id="rId10"/>
     <p:sldId id="290" r:id="rId11"/>
     <p:sldId id="297" r:id="rId12"/>
-    <p:sldId id="291" r:id="rId13"/>
-    <p:sldId id="292" r:id="rId14"/>
-    <p:sldId id="293" r:id="rId15"/>
-    <p:sldId id="294" r:id="rId16"/>
-    <p:sldId id="295" r:id="rId17"/>
-    <p:sldId id="296" r:id="rId18"/>
-    <p:sldId id="271" r:id="rId19"/>
-    <p:sldId id="270" r:id="rId20"/>
-    <p:sldId id="268" r:id="rId21"/>
-    <p:sldId id="272" r:id="rId22"/>
-    <p:sldId id="269" r:id="rId23"/>
-    <p:sldId id="273" r:id="rId24"/>
-    <p:sldId id="263" r:id="rId25"/>
-    <p:sldId id="274" r:id="rId26"/>
-    <p:sldId id="275" r:id="rId27"/>
-    <p:sldId id="258" r:id="rId28"/>
-    <p:sldId id="266" r:id="rId29"/>
-    <p:sldId id="264" r:id="rId30"/>
+    <p:sldId id="299" r:id="rId13"/>
+    <p:sldId id="291" r:id="rId14"/>
+    <p:sldId id="298" r:id="rId15"/>
+    <p:sldId id="292" r:id="rId16"/>
+    <p:sldId id="300" r:id="rId17"/>
+    <p:sldId id="293" r:id="rId18"/>
+    <p:sldId id="294" r:id="rId19"/>
+    <p:sldId id="295" r:id="rId20"/>
+    <p:sldId id="296" r:id="rId21"/>
+    <p:sldId id="263" r:id="rId22"/>
+    <p:sldId id="274" r:id="rId23"/>
+    <p:sldId id="275" r:id="rId24"/>
+    <p:sldId id="258" r:id="rId25"/>
+    <p:sldId id="264" r:id="rId26"/>
   </p:sldIdLst>
   <p:sldSz cx="12192000" cy="6858000"/>
   <p:notesSz cx="6858000" cy="9144000"/>
@@ -4253,8 +4249,12 @@
               <a:buChar char="•"/>
             </a:pPr>
             <a:r>
-              <a:rPr lang="de-DE" dirty="0" smtClean="0"/>
-              <a:t>Enthält die Kollisionserkennung für sich selbst, das Futter, die Diätpille, die Speerfalle, die fallenden Steine und für den Rand des Spielfeldes.</a:t>
+              <a:rPr lang="de-DE" dirty="0"/>
+              <a:t>Eigentlich wird nur der Kopf gesteuert, und die nachfolgenden Würfel übernehmen nur die Position vom Vorgänger Würfel</a:t>
+            </a:r>
+            <a:r>
+              <a:rPr lang="de-DE" dirty="0" smtClean="0"/>
+              <a:t>.</a:t>
             </a:r>
             <a:endParaRPr lang="de-DE" dirty="0"/>
           </a:p>
@@ -5060,7 +5060,7 @@
         <p:spPr>
           <a:xfrm>
             <a:off x="5442450" y="4109112"/>
-            <a:ext cx="6065949" cy="2031325"/>
+            <a:ext cx="6065949" cy="1477328"/>
           </a:xfrm>
           <a:prstGeom prst="rect">
             <a:avLst/>
@@ -5079,8 +5079,17 @@
             </a:pPr>
             <a:r>
               <a:rPr lang="de-DE" dirty="0" smtClean="0"/>
-              <a:t>Eigentlich wird nur der Kopf gesteuert, und die nachfolgenden Würfel übernehmen nur die Position vom Vorgänger Würfel.</a:t>
-            </a:r>
+              <a:t>Enthält die notwendige Steuerungserkennung, wenn mit den </a:t>
+            </a:r>
+            <a:r>
+              <a:rPr lang="de-DE" dirty="0"/>
+              <a:t>Pfeiltasten oder W, A, S, D </a:t>
+            </a:r>
+            <a:r>
+              <a:rPr lang="de-DE" dirty="0" smtClean="0"/>
+              <a:t>gesteuert wird.</a:t>
+            </a:r>
+            <a:endParaRPr lang="de-DE" dirty="0"/>
           </a:p>
           <a:p>
             <a:pPr marL="285750" indent="-285750">
@@ -5096,7 +5105,15 @@
             </a:pPr>
             <a:r>
               <a:rPr lang="de-DE" dirty="0"/>
-              <a:t>Kann man mit den Pfeiltasten oder W, A, S, D steuern.</a:t>
+              <a:t>Schlange wird durch </a:t>
+            </a:r>
+            <a:r>
+              <a:rPr lang="de-DE" dirty="0" err="1"/>
+              <a:t>SetIntervall</a:t>
+            </a:r>
+            <a:r>
+              <a:rPr lang="de-DE" dirty="0"/>
+              <a:t>-Funktion ständig bewegt</a:t>
             </a:r>
           </a:p>
           <a:p>
@@ -5105,24 +5122,6 @@
               <a:buChar char="•"/>
             </a:pPr>
             <a:endParaRPr lang="de-DE" dirty="0" smtClean="0"/>
-          </a:p>
-          <a:p>
-            <a:pPr marL="285750" indent="-285750">
-              <a:buFont typeface="Arial" panose="020B0604020202020204" pitchFamily="34" charset="0"/>
-              <a:buChar char="•"/>
-            </a:pPr>
-            <a:r>
-              <a:rPr lang="de-DE" dirty="0" smtClean="0"/>
-              <a:t>Schlange wird durch </a:t>
-            </a:r>
-            <a:r>
-              <a:rPr lang="de-DE" dirty="0" err="1" smtClean="0"/>
-              <a:t>SetIntervall</a:t>
-            </a:r>
-            <a:r>
-              <a:rPr lang="de-DE" dirty="0" smtClean="0"/>
-              <a:t>-Funktion ständig bewegt.</a:t>
-            </a:r>
           </a:p>
         </p:txBody>
       </p:sp>
@@ -5322,290 +5321,6 @@
           <a:prstGeom prst="rect">
             <a:avLst/>
           </a:prstGeom>
-        </p:spPr>
-        <p:style>
-          <a:lnRef idx="2">
-            <a:schemeClr val="accent1">
-              <a:shade val="50000"/>
-            </a:schemeClr>
-          </a:lnRef>
-          <a:fillRef idx="1">
-            <a:schemeClr val="accent1"/>
-          </a:fillRef>
-          <a:effectRef idx="0">
-            <a:schemeClr val="accent1"/>
-          </a:effectRef>
-          <a:fontRef idx="minor">
-            <a:schemeClr val="lt1"/>
-          </a:fontRef>
-        </p:style>
-        <p:txBody>
-          <a:bodyPr rtlCol="0" anchor="ctr"/>
-          <a:lstStyle/>
-          <a:p>
-            <a:pPr algn="ctr"/>
-            <a:r>
-              <a:rPr lang="de-DE" dirty="0" smtClean="0"/>
-              <a:t>Schlange</a:t>
-            </a:r>
-            <a:endParaRPr lang="de-DE" dirty="0"/>
-          </a:p>
-        </p:txBody>
-      </p:sp>
-      <p:sp>
-        <p:nvSpPr>
-          <p:cNvPr id="7" name="Rechteck 6"/>
-          <p:cNvSpPr/>
-          <p:nvPr/>
-        </p:nvSpPr>
-        <p:spPr>
-          <a:xfrm>
-            <a:off x="1998371" y="3565112"/>
-            <a:ext cx="2163651" cy="463640"/>
-          </a:xfrm>
-          <a:prstGeom prst="rect">
-            <a:avLst/>
-          </a:prstGeom>
-        </p:spPr>
-        <p:style>
-          <a:lnRef idx="2">
-            <a:schemeClr val="accent1">
-              <a:shade val="50000"/>
-            </a:schemeClr>
-          </a:lnRef>
-          <a:fillRef idx="1">
-            <a:schemeClr val="accent1"/>
-          </a:fillRef>
-          <a:effectRef idx="0">
-            <a:schemeClr val="accent1"/>
-          </a:effectRef>
-          <a:fontRef idx="minor">
-            <a:schemeClr val="lt1"/>
-          </a:fontRef>
-        </p:style>
-        <p:txBody>
-          <a:bodyPr rtlCol="0" anchor="ctr"/>
-          <a:lstStyle/>
-          <a:p>
-            <a:pPr algn="ctr"/>
-            <a:r>
-              <a:rPr lang="de-DE" dirty="0" smtClean="0"/>
-              <a:t>Speerfalle</a:t>
-            </a:r>
-            <a:endParaRPr lang="de-DE" dirty="0"/>
-          </a:p>
-        </p:txBody>
-      </p:sp>
-      <p:sp>
-        <p:nvSpPr>
-          <p:cNvPr id="8" name="Rechteck 7"/>
-          <p:cNvSpPr/>
-          <p:nvPr/>
-        </p:nvSpPr>
-        <p:spPr>
-          <a:xfrm>
-            <a:off x="1998371" y="4229034"/>
-            <a:ext cx="2163651" cy="463640"/>
-          </a:xfrm>
-          <a:prstGeom prst="rect">
-            <a:avLst/>
-          </a:prstGeom>
-        </p:spPr>
-        <p:style>
-          <a:lnRef idx="2">
-            <a:schemeClr val="accent1">
-              <a:shade val="50000"/>
-            </a:schemeClr>
-          </a:lnRef>
-          <a:fillRef idx="1">
-            <a:schemeClr val="accent1"/>
-          </a:fillRef>
-          <a:effectRef idx="0">
-            <a:schemeClr val="accent1"/>
-          </a:effectRef>
-          <a:fontRef idx="minor">
-            <a:schemeClr val="lt1"/>
-          </a:fontRef>
-        </p:style>
-        <p:txBody>
-          <a:bodyPr rtlCol="0" anchor="ctr"/>
-          <a:lstStyle/>
-          <a:p>
-            <a:pPr algn="ctr"/>
-            <a:r>
-              <a:rPr lang="de-DE" dirty="0" smtClean="0"/>
-              <a:t>Fallende Steine</a:t>
-            </a:r>
-            <a:endParaRPr lang="de-DE" dirty="0"/>
-          </a:p>
-        </p:txBody>
-      </p:sp>
-      <p:sp>
-        <p:nvSpPr>
-          <p:cNvPr id="9" name="Rechteck 8"/>
-          <p:cNvSpPr/>
-          <p:nvPr/>
-        </p:nvSpPr>
-        <p:spPr>
-          <a:xfrm>
-            <a:off x="1998370" y="5556878"/>
-            <a:ext cx="2163651" cy="463640"/>
-          </a:xfrm>
-          <a:prstGeom prst="rect">
-            <a:avLst/>
-          </a:prstGeom>
-        </p:spPr>
-        <p:style>
-          <a:lnRef idx="2">
-            <a:schemeClr val="accent1">
-              <a:shade val="50000"/>
-            </a:schemeClr>
-          </a:lnRef>
-          <a:fillRef idx="1">
-            <a:schemeClr val="accent1"/>
-          </a:fillRef>
-          <a:effectRef idx="0">
-            <a:schemeClr val="accent1"/>
-          </a:effectRef>
-          <a:fontRef idx="minor">
-            <a:schemeClr val="lt1"/>
-          </a:fontRef>
-        </p:style>
-        <p:txBody>
-          <a:bodyPr rtlCol="0" anchor="ctr"/>
-          <a:lstStyle/>
-          <a:p>
-            <a:pPr algn="ctr"/>
-            <a:r>
-              <a:rPr lang="de-DE" dirty="0" smtClean="0"/>
-              <a:t>Futter</a:t>
-            </a:r>
-            <a:endParaRPr lang="de-DE" dirty="0"/>
-          </a:p>
-        </p:txBody>
-      </p:sp>
-      <p:sp>
-        <p:nvSpPr>
-          <p:cNvPr id="10" name="Rechteck 9"/>
-          <p:cNvSpPr/>
-          <p:nvPr/>
-        </p:nvSpPr>
-        <p:spPr>
-          <a:xfrm>
-            <a:off x="1998370" y="4892956"/>
-            <a:ext cx="2163651" cy="463640"/>
-          </a:xfrm>
-          <a:prstGeom prst="rect">
-            <a:avLst/>
-          </a:prstGeom>
-        </p:spPr>
-        <p:style>
-          <a:lnRef idx="2">
-            <a:schemeClr val="accent1">
-              <a:shade val="50000"/>
-            </a:schemeClr>
-          </a:lnRef>
-          <a:fillRef idx="1">
-            <a:schemeClr val="accent1"/>
-          </a:fillRef>
-          <a:effectRef idx="0">
-            <a:schemeClr val="accent1"/>
-          </a:effectRef>
-          <a:fontRef idx="minor">
-            <a:schemeClr val="lt1"/>
-          </a:fontRef>
-        </p:style>
-        <p:txBody>
-          <a:bodyPr rtlCol="0" anchor="ctr"/>
-          <a:lstStyle/>
-          <a:p>
-            <a:pPr algn="ctr"/>
-            <a:r>
-              <a:rPr lang="de-DE" dirty="0" smtClean="0"/>
-              <a:t>Diätpille</a:t>
-            </a:r>
-            <a:endParaRPr lang="de-DE" dirty="0"/>
-          </a:p>
-        </p:txBody>
-      </p:sp>
-      <p:cxnSp>
-        <p:nvCxnSpPr>
-          <p:cNvPr id="12" name="Gerader Verbinder 11"/>
-          <p:cNvCxnSpPr>
-            <a:stCxn id="5" idx="2"/>
-          </p:cNvCxnSpPr>
-          <p:nvPr/>
-        </p:nvCxnSpPr>
-        <p:spPr>
-          <a:xfrm>
-            <a:off x="1429555" y="2038610"/>
-            <a:ext cx="0" cy="4414008"/>
-          </a:xfrm>
-          <a:prstGeom prst="line">
-            <a:avLst/>
-          </a:prstGeom>
-        </p:spPr>
-        <p:style>
-          <a:lnRef idx="1">
-            <a:schemeClr val="accent1"/>
-          </a:lnRef>
-          <a:fillRef idx="0">
-            <a:schemeClr val="accent1"/>
-          </a:fillRef>
-          <a:effectRef idx="0">
-            <a:schemeClr val="accent1"/>
-          </a:effectRef>
-          <a:fontRef idx="minor">
-            <a:schemeClr val="tx1"/>
-          </a:fontRef>
-        </p:style>
-      </p:cxnSp>
-      <p:cxnSp>
-        <p:nvCxnSpPr>
-          <p:cNvPr id="14" name="Gerader Verbinder 13"/>
-          <p:cNvCxnSpPr>
-            <a:stCxn id="6" idx="1"/>
-          </p:cNvCxnSpPr>
-          <p:nvPr/>
-        </p:nvCxnSpPr>
-        <p:spPr>
-          <a:xfrm flipH="1">
-            <a:off x="1429555" y="2460790"/>
-            <a:ext cx="568817" cy="0"/>
-          </a:xfrm>
-          <a:prstGeom prst="line">
-            <a:avLst/>
-          </a:prstGeom>
-        </p:spPr>
-        <p:style>
-          <a:lnRef idx="1">
-            <a:schemeClr val="accent1"/>
-          </a:lnRef>
-          <a:fillRef idx="0">
-            <a:schemeClr val="accent1"/>
-          </a:fillRef>
-          <a:effectRef idx="0">
-            <a:schemeClr val="accent1"/>
-          </a:effectRef>
-          <a:fontRef idx="minor">
-            <a:schemeClr val="tx1"/>
-          </a:fontRef>
-        </p:style>
-      </p:cxnSp>
-      <p:sp>
-        <p:nvSpPr>
-          <p:cNvPr id="15" name="Rechteck 14"/>
-          <p:cNvSpPr/>
-          <p:nvPr/>
-        </p:nvSpPr>
-        <p:spPr>
-          <a:xfrm>
-            <a:off x="1998372" y="2892893"/>
-            <a:ext cx="2163651" cy="463640"/>
-          </a:xfrm>
-          <a:prstGeom prst="rect">
-            <a:avLst/>
-          </a:prstGeom>
           <a:solidFill>
             <a:srgbClr val="FFC000"/>
           </a:solidFill>
@@ -5642,13 +5357,297 @@
                   <a:schemeClr val="tx1"/>
                 </a:solidFill>
               </a:rPr>
-              <a:t>Spielfeld</a:t>
+              <a:t>Schlange</a:t>
             </a:r>
             <a:endParaRPr lang="de-DE" dirty="0">
               <a:solidFill>
                 <a:schemeClr val="tx1"/>
               </a:solidFill>
             </a:endParaRPr>
+          </a:p>
+        </p:txBody>
+      </p:sp>
+      <p:sp>
+        <p:nvSpPr>
+          <p:cNvPr id="7" name="Rechteck 6"/>
+          <p:cNvSpPr/>
+          <p:nvPr/>
+        </p:nvSpPr>
+        <p:spPr>
+          <a:xfrm>
+            <a:off x="1998371" y="3565112"/>
+            <a:ext cx="2163651" cy="463640"/>
+          </a:xfrm>
+          <a:prstGeom prst="rect">
+            <a:avLst/>
+          </a:prstGeom>
+        </p:spPr>
+        <p:style>
+          <a:lnRef idx="2">
+            <a:schemeClr val="accent1">
+              <a:shade val="50000"/>
+            </a:schemeClr>
+          </a:lnRef>
+          <a:fillRef idx="1">
+            <a:schemeClr val="accent1"/>
+          </a:fillRef>
+          <a:effectRef idx="0">
+            <a:schemeClr val="accent1"/>
+          </a:effectRef>
+          <a:fontRef idx="minor">
+            <a:schemeClr val="lt1"/>
+          </a:fontRef>
+        </p:style>
+        <p:txBody>
+          <a:bodyPr rtlCol="0" anchor="ctr"/>
+          <a:lstStyle/>
+          <a:p>
+            <a:pPr algn="ctr"/>
+            <a:r>
+              <a:rPr lang="de-DE" dirty="0" smtClean="0"/>
+              <a:t>Speerfalle</a:t>
+            </a:r>
+            <a:endParaRPr lang="de-DE" dirty="0"/>
+          </a:p>
+        </p:txBody>
+      </p:sp>
+      <p:sp>
+        <p:nvSpPr>
+          <p:cNvPr id="8" name="Rechteck 7"/>
+          <p:cNvSpPr/>
+          <p:nvPr/>
+        </p:nvSpPr>
+        <p:spPr>
+          <a:xfrm>
+            <a:off x="1998371" y="4229034"/>
+            <a:ext cx="2163651" cy="463640"/>
+          </a:xfrm>
+          <a:prstGeom prst="rect">
+            <a:avLst/>
+          </a:prstGeom>
+        </p:spPr>
+        <p:style>
+          <a:lnRef idx="2">
+            <a:schemeClr val="accent1">
+              <a:shade val="50000"/>
+            </a:schemeClr>
+          </a:lnRef>
+          <a:fillRef idx="1">
+            <a:schemeClr val="accent1"/>
+          </a:fillRef>
+          <a:effectRef idx="0">
+            <a:schemeClr val="accent1"/>
+          </a:effectRef>
+          <a:fontRef idx="minor">
+            <a:schemeClr val="lt1"/>
+          </a:fontRef>
+        </p:style>
+        <p:txBody>
+          <a:bodyPr rtlCol="0" anchor="ctr"/>
+          <a:lstStyle/>
+          <a:p>
+            <a:pPr algn="ctr"/>
+            <a:r>
+              <a:rPr lang="de-DE" dirty="0" smtClean="0"/>
+              <a:t>Fallende Steine</a:t>
+            </a:r>
+            <a:endParaRPr lang="de-DE" dirty="0"/>
+          </a:p>
+        </p:txBody>
+      </p:sp>
+      <p:sp>
+        <p:nvSpPr>
+          <p:cNvPr id="9" name="Rechteck 8"/>
+          <p:cNvSpPr/>
+          <p:nvPr/>
+        </p:nvSpPr>
+        <p:spPr>
+          <a:xfrm>
+            <a:off x="1998370" y="5556878"/>
+            <a:ext cx="2163651" cy="463640"/>
+          </a:xfrm>
+          <a:prstGeom prst="rect">
+            <a:avLst/>
+          </a:prstGeom>
+        </p:spPr>
+        <p:style>
+          <a:lnRef idx="2">
+            <a:schemeClr val="accent1">
+              <a:shade val="50000"/>
+            </a:schemeClr>
+          </a:lnRef>
+          <a:fillRef idx="1">
+            <a:schemeClr val="accent1"/>
+          </a:fillRef>
+          <a:effectRef idx="0">
+            <a:schemeClr val="accent1"/>
+          </a:effectRef>
+          <a:fontRef idx="minor">
+            <a:schemeClr val="lt1"/>
+          </a:fontRef>
+        </p:style>
+        <p:txBody>
+          <a:bodyPr rtlCol="0" anchor="ctr"/>
+          <a:lstStyle/>
+          <a:p>
+            <a:pPr algn="ctr"/>
+            <a:r>
+              <a:rPr lang="de-DE" dirty="0" smtClean="0"/>
+              <a:t>Futter</a:t>
+            </a:r>
+            <a:endParaRPr lang="de-DE" dirty="0"/>
+          </a:p>
+        </p:txBody>
+      </p:sp>
+      <p:sp>
+        <p:nvSpPr>
+          <p:cNvPr id="10" name="Rechteck 9"/>
+          <p:cNvSpPr/>
+          <p:nvPr/>
+        </p:nvSpPr>
+        <p:spPr>
+          <a:xfrm>
+            <a:off x="1998370" y="4892956"/>
+            <a:ext cx="2163651" cy="463640"/>
+          </a:xfrm>
+          <a:prstGeom prst="rect">
+            <a:avLst/>
+          </a:prstGeom>
+        </p:spPr>
+        <p:style>
+          <a:lnRef idx="2">
+            <a:schemeClr val="accent1">
+              <a:shade val="50000"/>
+            </a:schemeClr>
+          </a:lnRef>
+          <a:fillRef idx="1">
+            <a:schemeClr val="accent1"/>
+          </a:fillRef>
+          <a:effectRef idx="0">
+            <a:schemeClr val="accent1"/>
+          </a:effectRef>
+          <a:fontRef idx="minor">
+            <a:schemeClr val="lt1"/>
+          </a:fontRef>
+        </p:style>
+        <p:txBody>
+          <a:bodyPr rtlCol="0" anchor="ctr"/>
+          <a:lstStyle/>
+          <a:p>
+            <a:pPr algn="ctr"/>
+            <a:r>
+              <a:rPr lang="de-DE" dirty="0" smtClean="0"/>
+              <a:t>Diätpille</a:t>
+            </a:r>
+            <a:endParaRPr lang="de-DE" dirty="0"/>
+          </a:p>
+        </p:txBody>
+      </p:sp>
+      <p:cxnSp>
+        <p:nvCxnSpPr>
+          <p:cNvPr id="12" name="Gerader Verbinder 11"/>
+          <p:cNvCxnSpPr>
+            <a:stCxn id="5" idx="2"/>
+          </p:cNvCxnSpPr>
+          <p:nvPr/>
+        </p:nvCxnSpPr>
+        <p:spPr>
+          <a:xfrm>
+            <a:off x="1429555" y="2038610"/>
+            <a:ext cx="0" cy="4414008"/>
+          </a:xfrm>
+          <a:prstGeom prst="line">
+            <a:avLst/>
+          </a:prstGeom>
+        </p:spPr>
+        <p:style>
+          <a:lnRef idx="1">
+            <a:schemeClr val="accent1"/>
+          </a:lnRef>
+          <a:fillRef idx="0">
+            <a:schemeClr val="accent1"/>
+          </a:fillRef>
+          <a:effectRef idx="0">
+            <a:schemeClr val="accent1"/>
+          </a:effectRef>
+          <a:fontRef idx="minor">
+            <a:schemeClr val="tx1"/>
+          </a:fontRef>
+        </p:style>
+      </p:cxnSp>
+      <p:cxnSp>
+        <p:nvCxnSpPr>
+          <p:cNvPr id="14" name="Gerader Verbinder 13"/>
+          <p:cNvCxnSpPr>
+            <a:stCxn id="6" idx="1"/>
+          </p:cNvCxnSpPr>
+          <p:nvPr/>
+        </p:nvCxnSpPr>
+        <p:spPr>
+          <a:xfrm flipH="1">
+            <a:off x="1429555" y="2460790"/>
+            <a:ext cx="568817" cy="0"/>
+          </a:xfrm>
+          <a:prstGeom prst="line">
+            <a:avLst/>
+          </a:prstGeom>
+        </p:spPr>
+        <p:style>
+          <a:lnRef idx="1">
+            <a:schemeClr val="accent1"/>
+          </a:lnRef>
+          <a:fillRef idx="0">
+            <a:schemeClr val="accent1"/>
+          </a:fillRef>
+          <a:effectRef idx="0">
+            <a:schemeClr val="accent1"/>
+          </a:effectRef>
+          <a:fontRef idx="minor">
+            <a:schemeClr val="tx1"/>
+          </a:fontRef>
+        </p:style>
+      </p:cxnSp>
+      <p:sp>
+        <p:nvSpPr>
+          <p:cNvPr id="15" name="Rechteck 14"/>
+          <p:cNvSpPr/>
+          <p:nvPr/>
+        </p:nvSpPr>
+        <p:spPr>
+          <a:xfrm>
+            <a:off x="1998372" y="2892893"/>
+            <a:ext cx="2163651" cy="463640"/>
+          </a:xfrm>
+          <a:prstGeom prst="rect">
+            <a:avLst/>
+          </a:prstGeom>
+        </p:spPr>
+        <p:style>
+          <a:lnRef idx="2">
+            <a:schemeClr val="accent1">
+              <a:shade val="50000"/>
+            </a:schemeClr>
+          </a:lnRef>
+          <a:fillRef idx="1">
+            <a:schemeClr val="accent1"/>
+          </a:fillRef>
+          <a:effectRef idx="0">
+            <a:schemeClr val="accent1"/>
+          </a:effectRef>
+          <a:fontRef idx="minor">
+            <a:schemeClr val="lt1"/>
+          </a:fontRef>
+        </p:style>
+        <p:txBody>
+          <a:bodyPr rtlCol="0" anchor="ctr"/>
+          <a:lstStyle/>
+          <a:p>
+            <a:pPr algn="ctr"/>
+            <a:r>
+              <a:rPr lang="de-DE" dirty="0" smtClean="0"/>
+              <a:t>Spielfeld</a:t>
+            </a:r>
+            <a:endParaRPr lang="de-DE" dirty="0"/>
           </a:p>
         </p:txBody>
       </p:sp>
@@ -5888,15 +5887,128 @@
           </a:fontRef>
         </p:style>
       </p:cxnSp>
+      <p:sp>
+        <p:nvSpPr>
+          <p:cNvPr id="3" name="Textfeld 2"/>
+          <p:cNvSpPr txBox="1"/>
+          <p:nvPr/>
+        </p:nvSpPr>
+        <p:spPr>
+          <a:xfrm>
+            <a:off x="5442450" y="4109112"/>
+            <a:ext cx="6065949" cy="1477328"/>
+          </a:xfrm>
+          <a:prstGeom prst="rect">
+            <a:avLst/>
+          </a:prstGeom>
+          <a:noFill/>
+        </p:spPr>
+        <p:txBody>
+          <a:bodyPr wrap="square" rtlCol="0">
+            <a:spAutoFit/>
+          </a:bodyPr>
+          <a:lstStyle/>
+          <a:p>
+            <a:pPr marL="285750" indent="-285750">
+              <a:buFont typeface="Arial" panose="020B0604020202020204" pitchFamily="34" charset="0"/>
+              <a:buChar char="•"/>
+            </a:pPr>
+            <a:r>
+              <a:rPr lang="de-DE" dirty="0" smtClean="0"/>
+              <a:t>Ist ein Objekt mit Array-Attribut, welches Würfel speichert</a:t>
+            </a:r>
+          </a:p>
+          <a:p>
+            <a:endParaRPr lang="de-DE" dirty="0"/>
+          </a:p>
+          <a:p>
+            <a:pPr marL="285750" indent="-285750">
+              <a:buFont typeface="Arial" panose="020B0604020202020204" pitchFamily="34" charset="0"/>
+              <a:buChar char="•"/>
+            </a:pPr>
+            <a:r>
+              <a:rPr lang="de-DE" dirty="0" smtClean="0"/>
+              <a:t>Enthält die Kollisionserkennung für sich selbst, das Futter, die Diätpille, die Speerfalle, die fallenden Steine und für den Rand des Spielfeldes.</a:t>
+            </a:r>
+            <a:endParaRPr lang="de-DE" dirty="0"/>
+          </a:p>
+        </p:txBody>
+      </p:sp>
+      <p:sp>
+        <p:nvSpPr>
+          <p:cNvPr id="11" name="Textfeld 10"/>
+          <p:cNvSpPr txBox="1"/>
+          <p:nvPr/>
+        </p:nvSpPr>
+        <p:spPr>
+          <a:xfrm>
+            <a:off x="6945575" y="3747995"/>
+            <a:ext cx="2724847" cy="415498"/>
+          </a:xfrm>
+          <a:prstGeom prst="rect">
+            <a:avLst/>
+          </a:prstGeom>
+          <a:noFill/>
+        </p:spPr>
+        <p:txBody>
+          <a:bodyPr wrap="square" rtlCol="0">
+            <a:spAutoFit/>
+          </a:bodyPr>
+          <a:lstStyle/>
+          <a:p>
+            <a:r>
+              <a:rPr lang="de-DE" sz="1050" i="1" dirty="0" smtClean="0">
+                <a:solidFill>
+                  <a:schemeClr val="tx1">
+                    <a:lumMod val="50000"/>
+                    <a:lumOff val="50000"/>
+                  </a:schemeClr>
+                </a:solidFill>
+              </a:rPr>
+              <a:t>Schlange ist mit sich selbst kollidiert </a:t>
+            </a:r>
+          </a:p>
+          <a:p>
+            <a:r>
+              <a:rPr lang="de-DE" sz="1050" i="1" dirty="0" smtClean="0">
+                <a:solidFill>
+                  <a:schemeClr val="tx1">
+                    <a:lumMod val="50000"/>
+                    <a:lumOff val="50000"/>
+                  </a:schemeClr>
+                </a:solidFill>
+              </a:rPr>
+              <a:t>(Stand</a:t>
+            </a:r>
+            <a:r>
+              <a:rPr lang="de-DE" sz="1050" i="1" dirty="0" smtClean="0">
+                <a:solidFill>
+                  <a:schemeClr val="tx1">
+                    <a:lumMod val="50000"/>
+                    <a:lumOff val="50000"/>
+                  </a:schemeClr>
+                </a:solidFill>
+              </a:rPr>
+              <a:t>: 29.09.2015)</a:t>
+            </a:r>
+            <a:endParaRPr lang="de-DE" sz="1050" i="1" dirty="0">
+              <a:solidFill>
+                <a:schemeClr val="tx1">
+                  <a:lumMod val="50000"/>
+                  <a:lumOff val="50000"/>
+                </a:schemeClr>
+              </a:solidFill>
+            </a:endParaRPr>
+          </a:p>
+        </p:txBody>
+      </p:sp>
       <p:pic>
         <p:nvPicPr>
-          <p:cNvPr id="21" name="Inhaltsplatzhalter 4"/>
+          <p:cNvPr id="23" name="Inhaltsplatzhalter 4"/>
           <p:cNvPicPr>
-            <a:picLocks noGrp="1" noChangeAspect="1"/>
+            <a:picLocks noChangeAspect="1"/>
           </p:cNvPicPr>
-          <p:nvPr>
-            <p:ph idx="1"/>
-          </p:nvPr>
+          <p:nvPr/>
         </p:nvPicPr>
         <p:blipFill>
           <a:blip r:embed="rId2">
@@ -5912,62 +6024,18 @@
         </p:blipFill>
         <p:spPr>
           <a:xfrm>
-            <a:off x="5049592" y="1403989"/>
-            <a:ext cx="6026239" cy="1872186"/>
-          </a:xfrm>
+            <a:off x="7048231" y="1403989"/>
+            <a:ext cx="2870380" cy="2316964"/>
+          </a:xfrm>
+          <a:prstGeom prst="rect">
+            <a:avLst/>
+          </a:prstGeom>
         </p:spPr>
       </p:pic>
-      <p:sp>
-        <p:nvSpPr>
-          <p:cNvPr id="3" name="Textfeld 2"/>
-          <p:cNvSpPr txBox="1"/>
-          <p:nvPr/>
-        </p:nvSpPr>
-        <p:spPr>
-          <a:xfrm>
-            <a:off x="5049592" y="3356533"/>
-            <a:ext cx="3688830" cy="530915"/>
-          </a:xfrm>
-          <a:prstGeom prst="rect">
-            <a:avLst/>
-          </a:prstGeom>
-          <a:noFill/>
-        </p:spPr>
-        <p:txBody>
-          <a:bodyPr wrap="none" rtlCol="0">
-            <a:spAutoFit/>
-          </a:bodyPr>
-          <a:lstStyle/>
-          <a:p>
-            <a:r>
-              <a:rPr lang="de-DE" sz="1050" i="1" dirty="0" smtClean="0">
-                <a:solidFill>
-                  <a:schemeClr val="tx1">
-                    <a:lumMod val="50000"/>
-                    <a:lumOff val="50000"/>
-                  </a:schemeClr>
-                </a:solidFill>
-              </a:rPr>
-              <a:t>Nimmersatt und ihr Futter auf dem Spielfeld (Stand: 29.09.2015)</a:t>
-            </a:r>
-            <a:endParaRPr lang="de-DE" sz="1050" i="1" dirty="0">
-              <a:solidFill>
-                <a:schemeClr val="tx1">
-                  <a:lumMod val="50000"/>
-                  <a:lumOff val="50000"/>
-                </a:schemeClr>
-              </a:solidFill>
-            </a:endParaRPr>
-          </a:p>
-          <a:p>
-            <a:endParaRPr lang="de-DE" dirty="0"/>
-          </a:p>
-        </p:txBody>
-      </p:sp>
     </p:spTree>
     <p:extLst>
       <p:ext uri="{BB962C8B-B14F-4D97-AF65-F5344CB8AC3E}">
-        <p14:creationId xmlns:p14="http://schemas.microsoft.com/office/powerpoint/2010/main" val="630567246"/>
+        <p14:creationId xmlns:p14="http://schemas.microsoft.com/office/powerpoint/2010/main" val="3805380894"/>
       </p:ext>
     </p:extLst>
   </p:cSld>
@@ -6160,6 +6228,246 @@
           <a:prstGeom prst="rect">
             <a:avLst/>
           </a:prstGeom>
+        </p:spPr>
+        <p:style>
+          <a:lnRef idx="2">
+            <a:schemeClr val="accent1">
+              <a:shade val="50000"/>
+            </a:schemeClr>
+          </a:lnRef>
+          <a:fillRef idx="1">
+            <a:schemeClr val="accent1"/>
+          </a:fillRef>
+          <a:effectRef idx="0">
+            <a:schemeClr val="accent1"/>
+          </a:effectRef>
+          <a:fontRef idx="minor">
+            <a:schemeClr val="lt1"/>
+          </a:fontRef>
+        </p:style>
+        <p:txBody>
+          <a:bodyPr rtlCol="0" anchor="ctr"/>
+          <a:lstStyle/>
+          <a:p>
+            <a:pPr algn="ctr"/>
+            <a:r>
+              <a:rPr lang="de-DE" dirty="0" smtClean="0"/>
+              <a:t>Speerfalle</a:t>
+            </a:r>
+            <a:endParaRPr lang="de-DE" dirty="0"/>
+          </a:p>
+        </p:txBody>
+      </p:sp>
+      <p:sp>
+        <p:nvSpPr>
+          <p:cNvPr id="8" name="Rechteck 7"/>
+          <p:cNvSpPr/>
+          <p:nvPr/>
+        </p:nvSpPr>
+        <p:spPr>
+          <a:xfrm>
+            <a:off x="1998371" y="4229034"/>
+            <a:ext cx="2163651" cy="463640"/>
+          </a:xfrm>
+          <a:prstGeom prst="rect">
+            <a:avLst/>
+          </a:prstGeom>
+        </p:spPr>
+        <p:style>
+          <a:lnRef idx="2">
+            <a:schemeClr val="accent1">
+              <a:shade val="50000"/>
+            </a:schemeClr>
+          </a:lnRef>
+          <a:fillRef idx="1">
+            <a:schemeClr val="accent1"/>
+          </a:fillRef>
+          <a:effectRef idx="0">
+            <a:schemeClr val="accent1"/>
+          </a:effectRef>
+          <a:fontRef idx="minor">
+            <a:schemeClr val="lt1"/>
+          </a:fontRef>
+        </p:style>
+        <p:txBody>
+          <a:bodyPr rtlCol="0" anchor="ctr"/>
+          <a:lstStyle/>
+          <a:p>
+            <a:pPr algn="ctr"/>
+            <a:r>
+              <a:rPr lang="de-DE" dirty="0" smtClean="0"/>
+              <a:t>Fallende Steine</a:t>
+            </a:r>
+            <a:endParaRPr lang="de-DE" dirty="0"/>
+          </a:p>
+        </p:txBody>
+      </p:sp>
+      <p:sp>
+        <p:nvSpPr>
+          <p:cNvPr id="9" name="Rechteck 8"/>
+          <p:cNvSpPr/>
+          <p:nvPr/>
+        </p:nvSpPr>
+        <p:spPr>
+          <a:xfrm>
+            <a:off x="1998370" y="5556878"/>
+            <a:ext cx="2163651" cy="463640"/>
+          </a:xfrm>
+          <a:prstGeom prst="rect">
+            <a:avLst/>
+          </a:prstGeom>
+        </p:spPr>
+        <p:style>
+          <a:lnRef idx="2">
+            <a:schemeClr val="accent1">
+              <a:shade val="50000"/>
+            </a:schemeClr>
+          </a:lnRef>
+          <a:fillRef idx="1">
+            <a:schemeClr val="accent1"/>
+          </a:fillRef>
+          <a:effectRef idx="0">
+            <a:schemeClr val="accent1"/>
+          </a:effectRef>
+          <a:fontRef idx="minor">
+            <a:schemeClr val="lt1"/>
+          </a:fontRef>
+        </p:style>
+        <p:txBody>
+          <a:bodyPr rtlCol="0" anchor="ctr"/>
+          <a:lstStyle/>
+          <a:p>
+            <a:pPr algn="ctr"/>
+            <a:r>
+              <a:rPr lang="de-DE" dirty="0" smtClean="0"/>
+              <a:t>Futter</a:t>
+            </a:r>
+            <a:endParaRPr lang="de-DE" dirty="0"/>
+          </a:p>
+        </p:txBody>
+      </p:sp>
+      <p:sp>
+        <p:nvSpPr>
+          <p:cNvPr id="10" name="Rechteck 9"/>
+          <p:cNvSpPr/>
+          <p:nvPr/>
+        </p:nvSpPr>
+        <p:spPr>
+          <a:xfrm>
+            <a:off x="1998370" y="4892956"/>
+            <a:ext cx="2163651" cy="463640"/>
+          </a:xfrm>
+          <a:prstGeom prst="rect">
+            <a:avLst/>
+          </a:prstGeom>
+        </p:spPr>
+        <p:style>
+          <a:lnRef idx="2">
+            <a:schemeClr val="accent1">
+              <a:shade val="50000"/>
+            </a:schemeClr>
+          </a:lnRef>
+          <a:fillRef idx="1">
+            <a:schemeClr val="accent1"/>
+          </a:fillRef>
+          <a:effectRef idx="0">
+            <a:schemeClr val="accent1"/>
+          </a:effectRef>
+          <a:fontRef idx="minor">
+            <a:schemeClr val="lt1"/>
+          </a:fontRef>
+        </p:style>
+        <p:txBody>
+          <a:bodyPr rtlCol="0" anchor="ctr"/>
+          <a:lstStyle/>
+          <a:p>
+            <a:pPr algn="ctr"/>
+            <a:r>
+              <a:rPr lang="de-DE" dirty="0" smtClean="0"/>
+              <a:t>Diätpille</a:t>
+            </a:r>
+            <a:endParaRPr lang="de-DE" dirty="0"/>
+          </a:p>
+        </p:txBody>
+      </p:sp>
+      <p:cxnSp>
+        <p:nvCxnSpPr>
+          <p:cNvPr id="12" name="Gerader Verbinder 11"/>
+          <p:cNvCxnSpPr>
+            <a:stCxn id="5" idx="2"/>
+          </p:cNvCxnSpPr>
+          <p:nvPr/>
+        </p:nvCxnSpPr>
+        <p:spPr>
+          <a:xfrm>
+            <a:off x="1429555" y="2038610"/>
+            <a:ext cx="0" cy="4414008"/>
+          </a:xfrm>
+          <a:prstGeom prst="line">
+            <a:avLst/>
+          </a:prstGeom>
+        </p:spPr>
+        <p:style>
+          <a:lnRef idx="1">
+            <a:schemeClr val="accent1"/>
+          </a:lnRef>
+          <a:fillRef idx="0">
+            <a:schemeClr val="accent1"/>
+          </a:fillRef>
+          <a:effectRef idx="0">
+            <a:schemeClr val="accent1"/>
+          </a:effectRef>
+          <a:fontRef idx="minor">
+            <a:schemeClr val="tx1"/>
+          </a:fontRef>
+        </p:style>
+      </p:cxnSp>
+      <p:cxnSp>
+        <p:nvCxnSpPr>
+          <p:cNvPr id="14" name="Gerader Verbinder 13"/>
+          <p:cNvCxnSpPr>
+            <a:stCxn id="6" idx="1"/>
+          </p:cNvCxnSpPr>
+          <p:nvPr/>
+        </p:nvCxnSpPr>
+        <p:spPr>
+          <a:xfrm flipH="1">
+            <a:off x="1429555" y="2460790"/>
+            <a:ext cx="568817" cy="0"/>
+          </a:xfrm>
+          <a:prstGeom prst="line">
+            <a:avLst/>
+          </a:prstGeom>
+        </p:spPr>
+        <p:style>
+          <a:lnRef idx="1">
+            <a:schemeClr val="accent1"/>
+          </a:lnRef>
+          <a:fillRef idx="0">
+            <a:schemeClr val="accent1"/>
+          </a:fillRef>
+          <a:effectRef idx="0">
+            <a:schemeClr val="accent1"/>
+          </a:effectRef>
+          <a:fontRef idx="minor">
+            <a:schemeClr val="tx1"/>
+          </a:fontRef>
+        </p:style>
+      </p:cxnSp>
+      <p:sp>
+        <p:nvSpPr>
+          <p:cNvPr id="15" name="Rechteck 14"/>
+          <p:cNvSpPr/>
+          <p:nvPr/>
+        </p:nvSpPr>
+        <p:spPr>
+          <a:xfrm>
+            <a:off x="1998372" y="2892893"/>
+            <a:ext cx="2163651" cy="463640"/>
+          </a:xfrm>
+          <a:prstGeom prst="rect">
+            <a:avLst/>
+          </a:prstGeom>
           <a:solidFill>
             <a:srgbClr val="FFC000"/>
           </a:solidFill>
@@ -6196,253 +6504,13 @@
                   <a:schemeClr val="tx1"/>
                 </a:solidFill>
               </a:rPr>
-              <a:t>Speerfalle</a:t>
+              <a:t>Spielfeld</a:t>
             </a:r>
             <a:endParaRPr lang="de-DE" dirty="0">
               <a:solidFill>
                 <a:schemeClr val="tx1"/>
               </a:solidFill>
             </a:endParaRPr>
-          </a:p>
-        </p:txBody>
-      </p:sp>
-      <p:sp>
-        <p:nvSpPr>
-          <p:cNvPr id="8" name="Rechteck 7"/>
-          <p:cNvSpPr/>
-          <p:nvPr/>
-        </p:nvSpPr>
-        <p:spPr>
-          <a:xfrm>
-            <a:off x="1998371" y="4229034"/>
-            <a:ext cx="2163651" cy="463640"/>
-          </a:xfrm>
-          <a:prstGeom prst="rect">
-            <a:avLst/>
-          </a:prstGeom>
-        </p:spPr>
-        <p:style>
-          <a:lnRef idx="2">
-            <a:schemeClr val="accent1">
-              <a:shade val="50000"/>
-            </a:schemeClr>
-          </a:lnRef>
-          <a:fillRef idx="1">
-            <a:schemeClr val="accent1"/>
-          </a:fillRef>
-          <a:effectRef idx="0">
-            <a:schemeClr val="accent1"/>
-          </a:effectRef>
-          <a:fontRef idx="minor">
-            <a:schemeClr val="lt1"/>
-          </a:fontRef>
-        </p:style>
-        <p:txBody>
-          <a:bodyPr rtlCol="0" anchor="ctr"/>
-          <a:lstStyle/>
-          <a:p>
-            <a:pPr algn="ctr"/>
-            <a:r>
-              <a:rPr lang="de-DE" dirty="0" smtClean="0"/>
-              <a:t>Fallende Steine</a:t>
-            </a:r>
-            <a:endParaRPr lang="de-DE" dirty="0"/>
-          </a:p>
-        </p:txBody>
-      </p:sp>
-      <p:sp>
-        <p:nvSpPr>
-          <p:cNvPr id="9" name="Rechteck 8"/>
-          <p:cNvSpPr/>
-          <p:nvPr/>
-        </p:nvSpPr>
-        <p:spPr>
-          <a:xfrm>
-            <a:off x="1998370" y="5556878"/>
-            <a:ext cx="2163651" cy="463640"/>
-          </a:xfrm>
-          <a:prstGeom prst="rect">
-            <a:avLst/>
-          </a:prstGeom>
-        </p:spPr>
-        <p:style>
-          <a:lnRef idx="2">
-            <a:schemeClr val="accent1">
-              <a:shade val="50000"/>
-            </a:schemeClr>
-          </a:lnRef>
-          <a:fillRef idx="1">
-            <a:schemeClr val="accent1"/>
-          </a:fillRef>
-          <a:effectRef idx="0">
-            <a:schemeClr val="accent1"/>
-          </a:effectRef>
-          <a:fontRef idx="minor">
-            <a:schemeClr val="lt1"/>
-          </a:fontRef>
-        </p:style>
-        <p:txBody>
-          <a:bodyPr rtlCol="0" anchor="ctr"/>
-          <a:lstStyle/>
-          <a:p>
-            <a:pPr algn="ctr"/>
-            <a:r>
-              <a:rPr lang="de-DE" dirty="0" smtClean="0"/>
-              <a:t>Futter</a:t>
-            </a:r>
-            <a:endParaRPr lang="de-DE" dirty="0"/>
-          </a:p>
-        </p:txBody>
-      </p:sp>
-      <p:sp>
-        <p:nvSpPr>
-          <p:cNvPr id="10" name="Rechteck 9"/>
-          <p:cNvSpPr/>
-          <p:nvPr/>
-        </p:nvSpPr>
-        <p:spPr>
-          <a:xfrm>
-            <a:off x="1998370" y="4892956"/>
-            <a:ext cx="2163651" cy="463640"/>
-          </a:xfrm>
-          <a:prstGeom prst="rect">
-            <a:avLst/>
-          </a:prstGeom>
-        </p:spPr>
-        <p:style>
-          <a:lnRef idx="2">
-            <a:schemeClr val="accent1">
-              <a:shade val="50000"/>
-            </a:schemeClr>
-          </a:lnRef>
-          <a:fillRef idx="1">
-            <a:schemeClr val="accent1"/>
-          </a:fillRef>
-          <a:effectRef idx="0">
-            <a:schemeClr val="accent1"/>
-          </a:effectRef>
-          <a:fontRef idx="minor">
-            <a:schemeClr val="lt1"/>
-          </a:fontRef>
-        </p:style>
-        <p:txBody>
-          <a:bodyPr rtlCol="0" anchor="ctr"/>
-          <a:lstStyle/>
-          <a:p>
-            <a:pPr algn="ctr"/>
-            <a:r>
-              <a:rPr lang="de-DE" dirty="0" smtClean="0"/>
-              <a:t>Diätpille</a:t>
-            </a:r>
-            <a:endParaRPr lang="de-DE" dirty="0"/>
-          </a:p>
-        </p:txBody>
-      </p:sp>
-      <p:cxnSp>
-        <p:nvCxnSpPr>
-          <p:cNvPr id="12" name="Gerader Verbinder 11"/>
-          <p:cNvCxnSpPr>
-            <a:stCxn id="5" idx="2"/>
-          </p:cNvCxnSpPr>
-          <p:nvPr/>
-        </p:nvCxnSpPr>
-        <p:spPr>
-          <a:xfrm>
-            <a:off x="1429555" y="2038610"/>
-            <a:ext cx="0" cy="4414008"/>
-          </a:xfrm>
-          <a:prstGeom prst="line">
-            <a:avLst/>
-          </a:prstGeom>
-        </p:spPr>
-        <p:style>
-          <a:lnRef idx="1">
-            <a:schemeClr val="accent1"/>
-          </a:lnRef>
-          <a:fillRef idx="0">
-            <a:schemeClr val="accent1"/>
-          </a:fillRef>
-          <a:effectRef idx="0">
-            <a:schemeClr val="accent1"/>
-          </a:effectRef>
-          <a:fontRef idx="minor">
-            <a:schemeClr val="tx1"/>
-          </a:fontRef>
-        </p:style>
-      </p:cxnSp>
-      <p:cxnSp>
-        <p:nvCxnSpPr>
-          <p:cNvPr id="14" name="Gerader Verbinder 13"/>
-          <p:cNvCxnSpPr>
-            <a:stCxn id="6" idx="1"/>
-          </p:cNvCxnSpPr>
-          <p:nvPr/>
-        </p:nvCxnSpPr>
-        <p:spPr>
-          <a:xfrm flipH="1">
-            <a:off x="1429555" y="2460790"/>
-            <a:ext cx="568817" cy="0"/>
-          </a:xfrm>
-          <a:prstGeom prst="line">
-            <a:avLst/>
-          </a:prstGeom>
-        </p:spPr>
-        <p:style>
-          <a:lnRef idx="1">
-            <a:schemeClr val="accent1"/>
-          </a:lnRef>
-          <a:fillRef idx="0">
-            <a:schemeClr val="accent1"/>
-          </a:fillRef>
-          <a:effectRef idx="0">
-            <a:schemeClr val="accent1"/>
-          </a:effectRef>
-          <a:fontRef idx="minor">
-            <a:schemeClr val="tx1"/>
-          </a:fontRef>
-        </p:style>
-      </p:cxnSp>
-      <p:sp>
-        <p:nvSpPr>
-          <p:cNvPr id="15" name="Rechteck 14"/>
-          <p:cNvSpPr/>
-          <p:nvPr/>
-        </p:nvSpPr>
-        <p:spPr>
-          <a:xfrm>
-            <a:off x="1998372" y="2892893"/>
-            <a:ext cx="2163651" cy="463640"/>
-          </a:xfrm>
-          <a:prstGeom prst="rect">
-            <a:avLst/>
-          </a:prstGeom>
-        </p:spPr>
-        <p:style>
-          <a:lnRef idx="2">
-            <a:schemeClr val="accent1">
-              <a:shade val="50000"/>
-            </a:schemeClr>
-          </a:lnRef>
-          <a:fillRef idx="1">
-            <a:schemeClr val="accent1"/>
-          </a:fillRef>
-          <a:effectRef idx="0">
-            <a:schemeClr val="accent1"/>
-          </a:effectRef>
-          <a:fontRef idx="minor">
-            <a:schemeClr val="lt1"/>
-          </a:fontRef>
-        </p:style>
-        <p:txBody>
-          <a:bodyPr rtlCol="0" anchor="ctr"/>
-          <a:lstStyle/>
-          <a:p>
-            <a:pPr algn="ctr"/>
-            <a:r>
-              <a:rPr lang="de-DE" dirty="0" smtClean="0"/>
-              <a:t>Spielfeld</a:t>
-            </a:r>
-            <a:endParaRPr lang="de-DE" dirty="0"/>
           </a:p>
         </p:txBody>
       </p:sp>
@@ -6682,10 +6750,153 @@
           </a:fontRef>
         </p:style>
       </p:cxnSp>
+      <p:pic>
+        <p:nvPicPr>
+          <p:cNvPr id="21" name="Inhaltsplatzhalter 4"/>
+          <p:cNvPicPr>
+            <a:picLocks noGrp="1" noChangeAspect="1"/>
+          </p:cNvPicPr>
+          <p:nvPr>
+            <p:ph idx="1"/>
+          </p:nvPr>
+        </p:nvPicPr>
+        <p:blipFill>
+          <a:blip r:embed="rId2">
+            <a:extLst>
+              <a:ext uri="{28A0092B-C50C-407E-A947-70E740481C1C}">
+                <a14:useLocalDpi xmlns:a14="http://schemas.microsoft.com/office/drawing/2010/main" val="0"/>
+              </a:ext>
+            </a:extLst>
+          </a:blip>
+          <a:stretch>
+            <a:fillRect/>
+          </a:stretch>
+        </p:blipFill>
+        <p:spPr>
+          <a:xfrm>
+            <a:off x="5049592" y="1403989"/>
+            <a:ext cx="6026239" cy="1872186"/>
+          </a:xfrm>
+        </p:spPr>
+      </p:pic>
+      <p:sp>
+        <p:nvSpPr>
+          <p:cNvPr id="3" name="Textfeld 2"/>
+          <p:cNvSpPr txBox="1"/>
+          <p:nvPr/>
+        </p:nvSpPr>
+        <p:spPr>
+          <a:xfrm>
+            <a:off x="5049592" y="3356533"/>
+            <a:ext cx="3688830" cy="530915"/>
+          </a:xfrm>
+          <a:prstGeom prst="rect">
+            <a:avLst/>
+          </a:prstGeom>
+          <a:noFill/>
+        </p:spPr>
+        <p:txBody>
+          <a:bodyPr wrap="none" rtlCol="0">
+            <a:spAutoFit/>
+          </a:bodyPr>
+          <a:lstStyle/>
+          <a:p>
+            <a:r>
+              <a:rPr lang="de-DE" sz="1050" i="1" dirty="0" smtClean="0">
+                <a:solidFill>
+                  <a:schemeClr val="tx1">
+                    <a:lumMod val="50000"/>
+                    <a:lumOff val="50000"/>
+                  </a:schemeClr>
+                </a:solidFill>
+              </a:rPr>
+              <a:t>Nimmersatt und ihr Futter auf dem Spielfeld (Stand: 29.09.2015)</a:t>
+            </a:r>
+            <a:endParaRPr lang="de-DE" sz="1050" i="1" dirty="0">
+              <a:solidFill>
+                <a:schemeClr val="tx1">
+                  <a:lumMod val="50000"/>
+                  <a:lumOff val="50000"/>
+                </a:schemeClr>
+              </a:solidFill>
+            </a:endParaRPr>
+          </a:p>
+          <a:p>
+            <a:endParaRPr lang="de-DE" dirty="0"/>
+          </a:p>
+        </p:txBody>
+      </p:sp>
+      <p:sp>
+        <p:nvSpPr>
+          <p:cNvPr id="11" name="Textfeld 10"/>
+          <p:cNvSpPr txBox="1"/>
+          <p:nvPr/>
+        </p:nvSpPr>
+        <p:spPr>
+          <a:xfrm>
+            <a:off x="5049592" y="3879268"/>
+            <a:ext cx="5872766" cy="2308324"/>
+          </a:xfrm>
+          <a:prstGeom prst="rect">
+            <a:avLst/>
+          </a:prstGeom>
+          <a:noFill/>
+        </p:spPr>
+        <p:txBody>
+          <a:bodyPr wrap="square" rtlCol="0">
+            <a:spAutoFit/>
+          </a:bodyPr>
+          <a:lstStyle/>
+          <a:p>
+            <a:pPr marL="285750" indent="-285750">
+              <a:buFont typeface="Arial" panose="020B0604020202020204" pitchFamily="34" charset="0"/>
+              <a:buChar char="•"/>
+            </a:pPr>
+            <a:r>
+              <a:rPr lang="de-DE" dirty="0" smtClean="0"/>
+              <a:t>Das Spielfeld ist der Bereich, auf dem sich die Schlange bewegen darf.</a:t>
+            </a:r>
+          </a:p>
+          <a:p>
+            <a:pPr marL="285750" indent="-285750">
+              <a:buFont typeface="Arial" panose="020B0604020202020204" pitchFamily="34" charset="0"/>
+              <a:buChar char="•"/>
+            </a:pPr>
+            <a:endParaRPr lang="de-DE" dirty="0"/>
+          </a:p>
+          <a:p>
+            <a:pPr marL="285750" indent="-285750">
+              <a:buFont typeface="Arial" panose="020B0604020202020204" pitchFamily="34" charset="0"/>
+              <a:buChar char="•"/>
+            </a:pPr>
+            <a:r>
+              <a:rPr lang="de-DE" dirty="0" smtClean="0"/>
+              <a:t>Der Bereich des Spielfelds legt die Koordinaten, die zur Platzierung aller wichtigen Objekte notwendig sind, fest.</a:t>
+            </a:r>
+          </a:p>
+          <a:p>
+            <a:pPr marL="285750" indent="-285750">
+              <a:buFont typeface="Arial" panose="020B0604020202020204" pitchFamily="34" charset="0"/>
+              <a:buChar char="•"/>
+            </a:pPr>
+            <a:endParaRPr lang="de-DE" dirty="0"/>
+          </a:p>
+          <a:p>
+            <a:pPr marL="285750" indent="-285750">
+              <a:buFont typeface="Arial" panose="020B0604020202020204" pitchFamily="34" charset="0"/>
+              <a:buChar char="•"/>
+            </a:pPr>
+            <a:r>
+              <a:rPr lang="de-DE" dirty="0" smtClean="0"/>
+              <a:t>Sobald die Speerfalle ins Spiel kommt, werden Löcher ins Feld reingeschnitten (Siehe Speerfalle).</a:t>
+            </a:r>
+          </a:p>
+        </p:txBody>
+      </p:sp>
     </p:spTree>
     <p:extLst>
       <p:ext uri="{BB962C8B-B14F-4D97-AF65-F5344CB8AC3E}">
-        <p14:creationId xmlns:p14="http://schemas.microsoft.com/office/powerpoint/2010/main" val="205349613"/>
+        <p14:creationId xmlns:p14="http://schemas.microsoft.com/office/powerpoint/2010/main" val="630567246"/>
       </p:ext>
     </p:extLst>
   </p:cSld>
@@ -6922,6 +7133,202 @@
           <a:prstGeom prst="rect">
             <a:avLst/>
           </a:prstGeom>
+        </p:spPr>
+        <p:style>
+          <a:lnRef idx="2">
+            <a:schemeClr val="accent1">
+              <a:shade val="50000"/>
+            </a:schemeClr>
+          </a:lnRef>
+          <a:fillRef idx="1">
+            <a:schemeClr val="accent1"/>
+          </a:fillRef>
+          <a:effectRef idx="0">
+            <a:schemeClr val="accent1"/>
+          </a:effectRef>
+          <a:fontRef idx="minor">
+            <a:schemeClr val="lt1"/>
+          </a:fontRef>
+        </p:style>
+        <p:txBody>
+          <a:bodyPr rtlCol="0" anchor="ctr"/>
+          <a:lstStyle/>
+          <a:p>
+            <a:pPr algn="ctr"/>
+            <a:r>
+              <a:rPr lang="de-DE" dirty="0" smtClean="0"/>
+              <a:t>Fallende Steine</a:t>
+            </a:r>
+            <a:endParaRPr lang="de-DE" dirty="0"/>
+          </a:p>
+        </p:txBody>
+      </p:sp>
+      <p:sp>
+        <p:nvSpPr>
+          <p:cNvPr id="9" name="Rechteck 8"/>
+          <p:cNvSpPr/>
+          <p:nvPr/>
+        </p:nvSpPr>
+        <p:spPr>
+          <a:xfrm>
+            <a:off x="1998370" y="5556878"/>
+            <a:ext cx="2163651" cy="463640"/>
+          </a:xfrm>
+          <a:prstGeom prst="rect">
+            <a:avLst/>
+          </a:prstGeom>
+        </p:spPr>
+        <p:style>
+          <a:lnRef idx="2">
+            <a:schemeClr val="accent1">
+              <a:shade val="50000"/>
+            </a:schemeClr>
+          </a:lnRef>
+          <a:fillRef idx="1">
+            <a:schemeClr val="accent1"/>
+          </a:fillRef>
+          <a:effectRef idx="0">
+            <a:schemeClr val="accent1"/>
+          </a:effectRef>
+          <a:fontRef idx="minor">
+            <a:schemeClr val="lt1"/>
+          </a:fontRef>
+        </p:style>
+        <p:txBody>
+          <a:bodyPr rtlCol="0" anchor="ctr"/>
+          <a:lstStyle/>
+          <a:p>
+            <a:pPr algn="ctr"/>
+            <a:r>
+              <a:rPr lang="de-DE" dirty="0" smtClean="0"/>
+              <a:t>Futter</a:t>
+            </a:r>
+            <a:endParaRPr lang="de-DE" dirty="0"/>
+          </a:p>
+        </p:txBody>
+      </p:sp>
+      <p:sp>
+        <p:nvSpPr>
+          <p:cNvPr id="10" name="Rechteck 9"/>
+          <p:cNvSpPr/>
+          <p:nvPr/>
+        </p:nvSpPr>
+        <p:spPr>
+          <a:xfrm>
+            <a:off x="1998370" y="4892956"/>
+            <a:ext cx="2163651" cy="463640"/>
+          </a:xfrm>
+          <a:prstGeom prst="rect">
+            <a:avLst/>
+          </a:prstGeom>
+        </p:spPr>
+        <p:style>
+          <a:lnRef idx="2">
+            <a:schemeClr val="accent1">
+              <a:shade val="50000"/>
+            </a:schemeClr>
+          </a:lnRef>
+          <a:fillRef idx="1">
+            <a:schemeClr val="accent1"/>
+          </a:fillRef>
+          <a:effectRef idx="0">
+            <a:schemeClr val="accent1"/>
+          </a:effectRef>
+          <a:fontRef idx="minor">
+            <a:schemeClr val="lt1"/>
+          </a:fontRef>
+        </p:style>
+        <p:txBody>
+          <a:bodyPr rtlCol="0" anchor="ctr"/>
+          <a:lstStyle/>
+          <a:p>
+            <a:pPr algn="ctr"/>
+            <a:r>
+              <a:rPr lang="de-DE" dirty="0" smtClean="0"/>
+              <a:t>Diätpille</a:t>
+            </a:r>
+            <a:endParaRPr lang="de-DE" dirty="0"/>
+          </a:p>
+        </p:txBody>
+      </p:sp>
+      <p:cxnSp>
+        <p:nvCxnSpPr>
+          <p:cNvPr id="12" name="Gerader Verbinder 11"/>
+          <p:cNvCxnSpPr>
+            <a:stCxn id="5" idx="2"/>
+          </p:cNvCxnSpPr>
+          <p:nvPr/>
+        </p:nvCxnSpPr>
+        <p:spPr>
+          <a:xfrm>
+            <a:off x="1429555" y="2038610"/>
+            <a:ext cx="0" cy="4414008"/>
+          </a:xfrm>
+          <a:prstGeom prst="line">
+            <a:avLst/>
+          </a:prstGeom>
+        </p:spPr>
+        <p:style>
+          <a:lnRef idx="1">
+            <a:schemeClr val="accent1"/>
+          </a:lnRef>
+          <a:fillRef idx="0">
+            <a:schemeClr val="accent1"/>
+          </a:fillRef>
+          <a:effectRef idx="0">
+            <a:schemeClr val="accent1"/>
+          </a:effectRef>
+          <a:fontRef idx="minor">
+            <a:schemeClr val="tx1"/>
+          </a:fontRef>
+        </p:style>
+      </p:cxnSp>
+      <p:cxnSp>
+        <p:nvCxnSpPr>
+          <p:cNvPr id="14" name="Gerader Verbinder 13"/>
+          <p:cNvCxnSpPr>
+            <a:stCxn id="6" idx="1"/>
+          </p:cNvCxnSpPr>
+          <p:nvPr/>
+        </p:nvCxnSpPr>
+        <p:spPr>
+          <a:xfrm flipH="1">
+            <a:off x="1429555" y="2460790"/>
+            <a:ext cx="568817" cy="0"/>
+          </a:xfrm>
+          <a:prstGeom prst="line">
+            <a:avLst/>
+          </a:prstGeom>
+        </p:spPr>
+        <p:style>
+          <a:lnRef idx="1">
+            <a:schemeClr val="accent1"/>
+          </a:lnRef>
+          <a:fillRef idx="0">
+            <a:schemeClr val="accent1"/>
+          </a:fillRef>
+          <a:effectRef idx="0">
+            <a:schemeClr val="accent1"/>
+          </a:effectRef>
+          <a:fontRef idx="minor">
+            <a:schemeClr val="tx1"/>
+          </a:fontRef>
+        </p:style>
+      </p:cxnSp>
+      <p:sp>
+        <p:nvSpPr>
+          <p:cNvPr id="15" name="Rechteck 14"/>
+          <p:cNvSpPr/>
+          <p:nvPr/>
+        </p:nvSpPr>
+        <p:spPr>
+          <a:xfrm>
+            <a:off x="1998372" y="2892893"/>
+            <a:ext cx="2163651" cy="463640"/>
+          </a:xfrm>
+          <a:prstGeom prst="rect">
+            <a:avLst/>
+          </a:prstGeom>
           <a:solidFill>
             <a:srgbClr val="FFC000"/>
           </a:solidFill>
@@ -6958,209 +7365,13 @@
                   <a:schemeClr val="tx1"/>
                 </a:solidFill>
               </a:rPr>
-              <a:t>Fallende Steine</a:t>
+              <a:t>Spielfeld</a:t>
             </a:r>
             <a:endParaRPr lang="de-DE" dirty="0">
               <a:solidFill>
                 <a:schemeClr val="tx1"/>
               </a:solidFill>
             </a:endParaRPr>
-          </a:p>
-        </p:txBody>
-      </p:sp>
-      <p:sp>
-        <p:nvSpPr>
-          <p:cNvPr id="9" name="Rechteck 8"/>
-          <p:cNvSpPr/>
-          <p:nvPr/>
-        </p:nvSpPr>
-        <p:spPr>
-          <a:xfrm>
-            <a:off x="1998370" y="5556878"/>
-            <a:ext cx="2163651" cy="463640"/>
-          </a:xfrm>
-          <a:prstGeom prst="rect">
-            <a:avLst/>
-          </a:prstGeom>
-        </p:spPr>
-        <p:style>
-          <a:lnRef idx="2">
-            <a:schemeClr val="accent1">
-              <a:shade val="50000"/>
-            </a:schemeClr>
-          </a:lnRef>
-          <a:fillRef idx="1">
-            <a:schemeClr val="accent1"/>
-          </a:fillRef>
-          <a:effectRef idx="0">
-            <a:schemeClr val="accent1"/>
-          </a:effectRef>
-          <a:fontRef idx="minor">
-            <a:schemeClr val="lt1"/>
-          </a:fontRef>
-        </p:style>
-        <p:txBody>
-          <a:bodyPr rtlCol="0" anchor="ctr"/>
-          <a:lstStyle/>
-          <a:p>
-            <a:pPr algn="ctr"/>
-            <a:r>
-              <a:rPr lang="de-DE" dirty="0" smtClean="0"/>
-              <a:t>Futter</a:t>
-            </a:r>
-            <a:endParaRPr lang="de-DE" dirty="0"/>
-          </a:p>
-        </p:txBody>
-      </p:sp>
-      <p:sp>
-        <p:nvSpPr>
-          <p:cNvPr id="10" name="Rechteck 9"/>
-          <p:cNvSpPr/>
-          <p:nvPr/>
-        </p:nvSpPr>
-        <p:spPr>
-          <a:xfrm>
-            <a:off x="1998370" y="4892956"/>
-            <a:ext cx="2163651" cy="463640"/>
-          </a:xfrm>
-          <a:prstGeom prst="rect">
-            <a:avLst/>
-          </a:prstGeom>
-        </p:spPr>
-        <p:style>
-          <a:lnRef idx="2">
-            <a:schemeClr val="accent1">
-              <a:shade val="50000"/>
-            </a:schemeClr>
-          </a:lnRef>
-          <a:fillRef idx="1">
-            <a:schemeClr val="accent1"/>
-          </a:fillRef>
-          <a:effectRef idx="0">
-            <a:schemeClr val="accent1"/>
-          </a:effectRef>
-          <a:fontRef idx="minor">
-            <a:schemeClr val="lt1"/>
-          </a:fontRef>
-        </p:style>
-        <p:txBody>
-          <a:bodyPr rtlCol="0" anchor="ctr"/>
-          <a:lstStyle/>
-          <a:p>
-            <a:pPr algn="ctr"/>
-            <a:r>
-              <a:rPr lang="de-DE" dirty="0" smtClean="0"/>
-              <a:t>Diätpille</a:t>
-            </a:r>
-            <a:endParaRPr lang="de-DE" dirty="0"/>
-          </a:p>
-        </p:txBody>
-      </p:sp>
-      <p:cxnSp>
-        <p:nvCxnSpPr>
-          <p:cNvPr id="12" name="Gerader Verbinder 11"/>
-          <p:cNvCxnSpPr>
-            <a:stCxn id="5" idx="2"/>
-          </p:cNvCxnSpPr>
-          <p:nvPr/>
-        </p:nvCxnSpPr>
-        <p:spPr>
-          <a:xfrm>
-            <a:off x="1429555" y="2038610"/>
-            <a:ext cx="0" cy="4414008"/>
-          </a:xfrm>
-          <a:prstGeom prst="line">
-            <a:avLst/>
-          </a:prstGeom>
-        </p:spPr>
-        <p:style>
-          <a:lnRef idx="1">
-            <a:schemeClr val="accent1"/>
-          </a:lnRef>
-          <a:fillRef idx="0">
-            <a:schemeClr val="accent1"/>
-          </a:fillRef>
-          <a:effectRef idx="0">
-            <a:schemeClr val="accent1"/>
-          </a:effectRef>
-          <a:fontRef idx="minor">
-            <a:schemeClr val="tx1"/>
-          </a:fontRef>
-        </p:style>
-      </p:cxnSp>
-      <p:cxnSp>
-        <p:nvCxnSpPr>
-          <p:cNvPr id="14" name="Gerader Verbinder 13"/>
-          <p:cNvCxnSpPr>
-            <a:stCxn id="6" idx="1"/>
-          </p:cNvCxnSpPr>
-          <p:nvPr/>
-        </p:nvCxnSpPr>
-        <p:spPr>
-          <a:xfrm flipH="1">
-            <a:off x="1429555" y="2460790"/>
-            <a:ext cx="568817" cy="0"/>
-          </a:xfrm>
-          <a:prstGeom prst="line">
-            <a:avLst/>
-          </a:prstGeom>
-        </p:spPr>
-        <p:style>
-          <a:lnRef idx="1">
-            <a:schemeClr val="accent1"/>
-          </a:lnRef>
-          <a:fillRef idx="0">
-            <a:schemeClr val="accent1"/>
-          </a:fillRef>
-          <a:effectRef idx="0">
-            <a:schemeClr val="accent1"/>
-          </a:effectRef>
-          <a:fontRef idx="minor">
-            <a:schemeClr val="tx1"/>
-          </a:fontRef>
-        </p:style>
-      </p:cxnSp>
-      <p:sp>
-        <p:nvSpPr>
-          <p:cNvPr id="15" name="Rechteck 14"/>
-          <p:cNvSpPr/>
-          <p:nvPr/>
-        </p:nvSpPr>
-        <p:spPr>
-          <a:xfrm>
-            <a:off x="1998372" y="2892893"/>
-            <a:ext cx="2163651" cy="463640"/>
-          </a:xfrm>
-          <a:prstGeom prst="rect">
-            <a:avLst/>
-          </a:prstGeom>
-        </p:spPr>
-        <p:style>
-          <a:lnRef idx="2">
-            <a:schemeClr val="accent1">
-              <a:shade val="50000"/>
-            </a:schemeClr>
-          </a:lnRef>
-          <a:fillRef idx="1">
-            <a:schemeClr val="accent1"/>
-          </a:fillRef>
-          <a:effectRef idx="0">
-            <a:schemeClr val="accent1"/>
-          </a:effectRef>
-          <a:fontRef idx="minor">
-            <a:schemeClr val="lt1"/>
-          </a:fontRef>
-        </p:style>
-        <p:txBody>
-          <a:bodyPr rtlCol="0" anchor="ctr"/>
-          <a:lstStyle/>
-          <a:p>
-            <a:pPr algn="ctr"/>
-            <a:r>
-              <a:rPr lang="de-DE" dirty="0" smtClean="0"/>
-              <a:t>Spielfeld</a:t>
-            </a:r>
-            <a:endParaRPr lang="de-DE" dirty="0"/>
           </a:p>
         </p:txBody>
       </p:sp>
@@ -7400,10 +7611,156 @@
           </a:fontRef>
         </p:style>
       </p:cxnSp>
+      <p:sp>
+        <p:nvSpPr>
+          <p:cNvPr id="3" name="Textfeld 2"/>
+          <p:cNvSpPr txBox="1"/>
+          <p:nvPr/>
+        </p:nvSpPr>
+        <p:spPr>
+          <a:xfrm>
+            <a:off x="5049592" y="3356533"/>
+            <a:ext cx="3561008" cy="692497"/>
+          </a:xfrm>
+          <a:prstGeom prst="rect">
+            <a:avLst/>
+          </a:prstGeom>
+          <a:noFill/>
+        </p:spPr>
+        <p:txBody>
+          <a:bodyPr wrap="square" rtlCol="0">
+            <a:spAutoFit/>
+          </a:bodyPr>
+          <a:lstStyle/>
+          <a:p>
+            <a:r>
+              <a:rPr lang="de-DE" sz="1050" i="1" dirty="0" smtClean="0">
+                <a:solidFill>
+                  <a:schemeClr val="tx1">
+                    <a:lumMod val="50000"/>
+                    <a:lumOff val="50000"/>
+                  </a:schemeClr>
+                </a:solidFill>
+              </a:rPr>
+              <a:t>Schlange geht nach oben und kommt von unten w</a:t>
+            </a:r>
+            <a:r>
+              <a:rPr lang="de-DE" sz="1050" i="1" dirty="0" smtClean="0">
+                <a:solidFill>
+                  <a:schemeClr val="tx1">
+                    <a:lumMod val="50000"/>
+                    <a:lumOff val="50000"/>
+                  </a:schemeClr>
+                </a:solidFill>
+              </a:rPr>
+              <a:t>ieder raus </a:t>
+            </a:r>
+            <a:r>
+              <a:rPr lang="de-DE" sz="1050" i="1" dirty="0" smtClean="0">
+                <a:solidFill>
+                  <a:schemeClr val="tx1">
+                    <a:lumMod val="50000"/>
+                    <a:lumOff val="50000"/>
+                  </a:schemeClr>
+                </a:solidFill>
+              </a:rPr>
+              <a:t> (Stand</a:t>
+            </a:r>
+            <a:r>
+              <a:rPr lang="de-DE" sz="1050" i="1" dirty="0" smtClean="0">
+                <a:solidFill>
+                  <a:schemeClr val="tx1">
+                    <a:lumMod val="50000"/>
+                    <a:lumOff val="50000"/>
+                  </a:schemeClr>
+                </a:solidFill>
+              </a:rPr>
+              <a:t>: 29.09.2015)</a:t>
+            </a:r>
+            <a:endParaRPr lang="de-DE" sz="1050" i="1" dirty="0">
+              <a:solidFill>
+                <a:schemeClr val="tx1">
+                  <a:lumMod val="50000"/>
+                  <a:lumOff val="50000"/>
+                </a:schemeClr>
+              </a:solidFill>
+            </a:endParaRPr>
+          </a:p>
+          <a:p>
+            <a:endParaRPr lang="de-DE" dirty="0"/>
+          </a:p>
+        </p:txBody>
+      </p:sp>
+      <p:sp>
+        <p:nvSpPr>
+          <p:cNvPr id="11" name="Textfeld 10"/>
+          <p:cNvSpPr txBox="1"/>
+          <p:nvPr/>
+        </p:nvSpPr>
+        <p:spPr>
+          <a:xfrm>
+            <a:off x="5049592" y="3879268"/>
+            <a:ext cx="5872766" cy="923330"/>
+          </a:xfrm>
+          <a:prstGeom prst="rect">
+            <a:avLst/>
+          </a:prstGeom>
+          <a:noFill/>
+        </p:spPr>
+        <p:txBody>
+          <a:bodyPr wrap="square" rtlCol="0">
+            <a:spAutoFit/>
+          </a:bodyPr>
+          <a:lstStyle/>
+          <a:p>
+            <a:pPr marL="285750" indent="-285750">
+              <a:buFont typeface="Arial" panose="020B0604020202020204" pitchFamily="34" charset="0"/>
+              <a:buChar char="•"/>
+            </a:pPr>
+            <a:r>
+              <a:rPr lang="de-DE" dirty="0" smtClean="0"/>
+              <a:t>Berührt die Schlange den Rand des Spielfelds, so kommt sie aus der gegenüberliegenden Seite wieder raus.</a:t>
+            </a:r>
+          </a:p>
+          <a:p>
+            <a:endParaRPr lang="de-DE" dirty="0"/>
+          </a:p>
+        </p:txBody>
+      </p:sp>
+      <p:pic>
+        <p:nvPicPr>
+          <p:cNvPr id="23" name="Grafik 22"/>
+          <p:cNvPicPr>
+            <a:picLocks noChangeAspect="1"/>
+          </p:cNvPicPr>
+          <p:nvPr/>
+        </p:nvPicPr>
+        <p:blipFill>
+          <a:blip r:embed="rId2">
+            <a:extLst>
+              <a:ext uri="{28A0092B-C50C-407E-A947-70E740481C1C}">
+                <a14:useLocalDpi xmlns:a14="http://schemas.microsoft.com/office/drawing/2010/main" val="0"/>
+              </a:ext>
+            </a:extLst>
+          </a:blip>
+          <a:stretch>
+            <a:fillRect/>
+          </a:stretch>
+        </p:blipFill>
+        <p:spPr>
+          <a:xfrm>
+            <a:off x="5049592" y="1407612"/>
+            <a:ext cx="3561008" cy="1948921"/>
+          </a:xfrm>
+          <a:prstGeom prst="rect">
+            <a:avLst/>
+          </a:prstGeom>
+        </p:spPr>
+      </p:pic>
     </p:spTree>
     <p:extLst>
       <p:ext uri="{BB962C8B-B14F-4D97-AF65-F5344CB8AC3E}">
-        <p14:creationId xmlns:p14="http://schemas.microsoft.com/office/powerpoint/2010/main" val="4190046946"/>
+        <p14:creationId xmlns:p14="http://schemas.microsoft.com/office/powerpoint/2010/main" val="2901843221"/>
       </p:ext>
     </p:extLst>
   </p:cSld>
@@ -7596,138 +7953,6 @@
           <a:prstGeom prst="rect">
             <a:avLst/>
           </a:prstGeom>
-        </p:spPr>
-        <p:style>
-          <a:lnRef idx="2">
-            <a:schemeClr val="accent1">
-              <a:shade val="50000"/>
-            </a:schemeClr>
-          </a:lnRef>
-          <a:fillRef idx="1">
-            <a:schemeClr val="accent1"/>
-          </a:fillRef>
-          <a:effectRef idx="0">
-            <a:schemeClr val="accent1"/>
-          </a:effectRef>
-          <a:fontRef idx="minor">
-            <a:schemeClr val="lt1"/>
-          </a:fontRef>
-        </p:style>
-        <p:txBody>
-          <a:bodyPr rtlCol="0" anchor="ctr"/>
-          <a:lstStyle/>
-          <a:p>
-            <a:pPr algn="ctr"/>
-            <a:r>
-              <a:rPr lang="de-DE" dirty="0" smtClean="0"/>
-              <a:t>Speerfalle</a:t>
-            </a:r>
-            <a:endParaRPr lang="de-DE" dirty="0"/>
-          </a:p>
-        </p:txBody>
-      </p:sp>
-      <p:sp>
-        <p:nvSpPr>
-          <p:cNvPr id="8" name="Rechteck 7"/>
-          <p:cNvSpPr/>
-          <p:nvPr/>
-        </p:nvSpPr>
-        <p:spPr>
-          <a:xfrm>
-            <a:off x="1998371" y="4229034"/>
-            <a:ext cx="2163651" cy="463640"/>
-          </a:xfrm>
-          <a:prstGeom prst="rect">
-            <a:avLst/>
-          </a:prstGeom>
-        </p:spPr>
-        <p:style>
-          <a:lnRef idx="2">
-            <a:schemeClr val="accent1">
-              <a:shade val="50000"/>
-            </a:schemeClr>
-          </a:lnRef>
-          <a:fillRef idx="1">
-            <a:schemeClr val="accent1"/>
-          </a:fillRef>
-          <a:effectRef idx="0">
-            <a:schemeClr val="accent1"/>
-          </a:effectRef>
-          <a:fontRef idx="minor">
-            <a:schemeClr val="lt1"/>
-          </a:fontRef>
-        </p:style>
-        <p:txBody>
-          <a:bodyPr rtlCol="0" anchor="ctr"/>
-          <a:lstStyle/>
-          <a:p>
-            <a:pPr algn="ctr"/>
-            <a:r>
-              <a:rPr lang="de-DE" dirty="0" smtClean="0"/>
-              <a:t>Fallende Steine</a:t>
-            </a:r>
-            <a:endParaRPr lang="de-DE" dirty="0"/>
-          </a:p>
-        </p:txBody>
-      </p:sp>
-      <p:sp>
-        <p:nvSpPr>
-          <p:cNvPr id="9" name="Rechteck 8"/>
-          <p:cNvSpPr/>
-          <p:nvPr/>
-        </p:nvSpPr>
-        <p:spPr>
-          <a:xfrm>
-            <a:off x="1998370" y="5556878"/>
-            <a:ext cx="2163651" cy="463640"/>
-          </a:xfrm>
-          <a:prstGeom prst="rect">
-            <a:avLst/>
-          </a:prstGeom>
-        </p:spPr>
-        <p:style>
-          <a:lnRef idx="2">
-            <a:schemeClr val="accent1">
-              <a:shade val="50000"/>
-            </a:schemeClr>
-          </a:lnRef>
-          <a:fillRef idx="1">
-            <a:schemeClr val="accent1"/>
-          </a:fillRef>
-          <a:effectRef idx="0">
-            <a:schemeClr val="accent1"/>
-          </a:effectRef>
-          <a:fontRef idx="minor">
-            <a:schemeClr val="lt1"/>
-          </a:fontRef>
-        </p:style>
-        <p:txBody>
-          <a:bodyPr rtlCol="0" anchor="ctr"/>
-          <a:lstStyle/>
-          <a:p>
-            <a:pPr algn="ctr"/>
-            <a:r>
-              <a:rPr lang="de-DE" dirty="0" smtClean="0"/>
-              <a:t>Futter</a:t>
-            </a:r>
-            <a:endParaRPr lang="de-DE" dirty="0"/>
-          </a:p>
-        </p:txBody>
-      </p:sp>
-      <p:sp>
-        <p:nvSpPr>
-          <p:cNvPr id="10" name="Rechteck 9"/>
-          <p:cNvSpPr/>
-          <p:nvPr/>
-        </p:nvSpPr>
-        <p:spPr>
-          <a:xfrm>
-            <a:off x="1998370" y="4892956"/>
-            <a:ext cx="2163651" cy="463640"/>
-          </a:xfrm>
-          <a:prstGeom prst="rect">
-            <a:avLst/>
-          </a:prstGeom>
           <a:solidFill>
             <a:srgbClr val="FFC000"/>
           </a:solidFill>
@@ -7764,13 +7989,145 @@
                   <a:schemeClr val="tx1"/>
                 </a:solidFill>
               </a:rPr>
-              <a:t>Diätpille</a:t>
+              <a:t>Speerfalle</a:t>
             </a:r>
             <a:endParaRPr lang="de-DE" dirty="0">
               <a:solidFill>
                 <a:schemeClr val="tx1"/>
               </a:solidFill>
             </a:endParaRPr>
+          </a:p>
+        </p:txBody>
+      </p:sp>
+      <p:sp>
+        <p:nvSpPr>
+          <p:cNvPr id="8" name="Rechteck 7"/>
+          <p:cNvSpPr/>
+          <p:nvPr/>
+        </p:nvSpPr>
+        <p:spPr>
+          <a:xfrm>
+            <a:off x="1998371" y="4229034"/>
+            <a:ext cx="2163651" cy="463640"/>
+          </a:xfrm>
+          <a:prstGeom prst="rect">
+            <a:avLst/>
+          </a:prstGeom>
+        </p:spPr>
+        <p:style>
+          <a:lnRef idx="2">
+            <a:schemeClr val="accent1">
+              <a:shade val="50000"/>
+            </a:schemeClr>
+          </a:lnRef>
+          <a:fillRef idx="1">
+            <a:schemeClr val="accent1"/>
+          </a:fillRef>
+          <a:effectRef idx="0">
+            <a:schemeClr val="accent1"/>
+          </a:effectRef>
+          <a:fontRef idx="minor">
+            <a:schemeClr val="lt1"/>
+          </a:fontRef>
+        </p:style>
+        <p:txBody>
+          <a:bodyPr rtlCol="0" anchor="ctr"/>
+          <a:lstStyle/>
+          <a:p>
+            <a:pPr algn="ctr"/>
+            <a:r>
+              <a:rPr lang="de-DE" dirty="0" smtClean="0"/>
+              <a:t>Fallende Steine</a:t>
+            </a:r>
+            <a:endParaRPr lang="de-DE" dirty="0"/>
+          </a:p>
+        </p:txBody>
+      </p:sp>
+      <p:sp>
+        <p:nvSpPr>
+          <p:cNvPr id="9" name="Rechteck 8"/>
+          <p:cNvSpPr/>
+          <p:nvPr/>
+        </p:nvSpPr>
+        <p:spPr>
+          <a:xfrm>
+            <a:off x="1998370" y="5556878"/>
+            <a:ext cx="2163651" cy="463640"/>
+          </a:xfrm>
+          <a:prstGeom prst="rect">
+            <a:avLst/>
+          </a:prstGeom>
+        </p:spPr>
+        <p:style>
+          <a:lnRef idx="2">
+            <a:schemeClr val="accent1">
+              <a:shade val="50000"/>
+            </a:schemeClr>
+          </a:lnRef>
+          <a:fillRef idx="1">
+            <a:schemeClr val="accent1"/>
+          </a:fillRef>
+          <a:effectRef idx="0">
+            <a:schemeClr val="accent1"/>
+          </a:effectRef>
+          <a:fontRef idx="minor">
+            <a:schemeClr val="lt1"/>
+          </a:fontRef>
+        </p:style>
+        <p:txBody>
+          <a:bodyPr rtlCol="0" anchor="ctr"/>
+          <a:lstStyle/>
+          <a:p>
+            <a:pPr algn="ctr"/>
+            <a:r>
+              <a:rPr lang="de-DE" dirty="0" smtClean="0"/>
+              <a:t>Futter</a:t>
+            </a:r>
+            <a:endParaRPr lang="de-DE" dirty="0"/>
+          </a:p>
+        </p:txBody>
+      </p:sp>
+      <p:sp>
+        <p:nvSpPr>
+          <p:cNvPr id="10" name="Rechteck 9"/>
+          <p:cNvSpPr/>
+          <p:nvPr/>
+        </p:nvSpPr>
+        <p:spPr>
+          <a:xfrm>
+            <a:off x="1998370" y="4892956"/>
+            <a:ext cx="2163651" cy="463640"/>
+          </a:xfrm>
+          <a:prstGeom prst="rect">
+            <a:avLst/>
+          </a:prstGeom>
+        </p:spPr>
+        <p:style>
+          <a:lnRef idx="2">
+            <a:schemeClr val="accent1">
+              <a:shade val="50000"/>
+            </a:schemeClr>
+          </a:lnRef>
+          <a:fillRef idx="1">
+            <a:schemeClr val="accent1"/>
+          </a:fillRef>
+          <a:effectRef idx="0">
+            <a:schemeClr val="accent1"/>
+          </a:effectRef>
+          <a:fontRef idx="minor">
+            <a:schemeClr val="lt1"/>
+          </a:fontRef>
+        </p:style>
+        <p:txBody>
+          <a:bodyPr rtlCol="0" anchor="ctr"/>
+          <a:lstStyle/>
+          <a:p>
+            <a:pPr algn="ctr"/>
+            <a:r>
+              <a:rPr lang="de-DE" dirty="0" smtClean="0"/>
+              <a:t>Diätpille</a:t>
+            </a:r>
+            <a:endParaRPr lang="de-DE" dirty="0"/>
           </a:p>
         </p:txBody>
       </p:sp>
@@ -8118,10 +8475,187 @@
           </a:fontRef>
         </p:style>
       </p:cxnSp>
+      <p:pic>
+        <p:nvPicPr>
+          <p:cNvPr id="21" name="Grafik 20"/>
+          <p:cNvPicPr>
+            <a:picLocks noChangeAspect="1"/>
+          </p:cNvPicPr>
+          <p:nvPr/>
+        </p:nvPicPr>
+        <p:blipFill>
+          <a:blip r:embed="rId2">
+            <a:extLst>
+              <a:ext uri="{28A0092B-C50C-407E-A947-70E740481C1C}">
+                <a14:useLocalDpi xmlns:a14="http://schemas.microsoft.com/office/drawing/2010/main" val="0"/>
+              </a:ext>
+            </a:extLst>
+          </a:blip>
+          <a:stretch>
+            <a:fillRect/>
+          </a:stretch>
+        </p:blipFill>
+        <p:spPr>
+          <a:xfrm>
+            <a:off x="5465174" y="1403989"/>
+            <a:ext cx="2343477" cy="2086266"/>
+          </a:xfrm>
+          <a:prstGeom prst="rect">
+            <a:avLst/>
+          </a:prstGeom>
+        </p:spPr>
+      </p:pic>
+      <p:sp>
+        <p:nvSpPr>
+          <p:cNvPr id="22" name="Textfeld 21"/>
+          <p:cNvSpPr txBox="1"/>
+          <p:nvPr/>
+        </p:nvSpPr>
+        <p:spPr>
+          <a:xfrm>
+            <a:off x="5345807" y="3448641"/>
+            <a:ext cx="3561008" cy="692497"/>
+          </a:xfrm>
+          <a:prstGeom prst="rect">
+            <a:avLst/>
+          </a:prstGeom>
+          <a:noFill/>
+        </p:spPr>
+        <p:txBody>
+          <a:bodyPr wrap="square" rtlCol="0">
+            <a:spAutoFit/>
+          </a:bodyPr>
+          <a:lstStyle/>
+          <a:p>
+            <a:r>
+              <a:rPr lang="de-DE" sz="1050" i="1" dirty="0" smtClean="0">
+                <a:solidFill>
+                  <a:schemeClr val="tx1">
+                    <a:lumMod val="50000"/>
+                    <a:lumOff val="50000"/>
+                  </a:schemeClr>
+                </a:solidFill>
+              </a:rPr>
+              <a:t>Speerfalle mit Loch am Boden </a:t>
+            </a:r>
+          </a:p>
+          <a:p>
+            <a:r>
+              <a:rPr lang="de-DE" sz="1050" i="1" dirty="0" smtClean="0">
+                <a:solidFill>
+                  <a:schemeClr val="tx1">
+                    <a:lumMod val="50000"/>
+                    <a:lumOff val="50000"/>
+                  </a:schemeClr>
+                </a:solidFill>
+              </a:rPr>
+              <a:t>(Stand: 28.09.2015)</a:t>
+            </a:r>
+            <a:endParaRPr lang="de-DE" sz="1050" i="1" dirty="0">
+              <a:solidFill>
+                <a:schemeClr val="tx1">
+                  <a:lumMod val="50000"/>
+                  <a:lumOff val="50000"/>
+                </a:schemeClr>
+              </a:solidFill>
+            </a:endParaRPr>
+          </a:p>
+          <a:p>
+            <a:endParaRPr lang="de-DE" dirty="0"/>
+          </a:p>
+        </p:txBody>
+      </p:sp>
+      <p:sp>
+        <p:nvSpPr>
+          <p:cNvPr id="23" name="Textfeld 22"/>
+          <p:cNvSpPr txBox="1"/>
+          <p:nvPr/>
+        </p:nvSpPr>
+        <p:spPr>
+          <a:xfrm>
+            <a:off x="5049592" y="3879268"/>
+            <a:ext cx="5872766" cy="2308324"/>
+          </a:xfrm>
+          <a:prstGeom prst="rect">
+            <a:avLst/>
+          </a:prstGeom>
+          <a:noFill/>
+        </p:spPr>
+        <p:txBody>
+          <a:bodyPr wrap="square" rtlCol="0">
+            <a:spAutoFit/>
+          </a:bodyPr>
+          <a:lstStyle/>
+          <a:p>
+            <a:pPr marL="285750" indent="-285750">
+              <a:buFont typeface="Arial" panose="020B0604020202020204" pitchFamily="34" charset="0"/>
+              <a:buChar char="•"/>
+            </a:pPr>
+            <a:r>
+              <a:rPr lang="de-DE" dirty="0" smtClean="0"/>
+              <a:t>Sie ist ein Objekt, welches eine „</a:t>
+            </a:r>
+            <a:r>
+              <a:rPr lang="de-DE" dirty="0" err="1" smtClean="0"/>
+              <a:t>Cylinder</a:t>
+            </a:r>
+            <a:r>
+              <a:rPr lang="de-DE" dirty="0"/>
+              <a:t>-“ und „</a:t>
+            </a:r>
+            <a:r>
+              <a:rPr lang="de-DE" dirty="0" err="1"/>
+              <a:t>OctahedronGeometry</a:t>
+            </a:r>
+            <a:r>
+              <a:rPr lang="de-DE" dirty="0"/>
+              <a:t> </a:t>
+            </a:r>
+            <a:r>
+              <a:rPr lang="de-DE" dirty="0" smtClean="0"/>
+              <a:t>“ enthält.</a:t>
+            </a:r>
+          </a:p>
+          <a:p>
+            <a:pPr marL="285750" indent="-285750">
+              <a:buFont typeface="Arial" panose="020B0604020202020204" pitchFamily="34" charset="0"/>
+              <a:buChar char="•"/>
+            </a:pPr>
+            <a:endParaRPr lang="de-DE" dirty="0"/>
+          </a:p>
+          <a:p>
+            <a:pPr marL="285750" indent="-285750">
+              <a:buFont typeface="Arial" panose="020B0604020202020204" pitchFamily="34" charset="0"/>
+              <a:buChar char="•"/>
+            </a:pPr>
+            <a:r>
+              <a:rPr lang="de-DE" dirty="0" smtClean="0"/>
+              <a:t>Die Loch, aus dem der Speer rauskommen soll, wurde mit ThreeCSG.js „in den Boden geschnitten“.</a:t>
+            </a:r>
+          </a:p>
+          <a:p>
+            <a:pPr marL="285750" indent="-285750">
+              <a:buFont typeface="Arial" panose="020B0604020202020204" pitchFamily="34" charset="0"/>
+              <a:buChar char="•"/>
+            </a:pPr>
+            <a:endParaRPr lang="de-DE" dirty="0"/>
+          </a:p>
+          <a:p>
+            <a:pPr marL="285750" indent="-285750">
+              <a:buFont typeface="Arial" panose="020B0604020202020204" pitchFamily="34" charset="0"/>
+              <a:buChar char="•"/>
+            </a:pPr>
+            <a:r>
+              <a:rPr lang="de-DE" dirty="0" smtClean="0"/>
+              <a:t>Enthält eine Funktion die prüft, wann der Speer rauskommt und wieder eingezogen wird.</a:t>
+            </a:r>
+          </a:p>
+        </p:txBody>
+      </p:sp>
     </p:spTree>
     <p:extLst>
       <p:ext uri="{BB962C8B-B14F-4D97-AF65-F5344CB8AC3E}">
-        <p14:creationId xmlns:p14="http://schemas.microsoft.com/office/powerpoint/2010/main" val="1496639185"/>
+        <p14:creationId xmlns:p14="http://schemas.microsoft.com/office/powerpoint/2010/main" val="205349613"/>
       </p:ext>
     </p:extLst>
   </p:cSld>
@@ -8314,94 +8848,6 @@
           <a:prstGeom prst="rect">
             <a:avLst/>
           </a:prstGeom>
-        </p:spPr>
-        <p:style>
-          <a:lnRef idx="2">
-            <a:schemeClr val="accent1">
-              <a:shade val="50000"/>
-            </a:schemeClr>
-          </a:lnRef>
-          <a:fillRef idx="1">
-            <a:schemeClr val="accent1"/>
-          </a:fillRef>
-          <a:effectRef idx="0">
-            <a:schemeClr val="accent1"/>
-          </a:effectRef>
-          <a:fontRef idx="minor">
-            <a:schemeClr val="lt1"/>
-          </a:fontRef>
-        </p:style>
-        <p:txBody>
-          <a:bodyPr rtlCol="0" anchor="ctr"/>
-          <a:lstStyle/>
-          <a:p>
-            <a:pPr algn="ctr"/>
-            <a:r>
-              <a:rPr lang="de-DE" dirty="0" smtClean="0"/>
-              <a:t>Speerfalle</a:t>
-            </a:r>
-            <a:endParaRPr lang="de-DE" dirty="0"/>
-          </a:p>
-        </p:txBody>
-      </p:sp>
-      <p:sp>
-        <p:nvSpPr>
-          <p:cNvPr id="8" name="Rechteck 7"/>
-          <p:cNvSpPr/>
-          <p:nvPr/>
-        </p:nvSpPr>
-        <p:spPr>
-          <a:xfrm>
-            <a:off x="1998371" y="4229034"/>
-            <a:ext cx="2163651" cy="463640"/>
-          </a:xfrm>
-          <a:prstGeom prst="rect">
-            <a:avLst/>
-          </a:prstGeom>
-        </p:spPr>
-        <p:style>
-          <a:lnRef idx="2">
-            <a:schemeClr val="accent1">
-              <a:shade val="50000"/>
-            </a:schemeClr>
-          </a:lnRef>
-          <a:fillRef idx="1">
-            <a:schemeClr val="accent1"/>
-          </a:fillRef>
-          <a:effectRef idx="0">
-            <a:schemeClr val="accent1"/>
-          </a:effectRef>
-          <a:fontRef idx="minor">
-            <a:schemeClr val="lt1"/>
-          </a:fontRef>
-        </p:style>
-        <p:txBody>
-          <a:bodyPr rtlCol="0" anchor="ctr"/>
-          <a:lstStyle/>
-          <a:p>
-            <a:pPr algn="ctr"/>
-            <a:r>
-              <a:rPr lang="de-DE" dirty="0" smtClean="0"/>
-              <a:t>Fallende Steine</a:t>
-            </a:r>
-            <a:endParaRPr lang="de-DE" dirty="0"/>
-          </a:p>
-        </p:txBody>
-      </p:sp>
-      <p:sp>
-        <p:nvSpPr>
-          <p:cNvPr id="9" name="Rechteck 8"/>
-          <p:cNvSpPr/>
-          <p:nvPr/>
-        </p:nvSpPr>
-        <p:spPr>
-          <a:xfrm>
-            <a:off x="1998370" y="5556878"/>
-            <a:ext cx="2163651" cy="463640"/>
-          </a:xfrm>
-          <a:prstGeom prst="rect">
-            <a:avLst/>
-          </a:prstGeom>
           <a:solidFill>
             <a:srgbClr val="FFC000"/>
           </a:solidFill>
@@ -8438,13 +8884,101 @@
                   <a:schemeClr val="tx1"/>
                 </a:solidFill>
               </a:rPr>
-              <a:t>Futter</a:t>
+              <a:t>Speerfalle</a:t>
             </a:r>
             <a:endParaRPr lang="de-DE" dirty="0">
               <a:solidFill>
                 <a:schemeClr val="tx1"/>
               </a:solidFill>
             </a:endParaRPr>
+          </a:p>
+        </p:txBody>
+      </p:sp>
+      <p:sp>
+        <p:nvSpPr>
+          <p:cNvPr id="8" name="Rechteck 7"/>
+          <p:cNvSpPr/>
+          <p:nvPr/>
+        </p:nvSpPr>
+        <p:spPr>
+          <a:xfrm>
+            <a:off x="1998371" y="4229034"/>
+            <a:ext cx="2163651" cy="463640"/>
+          </a:xfrm>
+          <a:prstGeom prst="rect">
+            <a:avLst/>
+          </a:prstGeom>
+        </p:spPr>
+        <p:style>
+          <a:lnRef idx="2">
+            <a:schemeClr val="accent1">
+              <a:shade val="50000"/>
+            </a:schemeClr>
+          </a:lnRef>
+          <a:fillRef idx="1">
+            <a:schemeClr val="accent1"/>
+          </a:fillRef>
+          <a:effectRef idx="0">
+            <a:schemeClr val="accent1"/>
+          </a:effectRef>
+          <a:fontRef idx="minor">
+            <a:schemeClr val="lt1"/>
+          </a:fontRef>
+        </p:style>
+        <p:txBody>
+          <a:bodyPr rtlCol="0" anchor="ctr"/>
+          <a:lstStyle/>
+          <a:p>
+            <a:pPr algn="ctr"/>
+            <a:r>
+              <a:rPr lang="de-DE" dirty="0" smtClean="0"/>
+              <a:t>Fallende Steine</a:t>
+            </a:r>
+            <a:endParaRPr lang="de-DE" dirty="0"/>
+          </a:p>
+        </p:txBody>
+      </p:sp>
+      <p:sp>
+        <p:nvSpPr>
+          <p:cNvPr id="9" name="Rechteck 8"/>
+          <p:cNvSpPr/>
+          <p:nvPr/>
+        </p:nvSpPr>
+        <p:spPr>
+          <a:xfrm>
+            <a:off x="1998370" y="5556878"/>
+            <a:ext cx="2163651" cy="463640"/>
+          </a:xfrm>
+          <a:prstGeom prst="rect">
+            <a:avLst/>
+          </a:prstGeom>
+        </p:spPr>
+        <p:style>
+          <a:lnRef idx="2">
+            <a:schemeClr val="accent1">
+              <a:shade val="50000"/>
+            </a:schemeClr>
+          </a:lnRef>
+          <a:fillRef idx="1">
+            <a:schemeClr val="accent1"/>
+          </a:fillRef>
+          <a:effectRef idx="0">
+            <a:schemeClr val="accent1"/>
+          </a:effectRef>
+          <a:fontRef idx="minor">
+            <a:schemeClr val="lt1"/>
+          </a:fontRef>
+        </p:style>
+        <p:txBody>
+          <a:bodyPr rtlCol="0" anchor="ctr"/>
+          <a:lstStyle/>
+          <a:p>
+            <a:pPr algn="ctr"/>
+            <a:r>
+              <a:rPr lang="de-DE" dirty="0" smtClean="0"/>
+              <a:t>Futter</a:t>
+            </a:r>
+            <a:endParaRPr lang="de-DE" dirty="0"/>
           </a:p>
         </p:txBody>
       </p:sp>
@@ -8836,10 +9370,181 @@
           </a:fontRef>
         </p:style>
       </p:cxnSp>
+      <p:pic>
+        <p:nvPicPr>
+          <p:cNvPr id="21" name="Grafik 20"/>
+          <p:cNvPicPr>
+            <a:picLocks noChangeAspect="1"/>
+          </p:cNvPicPr>
+          <p:nvPr/>
+        </p:nvPicPr>
+        <p:blipFill>
+          <a:blip r:embed="rId2">
+            <a:extLst>
+              <a:ext uri="{28A0092B-C50C-407E-A947-70E740481C1C}">
+                <a14:useLocalDpi xmlns:a14="http://schemas.microsoft.com/office/drawing/2010/main" val="0"/>
+              </a:ext>
+            </a:extLst>
+          </a:blip>
+          <a:stretch>
+            <a:fillRect/>
+          </a:stretch>
+        </p:blipFill>
+        <p:spPr>
+          <a:xfrm>
+            <a:off x="5465174" y="1403989"/>
+            <a:ext cx="2343477" cy="2086266"/>
+          </a:xfrm>
+          <a:prstGeom prst="rect">
+            <a:avLst/>
+          </a:prstGeom>
+        </p:spPr>
+      </p:pic>
+      <p:sp>
+        <p:nvSpPr>
+          <p:cNvPr id="22" name="Textfeld 21"/>
+          <p:cNvSpPr txBox="1"/>
+          <p:nvPr/>
+        </p:nvSpPr>
+        <p:spPr>
+          <a:xfrm>
+            <a:off x="5345807" y="3448641"/>
+            <a:ext cx="3561008" cy="692497"/>
+          </a:xfrm>
+          <a:prstGeom prst="rect">
+            <a:avLst/>
+          </a:prstGeom>
+          <a:noFill/>
+        </p:spPr>
+        <p:txBody>
+          <a:bodyPr wrap="square" rtlCol="0">
+            <a:spAutoFit/>
+          </a:bodyPr>
+          <a:lstStyle/>
+          <a:p>
+            <a:r>
+              <a:rPr lang="de-DE" sz="1050" i="1" dirty="0" smtClean="0">
+                <a:solidFill>
+                  <a:schemeClr val="tx1">
+                    <a:lumMod val="50000"/>
+                    <a:lumOff val="50000"/>
+                  </a:schemeClr>
+                </a:solidFill>
+              </a:rPr>
+              <a:t>Speerfalle mit Loch am Boden </a:t>
+            </a:r>
+          </a:p>
+          <a:p>
+            <a:r>
+              <a:rPr lang="de-DE" sz="1050" i="1" dirty="0" smtClean="0">
+                <a:solidFill>
+                  <a:schemeClr val="tx1">
+                    <a:lumMod val="50000"/>
+                    <a:lumOff val="50000"/>
+                  </a:schemeClr>
+                </a:solidFill>
+              </a:rPr>
+              <a:t>(Stand: 28.09.2015)</a:t>
+            </a:r>
+            <a:endParaRPr lang="de-DE" sz="1050" i="1" dirty="0">
+              <a:solidFill>
+                <a:schemeClr val="tx1">
+                  <a:lumMod val="50000"/>
+                  <a:lumOff val="50000"/>
+                </a:schemeClr>
+              </a:solidFill>
+            </a:endParaRPr>
+          </a:p>
+          <a:p>
+            <a:endParaRPr lang="de-DE" dirty="0"/>
+          </a:p>
+        </p:txBody>
+      </p:sp>
+      <p:sp>
+        <p:nvSpPr>
+          <p:cNvPr id="23" name="Textfeld 22"/>
+          <p:cNvSpPr txBox="1"/>
+          <p:nvPr/>
+        </p:nvSpPr>
+        <p:spPr>
+          <a:xfrm>
+            <a:off x="5049592" y="3879268"/>
+            <a:ext cx="5872766" cy="2862322"/>
+          </a:xfrm>
+          <a:prstGeom prst="rect">
+            <a:avLst/>
+          </a:prstGeom>
+          <a:noFill/>
+        </p:spPr>
+        <p:txBody>
+          <a:bodyPr wrap="square" rtlCol="0">
+            <a:spAutoFit/>
+          </a:bodyPr>
+          <a:lstStyle/>
+          <a:p>
+            <a:pPr marL="285750" indent="-285750">
+              <a:buFont typeface="Arial" panose="020B0604020202020204" pitchFamily="34" charset="0"/>
+              <a:buChar char="•"/>
+            </a:pPr>
+            <a:r>
+              <a:rPr lang="de-DE" dirty="0" smtClean="0"/>
+              <a:t>Die Schlange kann sich über das Loch bewegen, solange der Speer eingezogen bleibt.</a:t>
+            </a:r>
+          </a:p>
+          <a:p>
+            <a:pPr marL="285750" indent="-285750">
+              <a:buFont typeface="Arial" panose="020B0604020202020204" pitchFamily="34" charset="0"/>
+              <a:buChar char="•"/>
+            </a:pPr>
+            <a:endParaRPr lang="de-DE" dirty="0"/>
+          </a:p>
+          <a:p>
+            <a:pPr marL="285750" indent="-285750">
+              <a:buFont typeface="Arial" panose="020B0604020202020204" pitchFamily="34" charset="0"/>
+              <a:buChar char="•"/>
+            </a:pPr>
+            <a:r>
+              <a:rPr lang="de-DE" dirty="0" smtClean="0"/>
+              <a:t>Läuft die Schlange über den Speer, sobald er eine bestimmte Höhe erreicht hat, „stirbt“ sie.</a:t>
+            </a:r>
+          </a:p>
+          <a:p>
+            <a:pPr marL="285750" indent="-285750">
+              <a:buFont typeface="Arial" panose="020B0604020202020204" pitchFamily="34" charset="0"/>
+              <a:buChar char="•"/>
+            </a:pPr>
+            <a:endParaRPr lang="de-DE" dirty="0"/>
+          </a:p>
+          <a:p>
+            <a:pPr marL="285750" indent="-285750">
+              <a:buFont typeface="Arial" panose="020B0604020202020204" pitchFamily="34" charset="0"/>
+              <a:buChar char="•"/>
+            </a:pPr>
+            <a:r>
+              <a:rPr lang="de-DE" dirty="0" smtClean="0"/>
+              <a:t>In einer Animation-Frame-Funktion wird die Falle animiert. Sobald das Spiel verloren ist, bleibt sie stehen.</a:t>
+            </a:r>
+          </a:p>
+          <a:p>
+            <a:pPr marL="285750" indent="-285750">
+              <a:buFont typeface="Arial" panose="020B0604020202020204" pitchFamily="34" charset="0"/>
+              <a:buChar char="•"/>
+            </a:pPr>
+            <a:endParaRPr lang="de-DE" dirty="0"/>
+          </a:p>
+          <a:p>
+            <a:pPr marL="285750" indent="-285750">
+              <a:buFont typeface="Arial" panose="020B0604020202020204" pitchFamily="34" charset="0"/>
+              <a:buChar char="•"/>
+            </a:pPr>
+            <a:endParaRPr lang="de-DE" dirty="0" smtClean="0"/>
+          </a:p>
+        </p:txBody>
+      </p:sp>
     </p:spTree>
     <p:extLst>
       <p:ext uri="{BB962C8B-B14F-4D97-AF65-F5344CB8AC3E}">
-        <p14:creationId xmlns:p14="http://schemas.microsoft.com/office/powerpoint/2010/main" val="56509074"/>
+        <p14:creationId xmlns:p14="http://schemas.microsoft.com/office/powerpoint/2010/main" val="3047244431"/>
       </p:ext>
     </p:extLst>
   </p:cSld>
@@ -8940,7 +9645,7 @@
           <a:ln>
             <a:solidFill>
               <a:schemeClr val="tx2">
-                <a:lumMod val="75000"/>
+                <a:lumMod val="50000"/>
               </a:schemeClr>
             </a:solidFill>
           </a:ln>
@@ -9071,246 +9776,6 @@
         <p:spPr>
           <a:xfrm>
             <a:off x="1998371" y="4229034"/>
-            <a:ext cx="2163651" cy="463640"/>
-          </a:xfrm>
-          <a:prstGeom prst="rect">
-            <a:avLst/>
-          </a:prstGeom>
-        </p:spPr>
-        <p:style>
-          <a:lnRef idx="2">
-            <a:schemeClr val="accent1">
-              <a:shade val="50000"/>
-            </a:schemeClr>
-          </a:lnRef>
-          <a:fillRef idx="1">
-            <a:schemeClr val="accent1"/>
-          </a:fillRef>
-          <a:effectRef idx="0">
-            <a:schemeClr val="accent1"/>
-          </a:effectRef>
-          <a:fontRef idx="minor">
-            <a:schemeClr val="lt1"/>
-          </a:fontRef>
-        </p:style>
-        <p:txBody>
-          <a:bodyPr rtlCol="0" anchor="ctr"/>
-          <a:lstStyle/>
-          <a:p>
-            <a:pPr algn="ctr"/>
-            <a:r>
-              <a:rPr lang="de-DE" dirty="0" smtClean="0"/>
-              <a:t>Fallende Steine</a:t>
-            </a:r>
-            <a:endParaRPr lang="de-DE" dirty="0"/>
-          </a:p>
-        </p:txBody>
-      </p:sp>
-      <p:sp>
-        <p:nvSpPr>
-          <p:cNvPr id="9" name="Rechteck 8"/>
-          <p:cNvSpPr/>
-          <p:nvPr/>
-        </p:nvSpPr>
-        <p:spPr>
-          <a:xfrm>
-            <a:off x="1998370" y="5556878"/>
-            <a:ext cx="2163651" cy="463640"/>
-          </a:xfrm>
-          <a:prstGeom prst="rect">
-            <a:avLst/>
-          </a:prstGeom>
-        </p:spPr>
-        <p:style>
-          <a:lnRef idx="2">
-            <a:schemeClr val="accent1">
-              <a:shade val="50000"/>
-            </a:schemeClr>
-          </a:lnRef>
-          <a:fillRef idx="1">
-            <a:schemeClr val="accent1"/>
-          </a:fillRef>
-          <a:effectRef idx="0">
-            <a:schemeClr val="accent1"/>
-          </a:effectRef>
-          <a:fontRef idx="minor">
-            <a:schemeClr val="lt1"/>
-          </a:fontRef>
-        </p:style>
-        <p:txBody>
-          <a:bodyPr rtlCol="0" anchor="ctr"/>
-          <a:lstStyle/>
-          <a:p>
-            <a:pPr algn="ctr"/>
-            <a:r>
-              <a:rPr lang="de-DE" dirty="0" smtClean="0"/>
-              <a:t>Futter</a:t>
-            </a:r>
-            <a:endParaRPr lang="de-DE" dirty="0"/>
-          </a:p>
-        </p:txBody>
-      </p:sp>
-      <p:sp>
-        <p:nvSpPr>
-          <p:cNvPr id="10" name="Rechteck 9"/>
-          <p:cNvSpPr/>
-          <p:nvPr/>
-        </p:nvSpPr>
-        <p:spPr>
-          <a:xfrm>
-            <a:off x="1998370" y="4892956"/>
-            <a:ext cx="2163651" cy="463640"/>
-          </a:xfrm>
-          <a:prstGeom prst="rect">
-            <a:avLst/>
-          </a:prstGeom>
-        </p:spPr>
-        <p:style>
-          <a:lnRef idx="2">
-            <a:schemeClr val="accent1">
-              <a:shade val="50000"/>
-            </a:schemeClr>
-          </a:lnRef>
-          <a:fillRef idx="1">
-            <a:schemeClr val="accent1"/>
-          </a:fillRef>
-          <a:effectRef idx="0">
-            <a:schemeClr val="accent1"/>
-          </a:effectRef>
-          <a:fontRef idx="minor">
-            <a:schemeClr val="lt1"/>
-          </a:fontRef>
-        </p:style>
-        <p:txBody>
-          <a:bodyPr rtlCol="0" anchor="ctr"/>
-          <a:lstStyle/>
-          <a:p>
-            <a:pPr algn="ctr"/>
-            <a:r>
-              <a:rPr lang="de-DE" dirty="0" smtClean="0"/>
-              <a:t>Diätpille</a:t>
-            </a:r>
-            <a:endParaRPr lang="de-DE" dirty="0"/>
-          </a:p>
-        </p:txBody>
-      </p:sp>
-      <p:cxnSp>
-        <p:nvCxnSpPr>
-          <p:cNvPr id="12" name="Gerader Verbinder 11"/>
-          <p:cNvCxnSpPr>
-            <a:stCxn id="5" idx="2"/>
-          </p:cNvCxnSpPr>
-          <p:nvPr/>
-        </p:nvCxnSpPr>
-        <p:spPr>
-          <a:xfrm>
-            <a:off x="1429555" y="2038610"/>
-            <a:ext cx="0" cy="4414008"/>
-          </a:xfrm>
-          <a:prstGeom prst="line">
-            <a:avLst/>
-          </a:prstGeom>
-        </p:spPr>
-        <p:style>
-          <a:lnRef idx="1">
-            <a:schemeClr val="accent1"/>
-          </a:lnRef>
-          <a:fillRef idx="0">
-            <a:schemeClr val="accent1"/>
-          </a:fillRef>
-          <a:effectRef idx="0">
-            <a:schemeClr val="accent1"/>
-          </a:effectRef>
-          <a:fontRef idx="minor">
-            <a:schemeClr val="tx1"/>
-          </a:fontRef>
-        </p:style>
-      </p:cxnSp>
-      <p:cxnSp>
-        <p:nvCxnSpPr>
-          <p:cNvPr id="14" name="Gerader Verbinder 13"/>
-          <p:cNvCxnSpPr>
-            <a:stCxn id="6" idx="1"/>
-          </p:cNvCxnSpPr>
-          <p:nvPr/>
-        </p:nvCxnSpPr>
-        <p:spPr>
-          <a:xfrm flipH="1">
-            <a:off x="1429555" y="2460790"/>
-            <a:ext cx="568817" cy="0"/>
-          </a:xfrm>
-          <a:prstGeom prst="line">
-            <a:avLst/>
-          </a:prstGeom>
-        </p:spPr>
-        <p:style>
-          <a:lnRef idx="1">
-            <a:schemeClr val="accent1"/>
-          </a:lnRef>
-          <a:fillRef idx="0">
-            <a:schemeClr val="accent1"/>
-          </a:fillRef>
-          <a:effectRef idx="0">
-            <a:schemeClr val="accent1"/>
-          </a:effectRef>
-          <a:fontRef idx="minor">
-            <a:schemeClr val="tx1"/>
-          </a:fontRef>
-        </p:style>
-      </p:cxnSp>
-      <p:sp>
-        <p:nvSpPr>
-          <p:cNvPr id="15" name="Rechteck 14"/>
-          <p:cNvSpPr/>
-          <p:nvPr/>
-        </p:nvSpPr>
-        <p:spPr>
-          <a:xfrm>
-            <a:off x="1998372" y="2892893"/>
-            <a:ext cx="2163651" cy="463640"/>
-          </a:xfrm>
-          <a:prstGeom prst="rect">
-            <a:avLst/>
-          </a:prstGeom>
-        </p:spPr>
-        <p:style>
-          <a:lnRef idx="2">
-            <a:schemeClr val="accent1">
-              <a:shade val="50000"/>
-            </a:schemeClr>
-          </a:lnRef>
-          <a:fillRef idx="1">
-            <a:schemeClr val="accent1"/>
-          </a:fillRef>
-          <a:effectRef idx="0">
-            <a:schemeClr val="accent1"/>
-          </a:effectRef>
-          <a:fontRef idx="minor">
-            <a:schemeClr val="lt1"/>
-          </a:fontRef>
-        </p:style>
-        <p:txBody>
-          <a:bodyPr rtlCol="0" anchor="ctr"/>
-          <a:lstStyle/>
-          <a:p>
-            <a:pPr algn="ctr"/>
-            <a:r>
-              <a:rPr lang="de-DE" dirty="0" smtClean="0"/>
-              <a:t>Spielfeld</a:t>
-            </a:r>
-            <a:endParaRPr lang="de-DE" dirty="0"/>
-          </a:p>
-        </p:txBody>
-      </p:sp>
-      <p:sp>
-        <p:nvSpPr>
-          <p:cNvPr id="16" name="Rechteck 15"/>
-          <p:cNvSpPr/>
-          <p:nvPr/>
-        </p:nvSpPr>
-        <p:spPr>
-          <a:xfrm>
-            <a:off x="1998369" y="6220800"/>
             <a:ext cx="2163651" cy="463640"/>
           </a:xfrm>
           <a:prstGeom prst="rect">
@@ -9352,13 +9817,253 @@
                   <a:schemeClr val="tx1"/>
                 </a:solidFill>
               </a:rPr>
-              <a:t>Sonstige Objekte</a:t>
+              <a:t>Fallende Steine</a:t>
             </a:r>
             <a:endParaRPr lang="de-DE" dirty="0">
               <a:solidFill>
                 <a:schemeClr val="tx1"/>
               </a:solidFill>
             </a:endParaRPr>
+          </a:p>
+        </p:txBody>
+      </p:sp>
+      <p:sp>
+        <p:nvSpPr>
+          <p:cNvPr id="9" name="Rechteck 8"/>
+          <p:cNvSpPr/>
+          <p:nvPr/>
+        </p:nvSpPr>
+        <p:spPr>
+          <a:xfrm>
+            <a:off x="1998370" y="5556878"/>
+            <a:ext cx="2163651" cy="463640"/>
+          </a:xfrm>
+          <a:prstGeom prst="rect">
+            <a:avLst/>
+          </a:prstGeom>
+        </p:spPr>
+        <p:style>
+          <a:lnRef idx="2">
+            <a:schemeClr val="accent1">
+              <a:shade val="50000"/>
+            </a:schemeClr>
+          </a:lnRef>
+          <a:fillRef idx="1">
+            <a:schemeClr val="accent1"/>
+          </a:fillRef>
+          <a:effectRef idx="0">
+            <a:schemeClr val="accent1"/>
+          </a:effectRef>
+          <a:fontRef idx="minor">
+            <a:schemeClr val="lt1"/>
+          </a:fontRef>
+        </p:style>
+        <p:txBody>
+          <a:bodyPr rtlCol="0" anchor="ctr"/>
+          <a:lstStyle/>
+          <a:p>
+            <a:pPr algn="ctr"/>
+            <a:r>
+              <a:rPr lang="de-DE" dirty="0" smtClean="0"/>
+              <a:t>Futter</a:t>
+            </a:r>
+            <a:endParaRPr lang="de-DE" dirty="0"/>
+          </a:p>
+        </p:txBody>
+      </p:sp>
+      <p:sp>
+        <p:nvSpPr>
+          <p:cNvPr id="10" name="Rechteck 9"/>
+          <p:cNvSpPr/>
+          <p:nvPr/>
+        </p:nvSpPr>
+        <p:spPr>
+          <a:xfrm>
+            <a:off x="1998370" y="4892956"/>
+            <a:ext cx="2163651" cy="463640"/>
+          </a:xfrm>
+          <a:prstGeom prst="rect">
+            <a:avLst/>
+          </a:prstGeom>
+        </p:spPr>
+        <p:style>
+          <a:lnRef idx="2">
+            <a:schemeClr val="accent1">
+              <a:shade val="50000"/>
+            </a:schemeClr>
+          </a:lnRef>
+          <a:fillRef idx="1">
+            <a:schemeClr val="accent1"/>
+          </a:fillRef>
+          <a:effectRef idx="0">
+            <a:schemeClr val="accent1"/>
+          </a:effectRef>
+          <a:fontRef idx="minor">
+            <a:schemeClr val="lt1"/>
+          </a:fontRef>
+        </p:style>
+        <p:txBody>
+          <a:bodyPr rtlCol="0" anchor="ctr"/>
+          <a:lstStyle/>
+          <a:p>
+            <a:pPr algn="ctr"/>
+            <a:r>
+              <a:rPr lang="de-DE" dirty="0" smtClean="0"/>
+              <a:t>Diätpille</a:t>
+            </a:r>
+            <a:endParaRPr lang="de-DE" dirty="0"/>
+          </a:p>
+        </p:txBody>
+      </p:sp>
+      <p:cxnSp>
+        <p:nvCxnSpPr>
+          <p:cNvPr id="12" name="Gerader Verbinder 11"/>
+          <p:cNvCxnSpPr>
+            <a:stCxn id="5" idx="2"/>
+          </p:cNvCxnSpPr>
+          <p:nvPr/>
+        </p:nvCxnSpPr>
+        <p:spPr>
+          <a:xfrm>
+            <a:off x="1429555" y="2038610"/>
+            <a:ext cx="0" cy="4414008"/>
+          </a:xfrm>
+          <a:prstGeom prst="line">
+            <a:avLst/>
+          </a:prstGeom>
+        </p:spPr>
+        <p:style>
+          <a:lnRef idx="1">
+            <a:schemeClr val="accent1"/>
+          </a:lnRef>
+          <a:fillRef idx="0">
+            <a:schemeClr val="accent1"/>
+          </a:fillRef>
+          <a:effectRef idx="0">
+            <a:schemeClr val="accent1"/>
+          </a:effectRef>
+          <a:fontRef idx="minor">
+            <a:schemeClr val="tx1"/>
+          </a:fontRef>
+        </p:style>
+      </p:cxnSp>
+      <p:cxnSp>
+        <p:nvCxnSpPr>
+          <p:cNvPr id="14" name="Gerader Verbinder 13"/>
+          <p:cNvCxnSpPr>
+            <a:stCxn id="6" idx="1"/>
+          </p:cNvCxnSpPr>
+          <p:nvPr/>
+        </p:nvCxnSpPr>
+        <p:spPr>
+          <a:xfrm flipH="1">
+            <a:off x="1429555" y="2460790"/>
+            <a:ext cx="568817" cy="0"/>
+          </a:xfrm>
+          <a:prstGeom prst="line">
+            <a:avLst/>
+          </a:prstGeom>
+        </p:spPr>
+        <p:style>
+          <a:lnRef idx="1">
+            <a:schemeClr val="accent1"/>
+          </a:lnRef>
+          <a:fillRef idx="0">
+            <a:schemeClr val="accent1"/>
+          </a:fillRef>
+          <a:effectRef idx="0">
+            <a:schemeClr val="accent1"/>
+          </a:effectRef>
+          <a:fontRef idx="minor">
+            <a:schemeClr val="tx1"/>
+          </a:fontRef>
+        </p:style>
+      </p:cxnSp>
+      <p:sp>
+        <p:nvSpPr>
+          <p:cNvPr id="15" name="Rechteck 14"/>
+          <p:cNvSpPr/>
+          <p:nvPr/>
+        </p:nvSpPr>
+        <p:spPr>
+          <a:xfrm>
+            <a:off x="1998372" y="2892893"/>
+            <a:ext cx="2163651" cy="463640"/>
+          </a:xfrm>
+          <a:prstGeom prst="rect">
+            <a:avLst/>
+          </a:prstGeom>
+        </p:spPr>
+        <p:style>
+          <a:lnRef idx="2">
+            <a:schemeClr val="accent1">
+              <a:shade val="50000"/>
+            </a:schemeClr>
+          </a:lnRef>
+          <a:fillRef idx="1">
+            <a:schemeClr val="accent1"/>
+          </a:fillRef>
+          <a:effectRef idx="0">
+            <a:schemeClr val="accent1"/>
+          </a:effectRef>
+          <a:fontRef idx="minor">
+            <a:schemeClr val="lt1"/>
+          </a:fontRef>
+        </p:style>
+        <p:txBody>
+          <a:bodyPr rtlCol="0" anchor="ctr"/>
+          <a:lstStyle/>
+          <a:p>
+            <a:pPr algn="ctr"/>
+            <a:r>
+              <a:rPr lang="de-DE" dirty="0" smtClean="0"/>
+              <a:t>Spielfeld</a:t>
+            </a:r>
+            <a:endParaRPr lang="de-DE" dirty="0"/>
+          </a:p>
+        </p:txBody>
+      </p:sp>
+      <p:sp>
+        <p:nvSpPr>
+          <p:cNvPr id="16" name="Rechteck 15"/>
+          <p:cNvSpPr/>
+          <p:nvPr/>
+        </p:nvSpPr>
+        <p:spPr>
+          <a:xfrm>
+            <a:off x="1998369" y="6220800"/>
+            <a:ext cx="2163651" cy="463640"/>
+          </a:xfrm>
+          <a:prstGeom prst="rect">
+            <a:avLst/>
+          </a:prstGeom>
+        </p:spPr>
+        <p:style>
+          <a:lnRef idx="2">
+            <a:schemeClr val="accent1">
+              <a:shade val="50000"/>
+            </a:schemeClr>
+          </a:lnRef>
+          <a:fillRef idx="1">
+            <a:schemeClr val="accent1"/>
+          </a:fillRef>
+          <a:effectRef idx="0">
+            <a:schemeClr val="accent1"/>
+          </a:effectRef>
+          <a:fontRef idx="minor">
+            <a:schemeClr val="lt1"/>
+          </a:fontRef>
+        </p:style>
+        <p:txBody>
+          <a:bodyPr rtlCol="0" anchor="ctr"/>
+          <a:lstStyle/>
+          <a:p>
+            <a:pPr algn="ctr"/>
+            <a:r>
+              <a:rPr lang="de-DE" dirty="0" smtClean="0"/>
+              <a:t>Sonstige Objekte</a:t>
+            </a:r>
+            <a:endParaRPr lang="de-DE" dirty="0"/>
           </a:p>
         </p:txBody>
       </p:sp>
@@ -9554,10 +10259,195 @@
           </a:fontRef>
         </p:style>
       </p:cxnSp>
+      <p:pic>
+        <p:nvPicPr>
+          <p:cNvPr id="21" name="Inhaltsplatzhalter 4"/>
+          <p:cNvPicPr>
+            <a:picLocks noGrp="1" noChangeAspect="1"/>
+          </p:cNvPicPr>
+          <p:nvPr>
+            <p:ph idx="1"/>
+          </p:nvPr>
+        </p:nvPicPr>
+        <p:blipFill>
+          <a:blip r:embed="rId2">
+            <a:extLst>
+              <a:ext uri="{28A0092B-C50C-407E-A947-70E740481C1C}">
+                <a14:useLocalDpi xmlns:a14="http://schemas.microsoft.com/office/drawing/2010/main" val="0"/>
+              </a:ext>
+            </a:extLst>
+          </a:blip>
+          <a:stretch>
+            <a:fillRect/>
+          </a:stretch>
+        </p:blipFill>
+        <p:spPr>
+          <a:xfrm>
+            <a:off x="4640545" y="1403990"/>
+            <a:ext cx="4619366" cy="2107375"/>
+          </a:xfrm>
+        </p:spPr>
+      </p:pic>
+      <p:sp>
+        <p:nvSpPr>
+          <p:cNvPr id="22" name="Textfeld 21"/>
+          <p:cNvSpPr txBox="1"/>
+          <p:nvPr/>
+        </p:nvSpPr>
+        <p:spPr>
+          <a:xfrm>
+            <a:off x="4547317" y="3531472"/>
+            <a:ext cx="4712594" cy="530915"/>
+          </a:xfrm>
+          <a:prstGeom prst="rect">
+            <a:avLst/>
+          </a:prstGeom>
+          <a:noFill/>
+        </p:spPr>
+        <p:txBody>
+          <a:bodyPr wrap="square" rtlCol="0">
+            <a:spAutoFit/>
+          </a:bodyPr>
+          <a:lstStyle/>
+          <a:p>
+            <a:r>
+              <a:rPr lang="de-DE" sz="1050" i="1" dirty="0" smtClean="0">
+                <a:solidFill>
+                  <a:schemeClr val="tx1">
+                    <a:lumMod val="50000"/>
+                    <a:lumOff val="50000"/>
+                  </a:schemeClr>
+                </a:solidFill>
+              </a:rPr>
+              <a:t>Steine fallen vom Himmel. Nimmersatt muss ihnen ausweichen. </a:t>
+            </a:r>
+            <a:r>
+              <a:rPr lang="de-DE" sz="1050" i="1" dirty="0" smtClean="0">
+                <a:solidFill>
+                  <a:schemeClr val="tx1">
+                    <a:lumMod val="50000"/>
+                    <a:lumOff val="50000"/>
+                  </a:schemeClr>
+                </a:solidFill>
+              </a:rPr>
+              <a:t>(Stand: 28.09.2015)</a:t>
+            </a:r>
+            <a:endParaRPr lang="de-DE" sz="1050" i="1" dirty="0">
+              <a:solidFill>
+                <a:schemeClr val="tx1">
+                  <a:lumMod val="50000"/>
+                  <a:lumOff val="50000"/>
+                </a:schemeClr>
+              </a:solidFill>
+            </a:endParaRPr>
+          </a:p>
+          <a:p>
+            <a:endParaRPr lang="de-DE" dirty="0"/>
+          </a:p>
+        </p:txBody>
+      </p:sp>
+      <p:sp>
+        <p:nvSpPr>
+          <p:cNvPr id="23" name="Textfeld 22"/>
+          <p:cNvSpPr txBox="1"/>
+          <p:nvPr/>
+        </p:nvSpPr>
+        <p:spPr>
+          <a:xfrm>
+            <a:off x="5049592" y="3879268"/>
+            <a:ext cx="5872766" cy="2585323"/>
+          </a:xfrm>
+          <a:prstGeom prst="rect">
+            <a:avLst/>
+          </a:prstGeom>
+          <a:noFill/>
+        </p:spPr>
+        <p:txBody>
+          <a:bodyPr wrap="square" rtlCol="0">
+            <a:spAutoFit/>
+          </a:bodyPr>
+          <a:lstStyle/>
+          <a:p>
+            <a:pPr marL="285750" indent="-285750">
+              <a:buFont typeface="Arial" panose="020B0604020202020204" pitchFamily="34" charset="0"/>
+              <a:buChar char="•"/>
+            </a:pPr>
+            <a:r>
+              <a:rPr lang="de-DE" dirty="0" smtClean="0"/>
+              <a:t>Alle 20 Sekunden fallen drei Steine vom Himmel.</a:t>
+            </a:r>
+          </a:p>
+          <a:p>
+            <a:pPr marL="285750" indent="-285750">
+              <a:buFont typeface="Arial" panose="020B0604020202020204" pitchFamily="34" charset="0"/>
+              <a:buChar char="•"/>
+            </a:pPr>
+            <a:endParaRPr lang="de-DE" dirty="0"/>
+          </a:p>
+          <a:p>
+            <a:pPr marL="285750" indent="-285750">
+              <a:buFont typeface="Arial" panose="020B0604020202020204" pitchFamily="34" charset="0"/>
+              <a:buChar char="•"/>
+            </a:pPr>
+            <a:r>
+              <a:rPr lang="de-DE" dirty="0" smtClean="0"/>
+              <a:t>Die Position der Steine variiert.</a:t>
+            </a:r>
+          </a:p>
+          <a:p>
+            <a:pPr marL="285750" indent="-285750">
+              <a:buFont typeface="Arial" panose="020B0604020202020204" pitchFamily="34" charset="0"/>
+              <a:buChar char="•"/>
+            </a:pPr>
+            <a:endParaRPr lang="de-DE" dirty="0"/>
+          </a:p>
+          <a:p>
+            <a:pPr marL="285750" indent="-285750">
+              <a:buFont typeface="Arial" panose="020B0604020202020204" pitchFamily="34" charset="0"/>
+              <a:buChar char="•"/>
+            </a:pPr>
+            <a:r>
+              <a:rPr lang="de-DE" dirty="0" smtClean="0"/>
+              <a:t>Wird man von ihnen einmal getroffen, so endet das Spiel.</a:t>
+            </a:r>
+          </a:p>
+          <a:p>
+            <a:pPr marL="285750" indent="-285750">
+              <a:buFont typeface="Arial" panose="020B0604020202020204" pitchFamily="34" charset="0"/>
+              <a:buChar char="•"/>
+            </a:pPr>
+            <a:endParaRPr lang="de-DE" dirty="0"/>
+          </a:p>
+          <a:p>
+            <a:pPr marL="285750" indent="-285750">
+              <a:buFont typeface="Arial" panose="020B0604020202020204" pitchFamily="34" charset="0"/>
+              <a:buChar char="•"/>
+            </a:pPr>
+            <a:r>
+              <a:rPr lang="de-DE" dirty="0" smtClean="0"/>
+              <a:t>Mithilfe eines Arrays wurden die Steine realisiert.</a:t>
+            </a:r>
+          </a:p>
+          <a:p>
+            <a:pPr marL="285750" indent="-285750">
+              <a:buFont typeface="Arial" panose="020B0604020202020204" pitchFamily="34" charset="0"/>
+              <a:buChar char="•"/>
+            </a:pPr>
+            <a:endParaRPr lang="de-DE" dirty="0"/>
+          </a:p>
+          <a:p>
+            <a:pPr marL="285750" indent="-285750">
+              <a:buFont typeface="Arial" panose="020B0604020202020204" pitchFamily="34" charset="0"/>
+              <a:buChar char="•"/>
+            </a:pPr>
+            <a:endParaRPr lang="de-DE" dirty="0" smtClean="0"/>
+          </a:p>
+        </p:txBody>
+      </p:sp>
     </p:spTree>
     <p:extLst>
       <p:ext uri="{BB962C8B-B14F-4D97-AF65-F5344CB8AC3E}">
-        <p14:creationId xmlns:p14="http://schemas.microsoft.com/office/powerpoint/2010/main" val="1751196747"/>
+        <p14:creationId xmlns:p14="http://schemas.microsoft.com/office/powerpoint/2010/main" val="4190046946"/>
       </p:ext>
     </p:extLst>
   </p:cSld>
@@ -9608,6 +10498,259 @@
           <a:p>
             <a:pPr algn="ctr"/>
             <a:r>
+              <a:rPr lang="de-DE" b="1" dirty="0" smtClean="0"/>
+              <a:t>Systemarchitektur</a:t>
+            </a:r>
+            <a:endParaRPr lang="de-DE" b="1" dirty="0"/>
+          </a:p>
+        </p:txBody>
+      </p:sp>
+      <p:sp>
+        <p:nvSpPr>
+          <p:cNvPr id="4" name="Foliennummernplatzhalter 3"/>
+          <p:cNvSpPr>
+            <a:spLocks noGrp="1"/>
+          </p:cNvSpPr>
+          <p:nvPr>
+            <p:ph type="sldNum" sz="quarter" idx="12"/>
+          </p:nvPr>
+        </p:nvSpPr>
+        <p:spPr/>
+        <p:txBody>
+          <a:bodyPr/>
+          <a:lstStyle/>
+          <a:p>
+            <a:fld id="{AFC15D4E-52BD-4359-8CF4-4D643ACA6A81}" type="slidenum">
+              <a:rPr lang="de-DE" smtClean="0"/>
+              <a:t>18</a:t>
+            </a:fld>
+            <a:endParaRPr lang="de-DE"/>
+          </a:p>
+        </p:txBody>
+      </p:sp>
+      <p:sp>
+        <p:nvSpPr>
+          <p:cNvPr id="5" name="Rechteck 4"/>
+          <p:cNvSpPr/>
+          <p:nvPr/>
+        </p:nvSpPr>
+        <p:spPr>
+          <a:xfrm>
+            <a:off x="115910" y="1403989"/>
+            <a:ext cx="2627290" cy="634621"/>
+          </a:xfrm>
+          <a:prstGeom prst="rect">
+            <a:avLst/>
+          </a:prstGeom>
+          <a:solidFill>
+            <a:schemeClr val="tx2"/>
+          </a:solidFill>
+          <a:ln>
+            <a:solidFill>
+              <a:schemeClr val="tx2">
+                <a:lumMod val="50000"/>
+              </a:schemeClr>
+            </a:solidFill>
+          </a:ln>
+        </p:spPr>
+        <p:style>
+          <a:lnRef idx="2">
+            <a:schemeClr val="accent1">
+              <a:shade val="50000"/>
+            </a:schemeClr>
+          </a:lnRef>
+          <a:fillRef idx="1">
+            <a:schemeClr val="accent1"/>
+          </a:fillRef>
+          <a:effectRef idx="0">
+            <a:schemeClr val="accent1"/>
+          </a:effectRef>
+          <a:fontRef idx="minor">
+            <a:schemeClr val="lt1"/>
+          </a:fontRef>
+        </p:style>
+        <p:txBody>
+          <a:bodyPr rtlCol="0" anchor="ctr"/>
+          <a:lstStyle/>
+          <a:p>
+            <a:pPr algn="ctr"/>
+            <a:r>
+              <a:rPr lang="de-DE" dirty="0" smtClean="0"/>
+              <a:t>Objekte im Spiel</a:t>
+            </a:r>
+            <a:endParaRPr lang="de-DE" dirty="0"/>
+          </a:p>
+        </p:txBody>
+      </p:sp>
+      <p:sp>
+        <p:nvSpPr>
+          <p:cNvPr id="6" name="Rechteck 5"/>
+          <p:cNvSpPr/>
+          <p:nvPr/>
+        </p:nvSpPr>
+        <p:spPr>
+          <a:xfrm>
+            <a:off x="1998372" y="2228970"/>
+            <a:ext cx="2163651" cy="463640"/>
+          </a:xfrm>
+          <a:prstGeom prst="rect">
+            <a:avLst/>
+          </a:prstGeom>
+        </p:spPr>
+        <p:style>
+          <a:lnRef idx="2">
+            <a:schemeClr val="accent1">
+              <a:shade val="50000"/>
+            </a:schemeClr>
+          </a:lnRef>
+          <a:fillRef idx="1">
+            <a:schemeClr val="accent1"/>
+          </a:fillRef>
+          <a:effectRef idx="0">
+            <a:schemeClr val="accent1"/>
+          </a:effectRef>
+          <a:fontRef idx="minor">
+            <a:schemeClr val="lt1"/>
+          </a:fontRef>
+        </p:style>
+        <p:txBody>
+          <a:bodyPr rtlCol="0" anchor="ctr"/>
+          <a:lstStyle/>
+          <a:p>
+            <a:pPr algn="ctr"/>
+            <a:r>
+              <a:rPr lang="de-DE" dirty="0" smtClean="0"/>
+              <a:t>Schlange</a:t>
+            </a:r>
+            <a:endParaRPr lang="de-DE" dirty="0"/>
+          </a:p>
+        </p:txBody>
+      </p:sp>
+      <p:sp>
+        <p:nvSpPr>
+          <p:cNvPr id="7" name="Rechteck 6"/>
+          <p:cNvSpPr/>
+          <p:nvPr/>
+        </p:nvSpPr>
+        <p:spPr>
+          <a:xfrm>
+            <a:off x="1998371" y="3565112"/>
+            <a:ext cx="2163651" cy="463640"/>
+          </a:xfrm>
+          <a:prstGeom prst="rect">
+            <a:avLst/>
+          </a:prstGeom>
+        </p:spPr>
+        <p:style>
+          <a:lnRef idx="2">
+            <a:schemeClr val="accent1">
+              <a:shade val="50000"/>
+            </a:schemeClr>
+          </a:lnRef>
+          <a:fillRef idx="1">
+            <a:schemeClr val="accent1"/>
+          </a:fillRef>
+          <a:effectRef idx="0">
+            <a:schemeClr val="accent1"/>
+          </a:effectRef>
+          <a:fontRef idx="minor">
+            <a:schemeClr val="lt1"/>
+          </a:fontRef>
+        </p:style>
+        <p:txBody>
+          <a:bodyPr rtlCol="0" anchor="ctr"/>
+          <a:lstStyle/>
+          <a:p>
+            <a:pPr algn="ctr"/>
+            <a:r>
+              <a:rPr lang="de-DE" dirty="0" smtClean="0"/>
+              <a:t>Speerfalle</a:t>
+            </a:r>
+            <a:endParaRPr lang="de-DE" dirty="0"/>
+          </a:p>
+        </p:txBody>
+      </p:sp>
+      <p:sp>
+        <p:nvSpPr>
+          <p:cNvPr id="8" name="Rechteck 7"/>
+          <p:cNvSpPr/>
+          <p:nvPr/>
+        </p:nvSpPr>
+        <p:spPr>
+          <a:xfrm>
+            <a:off x="1998371" y="4229034"/>
+            <a:ext cx="2163651" cy="463640"/>
+          </a:xfrm>
+          <a:prstGeom prst="rect">
+            <a:avLst/>
+          </a:prstGeom>
+        </p:spPr>
+        <p:style>
+          <a:lnRef idx="2">
+            <a:schemeClr val="accent1">
+              <a:shade val="50000"/>
+            </a:schemeClr>
+          </a:lnRef>
+          <a:fillRef idx="1">
+            <a:schemeClr val="accent1"/>
+          </a:fillRef>
+          <a:effectRef idx="0">
+            <a:schemeClr val="accent1"/>
+          </a:effectRef>
+          <a:fontRef idx="minor">
+            <a:schemeClr val="lt1"/>
+          </a:fontRef>
+        </p:style>
+        <p:txBody>
+          <a:bodyPr rtlCol="0" anchor="ctr"/>
+          <a:lstStyle/>
+          <a:p>
+            <a:pPr algn="ctr"/>
+            <a:r>
+              <a:rPr lang="de-DE" dirty="0" smtClean="0"/>
+              <a:t>Fallende Steine</a:t>
+            </a:r>
+            <a:endParaRPr lang="de-DE" dirty="0"/>
+          </a:p>
+        </p:txBody>
+      </p:sp>
+      <p:sp>
+        <p:nvSpPr>
+          <p:cNvPr id="9" name="Rechteck 8"/>
+          <p:cNvSpPr/>
+          <p:nvPr/>
+        </p:nvSpPr>
+        <p:spPr>
+          <a:xfrm>
+            <a:off x="1998370" y="5556878"/>
+            <a:ext cx="2163651" cy="463640"/>
+          </a:xfrm>
+          <a:prstGeom prst="rect">
+            <a:avLst/>
+          </a:prstGeom>
+        </p:spPr>
+        <p:style>
+          <a:lnRef idx="2">
+            <a:schemeClr val="accent1">
+              <a:shade val="50000"/>
+            </a:schemeClr>
+          </a:lnRef>
+          <a:fillRef idx="1">
+            <a:schemeClr val="accent1"/>
+          </a:fillRef>
+          <a:effectRef idx="0">
+            <a:schemeClr val="accent1"/>
+          </a:effectRef>
+          <a:fontRef idx="minor">
+            <a:schemeClr val="lt1"/>
+          </a:fontRef>
+        </p:style>
+        <p:txBody>
+          <a:bodyPr rtlCol="0" anchor="ctr"/>
+          <a:lstStyle/>
+          <a:p>
+            <a:pPr algn="ctr"/>
+            <a:r>
               <a:rPr lang="de-DE" dirty="0" smtClean="0"/>
               <a:t>Futter</a:t>
             </a:r>
@@ -9615,9 +10758,413 @@
           </a:p>
         </p:txBody>
       </p:sp>
+      <p:sp>
+        <p:nvSpPr>
+          <p:cNvPr id="10" name="Rechteck 9"/>
+          <p:cNvSpPr/>
+          <p:nvPr/>
+        </p:nvSpPr>
+        <p:spPr>
+          <a:xfrm>
+            <a:off x="1998370" y="4892956"/>
+            <a:ext cx="2163651" cy="463640"/>
+          </a:xfrm>
+          <a:prstGeom prst="rect">
+            <a:avLst/>
+          </a:prstGeom>
+          <a:solidFill>
+            <a:srgbClr val="FFC000"/>
+          </a:solidFill>
+          <a:ln>
+            <a:solidFill>
+              <a:schemeClr val="accent2"/>
+            </a:solidFill>
+          </a:ln>
+        </p:spPr>
+        <p:style>
+          <a:lnRef idx="2">
+            <a:schemeClr val="accent1">
+              <a:shade val="50000"/>
+            </a:schemeClr>
+          </a:lnRef>
+          <a:fillRef idx="1">
+            <a:schemeClr val="accent1"/>
+          </a:fillRef>
+          <a:effectRef idx="0">
+            <a:schemeClr val="accent1"/>
+          </a:effectRef>
+          <a:fontRef idx="minor">
+            <a:schemeClr val="lt1"/>
+          </a:fontRef>
+        </p:style>
+        <p:txBody>
+          <a:bodyPr rtlCol="0" anchor="ctr"/>
+          <a:lstStyle/>
+          <a:p>
+            <a:pPr algn="ctr"/>
+            <a:r>
+              <a:rPr lang="de-DE" dirty="0" smtClean="0">
+                <a:solidFill>
+                  <a:schemeClr val="tx1"/>
+                </a:solidFill>
+              </a:rPr>
+              <a:t>Diätpille</a:t>
+            </a:r>
+            <a:endParaRPr lang="de-DE" dirty="0">
+              <a:solidFill>
+                <a:schemeClr val="tx1"/>
+              </a:solidFill>
+            </a:endParaRPr>
+          </a:p>
+        </p:txBody>
+      </p:sp>
+      <p:cxnSp>
+        <p:nvCxnSpPr>
+          <p:cNvPr id="12" name="Gerader Verbinder 11"/>
+          <p:cNvCxnSpPr>
+            <a:stCxn id="5" idx="2"/>
+          </p:cNvCxnSpPr>
+          <p:nvPr/>
+        </p:nvCxnSpPr>
+        <p:spPr>
+          <a:xfrm>
+            <a:off x="1429555" y="2038610"/>
+            <a:ext cx="0" cy="4414008"/>
+          </a:xfrm>
+          <a:prstGeom prst="line">
+            <a:avLst/>
+          </a:prstGeom>
+        </p:spPr>
+        <p:style>
+          <a:lnRef idx="1">
+            <a:schemeClr val="accent1"/>
+          </a:lnRef>
+          <a:fillRef idx="0">
+            <a:schemeClr val="accent1"/>
+          </a:fillRef>
+          <a:effectRef idx="0">
+            <a:schemeClr val="accent1"/>
+          </a:effectRef>
+          <a:fontRef idx="minor">
+            <a:schemeClr val="tx1"/>
+          </a:fontRef>
+        </p:style>
+      </p:cxnSp>
+      <p:cxnSp>
+        <p:nvCxnSpPr>
+          <p:cNvPr id="14" name="Gerader Verbinder 13"/>
+          <p:cNvCxnSpPr>
+            <a:stCxn id="6" idx="1"/>
+          </p:cNvCxnSpPr>
+          <p:nvPr/>
+        </p:nvCxnSpPr>
+        <p:spPr>
+          <a:xfrm flipH="1">
+            <a:off x="1429555" y="2460790"/>
+            <a:ext cx="568817" cy="0"/>
+          </a:xfrm>
+          <a:prstGeom prst="line">
+            <a:avLst/>
+          </a:prstGeom>
+        </p:spPr>
+        <p:style>
+          <a:lnRef idx="1">
+            <a:schemeClr val="accent1"/>
+          </a:lnRef>
+          <a:fillRef idx="0">
+            <a:schemeClr val="accent1"/>
+          </a:fillRef>
+          <a:effectRef idx="0">
+            <a:schemeClr val="accent1"/>
+          </a:effectRef>
+          <a:fontRef idx="minor">
+            <a:schemeClr val="tx1"/>
+          </a:fontRef>
+        </p:style>
+      </p:cxnSp>
+      <p:sp>
+        <p:nvSpPr>
+          <p:cNvPr id="15" name="Rechteck 14"/>
+          <p:cNvSpPr/>
+          <p:nvPr/>
+        </p:nvSpPr>
+        <p:spPr>
+          <a:xfrm>
+            <a:off x="1998372" y="2892893"/>
+            <a:ext cx="2163651" cy="463640"/>
+          </a:xfrm>
+          <a:prstGeom prst="rect">
+            <a:avLst/>
+          </a:prstGeom>
+        </p:spPr>
+        <p:style>
+          <a:lnRef idx="2">
+            <a:schemeClr val="accent1">
+              <a:shade val="50000"/>
+            </a:schemeClr>
+          </a:lnRef>
+          <a:fillRef idx="1">
+            <a:schemeClr val="accent1"/>
+          </a:fillRef>
+          <a:effectRef idx="0">
+            <a:schemeClr val="accent1"/>
+          </a:effectRef>
+          <a:fontRef idx="minor">
+            <a:schemeClr val="lt1"/>
+          </a:fontRef>
+        </p:style>
+        <p:txBody>
+          <a:bodyPr rtlCol="0" anchor="ctr"/>
+          <a:lstStyle/>
+          <a:p>
+            <a:pPr algn="ctr"/>
+            <a:r>
+              <a:rPr lang="de-DE" dirty="0" smtClean="0"/>
+              <a:t>Spielfeld</a:t>
+            </a:r>
+            <a:endParaRPr lang="de-DE" dirty="0"/>
+          </a:p>
+        </p:txBody>
+      </p:sp>
+      <p:sp>
+        <p:nvSpPr>
+          <p:cNvPr id="16" name="Rechteck 15"/>
+          <p:cNvSpPr/>
+          <p:nvPr/>
+        </p:nvSpPr>
+        <p:spPr>
+          <a:xfrm>
+            <a:off x="1998369" y="6220800"/>
+            <a:ext cx="2163651" cy="463640"/>
+          </a:xfrm>
+          <a:prstGeom prst="rect">
+            <a:avLst/>
+          </a:prstGeom>
+        </p:spPr>
+        <p:style>
+          <a:lnRef idx="2">
+            <a:schemeClr val="accent1">
+              <a:shade val="50000"/>
+            </a:schemeClr>
+          </a:lnRef>
+          <a:fillRef idx="1">
+            <a:schemeClr val="accent1"/>
+          </a:fillRef>
+          <a:effectRef idx="0">
+            <a:schemeClr val="accent1"/>
+          </a:effectRef>
+          <a:fontRef idx="minor">
+            <a:schemeClr val="lt1"/>
+          </a:fontRef>
+        </p:style>
+        <p:txBody>
+          <a:bodyPr rtlCol="0" anchor="ctr"/>
+          <a:lstStyle/>
+          <a:p>
+            <a:pPr algn="ctr"/>
+            <a:r>
+              <a:rPr lang="de-DE" dirty="0" smtClean="0"/>
+              <a:t>Sonstige Objekte</a:t>
+            </a:r>
+            <a:endParaRPr lang="de-DE" dirty="0"/>
+          </a:p>
+        </p:txBody>
+      </p:sp>
+      <p:cxnSp>
+        <p:nvCxnSpPr>
+          <p:cNvPr id="18" name="Gerader Verbinder 17"/>
+          <p:cNvCxnSpPr>
+            <a:stCxn id="15" idx="1"/>
+          </p:cNvCxnSpPr>
+          <p:nvPr/>
+        </p:nvCxnSpPr>
+        <p:spPr>
+          <a:xfrm flipH="1">
+            <a:off x="1429555" y="3124713"/>
+            <a:ext cx="568817" cy="0"/>
+          </a:xfrm>
+          <a:prstGeom prst="line">
+            <a:avLst/>
+          </a:prstGeom>
+        </p:spPr>
+        <p:style>
+          <a:lnRef idx="1">
+            <a:schemeClr val="accent1"/>
+          </a:lnRef>
+          <a:fillRef idx="0">
+            <a:schemeClr val="accent1"/>
+          </a:fillRef>
+          <a:effectRef idx="0">
+            <a:schemeClr val="accent1"/>
+          </a:effectRef>
+          <a:fontRef idx="minor">
+            <a:schemeClr val="tx1"/>
+          </a:fontRef>
+        </p:style>
+      </p:cxnSp>
+      <p:cxnSp>
+        <p:nvCxnSpPr>
+          <p:cNvPr id="20" name="Gerader Verbinder 19"/>
+          <p:cNvCxnSpPr>
+            <a:stCxn id="7" idx="1"/>
+          </p:cNvCxnSpPr>
+          <p:nvPr/>
+        </p:nvCxnSpPr>
+        <p:spPr>
+          <a:xfrm flipH="1" flipV="1">
+            <a:off x="1429555" y="3796930"/>
+            <a:ext cx="568816" cy="2"/>
+          </a:xfrm>
+          <a:prstGeom prst="line">
+            <a:avLst/>
+          </a:prstGeom>
+        </p:spPr>
+        <p:style>
+          <a:lnRef idx="1">
+            <a:schemeClr val="accent1"/>
+          </a:lnRef>
+          <a:fillRef idx="0">
+            <a:schemeClr val="accent1"/>
+          </a:fillRef>
+          <a:effectRef idx="0">
+            <a:schemeClr val="accent1"/>
+          </a:effectRef>
+          <a:fontRef idx="minor">
+            <a:schemeClr val="tx1"/>
+          </a:fontRef>
+        </p:style>
+      </p:cxnSp>
+      <p:cxnSp>
+        <p:nvCxnSpPr>
+          <p:cNvPr id="24" name="Gerader Verbinder 23"/>
+          <p:cNvCxnSpPr>
+            <a:stCxn id="8" idx="1"/>
+          </p:cNvCxnSpPr>
+          <p:nvPr/>
+        </p:nvCxnSpPr>
+        <p:spPr>
+          <a:xfrm flipH="1">
+            <a:off x="1429555" y="4460854"/>
+            <a:ext cx="568816" cy="0"/>
+          </a:xfrm>
+          <a:prstGeom prst="line">
+            <a:avLst/>
+          </a:prstGeom>
+        </p:spPr>
+        <p:style>
+          <a:lnRef idx="1">
+            <a:schemeClr val="accent1"/>
+          </a:lnRef>
+          <a:fillRef idx="0">
+            <a:schemeClr val="accent1"/>
+          </a:fillRef>
+          <a:effectRef idx="0">
+            <a:schemeClr val="accent1"/>
+          </a:effectRef>
+          <a:fontRef idx="minor">
+            <a:schemeClr val="tx1"/>
+          </a:fontRef>
+        </p:style>
+      </p:cxnSp>
+      <p:cxnSp>
+        <p:nvCxnSpPr>
+          <p:cNvPr id="26" name="Gerader Verbinder 25"/>
+          <p:cNvCxnSpPr>
+            <a:stCxn id="10" idx="1"/>
+          </p:cNvCxnSpPr>
+          <p:nvPr/>
+        </p:nvCxnSpPr>
+        <p:spPr>
+          <a:xfrm flipH="1" flipV="1">
+            <a:off x="1429555" y="5124775"/>
+            <a:ext cx="568815" cy="1"/>
+          </a:xfrm>
+          <a:prstGeom prst="line">
+            <a:avLst/>
+          </a:prstGeom>
+        </p:spPr>
+        <p:style>
+          <a:lnRef idx="1">
+            <a:schemeClr val="accent1"/>
+          </a:lnRef>
+          <a:fillRef idx="0">
+            <a:schemeClr val="accent1"/>
+          </a:fillRef>
+          <a:effectRef idx="0">
+            <a:schemeClr val="accent1"/>
+          </a:effectRef>
+          <a:fontRef idx="minor">
+            <a:schemeClr val="tx1"/>
+          </a:fontRef>
+        </p:style>
+      </p:cxnSp>
+      <p:cxnSp>
+        <p:nvCxnSpPr>
+          <p:cNvPr id="28" name="Gerader Verbinder 27"/>
+          <p:cNvCxnSpPr>
+            <a:stCxn id="9" idx="1"/>
+          </p:cNvCxnSpPr>
+          <p:nvPr/>
+        </p:nvCxnSpPr>
+        <p:spPr>
+          <a:xfrm flipH="1" flipV="1">
+            <a:off x="1429555" y="5788696"/>
+            <a:ext cx="568815" cy="2"/>
+          </a:xfrm>
+          <a:prstGeom prst="line">
+            <a:avLst/>
+          </a:prstGeom>
+        </p:spPr>
+        <p:style>
+          <a:lnRef idx="1">
+            <a:schemeClr val="accent1"/>
+          </a:lnRef>
+          <a:fillRef idx="0">
+            <a:schemeClr val="accent1"/>
+          </a:fillRef>
+          <a:effectRef idx="0">
+            <a:schemeClr val="accent1"/>
+          </a:effectRef>
+          <a:fontRef idx="minor">
+            <a:schemeClr val="tx1"/>
+          </a:fontRef>
+        </p:style>
+      </p:cxnSp>
+      <p:cxnSp>
+        <p:nvCxnSpPr>
+          <p:cNvPr id="30" name="Gerader Verbinder 29"/>
+          <p:cNvCxnSpPr>
+            <a:stCxn id="16" idx="1"/>
+          </p:cNvCxnSpPr>
+          <p:nvPr/>
+        </p:nvCxnSpPr>
+        <p:spPr>
+          <a:xfrm flipH="1" flipV="1">
+            <a:off x="1429555" y="6452618"/>
+            <a:ext cx="568814" cy="2"/>
+          </a:xfrm>
+          <a:prstGeom prst="line">
+            <a:avLst/>
+          </a:prstGeom>
+        </p:spPr>
+        <p:style>
+          <a:lnRef idx="1">
+            <a:schemeClr val="accent1"/>
+          </a:lnRef>
+          <a:fillRef idx="0">
+            <a:schemeClr val="accent1"/>
+          </a:fillRef>
+          <a:effectRef idx="0">
+            <a:schemeClr val="accent1"/>
+          </a:effectRef>
+          <a:fontRef idx="minor">
+            <a:schemeClr val="tx1"/>
+          </a:fontRef>
+        </p:style>
+      </p:cxnSp>
       <p:pic>
         <p:nvPicPr>
-          <p:cNvPr id="5" name="Inhaltsplatzhalter 4"/>
+          <p:cNvPr id="21" name="Inhaltsplatzhalter 4"/>
           <p:cNvPicPr>
             <a:picLocks noGrp="1" noChangeAspect="1"/>
           </p:cNvPicPr>
@@ -9639,37 +11186,120 @@
         </p:blipFill>
         <p:spPr>
           <a:xfrm>
-            <a:off x="2314792" y="1842164"/>
-            <a:ext cx="2397003" cy="2423786"/>
+            <a:off x="5065746" y="1403989"/>
+            <a:ext cx="2494153" cy="1719713"/>
           </a:xfrm>
         </p:spPr>
       </p:pic>
       <p:sp>
         <p:nvSpPr>
-          <p:cNvPr id="4" name="Foliennummernplatzhalter 3"/>
-          <p:cNvSpPr>
-            <a:spLocks noGrp="1"/>
-          </p:cNvSpPr>
-          <p:nvPr>
-            <p:ph type="sldNum" sz="quarter" idx="12"/>
-          </p:nvPr>
-        </p:nvSpPr>
-        <p:spPr/>
-        <p:txBody>
-          <a:bodyPr/>
-          <a:lstStyle/>
-          <a:p>
-            <a:fld id="{AFC15D4E-52BD-4359-8CF4-4D643ACA6A81}" type="slidenum">
-              <a:rPr lang="de-DE" smtClean="0"/>
-              <a:t>18</a:t>
-            </a:fld>
-            <a:endParaRPr lang="de-DE"/>
+          <p:cNvPr id="22" name="Textfeld 21"/>
+          <p:cNvSpPr txBox="1"/>
+          <p:nvPr/>
+        </p:nvSpPr>
+        <p:spPr>
+          <a:xfrm>
+            <a:off x="5065746" y="3553351"/>
+            <a:ext cx="5872766" cy="2031325"/>
+          </a:xfrm>
+          <a:prstGeom prst="rect">
+            <a:avLst/>
+          </a:prstGeom>
+          <a:noFill/>
+        </p:spPr>
+        <p:txBody>
+          <a:bodyPr wrap="square" rtlCol="0">
+            <a:spAutoFit/>
+          </a:bodyPr>
+          <a:lstStyle/>
+          <a:p>
+            <a:pPr marL="285750" indent="-285750">
+              <a:buFont typeface="Arial" panose="020B0604020202020204" pitchFamily="34" charset="0"/>
+              <a:buChar char="•"/>
+            </a:pPr>
+            <a:r>
+              <a:rPr lang="de-DE" dirty="0" smtClean="0"/>
+              <a:t>Gegenstück vom Futter.</a:t>
+            </a:r>
+          </a:p>
+          <a:p>
+            <a:pPr marL="285750" indent="-285750">
+              <a:buFont typeface="Arial" panose="020B0604020202020204" pitchFamily="34" charset="0"/>
+              <a:buChar char="•"/>
+            </a:pPr>
+            <a:endParaRPr lang="de-DE" dirty="0"/>
+          </a:p>
+          <a:p>
+            <a:pPr marL="285750" indent="-285750">
+              <a:buFont typeface="Arial" panose="020B0604020202020204" pitchFamily="34" charset="0"/>
+              <a:buChar char="•"/>
+            </a:pPr>
+            <a:r>
+              <a:rPr lang="de-DE" dirty="0" smtClean="0"/>
+              <a:t>Erscheint alle 30 Sekunden. Wird sie nach 5 Sekunden nicht gegessen, so verschwindet sie wieder.</a:t>
+            </a:r>
+          </a:p>
+          <a:p>
+            <a:pPr marL="285750" indent="-285750">
+              <a:buFont typeface="Arial" panose="020B0604020202020204" pitchFamily="34" charset="0"/>
+              <a:buChar char="•"/>
+            </a:pPr>
+            <a:endParaRPr lang="de-DE" dirty="0"/>
+          </a:p>
+          <a:p>
+            <a:pPr marL="285750" indent="-285750">
+              <a:buFont typeface="Arial" panose="020B0604020202020204" pitchFamily="34" charset="0"/>
+              <a:buChar char="•"/>
+            </a:pPr>
+            <a:r>
+              <a:rPr lang="de-DE" dirty="0" smtClean="0"/>
+              <a:t>Kollidiert die Schlange mit der Diätpille, so wird sie kleiner und blinkt blau.</a:t>
+            </a:r>
+          </a:p>
+        </p:txBody>
+      </p:sp>
+      <p:sp>
+        <p:nvSpPr>
+          <p:cNvPr id="23" name="Textfeld 22"/>
+          <p:cNvSpPr txBox="1"/>
+          <p:nvPr/>
+        </p:nvSpPr>
+        <p:spPr>
+          <a:xfrm>
+            <a:off x="4955560" y="3128665"/>
+            <a:ext cx="4712594" cy="530915"/>
+          </a:xfrm>
+          <a:prstGeom prst="rect">
+            <a:avLst/>
+          </a:prstGeom>
+          <a:noFill/>
+        </p:spPr>
+        <p:txBody>
+          <a:bodyPr wrap="square" rtlCol="0">
+            <a:spAutoFit/>
+          </a:bodyPr>
+          <a:lstStyle/>
+          <a:p>
+            <a:r>
+              <a:rPr lang="de-DE" sz="1050" i="1" dirty="0" smtClean="0">
+                <a:solidFill>
+                  <a:schemeClr val="tx1">
+                    <a:lumMod val="50000"/>
+                    <a:lumOff val="50000"/>
+                  </a:schemeClr>
+                </a:solidFill>
+              </a:rPr>
+              <a:t>So sieht die Diätpille aus. (Stand: 29.09.2015)</a:t>
+            </a:r>
+          </a:p>
+          <a:p>
+            <a:endParaRPr lang="de-DE" b="1" dirty="0"/>
           </a:p>
         </p:txBody>
       </p:sp>
       <p:pic>
         <p:nvPicPr>
-          <p:cNvPr id="6" name="Grafik 5"/>
+          <p:cNvPr id="25" name="Grafik 24"/>
           <p:cNvPicPr>
             <a:picLocks noChangeAspect="1"/>
           </p:cNvPicPr>
@@ -9689,8 +11319,8 @@
         </p:blipFill>
         <p:spPr>
           <a:xfrm>
-            <a:off x="6045869" y="1842164"/>
-            <a:ext cx="3896888" cy="2435556"/>
+            <a:off x="8002129" y="1403989"/>
+            <a:ext cx="3241485" cy="1719713"/>
           </a:xfrm>
           <a:prstGeom prst="rect">
             <a:avLst/>
@@ -9699,50 +11329,14 @@
       </p:pic>
       <p:sp>
         <p:nvSpPr>
-          <p:cNvPr id="3" name="Textfeld 2"/>
+          <p:cNvPr id="27" name="Textfeld 26"/>
           <p:cNvSpPr txBox="1"/>
           <p:nvPr/>
         </p:nvSpPr>
         <p:spPr>
           <a:xfrm>
-            <a:off x="2314792" y="4429197"/>
-            <a:ext cx="2397003" cy="646331"/>
-          </a:xfrm>
-          <a:prstGeom prst="rect">
-            <a:avLst/>
-          </a:prstGeom>
-          <a:noFill/>
-        </p:spPr>
-        <p:txBody>
-          <a:bodyPr wrap="none" rtlCol="0">
-            <a:spAutoFit/>
-          </a:bodyPr>
-          <a:lstStyle/>
-          <a:p>
-            <a:r>
-              <a:rPr lang="de-DE" dirty="0" smtClean="0"/>
-              <a:t>Das Futter hat die Form</a:t>
-            </a:r>
-          </a:p>
-          <a:p>
-            <a:r>
-              <a:rPr lang="de-DE" dirty="0" smtClean="0"/>
-              <a:t> von einem Kegel</a:t>
-            </a:r>
-            <a:endParaRPr lang="de-DE" dirty="0"/>
-          </a:p>
-        </p:txBody>
-      </p:sp>
-      <p:sp>
-        <p:nvSpPr>
-          <p:cNvPr id="7" name="Textfeld 6"/>
-          <p:cNvSpPr txBox="1"/>
-          <p:nvPr/>
-        </p:nvSpPr>
-        <p:spPr>
-          <a:xfrm>
-            <a:off x="6045869" y="4429197"/>
-            <a:ext cx="4848045" cy="646331"/>
+            <a:off x="7955416" y="3123702"/>
+            <a:ext cx="4712594" cy="692497"/>
           </a:xfrm>
           <a:prstGeom prst="rect">
             <a:avLst/>
@@ -9756,19 +11350,50 @@
           <a:lstStyle/>
           <a:p>
             <a:r>
-              <a:rPr lang="de-DE" dirty="0" smtClean="0"/>
-              <a:t>Kollidiert die Schlange mit dem Futter,</a:t>
-            </a:r>
-          </a:p>
-          <a:p>
-            <a:r>
-              <a:rPr lang="de-DE" dirty="0"/>
-              <a:t>b</a:t>
-            </a:r>
-            <a:r>
-              <a:rPr lang="de-DE" dirty="0" smtClean="0"/>
-              <a:t>linkt sie kurz grün</a:t>
-            </a:r>
+              <a:rPr lang="de-DE" sz="1050" i="1" dirty="0" smtClean="0">
+                <a:solidFill>
+                  <a:schemeClr val="tx1">
+                    <a:lumMod val="50000"/>
+                    <a:lumOff val="50000"/>
+                  </a:schemeClr>
+                </a:solidFill>
+              </a:rPr>
+              <a:t>Die Schlange blinkt blau und wird kleiner, sobald sie die </a:t>
+            </a:r>
+          </a:p>
+          <a:p>
+            <a:r>
+              <a:rPr lang="de-DE" sz="1050" i="1" dirty="0" smtClean="0">
+                <a:solidFill>
+                  <a:schemeClr val="tx1">
+                    <a:lumMod val="50000"/>
+                    <a:lumOff val="50000"/>
+                  </a:schemeClr>
+                </a:solidFill>
+              </a:rPr>
+              <a:t>Pille verzehrt. </a:t>
+            </a:r>
+            <a:r>
+              <a:rPr lang="de-DE" sz="1050" i="1" dirty="0" smtClean="0">
+                <a:solidFill>
+                  <a:schemeClr val="tx1">
+                    <a:lumMod val="50000"/>
+                    <a:lumOff val="50000"/>
+                  </a:schemeClr>
+                </a:solidFill>
+              </a:rPr>
+              <a:t>(Stand: 29.09.2015)</a:t>
+            </a:r>
+            <a:endParaRPr lang="de-DE" sz="1050" i="1" dirty="0">
+              <a:solidFill>
+                <a:schemeClr val="tx1">
+                  <a:lumMod val="50000"/>
+                  <a:lumOff val="50000"/>
+                </a:schemeClr>
+              </a:solidFill>
+            </a:endParaRPr>
+          </a:p>
+          <a:p>
             <a:endParaRPr lang="de-DE" dirty="0"/>
           </a:p>
         </p:txBody>
@@ -9776,7 +11401,7 @@
     </p:spTree>
     <p:extLst>
       <p:ext uri="{BB962C8B-B14F-4D97-AF65-F5344CB8AC3E}">
-        <p14:creationId xmlns:p14="http://schemas.microsoft.com/office/powerpoint/2010/main" val="2986249817"/>
+        <p14:creationId xmlns:p14="http://schemas.microsoft.com/office/powerpoint/2010/main" val="1496639185"/>
       </p:ext>
     </p:extLst>
   </p:cSld>
@@ -9827,16 +11452,673 @@
           <a:p>
             <a:pPr algn="ctr"/>
             <a:r>
-              <a:rPr lang="de-DE" dirty="0" smtClean="0"/>
-              <a:t>Diät-Pille</a:t>
+              <a:rPr lang="de-DE" b="1" dirty="0" smtClean="0"/>
+              <a:t>Systemarchitektur</a:t>
+            </a:r>
+            <a:endParaRPr lang="de-DE" b="1" dirty="0"/>
+          </a:p>
+        </p:txBody>
+      </p:sp>
+      <p:sp>
+        <p:nvSpPr>
+          <p:cNvPr id="4" name="Foliennummernplatzhalter 3"/>
+          <p:cNvSpPr>
+            <a:spLocks noGrp="1"/>
+          </p:cNvSpPr>
+          <p:nvPr>
+            <p:ph type="sldNum" sz="quarter" idx="12"/>
+          </p:nvPr>
+        </p:nvSpPr>
+        <p:spPr/>
+        <p:txBody>
+          <a:bodyPr/>
+          <a:lstStyle/>
+          <a:p>
+            <a:fld id="{AFC15D4E-52BD-4359-8CF4-4D643ACA6A81}" type="slidenum">
+              <a:rPr lang="de-DE" smtClean="0"/>
+              <a:t>19</a:t>
+            </a:fld>
+            <a:endParaRPr lang="de-DE"/>
+          </a:p>
+        </p:txBody>
+      </p:sp>
+      <p:sp>
+        <p:nvSpPr>
+          <p:cNvPr id="5" name="Rechteck 4"/>
+          <p:cNvSpPr/>
+          <p:nvPr/>
+        </p:nvSpPr>
+        <p:spPr>
+          <a:xfrm>
+            <a:off x="115910" y="1403989"/>
+            <a:ext cx="2627290" cy="634621"/>
+          </a:xfrm>
+          <a:prstGeom prst="rect">
+            <a:avLst/>
+          </a:prstGeom>
+          <a:solidFill>
+            <a:schemeClr val="tx2"/>
+          </a:solidFill>
+          <a:ln>
+            <a:solidFill>
+              <a:schemeClr val="tx2">
+                <a:lumMod val="50000"/>
+              </a:schemeClr>
+            </a:solidFill>
+          </a:ln>
+        </p:spPr>
+        <p:style>
+          <a:lnRef idx="2">
+            <a:schemeClr val="accent1">
+              <a:shade val="50000"/>
+            </a:schemeClr>
+          </a:lnRef>
+          <a:fillRef idx="1">
+            <a:schemeClr val="accent1"/>
+          </a:fillRef>
+          <a:effectRef idx="0">
+            <a:schemeClr val="accent1"/>
+          </a:effectRef>
+          <a:fontRef idx="minor">
+            <a:schemeClr val="lt1"/>
+          </a:fontRef>
+        </p:style>
+        <p:txBody>
+          <a:bodyPr rtlCol="0" anchor="ctr"/>
+          <a:lstStyle/>
+          <a:p>
+            <a:pPr algn="ctr"/>
+            <a:r>
+              <a:rPr lang="de-DE" dirty="0" smtClean="0"/>
+              <a:t>Objekte im Spiel</a:t>
             </a:r>
             <a:endParaRPr lang="de-DE" dirty="0"/>
           </a:p>
         </p:txBody>
       </p:sp>
+      <p:sp>
+        <p:nvSpPr>
+          <p:cNvPr id="6" name="Rechteck 5"/>
+          <p:cNvSpPr/>
+          <p:nvPr/>
+        </p:nvSpPr>
+        <p:spPr>
+          <a:xfrm>
+            <a:off x="1998372" y="2228970"/>
+            <a:ext cx="2163651" cy="463640"/>
+          </a:xfrm>
+          <a:prstGeom prst="rect">
+            <a:avLst/>
+          </a:prstGeom>
+        </p:spPr>
+        <p:style>
+          <a:lnRef idx="2">
+            <a:schemeClr val="accent1">
+              <a:shade val="50000"/>
+            </a:schemeClr>
+          </a:lnRef>
+          <a:fillRef idx="1">
+            <a:schemeClr val="accent1"/>
+          </a:fillRef>
+          <a:effectRef idx="0">
+            <a:schemeClr val="accent1"/>
+          </a:effectRef>
+          <a:fontRef idx="minor">
+            <a:schemeClr val="lt1"/>
+          </a:fontRef>
+        </p:style>
+        <p:txBody>
+          <a:bodyPr rtlCol="0" anchor="ctr"/>
+          <a:lstStyle/>
+          <a:p>
+            <a:pPr algn="ctr"/>
+            <a:r>
+              <a:rPr lang="de-DE" dirty="0" smtClean="0"/>
+              <a:t>Schlange</a:t>
+            </a:r>
+            <a:endParaRPr lang="de-DE" dirty="0"/>
+          </a:p>
+        </p:txBody>
+      </p:sp>
+      <p:sp>
+        <p:nvSpPr>
+          <p:cNvPr id="7" name="Rechteck 6"/>
+          <p:cNvSpPr/>
+          <p:nvPr/>
+        </p:nvSpPr>
+        <p:spPr>
+          <a:xfrm>
+            <a:off x="1998371" y="3565112"/>
+            <a:ext cx="2163651" cy="463640"/>
+          </a:xfrm>
+          <a:prstGeom prst="rect">
+            <a:avLst/>
+          </a:prstGeom>
+        </p:spPr>
+        <p:style>
+          <a:lnRef idx="2">
+            <a:schemeClr val="accent1">
+              <a:shade val="50000"/>
+            </a:schemeClr>
+          </a:lnRef>
+          <a:fillRef idx="1">
+            <a:schemeClr val="accent1"/>
+          </a:fillRef>
+          <a:effectRef idx="0">
+            <a:schemeClr val="accent1"/>
+          </a:effectRef>
+          <a:fontRef idx="minor">
+            <a:schemeClr val="lt1"/>
+          </a:fontRef>
+        </p:style>
+        <p:txBody>
+          <a:bodyPr rtlCol="0" anchor="ctr"/>
+          <a:lstStyle/>
+          <a:p>
+            <a:pPr algn="ctr"/>
+            <a:r>
+              <a:rPr lang="de-DE" dirty="0" smtClean="0"/>
+              <a:t>Speerfalle</a:t>
+            </a:r>
+            <a:endParaRPr lang="de-DE" dirty="0"/>
+          </a:p>
+        </p:txBody>
+      </p:sp>
+      <p:sp>
+        <p:nvSpPr>
+          <p:cNvPr id="8" name="Rechteck 7"/>
+          <p:cNvSpPr/>
+          <p:nvPr/>
+        </p:nvSpPr>
+        <p:spPr>
+          <a:xfrm>
+            <a:off x="1998371" y="4229034"/>
+            <a:ext cx="2163651" cy="463640"/>
+          </a:xfrm>
+          <a:prstGeom prst="rect">
+            <a:avLst/>
+          </a:prstGeom>
+        </p:spPr>
+        <p:style>
+          <a:lnRef idx="2">
+            <a:schemeClr val="accent1">
+              <a:shade val="50000"/>
+            </a:schemeClr>
+          </a:lnRef>
+          <a:fillRef idx="1">
+            <a:schemeClr val="accent1"/>
+          </a:fillRef>
+          <a:effectRef idx="0">
+            <a:schemeClr val="accent1"/>
+          </a:effectRef>
+          <a:fontRef idx="minor">
+            <a:schemeClr val="lt1"/>
+          </a:fontRef>
+        </p:style>
+        <p:txBody>
+          <a:bodyPr rtlCol="0" anchor="ctr"/>
+          <a:lstStyle/>
+          <a:p>
+            <a:pPr algn="ctr"/>
+            <a:r>
+              <a:rPr lang="de-DE" dirty="0" smtClean="0"/>
+              <a:t>Fallende Steine</a:t>
+            </a:r>
+            <a:endParaRPr lang="de-DE" dirty="0"/>
+          </a:p>
+        </p:txBody>
+      </p:sp>
+      <p:sp>
+        <p:nvSpPr>
+          <p:cNvPr id="9" name="Rechteck 8"/>
+          <p:cNvSpPr/>
+          <p:nvPr/>
+        </p:nvSpPr>
+        <p:spPr>
+          <a:xfrm>
+            <a:off x="1998370" y="5556878"/>
+            <a:ext cx="2163651" cy="463640"/>
+          </a:xfrm>
+          <a:prstGeom prst="rect">
+            <a:avLst/>
+          </a:prstGeom>
+          <a:solidFill>
+            <a:srgbClr val="FFC000"/>
+          </a:solidFill>
+          <a:ln>
+            <a:solidFill>
+              <a:schemeClr val="accent2"/>
+            </a:solidFill>
+          </a:ln>
+        </p:spPr>
+        <p:style>
+          <a:lnRef idx="2">
+            <a:schemeClr val="accent1">
+              <a:shade val="50000"/>
+            </a:schemeClr>
+          </a:lnRef>
+          <a:fillRef idx="1">
+            <a:schemeClr val="accent1"/>
+          </a:fillRef>
+          <a:effectRef idx="0">
+            <a:schemeClr val="accent1"/>
+          </a:effectRef>
+          <a:fontRef idx="minor">
+            <a:schemeClr val="lt1"/>
+          </a:fontRef>
+        </p:style>
+        <p:txBody>
+          <a:bodyPr rtlCol="0" anchor="ctr"/>
+          <a:lstStyle/>
+          <a:p>
+            <a:pPr algn="ctr"/>
+            <a:r>
+              <a:rPr lang="de-DE" dirty="0" smtClean="0">
+                <a:solidFill>
+                  <a:schemeClr val="tx1"/>
+                </a:solidFill>
+              </a:rPr>
+              <a:t>Futter</a:t>
+            </a:r>
+            <a:endParaRPr lang="de-DE" dirty="0">
+              <a:solidFill>
+                <a:schemeClr val="tx1"/>
+              </a:solidFill>
+            </a:endParaRPr>
+          </a:p>
+        </p:txBody>
+      </p:sp>
+      <p:sp>
+        <p:nvSpPr>
+          <p:cNvPr id="10" name="Rechteck 9"/>
+          <p:cNvSpPr/>
+          <p:nvPr/>
+        </p:nvSpPr>
+        <p:spPr>
+          <a:xfrm>
+            <a:off x="1998370" y="4892956"/>
+            <a:ext cx="2163651" cy="463640"/>
+          </a:xfrm>
+          <a:prstGeom prst="rect">
+            <a:avLst/>
+          </a:prstGeom>
+        </p:spPr>
+        <p:style>
+          <a:lnRef idx="2">
+            <a:schemeClr val="accent1">
+              <a:shade val="50000"/>
+            </a:schemeClr>
+          </a:lnRef>
+          <a:fillRef idx="1">
+            <a:schemeClr val="accent1"/>
+          </a:fillRef>
+          <a:effectRef idx="0">
+            <a:schemeClr val="accent1"/>
+          </a:effectRef>
+          <a:fontRef idx="minor">
+            <a:schemeClr val="lt1"/>
+          </a:fontRef>
+        </p:style>
+        <p:txBody>
+          <a:bodyPr rtlCol="0" anchor="ctr"/>
+          <a:lstStyle/>
+          <a:p>
+            <a:pPr algn="ctr"/>
+            <a:r>
+              <a:rPr lang="de-DE" dirty="0" smtClean="0"/>
+              <a:t>Diätpille</a:t>
+            </a:r>
+            <a:endParaRPr lang="de-DE" dirty="0"/>
+          </a:p>
+        </p:txBody>
+      </p:sp>
+      <p:cxnSp>
+        <p:nvCxnSpPr>
+          <p:cNvPr id="12" name="Gerader Verbinder 11"/>
+          <p:cNvCxnSpPr>
+            <a:stCxn id="5" idx="2"/>
+          </p:cNvCxnSpPr>
+          <p:nvPr/>
+        </p:nvCxnSpPr>
+        <p:spPr>
+          <a:xfrm>
+            <a:off x="1429555" y="2038610"/>
+            <a:ext cx="0" cy="4414008"/>
+          </a:xfrm>
+          <a:prstGeom prst="line">
+            <a:avLst/>
+          </a:prstGeom>
+        </p:spPr>
+        <p:style>
+          <a:lnRef idx="1">
+            <a:schemeClr val="accent1"/>
+          </a:lnRef>
+          <a:fillRef idx="0">
+            <a:schemeClr val="accent1"/>
+          </a:fillRef>
+          <a:effectRef idx="0">
+            <a:schemeClr val="accent1"/>
+          </a:effectRef>
+          <a:fontRef idx="minor">
+            <a:schemeClr val="tx1"/>
+          </a:fontRef>
+        </p:style>
+      </p:cxnSp>
+      <p:cxnSp>
+        <p:nvCxnSpPr>
+          <p:cNvPr id="14" name="Gerader Verbinder 13"/>
+          <p:cNvCxnSpPr>
+            <a:stCxn id="6" idx="1"/>
+          </p:cNvCxnSpPr>
+          <p:nvPr/>
+        </p:nvCxnSpPr>
+        <p:spPr>
+          <a:xfrm flipH="1">
+            <a:off x="1429555" y="2460790"/>
+            <a:ext cx="568817" cy="0"/>
+          </a:xfrm>
+          <a:prstGeom prst="line">
+            <a:avLst/>
+          </a:prstGeom>
+        </p:spPr>
+        <p:style>
+          <a:lnRef idx="1">
+            <a:schemeClr val="accent1"/>
+          </a:lnRef>
+          <a:fillRef idx="0">
+            <a:schemeClr val="accent1"/>
+          </a:fillRef>
+          <a:effectRef idx="0">
+            <a:schemeClr val="accent1"/>
+          </a:effectRef>
+          <a:fontRef idx="minor">
+            <a:schemeClr val="tx1"/>
+          </a:fontRef>
+        </p:style>
+      </p:cxnSp>
+      <p:sp>
+        <p:nvSpPr>
+          <p:cNvPr id="15" name="Rechteck 14"/>
+          <p:cNvSpPr/>
+          <p:nvPr/>
+        </p:nvSpPr>
+        <p:spPr>
+          <a:xfrm>
+            <a:off x="1998372" y="2892893"/>
+            <a:ext cx="2163651" cy="463640"/>
+          </a:xfrm>
+          <a:prstGeom prst="rect">
+            <a:avLst/>
+          </a:prstGeom>
+        </p:spPr>
+        <p:style>
+          <a:lnRef idx="2">
+            <a:schemeClr val="accent1">
+              <a:shade val="50000"/>
+            </a:schemeClr>
+          </a:lnRef>
+          <a:fillRef idx="1">
+            <a:schemeClr val="accent1"/>
+          </a:fillRef>
+          <a:effectRef idx="0">
+            <a:schemeClr val="accent1"/>
+          </a:effectRef>
+          <a:fontRef idx="minor">
+            <a:schemeClr val="lt1"/>
+          </a:fontRef>
+        </p:style>
+        <p:txBody>
+          <a:bodyPr rtlCol="0" anchor="ctr"/>
+          <a:lstStyle/>
+          <a:p>
+            <a:pPr algn="ctr"/>
+            <a:r>
+              <a:rPr lang="de-DE" dirty="0" smtClean="0"/>
+              <a:t>Spielfeld</a:t>
+            </a:r>
+            <a:endParaRPr lang="de-DE" dirty="0"/>
+          </a:p>
+        </p:txBody>
+      </p:sp>
+      <p:sp>
+        <p:nvSpPr>
+          <p:cNvPr id="16" name="Rechteck 15"/>
+          <p:cNvSpPr/>
+          <p:nvPr/>
+        </p:nvSpPr>
+        <p:spPr>
+          <a:xfrm>
+            <a:off x="1998369" y="6220800"/>
+            <a:ext cx="2163651" cy="463640"/>
+          </a:xfrm>
+          <a:prstGeom prst="rect">
+            <a:avLst/>
+          </a:prstGeom>
+        </p:spPr>
+        <p:style>
+          <a:lnRef idx="2">
+            <a:schemeClr val="accent1">
+              <a:shade val="50000"/>
+            </a:schemeClr>
+          </a:lnRef>
+          <a:fillRef idx="1">
+            <a:schemeClr val="accent1"/>
+          </a:fillRef>
+          <a:effectRef idx="0">
+            <a:schemeClr val="accent1"/>
+          </a:effectRef>
+          <a:fontRef idx="minor">
+            <a:schemeClr val="lt1"/>
+          </a:fontRef>
+        </p:style>
+        <p:txBody>
+          <a:bodyPr rtlCol="0" anchor="ctr"/>
+          <a:lstStyle/>
+          <a:p>
+            <a:pPr algn="ctr"/>
+            <a:r>
+              <a:rPr lang="de-DE" dirty="0" smtClean="0"/>
+              <a:t>Sonstige Objekte</a:t>
+            </a:r>
+            <a:endParaRPr lang="de-DE" dirty="0"/>
+          </a:p>
+        </p:txBody>
+      </p:sp>
+      <p:cxnSp>
+        <p:nvCxnSpPr>
+          <p:cNvPr id="18" name="Gerader Verbinder 17"/>
+          <p:cNvCxnSpPr>
+            <a:stCxn id="15" idx="1"/>
+          </p:cNvCxnSpPr>
+          <p:nvPr/>
+        </p:nvCxnSpPr>
+        <p:spPr>
+          <a:xfrm flipH="1">
+            <a:off x="1429555" y="3124713"/>
+            <a:ext cx="568817" cy="0"/>
+          </a:xfrm>
+          <a:prstGeom prst="line">
+            <a:avLst/>
+          </a:prstGeom>
+        </p:spPr>
+        <p:style>
+          <a:lnRef idx="1">
+            <a:schemeClr val="accent1"/>
+          </a:lnRef>
+          <a:fillRef idx="0">
+            <a:schemeClr val="accent1"/>
+          </a:fillRef>
+          <a:effectRef idx="0">
+            <a:schemeClr val="accent1"/>
+          </a:effectRef>
+          <a:fontRef idx="minor">
+            <a:schemeClr val="tx1"/>
+          </a:fontRef>
+        </p:style>
+      </p:cxnSp>
+      <p:cxnSp>
+        <p:nvCxnSpPr>
+          <p:cNvPr id="20" name="Gerader Verbinder 19"/>
+          <p:cNvCxnSpPr>
+            <a:stCxn id="7" idx="1"/>
+          </p:cNvCxnSpPr>
+          <p:nvPr/>
+        </p:nvCxnSpPr>
+        <p:spPr>
+          <a:xfrm flipH="1" flipV="1">
+            <a:off x="1429555" y="3796930"/>
+            <a:ext cx="568816" cy="2"/>
+          </a:xfrm>
+          <a:prstGeom prst="line">
+            <a:avLst/>
+          </a:prstGeom>
+        </p:spPr>
+        <p:style>
+          <a:lnRef idx="1">
+            <a:schemeClr val="accent1"/>
+          </a:lnRef>
+          <a:fillRef idx="0">
+            <a:schemeClr val="accent1"/>
+          </a:fillRef>
+          <a:effectRef idx="0">
+            <a:schemeClr val="accent1"/>
+          </a:effectRef>
+          <a:fontRef idx="minor">
+            <a:schemeClr val="tx1"/>
+          </a:fontRef>
+        </p:style>
+      </p:cxnSp>
+      <p:cxnSp>
+        <p:nvCxnSpPr>
+          <p:cNvPr id="24" name="Gerader Verbinder 23"/>
+          <p:cNvCxnSpPr>
+            <a:stCxn id="8" idx="1"/>
+          </p:cNvCxnSpPr>
+          <p:nvPr/>
+        </p:nvCxnSpPr>
+        <p:spPr>
+          <a:xfrm flipH="1">
+            <a:off x="1429555" y="4460854"/>
+            <a:ext cx="568816" cy="0"/>
+          </a:xfrm>
+          <a:prstGeom prst="line">
+            <a:avLst/>
+          </a:prstGeom>
+        </p:spPr>
+        <p:style>
+          <a:lnRef idx="1">
+            <a:schemeClr val="accent1"/>
+          </a:lnRef>
+          <a:fillRef idx="0">
+            <a:schemeClr val="accent1"/>
+          </a:fillRef>
+          <a:effectRef idx="0">
+            <a:schemeClr val="accent1"/>
+          </a:effectRef>
+          <a:fontRef idx="minor">
+            <a:schemeClr val="tx1"/>
+          </a:fontRef>
+        </p:style>
+      </p:cxnSp>
+      <p:cxnSp>
+        <p:nvCxnSpPr>
+          <p:cNvPr id="26" name="Gerader Verbinder 25"/>
+          <p:cNvCxnSpPr>
+            <a:stCxn id="10" idx="1"/>
+          </p:cNvCxnSpPr>
+          <p:nvPr/>
+        </p:nvCxnSpPr>
+        <p:spPr>
+          <a:xfrm flipH="1" flipV="1">
+            <a:off x="1429555" y="5124775"/>
+            <a:ext cx="568815" cy="1"/>
+          </a:xfrm>
+          <a:prstGeom prst="line">
+            <a:avLst/>
+          </a:prstGeom>
+        </p:spPr>
+        <p:style>
+          <a:lnRef idx="1">
+            <a:schemeClr val="accent1"/>
+          </a:lnRef>
+          <a:fillRef idx="0">
+            <a:schemeClr val="accent1"/>
+          </a:fillRef>
+          <a:effectRef idx="0">
+            <a:schemeClr val="accent1"/>
+          </a:effectRef>
+          <a:fontRef idx="minor">
+            <a:schemeClr val="tx1"/>
+          </a:fontRef>
+        </p:style>
+      </p:cxnSp>
+      <p:cxnSp>
+        <p:nvCxnSpPr>
+          <p:cNvPr id="28" name="Gerader Verbinder 27"/>
+          <p:cNvCxnSpPr>
+            <a:stCxn id="9" idx="1"/>
+          </p:cNvCxnSpPr>
+          <p:nvPr/>
+        </p:nvCxnSpPr>
+        <p:spPr>
+          <a:xfrm flipH="1" flipV="1">
+            <a:off x="1429555" y="5788696"/>
+            <a:ext cx="568815" cy="2"/>
+          </a:xfrm>
+          <a:prstGeom prst="line">
+            <a:avLst/>
+          </a:prstGeom>
+        </p:spPr>
+        <p:style>
+          <a:lnRef idx="1">
+            <a:schemeClr val="accent1"/>
+          </a:lnRef>
+          <a:fillRef idx="0">
+            <a:schemeClr val="accent1"/>
+          </a:fillRef>
+          <a:effectRef idx="0">
+            <a:schemeClr val="accent1"/>
+          </a:effectRef>
+          <a:fontRef idx="minor">
+            <a:schemeClr val="tx1"/>
+          </a:fontRef>
+        </p:style>
+      </p:cxnSp>
+      <p:cxnSp>
+        <p:nvCxnSpPr>
+          <p:cNvPr id="30" name="Gerader Verbinder 29"/>
+          <p:cNvCxnSpPr>
+            <a:stCxn id="16" idx="1"/>
+          </p:cNvCxnSpPr>
+          <p:nvPr/>
+        </p:nvCxnSpPr>
+        <p:spPr>
+          <a:xfrm flipH="1" flipV="1">
+            <a:off x="1429555" y="6452618"/>
+            <a:ext cx="568814" cy="2"/>
+          </a:xfrm>
+          <a:prstGeom prst="line">
+            <a:avLst/>
+          </a:prstGeom>
+        </p:spPr>
+        <p:style>
+          <a:lnRef idx="1">
+            <a:schemeClr val="accent1"/>
+          </a:lnRef>
+          <a:fillRef idx="0">
+            <a:schemeClr val="accent1"/>
+          </a:fillRef>
+          <a:effectRef idx="0">
+            <a:schemeClr val="accent1"/>
+          </a:effectRef>
+          <a:fontRef idx="minor">
+            <a:schemeClr val="tx1"/>
+          </a:fontRef>
+        </p:style>
+      </p:cxnSp>
       <p:pic>
         <p:nvPicPr>
-          <p:cNvPr id="5" name="Inhaltsplatzhalter 4"/>
+          <p:cNvPr id="21" name="Inhaltsplatzhalter 4"/>
           <p:cNvPicPr>
             <a:picLocks noGrp="1" noChangeAspect="1"/>
           </p:cNvPicPr>
@@ -9858,37 +12140,14 @@
         </p:blipFill>
         <p:spPr>
           <a:xfrm>
-            <a:off x="1691481" y="3147643"/>
-            <a:ext cx="3784957" cy="2609720"/>
+            <a:off x="5109508" y="1403989"/>
+            <a:ext cx="1960993" cy="1982904"/>
           </a:xfrm>
         </p:spPr>
       </p:pic>
-      <p:sp>
-        <p:nvSpPr>
-          <p:cNvPr id="4" name="Foliennummernplatzhalter 3"/>
-          <p:cNvSpPr>
-            <a:spLocks noGrp="1"/>
-          </p:cNvSpPr>
-          <p:nvPr>
-            <p:ph type="sldNum" sz="quarter" idx="12"/>
-          </p:nvPr>
-        </p:nvSpPr>
-        <p:spPr/>
-        <p:txBody>
-          <a:bodyPr/>
-          <a:lstStyle/>
-          <a:p>
-            <a:fld id="{AFC15D4E-52BD-4359-8CF4-4D643ACA6A81}" type="slidenum">
-              <a:rPr lang="de-DE" smtClean="0"/>
-              <a:t>19</a:t>
-            </a:fld>
-            <a:endParaRPr lang="de-DE"/>
-          </a:p>
-        </p:txBody>
-      </p:sp>
       <p:pic>
         <p:nvPicPr>
-          <p:cNvPr id="6" name="Grafik 5"/>
+          <p:cNvPr id="22" name="Grafik 21"/>
           <p:cNvPicPr>
             <a:picLocks noChangeAspect="1"/>
           </p:cNvPicPr>
@@ -9908,18 +12167,184 @@
         </p:blipFill>
         <p:spPr>
           <a:xfrm>
-            <a:off x="6848038" y="3147643"/>
-            <a:ext cx="3134162" cy="2915057"/>
+            <a:off x="8017986" y="1403989"/>
+            <a:ext cx="3149584" cy="1968491"/>
           </a:xfrm>
           <a:prstGeom prst="rect">
             <a:avLst/>
           </a:prstGeom>
         </p:spPr>
       </p:pic>
+      <p:sp>
+        <p:nvSpPr>
+          <p:cNvPr id="23" name="Textfeld 22"/>
+          <p:cNvSpPr txBox="1"/>
+          <p:nvPr/>
+        </p:nvSpPr>
+        <p:spPr>
+          <a:xfrm>
+            <a:off x="5109508" y="3386893"/>
+            <a:ext cx="4712594" cy="530915"/>
+          </a:xfrm>
+          <a:prstGeom prst="rect">
+            <a:avLst/>
+          </a:prstGeom>
+          <a:noFill/>
+        </p:spPr>
+        <p:txBody>
+          <a:bodyPr wrap="square" rtlCol="0">
+            <a:spAutoFit/>
+          </a:bodyPr>
+          <a:lstStyle/>
+          <a:p>
+            <a:r>
+              <a:rPr lang="de-DE" sz="1050" i="1" dirty="0" smtClean="0">
+                <a:solidFill>
+                  <a:schemeClr val="tx1">
+                    <a:lumMod val="50000"/>
+                    <a:lumOff val="50000"/>
+                  </a:schemeClr>
+                </a:solidFill>
+              </a:rPr>
+              <a:t>Das Essen.</a:t>
+            </a:r>
+            <a:endParaRPr lang="de-DE" sz="1050" i="1" dirty="0" smtClean="0">
+              <a:solidFill>
+                <a:schemeClr val="tx1">
+                  <a:lumMod val="50000"/>
+                  <a:lumOff val="50000"/>
+                </a:schemeClr>
+              </a:solidFill>
+            </a:endParaRPr>
+          </a:p>
+          <a:p>
+            <a:endParaRPr lang="de-DE" b="1" dirty="0"/>
+          </a:p>
+        </p:txBody>
+      </p:sp>
+      <p:sp>
+        <p:nvSpPr>
+          <p:cNvPr id="25" name="Textfeld 24"/>
+          <p:cNvSpPr txBox="1"/>
+          <p:nvPr/>
+        </p:nvSpPr>
+        <p:spPr>
+          <a:xfrm>
+            <a:off x="8017986" y="3372229"/>
+            <a:ext cx="4712594" cy="692497"/>
+          </a:xfrm>
+          <a:prstGeom prst="rect">
+            <a:avLst/>
+          </a:prstGeom>
+          <a:noFill/>
+        </p:spPr>
+        <p:txBody>
+          <a:bodyPr wrap="square" rtlCol="0">
+            <a:spAutoFit/>
+          </a:bodyPr>
+          <a:lstStyle/>
+          <a:p>
+            <a:r>
+              <a:rPr lang="de-DE" sz="1050" i="1" dirty="0" smtClean="0">
+                <a:solidFill>
+                  <a:schemeClr val="tx1">
+                    <a:lumMod val="50000"/>
+                    <a:lumOff val="50000"/>
+                  </a:schemeClr>
+                </a:solidFill>
+              </a:rPr>
+              <a:t>Wird das Futter gegessen, so blinkt Nimmersatt</a:t>
+            </a:r>
+          </a:p>
+          <a:p>
+            <a:r>
+              <a:rPr lang="de-DE" sz="1050" i="1" dirty="0" smtClean="0">
+                <a:solidFill>
+                  <a:schemeClr val="tx1">
+                    <a:lumMod val="50000"/>
+                    <a:lumOff val="50000"/>
+                  </a:schemeClr>
+                </a:solidFill>
+              </a:rPr>
+              <a:t>Grün (Stand: 29.09.2015)</a:t>
+            </a:r>
+          </a:p>
+          <a:p>
+            <a:endParaRPr lang="de-DE" b="1" dirty="0"/>
+          </a:p>
+        </p:txBody>
+      </p:sp>
+      <p:sp>
+        <p:nvSpPr>
+          <p:cNvPr id="29" name="Textfeld 28"/>
+          <p:cNvSpPr txBox="1"/>
+          <p:nvPr/>
+        </p:nvSpPr>
+        <p:spPr>
+          <a:xfrm>
+            <a:off x="5081602" y="3970543"/>
+            <a:ext cx="5872766" cy="2031325"/>
+          </a:xfrm>
+          <a:prstGeom prst="rect">
+            <a:avLst/>
+          </a:prstGeom>
+          <a:noFill/>
+        </p:spPr>
+        <p:txBody>
+          <a:bodyPr wrap="square" rtlCol="0">
+            <a:spAutoFit/>
+          </a:bodyPr>
+          <a:lstStyle/>
+          <a:p>
+            <a:pPr marL="285750" indent="-285750">
+              <a:buFont typeface="Arial" panose="020B0604020202020204" pitchFamily="34" charset="0"/>
+              <a:buChar char="•"/>
+            </a:pPr>
+            <a:r>
+              <a:rPr lang="de-DE" dirty="0" smtClean="0"/>
+              <a:t>Macht Nimmersatt „Groß und stark“</a:t>
+            </a:r>
+          </a:p>
+          <a:p>
+            <a:pPr marL="285750" indent="-285750">
+              <a:buFont typeface="Arial" panose="020B0604020202020204" pitchFamily="34" charset="0"/>
+              <a:buChar char="•"/>
+            </a:pPr>
+            <a:endParaRPr lang="de-DE" dirty="0"/>
+          </a:p>
+          <a:p>
+            <a:pPr marL="285750" indent="-285750">
+              <a:buFont typeface="Arial" panose="020B0604020202020204" pitchFamily="34" charset="0"/>
+              <a:buChar char="•"/>
+            </a:pPr>
+            <a:r>
+              <a:rPr lang="de-DE" dirty="0" smtClean="0"/>
+              <a:t>Nachdem verzehr blinkt Nimmersatt grün und erhält 20 Punkte.</a:t>
+            </a:r>
+          </a:p>
+          <a:p>
+            <a:pPr marL="285750" indent="-285750">
+              <a:buFont typeface="Arial" panose="020B0604020202020204" pitchFamily="34" charset="0"/>
+              <a:buChar char="•"/>
+            </a:pPr>
+            <a:endParaRPr lang="de-DE" dirty="0"/>
+          </a:p>
+          <a:p>
+            <a:pPr marL="285750" indent="-285750">
+              <a:buFont typeface="Arial" panose="020B0604020202020204" pitchFamily="34" charset="0"/>
+              <a:buChar char="•"/>
+            </a:pPr>
+            <a:r>
+              <a:rPr lang="de-DE" dirty="0" smtClean="0"/>
+              <a:t>Sind 1.500 Punkte erreicht, so ist kommt man ins nächste Level.</a:t>
+            </a:r>
+          </a:p>
+        </p:txBody>
+      </p:sp>
     </p:spTree>
     <p:extLst>
       <p:ext uri="{BB962C8B-B14F-4D97-AF65-F5344CB8AC3E}">
-        <p14:creationId xmlns:p14="http://schemas.microsoft.com/office/powerpoint/2010/main" val="1960891540"/>
+        <p14:creationId xmlns:p14="http://schemas.microsoft.com/office/powerpoint/2010/main" val="56509074"/>
       </p:ext>
     </p:extLst>
   </p:cSld>
@@ -10203,42 +12628,13 @@
           <a:p>
             <a:pPr algn="ctr"/>
             <a:r>
-              <a:rPr lang="de-DE" dirty="0" smtClean="0"/>
-              <a:t>Spielfeld</a:t>
-            </a:r>
-            <a:endParaRPr lang="de-DE" dirty="0"/>
-          </a:p>
-        </p:txBody>
-      </p:sp>
-      <p:pic>
-        <p:nvPicPr>
-          <p:cNvPr id="5" name="Inhaltsplatzhalter 4"/>
-          <p:cNvPicPr>
-            <a:picLocks noGrp="1" noChangeAspect="1"/>
-          </p:cNvPicPr>
-          <p:nvPr>
-            <p:ph idx="1"/>
-          </p:nvPr>
-        </p:nvPicPr>
-        <p:blipFill>
-          <a:blip r:embed="rId2">
-            <a:extLst>
-              <a:ext uri="{28A0092B-C50C-407E-A947-70E740481C1C}">
-                <a14:useLocalDpi xmlns:a14="http://schemas.microsoft.com/office/drawing/2010/main" val="0"/>
-              </a:ext>
-            </a:extLst>
-          </a:blip>
-          <a:stretch>
-            <a:fillRect/>
-          </a:stretch>
-        </p:blipFill>
-        <p:spPr>
-          <a:xfrm>
-            <a:off x="838200" y="1690689"/>
-            <a:ext cx="6026239" cy="1872186"/>
-          </a:xfrm>
-        </p:spPr>
-      </p:pic>
+              <a:rPr lang="de-DE" b="1" dirty="0" smtClean="0"/>
+              <a:t>Systemarchitektur</a:t>
+            </a:r>
+            <a:endParaRPr lang="de-DE" b="1" dirty="0"/>
+          </a:p>
+        </p:txBody>
+      </p:sp>
       <p:sp>
         <p:nvSpPr>
           <p:cNvPr id="4" name="Foliennummernplatzhalter 3"/>
@@ -10262,10 +12658,644 @@
           </a:p>
         </p:txBody>
       </p:sp>
+      <p:sp>
+        <p:nvSpPr>
+          <p:cNvPr id="5" name="Rechteck 4"/>
+          <p:cNvSpPr/>
+          <p:nvPr/>
+        </p:nvSpPr>
+        <p:spPr>
+          <a:xfrm>
+            <a:off x="115910" y="1403989"/>
+            <a:ext cx="2627290" cy="634621"/>
+          </a:xfrm>
+          <a:prstGeom prst="rect">
+            <a:avLst/>
+          </a:prstGeom>
+          <a:solidFill>
+            <a:schemeClr val="tx2"/>
+          </a:solidFill>
+          <a:ln>
+            <a:solidFill>
+              <a:schemeClr val="tx2">
+                <a:lumMod val="75000"/>
+              </a:schemeClr>
+            </a:solidFill>
+          </a:ln>
+        </p:spPr>
+        <p:style>
+          <a:lnRef idx="2">
+            <a:schemeClr val="accent1">
+              <a:shade val="50000"/>
+            </a:schemeClr>
+          </a:lnRef>
+          <a:fillRef idx="1">
+            <a:schemeClr val="accent1"/>
+          </a:fillRef>
+          <a:effectRef idx="0">
+            <a:schemeClr val="accent1"/>
+          </a:effectRef>
+          <a:fontRef idx="minor">
+            <a:schemeClr val="lt1"/>
+          </a:fontRef>
+        </p:style>
+        <p:txBody>
+          <a:bodyPr rtlCol="0" anchor="ctr"/>
+          <a:lstStyle/>
+          <a:p>
+            <a:pPr algn="ctr"/>
+            <a:r>
+              <a:rPr lang="de-DE" dirty="0" smtClean="0"/>
+              <a:t>Objekte im Spiel</a:t>
+            </a:r>
+            <a:endParaRPr lang="de-DE" dirty="0"/>
+          </a:p>
+        </p:txBody>
+      </p:sp>
+      <p:sp>
+        <p:nvSpPr>
+          <p:cNvPr id="6" name="Rechteck 5"/>
+          <p:cNvSpPr/>
+          <p:nvPr/>
+        </p:nvSpPr>
+        <p:spPr>
+          <a:xfrm>
+            <a:off x="1998372" y="2228970"/>
+            <a:ext cx="2163651" cy="463640"/>
+          </a:xfrm>
+          <a:prstGeom prst="rect">
+            <a:avLst/>
+          </a:prstGeom>
+        </p:spPr>
+        <p:style>
+          <a:lnRef idx="2">
+            <a:schemeClr val="accent1">
+              <a:shade val="50000"/>
+            </a:schemeClr>
+          </a:lnRef>
+          <a:fillRef idx="1">
+            <a:schemeClr val="accent1"/>
+          </a:fillRef>
+          <a:effectRef idx="0">
+            <a:schemeClr val="accent1"/>
+          </a:effectRef>
+          <a:fontRef idx="minor">
+            <a:schemeClr val="lt1"/>
+          </a:fontRef>
+        </p:style>
+        <p:txBody>
+          <a:bodyPr rtlCol="0" anchor="ctr"/>
+          <a:lstStyle/>
+          <a:p>
+            <a:pPr algn="ctr"/>
+            <a:r>
+              <a:rPr lang="de-DE" dirty="0" smtClean="0"/>
+              <a:t>Schlange</a:t>
+            </a:r>
+            <a:endParaRPr lang="de-DE" dirty="0"/>
+          </a:p>
+        </p:txBody>
+      </p:sp>
+      <p:sp>
+        <p:nvSpPr>
+          <p:cNvPr id="7" name="Rechteck 6"/>
+          <p:cNvSpPr/>
+          <p:nvPr/>
+        </p:nvSpPr>
+        <p:spPr>
+          <a:xfrm>
+            <a:off x="1998371" y="3565112"/>
+            <a:ext cx="2163651" cy="463640"/>
+          </a:xfrm>
+          <a:prstGeom prst="rect">
+            <a:avLst/>
+          </a:prstGeom>
+        </p:spPr>
+        <p:style>
+          <a:lnRef idx="2">
+            <a:schemeClr val="accent1">
+              <a:shade val="50000"/>
+            </a:schemeClr>
+          </a:lnRef>
+          <a:fillRef idx="1">
+            <a:schemeClr val="accent1"/>
+          </a:fillRef>
+          <a:effectRef idx="0">
+            <a:schemeClr val="accent1"/>
+          </a:effectRef>
+          <a:fontRef idx="minor">
+            <a:schemeClr val="lt1"/>
+          </a:fontRef>
+        </p:style>
+        <p:txBody>
+          <a:bodyPr rtlCol="0" anchor="ctr"/>
+          <a:lstStyle/>
+          <a:p>
+            <a:pPr algn="ctr"/>
+            <a:r>
+              <a:rPr lang="de-DE" dirty="0" smtClean="0"/>
+              <a:t>Speerfalle</a:t>
+            </a:r>
+            <a:endParaRPr lang="de-DE" dirty="0"/>
+          </a:p>
+        </p:txBody>
+      </p:sp>
+      <p:sp>
+        <p:nvSpPr>
+          <p:cNvPr id="8" name="Rechteck 7"/>
+          <p:cNvSpPr/>
+          <p:nvPr/>
+        </p:nvSpPr>
+        <p:spPr>
+          <a:xfrm>
+            <a:off x="1998371" y="4229034"/>
+            <a:ext cx="2163651" cy="463640"/>
+          </a:xfrm>
+          <a:prstGeom prst="rect">
+            <a:avLst/>
+          </a:prstGeom>
+        </p:spPr>
+        <p:style>
+          <a:lnRef idx="2">
+            <a:schemeClr val="accent1">
+              <a:shade val="50000"/>
+            </a:schemeClr>
+          </a:lnRef>
+          <a:fillRef idx="1">
+            <a:schemeClr val="accent1"/>
+          </a:fillRef>
+          <a:effectRef idx="0">
+            <a:schemeClr val="accent1"/>
+          </a:effectRef>
+          <a:fontRef idx="minor">
+            <a:schemeClr val="lt1"/>
+          </a:fontRef>
+        </p:style>
+        <p:txBody>
+          <a:bodyPr rtlCol="0" anchor="ctr"/>
+          <a:lstStyle/>
+          <a:p>
+            <a:pPr algn="ctr"/>
+            <a:r>
+              <a:rPr lang="de-DE" dirty="0" smtClean="0"/>
+              <a:t>Fallende Steine</a:t>
+            </a:r>
+            <a:endParaRPr lang="de-DE" dirty="0"/>
+          </a:p>
+        </p:txBody>
+      </p:sp>
+      <p:sp>
+        <p:nvSpPr>
+          <p:cNvPr id="9" name="Rechteck 8"/>
+          <p:cNvSpPr/>
+          <p:nvPr/>
+        </p:nvSpPr>
+        <p:spPr>
+          <a:xfrm>
+            <a:off x="1998370" y="5556878"/>
+            <a:ext cx="2163651" cy="463640"/>
+          </a:xfrm>
+          <a:prstGeom prst="rect">
+            <a:avLst/>
+          </a:prstGeom>
+        </p:spPr>
+        <p:style>
+          <a:lnRef idx="2">
+            <a:schemeClr val="accent1">
+              <a:shade val="50000"/>
+            </a:schemeClr>
+          </a:lnRef>
+          <a:fillRef idx="1">
+            <a:schemeClr val="accent1"/>
+          </a:fillRef>
+          <a:effectRef idx="0">
+            <a:schemeClr val="accent1"/>
+          </a:effectRef>
+          <a:fontRef idx="minor">
+            <a:schemeClr val="lt1"/>
+          </a:fontRef>
+        </p:style>
+        <p:txBody>
+          <a:bodyPr rtlCol="0" anchor="ctr"/>
+          <a:lstStyle/>
+          <a:p>
+            <a:pPr algn="ctr"/>
+            <a:r>
+              <a:rPr lang="de-DE" dirty="0" smtClean="0"/>
+              <a:t>Futter</a:t>
+            </a:r>
+            <a:endParaRPr lang="de-DE" dirty="0"/>
+          </a:p>
+        </p:txBody>
+      </p:sp>
+      <p:sp>
+        <p:nvSpPr>
+          <p:cNvPr id="10" name="Rechteck 9"/>
+          <p:cNvSpPr/>
+          <p:nvPr/>
+        </p:nvSpPr>
+        <p:spPr>
+          <a:xfrm>
+            <a:off x="1998370" y="4892956"/>
+            <a:ext cx="2163651" cy="463640"/>
+          </a:xfrm>
+          <a:prstGeom prst="rect">
+            <a:avLst/>
+          </a:prstGeom>
+        </p:spPr>
+        <p:style>
+          <a:lnRef idx="2">
+            <a:schemeClr val="accent1">
+              <a:shade val="50000"/>
+            </a:schemeClr>
+          </a:lnRef>
+          <a:fillRef idx="1">
+            <a:schemeClr val="accent1"/>
+          </a:fillRef>
+          <a:effectRef idx="0">
+            <a:schemeClr val="accent1"/>
+          </a:effectRef>
+          <a:fontRef idx="minor">
+            <a:schemeClr val="lt1"/>
+          </a:fontRef>
+        </p:style>
+        <p:txBody>
+          <a:bodyPr rtlCol="0" anchor="ctr"/>
+          <a:lstStyle/>
+          <a:p>
+            <a:pPr algn="ctr"/>
+            <a:r>
+              <a:rPr lang="de-DE" dirty="0" smtClean="0"/>
+              <a:t>Diätpille</a:t>
+            </a:r>
+            <a:endParaRPr lang="de-DE" dirty="0"/>
+          </a:p>
+        </p:txBody>
+      </p:sp>
+      <p:cxnSp>
+        <p:nvCxnSpPr>
+          <p:cNvPr id="12" name="Gerader Verbinder 11"/>
+          <p:cNvCxnSpPr>
+            <a:stCxn id="5" idx="2"/>
+          </p:cNvCxnSpPr>
+          <p:nvPr/>
+        </p:nvCxnSpPr>
+        <p:spPr>
+          <a:xfrm>
+            <a:off x="1429555" y="2038610"/>
+            <a:ext cx="0" cy="4414008"/>
+          </a:xfrm>
+          <a:prstGeom prst="line">
+            <a:avLst/>
+          </a:prstGeom>
+        </p:spPr>
+        <p:style>
+          <a:lnRef idx="1">
+            <a:schemeClr val="accent1"/>
+          </a:lnRef>
+          <a:fillRef idx="0">
+            <a:schemeClr val="accent1"/>
+          </a:fillRef>
+          <a:effectRef idx="0">
+            <a:schemeClr val="accent1"/>
+          </a:effectRef>
+          <a:fontRef idx="minor">
+            <a:schemeClr val="tx1"/>
+          </a:fontRef>
+        </p:style>
+      </p:cxnSp>
+      <p:cxnSp>
+        <p:nvCxnSpPr>
+          <p:cNvPr id="14" name="Gerader Verbinder 13"/>
+          <p:cNvCxnSpPr>
+            <a:stCxn id="6" idx="1"/>
+          </p:cNvCxnSpPr>
+          <p:nvPr/>
+        </p:nvCxnSpPr>
+        <p:spPr>
+          <a:xfrm flipH="1">
+            <a:off x="1429555" y="2460790"/>
+            <a:ext cx="568817" cy="0"/>
+          </a:xfrm>
+          <a:prstGeom prst="line">
+            <a:avLst/>
+          </a:prstGeom>
+        </p:spPr>
+        <p:style>
+          <a:lnRef idx="1">
+            <a:schemeClr val="accent1"/>
+          </a:lnRef>
+          <a:fillRef idx="0">
+            <a:schemeClr val="accent1"/>
+          </a:fillRef>
+          <a:effectRef idx="0">
+            <a:schemeClr val="accent1"/>
+          </a:effectRef>
+          <a:fontRef idx="minor">
+            <a:schemeClr val="tx1"/>
+          </a:fontRef>
+        </p:style>
+      </p:cxnSp>
+      <p:sp>
+        <p:nvSpPr>
+          <p:cNvPr id="15" name="Rechteck 14"/>
+          <p:cNvSpPr/>
+          <p:nvPr/>
+        </p:nvSpPr>
+        <p:spPr>
+          <a:xfrm>
+            <a:off x="1998372" y="2892893"/>
+            <a:ext cx="2163651" cy="463640"/>
+          </a:xfrm>
+          <a:prstGeom prst="rect">
+            <a:avLst/>
+          </a:prstGeom>
+        </p:spPr>
+        <p:style>
+          <a:lnRef idx="2">
+            <a:schemeClr val="accent1">
+              <a:shade val="50000"/>
+            </a:schemeClr>
+          </a:lnRef>
+          <a:fillRef idx="1">
+            <a:schemeClr val="accent1"/>
+          </a:fillRef>
+          <a:effectRef idx="0">
+            <a:schemeClr val="accent1"/>
+          </a:effectRef>
+          <a:fontRef idx="minor">
+            <a:schemeClr val="lt1"/>
+          </a:fontRef>
+        </p:style>
+        <p:txBody>
+          <a:bodyPr rtlCol="0" anchor="ctr"/>
+          <a:lstStyle/>
+          <a:p>
+            <a:pPr algn="ctr"/>
+            <a:r>
+              <a:rPr lang="de-DE" dirty="0" smtClean="0"/>
+              <a:t>Spielfeld</a:t>
+            </a:r>
+            <a:endParaRPr lang="de-DE" dirty="0"/>
+          </a:p>
+        </p:txBody>
+      </p:sp>
+      <p:sp>
+        <p:nvSpPr>
+          <p:cNvPr id="16" name="Rechteck 15"/>
+          <p:cNvSpPr/>
+          <p:nvPr/>
+        </p:nvSpPr>
+        <p:spPr>
+          <a:xfrm>
+            <a:off x="1998369" y="6220800"/>
+            <a:ext cx="2163651" cy="463640"/>
+          </a:xfrm>
+          <a:prstGeom prst="rect">
+            <a:avLst/>
+          </a:prstGeom>
+          <a:solidFill>
+            <a:srgbClr val="FFC000"/>
+          </a:solidFill>
+          <a:ln>
+            <a:solidFill>
+              <a:schemeClr val="accent2"/>
+            </a:solidFill>
+          </a:ln>
+        </p:spPr>
+        <p:style>
+          <a:lnRef idx="2">
+            <a:schemeClr val="accent1">
+              <a:shade val="50000"/>
+            </a:schemeClr>
+          </a:lnRef>
+          <a:fillRef idx="1">
+            <a:schemeClr val="accent1"/>
+          </a:fillRef>
+          <a:effectRef idx="0">
+            <a:schemeClr val="accent1"/>
+          </a:effectRef>
+          <a:fontRef idx="minor">
+            <a:schemeClr val="lt1"/>
+          </a:fontRef>
+        </p:style>
+        <p:txBody>
+          <a:bodyPr rtlCol="0" anchor="ctr"/>
+          <a:lstStyle/>
+          <a:p>
+            <a:pPr algn="ctr"/>
+            <a:r>
+              <a:rPr lang="de-DE" dirty="0" smtClean="0">
+                <a:solidFill>
+                  <a:schemeClr val="tx1"/>
+                </a:solidFill>
+              </a:rPr>
+              <a:t>Sonstige Objekte</a:t>
+            </a:r>
+            <a:endParaRPr lang="de-DE" dirty="0">
+              <a:solidFill>
+                <a:schemeClr val="tx1"/>
+              </a:solidFill>
+            </a:endParaRPr>
+          </a:p>
+        </p:txBody>
+      </p:sp>
+      <p:cxnSp>
+        <p:nvCxnSpPr>
+          <p:cNvPr id="18" name="Gerader Verbinder 17"/>
+          <p:cNvCxnSpPr>
+            <a:stCxn id="15" idx="1"/>
+          </p:cNvCxnSpPr>
+          <p:nvPr/>
+        </p:nvCxnSpPr>
+        <p:spPr>
+          <a:xfrm flipH="1">
+            <a:off x="1429555" y="3124713"/>
+            <a:ext cx="568817" cy="0"/>
+          </a:xfrm>
+          <a:prstGeom prst="line">
+            <a:avLst/>
+          </a:prstGeom>
+        </p:spPr>
+        <p:style>
+          <a:lnRef idx="1">
+            <a:schemeClr val="accent1"/>
+          </a:lnRef>
+          <a:fillRef idx="0">
+            <a:schemeClr val="accent1"/>
+          </a:fillRef>
+          <a:effectRef idx="0">
+            <a:schemeClr val="accent1"/>
+          </a:effectRef>
+          <a:fontRef idx="minor">
+            <a:schemeClr val="tx1"/>
+          </a:fontRef>
+        </p:style>
+      </p:cxnSp>
+      <p:cxnSp>
+        <p:nvCxnSpPr>
+          <p:cNvPr id="20" name="Gerader Verbinder 19"/>
+          <p:cNvCxnSpPr>
+            <a:stCxn id="7" idx="1"/>
+          </p:cNvCxnSpPr>
+          <p:nvPr/>
+        </p:nvCxnSpPr>
+        <p:spPr>
+          <a:xfrm flipH="1" flipV="1">
+            <a:off x="1429555" y="3796930"/>
+            <a:ext cx="568816" cy="2"/>
+          </a:xfrm>
+          <a:prstGeom prst="line">
+            <a:avLst/>
+          </a:prstGeom>
+        </p:spPr>
+        <p:style>
+          <a:lnRef idx="1">
+            <a:schemeClr val="accent1"/>
+          </a:lnRef>
+          <a:fillRef idx="0">
+            <a:schemeClr val="accent1"/>
+          </a:fillRef>
+          <a:effectRef idx="0">
+            <a:schemeClr val="accent1"/>
+          </a:effectRef>
+          <a:fontRef idx="minor">
+            <a:schemeClr val="tx1"/>
+          </a:fontRef>
+        </p:style>
+      </p:cxnSp>
+      <p:cxnSp>
+        <p:nvCxnSpPr>
+          <p:cNvPr id="24" name="Gerader Verbinder 23"/>
+          <p:cNvCxnSpPr>
+            <a:stCxn id="8" idx="1"/>
+          </p:cNvCxnSpPr>
+          <p:nvPr/>
+        </p:nvCxnSpPr>
+        <p:spPr>
+          <a:xfrm flipH="1">
+            <a:off x="1429555" y="4460854"/>
+            <a:ext cx="568816" cy="0"/>
+          </a:xfrm>
+          <a:prstGeom prst="line">
+            <a:avLst/>
+          </a:prstGeom>
+        </p:spPr>
+        <p:style>
+          <a:lnRef idx="1">
+            <a:schemeClr val="accent1"/>
+          </a:lnRef>
+          <a:fillRef idx="0">
+            <a:schemeClr val="accent1"/>
+          </a:fillRef>
+          <a:effectRef idx="0">
+            <a:schemeClr val="accent1"/>
+          </a:effectRef>
+          <a:fontRef idx="minor">
+            <a:schemeClr val="tx1"/>
+          </a:fontRef>
+        </p:style>
+      </p:cxnSp>
+      <p:cxnSp>
+        <p:nvCxnSpPr>
+          <p:cNvPr id="26" name="Gerader Verbinder 25"/>
+          <p:cNvCxnSpPr>
+            <a:stCxn id="10" idx="1"/>
+          </p:cNvCxnSpPr>
+          <p:nvPr/>
+        </p:nvCxnSpPr>
+        <p:spPr>
+          <a:xfrm flipH="1" flipV="1">
+            <a:off x="1429555" y="5124775"/>
+            <a:ext cx="568815" cy="1"/>
+          </a:xfrm>
+          <a:prstGeom prst="line">
+            <a:avLst/>
+          </a:prstGeom>
+        </p:spPr>
+        <p:style>
+          <a:lnRef idx="1">
+            <a:schemeClr val="accent1"/>
+          </a:lnRef>
+          <a:fillRef idx="0">
+            <a:schemeClr val="accent1"/>
+          </a:fillRef>
+          <a:effectRef idx="0">
+            <a:schemeClr val="accent1"/>
+          </a:effectRef>
+          <a:fontRef idx="minor">
+            <a:schemeClr val="tx1"/>
+          </a:fontRef>
+        </p:style>
+      </p:cxnSp>
+      <p:cxnSp>
+        <p:nvCxnSpPr>
+          <p:cNvPr id="28" name="Gerader Verbinder 27"/>
+          <p:cNvCxnSpPr>
+            <a:stCxn id="9" idx="1"/>
+          </p:cNvCxnSpPr>
+          <p:nvPr/>
+        </p:nvCxnSpPr>
+        <p:spPr>
+          <a:xfrm flipH="1" flipV="1">
+            <a:off x="1429555" y="5788696"/>
+            <a:ext cx="568815" cy="2"/>
+          </a:xfrm>
+          <a:prstGeom prst="line">
+            <a:avLst/>
+          </a:prstGeom>
+        </p:spPr>
+        <p:style>
+          <a:lnRef idx="1">
+            <a:schemeClr val="accent1"/>
+          </a:lnRef>
+          <a:fillRef idx="0">
+            <a:schemeClr val="accent1"/>
+          </a:fillRef>
+          <a:effectRef idx="0">
+            <a:schemeClr val="accent1"/>
+          </a:effectRef>
+          <a:fontRef idx="minor">
+            <a:schemeClr val="tx1"/>
+          </a:fontRef>
+        </p:style>
+      </p:cxnSp>
+      <p:cxnSp>
+        <p:nvCxnSpPr>
+          <p:cNvPr id="30" name="Gerader Verbinder 29"/>
+          <p:cNvCxnSpPr>
+            <a:stCxn id="16" idx="1"/>
+          </p:cNvCxnSpPr>
+          <p:nvPr/>
+        </p:nvCxnSpPr>
+        <p:spPr>
+          <a:xfrm flipH="1" flipV="1">
+            <a:off x="1429555" y="6452618"/>
+            <a:ext cx="568814" cy="2"/>
+          </a:xfrm>
+          <a:prstGeom prst="line">
+            <a:avLst/>
+          </a:prstGeom>
+        </p:spPr>
+        <p:style>
+          <a:lnRef idx="1">
+            <a:schemeClr val="accent1"/>
+          </a:lnRef>
+          <a:fillRef idx="0">
+            <a:schemeClr val="accent1"/>
+          </a:fillRef>
+          <a:effectRef idx="0">
+            <a:schemeClr val="accent1"/>
+          </a:effectRef>
+          <a:fontRef idx="minor">
+            <a:schemeClr val="tx1"/>
+          </a:fontRef>
+        </p:style>
+      </p:cxnSp>
     </p:spTree>
     <p:extLst>
       <p:ext uri="{BB962C8B-B14F-4D97-AF65-F5344CB8AC3E}">
-        <p14:creationId xmlns:p14="http://schemas.microsoft.com/office/powerpoint/2010/main" val="1796283047"/>
+        <p14:creationId xmlns:p14="http://schemas.microsoft.com/office/powerpoint/2010/main" val="1751196747"/>
       </p:ext>
     </p:extLst>
   </p:cSld>
@@ -10317,41 +13347,81 @@
             <a:pPr algn="ctr"/>
             <a:r>
               <a:rPr lang="de-DE" dirty="0" smtClean="0"/>
-              <a:t>Kollisionserkennung</a:t>
+              <a:t>Tatsächlicher Zeitplan (Soll-Ist-Vergleich unserer Entwicklungszeit)</a:t>
             </a:r>
             <a:endParaRPr lang="de-DE" dirty="0"/>
           </a:p>
         </p:txBody>
       </p:sp>
-      <p:pic>
-        <p:nvPicPr>
-          <p:cNvPr id="5" name="Inhaltsplatzhalter 4"/>
-          <p:cNvPicPr>
-            <a:picLocks noGrp="1" noChangeAspect="1"/>
-          </p:cNvPicPr>
+      <p:sp>
+        <p:nvSpPr>
+          <p:cNvPr id="3" name="Inhaltsplatzhalter 2"/>
+          <p:cNvSpPr>
+            <a:spLocks noGrp="1"/>
+          </p:cNvSpPr>
           <p:nvPr>
             <p:ph idx="1"/>
           </p:nvPr>
-        </p:nvPicPr>
-        <p:blipFill>
-          <a:blip r:embed="rId2">
-            <a:extLst>
-              <a:ext uri="{28A0092B-C50C-407E-A947-70E740481C1C}">
-                <a14:useLocalDpi xmlns:a14="http://schemas.microsoft.com/office/drawing/2010/main" val="0"/>
-              </a:ext>
-            </a:extLst>
-          </a:blip>
-          <a:stretch>
-            <a:fillRect/>
-          </a:stretch>
-        </p:blipFill>
-        <p:spPr>
-          <a:xfrm>
-            <a:off x="315072" y="2400400"/>
-            <a:ext cx="2672827" cy="2157500"/>
-          </a:xfrm>
-        </p:spPr>
-      </p:pic>
+        </p:nvSpPr>
+        <p:spPr>
+          <a:xfrm>
+            <a:off x="838200" y="1825624"/>
+            <a:ext cx="10515600" cy="4695945"/>
+          </a:xfrm>
+        </p:spPr>
+        <p:txBody>
+          <a:bodyPr/>
+          <a:lstStyle/>
+          <a:p>
+            <a:pPr marL="0" indent="0">
+              <a:buNone/>
+            </a:pPr>
+            <a:r>
+              <a:rPr lang="de-DE" dirty="0" smtClean="0"/>
+              <a:t>Leider sind auch Verzögerungen bzw. Änderungen im Zeitplan aufgetreten. </a:t>
+            </a:r>
+            <a:r>
+              <a:rPr lang="de-DE" dirty="0"/>
+              <a:t>Bedingt durch </a:t>
+            </a:r>
+            <a:r>
+              <a:rPr lang="de-DE" dirty="0" smtClean="0"/>
+              <a:t>…</a:t>
+            </a:r>
+          </a:p>
+          <a:p>
+            <a:r>
+              <a:rPr lang="de-DE" dirty="0" smtClean="0"/>
+              <a:t>Frühzeitige Fertigstellung einiger Aufgaben</a:t>
+            </a:r>
+            <a:endParaRPr lang="de-DE" dirty="0"/>
+          </a:p>
+          <a:p>
+            <a:r>
+              <a:rPr lang="de-DE" dirty="0" smtClean="0"/>
+              <a:t>Umverteilung der Aufgaben, aufgrund unterschiedlicher Programmierkenntnisse.</a:t>
+            </a:r>
+          </a:p>
+          <a:p>
+            <a:r>
+              <a:rPr lang="de-DE" dirty="0" smtClean="0"/>
+              <a:t>Nebenjob, Krankheitsausfall, Internetausfall und Zwangsurlaub.</a:t>
+            </a:r>
+          </a:p>
+          <a:p>
+            <a:r>
+              <a:rPr lang="de-DE" dirty="0" smtClean="0"/>
+              <a:t>Längerer Experimentierphase mit den Features von Three.js.</a:t>
+            </a:r>
+          </a:p>
+          <a:p>
+            <a:r>
+              <a:rPr lang="de-DE" dirty="0" smtClean="0"/>
+              <a:t>Entwicklung neuer Ideen im Spiel, die ursprünglich nicht geplant waren.</a:t>
+            </a:r>
+          </a:p>
+        </p:txBody>
+      </p:sp>
       <p:sp>
         <p:nvSpPr>
           <p:cNvPr id="4" name="Foliennummernplatzhalter 3"/>
@@ -10370,446 +13440,6 @@
             <a:fld id="{AFC15D4E-52BD-4359-8CF4-4D643ACA6A81}" type="slidenum">
               <a:rPr lang="de-DE" smtClean="0"/>
               <a:t>21</a:t>
-            </a:fld>
-            <a:endParaRPr lang="de-DE"/>
-          </a:p>
-        </p:txBody>
-      </p:sp>
-      <p:pic>
-        <p:nvPicPr>
-          <p:cNvPr id="6" name="Grafik 5"/>
-          <p:cNvPicPr>
-            <a:picLocks noChangeAspect="1"/>
-          </p:cNvPicPr>
-          <p:nvPr/>
-        </p:nvPicPr>
-        <p:blipFill>
-          <a:blip r:embed="rId3">
-            <a:extLst>
-              <a:ext uri="{28A0092B-C50C-407E-A947-70E740481C1C}">
-                <a14:useLocalDpi xmlns:a14="http://schemas.microsoft.com/office/drawing/2010/main" val="0"/>
-              </a:ext>
-            </a:extLst>
-          </a:blip>
-          <a:stretch>
-            <a:fillRect/>
-          </a:stretch>
-        </p:blipFill>
-        <p:spPr>
-          <a:xfrm>
-            <a:off x="3179661" y="2400401"/>
-            <a:ext cx="1971107" cy="2157500"/>
-          </a:xfrm>
-          <a:prstGeom prst="rect">
-            <a:avLst/>
-          </a:prstGeom>
-        </p:spPr>
-      </p:pic>
-    </p:spTree>
-    <p:extLst>
-      <p:ext uri="{BB962C8B-B14F-4D97-AF65-F5344CB8AC3E}">
-        <p14:creationId xmlns:p14="http://schemas.microsoft.com/office/powerpoint/2010/main" val="82274653"/>
-      </p:ext>
-    </p:extLst>
-  </p:cSld>
-  <p:clrMapOvr>
-    <a:masterClrMapping/>
-  </p:clrMapOvr>
-  <p:timing>
-    <p:tnLst>
-      <p:par>
-        <p:cTn id="1" dur="indefinite" restart="never" nodeType="tmRoot"/>
-      </p:par>
-    </p:tnLst>
-  </p:timing>
-</p:sld>
-</file>
-
-<file path=ppt/slides/slide22.xml><?xml version="1.0" encoding="utf-8"?>
-<p:sld xmlns:a="http://schemas.openxmlformats.org/drawingml/2006/main" xmlns:r="http://schemas.openxmlformats.org/officeDocument/2006/relationships" xmlns:p="http://schemas.openxmlformats.org/presentationml/2006/main">
-  <p:cSld>
-    <p:spTree>
-      <p:nvGrpSpPr>
-        <p:cNvPr id="1" name=""/>
-        <p:cNvGrpSpPr/>
-        <p:nvPr/>
-      </p:nvGrpSpPr>
-      <p:grpSpPr>
-        <a:xfrm>
-          <a:off x="0" y="0"/>
-          <a:ext cx="0" cy="0"/>
-          <a:chOff x="0" y="0"/>
-          <a:chExt cx="0" cy="0"/>
-        </a:xfrm>
-      </p:grpSpPr>
-      <p:sp>
-        <p:nvSpPr>
-          <p:cNvPr id="2" name="Titel 1"/>
-          <p:cNvSpPr>
-            <a:spLocks noGrp="1"/>
-          </p:cNvSpPr>
-          <p:nvPr>
-            <p:ph type="title"/>
-          </p:nvPr>
-        </p:nvSpPr>
-        <p:spPr/>
-        <p:txBody>
-          <a:bodyPr/>
-          <a:lstStyle/>
-          <a:p>
-            <a:pPr algn="ctr"/>
-            <a:r>
-              <a:rPr lang="de-DE" dirty="0" smtClean="0"/>
-              <a:t>Steine</a:t>
-            </a:r>
-            <a:endParaRPr lang="de-DE" dirty="0"/>
-          </a:p>
-        </p:txBody>
-      </p:sp>
-      <p:pic>
-        <p:nvPicPr>
-          <p:cNvPr id="5" name="Inhaltsplatzhalter 4"/>
-          <p:cNvPicPr>
-            <a:picLocks noGrp="1" noChangeAspect="1"/>
-          </p:cNvPicPr>
-          <p:nvPr>
-            <p:ph idx="1"/>
-          </p:nvPr>
-        </p:nvPicPr>
-        <p:blipFill>
-          <a:blip r:embed="rId2">
-            <a:extLst>
-              <a:ext uri="{28A0092B-C50C-407E-A947-70E740481C1C}">
-                <a14:useLocalDpi xmlns:a14="http://schemas.microsoft.com/office/drawing/2010/main" val="0"/>
-              </a:ext>
-            </a:extLst>
-          </a:blip>
-          <a:stretch>
-            <a:fillRect/>
-          </a:stretch>
-        </p:blipFill>
-        <p:spPr>
-          <a:xfrm>
-            <a:off x="519304" y="2137834"/>
-            <a:ext cx="6351988" cy="2897805"/>
-          </a:xfrm>
-        </p:spPr>
-      </p:pic>
-      <p:sp>
-        <p:nvSpPr>
-          <p:cNvPr id="4" name="Foliennummernplatzhalter 3"/>
-          <p:cNvSpPr>
-            <a:spLocks noGrp="1"/>
-          </p:cNvSpPr>
-          <p:nvPr>
-            <p:ph type="sldNum" sz="quarter" idx="12"/>
-          </p:nvPr>
-        </p:nvSpPr>
-        <p:spPr/>
-        <p:txBody>
-          <a:bodyPr/>
-          <a:lstStyle/>
-          <a:p>
-            <a:fld id="{AFC15D4E-52BD-4359-8CF4-4D643ACA6A81}" type="slidenum">
-              <a:rPr lang="de-DE" smtClean="0"/>
-              <a:t>22</a:t>
-            </a:fld>
-            <a:endParaRPr lang="de-DE"/>
-          </a:p>
-        </p:txBody>
-      </p:sp>
-    </p:spTree>
-    <p:extLst>
-      <p:ext uri="{BB962C8B-B14F-4D97-AF65-F5344CB8AC3E}">
-        <p14:creationId xmlns:p14="http://schemas.microsoft.com/office/powerpoint/2010/main" val="562471745"/>
-      </p:ext>
-    </p:extLst>
-  </p:cSld>
-  <p:clrMapOvr>
-    <a:masterClrMapping/>
-  </p:clrMapOvr>
-  <p:timing>
-    <p:tnLst>
-      <p:par>
-        <p:cTn id="1" dur="indefinite" restart="never" nodeType="tmRoot"/>
-      </p:par>
-    </p:tnLst>
-  </p:timing>
-</p:sld>
-</file>
-
-<file path=ppt/slides/slide23.xml><?xml version="1.0" encoding="utf-8"?>
-<p:sld xmlns:a="http://schemas.openxmlformats.org/drawingml/2006/main" xmlns:r="http://schemas.openxmlformats.org/officeDocument/2006/relationships" xmlns:p="http://schemas.openxmlformats.org/presentationml/2006/main">
-  <p:cSld>
-    <p:spTree>
-      <p:nvGrpSpPr>
-        <p:cNvPr id="1" name=""/>
-        <p:cNvGrpSpPr/>
-        <p:nvPr/>
-      </p:nvGrpSpPr>
-      <p:grpSpPr>
-        <a:xfrm>
-          <a:off x="0" y="0"/>
-          <a:ext cx="0" cy="0"/>
-          <a:chOff x="0" y="0"/>
-          <a:chExt cx="0" cy="0"/>
-        </a:xfrm>
-      </p:grpSpPr>
-      <p:sp>
-        <p:nvSpPr>
-          <p:cNvPr id="2" name="Titel 1"/>
-          <p:cNvSpPr>
-            <a:spLocks noGrp="1"/>
-          </p:cNvSpPr>
-          <p:nvPr>
-            <p:ph type="title"/>
-          </p:nvPr>
-        </p:nvSpPr>
-        <p:spPr/>
-        <p:txBody>
-          <a:bodyPr/>
-          <a:lstStyle/>
-          <a:p>
-            <a:pPr algn="ctr"/>
-            <a:r>
-              <a:rPr lang="de-DE" dirty="0" smtClean="0"/>
-              <a:t>Speerfalle</a:t>
-            </a:r>
-            <a:endParaRPr lang="de-DE" dirty="0"/>
-          </a:p>
-        </p:txBody>
-      </p:sp>
-      <p:sp>
-        <p:nvSpPr>
-          <p:cNvPr id="4" name="Foliennummernplatzhalter 3"/>
-          <p:cNvSpPr>
-            <a:spLocks noGrp="1"/>
-          </p:cNvSpPr>
-          <p:nvPr>
-            <p:ph type="sldNum" sz="quarter" idx="12"/>
-          </p:nvPr>
-        </p:nvSpPr>
-        <p:spPr/>
-        <p:txBody>
-          <a:bodyPr/>
-          <a:lstStyle/>
-          <a:p>
-            <a:fld id="{AFC15D4E-52BD-4359-8CF4-4D643ACA6A81}" type="slidenum">
-              <a:rPr lang="de-DE" smtClean="0"/>
-              <a:t>23</a:t>
-            </a:fld>
-            <a:endParaRPr lang="de-DE"/>
-          </a:p>
-        </p:txBody>
-      </p:sp>
-      <p:pic>
-        <p:nvPicPr>
-          <p:cNvPr id="7" name="Grafik 6"/>
-          <p:cNvPicPr>
-            <a:picLocks noChangeAspect="1"/>
-          </p:cNvPicPr>
-          <p:nvPr/>
-        </p:nvPicPr>
-        <p:blipFill>
-          <a:blip r:embed="rId2">
-            <a:extLst>
-              <a:ext uri="{28A0092B-C50C-407E-A947-70E740481C1C}">
-                <a14:useLocalDpi xmlns:a14="http://schemas.microsoft.com/office/drawing/2010/main" val="0"/>
-              </a:ext>
-            </a:extLst>
-          </a:blip>
-          <a:stretch>
-            <a:fillRect/>
-          </a:stretch>
-        </p:blipFill>
-        <p:spPr>
-          <a:xfrm>
-            <a:off x="970447" y="1937253"/>
-            <a:ext cx="2343477" cy="2086266"/>
-          </a:xfrm>
-          <a:prstGeom prst="rect">
-            <a:avLst/>
-          </a:prstGeom>
-        </p:spPr>
-      </p:pic>
-      <p:pic>
-        <p:nvPicPr>
-          <p:cNvPr id="8" name="Grafik 7"/>
-          <p:cNvPicPr>
-            <a:picLocks noChangeAspect="1"/>
-          </p:cNvPicPr>
-          <p:nvPr/>
-        </p:nvPicPr>
-        <p:blipFill>
-          <a:blip r:embed="rId3">
-            <a:extLst>
-              <a:ext uri="{28A0092B-C50C-407E-A947-70E740481C1C}">
-                <a14:useLocalDpi xmlns:a14="http://schemas.microsoft.com/office/drawing/2010/main" val="0"/>
-              </a:ext>
-            </a:extLst>
-          </a:blip>
-          <a:stretch>
-            <a:fillRect/>
-          </a:stretch>
-        </p:blipFill>
-        <p:spPr>
-          <a:xfrm>
-            <a:off x="3713169" y="1937253"/>
-            <a:ext cx="2667253" cy="2086266"/>
-          </a:xfrm>
-          <a:prstGeom prst="rect">
-            <a:avLst/>
-          </a:prstGeom>
-        </p:spPr>
-      </p:pic>
-    </p:spTree>
-    <p:extLst>
-      <p:ext uri="{BB962C8B-B14F-4D97-AF65-F5344CB8AC3E}">
-        <p14:creationId xmlns:p14="http://schemas.microsoft.com/office/powerpoint/2010/main" val="1285909600"/>
-      </p:ext>
-    </p:extLst>
-  </p:cSld>
-  <p:clrMapOvr>
-    <a:masterClrMapping/>
-  </p:clrMapOvr>
-  <p:timing>
-    <p:tnLst>
-      <p:par>
-        <p:cTn id="1" dur="indefinite" restart="never" nodeType="tmRoot"/>
-      </p:par>
-    </p:tnLst>
-  </p:timing>
-</p:sld>
-</file>
-
-<file path=ppt/slides/slide24.xml><?xml version="1.0" encoding="utf-8"?>
-<p:sld xmlns:a="http://schemas.openxmlformats.org/drawingml/2006/main" xmlns:r="http://schemas.openxmlformats.org/officeDocument/2006/relationships" xmlns:p="http://schemas.openxmlformats.org/presentationml/2006/main">
-  <p:cSld>
-    <p:spTree>
-      <p:nvGrpSpPr>
-        <p:cNvPr id="1" name=""/>
-        <p:cNvGrpSpPr/>
-        <p:nvPr/>
-      </p:nvGrpSpPr>
-      <p:grpSpPr>
-        <a:xfrm>
-          <a:off x="0" y="0"/>
-          <a:ext cx="0" cy="0"/>
-          <a:chOff x="0" y="0"/>
-          <a:chExt cx="0" cy="0"/>
-        </a:xfrm>
-      </p:grpSpPr>
-      <p:sp>
-        <p:nvSpPr>
-          <p:cNvPr id="2" name="Titel 1"/>
-          <p:cNvSpPr>
-            <a:spLocks noGrp="1"/>
-          </p:cNvSpPr>
-          <p:nvPr>
-            <p:ph type="title"/>
-          </p:nvPr>
-        </p:nvSpPr>
-        <p:spPr/>
-        <p:txBody>
-          <a:bodyPr/>
-          <a:lstStyle/>
-          <a:p>
-            <a:pPr algn="ctr"/>
-            <a:r>
-              <a:rPr lang="de-DE" dirty="0" smtClean="0"/>
-              <a:t>Tatsächlicher Zeitplan (Soll-Ist-Vergleich unserer Entwicklungszeit)</a:t>
-            </a:r>
-            <a:endParaRPr lang="de-DE" dirty="0"/>
-          </a:p>
-        </p:txBody>
-      </p:sp>
-      <p:sp>
-        <p:nvSpPr>
-          <p:cNvPr id="3" name="Inhaltsplatzhalter 2"/>
-          <p:cNvSpPr>
-            <a:spLocks noGrp="1"/>
-          </p:cNvSpPr>
-          <p:nvPr>
-            <p:ph idx="1"/>
-          </p:nvPr>
-        </p:nvSpPr>
-        <p:spPr>
-          <a:xfrm>
-            <a:off x="838200" y="1825624"/>
-            <a:ext cx="10515600" cy="4695945"/>
-          </a:xfrm>
-        </p:spPr>
-        <p:txBody>
-          <a:bodyPr/>
-          <a:lstStyle/>
-          <a:p>
-            <a:pPr marL="0" indent="0">
-              <a:buNone/>
-            </a:pPr>
-            <a:r>
-              <a:rPr lang="de-DE" dirty="0" smtClean="0"/>
-              <a:t>Leider sind auch Verzögerungen bzw. Änderungen im Zeitplan aufgetreten. </a:t>
-            </a:r>
-            <a:r>
-              <a:rPr lang="de-DE" dirty="0"/>
-              <a:t>Bedingt durch </a:t>
-            </a:r>
-            <a:r>
-              <a:rPr lang="de-DE" dirty="0" smtClean="0"/>
-              <a:t>…</a:t>
-            </a:r>
-          </a:p>
-          <a:p>
-            <a:r>
-              <a:rPr lang="de-DE" dirty="0" smtClean="0"/>
-              <a:t>Frühzeitige Fertigstellung einiger Aufgaben</a:t>
-            </a:r>
-            <a:endParaRPr lang="de-DE" dirty="0"/>
-          </a:p>
-          <a:p>
-            <a:r>
-              <a:rPr lang="de-DE" dirty="0" smtClean="0"/>
-              <a:t>Umverteilung der Aufgaben, aufgrund unterschiedlicher Programmierkenntnisse.</a:t>
-            </a:r>
-          </a:p>
-          <a:p>
-            <a:r>
-              <a:rPr lang="de-DE" dirty="0" smtClean="0"/>
-              <a:t>Nebenjob, Krankheitsausfall, Internetausfall und Zwangsurlaub.</a:t>
-            </a:r>
-          </a:p>
-          <a:p>
-            <a:r>
-              <a:rPr lang="de-DE" dirty="0" smtClean="0"/>
-              <a:t>Längerer Experimentierphase mit den Features von Three.js.</a:t>
-            </a:r>
-          </a:p>
-          <a:p>
-            <a:r>
-              <a:rPr lang="de-DE" dirty="0" smtClean="0"/>
-              <a:t>Entwicklung neuer Ideen im Spiel, die ursprünglich nicht geplant waren.</a:t>
-            </a:r>
-          </a:p>
-        </p:txBody>
-      </p:sp>
-      <p:sp>
-        <p:nvSpPr>
-          <p:cNvPr id="4" name="Foliennummernplatzhalter 3"/>
-          <p:cNvSpPr>
-            <a:spLocks noGrp="1"/>
-          </p:cNvSpPr>
-          <p:nvPr>
-            <p:ph type="sldNum" sz="quarter" idx="12"/>
-          </p:nvPr>
-        </p:nvSpPr>
-        <p:spPr/>
-        <p:txBody>
-          <a:bodyPr/>
-          <a:lstStyle/>
-          <a:p>
-            <a:fld id="{AFC15D4E-52BD-4359-8CF4-4D643ACA6A81}" type="slidenum">
-              <a:rPr lang="de-DE" smtClean="0"/>
-              <a:t>24</a:t>
             </a:fld>
             <a:endParaRPr lang="de-DE"/>
           </a:p>
@@ -10835,7 +13465,7 @@
 </p:sld>
 </file>
 
-<file path=ppt/slides/slide25.xml><?xml version="1.0" encoding="utf-8"?>
+<file path=ppt/slides/slide22.xml><?xml version="1.0" encoding="utf-8"?>
 <p:sld xmlns:a="http://schemas.openxmlformats.org/drawingml/2006/main" xmlns:r="http://schemas.openxmlformats.org/officeDocument/2006/relationships" xmlns:p="http://schemas.openxmlformats.org/presentationml/2006/main">
   <p:cSld>
     <p:spTree>
@@ -11532,7 +14162,7 @@
           <a:p>
             <a:fld id="{8C23CA4F-E948-324D-AE99-93DD634CB28D}" type="slidenum">
               <a:rPr lang="de-DE" smtClean="0"/>
-              <a:t>25</a:t>
+              <a:t>22</a:t>
             </a:fld>
             <a:endParaRPr lang="de-DE"/>
           </a:p>
@@ -11558,7 +14188,7 @@
 </p:sld>
 </file>
 
-<file path=ppt/slides/slide26.xml><?xml version="1.0" encoding="utf-8"?>
+<file path=ppt/slides/slide23.xml><?xml version="1.0" encoding="utf-8"?>
 <p:sld xmlns:a="http://schemas.openxmlformats.org/drawingml/2006/main" xmlns:r="http://schemas.openxmlformats.org/officeDocument/2006/relationships" xmlns:p="http://schemas.openxmlformats.org/presentationml/2006/main">
   <p:cSld>
     <p:spTree>
@@ -11691,7 +14321,7 @@
           <a:p>
             <a:fld id="{AFC15D4E-52BD-4359-8CF4-4D643ACA6A81}" type="slidenum">
               <a:rPr lang="de-DE" smtClean="0"/>
-              <a:t>26</a:t>
+              <a:t>23</a:t>
             </a:fld>
             <a:endParaRPr lang="de-DE"/>
           </a:p>
@@ -11717,7 +14347,7 @@
 </p:sld>
 </file>
 
-<file path=ppt/slides/slide27.xml><?xml version="1.0" encoding="utf-8"?>
+<file path=ppt/slides/slide24.xml><?xml version="1.0" encoding="utf-8"?>
 <p:sld xmlns:a="http://schemas.openxmlformats.org/drawingml/2006/main" xmlns:r="http://schemas.openxmlformats.org/officeDocument/2006/relationships" xmlns:p="http://schemas.openxmlformats.org/presentationml/2006/main">
   <p:cSld>
     <p:spTree>
@@ -12414,7 +15044,7 @@
           <a:p>
             <a:fld id="{AFC15D4E-52BD-4359-8CF4-4D643ACA6A81}" type="slidenum">
               <a:rPr lang="de-DE" smtClean="0"/>
-              <a:t>27</a:t>
+              <a:t>24</a:t>
             </a:fld>
             <a:endParaRPr lang="de-DE"/>
           </a:p>
@@ -12546,7 +15176,7 @@
 </p:sld>
 </file>
 
-<file path=ppt/slides/slide28.xml><?xml version="1.0" encoding="utf-8"?>
+<file path=ppt/slides/slide25.xml><?xml version="1.0" encoding="utf-8"?>
 <p:sld xmlns:a="http://schemas.openxmlformats.org/drawingml/2006/main" xmlns:r="http://schemas.openxmlformats.org/officeDocument/2006/relationships" xmlns:p="http://schemas.openxmlformats.org/presentationml/2006/main">
   <p:cSld>
     <p:spTree>
@@ -12579,6 +15209,10 @@
           <a:lstStyle/>
           <a:p>
             <a:pPr algn="ctr"/>
+            <a:r>
+              <a:rPr lang="de-DE" dirty="0" smtClean="0"/>
+              <a:t>Quellen</a:t>
+            </a:r>
             <a:endParaRPr lang="de-DE" dirty="0"/>
           </a:p>
         </p:txBody>
@@ -12593,20 +15227,303 @@
             <p:ph idx="1"/>
           </p:nvPr>
         </p:nvSpPr>
-        <p:spPr/>
+        <p:spPr>
+          <a:xfrm>
+            <a:off x="838200" y="1449238"/>
+            <a:ext cx="10515600" cy="4727725"/>
+          </a:xfrm>
+        </p:spPr>
         <p:txBody>
           <a:bodyPr>
             <a:normAutofit/>
           </a:bodyPr>
           <a:lstStyle/>
           <a:p>
-            <a:pPr marL="0" indent="0" algn="ctr">
+            <a:pPr marL="0" indent="0">
               <a:buNone/>
             </a:pPr>
             <a:r>
-              <a:rPr lang="de-DE" sz="6600" dirty="0"/>
-              <a:t>Ende der Präsentation</a:t>
-            </a:r>
+              <a:rPr lang="de-DE" sz="1400" dirty="0" smtClean="0"/>
+              <a:t>Nachschlagseiten:</a:t>
+            </a:r>
+            <a:r>
+              <a:rPr lang="de-DE" sz="1400" dirty="0" smtClean="0">
+                <a:hlinkClick r:id="rId2"/>
+              </a:rPr>
+              <a:t>www.w3schools.com</a:t>
+            </a:r>
+            <a:r>
+              <a:rPr lang="de-DE" sz="1400" dirty="0" smtClean="0"/>
+              <a:t> , </a:t>
+            </a:r>
+            <a:r>
+              <a:rPr lang="de-DE" sz="1400" dirty="0" smtClean="0">
+                <a:hlinkClick r:id="rId3"/>
+              </a:rPr>
+              <a:t>www.threejs.org</a:t>
+            </a:r>
+            <a:r>
+              <a:rPr lang="de-DE" sz="1400" dirty="0" smtClean="0"/>
+              <a:t> </a:t>
+            </a:r>
+          </a:p>
+          <a:p>
+            <a:pPr marL="0" indent="0">
+              <a:buNone/>
+            </a:pPr>
+            <a:endParaRPr lang="de-DE" sz="1400" dirty="0"/>
+          </a:p>
+          <a:p>
+            <a:pPr marL="0" indent="0">
+              <a:buNone/>
+            </a:pPr>
+            <a:r>
+              <a:rPr lang="de-DE" sz="1400" dirty="0" err="1" smtClean="0"/>
+              <a:t>HTML:</a:t>
+            </a:r>
+            <a:r>
+              <a:rPr lang="de-DE" sz="1400" dirty="0" err="1" smtClean="0">
+                <a:hlinkClick r:id="rId4"/>
+              </a:rPr>
+              <a:t>http</a:t>
+            </a:r>
+            <a:r>
+              <a:rPr lang="de-DE" sz="1400" dirty="0">
+                <a:hlinkClick r:id="rId4"/>
+              </a:rPr>
+              <a:t>://codepen.io/sethabbott/pen/FtuLz</a:t>
+            </a:r>
+            <a:endParaRPr lang="de-DE" sz="1400" dirty="0"/>
+          </a:p>
+          <a:p>
+            <a:pPr marL="0" indent="0">
+              <a:buNone/>
+            </a:pPr>
+            <a:r>
+              <a:rPr lang="de-DE" sz="1400" dirty="0" smtClean="0"/>
+              <a:t>3D-Objekte:</a:t>
+            </a:r>
+          </a:p>
+          <a:p>
+            <a:pPr marL="0" indent="0">
+              <a:buNone/>
+            </a:pPr>
+            <a:r>
+              <a:rPr lang="de-DE" sz="1400" dirty="0" err="1" smtClean="0"/>
+              <a:t>Forum:</a:t>
+            </a:r>
+            <a:r>
+              <a:rPr lang="de-DE" sz="1400" dirty="0" err="1" smtClean="0">
+                <a:hlinkClick r:id="rId5"/>
+              </a:rPr>
+              <a:t>www.stackoverflow.com</a:t>
+            </a:r>
+            <a:r>
+              <a:rPr lang="de-DE" sz="1400" dirty="0" smtClean="0"/>
+              <a:t> , </a:t>
+            </a:r>
+            <a:r>
+              <a:rPr lang="de-DE" sz="1400" dirty="0" smtClean="0">
+                <a:hlinkClick r:id="rId6"/>
+              </a:rPr>
+              <a:t>www.tutorials.de</a:t>
+            </a:r>
+            <a:r>
+              <a:rPr lang="de-DE" sz="1400" dirty="0" smtClean="0"/>
+              <a:t> </a:t>
+            </a:r>
+          </a:p>
+          <a:p>
+            <a:pPr marL="0" indent="0">
+              <a:buNone/>
+            </a:pPr>
+            <a:endParaRPr lang="de-DE" sz="1400" dirty="0"/>
+          </a:p>
+          <a:p>
+            <a:pPr marL="0" indent="0">
+              <a:buNone/>
+            </a:pPr>
+            <a:r>
+              <a:rPr lang="de-DE" sz="1400" dirty="0" err="1" smtClean="0"/>
+              <a:t>Texturen:</a:t>
+            </a:r>
+            <a:r>
+              <a:rPr lang="de-DE" sz="1400" u="sng" dirty="0" err="1" smtClean="0">
+                <a:hlinkClick r:id="rId7"/>
+              </a:rPr>
+              <a:t>http</a:t>
+            </a:r>
+            <a:r>
+              <a:rPr lang="de-DE" sz="1400" u="sng" dirty="0">
+                <a:hlinkClick r:id="rId7"/>
+              </a:rPr>
+              <a:t>://www.tonytextures.de/kostenlose-textur-foto-sammlung-architekturvisualisierung</a:t>
+            </a:r>
+            <a:r>
+              <a:rPr lang="de-DE" sz="1400" u="sng" dirty="0" smtClean="0">
+                <a:hlinkClick r:id="rId7"/>
+              </a:rPr>
+              <a:t>/</a:t>
+            </a:r>
+            <a:endParaRPr lang="de-DE" sz="1400" u="sng" dirty="0" smtClean="0"/>
+          </a:p>
+          <a:p>
+            <a:pPr marL="0" indent="0">
+              <a:buNone/>
+            </a:pPr>
+            <a:endParaRPr lang="de-DE" sz="1400" dirty="0"/>
+          </a:p>
+          <a:p>
+            <a:pPr marL="0" indent="0">
+              <a:buNone/>
+            </a:pPr>
+            <a:r>
+              <a:rPr lang="de-DE" sz="1400" dirty="0" err="1" smtClean="0"/>
+              <a:t>Sounds:</a:t>
+            </a:r>
+            <a:r>
+              <a:rPr lang="de-DE" sz="1400" u="sng" dirty="0" err="1" smtClean="0">
+                <a:hlinkClick r:id="rId8"/>
+              </a:rPr>
+              <a:t>http</a:t>
+            </a:r>
+            <a:r>
+              <a:rPr lang="de-DE" sz="1400" u="sng" dirty="0">
+                <a:hlinkClick r:id="rId8"/>
+              </a:rPr>
+              <a:t>://</a:t>
+            </a:r>
+            <a:r>
+              <a:rPr lang="de-DE" sz="1400" u="sng" dirty="0" smtClean="0">
+                <a:hlinkClick r:id="rId8"/>
+              </a:rPr>
+              <a:t>www.gamethud.com/uploads/2/2/1/7/22174904/pacman_eating_cherry.mp3</a:t>
+            </a:r>
+            <a:endParaRPr lang="de-DE" sz="1400" u="sng" dirty="0"/>
+          </a:p>
+          <a:p>
+            <a:pPr marL="0" indent="0">
+              <a:buNone/>
+            </a:pPr>
+            <a:r>
+              <a:rPr lang="de-DE" sz="1400" u="sng" dirty="0" smtClean="0">
+                <a:hlinkClick r:id="rId9"/>
+              </a:rPr>
+              <a:t>http</a:t>
+            </a:r>
+            <a:r>
+              <a:rPr lang="de-DE" sz="1400" u="sng" dirty="0">
+                <a:hlinkClick r:id="rId9"/>
+              </a:rPr>
+              <a:t>://www.eng.auburn.edu/~</a:t>
+            </a:r>
+            <a:r>
+              <a:rPr lang="de-DE" sz="1400" u="sng" dirty="0" smtClean="0">
+                <a:hlinkClick r:id="rId9"/>
+              </a:rPr>
+              <a:t>sealscd/COMP7970/project/3Dstudio/levels/MISSION2/tor3.wav</a:t>
+            </a:r>
+            <a:endParaRPr lang="de-DE" sz="1400" u="sng" dirty="0" smtClean="0"/>
+          </a:p>
+          <a:p>
+            <a:pPr marL="0" indent="0">
+              <a:buNone/>
+            </a:pPr>
+            <a:r>
+              <a:rPr lang="de-DE" sz="1400" u="sng" dirty="0" smtClean="0">
+                <a:hlinkClick r:id="rId10"/>
+              </a:rPr>
+              <a:t>http</a:t>
+            </a:r>
+            <a:r>
+              <a:rPr lang="de-DE" sz="1400" u="sng" dirty="0">
+                <a:hlinkClick r:id="rId10"/>
+              </a:rPr>
+              <a:t>://</a:t>
+            </a:r>
+            <a:r>
+              <a:rPr lang="de-DE" sz="1400" u="sng" dirty="0" smtClean="0">
+                <a:hlinkClick r:id="rId10"/>
+              </a:rPr>
+              <a:t>www.republic-of-loafdom.com/Media/Soundclips/cheer1.wav</a:t>
+            </a:r>
+            <a:endParaRPr lang="de-DE" sz="1400" u="sng" dirty="0" smtClean="0"/>
+          </a:p>
+          <a:p>
+            <a:pPr marL="0" indent="0">
+              <a:buNone/>
+            </a:pPr>
+            <a:r>
+              <a:rPr lang="de-DE" sz="1400" dirty="0" err="1" smtClean="0"/>
+              <a:t>Musik:</a:t>
+            </a:r>
+            <a:r>
+              <a:rPr lang="de-DE" sz="1400" u="sng" dirty="0" err="1" smtClean="0">
+                <a:hlinkClick r:id="rId11"/>
+              </a:rPr>
+              <a:t>https</a:t>
+            </a:r>
+            <a:r>
+              <a:rPr lang="de-DE" sz="1400" u="sng" dirty="0">
+                <a:hlinkClick r:id="rId11"/>
+              </a:rPr>
+              <a:t>://</a:t>
+            </a:r>
+            <a:r>
+              <a:rPr lang="de-DE" sz="1400" u="sng" dirty="0" smtClean="0">
+                <a:hlinkClick r:id="rId11"/>
+              </a:rPr>
+              <a:t>www.youtube.com/watch?v=VfusU-xqU3A</a:t>
+            </a:r>
+            <a:endParaRPr lang="de-DE" sz="1400" u="sng" dirty="0" smtClean="0"/>
+          </a:p>
+          <a:p>
+            <a:pPr marL="0" indent="0">
+              <a:buNone/>
+            </a:pPr>
+            <a:r>
+              <a:rPr lang="de-DE" sz="1400" u="sng" dirty="0" smtClean="0">
+                <a:hlinkClick r:id="rId12"/>
+              </a:rPr>
+              <a:t>https</a:t>
+            </a:r>
+            <a:r>
+              <a:rPr lang="de-DE" sz="1400" u="sng" dirty="0">
+                <a:hlinkClick r:id="rId12"/>
+              </a:rPr>
+              <a:t>://</a:t>
+            </a:r>
+            <a:r>
+              <a:rPr lang="de-DE" sz="1400" u="sng" dirty="0" smtClean="0">
+                <a:hlinkClick r:id="rId12"/>
+              </a:rPr>
+              <a:t>www.youtube.com/watch?v=N0amga8hYPU</a:t>
+            </a:r>
+            <a:endParaRPr lang="de-DE" sz="1400" u="sng" dirty="0" smtClean="0"/>
+          </a:p>
+          <a:p>
+            <a:pPr marL="0" indent="0">
+              <a:buNone/>
+            </a:pPr>
+            <a:r>
+              <a:rPr lang="de-DE" sz="1400" u="sng" dirty="0" smtClean="0">
+                <a:hlinkClick r:id="rId13"/>
+              </a:rPr>
+              <a:t>http</a:t>
+            </a:r>
+            <a:r>
+              <a:rPr lang="de-DE" sz="1400" u="sng" dirty="0">
+                <a:hlinkClick r:id="rId13"/>
+              </a:rPr>
+              <a:t>://</a:t>
+            </a:r>
+            <a:r>
+              <a:rPr lang="de-DE" sz="1400" u="sng" dirty="0" smtClean="0">
+                <a:hlinkClick r:id="rId13"/>
+              </a:rPr>
+              <a:t>youtube.com/watch?v=QE_jOCqKE3w&amp;list=RDQE_jOCqKE3ws</a:t>
+            </a:r>
+            <a:endParaRPr lang="de-DE" sz="1400" u="sng" dirty="0" smtClean="0"/>
           </a:p>
         </p:txBody>
       </p:sp>
@@ -12627,401 +15544,7 @@
           <a:p>
             <a:fld id="{AFC15D4E-52BD-4359-8CF4-4D643ACA6A81}" type="slidenum">
               <a:rPr lang="de-DE" smtClean="0"/>
-              <a:t>28</a:t>
-            </a:fld>
-            <a:endParaRPr lang="de-DE"/>
-          </a:p>
-        </p:txBody>
-      </p:sp>
-    </p:spTree>
-    <p:extLst>
-      <p:ext uri="{BB962C8B-B14F-4D97-AF65-F5344CB8AC3E}">
-        <p14:creationId xmlns:p14="http://schemas.microsoft.com/office/powerpoint/2010/main" val="670538283"/>
-      </p:ext>
-    </p:extLst>
-  </p:cSld>
-  <p:clrMapOvr>
-    <a:masterClrMapping/>
-  </p:clrMapOvr>
-  <p:timing>
-    <p:tnLst>
-      <p:par>
-        <p:cTn id="1" dur="indefinite" restart="never" nodeType="tmRoot"/>
-      </p:par>
-    </p:tnLst>
-  </p:timing>
-</p:sld>
-</file>
-
-<file path=ppt/slides/slide29.xml><?xml version="1.0" encoding="utf-8"?>
-<p:sld xmlns:a="http://schemas.openxmlformats.org/drawingml/2006/main" xmlns:r="http://schemas.openxmlformats.org/officeDocument/2006/relationships" xmlns:p="http://schemas.openxmlformats.org/presentationml/2006/main">
-  <p:cSld>
-    <p:spTree>
-      <p:nvGrpSpPr>
-        <p:cNvPr id="1" name=""/>
-        <p:cNvGrpSpPr/>
-        <p:nvPr/>
-      </p:nvGrpSpPr>
-      <p:grpSpPr>
-        <a:xfrm>
-          <a:off x="0" y="0"/>
-          <a:ext cx="0" cy="0"/>
-          <a:chOff x="0" y="0"/>
-          <a:chExt cx="0" cy="0"/>
-        </a:xfrm>
-      </p:grpSpPr>
-      <p:sp>
-        <p:nvSpPr>
-          <p:cNvPr id="2" name="Titel 1"/>
-          <p:cNvSpPr>
-            <a:spLocks noGrp="1"/>
-          </p:cNvSpPr>
-          <p:nvPr>
-            <p:ph type="title"/>
-          </p:nvPr>
-        </p:nvSpPr>
-        <p:spPr/>
-        <p:txBody>
-          <a:bodyPr/>
-          <a:lstStyle/>
-          <a:p>
-            <a:pPr algn="ctr"/>
-            <a:r>
-              <a:rPr lang="de-DE" dirty="0" smtClean="0"/>
-              <a:t>Quellen</a:t>
-            </a:r>
-            <a:endParaRPr lang="de-DE" dirty="0"/>
-          </a:p>
-        </p:txBody>
-      </p:sp>
-      <p:sp>
-        <p:nvSpPr>
-          <p:cNvPr id="3" name="Inhaltsplatzhalter 2"/>
-          <p:cNvSpPr>
-            <a:spLocks noGrp="1"/>
-          </p:cNvSpPr>
-          <p:nvPr>
-            <p:ph idx="1"/>
-          </p:nvPr>
-        </p:nvSpPr>
-        <p:spPr>
-          <a:xfrm>
-            <a:off x="838200" y="1449238"/>
-            <a:ext cx="10515600" cy="4727725"/>
-          </a:xfrm>
-        </p:spPr>
-        <p:txBody>
-          <a:bodyPr>
-            <a:normAutofit/>
-          </a:bodyPr>
-          <a:lstStyle/>
-          <a:p>
-            <a:pPr marL="0" indent="0">
-              <a:buNone/>
-            </a:pPr>
-            <a:r>
-              <a:rPr lang="de-DE" sz="1400" dirty="0" smtClean="0"/>
-              <a:t>Nachschlagseiten:</a:t>
-            </a:r>
-            <a:r>
-              <a:rPr lang="de-DE" sz="1400" dirty="0" smtClean="0">
-                <a:hlinkClick r:id="rId2"/>
-              </a:rPr>
-              <a:t>www.w3schools.com</a:t>
-            </a:r>
-            <a:r>
-              <a:rPr lang="de-DE" sz="1400" dirty="0" smtClean="0"/>
-              <a:t> , </a:t>
-            </a:r>
-            <a:r>
-              <a:rPr lang="de-DE" sz="1400" dirty="0" smtClean="0">
-                <a:hlinkClick r:id="rId3"/>
-              </a:rPr>
-              <a:t>www.threejs.org</a:t>
-            </a:r>
-            <a:r>
-              <a:rPr lang="de-DE" sz="1400" dirty="0" smtClean="0"/>
-              <a:t> </a:t>
-            </a:r>
-          </a:p>
-          <a:p>
-            <a:pPr marL="0" indent="0">
-              <a:buNone/>
-            </a:pPr>
-            <a:endParaRPr lang="de-DE" sz="1400" dirty="0"/>
-          </a:p>
-          <a:p>
-            <a:pPr marL="0" indent="0">
-              <a:buNone/>
-            </a:pPr>
-            <a:r>
-              <a:rPr lang="de-DE" sz="1400" dirty="0" err="1" smtClean="0"/>
-              <a:t>HTML:</a:t>
-            </a:r>
-            <a:r>
-              <a:rPr lang="de-DE" sz="1400" dirty="0" err="1" smtClean="0">
-                <a:hlinkClick r:id="rId4"/>
-              </a:rPr>
-              <a:t>http</a:t>
-            </a:r>
-            <a:r>
-              <a:rPr lang="de-DE" sz="1400" dirty="0">
-                <a:hlinkClick r:id="rId4"/>
-              </a:rPr>
-              <a:t>://codepen.io/sethabbott/pen/FtuLz</a:t>
-            </a:r>
-            <a:endParaRPr lang="de-DE" sz="1400" dirty="0"/>
-          </a:p>
-          <a:p>
-            <a:pPr marL="0" indent="0">
-              <a:buNone/>
-            </a:pPr>
-            <a:r>
-              <a:rPr lang="de-DE" sz="1400" dirty="0" smtClean="0"/>
-              <a:t>3D-Objekte:</a:t>
-            </a:r>
-          </a:p>
-          <a:p>
-            <a:pPr marL="0" indent="0">
-              <a:buNone/>
-            </a:pPr>
-            <a:r>
-              <a:rPr lang="de-DE" sz="1400" dirty="0" err="1" smtClean="0"/>
-              <a:t>Forum:</a:t>
-            </a:r>
-            <a:r>
-              <a:rPr lang="de-DE" sz="1400" dirty="0" err="1" smtClean="0">
-                <a:hlinkClick r:id="rId5"/>
-              </a:rPr>
-              <a:t>www.stackoverflow.com</a:t>
-            </a:r>
-            <a:r>
-              <a:rPr lang="de-DE" sz="1400" dirty="0" smtClean="0"/>
-              <a:t> , </a:t>
-            </a:r>
-            <a:r>
-              <a:rPr lang="de-DE" sz="1400" dirty="0" smtClean="0">
-                <a:hlinkClick r:id="rId6"/>
-              </a:rPr>
-              <a:t>www.tutorials.de</a:t>
-            </a:r>
-            <a:r>
-              <a:rPr lang="de-DE" sz="1400" dirty="0" smtClean="0"/>
-              <a:t> </a:t>
-            </a:r>
-          </a:p>
-          <a:p>
-            <a:pPr marL="0" indent="0">
-              <a:buNone/>
-            </a:pPr>
-            <a:endParaRPr lang="de-DE" sz="1400" dirty="0"/>
-          </a:p>
-          <a:p>
-            <a:pPr marL="0" indent="0">
-              <a:buNone/>
-            </a:pPr>
-            <a:r>
-              <a:rPr lang="de-DE" sz="1400" dirty="0" err="1" smtClean="0"/>
-              <a:t>Texturen:</a:t>
-            </a:r>
-            <a:r>
-              <a:rPr lang="de-DE" sz="1400" u="sng" dirty="0" err="1" smtClean="0">
-                <a:hlinkClick r:id="rId7"/>
-              </a:rPr>
-              <a:t>http</a:t>
-            </a:r>
-            <a:r>
-              <a:rPr lang="de-DE" sz="1400" u="sng" dirty="0">
-                <a:hlinkClick r:id="rId7"/>
-              </a:rPr>
-              <a:t>://www.tonytextures.de/kostenlose-textur-foto-sammlung-architekturvisualisierung</a:t>
-            </a:r>
-            <a:r>
-              <a:rPr lang="de-DE" sz="1400" u="sng" dirty="0" smtClean="0">
-                <a:hlinkClick r:id="rId7"/>
-              </a:rPr>
-              <a:t>/</a:t>
-            </a:r>
-            <a:endParaRPr lang="de-DE" sz="1400" u="sng" dirty="0" smtClean="0"/>
-          </a:p>
-          <a:p>
-            <a:pPr marL="0" indent="0">
-              <a:buNone/>
-            </a:pPr>
-            <a:endParaRPr lang="de-DE" sz="1400" dirty="0"/>
-          </a:p>
-          <a:p>
-            <a:pPr marL="0" indent="0">
-              <a:buNone/>
-            </a:pPr>
-            <a:r>
-              <a:rPr lang="de-DE" sz="1400" dirty="0" err="1" smtClean="0"/>
-              <a:t>Sounds:</a:t>
-            </a:r>
-            <a:r>
-              <a:rPr lang="de-DE" sz="1400" u="sng" dirty="0" err="1" smtClean="0">
-                <a:hlinkClick r:id="rId8"/>
-              </a:rPr>
-              <a:t>http</a:t>
-            </a:r>
-            <a:r>
-              <a:rPr lang="de-DE" sz="1400" u="sng" dirty="0">
-                <a:hlinkClick r:id="rId8"/>
-              </a:rPr>
-              <a:t>://</a:t>
-            </a:r>
-            <a:r>
-              <a:rPr lang="de-DE" sz="1400" u="sng" dirty="0" smtClean="0">
-                <a:hlinkClick r:id="rId8"/>
-              </a:rPr>
-              <a:t>www.gamethud.com/uploads/2/2/1/7/22174904/pacman_eating_cherry.mp3</a:t>
-            </a:r>
-            <a:endParaRPr lang="de-DE" sz="1400" u="sng" dirty="0"/>
-          </a:p>
-          <a:p>
-            <a:pPr marL="0" indent="0">
-              <a:buNone/>
-            </a:pPr>
-            <a:r>
-              <a:rPr lang="de-DE" sz="1400" u="sng" dirty="0" smtClean="0">
-                <a:hlinkClick r:id="rId9"/>
-              </a:rPr>
-              <a:t>http</a:t>
-            </a:r>
-            <a:r>
-              <a:rPr lang="de-DE" sz="1400" u="sng" dirty="0">
-                <a:hlinkClick r:id="rId9"/>
-              </a:rPr>
-              <a:t>://www.eng.auburn.edu/~</a:t>
-            </a:r>
-            <a:r>
-              <a:rPr lang="de-DE" sz="1400" u="sng" dirty="0" smtClean="0">
-                <a:hlinkClick r:id="rId9"/>
-              </a:rPr>
-              <a:t>sealscd/COMP7970/project/3Dstudio/levels/MISSION2/tor3.wav</a:t>
-            </a:r>
-            <a:endParaRPr lang="de-DE" sz="1400" u="sng" dirty="0" smtClean="0"/>
-          </a:p>
-          <a:p>
-            <a:pPr marL="0" indent="0">
-              <a:buNone/>
-            </a:pPr>
-            <a:r>
-              <a:rPr lang="de-DE" sz="1400" u="sng" dirty="0" smtClean="0">
-                <a:hlinkClick r:id="rId10"/>
-              </a:rPr>
-              <a:t>http</a:t>
-            </a:r>
-            <a:r>
-              <a:rPr lang="de-DE" sz="1400" u="sng" dirty="0">
-                <a:hlinkClick r:id="rId10"/>
-              </a:rPr>
-              <a:t>://</a:t>
-            </a:r>
-            <a:r>
-              <a:rPr lang="de-DE" sz="1400" u="sng" dirty="0" smtClean="0">
-                <a:hlinkClick r:id="rId10"/>
-              </a:rPr>
-              <a:t>www.republic-of-loafdom.com/Media/Soundclips/cheer1.wav</a:t>
-            </a:r>
-            <a:endParaRPr lang="de-DE" sz="1400" u="sng" dirty="0" smtClean="0"/>
-          </a:p>
-          <a:p>
-            <a:pPr marL="0" indent="0">
-              <a:buNone/>
-            </a:pPr>
-            <a:r>
-              <a:rPr lang="de-DE" sz="1400" dirty="0" err="1" smtClean="0"/>
-              <a:t>Musik:</a:t>
-            </a:r>
-            <a:r>
-              <a:rPr lang="de-DE" sz="1400" u="sng" dirty="0" err="1" smtClean="0">
-                <a:hlinkClick r:id="rId11"/>
-              </a:rPr>
-              <a:t>https</a:t>
-            </a:r>
-            <a:r>
-              <a:rPr lang="de-DE" sz="1400" u="sng" dirty="0">
-                <a:hlinkClick r:id="rId11"/>
-              </a:rPr>
-              <a:t>://</a:t>
-            </a:r>
-            <a:r>
-              <a:rPr lang="de-DE" sz="1400" u="sng" dirty="0" smtClean="0">
-                <a:hlinkClick r:id="rId11"/>
-              </a:rPr>
-              <a:t>www.youtube.com/watch?v=VfusU-xqU3A</a:t>
-            </a:r>
-            <a:endParaRPr lang="de-DE" sz="1400" u="sng" dirty="0" smtClean="0"/>
-          </a:p>
-          <a:p>
-            <a:pPr marL="0" indent="0">
-              <a:buNone/>
-            </a:pPr>
-            <a:r>
-              <a:rPr lang="de-DE" sz="1400" u="sng" dirty="0" smtClean="0">
-                <a:hlinkClick r:id="rId12"/>
-              </a:rPr>
-              <a:t>https</a:t>
-            </a:r>
-            <a:r>
-              <a:rPr lang="de-DE" sz="1400" u="sng" dirty="0">
-                <a:hlinkClick r:id="rId12"/>
-              </a:rPr>
-              <a:t>://</a:t>
-            </a:r>
-            <a:r>
-              <a:rPr lang="de-DE" sz="1400" u="sng" dirty="0" smtClean="0">
-                <a:hlinkClick r:id="rId12"/>
-              </a:rPr>
-              <a:t>www.youtube.com/watch?v=N0amga8hYPU</a:t>
-            </a:r>
-            <a:endParaRPr lang="de-DE" sz="1400" u="sng" dirty="0" smtClean="0"/>
-          </a:p>
-          <a:p>
-            <a:pPr marL="0" indent="0">
-              <a:buNone/>
-            </a:pPr>
-            <a:r>
-              <a:rPr lang="de-DE" sz="1400" u="sng" dirty="0" smtClean="0">
-                <a:hlinkClick r:id="rId13"/>
-              </a:rPr>
-              <a:t>http</a:t>
-            </a:r>
-            <a:r>
-              <a:rPr lang="de-DE" sz="1400" u="sng" dirty="0">
-                <a:hlinkClick r:id="rId13"/>
-              </a:rPr>
-              <a:t>://</a:t>
-            </a:r>
-            <a:r>
-              <a:rPr lang="de-DE" sz="1400" u="sng" dirty="0" smtClean="0">
-                <a:hlinkClick r:id="rId13"/>
-              </a:rPr>
-              <a:t>youtube.com/watch?v=QE_jOCqKE3w&amp;list=RDQE_jOCqKE3ws</a:t>
-            </a:r>
-            <a:endParaRPr lang="de-DE" sz="1400" u="sng" dirty="0" smtClean="0"/>
-          </a:p>
-        </p:txBody>
-      </p:sp>
-      <p:sp>
-        <p:nvSpPr>
-          <p:cNvPr id="4" name="Foliennummernplatzhalter 3"/>
-          <p:cNvSpPr>
-            <a:spLocks noGrp="1"/>
-          </p:cNvSpPr>
-          <p:nvPr>
-            <p:ph type="sldNum" sz="quarter" idx="12"/>
-          </p:nvPr>
-        </p:nvSpPr>
-        <p:spPr/>
-        <p:txBody>
-          <a:bodyPr/>
-          <a:lstStyle/>
-          <a:p>
-            <a:fld id="{AFC15D4E-52BD-4359-8CF4-4D643ACA6A81}" type="slidenum">
-              <a:rPr lang="de-DE" smtClean="0"/>
-              <a:t>29</a:t>
+              <a:t>25</a:t>
             </a:fld>
             <a:endParaRPr lang="de-DE"/>
           </a:p>

--- a/FinalePräsentation.pptx
+++ b/FinalePräsentation.pptx
@@ -2,7 +2,7 @@
 <file path=ppt/presentation.xml><?xml version="1.0" encoding="utf-8"?>
 <p:presentation xmlns:a="http://schemas.openxmlformats.org/drawingml/2006/main" xmlns:r="http://schemas.openxmlformats.org/officeDocument/2006/relationships" xmlns:p="http://schemas.openxmlformats.org/presentationml/2006/main" saveSubsetFonts="1">
   <p:sldMasterIdLst>
-    <p:sldMasterId id="2147483648" r:id="rId1"/>
+    <p:sldMasterId id="2147483684" r:id="rId1"/>
   </p:sldMasterIdLst>
   <p:notesMasterIdLst>
     <p:notesMasterId r:id="rId27"/>
@@ -683,7 +683,7 @@
     </p:spTree>
     <p:extLst>
       <p:ext uri="{BB962C8B-B14F-4D97-AF65-F5344CB8AC3E}">
-        <p14:creationId xmlns:p14="http://schemas.microsoft.com/office/powerpoint/2010/main" val="1647481059"/>
+        <p14:creationId xmlns:p14="http://schemas.microsoft.com/office/powerpoint/2010/main" val="661286343"/>
       </p:ext>
     </p:extLst>
   </p:cSld>
@@ -853,7 +853,7 @@
     </p:spTree>
     <p:extLst>
       <p:ext uri="{BB962C8B-B14F-4D97-AF65-F5344CB8AC3E}">
-        <p14:creationId xmlns:p14="http://schemas.microsoft.com/office/powerpoint/2010/main" val="2286147822"/>
+        <p14:creationId xmlns:p14="http://schemas.microsoft.com/office/powerpoint/2010/main" val="917186074"/>
       </p:ext>
     </p:extLst>
   </p:cSld>
@@ -1033,7 +1033,7 @@
     </p:spTree>
     <p:extLst>
       <p:ext uri="{BB962C8B-B14F-4D97-AF65-F5344CB8AC3E}">
-        <p14:creationId xmlns:p14="http://schemas.microsoft.com/office/powerpoint/2010/main" val="3042734173"/>
+        <p14:creationId xmlns:p14="http://schemas.microsoft.com/office/powerpoint/2010/main" val="1986296670"/>
       </p:ext>
     </p:extLst>
   </p:cSld>
@@ -1203,7 +1203,7 @@
     </p:spTree>
     <p:extLst>
       <p:ext uri="{BB962C8B-B14F-4D97-AF65-F5344CB8AC3E}">
-        <p14:creationId xmlns:p14="http://schemas.microsoft.com/office/powerpoint/2010/main" val="1702019340"/>
+        <p14:creationId xmlns:p14="http://schemas.microsoft.com/office/powerpoint/2010/main" val="3951753515"/>
       </p:ext>
     </p:extLst>
   </p:cSld>
@@ -1449,7 +1449,7 @@
     </p:spTree>
     <p:extLst>
       <p:ext uri="{BB962C8B-B14F-4D97-AF65-F5344CB8AC3E}">
-        <p14:creationId xmlns:p14="http://schemas.microsoft.com/office/powerpoint/2010/main" val="746351657"/>
+        <p14:creationId xmlns:p14="http://schemas.microsoft.com/office/powerpoint/2010/main" val="3536684677"/>
       </p:ext>
     </p:extLst>
   </p:cSld>
@@ -1681,7 +1681,7 @@
     </p:spTree>
     <p:extLst>
       <p:ext uri="{BB962C8B-B14F-4D97-AF65-F5344CB8AC3E}">
-        <p14:creationId xmlns:p14="http://schemas.microsoft.com/office/powerpoint/2010/main" val="1972369784"/>
+        <p14:creationId xmlns:p14="http://schemas.microsoft.com/office/powerpoint/2010/main" val="2461879346"/>
       </p:ext>
     </p:extLst>
   </p:cSld>
@@ -2048,7 +2048,7 @@
     </p:spTree>
     <p:extLst>
       <p:ext uri="{BB962C8B-B14F-4D97-AF65-F5344CB8AC3E}">
-        <p14:creationId xmlns:p14="http://schemas.microsoft.com/office/powerpoint/2010/main" val="3730507763"/>
+        <p14:creationId xmlns:p14="http://schemas.microsoft.com/office/powerpoint/2010/main" val="2184048969"/>
       </p:ext>
     </p:extLst>
   </p:cSld>
@@ -2166,7 +2166,7 @@
     </p:spTree>
     <p:extLst>
       <p:ext uri="{BB962C8B-B14F-4D97-AF65-F5344CB8AC3E}">
-        <p14:creationId xmlns:p14="http://schemas.microsoft.com/office/powerpoint/2010/main" val="2125639694"/>
+        <p14:creationId xmlns:p14="http://schemas.microsoft.com/office/powerpoint/2010/main" val="2322289471"/>
       </p:ext>
     </p:extLst>
   </p:cSld>
@@ -2261,7 +2261,7 @@
     </p:spTree>
     <p:extLst>
       <p:ext uri="{BB962C8B-B14F-4D97-AF65-F5344CB8AC3E}">
-        <p14:creationId xmlns:p14="http://schemas.microsoft.com/office/powerpoint/2010/main" val="763941644"/>
+        <p14:creationId xmlns:p14="http://schemas.microsoft.com/office/powerpoint/2010/main" val="3337239438"/>
       </p:ext>
     </p:extLst>
   </p:cSld>
@@ -2538,7 +2538,7 @@
     </p:spTree>
     <p:extLst>
       <p:ext uri="{BB962C8B-B14F-4D97-AF65-F5344CB8AC3E}">
-        <p14:creationId xmlns:p14="http://schemas.microsoft.com/office/powerpoint/2010/main" val="4265880928"/>
+        <p14:creationId xmlns:p14="http://schemas.microsoft.com/office/powerpoint/2010/main" val="1144131437"/>
       </p:ext>
     </p:extLst>
   </p:cSld>
@@ -2791,7 +2791,7 @@
     </p:spTree>
     <p:extLst>
       <p:ext uri="{BB962C8B-B14F-4D97-AF65-F5344CB8AC3E}">
-        <p14:creationId xmlns:p14="http://schemas.microsoft.com/office/powerpoint/2010/main" val="592084654"/>
+        <p14:creationId xmlns:p14="http://schemas.microsoft.com/office/powerpoint/2010/main" val="1197063110"/>
       </p:ext>
     </p:extLst>
   </p:cSld>
@@ -3040,23 +3040,23 @@
     </p:spTree>
     <p:extLst>
       <p:ext uri="{BB962C8B-B14F-4D97-AF65-F5344CB8AC3E}">
-        <p14:creationId xmlns:p14="http://schemas.microsoft.com/office/powerpoint/2010/main" val="4189984875"/>
+        <p14:creationId xmlns:p14="http://schemas.microsoft.com/office/powerpoint/2010/main" val="3657603908"/>
       </p:ext>
     </p:extLst>
   </p:cSld>
   <p:clrMap bg1="lt1" tx1="dk1" bg2="lt2" tx2="dk2" accent1="accent1" accent2="accent2" accent3="accent3" accent4="accent4" accent5="accent5" accent6="accent6" hlink="hlink" folHlink="folHlink"/>
   <p:sldLayoutIdLst>
-    <p:sldLayoutId id="2147483649" r:id="rId1"/>
-    <p:sldLayoutId id="2147483650" r:id="rId2"/>
-    <p:sldLayoutId id="2147483651" r:id="rId3"/>
-    <p:sldLayoutId id="2147483652" r:id="rId4"/>
-    <p:sldLayoutId id="2147483653" r:id="rId5"/>
-    <p:sldLayoutId id="2147483654" r:id="rId6"/>
-    <p:sldLayoutId id="2147483655" r:id="rId7"/>
-    <p:sldLayoutId id="2147483656" r:id="rId8"/>
-    <p:sldLayoutId id="2147483657" r:id="rId9"/>
-    <p:sldLayoutId id="2147483658" r:id="rId10"/>
-    <p:sldLayoutId id="2147483659" r:id="rId11"/>
+    <p:sldLayoutId id="2147483685" r:id="rId1"/>
+    <p:sldLayoutId id="2147483686" r:id="rId2"/>
+    <p:sldLayoutId id="2147483687" r:id="rId3"/>
+    <p:sldLayoutId id="2147483688" r:id="rId4"/>
+    <p:sldLayoutId id="2147483689" r:id="rId5"/>
+    <p:sldLayoutId id="2147483690" r:id="rId6"/>
+    <p:sldLayoutId id="2147483691" r:id="rId7"/>
+    <p:sldLayoutId id="2147483692" r:id="rId8"/>
+    <p:sldLayoutId id="2147483693" r:id="rId9"/>
+    <p:sldLayoutId id="2147483694" r:id="rId10"/>
+    <p:sldLayoutId id="2147483695" r:id="rId11"/>
   </p:sldLayoutIdLst>
   <p:hf hdr="0" ftr="0" dt="0"/>
   <p:txStyles>
@@ -3523,663 +3523,6 @@
           </a:p>
         </p:txBody>
       </p:sp>
-      <p:sp>
-        <p:nvSpPr>
-          <p:cNvPr id="4" name="Foliennummernplatzhalter 3"/>
-          <p:cNvSpPr>
-            <a:spLocks noGrp="1"/>
-          </p:cNvSpPr>
-          <p:nvPr>
-            <p:ph type="sldNum" sz="quarter" idx="12"/>
-          </p:nvPr>
-        </p:nvSpPr>
-        <p:spPr/>
-        <p:txBody>
-          <a:bodyPr/>
-          <a:lstStyle/>
-          <a:p>
-            <a:fld id="{AFC15D4E-52BD-4359-8CF4-4D643ACA6A81}" type="slidenum">
-              <a:rPr lang="de-DE" smtClean="0"/>
-              <a:t>10</a:t>
-            </a:fld>
-            <a:endParaRPr lang="de-DE"/>
-          </a:p>
-        </p:txBody>
-      </p:sp>
-      <p:sp>
-        <p:nvSpPr>
-          <p:cNvPr id="5" name="Rechteck 4"/>
-          <p:cNvSpPr/>
-          <p:nvPr/>
-        </p:nvSpPr>
-        <p:spPr>
-          <a:xfrm>
-            <a:off x="115910" y="1403989"/>
-            <a:ext cx="2627290" cy="634621"/>
-          </a:xfrm>
-          <a:prstGeom prst="rect">
-            <a:avLst/>
-          </a:prstGeom>
-          <a:solidFill>
-            <a:schemeClr val="tx2"/>
-          </a:solidFill>
-          <a:ln>
-            <a:solidFill>
-              <a:schemeClr val="tx2">
-                <a:lumMod val="50000"/>
-              </a:schemeClr>
-            </a:solidFill>
-          </a:ln>
-        </p:spPr>
-        <p:style>
-          <a:lnRef idx="2">
-            <a:schemeClr val="accent1">
-              <a:shade val="50000"/>
-            </a:schemeClr>
-          </a:lnRef>
-          <a:fillRef idx="1">
-            <a:schemeClr val="accent1"/>
-          </a:fillRef>
-          <a:effectRef idx="0">
-            <a:schemeClr val="accent1"/>
-          </a:effectRef>
-          <a:fontRef idx="minor">
-            <a:schemeClr val="lt1"/>
-          </a:fontRef>
-        </p:style>
-        <p:txBody>
-          <a:bodyPr rtlCol="0" anchor="ctr"/>
-          <a:lstStyle/>
-          <a:p>
-            <a:pPr algn="ctr"/>
-            <a:r>
-              <a:rPr lang="de-DE" dirty="0" smtClean="0"/>
-              <a:t>Objekte im Spiel</a:t>
-            </a:r>
-            <a:endParaRPr lang="de-DE" dirty="0"/>
-          </a:p>
-        </p:txBody>
-      </p:sp>
-      <p:sp>
-        <p:nvSpPr>
-          <p:cNvPr id="6" name="Rechteck 5"/>
-          <p:cNvSpPr/>
-          <p:nvPr/>
-        </p:nvSpPr>
-        <p:spPr>
-          <a:xfrm>
-            <a:off x="1998372" y="2228970"/>
-            <a:ext cx="2163651" cy="463640"/>
-          </a:xfrm>
-          <a:prstGeom prst="rect">
-            <a:avLst/>
-          </a:prstGeom>
-          <a:solidFill>
-            <a:srgbClr val="FFC000"/>
-          </a:solidFill>
-          <a:ln>
-            <a:solidFill>
-              <a:schemeClr val="accent2"/>
-            </a:solidFill>
-          </a:ln>
-        </p:spPr>
-        <p:style>
-          <a:lnRef idx="2">
-            <a:schemeClr val="accent1">
-              <a:shade val="50000"/>
-            </a:schemeClr>
-          </a:lnRef>
-          <a:fillRef idx="1">
-            <a:schemeClr val="accent1"/>
-          </a:fillRef>
-          <a:effectRef idx="0">
-            <a:schemeClr val="accent1"/>
-          </a:effectRef>
-          <a:fontRef idx="minor">
-            <a:schemeClr val="lt1"/>
-          </a:fontRef>
-        </p:style>
-        <p:txBody>
-          <a:bodyPr rtlCol="0" anchor="ctr"/>
-          <a:lstStyle/>
-          <a:p>
-            <a:pPr algn="ctr"/>
-            <a:r>
-              <a:rPr lang="de-DE" dirty="0" smtClean="0">
-                <a:solidFill>
-                  <a:schemeClr val="tx1"/>
-                </a:solidFill>
-              </a:rPr>
-              <a:t>Schlange</a:t>
-            </a:r>
-            <a:endParaRPr lang="de-DE" dirty="0">
-              <a:solidFill>
-                <a:schemeClr val="tx1"/>
-              </a:solidFill>
-            </a:endParaRPr>
-          </a:p>
-        </p:txBody>
-      </p:sp>
-      <p:sp>
-        <p:nvSpPr>
-          <p:cNvPr id="7" name="Rechteck 6"/>
-          <p:cNvSpPr/>
-          <p:nvPr/>
-        </p:nvSpPr>
-        <p:spPr>
-          <a:xfrm>
-            <a:off x="1998371" y="3565112"/>
-            <a:ext cx="2163651" cy="463640"/>
-          </a:xfrm>
-          <a:prstGeom prst="rect">
-            <a:avLst/>
-          </a:prstGeom>
-        </p:spPr>
-        <p:style>
-          <a:lnRef idx="2">
-            <a:schemeClr val="accent1">
-              <a:shade val="50000"/>
-            </a:schemeClr>
-          </a:lnRef>
-          <a:fillRef idx="1">
-            <a:schemeClr val="accent1"/>
-          </a:fillRef>
-          <a:effectRef idx="0">
-            <a:schemeClr val="accent1"/>
-          </a:effectRef>
-          <a:fontRef idx="minor">
-            <a:schemeClr val="lt1"/>
-          </a:fontRef>
-        </p:style>
-        <p:txBody>
-          <a:bodyPr rtlCol="0" anchor="ctr"/>
-          <a:lstStyle/>
-          <a:p>
-            <a:pPr algn="ctr"/>
-            <a:r>
-              <a:rPr lang="de-DE" dirty="0" smtClean="0"/>
-              <a:t>Speerfalle</a:t>
-            </a:r>
-            <a:endParaRPr lang="de-DE" dirty="0"/>
-          </a:p>
-        </p:txBody>
-      </p:sp>
-      <p:sp>
-        <p:nvSpPr>
-          <p:cNvPr id="8" name="Rechteck 7"/>
-          <p:cNvSpPr/>
-          <p:nvPr/>
-        </p:nvSpPr>
-        <p:spPr>
-          <a:xfrm>
-            <a:off x="1998371" y="4229034"/>
-            <a:ext cx="2163651" cy="463640"/>
-          </a:xfrm>
-          <a:prstGeom prst="rect">
-            <a:avLst/>
-          </a:prstGeom>
-        </p:spPr>
-        <p:style>
-          <a:lnRef idx="2">
-            <a:schemeClr val="accent1">
-              <a:shade val="50000"/>
-            </a:schemeClr>
-          </a:lnRef>
-          <a:fillRef idx="1">
-            <a:schemeClr val="accent1"/>
-          </a:fillRef>
-          <a:effectRef idx="0">
-            <a:schemeClr val="accent1"/>
-          </a:effectRef>
-          <a:fontRef idx="minor">
-            <a:schemeClr val="lt1"/>
-          </a:fontRef>
-        </p:style>
-        <p:txBody>
-          <a:bodyPr rtlCol="0" anchor="ctr"/>
-          <a:lstStyle/>
-          <a:p>
-            <a:pPr algn="ctr"/>
-            <a:r>
-              <a:rPr lang="de-DE" dirty="0" smtClean="0"/>
-              <a:t>Fallende Steine</a:t>
-            </a:r>
-            <a:endParaRPr lang="de-DE" dirty="0"/>
-          </a:p>
-        </p:txBody>
-      </p:sp>
-      <p:sp>
-        <p:nvSpPr>
-          <p:cNvPr id="9" name="Rechteck 8"/>
-          <p:cNvSpPr/>
-          <p:nvPr/>
-        </p:nvSpPr>
-        <p:spPr>
-          <a:xfrm>
-            <a:off x="1998370" y="5556878"/>
-            <a:ext cx="2163651" cy="463640"/>
-          </a:xfrm>
-          <a:prstGeom prst="rect">
-            <a:avLst/>
-          </a:prstGeom>
-        </p:spPr>
-        <p:style>
-          <a:lnRef idx="2">
-            <a:schemeClr val="accent1">
-              <a:shade val="50000"/>
-            </a:schemeClr>
-          </a:lnRef>
-          <a:fillRef idx="1">
-            <a:schemeClr val="accent1"/>
-          </a:fillRef>
-          <a:effectRef idx="0">
-            <a:schemeClr val="accent1"/>
-          </a:effectRef>
-          <a:fontRef idx="minor">
-            <a:schemeClr val="lt1"/>
-          </a:fontRef>
-        </p:style>
-        <p:txBody>
-          <a:bodyPr rtlCol="0" anchor="ctr"/>
-          <a:lstStyle/>
-          <a:p>
-            <a:pPr algn="ctr"/>
-            <a:r>
-              <a:rPr lang="de-DE" dirty="0" smtClean="0"/>
-              <a:t>Futter</a:t>
-            </a:r>
-            <a:endParaRPr lang="de-DE" dirty="0"/>
-          </a:p>
-        </p:txBody>
-      </p:sp>
-      <p:sp>
-        <p:nvSpPr>
-          <p:cNvPr id="10" name="Rechteck 9"/>
-          <p:cNvSpPr/>
-          <p:nvPr/>
-        </p:nvSpPr>
-        <p:spPr>
-          <a:xfrm>
-            <a:off x="1998370" y="4892956"/>
-            <a:ext cx="2163651" cy="463640"/>
-          </a:xfrm>
-          <a:prstGeom prst="rect">
-            <a:avLst/>
-          </a:prstGeom>
-        </p:spPr>
-        <p:style>
-          <a:lnRef idx="2">
-            <a:schemeClr val="accent1">
-              <a:shade val="50000"/>
-            </a:schemeClr>
-          </a:lnRef>
-          <a:fillRef idx="1">
-            <a:schemeClr val="accent1"/>
-          </a:fillRef>
-          <a:effectRef idx="0">
-            <a:schemeClr val="accent1"/>
-          </a:effectRef>
-          <a:fontRef idx="minor">
-            <a:schemeClr val="lt1"/>
-          </a:fontRef>
-        </p:style>
-        <p:txBody>
-          <a:bodyPr rtlCol="0" anchor="ctr"/>
-          <a:lstStyle/>
-          <a:p>
-            <a:pPr algn="ctr"/>
-            <a:r>
-              <a:rPr lang="de-DE" dirty="0" smtClean="0"/>
-              <a:t>Diätpille</a:t>
-            </a:r>
-            <a:endParaRPr lang="de-DE" dirty="0"/>
-          </a:p>
-        </p:txBody>
-      </p:sp>
-      <p:cxnSp>
-        <p:nvCxnSpPr>
-          <p:cNvPr id="12" name="Gerader Verbinder 11"/>
-          <p:cNvCxnSpPr>
-            <a:stCxn id="5" idx="2"/>
-          </p:cNvCxnSpPr>
-          <p:nvPr/>
-        </p:nvCxnSpPr>
-        <p:spPr>
-          <a:xfrm>
-            <a:off x="1429555" y="2038610"/>
-            <a:ext cx="0" cy="4414008"/>
-          </a:xfrm>
-          <a:prstGeom prst="line">
-            <a:avLst/>
-          </a:prstGeom>
-        </p:spPr>
-        <p:style>
-          <a:lnRef idx="1">
-            <a:schemeClr val="accent1"/>
-          </a:lnRef>
-          <a:fillRef idx="0">
-            <a:schemeClr val="accent1"/>
-          </a:fillRef>
-          <a:effectRef idx="0">
-            <a:schemeClr val="accent1"/>
-          </a:effectRef>
-          <a:fontRef idx="minor">
-            <a:schemeClr val="tx1"/>
-          </a:fontRef>
-        </p:style>
-      </p:cxnSp>
-      <p:cxnSp>
-        <p:nvCxnSpPr>
-          <p:cNvPr id="14" name="Gerader Verbinder 13"/>
-          <p:cNvCxnSpPr>
-            <a:stCxn id="6" idx="1"/>
-          </p:cNvCxnSpPr>
-          <p:nvPr/>
-        </p:nvCxnSpPr>
-        <p:spPr>
-          <a:xfrm flipH="1">
-            <a:off x="1429555" y="2460790"/>
-            <a:ext cx="568817" cy="0"/>
-          </a:xfrm>
-          <a:prstGeom prst="line">
-            <a:avLst/>
-          </a:prstGeom>
-        </p:spPr>
-        <p:style>
-          <a:lnRef idx="1">
-            <a:schemeClr val="accent1"/>
-          </a:lnRef>
-          <a:fillRef idx="0">
-            <a:schemeClr val="accent1"/>
-          </a:fillRef>
-          <a:effectRef idx="0">
-            <a:schemeClr val="accent1"/>
-          </a:effectRef>
-          <a:fontRef idx="minor">
-            <a:schemeClr val="tx1"/>
-          </a:fontRef>
-        </p:style>
-      </p:cxnSp>
-      <p:sp>
-        <p:nvSpPr>
-          <p:cNvPr id="15" name="Rechteck 14"/>
-          <p:cNvSpPr/>
-          <p:nvPr/>
-        </p:nvSpPr>
-        <p:spPr>
-          <a:xfrm>
-            <a:off x="1998372" y="2892893"/>
-            <a:ext cx="2163651" cy="463640"/>
-          </a:xfrm>
-          <a:prstGeom prst="rect">
-            <a:avLst/>
-          </a:prstGeom>
-        </p:spPr>
-        <p:style>
-          <a:lnRef idx="2">
-            <a:schemeClr val="accent1">
-              <a:shade val="50000"/>
-            </a:schemeClr>
-          </a:lnRef>
-          <a:fillRef idx="1">
-            <a:schemeClr val="accent1"/>
-          </a:fillRef>
-          <a:effectRef idx="0">
-            <a:schemeClr val="accent1"/>
-          </a:effectRef>
-          <a:fontRef idx="minor">
-            <a:schemeClr val="lt1"/>
-          </a:fontRef>
-        </p:style>
-        <p:txBody>
-          <a:bodyPr rtlCol="0" anchor="ctr"/>
-          <a:lstStyle/>
-          <a:p>
-            <a:pPr algn="ctr"/>
-            <a:r>
-              <a:rPr lang="de-DE" dirty="0" smtClean="0"/>
-              <a:t>Spielfeld</a:t>
-            </a:r>
-            <a:endParaRPr lang="de-DE" dirty="0"/>
-          </a:p>
-        </p:txBody>
-      </p:sp>
-      <p:sp>
-        <p:nvSpPr>
-          <p:cNvPr id="16" name="Rechteck 15"/>
-          <p:cNvSpPr/>
-          <p:nvPr/>
-        </p:nvSpPr>
-        <p:spPr>
-          <a:xfrm>
-            <a:off x="1998369" y="6220800"/>
-            <a:ext cx="2163651" cy="463640"/>
-          </a:xfrm>
-          <a:prstGeom prst="rect">
-            <a:avLst/>
-          </a:prstGeom>
-        </p:spPr>
-        <p:style>
-          <a:lnRef idx="2">
-            <a:schemeClr val="accent1">
-              <a:shade val="50000"/>
-            </a:schemeClr>
-          </a:lnRef>
-          <a:fillRef idx="1">
-            <a:schemeClr val="accent1"/>
-          </a:fillRef>
-          <a:effectRef idx="0">
-            <a:schemeClr val="accent1"/>
-          </a:effectRef>
-          <a:fontRef idx="minor">
-            <a:schemeClr val="lt1"/>
-          </a:fontRef>
-        </p:style>
-        <p:txBody>
-          <a:bodyPr rtlCol="0" anchor="ctr"/>
-          <a:lstStyle/>
-          <a:p>
-            <a:pPr algn="ctr"/>
-            <a:r>
-              <a:rPr lang="de-DE" dirty="0" smtClean="0"/>
-              <a:t>Sonstige Objekte</a:t>
-            </a:r>
-            <a:endParaRPr lang="de-DE" dirty="0"/>
-          </a:p>
-        </p:txBody>
-      </p:sp>
-      <p:cxnSp>
-        <p:nvCxnSpPr>
-          <p:cNvPr id="18" name="Gerader Verbinder 17"/>
-          <p:cNvCxnSpPr>
-            <a:stCxn id="15" idx="1"/>
-          </p:cNvCxnSpPr>
-          <p:nvPr/>
-        </p:nvCxnSpPr>
-        <p:spPr>
-          <a:xfrm flipH="1">
-            <a:off x="1429555" y="3124713"/>
-            <a:ext cx="568817" cy="0"/>
-          </a:xfrm>
-          <a:prstGeom prst="line">
-            <a:avLst/>
-          </a:prstGeom>
-        </p:spPr>
-        <p:style>
-          <a:lnRef idx="1">
-            <a:schemeClr val="accent1"/>
-          </a:lnRef>
-          <a:fillRef idx="0">
-            <a:schemeClr val="accent1"/>
-          </a:fillRef>
-          <a:effectRef idx="0">
-            <a:schemeClr val="accent1"/>
-          </a:effectRef>
-          <a:fontRef idx="minor">
-            <a:schemeClr val="tx1"/>
-          </a:fontRef>
-        </p:style>
-      </p:cxnSp>
-      <p:cxnSp>
-        <p:nvCxnSpPr>
-          <p:cNvPr id="20" name="Gerader Verbinder 19"/>
-          <p:cNvCxnSpPr>
-            <a:stCxn id="7" idx="1"/>
-          </p:cNvCxnSpPr>
-          <p:nvPr/>
-        </p:nvCxnSpPr>
-        <p:spPr>
-          <a:xfrm flipH="1" flipV="1">
-            <a:off x="1429555" y="3796930"/>
-            <a:ext cx="568816" cy="2"/>
-          </a:xfrm>
-          <a:prstGeom prst="line">
-            <a:avLst/>
-          </a:prstGeom>
-        </p:spPr>
-        <p:style>
-          <a:lnRef idx="1">
-            <a:schemeClr val="accent1"/>
-          </a:lnRef>
-          <a:fillRef idx="0">
-            <a:schemeClr val="accent1"/>
-          </a:fillRef>
-          <a:effectRef idx="0">
-            <a:schemeClr val="accent1"/>
-          </a:effectRef>
-          <a:fontRef idx="minor">
-            <a:schemeClr val="tx1"/>
-          </a:fontRef>
-        </p:style>
-      </p:cxnSp>
-      <p:cxnSp>
-        <p:nvCxnSpPr>
-          <p:cNvPr id="24" name="Gerader Verbinder 23"/>
-          <p:cNvCxnSpPr>
-            <a:stCxn id="8" idx="1"/>
-          </p:cNvCxnSpPr>
-          <p:nvPr/>
-        </p:nvCxnSpPr>
-        <p:spPr>
-          <a:xfrm flipH="1">
-            <a:off x="1429555" y="4460854"/>
-            <a:ext cx="568816" cy="0"/>
-          </a:xfrm>
-          <a:prstGeom prst="line">
-            <a:avLst/>
-          </a:prstGeom>
-        </p:spPr>
-        <p:style>
-          <a:lnRef idx="1">
-            <a:schemeClr val="accent1"/>
-          </a:lnRef>
-          <a:fillRef idx="0">
-            <a:schemeClr val="accent1"/>
-          </a:fillRef>
-          <a:effectRef idx="0">
-            <a:schemeClr val="accent1"/>
-          </a:effectRef>
-          <a:fontRef idx="minor">
-            <a:schemeClr val="tx1"/>
-          </a:fontRef>
-        </p:style>
-      </p:cxnSp>
-      <p:cxnSp>
-        <p:nvCxnSpPr>
-          <p:cNvPr id="26" name="Gerader Verbinder 25"/>
-          <p:cNvCxnSpPr>
-            <a:stCxn id="10" idx="1"/>
-          </p:cNvCxnSpPr>
-          <p:nvPr/>
-        </p:nvCxnSpPr>
-        <p:spPr>
-          <a:xfrm flipH="1" flipV="1">
-            <a:off x="1429555" y="5124775"/>
-            <a:ext cx="568815" cy="1"/>
-          </a:xfrm>
-          <a:prstGeom prst="line">
-            <a:avLst/>
-          </a:prstGeom>
-        </p:spPr>
-        <p:style>
-          <a:lnRef idx="1">
-            <a:schemeClr val="accent1"/>
-          </a:lnRef>
-          <a:fillRef idx="0">
-            <a:schemeClr val="accent1"/>
-          </a:fillRef>
-          <a:effectRef idx="0">
-            <a:schemeClr val="accent1"/>
-          </a:effectRef>
-          <a:fontRef idx="minor">
-            <a:schemeClr val="tx1"/>
-          </a:fontRef>
-        </p:style>
-      </p:cxnSp>
-      <p:cxnSp>
-        <p:nvCxnSpPr>
-          <p:cNvPr id="28" name="Gerader Verbinder 27"/>
-          <p:cNvCxnSpPr>
-            <a:stCxn id="9" idx="1"/>
-          </p:cNvCxnSpPr>
-          <p:nvPr/>
-        </p:nvCxnSpPr>
-        <p:spPr>
-          <a:xfrm flipH="1" flipV="1">
-            <a:off x="1429555" y="5788696"/>
-            <a:ext cx="568815" cy="2"/>
-          </a:xfrm>
-          <a:prstGeom prst="line">
-            <a:avLst/>
-          </a:prstGeom>
-        </p:spPr>
-        <p:style>
-          <a:lnRef idx="1">
-            <a:schemeClr val="accent1"/>
-          </a:lnRef>
-          <a:fillRef idx="0">
-            <a:schemeClr val="accent1"/>
-          </a:fillRef>
-          <a:effectRef idx="0">
-            <a:schemeClr val="accent1"/>
-          </a:effectRef>
-          <a:fontRef idx="minor">
-            <a:schemeClr val="tx1"/>
-          </a:fontRef>
-        </p:style>
-      </p:cxnSp>
-      <p:cxnSp>
-        <p:nvCxnSpPr>
-          <p:cNvPr id="30" name="Gerader Verbinder 29"/>
-          <p:cNvCxnSpPr>
-            <a:stCxn id="16" idx="1"/>
-          </p:cNvCxnSpPr>
-          <p:nvPr/>
-        </p:nvCxnSpPr>
-        <p:spPr>
-          <a:xfrm flipH="1" flipV="1">
-            <a:off x="1429555" y="6452618"/>
-            <a:ext cx="568814" cy="2"/>
-          </a:xfrm>
-          <a:prstGeom prst="line">
-            <a:avLst/>
-          </a:prstGeom>
-        </p:spPr>
-        <p:style>
-          <a:lnRef idx="1">
-            <a:schemeClr val="accent1"/>
-          </a:lnRef>
-          <a:fillRef idx="0">
-            <a:schemeClr val="accent1"/>
-          </a:fillRef>
-          <a:effectRef idx="0">
-            <a:schemeClr val="accent1"/>
-          </a:effectRef>
-          <a:fontRef idx="minor">
-            <a:schemeClr val="tx1"/>
-          </a:fontRef>
-        </p:style>
-      </p:cxnSp>
       <p:pic>
         <p:nvPicPr>
           <p:cNvPr id="21" name="Inhaltsplatzhalter 4"/>
@@ -4211,6 +3554,663 @@
       </p:pic>
       <p:sp>
         <p:nvSpPr>
+          <p:cNvPr id="4" name="Foliennummernplatzhalter 3"/>
+          <p:cNvSpPr>
+            <a:spLocks noGrp="1"/>
+          </p:cNvSpPr>
+          <p:nvPr>
+            <p:ph type="sldNum" sz="quarter" idx="12"/>
+          </p:nvPr>
+        </p:nvSpPr>
+        <p:spPr/>
+        <p:txBody>
+          <a:bodyPr/>
+          <a:lstStyle/>
+          <a:p>
+            <a:fld id="{AFC15D4E-52BD-4359-8CF4-4D643ACA6A81}" type="slidenum">
+              <a:rPr lang="de-DE" smtClean="0"/>
+              <a:t>10</a:t>
+            </a:fld>
+            <a:endParaRPr lang="de-DE"/>
+          </a:p>
+        </p:txBody>
+      </p:sp>
+      <p:sp>
+        <p:nvSpPr>
+          <p:cNvPr id="5" name="Rechteck 4"/>
+          <p:cNvSpPr/>
+          <p:nvPr/>
+        </p:nvSpPr>
+        <p:spPr>
+          <a:xfrm>
+            <a:off x="115910" y="1403989"/>
+            <a:ext cx="2627290" cy="634621"/>
+          </a:xfrm>
+          <a:prstGeom prst="rect">
+            <a:avLst/>
+          </a:prstGeom>
+          <a:solidFill>
+            <a:schemeClr val="tx2"/>
+          </a:solidFill>
+          <a:ln>
+            <a:solidFill>
+              <a:schemeClr val="tx2">
+                <a:lumMod val="50000"/>
+              </a:schemeClr>
+            </a:solidFill>
+          </a:ln>
+        </p:spPr>
+        <p:style>
+          <a:lnRef idx="2">
+            <a:schemeClr val="accent1">
+              <a:shade val="50000"/>
+            </a:schemeClr>
+          </a:lnRef>
+          <a:fillRef idx="1">
+            <a:schemeClr val="accent1"/>
+          </a:fillRef>
+          <a:effectRef idx="0">
+            <a:schemeClr val="accent1"/>
+          </a:effectRef>
+          <a:fontRef idx="minor">
+            <a:schemeClr val="lt1"/>
+          </a:fontRef>
+        </p:style>
+        <p:txBody>
+          <a:bodyPr rtlCol="0" anchor="ctr"/>
+          <a:lstStyle/>
+          <a:p>
+            <a:pPr algn="ctr"/>
+            <a:r>
+              <a:rPr lang="de-DE" dirty="0" smtClean="0"/>
+              <a:t>Objekte im Spiel</a:t>
+            </a:r>
+            <a:endParaRPr lang="de-DE" dirty="0"/>
+          </a:p>
+        </p:txBody>
+      </p:sp>
+      <p:sp>
+        <p:nvSpPr>
+          <p:cNvPr id="6" name="Rechteck 5"/>
+          <p:cNvSpPr/>
+          <p:nvPr/>
+        </p:nvSpPr>
+        <p:spPr>
+          <a:xfrm>
+            <a:off x="1998372" y="2228970"/>
+            <a:ext cx="2163651" cy="463640"/>
+          </a:xfrm>
+          <a:prstGeom prst="rect">
+            <a:avLst/>
+          </a:prstGeom>
+          <a:solidFill>
+            <a:srgbClr val="FFC000"/>
+          </a:solidFill>
+          <a:ln>
+            <a:solidFill>
+              <a:schemeClr val="accent2"/>
+            </a:solidFill>
+          </a:ln>
+        </p:spPr>
+        <p:style>
+          <a:lnRef idx="2">
+            <a:schemeClr val="accent1">
+              <a:shade val="50000"/>
+            </a:schemeClr>
+          </a:lnRef>
+          <a:fillRef idx="1">
+            <a:schemeClr val="accent1"/>
+          </a:fillRef>
+          <a:effectRef idx="0">
+            <a:schemeClr val="accent1"/>
+          </a:effectRef>
+          <a:fontRef idx="minor">
+            <a:schemeClr val="lt1"/>
+          </a:fontRef>
+        </p:style>
+        <p:txBody>
+          <a:bodyPr rtlCol="0" anchor="ctr"/>
+          <a:lstStyle/>
+          <a:p>
+            <a:pPr algn="ctr"/>
+            <a:r>
+              <a:rPr lang="de-DE" dirty="0" smtClean="0">
+                <a:solidFill>
+                  <a:schemeClr val="tx1"/>
+                </a:solidFill>
+              </a:rPr>
+              <a:t>Schlange</a:t>
+            </a:r>
+            <a:endParaRPr lang="de-DE" dirty="0">
+              <a:solidFill>
+                <a:schemeClr val="tx1"/>
+              </a:solidFill>
+            </a:endParaRPr>
+          </a:p>
+        </p:txBody>
+      </p:sp>
+      <p:sp>
+        <p:nvSpPr>
+          <p:cNvPr id="7" name="Rechteck 6"/>
+          <p:cNvSpPr/>
+          <p:nvPr/>
+        </p:nvSpPr>
+        <p:spPr>
+          <a:xfrm>
+            <a:off x="1998371" y="3565112"/>
+            <a:ext cx="2163651" cy="463640"/>
+          </a:xfrm>
+          <a:prstGeom prst="rect">
+            <a:avLst/>
+          </a:prstGeom>
+        </p:spPr>
+        <p:style>
+          <a:lnRef idx="2">
+            <a:schemeClr val="accent1">
+              <a:shade val="50000"/>
+            </a:schemeClr>
+          </a:lnRef>
+          <a:fillRef idx="1">
+            <a:schemeClr val="accent1"/>
+          </a:fillRef>
+          <a:effectRef idx="0">
+            <a:schemeClr val="accent1"/>
+          </a:effectRef>
+          <a:fontRef idx="minor">
+            <a:schemeClr val="lt1"/>
+          </a:fontRef>
+        </p:style>
+        <p:txBody>
+          <a:bodyPr rtlCol="0" anchor="ctr"/>
+          <a:lstStyle/>
+          <a:p>
+            <a:pPr algn="ctr"/>
+            <a:r>
+              <a:rPr lang="de-DE" dirty="0" smtClean="0"/>
+              <a:t>Speerfalle</a:t>
+            </a:r>
+            <a:endParaRPr lang="de-DE" dirty="0"/>
+          </a:p>
+        </p:txBody>
+      </p:sp>
+      <p:sp>
+        <p:nvSpPr>
+          <p:cNvPr id="8" name="Rechteck 7"/>
+          <p:cNvSpPr/>
+          <p:nvPr/>
+        </p:nvSpPr>
+        <p:spPr>
+          <a:xfrm>
+            <a:off x="1998371" y="4229034"/>
+            <a:ext cx="2163651" cy="463640"/>
+          </a:xfrm>
+          <a:prstGeom prst="rect">
+            <a:avLst/>
+          </a:prstGeom>
+        </p:spPr>
+        <p:style>
+          <a:lnRef idx="2">
+            <a:schemeClr val="accent1">
+              <a:shade val="50000"/>
+            </a:schemeClr>
+          </a:lnRef>
+          <a:fillRef idx="1">
+            <a:schemeClr val="accent1"/>
+          </a:fillRef>
+          <a:effectRef idx="0">
+            <a:schemeClr val="accent1"/>
+          </a:effectRef>
+          <a:fontRef idx="minor">
+            <a:schemeClr val="lt1"/>
+          </a:fontRef>
+        </p:style>
+        <p:txBody>
+          <a:bodyPr rtlCol="0" anchor="ctr"/>
+          <a:lstStyle/>
+          <a:p>
+            <a:pPr algn="ctr"/>
+            <a:r>
+              <a:rPr lang="de-DE" dirty="0" smtClean="0"/>
+              <a:t>Fallende Steine</a:t>
+            </a:r>
+            <a:endParaRPr lang="de-DE" dirty="0"/>
+          </a:p>
+        </p:txBody>
+      </p:sp>
+      <p:sp>
+        <p:nvSpPr>
+          <p:cNvPr id="9" name="Rechteck 8"/>
+          <p:cNvSpPr/>
+          <p:nvPr/>
+        </p:nvSpPr>
+        <p:spPr>
+          <a:xfrm>
+            <a:off x="1998370" y="5556878"/>
+            <a:ext cx="2163651" cy="463640"/>
+          </a:xfrm>
+          <a:prstGeom prst="rect">
+            <a:avLst/>
+          </a:prstGeom>
+        </p:spPr>
+        <p:style>
+          <a:lnRef idx="2">
+            <a:schemeClr val="accent1">
+              <a:shade val="50000"/>
+            </a:schemeClr>
+          </a:lnRef>
+          <a:fillRef idx="1">
+            <a:schemeClr val="accent1"/>
+          </a:fillRef>
+          <a:effectRef idx="0">
+            <a:schemeClr val="accent1"/>
+          </a:effectRef>
+          <a:fontRef idx="minor">
+            <a:schemeClr val="lt1"/>
+          </a:fontRef>
+        </p:style>
+        <p:txBody>
+          <a:bodyPr rtlCol="0" anchor="ctr"/>
+          <a:lstStyle/>
+          <a:p>
+            <a:pPr algn="ctr"/>
+            <a:r>
+              <a:rPr lang="de-DE" dirty="0" smtClean="0"/>
+              <a:t>Futter</a:t>
+            </a:r>
+            <a:endParaRPr lang="de-DE" dirty="0"/>
+          </a:p>
+        </p:txBody>
+      </p:sp>
+      <p:sp>
+        <p:nvSpPr>
+          <p:cNvPr id="10" name="Rechteck 9"/>
+          <p:cNvSpPr/>
+          <p:nvPr/>
+        </p:nvSpPr>
+        <p:spPr>
+          <a:xfrm>
+            <a:off x="1998370" y="4892956"/>
+            <a:ext cx="2163651" cy="463640"/>
+          </a:xfrm>
+          <a:prstGeom prst="rect">
+            <a:avLst/>
+          </a:prstGeom>
+        </p:spPr>
+        <p:style>
+          <a:lnRef idx="2">
+            <a:schemeClr val="accent1">
+              <a:shade val="50000"/>
+            </a:schemeClr>
+          </a:lnRef>
+          <a:fillRef idx="1">
+            <a:schemeClr val="accent1"/>
+          </a:fillRef>
+          <a:effectRef idx="0">
+            <a:schemeClr val="accent1"/>
+          </a:effectRef>
+          <a:fontRef idx="minor">
+            <a:schemeClr val="lt1"/>
+          </a:fontRef>
+        </p:style>
+        <p:txBody>
+          <a:bodyPr rtlCol="0" anchor="ctr"/>
+          <a:lstStyle/>
+          <a:p>
+            <a:pPr algn="ctr"/>
+            <a:r>
+              <a:rPr lang="de-DE" dirty="0" smtClean="0"/>
+              <a:t>Diätpille</a:t>
+            </a:r>
+            <a:endParaRPr lang="de-DE" dirty="0"/>
+          </a:p>
+        </p:txBody>
+      </p:sp>
+      <p:cxnSp>
+        <p:nvCxnSpPr>
+          <p:cNvPr id="12" name="Gerader Verbinder 11"/>
+          <p:cNvCxnSpPr>
+            <a:stCxn id="5" idx="2"/>
+          </p:cNvCxnSpPr>
+          <p:nvPr/>
+        </p:nvCxnSpPr>
+        <p:spPr>
+          <a:xfrm>
+            <a:off x="1429555" y="2038610"/>
+            <a:ext cx="0" cy="4414008"/>
+          </a:xfrm>
+          <a:prstGeom prst="line">
+            <a:avLst/>
+          </a:prstGeom>
+        </p:spPr>
+        <p:style>
+          <a:lnRef idx="1">
+            <a:schemeClr val="accent1"/>
+          </a:lnRef>
+          <a:fillRef idx="0">
+            <a:schemeClr val="accent1"/>
+          </a:fillRef>
+          <a:effectRef idx="0">
+            <a:schemeClr val="accent1"/>
+          </a:effectRef>
+          <a:fontRef idx="minor">
+            <a:schemeClr val="tx1"/>
+          </a:fontRef>
+        </p:style>
+      </p:cxnSp>
+      <p:cxnSp>
+        <p:nvCxnSpPr>
+          <p:cNvPr id="14" name="Gerader Verbinder 13"/>
+          <p:cNvCxnSpPr>
+            <a:stCxn id="6" idx="1"/>
+          </p:cNvCxnSpPr>
+          <p:nvPr/>
+        </p:nvCxnSpPr>
+        <p:spPr>
+          <a:xfrm flipH="1">
+            <a:off x="1429555" y="2460790"/>
+            <a:ext cx="568817" cy="0"/>
+          </a:xfrm>
+          <a:prstGeom prst="line">
+            <a:avLst/>
+          </a:prstGeom>
+        </p:spPr>
+        <p:style>
+          <a:lnRef idx="1">
+            <a:schemeClr val="accent1"/>
+          </a:lnRef>
+          <a:fillRef idx="0">
+            <a:schemeClr val="accent1"/>
+          </a:fillRef>
+          <a:effectRef idx="0">
+            <a:schemeClr val="accent1"/>
+          </a:effectRef>
+          <a:fontRef idx="minor">
+            <a:schemeClr val="tx1"/>
+          </a:fontRef>
+        </p:style>
+      </p:cxnSp>
+      <p:sp>
+        <p:nvSpPr>
+          <p:cNvPr id="15" name="Rechteck 14"/>
+          <p:cNvSpPr/>
+          <p:nvPr/>
+        </p:nvSpPr>
+        <p:spPr>
+          <a:xfrm>
+            <a:off x="1998372" y="2892893"/>
+            <a:ext cx="2163651" cy="463640"/>
+          </a:xfrm>
+          <a:prstGeom prst="rect">
+            <a:avLst/>
+          </a:prstGeom>
+        </p:spPr>
+        <p:style>
+          <a:lnRef idx="2">
+            <a:schemeClr val="accent1">
+              <a:shade val="50000"/>
+            </a:schemeClr>
+          </a:lnRef>
+          <a:fillRef idx="1">
+            <a:schemeClr val="accent1"/>
+          </a:fillRef>
+          <a:effectRef idx="0">
+            <a:schemeClr val="accent1"/>
+          </a:effectRef>
+          <a:fontRef idx="minor">
+            <a:schemeClr val="lt1"/>
+          </a:fontRef>
+        </p:style>
+        <p:txBody>
+          <a:bodyPr rtlCol="0" anchor="ctr"/>
+          <a:lstStyle/>
+          <a:p>
+            <a:pPr algn="ctr"/>
+            <a:r>
+              <a:rPr lang="de-DE" dirty="0" smtClean="0"/>
+              <a:t>Spielfeld</a:t>
+            </a:r>
+            <a:endParaRPr lang="de-DE" dirty="0"/>
+          </a:p>
+        </p:txBody>
+      </p:sp>
+      <p:sp>
+        <p:nvSpPr>
+          <p:cNvPr id="16" name="Rechteck 15"/>
+          <p:cNvSpPr/>
+          <p:nvPr/>
+        </p:nvSpPr>
+        <p:spPr>
+          <a:xfrm>
+            <a:off x="1998369" y="6220800"/>
+            <a:ext cx="2163651" cy="463640"/>
+          </a:xfrm>
+          <a:prstGeom prst="rect">
+            <a:avLst/>
+          </a:prstGeom>
+        </p:spPr>
+        <p:style>
+          <a:lnRef idx="2">
+            <a:schemeClr val="accent1">
+              <a:shade val="50000"/>
+            </a:schemeClr>
+          </a:lnRef>
+          <a:fillRef idx="1">
+            <a:schemeClr val="accent1"/>
+          </a:fillRef>
+          <a:effectRef idx="0">
+            <a:schemeClr val="accent1"/>
+          </a:effectRef>
+          <a:fontRef idx="minor">
+            <a:schemeClr val="lt1"/>
+          </a:fontRef>
+        </p:style>
+        <p:txBody>
+          <a:bodyPr rtlCol="0" anchor="ctr"/>
+          <a:lstStyle/>
+          <a:p>
+            <a:pPr algn="ctr"/>
+            <a:r>
+              <a:rPr lang="de-DE" dirty="0" smtClean="0"/>
+              <a:t>Sonstige Objekte</a:t>
+            </a:r>
+            <a:endParaRPr lang="de-DE" dirty="0"/>
+          </a:p>
+        </p:txBody>
+      </p:sp>
+      <p:cxnSp>
+        <p:nvCxnSpPr>
+          <p:cNvPr id="18" name="Gerader Verbinder 17"/>
+          <p:cNvCxnSpPr>
+            <a:stCxn id="15" idx="1"/>
+          </p:cNvCxnSpPr>
+          <p:nvPr/>
+        </p:nvCxnSpPr>
+        <p:spPr>
+          <a:xfrm flipH="1">
+            <a:off x="1429555" y="3124713"/>
+            <a:ext cx="568817" cy="0"/>
+          </a:xfrm>
+          <a:prstGeom prst="line">
+            <a:avLst/>
+          </a:prstGeom>
+        </p:spPr>
+        <p:style>
+          <a:lnRef idx="1">
+            <a:schemeClr val="accent1"/>
+          </a:lnRef>
+          <a:fillRef idx="0">
+            <a:schemeClr val="accent1"/>
+          </a:fillRef>
+          <a:effectRef idx="0">
+            <a:schemeClr val="accent1"/>
+          </a:effectRef>
+          <a:fontRef idx="minor">
+            <a:schemeClr val="tx1"/>
+          </a:fontRef>
+        </p:style>
+      </p:cxnSp>
+      <p:cxnSp>
+        <p:nvCxnSpPr>
+          <p:cNvPr id="20" name="Gerader Verbinder 19"/>
+          <p:cNvCxnSpPr>
+            <a:stCxn id="7" idx="1"/>
+          </p:cNvCxnSpPr>
+          <p:nvPr/>
+        </p:nvCxnSpPr>
+        <p:spPr>
+          <a:xfrm flipH="1" flipV="1">
+            <a:off x="1429555" y="3796930"/>
+            <a:ext cx="568816" cy="2"/>
+          </a:xfrm>
+          <a:prstGeom prst="line">
+            <a:avLst/>
+          </a:prstGeom>
+        </p:spPr>
+        <p:style>
+          <a:lnRef idx="1">
+            <a:schemeClr val="accent1"/>
+          </a:lnRef>
+          <a:fillRef idx="0">
+            <a:schemeClr val="accent1"/>
+          </a:fillRef>
+          <a:effectRef idx="0">
+            <a:schemeClr val="accent1"/>
+          </a:effectRef>
+          <a:fontRef idx="minor">
+            <a:schemeClr val="tx1"/>
+          </a:fontRef>
+        </p:style>
+      </p:cxnSp>
+      <p:cxnSp>
+        <p:nvCxnSpPr>
+          <p:cNvPr id="24" name="Gerader Verbinder 23"/>
+          <p:cNvCxnSpPr>
+            <a:stCxn id="8" idx="1"/>
+          </p:cNvCxnSpPr>
+          <p:nvPr/>
+        </p:nvCxnSpPr>
+        <p:spPr>
+          <a:xfrm flipH="1">
+            <a:off x="1429555" y="4460854"/>
+            <a:ext cx="568816" cy="0"/>
+          </a:xfrm>
+          <a:prstGeom prst="line">
+            <a:avLst/>
+          </a:prstGeom>
+        </p:spPr>
+        <p:style>
+          <a:lnRef idx="1">
+            <a:schemeClr val="accent1"/>
+          </a:lnRef>
+          <a:fillRef idx="0">
+            <a:schemeClr val="accent1"/>
+          </a:fillRef>
+          <a:effectRef idx="0">
+            <a:schemeClr val="accent1"/>
+          </a:effectRef>
+          <a:fontRef idx="minor">
+            <a:schemeClr val="tx1"/>
+          </a:fontRef>
+        </p:style>
+      </p:cxnSp>
+      <p:cxnSp>
+        <p:nvCxnSpPr>
+          <p:cNvPr id="26" name="Gerader Verbinder 25"/>
+          <p:cNvCxnSpPr>
+            <a:stCxn id="10" idx="1"/>
+          </p:cNvCxnSpPr>
+          <p:nvPr/>
+        </p:nvCxnSpPr>
+        <p:spPr>
+          <a:xfrm flipH="1" flipV="1">
+            <a:off x="1429555" y="5124775"/>
+            <a:ext cx="568815" cy="1"/>
+          </a:xfrm>
+          <a:prstGeom prst="line">
+            <a:avLst/>
+          </a:prstGeom>
+        </p:spPr>
+        <p:style>
+          <a:lnRef idx="1">
+            <a:schemeClr val="accent1"/>
+          </a:lnRef>
+          <a:fillRef idx="0">
+            <a:schemeClr val="accent1"/>
+          </a:fillRef>
+          <a:effectRef idx="0">
+            <a:schemeClr val="accent1"/>
+          </a:effectRef>
+          <a:fontRef idx="minor">
+            <a:schemeClr val="tx1"/>
+          </a:fontRef>
+        </p:style>
+      </p:cxnSp>
+      <p:cxnSp>
+        <p:nvCxnSpPr>
+          <p:cNvPr id="28" name="Gerader Verbinder 27"/>
+          <p:cNvCxnSpPr>
+            <a:stCxn id="9" idx="1"/>
+          </p:cNvCxnSpPr>
+          <p:nvPr/>
+        </p:nvCxnSpPr>
+        <p:spPr>
+          <a:xfrm flipH="1" flipV="1">
+            <a:off x="1429555" y="5788696"/>
+            <a:ext cx="568815" cy="2"/>
+          </a:xfrm>
+          <a:prstGeom prst="line">
+            <a:avLst/>
+          </a:prstGeom>
+        </p:spPr>
+        <p:style>
+          <a:lnRef idx="1">
+            <a:schemeClr val="accent1"/>
+          </a:lnRef>
+          <a:fillRef idx="0">
+            <a:schemeClr val="accent1"/>
+          </a:fillRef>
+          <a:effectRef idx="0">
+            <a:schemeClr val="accent1"/>
+          </a:effectRef>
+          <a:fontRef idx="minor">
+            <a:schemeClr val="tx1"/>
+          </a:fontRef>
+        </p:style>
+      </p:cxnSp>
+      <p:cxnSp>
+        <p:nvCxnSpPr>
+          <p:cNvPr id="30" name="Gerader Verbinder 29"/>
+          <p:cNvCxnSpPr>
+            <a:stCxn id="16" idx="1"/>
+          </p:cNvCxnSpPr>
+          <p:nvPr/>
+        </p:nvCxnSpPr>
+        <p:spPr>
+          <a:xfrm flipH="1" flipV="1">
+            <a:off x="1429555" y="6452618"/>
+            <a:ext cx="568814" cy="2"/>
+          </a:xfrm>
+          <a:prstGeom prst="line">
+            <a:avLst/>
+          </a:prstGeom>
+        </p:spPr>
+        <p:style>
+          <a:lnRef idx="1">
+            <a:schemeClr val="accent1"/>
+          </a:lnRef>
+          <a:fillRef idx="0">
+            <a:schemeClr val="accent1"/>
+          </a:fillRef>
+          <a:effectRef idx="0">
+            <a:schemeClr val="accent1"/>
+          </a:effectRef>
+          <a:fontRef idx="minor">
+            <a:schemeClr val="tx1"/>
+          </a:fontRef>
+        </p:style>
+      </p:cxnSp>
+      <p:sp>
+        <p:nvSpPr>
           <p:cNvPr id="3" name="Textfeld 2"/>
           <p:cNvSpPr txBox="1"/>
           <p:nvPr/>
@@ -4237,8 +4237,13 @@
             </a:pPr>
             <a:r>
               <a:rPr lang="de-DE" dirty="0" smtClean="0"/>
-              <a:t>Ist ein Objekt mit Array-Attribut, welches Würfel speichert</a:t>
-            </a:r>
+              <a:t>Ist ein </a:t>
+            </a:r>
+            <a:r>
+              <a:rPr lang="de-DE" dirty="0" smtClean="0"/>
+              <a:t>Array aus Three.js Würfeln</a:t>
+            </a:r>
+            <a:endParaRPr lang="de-DE" dirty="0" smtClean="0"/>
           </a:p>
           <a:p>
             <a:endParaRPr lang="de-DE" dirty="0"/>
@@ -4365,663 +4370,6 @@
           </a:p>
         </p:txBody>
       </p:sp>
-      <p:sp>
-        <p:nvSpPr>
-          <p:cNvPr id="4" name="Foliennummernplatzhalter 3"/>
-          <p:cNvSpPr>
-            <a:spLocks noGrp="1"/>
-          </p:cNvSpPr>
-          <p:nvPr>
-            <p:ph type="sldNum" sz="quarter" idx="12"/>
-          </p:nvPr>
-        </p:nvSpPr>
-        <p:spPr/>
-        <p:txBody>
-          <a:bodyPr/>
-          <a:lstStyle/>
-          <a:p>
-            <a:fld id="{AFC15D4E-52BD-4359-8CF4-4D643ACA6A81}" type="slidenum">
-              <a:rPr lang="de-DE" smtClean="0"/>
-              <a:t>11</a:t>
-            </a:fld>
-            <a:endParaRPr lang="de-DE"/>
-          </a:p>
-        </p:txBody>
-      </p:sp>
-      <p:sp>
-        <p:nvSpPr>
-          <p:cNvPr id="5" name="Rechteck 4"/>
-          <p:cNvSpPr/>
-          <p:nvPr/>
-        </p:nvSpPr>
-        <p:spPr>
-          <a:xfrm>
-            <a:off x="115910" y="1403989"/>
-            <a:ext cx="2627290" cy="634621"/>
-          </a:xfrm>
-          <a:prstGeom prst="rect">
-            <a:avLst/>
-          </a:prstGeom>
-          <a:solidFill>
-            <a:schemeClr val="tx2"/>
-          </a:solidFill>
-          <a:ln>
-            <a:solidFill>
-              <a:schemeClr val="tx2">
-                <a:lumMod val="50000"/>
-              </a:schemeClr>
-            </a:solidFill>
-          </a:ln>
-        </p:spPr>
-        <p:style>
-          <a:lnRef idx="2">
-            <a:schemeClr val="accent1">
-              <a:shade val="50000"/>
-            </a:schemeClr>
-          </a:lnRef>
-          <a:fillRef idx="1">
-            <a:schemeClr val="accent1"/>
-          </a:fillRef>
-          <a:effectRef idx="0">
-            <a:schemeClr val="accent1"/>
-          </a:effectRef>
-          <a:fontRef idx="minor">
-            <a:schemeClr val="lt1"/>
-          </a:fontRef>
-        </p:style>
-        <p:txBody>
-          <a:bodyPr rtlCol="0" anchor="ctr"/>
-          <a:lstStyle/>
-          <a:p>
-            <a:pPr algn="ctr"/>
-            <a:r>
-              <a:rPr lang="de-DE" dirty="0" smtClean="0"/>
-              <a:t>Objekte im Spiel</a:t>
-            </a:r>
-            <a:endParaRPr lang="de-DE" dirty="0"/>
-          </a:p>
-        </p:txBody>
-      </p:sp>
-      <p:sp>
-        <p:nvSpPr>
-          <p:cNvPr id="6" name="Rechteck 5"/>
-          <p:cNvSpPr/>
-          <p:nvPr/>
-        </p:nvSpPr>
-        <p:spPr>
-          <a:xfrm>
-            <a:off x="1998372" y="2228970"/>
-            <a:ext cx="2163651" cy="463640"/>
-          </a:xfrm>
-          <a:prstGeom prst="rect">
-            <a:avLst/>
-          </a:prstGeom>
-          <a:solidFill>
-            <a:srgbClr val="FFC000"/>
-          </a:solidFill>
-          <a:ln>
-            <a:solidFill>
-              <a:schemeClr val="accent2"/>
-            </a:solidFill>
-          </a:ln>
-        </p:spPr>
-        <p:style>
-          <a:lnRef idx="2">
-            <a:schemeClr val="accent1">
-              <a:shade val="50000"/>
-            </a:schemeClr>
-          </a:lnRef>
-          <a:fillRef idx="1">
-            <a:schemeClr val="accent1"/>
-          </a:fillRef>
-          <a:effectRef idx="0">
-            <a:schemeClr val="accent1"/>
-          </a:effectRef>
-          <a:fontRef idx="minor">
-            <a:schemeClr val="lt1"/>
-          </a:fontRef>
-        </p:style>
-        <p:txBody>
-          <a:bodyPr rtlCol="0" anchor="ctr"/>
-          <a:lstStyle/>
-          <a:p>
-            <a:pPr algn="ctr"/>
-            <a:r>
-              <a:rPr lang="de-DE" dirty="0" smtClean="0">
-                <a:solidFill>
-                  <a:schemeClr val="tx1"/>
-                </a:solidFill>
-              </a:rPr>
-              <a:t>Schlange</a:t>
-            </a:r>
-            <a:endParaRPr lang="de-DE" dirty="0">
-              <a:solidFill>
-                <a:schemeClr val="tx1"/>
-              </a:solidFill>
-            </a:endParaRPr>
-          </a:p>
-        </p:txBody>
-      </p:sp>
-      <p:sp>
-        <p:nvSpPr>
-          <p:cNvPr id="7" name="Rechteck 6"/>
-          <p:cNvSpPr/>
-          <p:nvPr/>
-        </p:nvSpPr>
-        <p:spPr>
-          <a:xfrm>
-            <a:off x="1998371" y="3565112"/>
-            <a:ext cx="2163651" cy="463640"/>
-          </a:xfrm>
-          <a:prstGeom prst="rect">
-            <a:avLst/>
-          </a:prstGeom>
-        </p:spPr>
-        <p:style>
-          <a:lnRef idx="2">
-            <a:schemeClr val="accent1">
-              <a:shade val="50000"/>
-            </a:schemeClr>
-          </a:lnRef>
-          <a:fillRef idx="1">
-            <a:schemeClr val="accent1"/>
-          </a:fillRef>
-          <a:effectRef idx="0">
-            <a:schemeClr val="accent1"/>
-          </a:effectRef>
-          <a:fontRef idx="minor">
-            <a:schemeClr val="lt1"/>
-          </a:fontRef>
-        </p:style>
-        <p:txBody>
-          <a:bodyPr rtlCol="0" anchor="ctr"/>
-          <a:lstStyle/>
-          <a:p>
-            <a:pPr algn="ctr"/>
-            <a:r>
-              <a:rPr lang="de-DE" dirty="0" smtClean="0"/>
-              <a:t>Speerfalle</a:t>
-            </a:r>
-            <a:endParaRPr lang="de-DE" dirty="0"/>
-          </a:p>
-        </p:txBody>
-      </p:sp>
-      <p:sp>
-        <p:nvSpPr>
-          <p:cNvPr id="8" name="Rechteck 7"/>
-          <p:cNvSpPr/>
-          <p:nvPr/>
-        </p:nvSpPr>
-        <p:spPr>
-          <a:xfrm>
-            <a:off x="1998371" y="4229034"/>
-            <a:ext cx="2163651" cy="463640"/>
-          </a:xfrm>
-          <a:prstGeom prst="rect">
-            <a:avLst/>
-          </a:prstGeom>
-        </p:spPr>
-        <p:style>
-          <a:lnRef idx="2">
-            <a:schemeClr val="accent1">
-              <a:shade val="50000"/>
-            </a:schemeClr>
-          </a:lnRef>
-          <a:fillRef idx="1">
-            <a:schemeClr val="accent1"/>
-          </a:fillRef>
-          <a:effectRef idx="0">
-            <a:schemeClr val="accent1"/>
-          </a:effectRef>
-          <a:fontRef idx="minor">
-            <a:schemeClr val="lt1"/>
-          </a:fontRef>
-        </p:style>
-        <p:txBody>
-          <a:bodyPr rtlCol="0" anchor="ctr"/>
-          <a:lstStyle/>
-          <a:p>
-            <a:pPr algn="ctr"/>
-            <a:r>
-              <a:rPr lang="de-DE" dirty="0" smtClean="0"/>
-              <a:t>Fallende Steine</a:t>
-            </a:r>
-            <a:endParaRPr lang="de-DE" dirty="0"/>
-          </a:p>
-        </p:txBody>
-      </p:sp>
-      <p:sp>
-        <p:nvSpPr>
-          <p:cNvPr id="9" name="Rechteck 8"/>
-          <p:cNvSpPr/>
-          <p:nvPr/>
-        </p:nvSpPr>
-        <p:spPr>
-          <a:xfrm>
-            <a:off x="1998370" y="5556878"/>
-            <a:ext cx="2163651" cy="463640"/>
-          </a:xfrm>
-          <a:prstGeom prst="rect">
-            <a:avLst/>
-          </a:prstGeom>
-        </p:spPr>
-        <p:style>
-          <a:lnRef idx="2">
-            <a:schemeClr val="accent1">
-              <a:shade val="50000"/>
-            </a:schemeClr>
-          </a:lnRef>
-          <a:fillRef idx="1">
-            <a:schemeClr val="accent1"/>
-          </a:fillRef>
-          <a:effectRef idx="0">
-            <a:schemeClr val="accent1"/>
-          </a:effectRef>
-          <a:fontRef idx="minor">
-            <a:schemeClr val="lt1"/>
-          </a:fontRef>
-        </p:style>
-        <p:txBody>
-          <a:bodyPr rtlCol="0" anchor="ctr"/>
-          <a:lstStyle/>
-          <a:p>
-            <a:pPr algn="ctr"/>
-            <a:r>
-              <a:rPr lang="de-DE" dirty="0" smtClean="0"/>
-              <a:t>Futter</a:t>
-            </a:r>
-            <a:endParaRPr lang="de-DE" dirty="0"/>
-          </a:p>
-        </p:txBody>
-      </p:sp>
-      <p:sp>
-        <p:nvSpPr>
-          <p:cNvPr id="10" name="Rechteck 9"/>
-          <p:cNvSpPr/>
-          <p:nvPr/>
-        </p:nvSpPr>
-        <p:spPr>
-          <a:xfrm>
-            <a:off x="1998370" y="4892956"/>
-            <a:ext cx="2163651" cy="463640"/>
-          </a:xfrm>
-          <a:prstGeom prst="rect">
-            <a:avLst/>
-          </a:prstGeom>
-        </p:spPr>
-        <p:style>
-          <a:lnRef idx="2">
-            <a:schemeClr val="accent1">
-              <a:shade val="50000"/>
-            </a:schemeClr>
-          </a:lnRef>
-          <a:fillRef idx="1">
-            <a:schemeClr val="accent1"/>
-          </a:fillRef>
-          <a:effectRef idx="0">
-            <a:schemeClr val="accent1"/>
-          </a:effectRef>
-          <a:fontRef idx="minor">
-            <a:schemeClr val="lt1"/>
-          </a:fontRef>
-        </p:style>
-        <p:txBody>
-          <a:bodyPr rtlCol="0" anchor="ctr"/>
-          <a:lstStyle/>
-          <a:p>
-            <a:pPr algn="ctr"/>
-            <a:r>
-              <a:rPr lang="de-DE" dirty="0" smtClean="0"/>
-              <a:t>Diätpille</a:t>
-            </a:r>
-            <a:endParaRPr lang="de-DE" dirty="0"/>
-          </a:p>
-        </p:txBody>
-      </p:sp>
-      <p:cxnSp>
-        <p:nvCxnSpPr>
-          <p:cNvPr id="12" name="Gerader Verbinder 11"/>
-          <p:cNvCxnSpPr>
-            <a:stCxn id="5" idx="2"/>
-          </p:cNvCxnSpPr>
-          <p:nvPr/>
-        </p:nvCxnSpPr>
-        <p:spPr>
-          <a:xfrm>
-            <a:off x="1429555" y="2038610"/>
-            <a:ext cx="0" cy="4414008"/>
-          </a:xfrm>
-          <a:prstGeom prst="line">
-            <a:avLst/>
-          </a:prstGeom>
-        </p:spPr>
-        <p:style>
-          <a:lnRef idx="1">
-            <a:schemeClr val="accent1"/>
-          </a:lnRef>
-          <a:fillRef idx="0">
-            <a:schemeClr val="accent1"/>
-          </a:fillRef>
-          <a:effectRef idx="0">
-            <a:schemeClr val="accent1"/>
-          </a:effectRef>
-          <a:fontRef idx="minor">
-            <a:schemeClr val="tx1"/>
-          </a:fontRef>
-        </p:style>
-      </p:cxnSp>
-      <p:cxnSp>
-        <p:nvCxnSpPr>
-          <p:cNvPr id="14" name="Gerader Verbinder 13"/>
-          <p:cNvCxnSpPr>
-            <a:stCxn id="6" idx="1"/>
-          </p:cNvCxnSpPr>
-          <p:nvPr/>
-        </p:nvCxnSpPr>
-        <p:spPr>
-          <a:xfrm flipH="1">
-            <a:off x="1429555" y="2460790"/>
-            <a:ext cx="568817" cy="0"/>
-          </a:xfrm>
-          <a:prstGeom prst="line">
-            <a:avLst/>
-          </a:prstGeom>
-        </p:spPr>
-        <p:style>
-          <a:lnRef idx="1">
-            <a:schemeClr val="accent1"/>
-          </a:lnRef>
-          <a:fillRef idx="0">
-            <a:schemeClr val="accent1"/>
-          </a:fillRef>
-          <a:effectRef idx="0">
-            <a:schemeClr val="accent1"/>
-          </a:effectRef>
-          <a:fontRef idx="minor">
-            <a:schemeClr val="tx1"/>
-          </a:fontRef>
-        </p:style>
-      </p:cxnSp>
-      <p:sp>
-        <p:nvSpPr>
-          <p:cNvPr id="15" name="Rechteck 14"/>
-          <p:cNvSpPr/>
-          <p:nvPr/>
-        </p:nvSpPr>
-        <p:spPr>
-          <a:xfrm>
-            <a:off x="1998372" y="2892893"/>
-            <a:ext cx="2163651" cy="463640"/>
-          </a:xfrm>
-          <a:prstGeom prst="rect">
-            <a:avLst/>
-          </a:prstGeom>
-        </p:spPr>
-        <p:style>
-          <a:lnRef idx="2">
-            <a:schemeClr val="accent1">
-              <a:shade val="50000"/>
-            </a:schemeClr>
-          </a:lnRef>
-          <a:fillRef idx="1">
-            <a:schemeClr val="accent1"/>
-          </a:fillRef>
-          <a:effectRef idx="0">
-            <a:schemeClr val="accent1"/>
-          </a:effectRef>
-          <a:fontRef idx="minor">
-            <a:schemeClr val="lt1"/>
-          </a:fontRef>
-        </p:style>
-        <p:txBody>
-          <a:bodyPr rtlCol="0" anchor="ctr"/>
-          <a:lstStyle/>
-          <a:p>
-            <a:pPr algn="ctr"/>
-            <a:r>
-              <a:rPr lang="de-DE" dirty="0" smtClean="0"/>
-              <a:t>Spielfeld</a:t>
-            </a:r>
-            <a:endParaRPr lang="de-DE" dirty="0"/>
-          </a:p>
-        </p:txBody>
-      </p:sp>
-      <p:sp>
-        <p:nvSpPr>
-          <p:cNvPr id="16" name="Rechteck 15"/>
-          <p:cNvSpPr/>
-          <p:nvPr/>
-        </p:nvSpPr>
-        <p:spPr>
-          <a:xfrm>
-            <a:off x="1998369" y="6220800"/>
-            <a:ext cx="2163651" cy="463640"/>
-          </a:xfrm>
-          <a:prstGeom prst="rect">
-            <a:avLst/>
-          </a:prstGeom>
-        </p:spPr>
-        <p:style>
-          <a:lnRef idx="2">
-            <a:schemeClr val="accent1">
-              <a:shade val="50000"/>
-            </a:schemeClr>
-          </a:lnRef>
-          <a:fillRef idx="1">
-            <a:schemeClr val="accent1"/>
-          </a:fillRef>
-          <a:effectRef idx="0">
-            <a:schemeClr val="accent1"/>
-          </a:effectRef>
-          <a:fontRef idx="minor">
-            <a:schemeClr val="lt1"/>
-          </a:fontRef>
-        </p:style>
-        <p:txBody>
-          <a:bodyPr rtlCol="0" anchor="ctr"/>
-          <a:lstStyle/>
-          <a:p>
-            <a:pPr algn="ctr"/>
-            <a:r>
-              <a:rPr lang="de-DE" dirty="0" smtClean="0"/>
-              <a:t>Sonstige Objekte</a:t>
-            </a:r>
-            <a:endParaRPr lang="de-DE" dirty="0"/>
-          </a:p>
-        </p:txBody>
-      </p:sp>
-      <p:cxnSp>
-        <p:nvCxnSpPr>
-          <p:cNvPr id="18" name="Gerader Verbinder 17"/>
-          <p:cNvCxnSpPr>
-            <a:stCxn id="15" idx="1"/>
-          </p:cNvCxnSpPr>
-          <p:nvPr/>
-        </p:nvCxnSpPr>
-        <p:spPr>
-          <a:xfrm flipH="1">
-            <a:off x="1429555" y="3124713"/>
-            <a:ext cx="568817" cy="0"/>
-          </a:xfrm>
-          <a:prstGeom prst="line">
-            <a:avLst/>
-          </a:prstGeom>
-        </p:spPr>
-        <p:style>
-          <a:lnRef idx="1">
-            <a:schemeClr val="accent1"/>
-          </a:lnRef>
-          <a:fillRef idx="0">
-            <a:schemeClr val="accent1"/>
-          </a:fillRef>
-          <a:effectRef idx="0">
-            <a:schemeClr val="accent1"/>
-          </a:effectRef>
-          <a:fontRef idx="minor">
-            <a:schemeClr val="tx1"/>
-          </a:fontRef>
-        </p:style>
-      </p:cxnSp>
-      <p:cxnSp>
-        <p:nvCxnSpPr>
-          <p:cNvPr id="20" name="Gerader Verbinder 19"/>
-          <p:cNvCxnSpPr>
-            <a:stCxn id="7" idx="1"/>
-          </p:cNvCxnSpPr>
-          <p:nvPr/>
-        </p:nvCxnSpPr>
-        <p:spPr>
-          <a:xfrm flipH="1" flipV="1">
-            <a:off x="1429555" y="3796930"/>
-            <a:ext cx="568816" cy="2"/>
-          </a:xfrm>
-          <a:prstGeom prst="line">
-            <a:avLst/>
-          </a:prstGeom>
-        </p:spPr>
-        <p:style>
-          <a:lnRef idx="1">
-            <a:schemeClr val="accent1"/>
-          </a:lnRef>
-          <a:fillRef idx="0">
-            <a:schemeClr val="accent1"/>
-          </a:fillRef>
-          <a:effectRef idx="0">
-            <a:schemeClr val="accent1"/>
-          </a:effectRef>
-          <a:fontRef idx="minor">
-            <a:schemeClr val="tx1"/>
-          </a:fontRef>
-        </p:style>
-      </p:cxnSp>
-      <p:cxnSp>
-        <p:nvCxnSpPr>
-          <p:cNvPr id="24" name="Gerader Verbinder 23"/>
-          <p:cNvCxnSpPr>
-            <a:stCxn id="8" idx="1"/>
-          </p:cNvCxnSpPr>
-          <p:nvPr/>
-        </p:nvCxnSpPr>
-        <p:spPr>
-          <a:xfrm flipH="1">
-            <a:off x="1429555" y="4460854"/>
-            <a:ext cx="568816" cy="0"/>
-          </a:xfrm>
-          <a:prstGeom prst="line">
-            <a:avLst/>
-          </a:prstGeom>
-        </p:spPr>
-        <p:style>
-          <a:lnRef idx="1">
-            <a:schemeClr val="accent1"/>
-          </a:lnRef>
-          <a:fillRef idx="0">
-            <a:schemeClr val="accent1"/>
-          </a:fillRef>
-          <a:effectRef idx="0">
-            <a:schemeClr val="accent1"/>
-          </a:effectRef>
-          <a:fontRef idx="minor">
-            <a:schemeClr val="tx1"/>
-          </a:fontRef>
-        </p:style>
-      </p:cxnSp>
-      <p:cxnSp>
-        <p:nvCxnSpPr>
-          <p:cNvPr id="26" name="Gerader Verbinder 25"/>
-          <p:cNvCxnSpPr>
-            <a:stCxn id="10" idx="1"/>
-          </p:cNvCxnSpPr>
-          <p:nvPr/>
-        </p:nvCxnSpPr>
-        <p:spPr>
-          <a:xfrm flipH="1" flipV="1">
-            <a:off x="1429555" y="5124775"/>
-            <a:ext cx="568815" cy="1"/>
-          </a:xfrm>
-          <a:prstGeom prst="line">
-            <a:avLst/>
-          </a:prstGeom>
-        </p:spPr>
-        <p:style>
-          <a:lnRef idx="1">
-            <a:schemeClr val="accent1"/>
-          </a:lnRef>
-          <a:fillRef idx="0">
-            <a:schemeClr val="accent1"/>
-          </a:fillRef>
-          <a:effectRef idx="0">
-            <a:schemeClr val="accent1"/>
-          </a:effectRef>
-          <a:fontRef idx="minor">
-            <a:schemeClr val="tx1"/>
-          </a:fontRef>
-        </p:style>
-      </p:cxnSp>
-      <p:cxnSp>
-        <p:nvCxnSpPr>
-          <p:cNvPr id="28" name="Gerader Verbinder 27"/>
-          <p:cNvCxnSpPr>
-            <a:stCxn id="9" idx="1"/>
-          </p:cNvCxnSpPr>
-          <p:nvPr/>
-        </p:nvCxnSpPr>
-        <p:spPr>
-          <a:xfrm flipH="1" flipV="1">
-            <a:off x="1429555" y="5788696"/>
-            <a:ext cx="568815" cy="2"/>
-          </a:xfrm>
-          <a:prstGeom prst="line">
-            <a:avLst/>
-          </a:prstGeom>
-        </p:spPr>
-        <p:style>
-          <a:lnRef idx="1">
-            <a:schemeClr val="accent1"/>
-          </a:lnRef>
-          <a:fillRef idx="0">
-            <a:schemeClr val="accent1"/>
-          </a:fillRef>
-          <a:effectRef idx="0">
-            <a:schemeClr val="accent1"/>
-          </a:effectRef>
-          <a:fontRef idx="minor">
-            <a:schemeClr val="tx1"/>
-          </a:fontRef>
-        </p:style>
-      </p:cxnSp>
-      <p:cxnSp>
-        <p:nvCxnSpPr>
-          <p:cNvPr id="30" name="Gerader Verbinder 29"/>
-          <p:cNvCxnSpPr>
-            <a:stCxn id="16" idx="1"/>
-          </p:cNvCxnSpPr>
-          <p:nvPr/>
-        </p:nvCxnSpPr>
-        <p:spPr>
-          <a:xfrm flipH="1" flipV="1">
-            <a:off x="1429555" y="6452618"/>
-            <a:ext cx="568814" cy="2"/>
-          </a:xfrm>
-          <a:prstGeom prst="line">
-            <a:avLst/>
-          </a:prstGeom>
-        </p:spPr>
-        <p:style>
-          <a:lnRef idx="1">
-            <a:schemeClr val="accent1"/>
-          </a:lnRef>
-          <a:fillRef idx="0">
-            <a:schemeClr val="accent1"/>
-          </a:fillRef>
-          <a:effectRef idx="0">
-            <a:schemeClr val="accent1"/>
-          </a:effectRef>
-          <a:fontRef idx="minor">
-            <a:schemeClr val="tx1"/>
-          </a:fontRef>
-        </p:style>
-      </p:cxnSp>
       <p:pic>
         <p:nvPicPr>
           <p:cNvPr id="21" name="Inhaltsplatzhalter 4"/>
@@ -5051,6 +4399,663 @@
           </a:xfrm>
         </p:spPr>
       </p:pic>
+      <p:sp>
+        <p:nvSpPr>
+          <p:cNvPr id="4" name="Foliennummernplatzhalter 3"/>
+          <p:cNvSpPr>
+            <a:spLocks noGrp="1"/>
+          </p:cNvSpPr>
+          <p:nvPr>
+            <p:ph type="sldNum" sz="quarter" idx="12"/>
+          </p:nvPr>
+        </p:nvSpPr>
+        <p:spPr/>
+        <p:txBody>
+          <a:bodyPr/>
+          <a:lstStyle/>
+          <a:p>
+            <a:fld id="{AFC15D4E-52BD-4359-8CF4-4D643ACA6A81}" type="slidenum">
+              <a:rPr lang="de-DE" smtClean="0"/>
+              <a:t>11</a:t>
+            </a:fld>
+            <a:endParaRPr lang="de-DE"/>
+          </a:p>
+        </p:txBody>
+      </p:sp>
+      <p:sp>
+        <p:nvSpPr>
+          <p:cNvPr id="5" name="Rechteck 4"/>
+          <p:cNvSpPr/>
+          <p:nvPr/>
+        </p:nvSpPr>
+        <p:spPr>
+          <a:xfrm>
+            <a:off x="115910" y="1403989"/>
+            <a:ext cx="2627290" cy="634621"/>
+          </a:xfrm>
+          <a:prstGeom prst="rect">
+            <a:avLst/>
+          </a:prstGeom>
+          <a:solidFill>
+            <a:schemeClr val="tx2"/>
+          </a:solidFill>
+          <a:ln>
+            <a:solidFill>
+              <a:schemeClr val="tx2">
+                <a:lumMod val="50000"/>
+              </a:schemeClr>
+            </a:solidFill>
+          </a:ln>
+        </p:spPr>
+        <p:style>
+          <a:lnRef idx="2">
+            <a:schemeClr val="accent1">
+              <a:shade val="50000"/>
+            </a:schemeClr>
+          </a:lnRef>
+          <a:fillRef idx="1">
+            <a:schemeClr val="accent1"/>
+          </a:fillRef>
+          <a:effectRef idx="0">
+            <a:schemeClr val="accent1"/>
+          </a:effectRef>
+          <a:fontRef idx="minor">
+            <a:schemeClr val="lt1"/>
+          </a:fontRef>
+        </p:style>
+        <p:txBody>
+          <a:bodyPr rtlCol="0" anchor="ctr"/>
+          <a:lstStyle/>
+          <a:p>
+            <a:pPr algn="ctr"/>
+            <a:r>
+              <a:rPr lang="de-DE" dirty="0" smtClean="0"/>
+              <a:t>Objekte im Spiel</a:t>
+            </a:r>
+            <a:endParaRPr lang="de-DE" dirty="0"/>
+          </a:p>
+        </p:txBody>
+      </p:sp>
+      <p:sp>
+        <p:nvSpPr>
+          <p:cNvPr id="6" name="Rechteck 5"/>
+          <p:cNvSpPr/>
+          <p:nvPr/>
+        </p:nvSpPr>
+        <p:spPr>
+          <a:xfrm>
+            <a:off x="1998372" y="2228970"/>
+            <a:ext cx="2163651" cy="463640"/>
+          </a:xfrm>
+          <a:prstGeom prst="rect">
+            <a:avLst/>
+          </a:prstGeom>
+          <a:solidFill>
+            <a:srgbClr val="FFC000"/>
+          </a:solidFill>
+          <a:ln>
+            <a:solidFill>
+              <a:schemeClr val="accent2"/>
+            </a:solidFill>
+          </a:ln>
+        </p:spPr>
+        <p:style>
+          <a:lnRef idx="2">
+            <a:schemeClr val="accent1">
+              <a:shade val="50000"/>
+            </a:schemeClr>
+          </a:lnRef>
+          <a:fillRef idx="1">
+            <a:schemeClr val="accent1"/>
+          </a:fillRef>
+          <a:effectRef idx="0">
+            <a:schemeClr val="accent1"/>
+          </a:effectRef>
+          <a:fontRef idx="minor">
+            <a:schemeClr val="lt1"/>
+          </a:fontRef>
+        </p:style>
+        <p:txBody>
+          <a:bodyPr rtlCol="0" anchor="ctr"/>
+          <a:lstStyle/>
+          <a:p>
+            <a:pPr algn="ctr"/>
+            <a:r>
+              <a:rPr lang="de-DE" dirty="0" smtClean="0">
+                <a:solidFill>
+                  <a:schemeClr val="tx1"/>
+                </a:solidFill>
+              </a:rPr>
+              <a:t>Schlange</a:t>
+            </a:r>
+            <a:endParaRPr lang="de-DE" dirty="0">
+              <a:solidFill>
+                <a:schemeClr val="tx1"/>
+              </a:solidFill>
+            </a:endParaRPr>
+          </a:p>
+        </p:txBody>
+      </p:sp>
+      <p:sp>
+        <p:nvSpPr>
+          <p:cNvPr id="7" name="Rechteck 6"/>
+          <p:cNvSpPr/>
+          <p:nvPr/>
+        </p:nvSpPr>
+        <p:spPr>
+          <a:xfrm>
+            <a:off x="1998371" y="3565112"/>
+            <a:ext cx="2163651" cy="463640"/>
+          </a:xfrm>
+          <a:prstGeom prst="rect">
+            <a:avLst/>
+          </a:prstGeom>
+        </p:spPr>
+        <p:style>
+          <a:lnRef idx="2">
+            <a:schemeClr val="accent1">
+              <a:shade val="50000"/>
+            </a:schemeClr>
+          </a:lnRef>
+          <a:fillRef idx="1">
+            <a:schemeClr val="accent1"/>
+          </a:fillRef>
+          <a:effectRef idx="0">
+            <a:schemeClr val="accent1"/>
+          </a:effectRef>
+          <a:fontRef idx="minor">
+            <a:schemeClr val="lt1"/>
+          </a:fontRef>
+        </p:style>
+        <p:txBody>
+          <a:bodyPr rtlCol="0" anchor="ctr"/>
+          <a:lstStyle/>
+          <a:p>
+            <a:pPr algn="ctr"/>
+            <a:r>
+              <a:rPr lang="de-DE" dirty="0" smtClean="0"/>
+              <a:t>Speerfalle</a:t>
+            </a:r>
+            <a:endParaRPr lang="de-DE" dirty="0"/>
+          </a:p>
+        </p:txBody>
+      </p:sp>
+      <p:sp>
+        <p:nvSpPr>
+          <p:cNvPr id="8" name="Rechteck 7"/>
+          <p:cNvSpPr/>
+          <p:nvPr/>
+        </p:nvSpPr>
+        <p:spPr>
+          <a:xfrm>
+            <a:off x="1998371" y="4229034"/>
+            <a:ext cx="2163651" cy="463640"/>
+          </a:xfrm>
+          <a:prstGeom prst="rect">
+            <a:avLst/>
+          </a:prstGeom>
+        </p:spPr>
+        <p:style>
+          <a:lnRef idx="2">
+            <a:schemeClr val="accent1">
+              <a:shade val="50000"/>
+            </a:schemeClr>
+          </a:lnRef>
+          <a:fillRef idx="1">
+            <a:schemeClr val="accent1"/>
+          </a:fillRef>
+          <a:effectRef idx="0">
+            <a:schemeClr val="accent1"/>
+          </a:effectRef>
+          <a:fontRef idx="minor">
+            <a:schemeClr val="lt1"/>
+          </a:fontRef>
+        </p:style>
+        <p:txBody>
+          <a:bodyPr rtlCol="0" anchor="ctr"/>
+          <a:lstStyle/>
+          <a:p>
+            <a:pPr algn="ctr"/>
+            <a:r>
+              <a:rPr lang="de-DE" dirty="0" smtClean="0"/>
+              <a:t>Fallende Steine</a:t>
+            </a:r>
+            <a:endParaRPr lang="de-DE" dirty="0"/>
+          </a:p>
+        </p:txBody>
+      </p:sp>
+      <p:sp>
+        <p:nvSpPr>
+          <p:cNvPr id="9" name="Rechteck 8"/>
+          <p:cNvSpPr/>
+          <p:nvPr/>
+        </p:nvSpPr>
+        <p:spPr>
+          <a:xfrm>
+            <a:off x="1998370" y="5556878"/>
+            <a:ext cx="2163651" cy="463640"/>
+          </a:xfrm>
+          <a:prstGeom prst="rect">
+            <a:avLst/>
+          </a:prstGeom>
+        </p:spPr>
+        <p:style>
+          <a:lnRef idx="2">
+            <a:schemeClr val="accent1">
+              <a:shade val="50000"/>
+            </a:schemeClr>
+          </a:lnRef>
+          <a:fillRef idx="1">
+            <a:schemeClr val="accent1"/>
+          </a:fillRef>
+          <a:effectRef idx="0">
+            <a:schemeClr val="accent1"/>
+          </a:effectRef>
+          <a:fontRef idx="minor">
+            <a:schemeClr val="lt1"/>
+          </a:fontRef>
+        </p:style>
+        <p:txBody>
+          <a:bodyPr rtlCol="0" anchor="ctr"/>
+          <a:lstStyle/>
+          <a:p>
+            <a:pPr algn="ctr"/>
+            <a:r>
+              <a:rPr lang="de-DE" dirty="0" smtClean="0"/>
+              <a:t>Futter</a:t>
+            </a:r>
+            <a:endParaRPr lang="de-DE" dirty="0"/>
+          </a:p>
+        </p:txBody>
+      </p:sp>
+      <p:sp>
+        <p:nvSpPr>
+          <p:cNvPr id="10" name="Rechteck 9"/>
+          <p:cNvSpPr/>
+          <p:nvPr/>
+        </p:nvSpPr>
+        <p:spPr>
+          <a:xfrm>
+            <a:off x="1998370" y="4892956"/>
+            <a:ext cx="2163651" cy="463640"/>
+          </a:xfrm>
+          <a:prstGeom prst="rect">
+            <a:avLst/>
+          </a:prstGeom>
+        </p:spPr>
+        <p:style>
+          <a:lnRef idx="2">
+            <a:schemeClr val="accent1">
+              <a:shade val="50000"/>
+            </a:schemeClr>
+          </a:lnRef>
+          <a:fillRef idx="1">
+            <a:schemeClr val="accent1"/>
+          </a:fillRef>
+          <a:effectRef idx="0">
+            <a:schemeClr val="accent1"/>
+          </a:effectRef>
+          <a:fontRef idx="minor">
+            <a:schemeClr val="lt1"/>
+          </a:fontRef>
+        </p:style>
+        <p:txBody>
+          <a:bodyPr rtlCol="0" anchor="ctr"/>
+          <a:lstStyle/>
+          <a:p>
+            <a:pPr algn="ctr"/>
+            <a:r>
+              <a:rPr lang="de-DE" dirty="0" smtClean="0"/>
+              <a:t>Diätpille</a:t>
+            </a:r>
+            <a:endParaRPr lang="de-DE" dirty="0"/>
+          </a:p>
+        </p:txBody>
+      </p:sp>
+      <p:cxnSp>
+        <p:nvCxnSpPr>
+          <p:cNvPr id="12" name="Gerader Verbinder 11"/>
+          <p:cNvCxnSpPr>
+            <a:stCxn id="5" idx="2"/>
+          </p:cNvCxnSpPr>
+          <p:nvPr/>
+        </p:nvCxnSpPr>
+        <p:spPr>
+          <a:xfrm>
+            <a:off x="1429555" y="2038610"/>
+            <a:ext cx="0" cy="4414008"/>
+          </a:xfrm>
+          <a:prstGeom prst="line">
+            <a:avLst/>
+          </a:prstGeom>
+        </p:spPr>
+        <p:style>
+          <a:lnRef idx="1">
+            <a:schemeClr val="accent1"/>
+          </a:lnRef>
+          <a:fillRef idx="0">
+            <a:schemeClr val="accent1"/>
+          </a:fillRef>
+          <a:effectRef idx="0">
+            <a:schemeClr val="accent1"/>
+          </a:effectRef>
+          <a:fontRef idx="minor">
+            <a:schemeClr val="tx1"/>
+          </a:fontRef>
+        </p:style>
+      </p:cxnSp>
+      <p:cxnSp>
+        <p:nvCxnSpPr>
+          <p:cNvPr id="14" name="Gerader Verbinder 13"/>
+          <p:cNvCxnSpPr>
+            <a:stCxn id="6" idx="1"/>
+          </p:cNvCxnSpPr>
+          <p:nvPr/>
+        </p:nvCxnSpPr>
+        <p:spPr>
+          <a:xfrm flipH="1">
+            <a:off x="1429555" y="2460790"/>
+            <a:ext cx="568817" cy="0"/>
+          </a:xfrm>
+          <a:prstGeom prst="line">
+            <a:avLst/>
+          </a:prstGeom>
+        </p:spPr>
+        <p:style>
+          <a:lnRef idx="1">
+            <a:schemeClr val="accent1"/>
+          </a:lnRef>
+          <a:fillRef idx="0">
+            <a:schemeClr val="accent1"/>
+          </a:fillRef>
+          <a:effectRef idx="0">
+            <a:schemeClr val="accent1"/>
+          </a:effectRef>
+          <a:fontRef idx="minor">
+            <a:schemeClr val="tx1"/>
+          </a:fontRef>
+        </p:style>
+      </p:cxnSp>
+      <p:sp>
+        <p:nvSpPr>
+          <p:cNvPr id="15" name="Rechteck 14"/>
+          <p:cNvSpPr/>
+          <p:nvPr/>
+        </p:nvSpPr>
+        <p:spPr>
+          <a:xfrm>
+            <a:off x="1998372" y="2892893"/>
+            <a:ext cx="2163651" cy="463640"/>
+          </a:xfrm>
+          <a:prstGeom prst="rect">
+            <a:avLst/>
+          </a:prstGeom>
+        </p:spPr>
+        <p:style>
+          <a:lnRef idx="2">
+            <a:schemeClr val="accent1">
+              <a:shade val="50000"/>
+            </a:schemeClr>
+          </a:lnRef>
+          <a:fillRef idx="1">
+            <a:schemeClr val="accent1"/>
+          </a:fillRef>
+          <a:effectRef idx="0">
+            <a:schemeClr val="accent1"/>
+          </a:effectRef>
+          <a:fontRef idx="minor">
+            <a:schemeClr val="lt1"/>
+          </a:fontRef>
+        </p:style>
+        <p:txBody>
+          <a:bodyPr rtlCol="0" anchor="ctr"/>
+          <a:lstStyle/>
+          <a:p>
+            <a:pPr algn="ctr"/>
+            <a:r>
+              <a:rPr lang="de-DE" dirty="0" smtClean="0"/>
+              <a:t>Spielfeld</a:t>
+            </a:r>
+            <a:endParaRPr lang="de-DE" dirty="0"/>
+          </a:p>
+        </p:txBody>
+      </p:sp>
+      <p:sp>
+        <p:nvSpPr>
+          <p:cNvPr id="16" name="Rechteck 15"/>
+          <p:cNvSpPr/>
+          <p:nvPr/>
+        </p:nvSpPr>
+        <p:spPr>
+          <a:xfrm>
+            <a:off x="1998369" y="6220800"/>
+            <a:ext cx="2163651" cy="463640"/>
+          </a:xfrm>
+          <a:prstGeom prst="rect">
+            <a:avLst/>
+          </a:prstGeom>
+        </p:spPr>
+        <p:style>
+          <a:lnRef idx="2">
+            <a:schemeClr val="accent1">
+              <a:shade val="50000"/>
+            </a:schemeClr>
+          </a:lnRef>
+          <a:fillRef idx="1">
+            <a:schemeClr val="accent1"/>
+          </a:fillRef>
+          <a:effectRef idx="0">
+            <a:schemeClr val="accent1"/>
+          </a:effectRef>
+          <a:fontRef idx="minor">
+            <a:schemeClr val="lt1"/>
+          </a:fontRef>
+        </p:style>
+        <p:txBody>
+          <a:bodyPr rtlCol="0" anchor="ctr"/>
+          <a:lstStyle/>
+          <a:p>
+            <a:pPr algn="ctr"/>
+            <a:r>
+              <a:rPr lang="de-DE" dirty="0" smtClean="0"/>
+              <a:t>Sonstige Objekte</a:t>
+            </a:r>
+            <a:endParaRPr lang="de-DE" dirty="0"/>
+          </a:p>
+        </p:txBody>
+      </p:sp>
+      <p:cxnSp>
+        <p:nvCxnSpPr>
+          <p:cNvPr id="18" name="Gerader Verbinder 17"/>
+          <p:cNvCxnSpPr>
+            <a:stCxn id="15" idx="1"/>
+          </p:cNvCxnSpPr>
+          <p:nvPr/>
+        </p:nvCxnSpPr>
+        <p:spPr>
+          <a:xfrm flipH="1">
+            <a:off x="1429555" y="3124713"/>
+            <a:ext cx="568817" cy="0"/>
+          </a:xfrm>
+          <a:prstGeom prst="line">
+            <a:avLst/>
+          </a:prstGeom>
+        </p:spPr>
+        <p:style>
+          <a:lnRef idx="1">
+            <a:schemeClr val="accent1"/>
+          </a:lnRef>
+          <a:fillRef idx="0">
+            <a:schemeClr val="accent1"/>
+          </a:fillRef>
+          <a:effectRef idx="0">
+            <a:schemeClr val="accent1"/>
+          </a:effectRef>
+          <a:fontRef idx="minor">
+            <a:schemeClr val="tx1"/>
+          </a:fontRef>
+        </p:style>
+      </p:cxnSp>
+      <p:cxnSp>
+        <p:nvCxnSpPr>
+          <p:cNvPr id="20" name="Gerader Verbinder 19"/>
+          <p:cNvCxnSpPr>
+            <a:stCxn id="7" idx="1"/>
+          </p:cNvCxnSpPr>
+          <p:nvPr/>
+        </p:nvCxnSpPr>
+        <p:spPr>
+          <a:xfrm flipH="1" flipV="1">
+            <a:off x="1429555" y="3796930"/>
+            <a:ext cx="568816" cy="2"/>
+          </a:xfrm>
+          <a:prstGeom prst="line">
+            <a:avLst/>
+          </a:prstGeom>
+        </p:spPr>
+        <p:style>
+          <a:lnRef idx="1">
+            <a:schemeClr val="accent1"/>
+          </a:lnRef>
+          <a:fillRef idx="0">
+            <a:schemeClr val="accent1"/>
+          </a:fillRef>
+          <a:effectRef idx="0">
+            <a:schemeClr val="accent1"/>
+          </a:effectRef>
+          <a:fontRef idx="minor">
+            <a:schemeClr val="tx1"/>
+          </a:fontRef>
+        </p:style>
+      </p:cxnSp>
+      <p:cxnSp>
+        <p:nvCxnSpPr>
+          <p:cNvPr id="24" name="Gerader Verbinder 23"/>
+          <p:cNvCxnSpPr>
+            <a:stCxn id="8" idx="1"/>
+          </p:cNvCxnSpPr>
+          <p:nvPr/>
+        </p:nvCxnSpPr>
+        <p:spPr>
+          <a:xfrm flipH="1">
+            <a:off x="1429555" y="4460854"/>
+            <a:ext cx="568816" cy="0"/>
+          </a:xfrm>
+          <a:prstGeom prst="line">
+            <a:avLst/>
+          </a:prstGeom>
+        </p:spPr>
+        <p:style>
+          <a:lnRef idx="1">
+            <a:schemeClr val="accent1"/>
+          </a:lnRef>
+          <a:fillRef idx="0">
+            <a:schemeClr val="accent1"/>
+          </a:fillRef>
+          <a:effectRef idx="0">
+            <a:schemeClr val="accent1"/>
+          </a:effectRef>
+          <a:fontRef idx="minor">
+            <a:schemeClr val="tx1"/>
+          </a:fontRef>
+        </p:style>
+      </p:cxnSp>
+      <p:cxnSp>
+        <p:nvCxnSpPr>
+          <p:cNvPr id="26" name="Gerader Verbinder 25"/>
+          <p:cNvCxnSpPr>
+            <a:stCxn id="10" idx="1"/>
+          </p:cNvCxnSpPr>
+          <p:nvPr/>
+        </p:nvCxnSpPr>
+        <p:spPr>
+          <a:xfrm flipH="1" flipV="1">
+            <a:off x="1429555" y="5124775"/>
+            <a:ext cx="568815" cy="1"/>
+          </a:xfrm>
+          <a:prstGeom prst="line">
+            <a:avLst/>
+          </a:prstGeom>
+        </p:spPr>
+        <p:style>
+          <a:lnRef idx="1">
+            <a:schemeClr val="accent1"/>
+          </a:lnRef>
+          <a:fillRef idx="0">
+            <a:schemeClr val="accent1"/>
+          </a:fillRef>
+          <a:effectRef idx="0">
+            <a:schemeClr val="accent1"/>
+          </a:effectRef>
+          <a:fontRef idx="minor">
+            <a:schemeClr val="tx1"/>
+          </a:fontRef>
+        </p:style>
+      </p:cxnSp>
+      <p:cxnSp>
+        <p:nvCxnSpPr>
+          <p:cNvPr id="28" name="Gerader Verbinder 27"/>
+          <p:cNvCxnSpPr>
+            <a:stCxn id="9" idx="1"/>
+          </p:cNvCxnSpPr>
+          <p:nvPr/>
+        </p:nvCxnSpPr>
+        <p:spPr>
+          <a:xfrm flipH="1" flipV="1">
+            <a:off x="1429555" y="5788696"/>
+            <a:ext cx="568815" cy="2"/>
+          </a:xfrm>
+          <a:prstGeom prst="line">
+            <a:avLst/>
+          </a:prstGeom>
+        </p:spPr>
+        <p:style>
+          <a:lnRef idx="1">
+            <a:schemeClr val="accent1"/>
+          </a:lnRef>
+          <a:fillRef idx="0">
+            <a:schemeClr val="accent1"/>
+          </a:fillRef>
+          <a:effectRef idx="0">
+            <a:schemeClr val="accent1"/>
+          </a:effectRef>
+          <a:fontRef idx="minor">
+            <a:schemeClr val="tx1"/>
+          </a:fontRef>
+        </p:style>
+      </p:cxnSp>
+      <p:cxnSp>
+        <p:nvCxnSpPr>
+          <p:cNvPr id="30" name="Gerader Verbinder 29"/>
+          <p:cNvCxnSpPr>
+            <a:stCxn id="16" idx="1"/>
+          </p:cNvCxnSpPr>
+          <p:nvPr/>
+        </p:nvCxnSpPr>
+        <p:spPr>
+          <a:xfrm flipH="1" flipV="1">
+            <a:off x="1429555" y="6452618"/>
+            <a:ext cx="568814" cy="2"/>
+          </a:xfrm>
+          <a:prstGeom prst="line">
+            <a:avLst/>
+          </a:prstGeom>
+        </p:spPr>
+        <p:style>
+          <a:lnRef idx="1">
+            <a:schemeClr val="accent1"/>
+          </a:lnRef>
+          <a:fillRef idx="0">
+            <a:schemeClr val="accent1"/>
+          </a:fillRef>
+          <a:effectRef idx="0">
+            <a:schemeClr val="accent1"/>
+          </a:effectRef>
+          <a:fontRef idx="minor">
+            <a:schemeClr val="tx1"/>
+          </a:fontRef>
+        </p:style>
+      </p:cxnSp>
       <p:sp>
         <p:nvSpPr>
           <p:cNvPr id="3" name="Textfeld 2"/>
@@ -5978,18 +5983,7 @@
                   </a:schemeClr>
                 </a:solidFill>
               </a:rPr>
-              <a:t>(Stand</a:t>
-            </a:r>
-            <a:r>
-              <a:rPr lang="de-DE" sz="1050" i="1" dirty="0" smtClean="0">
-                <a:solidFill>
-                  <a:schemeClr val="tx1">
-                    <a:lumMod val="50000"/>
-                    <a:lumOff val="50000"/>
-                  </a:schemeClr>
-                </a:solidFill>
-              </a:rPr>
-              <a:t>: 29.09.2015)</a:t>
+              <a:t>(Stand: 29.09.2015)</a:t>
             </a:r>
             <a:endParaRPr lang="de-DE" sz="1050" i="1" dirty="0">
               <a:solidFill>
@@ -6093,663 +6087,6 @@
           </a:p>
         </p:txBody>
       </p:sp>
-      <p:sp>
-        <p:nvSpPr>
-          <p:cNvPr id="4" name="Foliennummernplatzhalter 3"/>
-          <p:cNvSpPr>
-            <a:spLocks noGrp="1"/>
-          </p:cNvSpPr>
-          <p:nvPr>
-            <p:ph type="sldNum" sz="quarter" idx="12"/>
-          </p:nvPr>
-        </p:nvSpPr>
-        <p:spPr/>
-        <p:txBody>
-          <a:bodyPr/>
-          <a:lstStyle/>
-          <a:p>
-            <a:fld id="{AFC15D4E-52BD-4359-8CF4-4D643ACA6A81}" type="slidenum">
-              <a:rPr lang="de-DE" smtClean="0"/>
-              <a:t>13</a:t>
-            </a:fld>
-            <a:endParaRPr lang="de-DE"/>
-          </a:p>
-        </p:txBody>
-      </p:sp>
-      <p:sp>
-        <p:nvSpPr>
-          <p:cNvPr id="5" name="Rechteck 4"/>
-          <p:cNvSpPr/>
-          <p:nvPr/>
-        </p:nvSpPr>
-        <p:spPr>
-          <a:xfrm>
-            <a:off x="115910" y="1403989"/>
-            <a:ext cx="2627290" cy="634621"/>
-          </a:xfrm>
-          <a:prstGeom prst="rect">
-            <a:avLst/>
-          </a:prstGeom>
-          <a:solidFill>
-            <a:schemeClr val="tx2"/>
-          </a:solidFill>
-          <a:ln>
-            <a:solidFill>
-              <a:schemeClr val="tx2">
-                <a:lumMod val="50000"/>
-              </a:schemeClr>
-            </a:solidFill>
-          </a:ln>
-        </p:spPr>
-        <p:style>
-          <a:lnRef idx="2">
-            <a:schemeClr val="accent1">
-              <a:shade val="50000"/>
-            </a:schemeClr>
-          </a:lnRef>
-          <a:fillRef idx="1">
-            <a:schemeClr val="accent1"/>
-          </a:fillRef>
-          <a:effectRef idx="0">
-            <a:schemeClr val="accent1"/>
-          </a:effectRef>
-          <a:fontRef idx="minor">
-            <a:schemeClr val="lt1"/>
-          </a:fontRef>
-        </p:style>
-        <p:txBody>
-          <a:bodyPr rtlCol="0" anchor="ctr"/>
-          <a:lstStyle/>
-          <a:p>
-            <a:pPr algn="ctr"/>
-            <a:r>
-              <a:rPr lang="de-DE" dirty="0" smtClean="0"/>
-              <a:t>Objekte im Spiel</a:t>
-            </a:r>
-            <a:endParaRPr lang="de-DE" dirty="0"/>
-          </a:p>
-        </p:txBody>
-      </p:sp>
-      <p:sp>
-        <p:nvSpPr>
-          <p:cNvPr id="6" name="Rechteck 5"/>
-          <p:cNvSpPr/>
-          <p:nvPr/>
-        </p:nvSpPr>
-        <p:spPr>
-          <a:xfrm>
-            <a:off x="1998372" y="2228970"/>
-            <a:ext cx="2163651" cy="463640"/>
-          </a:xfrm>
-          <a:prstGeom prst="rect">
-            <a:avLst/>
-          </a:prstGeom>
-        </p:spPr>
-        <p:style>
-          <a:lnRef idx="2">
-            <a:schemeClr val="accent1">
-              <a:shade val="50000"/>
-            </a:schemeClr>
-          </a:lnRef>
-          <a:fillRef idx="1">
-            <a:schemeClr val="accent1"/>
-          </a:fillRef>
-          <a:effectRef idx="0">
-            <a:schemeClr val="accent1"/>
-          </a:effectRef>
-          <a:fontRef idx="minor">
-            <a:schemeClr val="lt1"/>
-          </a:fontRef>
-        </p:style>
-        <p:txBody>
-          <a:bodyPr rtlCol="0" anchor="ctr"/>
-          <a:lstStyle/>
-          <a:p>
-            <a:pPr algn="ctr"/>
-            <a:r>
-              <a:rPr lang="de-DE" dirty="0" smtClean="0"/>
-              <a:t>Schlange</a:t>
-            </a:r>
-            <a:endParaRPr lang="de-DE" dirty="0"/>
-          </a:p>
-        </p:txBody>
-      </p:sp>
-      <p:sp>
-        <p:nvSpPr>
-          <p:cNvPr id="7" name="Rechteck 6"/>
-          <p:cNvSpPr/>
-          <p:nvPr/>
-        </p:nvSpPr>
-        <p:spPr>
-          <a:xfrm>
-            <a:off x="1998371" y="3565112"/>
-            <a:ext cx="2163651" cy="463640"/>
-          </a:xfrm>
-          <a:prstGeom prst="rect">
-            <a:avLst/>
-          </a:prstGeom>
-        </p:spPr>
-        <p:style>
-          <a:lnRef idx="2">
-            <a:schemeClr val="accent1">
-              <a:shade val="50000"/>
-            </a:schemeClr>
-          </a:lnRef>
-          <a:fillRef idx="1">
-            <a:schemeClr val="accent1"/>
-          </a:fillRef>
-          <a:effectRef idx="0">
-            <a:schemeClr val="accent1"/>
-          </a:effectRef>
-          <a:fontRef idx="minor">
-            <a:schemeClr val="lt1"/>
-          </a:fontRef>
-        </p:style>
-        <p:txBody>
-          <a:bodyPr rtlCol="0" anchor="ctr"/>
-          <a:lstStyle/>
-          <a:p>
-            <a:pPr algn="ctr"/>
-            <a:r>
-              <a:rPr lang="de-DE" dirty="0" smtClean="0"/>
-              <a:t>Speerfalle</a:t>
-            </a:r>
-            <a:endParaRPr lang="de-DE" dirty="0"/>
-          </a:p>
-        </p:txBody>
-      </p:sp>
-      <p:sp>
-        <p:nvSpPr>
-          <p:cNvPr id="8" name="Rechteck 7"/>
-          <p:cNvSpPr/>
-          <p:nvPr/>
-        </p:nvSpPr>
-        <p:spPr>
-          <a:xfrm>
-            <a:off x="1998371" y="4229034"/>
-            <a:ext cx="2163651" cy="463640"/>
-          </a:xfrm>
-          <a:prstGeom prst="rect">
-            <a:avLst/>
-          </a:prstGeom>
-        </p:spPr>
-        <p:style>
-          <a:lnRef idx="2">
-            <a:schemeClr val="accent1">
-              <a:shade val="50000"/>
-            </a:schemeClr>
-          </a:lnRef>
-          <a:fillRef idx="1">
-            <a:schemeClr val="accent1"/>
-          </a:fillRef>
-          <a:effectRef idx="0">
-            <a:schemeClr val="accent1"/>
-          </a:effectRef>
-          <a:fontRef idx="minor">
-            <a:schemeClr val="lt1"/>
-          </a:fontRef>
-        </p:style>
-        <p:txBody>
-          <a:bodyPr rtlCol="0" anchor="ctr"/>
-          <a:lstStyle/>
-          <a:p>
-            <a:pPr algn="ctr"/>
-            <a:r>
-              <a:rPr lang="de-DE" dirty="0" smtClean="0"/>
-              <a:t>Fallende Steine</a:t>
-            </a:r>
-            <a:endParaRPr lang="de-DE" dirty="0"/>
-          </a:p>
-        </p:txBody>
-      </p:sp>
-      <p:sp>
-        <p:nvSpPr>
-          <p:cNvPr id="9" name="Rechteck 8"/>
-          <p:cNvSpPr/>
-          <p:nvPr/>
-        </p:nvSpPr>
-        <p:spPr>
-          <a:xfrm>
-            <a:off x="1998370" y="5556878"/>
-            <a:ext cx="2163651" cy="463640"/>
-          </a:xfrm>
-          <a:prstGeom prst="rect">
-            <a:avLst/>
-          </a:prstGeom>
-        </p:spPr>
-        <p:style>
-          <a:lnRef idx="2">
-            <a:schemeClr val="accent1">
-              <a:shade val="50000"/>
-            </a:schemeClr>
-          </a:lnRef>
-          <a:fillRef idx="1">
-            <a:schemeClr val="accent1"/>
-          </a:fillRef>
-          <a:effectRef idx="0">
-            <a:schemeClr val="accent1"/>
-          </a:effectRef>
-          <a:fontRef idx="minor">
-            <a:schemeClr val="lt1"/>
-          </a:fontRef>
-        </p:style>
-        <p:txBody>
-          <a:bodyPr rtlCol="0" anchor="ctr"/>
-          <a:lstStyle/>
-          <a:p>
-            <a:pPr algn="ctr"/>
-            <a:r>
-              <a:rPr lang="de-DE" dirty="0" smtClean="0"/>
-              <a:t>Futter</a:t>
-            </a:r>
-            <a:endParaRPr lang="de-DE" dirty="0"/>
-          </a:p>
-        </p:txBody>
-      </p:sp>
-      <p:sp>
-        <p:nvSpPr>
-          <p:cNvPr id="10" name="Rechteck 9"/>
-          <p:cNvSpPr/>
-          <p:nvPr/>
-        </p:nvSpPr>
-        <p:spPr>
-          <a:xfrm>
-            <a:off x="1998370" y="4892956"/>
-            <a:ext cx="2163651" cy="463640"/>
-          </a:xfrm>
-          <a:prstGeom prst="rect">
-            <a:avLst/>
-          </a:prstGeom>
-        </p:spPr>
-        <p:style>
-          <a:lnRef idx="2">
-            <a:schemeClr val="accent1">
-              <a:shade val="50000"/>
-            </a:schemeClr>
-          </a:lnRef>
-          <a:fillRef idx="1">
-            <a:schemeClr val="accent1"/>
-          </a:fillRef>
-          <a:effectRef idx="0">
-            <a:schemeClr val="accent1"/>
-          </a:effectRef>
-          <a:fontRef idx="minor">
-            <a:schemeClr val="lt1"/>
-          </a:fontRef>
-        </p:style>
-        <p:txBody>
-          <a:bodyPr rtlCol="0" anchor="ctr"/>
-          <a:lstStyle/>
-          <a:p>
-            <a:pPr algn="ctr"/>
-            <a:r>
-              <a:rPr lang="de-DE" dirty="0" smtClean="0"/>
-              <a:t>Diätpille</a:t>
-            </a:r>
-            <a:endParaRPr lang="de-DE" dirty="0"/>
-          </a:p>
-        </p:txBody>
-      </p:sp>
-      <p:cxnSp>
-        <p:nvCxnSpPr>
-          <p:cNvPr id="12" name="Gerader Verbinder 11"/>
-          <p:cNvCxnSpPr>
-            <a:stCxn id="5" idx="2"/>
-          </p:cNvCxnSpPr>
-          <p:nvPr/>
-        </p:nvCxnSpPr>
-        <p:spPr>
-          <a:xfrm>
-            <a:off x="1429555" y="2038610"/>
-            <a:ext cx="0" cy="4414008"/>
-          </a:xfrm>
-          <a:prstGeom prst="line">
-            <a:avLst/>
-          </a:prstGeom>
-        </p:spPr>
-        <p:style>
-          <a:lnRef idx="1">
-            <a:schemeClr val="accent1"/>
-          </a:lnRef>
-          <a:fillRef idx="0">
-            <a:schemeClr val="accent1"/>
-          </a:fillRef>
-          <a:effectRef idx="0">
-            <a:schemeClr val="accent1"/>
-          </a:effectRef>
-          <a:fontRef idx="minor">
-            <a:schemeClr val="tx1"/>
-          </a:fontRef>
-        </p:style>
-      </p:cxnSp>
-      <p:cxnSp>
-        <p:nvCxnSpPr>
-          <p:cNvPr id="14" name="Gerader Verbinder 13"/>
-          <p:cNvCxnSpPr>
-            <a:stCxn id="6" idx="1"/>
-          </p:cNvCxnSpPr>
-          <p:nvPr/>
-        </p:nvCxnSpPr>
-        <p:spPr>
-          <a:xfrm flipH="1">
-            <a:off x="1429555" y="2460790"/>
-            <a:ext cx="568817" cy="0"/>
-          </a:xfrm>
-          <a:prstGeom prst="line">
-            <a:avLst/>
-          </a:prstGeom>
-        </p:spPr>
-        <p:style>
-          <a:lnRef idx="1">
-            <a:schemeClr val="accent1"/>
-          </a:lnRef>
-          <a:fillRef idx="0">
-            <a:schemeClr val="accent1"/>
-          </a:fillRef>
-          <a:effectRef idx="0">
-            <a:schemeClr val="accent1"/>
-          </a:effectRef>
-          <a:fontRef idx="minor">
-            <a:schemeClr val="tx1"/>
-          </a:fontRef>
-        </p:style>
-      </p:cxnSp>
-      <p:sp>
-        <p:nvSpPr>
-          <p:cNvPr id="15" name="Rechteck 14"/>
-          <p:cNvSpPr/>
-          <p:nvPr/>
-        </p:nvSpPr>
-        <p:spPr>
-          <a:xfrm>
-            <a:off x="1998372" y="2892893"/>
-            <a:ext cx="2163651" cy="463640"/>
-          </a:xfrm>
-          <a:prstGeom prst="rect">
-            <a:avLst/>
-          </a:prstGeom>
-          <a:solidFill>
-            <a:srgbClr val="FFC000"/>
-          </a:solidFill>
-          <a:ln>
-            <a:solidFill>
-              <a:schemeClr val="accent2"/>
-            </a:solidFill>
-          </a:ln>
-        </p:spPr>
-        <p:style>
-          <a:lnRef idx="2">
-            <a:schemeClr val="accent1">
-              <a:shade val="50000"/>
-            </a:schemeClr>
-          </a:lnRef>
-          <a:fillRef idx="1">
-            <a:schemeClr val="accent1"/>
-          </a:fillRef>
-          <a:effectRef idx="0">
-            <a:schemeClr val="accent1"/>
-          </a:effectRef>
-          <a:fontRef idx="minor">
-            <a:schemeClr val="lt1"/>
-          </a:fontRef>
-        </p:style>
-        <p:txBody>
-          <a:bodyPr rtlCol="0" anchor="ctr"/>
-          <a:lstStyle/>
-          <a:p>
-            <a:pPr algn="ctr"/>
-            <a:r>
-              <a:rPr lang="de-DE" dirty="0" smtClean="0">
-                <a:solidFill>
-                  <a:schemeClr val="tx1"/>
-                </a:solidFill>
-              </a:rPr>
-              <a:t>Spielfeld</a:t>
-            </a:r>
-            <a:endParaRPr lang="de-DE" dirty="0">
-              <a:solidFill>
-                <a:schemeClr val="tx1"/>
-              </a:solidFill>
-            </a:endParaRPr>
-          </a:p>
-        </p:txBody>
-      </p:sp>
-      <p:sp>
-        <p:nvSpPr>
-          <p:cNvPr id="16" name="Rechteck 15"/>
-          <p:cNvSpPr/>
-          <p:nvPr/>
-        </p:nvSpPr>
-        <p:spPr>
-          <a:xfrm>
-            <a:off x="1998369" y="6220800"/>
-            <a:ext cx="2163651" cy="463640"/>
-          </a:xfrm>
-          <a:prstGeom prst="rect">
-            <a:avLst/>
-          </a:prstGeom>
-        </p:spPr>
-        <p:style>
-          <a:lnRef idx="2">
-            <a:schemeClr val="accent1">
-              <a:shade val="50000"/>
-            </a:schemeClr>
-          </a:lnRef>
-          <a:fillRef idx="1">
-            <a:schemeClr val="accent1"/>
-          </a:fillRef>
-          <a:effectRef idx="0">
-            <a:schemeClr val="accent1"/>
-          </a:effectRef>
-          <a:fontRef idx="minor">
-            <a:schemeClr val="lt1"/>
-          </a:fontRef>
-        </p:style>
-        <p:txBody>
-          <a:bodyPr rtlCol="0" anchor="ctr"/>
-          <a:lstStyle/>
-          <a:p>
-            <a:pPr algn="ctr"/>
-            <a:r>
-              <a:rPr lang="de-DE" dirty="0" smtClean="0"/>
-              <a:t>Sonstige Objekte</a:t>
-            </a:r>
-            <a:endParaRPr lang="de-DE" dirty="0"/>
-          </a:p>
-        </p:txBody>
-      </p:sp>
-      <p:cxnSp>
-        <p:nvCxnSpPr>
-          <p:cNvPr id="18" name="Gerader Verbinder 17"/>
-          <p:cNvCxnSpPr>
-            <a:stCxn id="15" idx="1"/>
-          </p:cNvCxnSpPr>
-          <p:nvPr/>
-        </p:nvCxnSpPr>
-        <p:spPr>
-          <a:xfrm flipH="1">
-            <a:off x="1429555" y="3124713"/>
-            <a:ext cx="568817" cy="0"/>
-          </a:xfrm>
-          <a:prstGeom prst="line">
-            <a:avLst/>
-          </a:prstGeom>
-        </p:spPr>
-        <p:style>
-          <a:lnRef idx="1">
-            <a:schemeClr val="accent1"/>
-          </a:lnRef>
-          <a:fillRef idx="0">
-            <a:schemeClr val="accent1"/>
-          </a:fillRef>
-          <a:effectRef idx="0">
-            <a:schemeClr val="accent1"/>
-          </a:effectRef>
-          <a:fontRef idx="minor">
-            <a:schemeClr val="tx1"/>
-          </a:fontRef>
-        </p:style>
-      </p:cxnSp>
-      <p:cxnSp>
-        <p:nvCxnSpPr>
-          <p:cNvPr id="20" name="Gerader Verbinder 19"/>
-          <p:cNvCxnSpPr>
-            <a:stCxn id="7" idx="1"/>
-          </p:cNvCxnSpPr>
-          <p:nvPr/>
-        </p:nvCxnSpPr>
-        <p:spPr>
-          <a:xfrm flipH="1" flipV="1">
-            <a:off x="1429555" y="3796930"/>
-            <a:ext cx="568816" cy="2"/>
-          </a:xfrm>
-          <a:prstGeom prst="line">
-            <a:avLst/>
-          </a:prstGeom>
-        </p:spPr>
-        <p:style>
-          <a:lnRef idx="1">
-            <a:schemeClr val="accent1"/>
-          </a:lnRef>
-          <a:fillRef idx="0">
-            <a:schemeClr val="accent1"/>
-          </a:fillRef>
-          <a:effectRef idx="0">
-            <a:schemeClr val="accent1"/>
-          </a:effectRef>
-          <a:fontRef idx="minor">
-            <a:schemeClr val="tx1"/>
-          </a:fontRef>
-        </p:style>
-      </p:cxnSp>
-      <p:cxnSp>
-        <p:nvCxnSpPr>
-          <p:cNvPr id="24" name="Gerader Verbinder 23"/>
-          <p:cNvCxnSpPr>
-            <a:stCxn id="8" idx="1"/>
-          </p:cNvCxnSpPr>
-          <p:nvPr/>
-        </p:nvCxnSpPr>
-        <p:spPr>
-          <a:xfrm flipH="1">
-            <a:off x="1429555" y="4460854"/>
-            <a:ext cx="568816" cy="0"/>
-          </a:xfrm>
-          <a:prstGeom prst="line">
-            <a:avLst/>
-          </a:prstGeom>
-        </p:spPr>
-        <p:style>
-          <a:lnRef idx="1">
-            <a:schemeClr val="accent1"/>
-          </a:lnRef>
-          <a:fillRef idx="0">
-            <a:schemeClr val="accent1"/>
-          </a:fillRef>
-          <a:effectRef idx="0">
-            <a:schemeClr val="accent1"/>
-          </a:effectRef>
-          <a:fontRef idx="minor">
-            <a:schemeClr val="tx1"/>
-          </a:fontRef>
-        </p:style>
-      </p:cxnSp>
-      <p:cxnSp>
-        <p:nvCxnSpPr>
-          <p:cNvPr id="26" name="Gerader Verbinder 25"/>
-          <p:cNvCxnSpPr>
-            <a:stCxn id="10" idx="1"/>
-          </p:cNvCxnSpPr>
-          <p:nvPr/>
-        </p:nvCxnSpPr>
-        <p:spPr>
-          <a:xfrm flipH="1" flipV="1">
-            <a:off x="1429555" y="5124775"/>
-            <a:ext cx="568815" cy="1"/>
-          </a:xfrm>
-          <a:prstGeom prst="line">
-            <a:avLst/>
-          </a:prstGeom>
-        </p:spPr>
-        <p:style>
-          <a:lnRef idx="1">
-            <a:schemeClr val="accent1"/>
-          </a:lnRef>
-          <a:fillRef idx="0">
-            <a:schemeClr val="accent1"/>
-          </a:fillRef>
-          <a:effectRef idx="0">
-            <a:schemeClr val="accent1"/>
-          </a:effectRef>
-          <a:fontRef idx="minor">
-            <a:schemeClr val="tx1"/>
-          </a:fontRef>
-        </p:style>
-      </p:cxnSp>
-      <p:cxnSp>
-        <p:nvCxnSpPr>
-          <p:cNvPr id="28" name="Gerader Verbinder 27"/>
-          <p:cNvCxnSpPr>
-            <a:stCxn id="9" idx="1"/>
-          </p:cNvCxnSpPr>
-          <p:nvPr/>
-        </p:nvCxnSpPr>
-        <p:spPr>
-          <a:xfrm flipH="1" flipV="1">
-            <a:off x="1429555" y="5788696"/>
-            <a:ext cx="568815" cy="2"/>
-          </a:xfrm>
-          <a:prstGeom prst="line">
-            <a:avLst/>
-          </a:prstGeom>
-        </p:spPr>
-        <p:style>
-          <a:lnRef idx="1">
-            <a:schemeClr val="accent1"/>
-          </a:lnRef>
-          <a:fillRef idx="0">
-            <a:schemeClr val="accent1"/>
-          </a:fillRef>
-          <a:effectRef idx="0">
-            <a:schemeClr val="accent1"/>
-          </a:effectRef>
-          <a:fontRef idx="minor">
-            <a:schemeClr val="tx1"/>
-          </a:fontRef>
-        </p:style>
-      </p:cxnSp>
-      <p:cxnSp>
-        <p:nvCxnSpPr>
-          <p:cNvPr id="30" name="Gerader Verbinder 29"/>
-          <p:cNvCxnSpPr>
-            <a:stCxn id="16" idx="1"/>
-          </p:cNvCxnSpPr>
-          <p:nvPr/>
-        </p:nvCxnSpPr>
-        <p:spPr>
-          <a:xfrm flipH="1" flipV="1">
-            <a:off x="1429555" y="6452618"/>
-            <a:ext cx="568814" cy="2"/>
-          </a:xfrm>
-          <a:prstGeom prst="line">
-            <a:avLst/>
-          </a:prstGeom>
-        </p:spPr>
-        <p:style>
-          <a:lnRef idx="1">
-            <a:schemeClr val="accent1"/>
-          </a:lnRef>
-          <a:fillRef idx="0">
-            <a:schemeClr val="accent1"/>
-          </a:fillRef>
-          <a:effectRef idx="0">
-            <a:schemeClr val="accent1"/>
-          </a:effectRef>
-          <a:fontRef idx="minor">
-            <a:schemeClr val="tx1"/>
-          </a:fontRef>
-        </p:style>
-      </p:cxnSp>
       <p:pic>
         <p:nvPicPr>
           <p:cNvPr id="21" name="Inhaltsplatzhalter 4"/>
@@ -6779,6 +6116,663 @@
           </a:xfrm>
         </p:spPr>
       </p:pic>
+      <p:sp>
+        <p:nvSpPr>
+          <p:cNvPr id="4" name="Foliennummernplatzhalter 3"/>
+          <p:cNvSpPr>
+            <a:spLocks noGrp="1"/>
+          </p:cNvSpPr>
+          <p:nvPr>
+            <p:ph type="sldNum" sz="quarter" idx="12"/>
+          </p:nvPr>
+        </p:nvSpPr>
+        <p:spPr/>
+        <p:txBody>
+          <a:bodyPr/>
+          <a:lstStyle/>
+          <a:p>
+            <a:fld id="{AFC15D4E-52BD-4359-8CF4-4D643ACA6A81}" type="slidenum">
+              <a:rPr lang="de-DE" smtClean="0"/>
+              <a:t>13</a:t>
+            </a:fld>
+            <a:endParaRPr lang="de-DE"/>
+          </a:p>
+        </p:txBody>
+      </p:sp>
+      <p:sp>
+        <p:nvSpPr>
+          <p:cNvPr id="5" name="Rechteck 4"/>
+          <p:cNvSpPr/>
+          <p:nvPr/>
+        </p:nvSpPr>
+        <p:spPr>
+          <a:xfrm>
+            <a:off x="115910" y="1403989"/>
+            <a:ext cx="2627290" cy="634621"/>
+          </a:xfrm>
+          <a:prstGeom prst="rect">
+            <a:avLst/>
+          </a:prstGeom>
+          <a:solidFill>
+            <a:schemeClr val="tx2"/>
+          </a:solidFill>
+          <a:ln>
+            <a:solidFill>
+              <a:schemeClr val="tx2">
+                <a:lumMod val="50000"/>
+              </a:schemeClr>
+            </a:solidFill>
+          </a:ln>
+        </p:spPr>
+        <p:style>
+          <a:lnRef idx="2">
+            <a:schemeClr val="accent1">
+              <a:shade val="50000"/>
+            </a:schemeClr>
+          </a:lnRef>
+          <a:fillRef idx="1">
+            <a:schemeClr val="accent1"/>
+          </a:fillRef>
+          <a:effectRef idx="0">
+            <a:schemeClr val="accent1"/>
+          </a:effectRef>
+          <a:fontRef idx="minor">
+            <a:schemeClr val="lt1"/>
+          </a:fontRef>
+        </p:style>
+        <p:txBody>
+          <a:bodyPr rtlCol="0" anchor="ctr"/>
+          <a:lstStyle/>
+          <a:p>
+            <a:pPr algn="ctr"/>
+            <a:r>
+              <a:rPr lang="de-DE" dirty="0" smtClean="0"/>
+              <a:t>Objekte im Spiel</a:t>
+            </a:r>
+            <a:endParaRPr lang="de-DE" dirty="0"/>
+          </a:p>
+        </p:txBody>
+      </p:sp>
+      <p:sp>
+        <p:nvSpPr>
+          <p:cNvPr id="6" name="Rechteck 5"/>
+          <p:cNvSpPr/>
+          <p:nvPr/>
+        </p:nvSpPr>
+        <p:spPr>
+          <a:xfrm>
+            <a:off x="1998372" y="2228970"/>
+            <a:ext cx="2163651" cy="463640"/>
+          </a:xfrm>
+          <a:prstGeom prst="rect">
+            <a:avLst/>
+          </a:prstGeom>
+        </p:spPr>
+        <p:style>
+          <a:lnRef idx="2">
+            <a:schemeClr val="accent1">
+              <a:shade val="50000"/>
+            </a:schemeClr>
+          </a:lnRef>
+          <a:fillRef idx="1">
+            <a:schemeClr val="accent1"/>
+          </a:fillRef>
+          <a:effectRef idx="0">
+            <a:schemeClr val="accent1"/>
+          </a:effectRef>
+          <a:fontRef idx="minor">
+            <a:schemeClr val="lt1"/>
+          </a:fontRef>
+        </p:style>
+        <p:txBody>
+          <a:bodyPr rtlCol="0" anchor="ctr"/>
+          <a:lstStyle/>
+          <a:p>
+            <a:pPr algn="ctr"/>
+            <a:r>
+              <a:rPr lang="de-DE" dirty="0" smtClean="0"/>
+              <a:t>Schlange</a:t>
+            </a:r>
+            <a:endParaRPr lang="de-DE" dirty="0"/>
+          </a:p>
+        </p:txBody>
+      </p:sp>
+      <p:sp>
+        <p:nvSpPr>
+          <p:cNvPr id="7" name="Rechteck 6"/>
+          <p:cNvSpPr/>
+          <p:nvPr/>
+        </p:nvSpPr>
+        <p:spPr>
+          <a:xfrm>
+            <a:off x="1998371" y="3565112"/>
+            <a:ext cx="2163651" cy="463640"/>
+          </a:xfrm>
+          <a:prstGeom prst="rect">
+            <a:avLst/>
+          </a:prstGeom>
+        </p:spPr>
+        <p:style>
+          <a:lnRef idx="2">
+            <a:schemeClr val="accent1">
+              <a:shade val="50000"/>
+            </a:schemeClr>
+          </a:lnRef>
+          <a:fillRef idx="1">
+            <a:schemeClr val="accent1"/>
+          </a:fillRef>
+          <a:effectRef idx="0">
+            <a:schemeClr val="accent1"/>
+          </a:effectRef>
+          <a:fontRef idx="minor">
+            <a:schemeClr val="lt1"/>
+          </a:fontRef>
+        </p:style>
+        <p:txBody>
+          <a:bodyPr rtlCol="0" anchor="ctr"/>
+          <a:lstStyle/>
+          <a:p>
+            <a:pPr algn="ctr"/>
+            <a:r>
+              <a:rPr lang="de-DE" dirty="0" smtClean="0"/>
+              <a:t>Speerfalle</a:t>
+            </a:r>
+            <a:endParaRPr lang="de-DE" dirty="0"/>
+          </a:p>
+        </p:txBody>
+      </p:sp>
+      <p:sp>
+        <p:nvSpPr>
+          <p:cNvPr id="8" name="Rechteck 7"/>
+          <p:cNvSpPr/>
+          <p:nvPr/>
+        </p:nvSpPr>
+        <p:spPr>
+          <a:xfrm>
+            <a:off x="1998371" y="4229034"/>
+            <a:ext cx="2163651" cy="463640"/>
+          </a:xfrm>
+          <a:prstGeom prst="rect">
+            <a:avLst/>
+          </a:prstGeom>
+        </p:spPr>
+        <p:style>
+          <a:lnRef idx="2">
+            <a:schemeClr val="accent1">
+              <a:shade val="50000"/>
+            </a:schemeClr>
+          </a:lnRef>
+          <a:fillRef idx="1">
+            <a:schemeClr val="accent1"/>
+          </a:fillRef>
+          <a:effectRef idx="0">
+            <a:schemeClr val="accent1"/>
+          </a:effectRef>
+          <a:fontRef idx="minor">
+            <a:schemeClr val="lt1"/>
+          </a:fontRef>
+        </p:style>
+        <p:txBody>
+          <a:bodyPr rtlCol="0" anchor="ctr"/>
+          <a:lstStyle/>
+          <a:p>
+            <a:pPr algn="ctr"/>
+            <a:r>
+              <a:rPr lang="de-DE" dirty="0" smtClean="0"/>
+              <a:t>Fallende Steine</a:t>
+            </a:r>
+            <a:endParaRPr lang="de-DE" dirty="0"/>
+          </a:p>
+        </p:txBody>
+      </p:sp>
+      <p:sp>
+        <p:nvSpPr>
+          <p:cNvPr id="9" name="Rechteck 8"/>
+          <p:cNvSpPr/>
+          <p:nvPr/>
+        </p:nvSpPr>
+        <p:spPr>
+          <a:xfrm>
+            <a:off x="1998370" y="5556878"/>
+            <a:ext cx="2163651" cy="463640"/>
+          </a:xfrm>
+          <a:prstGeom prst="rect">
+            <a:avLst/>
+          </a:prstGeom>
+        </p:spPr>
+        <p:style>
+          <a:lnRef idx="2">
+            <a:schemeClr val="accent1">
+              <a:shade val="50000"/>
+            </a:schemeClr>
+          </a:lnRef>
+          <a:fillRef idx="1">
+            <a:schemeClr val="accent1"/>
+          </a:fillRef>
+          <a:effectRef idx="0">
+            <a:schemeClr val="accent1"/>
+          </a:effectRef>
+          <a:fontRef idx="minor">
+            <a:schemeClr val="lt1"/>
+          </a:fontRef>
+        </p:style>
+        <p:txBody>
+          <a:bodyPr rtlCol="0" anchor="ctr"/>
+          <a:lstStyle/>
+          <a:p>
+            <a:pPr algn="ctr"/>
+            <a:r>
+              <a:rPr lang="de-DE" dirty="0" smtClean="0"/>
+              <a:t>Futter</a:t>
+            </a:r>
+            <a:endParaRPr lang="de-DE" dirty="0"/>
+          </a:p>
+        </p:txBody>
+      </p:sp>
+      <p:sp>
+        <p:nvSpPr>
+          <p:cNvPr id="10" name="Rechteck 9"/>
+          <p:cNvSpPr/>
+          <p:nvPr/>
+        </p:nvSpPr>
+        <p:spPr>
+          <a:xfrm>
+            <a:off x="1998370" y="4892956"/>
+            <a:ext cx="2163651" cy="463640"/>
+          </a:xfrm>
+          <a:prstGeom prst="rect">
+            <a:avLst/>
+          </a:prstGeom>
+        </p:spPr>
+        <p:style>
+          <a:lnRef idx="2">
+            <a:schemeClr val="accent1">
+              <a:shade val="50000"/>
+            </a:schemeClr>
+          </a:lnRef>
+          <a:fillRef idx="1">
+            <a:schemeClr val="accent1"/>
+          </a:fillRef>
+          <a:effectRef idx="0">
+            <a:schemeClr val="accent1"/>
+          </a:effectRef>
+          <a:fontRef idx="minor">
+            <a:schemeClr val="lt1"/>
+          </a:fontRef>
+        </p:style>
+        <p:txBody>
+          <a:bodyPr rtlCol="0" anchor="ctr"/>
+          <a:lstStyle/>
+          <a:p>
+            <a:pPr algn="ctr"/>
+            <a:r>
+              <a:rPr lang="de-DE" dirty="0" smtClean="0"/>
+              <a:t>Diätpille</a:t>
+            </a:r>
+            <a:endParaRPr lang="de-DE" dirty="0"/>
+          </a:p>
+        </p:txBody>
+      </p:sp>
+      <p:cxnSp>
+        <p:nvCxnSpPr>
+          <p:cNvPr id="12" name="Gerader Verbinder 11"/>
+          <p:cNvCxnSpPr>
+            <a:stCxn id="5" idx="2"/>
+          </p:cNvCxnSpPr>
+          <p:nvPr/>
+        </p:nvCxnSpPr>
+        <p:spPr>
+          <a:xfrm>
+            <a:off x="1429555" y="2038610"/>
+            <a:ext cx="0" cy="4414008"/>
+          </a:xfrm>
+          <a:prstGeom prst="line">
+            <a:avLst/>
+          </a:prstGeom>
+        </p:spPr>
+        <p:style>
+          <a:lnRef idx="1">
+            <a:schemeClr val="accent1"/>
+          </a:lnRef>
+          <a:fillRef idx="0">
+            <a:schemeClr val="accent1"/>
+          </a:fillRef>
+          <a:effectRef idx="0">
+            <a:schemeClr val="accent1"/>
+          </a:effectRef>
+          <a:fontRef idx="minor">
+            <a:schemeClr val="tx1"/>
+          </a:fontRef>
+        </p:style>
+      </p:cxnSp>
+      <p:cxnSp>
+        <p:nvCxnSpPr>
+          <p:cNvPr id="14" name="Gerader Verbinder 13"/>
+          <p:cNvCxnSpPr>
+            <a:stCxn id="6" idx="1"/>
+          </p:cNvCxnSpPr>
+          <p:nvPr/>
+        </p:nvCxnSpPr>
+        <p:spPr>
+          <a:xfrm flipH="1">
+            <a:off x="1429555" y="2460790"/>
+            <a:ext cx="568817" cy="0"/>
+          </a:xfrm>
+          <a:prstGeom prst="line">
+            <a:avLst/>
+          </a:prstGeom>
+        </p:spPr>
+        <p:style>
+          <a:lnRef idx="1">
+            <a:schemeClr val="accent1"/>
+          </a:lnRef>
+          <a:fillRef idx="0">
+            <a:schemeClr val="accent1"/>
+          </a:fillRef>
+          <a:effectRef idx="0">
+            <a:schemeClr val="accent1"/>
+          </a:effectRef>
+          <a:fontRef idx="minor">
+            <a:schemeClr val="tx1"/>
+          </a:fontRef>
+        </p:style>
+      </p:cxnSp>
+      <p:sp>
+        <p:nvSpPr>
+          <p:cNvPr id="15" name="Rechteck 14"/>
+          <p:cNvSpPr/>
+          <p:nvPr/>
+        </p:nvSpPr>
+        <p:spPr>
+          <a:xfrm>
+            <a:off x="1998372" y="2892893"/>
+            <a:ext cx="2163651" cy="463640"/>
+          </a:xfrm>
+          <a:prstGeom prst="rect">
+            <a:avLst/>
+          </a:prstGeom>
+          <a:solidFill>
+            <a:srgbClr val="FFC000"/>
+          </a:solidFill>
+          <a:ln>
+            <a:solidFill>
+              <a:schemeClr val="accent2"/>
+            </a:solidFill>
+          </a:ln>
+        </p:spPr>
+        <p:style>
+          <a:lnRef idx="2">
+            <a:schemeClr val="accent1">
+              <a:shade val="50000"/>
+            </a:schemeClr>
+          </a:lnRef>
+          <a:fillRef idx="1">
+            <a:schemeClr val="accent1"/>
+          </a:fillRef>
+          <a:effectRef idx="0">
+            <a:schemeClr val="accent1"/>
+          </a:effectRef>
+          <a:fontRef idx="minor">
+            <a:schemeClr val="lt1"/>
+          </a:fontRef>
+        </p:style>
+        <p:txBody>
+          <a:bodyPr rtlCol="0" anchor="ctr"/>
+          <a:lstStyle/>
+          <a:p>
+            <a:pPr algn="ctr"/>
+            <a:r>
+              <a:rPr lang="de-DE" dirty="0" smtClean="0">
+                <a:solidFill>
+                  <a:schemeClr val="tx1"/>
+                </a:solidFill>
+              </a:rPr>
+              <a:t>Spielfeld</a:t>
+            </a:r>
+            <a:endParaRPr lang="de-DE" dirty="0">
+              <a:solidFill>
+                <a:schemeClr val="tx1"/>
+              </a:solidFill>
+            </a:endParaRPr>
+          </a:p>
+        </p:txBody>
+      </p:sp>
+      <p:sp>
+        <p:nvSpPr>
+          <p:cNvPr id="16" name="Rechteck 15"/>
+          <p:cNvSpPr/>
+          <p:nvPr/>
+        </p:nvSpPr>
+        <p:spPr>
+          <a:xfrm>
+            <a:off x="1998369" y="6220800"/>
+            <a:ext cx="2163651" cy="463640"/>
+          </a:xfrm>
+          <a:prstGeom prst="rect">
+            <a:avLst/>
+          </a:prstGeom>
+        </p:spPr>
+        <p:style>
+          <a:lnRef idx="2">
+            <a:schemeClr val="accent1">
+              <a:shade val="50000"/>
+            </a:schemeClr>
+          </a:lnRef>
+          <a:fillRef idx="1">
+            <a:schemeClr val="accent1"/>
+          </a:fillRef>
+          <a:effectRef idx="0">
+            <a:schemeClr val="accent1"/>
+          </a:effectRef>
+          <a:fontRef idx="minor">
+            <a:schemeClr val="lt1"/>
+          </a:fontRef>
+        </p:style>
+        <p:txBody>
+          <a:bodyPr rtlCol="0" anchor="ctr"/>
+          <a:lstStyle/>
+          <a:p>
+            <a:pPr algn="ctr"/>
+            <a:r>
+              <a:rPr lang="de-DE" dirty="0" smtClean="0"/>
+              <a:t>Sonstige Objekte</a:t>
+            </a:r>
+            <a:endParaRPr lang="de-DE" dirty="0"/>
+          </a:p>
+        </p:txBody>
+      </p:sp>
+      <p:cxnSp>
+        <p:nvCxnSpPr>
+          <p:cNvPr id="18" name="Gerader Verbinder 17"/>
+          <p:cNvCxnSpPr>
+            <a:stCxn id="15" idx="1"/>
+          </p:cNvCxnSpPr>
+          <p:nvPr/>
+        </p:nvCxnSpPr>
+        <p:spPr>
+          <a:xfrm flipH="1">
+            <a:off x="1429555" y="3124713"/>
+            <a:ext cx="568817" cy="0"/>
+          </a:xfrm>
+          <a:prstGeom prst="line">
+            <a:avLst/>
+          </a:prstGeom>
+        </p:spPr>
+        <p:style>
+          <a:lnRef idx="1">
+            <a:schemeClr val="accent1"/>
+          </a:lnRef>
+          <a:fillRef idx="0">
+            <a:schemeClr val="accent1"/>
+          </a:fillRef>
+          <a:effectRef idx="0">
+            <a:schemeClr val="accent1"/>
+          </a:effectRef>
+          <a:fontRef idx="minor">
+            <a:schemeClr val="tx1"/>
+          </a:fontRef>
+        </p:style>
+      </p:cxnSp>
+      <p:cxnSp>
+        <p:nvCxnSpPr>
+          <p:cNvPr id="20" name="Gerader Verbinder 19"/>
+          <p:cNvCxnSpPr>
+            <a:stCxn id="7" idx="1"/>
+          </p:cNvCxnSpPr>
+          <p:nvPr/>
+        </p:nvCxnSpPr>
+        <p:spPr>
+          <a:xfrm flipH="1" flipV="1">
+            <a:off x="1429555" y="3796930"/>
+            <a:ext cx="568816" cy="2"/>
+          </a:xfrm>
+          <a:prstGeom prst="line">
+            <a:avLst/>
+          </a:prstGeom>
+        </p:spPr>
+        <p:style>
+          <a:lnRef idx="1">
+            <a:schemeClr val="accent1"/>
+          </a:lnRef>
+          <a:fillRef idx="0">
+            <a:schemeClr val="accent1"/>
+          </a:fillRef>
+          <a:effectRef idx="0">
+            <a:schemeClr val="accent1"/>
+          </a:effectRef>
+          <a:fontRef idx="minor">
+            <a:schemeClr val="tx1"/>
+          </a:fontRef>
+        </p:style>
+      </p:cxnSp>
+      <p:cxnSp>
+        <p:nvCxnSpPr>
+          <p:cNvPr id="24" name="Gerader Verbinder 23"/>
+          <p:cNvCxnSpPr>
+            <a:stCxn id="8" idx="1"/>
+          </p:cNvCxnSpPr>
+          <p:nvPr/>
+        </p:nvCxnSpPr>
+        <p:spPr>
+          <a:xfrm flipH="1">
+            <a:off x="1429555" y="4460854"/>
+            <a:ext cx="568816" cy="0"/>
+          </a:xfrm>
+          <a:prstGeom prst="line">
+            <a:avLst/>
+          </a:prstGeom>
+        </p:spPr>
+        <p:style>
+          <a:lnRef idx="1">
+            <a:schemeClr val="accent1"/>
+          </a:lnRef>
+          <a:fillRef idx="0">
+            <a:schemeClr val="accent1"/>
+          </a:fillRef>
+          <a:effectRef idx="0">
+            <a:schemeClr val="accent1"/>
+          </a:effectRef>
+          <a:fontRef idx="minor">
+            <a:schemeClr val="tx1"/>
+          </a:fontRef>
+        </p:style>
+      </p:cxnSp>
+      <p:cxnSp>
+        <p:nvCxnSpPr>
+          <p:cNvPr id="26" name="Gerader Verbinder 25"/>
+          <p:cNvCxnSpPr>
+            <a:stCxn id="10" idx="1"/>
+          </p:cNvCxnSpPr>
+          <p:nvPr/>
+        </p:nvCxnSpPr>
+        <p:spPr>
+          <a:xfrm flipH="1" flipV="1">
+            <a:off x="1429555" y="5124775"/>
+            <a:ext cx="568815" cy="1"/>
+          </a:xfrm>
+          <a:prstGeom prst="line">
+            <a:avLst/>
+          </a:prstGeom>
+        </p:spPr>
+        <p:style>
+          <a:lnRef idx="1">
+            <a:schemeClr val="accent1"/>
+          </a:lnRef>
+          <a:fillRef idx="0">
+            <a:schemeClr val="accent1"/>
+          </a:fillRef>
+          <a:effectRef idx="0">
+            <a:schemeClr val="accent1"/>
+          </a:effectRef>
+          <a:fontRef idx="minor">
+            <a:schemeClr val="tx1"/>
+          </a:fontRef>
+        </p:style>
+      </p:cxnSp>
+      <p:cxnSp>
+        <p:nvCxnSpPr>
+          <p:cNvPr id="28" name="Gerader Verbinder 27"/>
+          <p:cNvCxnSpPr>
+            <a:stCxn id="9" idx="1"/>
+          </p:cNvCxnSpPr>
+          <p:nvPr/>
+        </p:nvCxnSpPr>
+        <p:spPr>
+          <a:xfrm flipH="1" flipV="1">
+            <a:off x="1429555" y="5788696"/>
+            <a:ext cx="568815" cy="2"/>
+          </a:xfrm>
+          <a:prstGeom prst="line">
+            <a:avLst/>
+          </a:prstGeom>
+        </p:spPr>
+        <p:style>
+          <a:lnRef idx="1">
+            <a:schemeClr val="accent1"/>
+          </a:lnRef>
+          <a:fillRef idx="0">
+            <a:schemeClr val="accent1"/>
+          </a:fillRef>
+          <a:effectRef idx="0">
+            <a:schemeClr val="accent1"/>
+          </a:effectRef>
+          <a:fontRef idx="minor">
+            <a:schemeClr val="tx1"/>
+          </a:fontRef>
+        </p:style>
+      </p:cxnSp>
+      <p:cxnSp>
+        <p:nvCxnSpPr>
+          <p:cNvPr id="30" name="Gerader Verbinder 29"/>
+          <p:cNvCxnSpPr>
+            <a:stCxn id="16" idx="1"/>
+          </p:cNvCxnSpPr>
+          <p:nvPr/>
+        </p:nvCxnSpPr>
+        <p:spPr>
+          <a:xfrm flipH="1" flipV="1">
+            <a:off x="1429555" y="6452618"/>
+            <a:ext cx="568814" cy="2"/>
+          </a:xfrm>
+          <a:prstGeom prst="line">
+            <a:avLst/>
+          </a:prstGeom>
+        </p:spPr>
+        <p:style>
+          <a:lnRef idx="1">
+            <a:schemeClr val="accent1"/>
+          </a:lnRef>
+          <a:fillRef idx="0">
+            <a:schemeClr val="accent1"/>
+          </a:fillRef>
+          <a:effectRef idx="0">
+            <a:schemeClr val="accent1"/>
+          </a:effectRef>
+          <a:fontRef idx="minor">
+            <a:schemeClr val="tx1"/>
+          </a:fontRef>
+        </p:style>
+      </p:cxnSp>
       <p:sp>
         <p:nvSpPr>
           <p:cNvPr id="3" name="Textfeld 2"/>
@@ -7642,40 +7636,7 @@
                   </a:schemeClr>
                 </a:solidFill>
               </a:rPr>
-              <a:t>Schlange geht nach oben und kommt von unten w</a:t>
-            </a:r>
-            <a:r>
-              <a:rPr lang="de-DE" sz="1050" i="1" dirty="0" smtClean="0">
-                <a:solidFill>
-                  <a:schemeClr val="tx1">
-                    <a:lumMod val="50000"/>
-                    <a:lumOff val="50000"/>
-                  </a:schemeClr>
-                </a:solidFill>
-              </a:rPr>
-              <a:t>ieder raus </a:t>
-            </a:r>
-            <a:r>
-              <a:rPr lang="de-DE" sz="1050" i="1" dirty="0" smtClean="0">
-                <a:solidFill>
-                  <a:schemeClr val="tx1">
-                    <a:lumMod val="50000"/>
-                    <a:lumOff val="50000"/>
-                  </a:schemeClr>
-                </a:solidFill>
-              </a:rPr>
-              <a:t> (Stand</a:t>
-            </a:r>
-            <a:r>
-              <a:rPr lang="de-DE" sz="1050" i="1" dirty="0" smtClean="0">
-                <a:solidFill>
-                  <a:schemeClr val="tx1">
-                    <a:lumMod val="50000"/>
-                    <a:lumOff val="50000"/>
-                  </a:schemeClr>
-                </a:solidFill>
-              </a:rPr>
-              <a:t>: 29.09.2015)</a:t>
+              <a:t>Schlange geht nach oben und kommt von unten wieder raus  (Stand: 29.09.2015)</a:t>
             </a:r>
             <a:endParaRPr lang="de-DE" sz="1050" i="1" dirty="0">
               <a:solidFill>
@@ -9602,663 +9563,6 @@
           </a:p>
         </p:txBody>
       </p:sp>
-      <p:sp>
-        <p:nvSpPr>
-          <p:cNvPr id="4" name="Foliennummernplatzhalter 3"/>
-          <p:cNvSpPr>
-            <a:spLocks noGrp="1"/>
-          </p:cNvSpPr>
-          <p:nvPr>
-            <p:ph type="sldNum" sz="quarter" idx="12"/>
-          </p:nvPr>
-        </p:nvSpPr>
-        <p:spPr/>
-        <p:txBody>
-          <a:bodyPr/>
-          <a:lstStyle/>
-          <a:p>
-            <a:fld id="{AFC15D4E-52BD-4359-8CF4-4D643ACA6A81}" type="slidenum">
-              <a:rPr lang="de-DE" smtClean="0"/>
-              <a:t>17</a:t>
-            </a:fld>
-            <a:endParaRPr lang="de-DE"/>
-          </a:p>
-        </p:txBody>
-      </p:sp>
-      <p:sp>
-        <p:nvSpPr>
-          <p:cNvPr id="5" name="Rechteck 4"/>
-          <p:cNvSpPr/>
-          <p:nvPr/>
-        </p:nvSpPr>
-        <p:spPr>
-          <a:xfrm>
-            <a:off x="115910" y="1403989"/>
-            <a:ext cx="2627290" cy="634621"/>
-          </a:xfrm>
-          <a:prstGeom prst="rect">
-            <a:avLst/>
-          </a:prstGeom>
-          <a:solidFill>
-            <a:schemeClr val="tx2"/>
-          </a:solidFill>
-          <a:ln>
-            <a:solidFill>
-              <a:schemeClr val="tx2">
-                <a:lumMod val="50000"/>
-              </a:schemeClr>
-            </a:solidFill>
-          </a:ln>
-        </p:spPr>
-        <p:style>
-          <a:lnRef idx="2">
-            <a:schemeClr val="accent1">
-              <a:shade val="50000"/>
-            </a:schemeClr>
-          </a:lnRef>
-          <a:fillRef idx="1">
-            <a:schemeClr val="accent1"/>
-          </a:fillRef>
-          <a:effectRef idx="0">
-            <a:schemeClr val="accent1"/>
-          </a:effectRef>
-          <a:fontRef idx="minor">
-            <a:schemeClr val="lt1"/>
-          </a:fontRef>
-        </p:style>
-        <p:txBody>
-          <a:bodyPr rtlCol="0" anchor="ctr"/>
-          <a:lstStyle/>
-          <a:p>
-            <a:pPr algn="ctr"/>
-            <a:r>
-              <a:rPr lang="de-DE" dirty="0" smtClean="0"/>
-              <a:t>Objekte im Spiel</a:t>
-            </a:r>
-            <a:endParaRPr lang="de-DE" dirty="0"/>
-          </a:p>
-        </p:txBody>
-      </p:sp>
-      <p:sp>
-        <p:nvSpPr>
-          <p:cNvPr id="6" name="Rechteck 5"/>
-          <p:cNvSpPr/>
-          <p:nvPr/>
-        </p:nvSpPr>
-        <p:spPr>
-          <a:xfrm>
-            <a:off x="1998372" y="2228970"/>
-            <a:ext cx="2163651" cy="463640"/>
-          </a:xfrm>
-          <a:prstGeom prst="rect">
-            <a:avLst/>
-          </a:prstGeom>
-        </p:spPr>
-        <p:style>
-          <a:lnRef idx="2">
-            <a:schemeClr val="accent1">
-              <a:shade val="50000"/>
-            </a:schemeClr>
-          </a:lnRef>
-          <a:fillRef idx="1">
-            <a:schemeClr val="accent1"/>
-          </a:fillRef>
-          <a:effectRef idx="0">
-            <a:schemeClr val="accent1"/>
-          </a:effectRef>
-          <a:fontRef idx="minor">
-            <a:schemeClr val="lt1"/>
-          </a:fontRef>
-        </p:style>
-        <p:txBody>
-          <a:bodyPr rtlCol="0" anchor="ctr"/>
-          <a:lstStyle/>
-          <a:p>
-            <a:pPr algn="ctr"/>
-            <a:r>
-              <a:rPr lang="de-DE" dirty="0" smtClean="0"/>
-              <a:t>Schlange</a:t>
-            </a:r>
-            <a:endParaRPr lang="de-DE" dirty="0"/>
-          </a:p>
-        </p:txBody>
-      </p:sp>
-      <p:sp>
-        <p:nvSpPr>
-          <p:cNvPr id="7" name="Rechteck 6"/>
-          <p:cNvSpPr/>
-          <p:nvPr/>
-        </p:nvSpPr>
-        <p:spPr>
-          <a:xfrm>
-            <a:off x="1998371" y="3565112"/>
-            <a:ext cx="2163651" cy="463640"/>
-          </a:xfrm>
-          <a:prstGeom prst="rect">
-            <a:avLst/>
-          </a:prstGeom>
-        </p:spPr>
-        <p:style>
-          <a:lnRef idx="2">
-            <a:schemeClr val="accent1">
-              <a:shade val="50000"/>
-            </a:schemeClr>
-          </a:lnRef>
-          <a:fillRef idx="1">
-            <a:schemeClr val="accent1"/>
-          </a:fillRef>
-          <a:effectRef idx="0">
-            <a:schemeClr val="accent1"/>
-          </a:effectRef>
-          <a:fontRef idx="minor">
-            <a:schemeClr val="lt1"/>
-          </a:fontRef>
-        </p:style>
-        <p:txBody>
-          <a:bodyPr rtlCol="0" anchor="ctr"/>
-          <a:lstStyle/>
-          <a:p>
-            <a:pPr algn="ctr"/>
-            <a:r>
-              <a:rPr lang="de-DE" dirty="0" smtClean="0"/>
-              <a:t>Speerfalle</a:t>
-            </a:r>
-            <a:endParaRPr lang="de-DE" dirty="0"/>
-          </a:p>
-        </p:txBody>
-      </p:sp>
-      <p:sp>
-        <p:nvSpPr>
-          <p:cNvPr id="8" name="Rechteck 7"/>
-          <p:cNvSpPr/>
-          <p:nvPr/>
-        </p:nvSpPr>
-        <p:spPr>
-          <a:xfrm>
-            <a:off x="1998371" y="4229034"/>
-            <a:ext cx="2163651" cy="463640"/>
-          </a:xfrm>
-          <a:prstGeom prst="rect">
-            <a:avLst/>
-          </a:prstGeom>
-          <a:solidFill>
-            <a:srgbClr val="FFC000"/>
-          </a:solidFill>
-          <a:ln>
-            <a:solidFill>
-              <a:schemeClr val="accent2"/>
-            </a:solidFill>
-          </a:ln>
-        </p:spPr>
-        <p:style>
-          <a:lnRef idx="2">
-            <a:schemeClr val="accent1">
-              <a:shade val="50000"/>
-            </a:schemeClr>
-          </a:lnRef>
-          <a:fillRef idx="1">
-            <a:schemeClr val="accent1"/>
-          </a:fillRef>
-          <a:effectRef idx="0">
-            <a:schemeClr val="accent1"/>
-          </a:effectRef>
-          <a:fontRef idx="minor">
-            <a:schemeClr val="lt1"/>
-          </a:fontRef>
-        </p:style>
-        <p:txBody>
-          <a:bodyPr rtlCol="0" anchor="ctr"/>
-          <a:lstStyle/>
-          <a:p>
-            <a:pPr algn="ctr"/>
-            <a:r>
-              <a:rPr lang="de-DE" dirty="0" smtClean="0">
-                <a:solidFill>
-                  <a:schemeClr val="tx1"/>
-                </a:solidFill>
-              </a:rPr>
-              <a:t>Fallende Steine</a:t>
-            </a:r>
-            <a:endParaRPr lang="de-DE" dirty="0">
-              <a:solidFill>
-                <a:schemeClr val="tx1"/>
-              </a:solidFill>
-            </a:endParaRPr>
-          </a:p>
-        </p:txBody>
-      </p:sp>
-      <p:sp>
-        <p:nvSpPr>
-          <p:cNvPr id="9" name="Rechteck 8"/>
-          <p:cNvSpPr/>
-          <p:nvPr/>
-        </p:nvSpPr>
-        <p:spPr>
-          <a:xfrm>
-            <a:off x="1998370" y="5556878"/>
-            <a:ext cx="2163651" cy="463640"/>
-          </a:xfrm>
-          <a:prstGeom prst="rect">
-            <a:avLst/>
-          </a:prstGeom>
-        </p:spPr>
-        <p:style>
-          <a:lnRef idx="2">
-            <a:schemeClr val="accent1">
-              <a:shade val="50000"/>
-            </a:schemeClr>
-          </a:lnRef>
-          <a:fillRef idx="1">
-            <a:schemeClr val="accent1"/>
-          </a:fillRef>
-          <a:effectRef idx="0">
-            <a:schemeClr val="accent1"/>
-          </a:effectRef>
-          <a:fontRef idx="minor">
-            <a:schemeClr val="lt1"/>
-          </a:fontRef>
-        </p:style>
-        <p:txBody>
-          <a:bodyPr rtlCol="0" anchor="ctr"/>
-          <a:lstStyle/>
-          <a:p>
-            <a:pPr algn="ctr"/>
-            <a:r>
-              <a:rPr lang="de-DE" dirty="0" smtClean="0"/>
-              <a:t>Futter</a:t>
-            </a:r>
-            <a:endParaRPr lang="de-DE" dirty="0"/>
-          </a:p>
-        </p:txBody>
-      </p:sp>
-      <p:sp>
-        <p:nvSpPr>
-          <p:cNvPr id="10" name="Rechteck 9"/>
-          <p:cNvSpPr/>
-          <p:nvPr/>
-        </p:nvSpPr>
-        <p:spPr>
-          <a:xfrm>
-            <a:off x="1998370" y="4892956"/>
-            <a:ext cx="2163651" cy="463640"/>
-          </a:xfrm>
-          <a:prstGeom prst="rect">
-            <a:avLst/>
-          </a:prstGeom>
-        </p:spPr>
-        <p:style>
-          <a:lnRef idx="2">
-            <a:schemeClr val="accent1">
-              <a:shade val="50000"/>
-            </a:schemeClr>
-          </a:lnRef>
-          <a:fillRef idx="1">
-            <a:schemeClr val="accent1"/>
-          </a:fillRef>
-          <a:effectRef idx="0">
-            <a:schemeClr val="accent1"/>
-          </a:effectRef>
-          <a:fontRef idx="minor">
-            <a:schemeClr val="lt1"/>
-          </a:fontRef>
-        </p:style>
-        <p:txBody>
-          <a:bodyPr rtlCol="0" anchor="ctr"/>
-          <a:lstStyle/>
-          <a:p>
-            <a:pPr algn="ctr"/>
-            <a:r>
-              <a:rPr lang="de-DE" dirty="0" smtClean="0"/>
-              <a:t>Diätpille</a:t>
-            </a:r>
-            <a:endParaRPr lang="de-DE" dirty="0"/>
-          </a:p>
-        </p:txBody>
-      </p:sp>
-      <p:cxnSp>
-        <p:nvCxnSpPr>
-          <p:cNvPr id="12" name="Gerader Verbinder 11"/>
-          <p:cNvCxnSpPr>
-            <a:stCxn id="5" idx="2"/>
-          </p:cNvCxnSpPr>
-          <p:nvPr/>
-        </p:nvCxnSpPr>
-        <p:spPr>
-          <a:xfrm>
-            <a:off x="1429555" y="2038610"/>
-            <a:ext cx="0" cy="4414008"/>
-          </a:xfrm>
-          <a:prstGeom prst="line">
-            <a:avLst/>
-          </a:prstGeom>
-        </p:spPr>
-        <p:style>
-          <a:lnRef idx="1">
-            <a:schemeClr val="accent1"/>
-          </a:lnRef>
-          <a:fillRef idx="0">
-            <a:schemeClr val="accent1"/>
-          </a:fillRef>
-          <a:effectRef idx="0">
-            <a:schemeClr val="accent1"/>
-          </a:effectRef>
-          <a:fontRef idx="minor">
-            <a:schemeClr val="tx1"/>
-          </a:fontRef>
-        </p:style>
-      </p:cxnSp>
-      <p:cxnSp>
-        <p:nvCxnSpPr>
-          <p:cNvPr id="14" name="Gerader Verbinder 13"/>
-          <p:cNvCxnSpPr>
-            <a:stCxn id="6" idx="1"/>
-          </p:cNvCxnSpPr>
-          <p:nvPr/>
-        </p:nvCxnSpPr>
-        <p:spPr>
-          <a:xfrm flipH="1">
-            <a:off x="1429555" y="2460790"/>
-            <a:ext cx="568817" cy="0"/>
-          </a:xfrm>
-          <a:prstGeom prst="line">
-            <a:avLst/>
-          </a:prstGeom>
-        </p:spPr>
-        <p:style>
-          <a:lnRef idx="1">
-            <a:schemeClr val="accent1"/>
-          </a:lnRef>
-          <a:fillRef idx="0">
-            <a:schemeClr val="accent1"/>
-          </a:fillRef>
-          <a:effectRef idx="0">
-            <a:schemeClr val="accent1"/>
-          </a:effectRef>
-          <a:fontRef idx="minor">
-            <a:schemeClr val="tx1"/>
-          </a:fontRef>
-        </p:style>
-      </p:cxnSp>
-      <p:sp>
-        <p:nvSpPr>
-          <p:cNvPr id="15" name="Rechteck 14"/>
-          <p:cNvSpPr/>
-          <p:nvPr/>
-        </p:nvSpPr>
-        <p:spPr>
-          <a:xfrm>
-            <a:off x="1998372" y="2892893"/>
-            <a:ext cx="2163651" cy="463640"/>
-          </a:xfrm>
-          <a:prstGeom prst="rect">
-            <a:avLst/>
-          </a:prstGeom>
-        </p:spPr>
-        <p:style>
-          <a:lnRef idx="2">
-            <a:schemeClr val="accent1">
-              <a:shade val="50000"/>
-            </a:schemeClr>
-          </a:lnRef>
-          <a:fillRef idx="1">
-            <a:schemeClr val="accent1"/>
-          </a:fillRef>
-          <a:effectRef idx="0">
-            <a:schemeClr val="accent1"/>
-          </a:effectRef>
-          <a:fontRef idx="minor">
-            <a:schemeClr val="lt1"/>
-          </a:fontRef>
-        </p:style>
-        <p:txBody>
-          <a:bodyPr rtlCol="0" anchor="ctr"/>
-          <a:lstStyle/>
-          <a:p>
-            <a:pPr algn="ctr"/>
-            <a:r>
-              <a:rPr lang="de-DE" dirty="0" smtClean="0"/>
-              <a:t>Spielfeld</a:t>
-            </a:r>
-            <a:endParaRPr lang="de-DE" dirty="0"/>
-          </a:p>
-        </p:txBody>
-      </p:sp>
-      <p:sp>
-        <p:nvSpPr>
-          <p:cNvPr id="16" name="Rechteck 15"/>
-          <p:cNvSpPr/>
-          <p:nvPr/>
-        </p:nvSpPr>
-        <p:spPr>
-          <a:xfrm>
-            <a:off x="1998369" y="6220800"/>
-            <a:ext cx="2163651" cy="463640"/>
-          </a:xfrm>
-          <a:prstGeom prst="rect">
-            <a:avLst/>
-          </a:prstGeom>
-        </p:spPr>
-        <p:style>
-          <a:lnRef idx="2">
-            <a:schemeClr val="accent1">
-              <a:shade val="50000"/>
-            </a:schemeClr>
-          </a:lnRef>
-          <a:fillRef idx="1">
-            <a:schemeClr val="accent1"/>
-          </a:fillRef>
-          <a:effectRef idx="0">
-            <a:schemeClr val="accent1"/>
-          </a:effectRef>
-          <a:fontRef idx="minor">
-            <a:schemeClr val="lt1"/>
-          </a:fontRef>
-        </p:style>
-        <p:txBody>
-          <a:bodyPr rtlCol="0" anchor="ctr"/>
-          <a:lstStyle/>
-          <a:p>
-            <a:pPr algn="ctr"/>
-            <a:r>
-              <a:rPr lang="de-DE" dirty="0" smtClean="0"/>
-              <a:t>Sonstige Objekte</a:t>
-            </a:r>
-            <a:endParaRPr lang="de-DE" dirty="0"/>
-          </a:p>
-        </p:txBody>
-      </p:sp>
-      <p:cxnSp>
-        <p:nvCxnSpPr>
-          <p:cNvPr id="18" name="Gerader Verbinder 17"/>
-          <p:cNvCxnSpPr>
-            <a:stCxn id="15" idx="1"/>
-          </p:cNvCxnSpPr>
-          <p:nvPr/>
-        </p:nvCxnSpPr>
-        <p:spPr>
-          <a:xfrm flipH="1">
-            <a:off x="1429555" y="3124713"/>
-            <a:ext cx="568817" cy="0"/>
-          </a:xfrm>
-          <a:prstGeom prst="line">
-            <a:avLst/>
-          </a:prstGeom>
-        </p:spPr>
-        <p:style>
-          <a:lnRef idx="1">
-            <a:schemeClr val="accent1"/>
-          </a:lnRef>
-          <a:fillRef idx="0">
-            <a:schemeClr val="accent1"/>
-          </a:fillRef>
-          <a:effectRef idx="0">
-            <a:schemeClr val="accent1"/>
-          </a:effectRef>
-          <a:fontRef idx="minor">
-            <a:schemeClr val="tx1"/>
-          </a:fontRef>
-        </p:style>
-      </p:cxnSp>
-      <p:cxnSp>
-        <p:nvCxnSpPr>
-          <p:cNvPr id="20" name="Gerader Verbinder 19"/>
-          <p:cNvCxnSpPr>
-            <a:stCxn id="7" idx="1"/>
-          </p:cNvCxnSpPr>
-          <p:nvPr/>
-        </p:nvCxnSpPr>
-        <p:spPr>
-          <a:xfrm flipH="1" flipV="1">
-            <a:off x="1429555" y="3796930"/>
-            <a:ext cx="568816" cy="2"/>
-          </a:xfrm>
-          <a:prstGeom prst="line">
-            <a:avLst/>
-          </a:prstGeom>
-        </p:spPr>
-        <p:style>
-          <a:lnRef idx="1">
-            <a:schemeClr val="accent1"/>
-          </a:lnRef>
-          <a:fillRef idx="0">
-            <a:schemeClr val="accent1"/>
-          </a:fillRef>
-          <a:effectRef idx="0">
-            <a:schemeClr val="accent1"/>
-          </a:effectRef>
-          <a:fontRef idx="minor">
-            <a:schemeClr val="tx1"/>
-          </a:fontRef>
-        </p:style>
-      </p:cxnSp>
-      <p:cxnSp>
-        <p:nvCxnSpPr>
-          <p:cNvPr id="24" name="Gerader Verbinder 23"/>
-          <p:cNvCxnSpPr>
-            <a:stCxn id="8" idx="1"/>
-          </p:cNvCxnSpPr>
-          <p:nvPr/>
-        </p:nvCxnSpPr>
-        <p:spPr>
-          <a:xfrm flipH="1">
-            <a:off x="1429555" y="4460854"/>
-            <a:ext cx="568816" cy="0"/>
-          </a:xfrm>
-          <a:prstGeom prst="line">
-            <a:avLst/>
-          </a:prstGeom>
-        </p:spPr>
-        <p:style>
-          <a:lnRef idx="1">
-            <a:schemeClr val="accent1"/>
-          </a:lnRef>
-          <a:fillRef idx="0">
-            <a:schemeClr val="accent1"/>
-          </a:fillRef>
-          <a:effectRef idx="0">
-            <a:schemeClr val="accent1"/>
-          </a:effectRef>
-          <a:fontRef idx="minor">
-            <a:schemeClr val="tx1"/>
-          </a:fontRef>
-        </p:style>
-      </p:cxnSp>
-      <p:cxnSp>
-        <p:nvCxnSpPr>
-          <p:cNvPr id="26" name="Gerader Verbinder 25"/>
-          <p:cNvCxnSpPr>
-            <a:stCxn id="10" idx="1"/>
-          </p:cNvCxnSpPr>
-          <p:nvPr/>
-        </p:nvCxnSpPr>
-        <p:spPr>
-          <a:xfrm flipH="1" flipV="1">
-            <a:off x="1429555" y="5124775"/>
-            <a:ext cx="568815" cy="1"/>
-          </a:xfrm>
-          <a:prstGeom prst="line">
-            <a:avLst/>
-          </a:prstGeom>
-        </p:spPr>
-        <p:style>
-          <a:lnRef idx="1">
-            <a:schemeClr val="accent1"/>
-          </a:lnRef>
-          <a:fillRef idx="0">
-            <a:schemeClr val="accent1"/>
-          </a:fillRef>
-          <a:effectRef idx="0">
-            <a:schemeClr val="accent1"/>
-          </a:effectRef>
-          <a:fontRef idx="minor">
-            <a:schemeClr val="tx1"/>
-          </a:fontRef>
-        </p:style>
-      </p:cxnSp>
-      <p:cxnSp>
-        <p:nvCxnSpPr>
-          <p:cNvPr id="28" name="Gerader Verbinder 27"/>
-          <p:cNvCxnSpPr>
-            <a:stCxn id="9" idx="1"/>
-          </p:cNvCxnSpPr>
-          <p:nvPr/>
-        </p:nvCxnSpPr>
-        <p:spPr>
-          <a:xfrm flipH="1" flipV="1">
-            <a:off x="1429555" y="5788696"/>
-            <a:ext cx="568815" cy="2"/>
-          </a:xfrm>
-          <a:prstGeom prst="line">
-            <a:avLst/>
-          </a:prstGeom>
-        </p:spPr>
-        <p:style>
-          <a:lnRef idx="1">
-            <a:schemeClr val="accent1"/>
-          </a:lnRef>
-          <a:fillRef idx="0">
-            <a:schemeClr val="accent1"/>
-          </a:fillRef>
-          <a:effectRef idx="0">
-            <a:schemeClr val="accent1"/>
-          </a:effectRef>
-          <a:fontRef idx="minor">
-            <a:schemeClr val="tx1"/>
-          </a:fontRef>
-        </p:style>
-      </p:cxnSp>
-      <p:cxnSp>
-        <p:nvCxnSpPr>
-          <p:cNvPr id="30" name="Gerader Verbinder 29"/>
-          <p:cNvCxnSpPr>
-            <a:stCxn id="16" idx="1"/>
-          </p:cNvCxnSpPr>
-          <p:nvPr/>
-        </p:nvCxnSpPr>
-        <p:spPr>
-          <a:xfrm flipH="1" flipV="1">
-            <a:off x="1429555" y="6452618"/>
-            <a:ext cx="568814" cy="2"/>
-          </a:xfrm>
-          <a:prstGeom prst="line">
-            <a:avLst/>
-          </a:prstGeom>
-        </p:spPr>
-        <p:style>
-          <a:lnRef idx="1">
-            <a:schemeClr val="accent1"/>
-          </a:lnRef>
-          <a:fillRef idx="0">
-            <a:schemeClr val="accent1"/>
-          </a:fillRef>
-          <a:effectRef idx="0">
-            <a:schemeClr val="accent1"/>
-          </a:effectRef>
-          <a:fontRef idx="minor">
-            <a:schemeClr val="tx1"/>
-          </a:fontRef>
-        </p:style>
-      </p:cxnSp>
       <p:pic>
         <p:nvPicPr>
           <p:cNvPr id="21" name="Inhaltsplatzhalter 4"/>
@@ -10290,6 +9594,663 @@
       </p:pic>
       <p:sp>
         <p:nvSpPr>
+          <p:cNvPr id="4" name="Foliennummernplatzhalter 3"/>
+          <p:cNvSpPr>
+            <a:spLocks noGrp="1"/>
+          </p:cNvSpPr>
+          <p:nvPr>
+            <p:ph type="sldNum" sz="quarter" idx="12"/>
+          </p:nvPr>
+        </p:nvSpPr>
+        <p:spPr/>
+        <p:txBody>
+          <a:bodyPr/>
+          <a:lstStyle/>
+          <a:p>
+            <a:fld id="{AFC15D4E-52BD-4359-8CF4-4D643ACA6A81}" type="slidenum">
+              <a:rPr lang="de-DE" smtClean="0"/>
+              <a:t>17</a:t>
+            </a:fld>
+            <a:endParaRPr lang="de-DE"/>
+          </a:p>
+        </p:txBody>
+      </p:sp>
+      <p:sp>
+        <p:nvSpPr>
+          <p:cNvPr id="5" name="Rechteck 4"/>
+          <p:cNvSpPr/>
+          <p:nvPr/>
+        </p:nvSpPr>
+        <p:spPr>
+          <a:xfrm>
+            <a:off x="115910" y="1403989"/>
+            <a:ext cx="2627290" cy="634621"/>
+          </a:xfrm>
+          <a:prstGeom prst="rect">
+            <a:avLst/>
+          </a:prstGeom>
+          <a:solidFill>
+            <a:schemeClr val="tx2"/>
+          </a:solidFill>
+          <a:ln>
+            <a:solidFill>
+              <a:schemeClr val="tx2">
+                <a:lumMod val="50000"/>
+              </a:schemeClr>
+            </a:solidFill>
+          </a:ln>
+        </p:spPr>
+        <p:style>
+          <a:lnRef idx="2">
+            <a:schemeClr val="accent1">
+              <a:shade val="50000"/>
+            </a:schemeClr>
+          </a:lnRef>
+          <a:fillRef idx="1">
+            <a:schemeClr val="accent1"/>
+          </a:fillRef>
+          <a:effectRef idx="0">
+            <a:schemeClr val="accent1"/>
+          </a:effectRef>
+          <a:fontRef idx="minor">
+            <a:schemeClr val="lt1"/>
+          </a:fontRef>
+        </p:style>
+        <p:txBody>
+          <a:bodyPr rtlCol="0" anchor="ctr"/>
+          <a:lstStyle/>
+          <a:p>
+            <a:pPr algn="ctr"/>
+            <a:r>
+              <a:rPr lang="de-DE" dirty="0" smtClean="0"/>
+              <a:t>Objekte im Spiel</a:t>
+            </a:r>
+            <a:endParaRPr lang="de-DE" dirty="0"/>
+          </a:p>
+        </p:txBody>
+      </p:sp>
+      <p:sp>
+        <p:nvSpPr>
+          <p:cNvPr id="6" name="Rechteck 5"/>
+          <p:cNvSpPr/>
+          <p:nvPr/>
+        </p:nvSpPr>
+        <p:spPr>
+          <a:xfrm>
+            <a:off x="1998372" y="2228970"/>
+            <a:ext cx="2163651" cy="463640"/>
+          </a:xfrm>
+          <a:prstGeom prst="rect">
+            <a:avLst/>
+          </a:prstGeom>
+        </p:spPr>
+        <p:style>
+          <a:lnRef idx="2">
+            <a:schemeClr val="accent1">
+              <a:shade val="50000"/>
+            </a:schemeClr>
+          </a:lnRef>
+          <a:fillRef idx="1">
+            <a:schemeClr val="accent1"/>
+          </a:fillRef>
+          <a:effectRef idx="0">
+            <a:schemeClr val="accent1"/>
+          </a:effectRef>
+          <a:fontRef idx="minor">
+            <a:schemeClr val="lt1"/>
+          </a:fontRef>
+        </p:style>
+        <p:txBody>
+          <a:bodyPr rtlCol="0" anchor="ctr"/>
+          <a:lstStyle/>
+          <a:p>
+            <a:pPr algn="ctr"/>
+            <a:r>
+              <a:rPr lang="de-DE" dirty="0" smtClean="0"/>
+              <a:t>Schlange</a:t>
+            </a:r>
+            <a:endParaRPr lang="de-DE" dirty="0"/>
+          </a:p>
+        </p:txBody>
+      </p:sp>
+      <p:sp>
+        <p:nvSpPr>
+          <p:cNvPr id="7" name="Rechteck 6"/>
+          <p:cNvSpPr/>
+          <p:nvPr/>
+        </p:nvSpPr>
+        <p:spPr>
+          <a:xfrm>
+            <a:off x="1998371" y="3565112"/>
+            <a:ext cx="2163651" cy="463640"/>
+          </a:xfrm>
+          <a:prstGeom prst="rect">
+            <a:avLst/>
+          </a:prstGeom>
+        </p:spPr>
+        <p:style>
+          <a:lnRef idx="2">
+            <a:schemeClr val="accent1">
+              <a:shade val="50000"/>
+            </a:schemeClr>
+          </a:lnRef>
+          <a:fillRef idx="1">
+            <a:schemeClr val="accent1"/>
+          </a:fillRef>
+          <a:effectRef idx="0">
+            <a:schemeClr val="accent1"/>
+          </a:effectRef>
+          <a:fontRef idx="minor">
+            <a:schemeClr val="lt1"/>
+          </a:fontRef>
+        </p:style>
+        <p:txBody>
+          <a:bodyPr rtlCol="0" anchor="ctr"/>
+          <a:lstStyle/>
+          <a:p>
+            <a:pPr algn="ctr"/>
+            <a:r>
+              <a:rPr lang="de-DE" dirty="0" smtClean="0"/>
+              <a:t>Speerfalle</a:t>
+            </a:r>
+            <a:endParaRPr lang="de-DE" dirty="0"/>
+          </a:p>
+        </p:txBody>
+      </p:sp>
+      <p:sp>
+        <p:nvSpPr>
+          <p:cNvPr id="8" name="Rechteck 7"/>
+          <p:cNvSpPr/>
+          <p:nvPr/>
+        </p:nvSpPr>
+        <p:spPr>
+          <a:xfrm>
+            <a:off x="1998371" y="4229034"/>
+            <a:ext cx="2163651" cy="463640"/>
+          </a:xfrm>
+          <a:prstGeom prst="rect">
+            <a:avLst/>
+          </a:prstGeom>
+          <a:solidFill>
+            <a:srgbClr val="FFC000"/>
+          </a:solidFill>
+          <a:ln>
+            <a:solidFill>
+              <a:schemeClr val="accent2"/>
+            </a:solidFill>
+          </a:ln>
+        </p:spPr>
+        <p:style>
+          <a:lnRef idx="2">
+            <a:schemeClr val="accent1">
+              <a:shade val="50000"/>
+            </a:schemeClr>
+          </a:lnRef>
+          <a:fillRef idx="1">
+            <a:schemeClr val="accent1"/>
+          </a:fillRef>
+          <a:effectRef idx="0">
+            <a:schemeClr val="accent1"/>
+          </a:effectRef>
+          <a:fontRef idx="minor">
+            <a:schemeClr val="lt1"/>
+          </a:fontRef>
+        </p:style>
+        <p:txBody>
+          <a:bodyPr rtlCol="0" anchor="ctr"/>
+          <a:lstStyle/>
+          <a:p>
+            <a:pPr algn="ctr"/>
+            <a:r>
+              <a:rPr lang="de-DE" dirty="0" smtClean="0">
+                <a:solidFill>
+                  <a:schemeClr val="tx1"/>
+                </a:solidFill>
+              </a:rPr>
+              <a:t>Fallende Steine</a:t>
+            </a:r>
+            <a:endParaRPr lang="de-DE" dirty="0">
+              <a:solidFill>
+                <a:schemeClr val="tx1"/>
+              </a:solidFill>
+            </a:endParaRPr>
+          </a:p>
+        </p:txBody>
+      </p:sp>
+      <p:sp>
+        <p:nvSpPr>
+          <p:cNvPr id="9" name="Rechteck 8"/>
+          <p:cNvSpPr/>
+          <p:nvPr/>
+        </p:nvSpPr>
+        <p:spPr>
+          <a:xfrm>
+            <a:off x="1998370" y="5556878"/>
+            <a:ext cx="2163651" cy="463640"/>
+          </a:xfrm>
+          <a:prstGeom prst="rect">
+            <a:avLst/>
+          </a:prstGeom>
+        </p:spPr>
+        <p:style>
+          <a:lnRef idx="2">
+            <a:schemeClr val="accent1">
+              <a:shade val="50000"/>
+            </a:schemeClr>
+          </a:lnRef>
+          <a:fillRef idx="1">
+            <a:schemeClr val="accent1"/>
+          </a:fillRef>
+          <a:effectRef idx="0">
+            <a:schemeClr val="accent1"/>
+          </a:effectRef>
+          <a:fontRef idx="minor">
+            <a:schemeClr val="lt1"/>
+          </a:fontRef>
+        </p:style>
+        <p:txBody>
+          <a:bodyPr rtlCol="0" anchor="ctr"/>
+          <a:lstStyle/>
+          <a:p>
+            <a:pPr algn="ctr"/>
+            <a:r>
+              <a:rPr lang="de-DE" dirty="0" smtClean="0"/>
+              <a:t>Futter</a:t>
+            </a:r>
+            <a:endParaRPr lang="de-DE" dirty="0"/>
+          </a:p>
+        </p:txBody>
+      </p:sp>
+      <p:sp>
+        <p:nvSpPr>
+          <p:cNvPr id="10" name="Rechteck 9"/>
+          <p:cNvSpPr/>
+          <p:nvPr/>
+        </p:nvSpPr>
+        <p:spPr>
+          <a:xfrm>
+            <a:off x="1998370" y="4892956"/>
+            <a:ext cx="2163651" cy="463640"/>
+          </a:xfrm>
+          <a:prstGeom prst="rect">
+            <a:avLst/>
+          </a:prstGeom>
+        </p:spPr>
+        <p:style>
+          <a:lnRef idx="2">
+            <a:schemeClr val="accent1">
+              <a:shade val="50000"/>
+            </a:schemeClr>
+          </a:lnRef>
+          <a:fillRef idx="1">
+            <a:schemeClr val="accent1"/>
+          </a:fillRef>
+          <a:effectRef idx="0">
+            <a:schemeClr val="accent1"/>
+          </a:effectRef>
+          <a:fontRef idx="minor">
+            <a:schemeClr val="lt1"/>
+          </a:fontRef>
+        </p:style>
+        <p:txBody>
+          <a:bodyPr rtlCol="0" anchor="ctr"/>
+          <a:lstStyle/>
+          <a:p>
+            <a:pPr algn="ctr"/>
+            <a:r>
+              <a:rPr lang="de-DE" dirty="0" smtClean="0"/>
+              <a:t>Diätpille</a:t>
+            </a:r>
+            <a:endParaRPr lang="de-DE" dirty="0"/>
+          </a:p>
+        </p:txBody>
+      </p:sp>
+      <p:cxnSp>
+        <p:nvCxnSpPr>
+          <p:cNvPr id="12" name="Gerader Verbinder 11"/>
+          <p:cNvCxnSpPr>
+            <a:stCxn id="5" idx="2"/>
+          </p:cNvCxnSpPr>
+          <p:nvPr/>
+        </p:nvCxnSpPr>
+        <p:spPr>
+          <a:xfrm>
+            <a:off x="1429555" y="2038610"/>
+            <a:ext cx="0" cy="4414008"/>
+          </a:xfrm>
+          <a:prstGeom prst="line">
+            <a:avLst/>
+          </a:prstGeom>
+        </p:spPr>
+        <p:style>
+          <a:lnRef idx="1">
+            <a:schemeClr val="accent1"/>
+          </a:lnRef>
+          <a:fillRef idx="0">
+            <a:schemeClr val="accent1"/>
+          </a:fillRef>
+          <a:effectRef idx="0">
+            <a:schemeClr val="accent1"/>
+          </a:effectRef>
+          <a:fontRef idx="minor">
+            <a:schemeClr val="tx1"/>
+          </a:fontRef>
+        </p:style>
+      </p:cxnSp>
+      <p:cxnSp>
+        <p:nvCxnSpPr>
+          <p:cNvPr id="14" name="Gerader Verbinder 13"/>
+          <p:cNvCxnSpPr>
+            <a:stCxn id="6" idx="1"/>
+          </p:cNvCxnSpPr>
+          <p:nvPr/>
+        </p:nvCxnSpPr>
+        <p:spPr>
+          <a:xfrm flipH="1">
+            <a:off x="1429555" y="2460790"/>
+            <a:ext cx="568817" cy="0"/>
+          </a:xfrm>
+          <a:prstGeom prst="line">
+            <a:avLst/>
+          </a:prstGeom>
+        </p:spPr>
+        <p:style>
+          <a:lnRef idx="1">
+            <a:schemeClr val="accent1"/>
+          </a:lnRef>
+          <a:fillRef idx="0">
+            <a:schemeClr val="accent1"/>
+          </a:fillRef>
+          <a:effectRef idx="0">
+            <a:schemeClr val="accent1"/>
+          </a:effectRef>
+          <a:fontRef idx="minor">
+            <a:schemeClr val="tx1"/>
+          </a:fontRef>
+        </p:style>
+      </p:cxnSp>
+      <p:sp>
+        <p:nvSpPr>
+          <p:cNvPr id="15" name="Rechteck 14"/>
+          <p:cNvSpPr/>
+          <p:nvPr/>
+        </p:nvSpPr>
+        <p:spPr>
+          <a:xfrm>
+            <a:off x="1998372" y="2892893"/>
+            <a:ext cx="2163651" cy="463640"/>
+          </a:xfrm>
+          <a:prstGeom prst="rect">
+            <a:avLst/>
+          </a:prstGeom>
+        </p:spPr>
+        <p:style>
+          <a:lnRef idx="2">
+            <a:schemeClr val="accent1">
+              <a:shade val="50000"/>
+            </a:schemeClr>
+          </a:lnRef>
+          <a:fillRef idx="1">
+            <a:schemeClr val="accent1"/>
+          </a:fillRef>
+          <a:effectRef idx="0">
+            <a:schemeClr val="accent1"/>
+          </a:effectRef>
+          <a:fontRef idx="minor">
+            <a:schemeClr val="lt1"/>
+          </a:fontRef>
+        </p:style>
+        <p:txBody>
+          <a:bodyPr rtlCol="0" anchor="ctr"/>
+          <a:lstStyle/>
+          <a:p>
+            <a:pPr algn="ctr"/>
+            <a:r>
+              <a:rPr lang="de-DE" dirty="0" smtClean="0"/>
+              <a:t>Spielfeld</a:t>
+            </a:r>
+            <a:endParaRPr lang="de-DE" dirty="0"/>
+          </a:p>
+        </p:txBody>
+      </p:sp>
+      <p:sp>
+        <p:nvSpPr>
+          <p:cNvPr id="16" name="Rechteck 15"/>
+          <p:cNvSpPr/>
+          <p:nvPr/>
+        </p:nvSpPr>
+        <p:spPr>
+          <a:xfrm>
+            <a:off x="1998369" y="6220800"/>
+            <a:ext cx="2163651" cy="463640"/>
+          </a:xfrm>
+          <a:prstGeom prst="rect">
+            <a:avLst/>
+          </a:prstGeom>
+        </p:spPr>
+        <p:style>
+          <a:lnRef idx="2">
+            <a:schemeClr val="accent1">
+              <a:shade val="50000"/>
+            </a:schemeClr>
+          </a:lnRef>
+          <a:fillRef idx="1">
+            <a:schemeClr val="accent1"/>
+          </a:fillRef>
+          <a:effectRef idx="0">
+            <a:schemeClr val="accent1"/>
+          </a:effectRef>
+          <a:fontRef idx="minor">
+            <a:schemeClr val="lt1"/>
+          </a:fontRef>
+        </p:style>
+        <p:txBody>
+          <a:bodyPr rtlCol="0" anchor="ctr"/>
+          <a:lstStyle/>
+          <a:p>
+            <a:pPr algn="ctr"/>
+            <a:r>
+              <a:rPr lang="de-DE" dirty="0" smtClean="0"/>
+              <a:t>Sonstige Objekte</a:t>
+            </a:r>
+            <a:endParaRPr lang="de-DE" dirty="0"/>
+          </a:p>
+        </p:txBody>
+      </p:sp>
+      <p:cxnSp>
+        <p:nvCxnSpPr>
+          <p:cNvPr id="18" name="Gerader Verbinder 17"/>
+          <p:cNvCxnSpPr>
+            <a:stCxn id="15" idx="1"/>
+          </p:cNvCxnSpPr>
+          <p:nvPr/>
+        </p:nvCxnSpPr>
+        <p:spPr>
+          <a:xfrm flipH="1">
+            <a:off x="1429555" y="3124713"/>
+            <a:ext cx="568817" cy="0"/>
+          </a:xfrm>
+          <a:prstGeom prst="line">
+            <a:avLst/>
+          </a:prstGeom>
+        </p:spPr>
+        <p:style>
+          <a:lnRef idx="1">
+            <a:schemeClr val="accent1"/>
+          </a:lnRef>
+          <a:fillRef idx="0">
+            <a:schemeClr val="accent1"/>
+          </a:fillRef>
+          <a:effectRef idx="0">
+            <a:schemeClr val="accent1"/>
+          </a:effectRef>
+          <a:fontRef idx="minor">
+            <a:schemeClr val="tx1"/>
+          </a:fontRef>
+        </p:style>
+      </p:cxnSp>
+      <p:cxnSp>
+        <p:nvCxnSpPr>
+          <p:cNvPr id="20" name="Gerader Verbinder 19"/>
+          <p:cNvCxnSpPr>
+            <a:stCxn id="7" idx="1"/>
+          </p:cNvCxnSpPr>
+          <p:nvPr/>
+        </p:nvCxnSpPr>
+        <p:spPr>
+          <a:xfrm flipH="1" flipV="1">
+            <a:off x="1429555" y="3796930"/>
+            <a:ext cx="568816" cy="2"/>
+          </a:xfrm>
+          <a:prstGeom prst="line">
+            <a:avLst/>
+          </a:prstGeom>
+        </p:spPr>
+        <p:style>
+          <a:lnRef idx="1">
+            <a:schemeClr val="accent1"/>
+          </a:lnRef>
+          <a:fillRef idx="0">
+            <a:schemeClr val="accent1"/>
+          </a:fillRef>
+          <a:effectRef idx="0">
+            <a:schemeClr val="accent1"/>
+          </a:effectRef>
+          <a:fontRef idx="minor">
+            <a:schemeClr val="tx1"/>
+          </a:fontRef>
+        </p:style>
+      </p:cxnSp>
+      <p:cxnSp>
+        <p:nvCxnSpPr>
+          <p:cNvPr id="24" name="Gerader Verbinder 23"/>
+          <p:cNvCxnSpPr>
+            <a:stCxn id="8" idx="1"/>
+          </p:cNvCxnSpPr>
+          <p:nvPr/>
+        </p:nvCxnSpPr>
+        <p:spPr>
+          <a:xfrm flipH="1">
+            <a:off x="1429555" y="4460854"/>
+            <a:ext cx="568816" cy="0"/>
+          </a:xfrm>
+          <a:prstGeom prst="line">
+            <a:avLst/>
+          </a:prstGeom>
+        </p:spPr>
+        <p:style>
+          <a:lnRef idx="1">
+            <a:schemeClr val="accent1"/>
+          </a:lnRef>
+          <a:fillRef idx="0">
+            <a:schemeClr val="accent1"/>
+          </a:fillRef>
+          <a:effectRef idx="0">
+            <a:schemeClr val="accent1"/>
+          </a:effectRef>
+          <a:fontRef idx="minor">
+            <a:schemeClr val="tx1"/>
+          </a:fontRef>
+        </p:style>
+      </p:cxnSp>
+      <p:cxnSp>
+        <p:nvCxnSpPr>
+          <p:cNvPr id="26" name="Gerader Verbinder 25"/>
+          <p:cNvCxnSpPr>
+            <a:stCxn id="10" idx="1"/>
+          </p:cNvCxnSpPr>
+          <p:nvPr/>
+        </p:nvCxnSpPr>
+        <p:spPr>
+          <a:xfrm flipH="1" flipV="1">
+            <a:off x="1429555" y="5124775"/>
+            <a:ext cx="568815" cy="1"/>
+          </a:xfrm>
+          <a:prstGeom prst="line">
+            <a:avLst/>
+          </a:prstGeom>
+        </p:spPr>
+        <p:style>
+          <a:lnRef idx="1">
+            <a:schemeClr val="accent1"/>
+          </a:lnRef>
+          <a:fillRef idx="0">
+            <a:schemeClr val="accent1"/>
+          </a:fillRef>
+          <a:effectRef idx="0">
+            <a:schemeClr val="accent1"/>
+          </a:effectRef>
+          <a:fontRef idx="minor">
+            <a:schemeClr val="tx1"/>
+          </a:fontRef>
+        </p:style>
+      </p:cxnSp>
+      <p:cxnSp>
+        <p:nvCxnSpPr>
+          <p:cNvPr id="28" name="Gerader Verbinder 27"/>
+          <p:cNvCxnSpPr>
+            <a:stCxn id="9" idx="1"/>
+          </p:cNvCxnSpPr>
+          <p:nvPr/>
+        </p:nvCxnSpPr>
+        <p:spPr>
+          <a:xfrm flipH="1" flipV="1">
+            <a:off x="1429555" y="5788696"/>
+            <a:ext cx="568815" cy="2"/>
+          </a:xfrm>
+          <a:prstGeom prst="line">
+            <a:avLst/>
+          </a:prstGeom>
+        </p:spPr>
+        <p:style>
+          <a:lnRef idx="1">
+            <a:schemeClr val="accent1"/>
+          </a:lnRef>
+          <a:fillRef idx="0">
+            <a:schemeClr val="accent1"/>
+          </a:fillRef>
+          <a:effectRef idx="0">
+            <a:schemeClr val="accent1"/>
+          </a:effectRef>
+          <a:fontRef idx="minor">
+            <a:schemeClr val="tx1"/>
+          </a:fontRef>
+        </p:style>
+      </p:cxnSp>
+      <p:cxnSp>
+        <p:nvCxnSpPr>
+          <p:cNvPr id="30" name="Gerader Verbinder 29"/>
+          <p:cNvCxnSpPr>
+            <a:stCxn id="16" idx="1"/>
+          </p:cNvCxnSpPr>
+          <p:nvPr/>
+        </p:nvCxnSpPr>
+        <p:spPr>
+          <a:xfrm flipH="1" flipV="1">
+            <a:off x="1429555" y="6452618"/>
+            <a:ext cx="568814" cy="2"/>
+          </a:xfrm>
+          <a:prstGeom prst="line">
+            <a:avLst/>
+          </a:prstGeom>
+        </p:spPr>
+        <p:style>
+          <a:lnRef idx="1">
+            <a:schemeClr val="accent1"/>
+          </a:lnRef>
+          <a:fillRef idx="0">
+            <a:schemeClr val="accent1"/>
+          </a:fillRef>
+          <a:effectRef idx="0">
+            <a:schemeClr val="accent1"/>
+          </a:effectRef>
+          <a:fontRef idx="minor">
+            <a:schemeClr val="tx1"/>
+          </a:fontRef>
+        </p:style>
+      </p:cxnSp>
+      <p:sp>
+        <p:nvSpPr>
           <p:cNvPr id="22" name="Textfeld 21"/>
           <p:cNvSpPr txBox="1"/>
           <p:nvPr/>
@@ -10319,18 +10280,7 @@
                   </a:schemeClr>
                 </a:solidFill>
               </a:rPr>
-              <a:t>Steine fallen vom Himmel. Nimmersatt muss ihnen ausweichen. </a:t>
-            </a:r>
-            <a:r>
-              <a:rPr lang="de-DE" sz="1050" i="1" dirty="0" smtClean="0">
-                <a:solidFill>
-                  <a:schemeClr val="tx1">
-                    <a:lumMod val="50000"/>
-                    <a:lumOff val="50000"/>
-                  </a:schemeClr>
-                </a:solidFill>
-              </a:rPr>
-              <a:t>(Stand: 28.09.2015)</a:t>
+              <a:t>Steine fallen vom Himmel. Nimmersatt muss ihnen ausweichen. (Stand: 28.09.2015)</a:t>
             </a:r>
             <a:endParaRPr lang="de-DE" sz="1050" i="1" dirty="0">
               <a:solidFill>
@@ -10505,663 +10455,6 @@
           </a:p>
         </p:txBody>
       </p:sp>
-      <p:sp>
-        <p:nvSpPr>
-          <p:cNvPr id="4" name="Foliennummernplatzhalter 3"/>
-          <p:cNvSpPr>
-            <a:spLocks noGrp="1"/>
-          </p:cNvSpPr>
-          <p:nvPr>
-            <p:ph type="sldNum" sz="quarter" idx="12"/>
-          </p:nvPr>
-        </p:nvSpPr>
-        <p:spPr/>
-        <p:txBody>
-          <a:bodyPr/>
-          <a:lstStyle/>
-          <a:p>
-            <a:fld id="{AFC15D4E-52BD-4359-8CF4-4D643ACA6A81}" type="slidenum">
-              <a:rPr lang="de-DE" smtClean="0"/>
-              <a:t>18</a:t>
-            </a:fld>
-            <a:endParaRPr lang="de-DE"/>
-          </a:p>
-        </p:txBody>
-      </p:sp>
-      <p:sp>
-        <p:nvSpPr>
-          <p:cNvPr id="5" name="Rechteck 4"/>
-          <p:cNvSpPr/>
-          <p:nvPr/>
-        </p:nvSpPr>
-        <p:spPr>
-          <a:xfrm>
-            <a:off x="115910" y="1403989"/>
-            <a:ext cx="2627290" cy="634621"/>
-          </a:xfrm>
-          <a:prstGeom prst="rect">
-            <a:avLst/>
-          </a:prstGeom>
-          <a:solidFill>
-            <a:schemeClr val="tx2"/>
-          </a:solidFill>
-          <a:ln>
-            <a:solidFill>
-              <a:schemeClr val="tx2">
-                <a:lumMod val="50000"/>
-              </a:schemeClr>
-            </a:solidFill>
-          </a:ln>
-        </p:spPr>
-        <p:style>
-          <a:lnRef idx="2">
-            <a:schemeClr val="accent1">
-              <a:shade val="50000"/>
-            </a:schemeClr>
-          </a:lnRef>
-          <a:fillRef idx="1">
-            <a:schemeClr val="accent1"/>
-          </a:fillRef>
-          <a:effectRef idx="0">
-            <a:schemeClr val="accent1"/>
-          </a:effectRef>
-          <a:fontRef idx="minor">
-            <a:schemeClr val="lt1"/>
-          </a:fontRef>
-        </p:style>
-        <p:txBody>
-          <a:bodyPr rtlCol="0" anchor="ctr"/>
-          <a:lstStyle/>
-          <a:p>
-            <a:pPr algn="ctr"/>
-            <a:r>
-              <a:rPr lang="de-DE" dirty="0" smtClean="0"/>
-              <a:t>Objekte im Spiel</a:t>
-            </a:r>
-            <a:endParaRPr lang="de-DE" dirty="0"/>
-          </a:p>
-        </p:txBody>
-      </p:sp>
-      <p:sp>
-        <p:nvSpPr>
-          <p:cNvPr id="6" name="Rechteck 5"/>
-          <p:cNvSpPr/>
-          <p:nvPr/>
-        </p:nvSpPr>
-        <p:spPr>
-          <a:xfrm>
-            <a:off x="1998372" y="2228970"/>
-            <a:ext cx="2163651" cy="463640"/>
-          </a:xfrm>
-          <a:prstGeom prst="rect">
-            <a:avLst/>
-          </a:prstGeom>
-        </p:spPr>
-        <p:style>
-          <a:lnRef idx="2">
-            <a:schemeClr val="accent1">
-              <a:shade val="50000"/>
-            </a:schemeClr>
-          </a:lnRef>
-          <a:fillRef idx="1">
-            <a:schemeClr val="accent1"/>
-          </a:fillRef>
-          <a:effectRef idx="0">
-            <a:schemeClr val="accent1"/>
-          </a:effectRef>
-          <a:fontRef idx="minor">
-            <a:schemeClr val="lt1"/>
-          </a:fontRef>
-        </p:style>
-        <p:txBody>
-          <a:bodyPr rtlCol="0" anchor="ctr"/>
-          <a:lstStyle/>
-          <a:p>
-            <a:pPr algn="ctr"/>
-            <a:r>
-              <a:rPr lang="de-DE" dirty="0" smtClean="0"/>
-              <a:t>Schlange</a:t>
-            </a:r>
-            <a:endParaRPr lang="de-DE" dirty="0"/>
-          </a:p>
-        </p:txBody>
-      </p:sp>
-      <p:sp>
-        <p:nvSpPr>
-          <p:cNvPr id="7" name="Rechteck 6"/>
-          <p:cNvSpPr/>
-          <p:nvPr/>
-        </p:nvSpPr>
-        <p:spPr>
-          <a:xfrm>
-            <a:off x="1998371" y="3565112"/>
-            <a:ext cx="2163651" cy="463640"/>
-          </a:xfrm>
-          <a:prstGeom prst="rect">
-            <a:avLst/>
-          </a:prstGeom>
-        </p:spPr>
-        <p:style>
-          <a:lnRef idx="2">
-            <a:schemeClr val="accent1">
-              <a:shade val="50000"/>
-            </a:schemeClr>
-          </a:lnRef>
-          <a:fillRef idx="1">
-            <a:schemeClr val="accent1"/>
-          </a:fillRef>
-          <a:effectRef idx="0">
-            <a:schemeClr val="accent1"/>
-          </a:effectRef>
-          <a:fontRef idx="minor">
-            <a:schemeClr val="lt1"/>
-          </a:fontRef>
-        </p:style>
-        <p:txBody>
-          <a:bodyPr rtlCol="0" anchor="ctr"/>
-          <a:lstStyle/>
-          <a:p>
-            <a:pPr algn="ctr"/>
-            <a:r>
-              <a:rPr lang="de-DE" dirty="0" smtClean="0"/>
-              <a:t>Speerfalle</a:t>
-            </a:r>
-            <a:endParaRPr lang="de-DE" dirty="0"/>
-          </a:p>
-        </p:txBody>
-      </p:sp>
-      <p:sp>
-        <p:nvSpPr>
-          <p:cNvPr id="8" name="Rechteck 7"/>
-          <p:cNvSpPr/>
-          <p:nvPr/>
-        </p:nvSpPr>
-        <p:spPr>
-          <a:xfrm>
-            <a:off x="1998371" y="4229034"/>
-            <a:ext cx="2163651" cy="463640"/>
-          </a:xfrm>
-          <a:prstGeom prst="rect">
-            <a:avLst/>
-          </a:prstGeom>
-        </p:spPr>
-        <p:style>
-          <a:lnRef idx="2">
-            <a:schemeClr val="accent1">
-              <a:shade val="50000"/>
-            </a:schemeClr>
-          </a:lnRef>
-          <a:fillRef idx="1">
-            <a:schemeClr val="accent1"/>
-          </a:fillRef>
-          <a:effectRef idx="0">
-            <a:schemeClr val="accent1"/>
-          </a:effectRef>
-          <a:fontRef idx="minor">
-            <a:schemeClr val="lt1"/>
-          </a:fontRef>
-        </p:style>
-        <p:txBody>
-          <a:bodyPr rtlCol="0" anchor="ctr"/>
-          <a:lstStyle/>
-          <a:p>
-            <a:pPr algn="ctr"/>
-            <a:r>
-              <a:rPr lang="de-DE" dirty="0" smtClean="0"/>
-              <a:t>Fallende Steine</a:t>
-            </a:r>
-            <a:endParaRPr lang="de-DE" dirty="0"/>
-          </a:p>
-        </p:txBody>
-      </p:sp>
-      <p:sp>
-        <p:nvSpPr>
-          <p:cNvPr id="9" name="Rechteck 8"/>
-          <p:cNvSpPr/>
-          <p:nvPr/>
-        </p:nvSpPr>
-        <p:spPr>
-          <a:xfrm>
-            <a:off x="1998370" y="5556878"/>
-            <a:ext cx="2163651" cy="463640"/>
-          </a:xfrm>
-          <a:prstGeom prst="rect">
-            <a:avLst/>
-          </a:prstGeom>
-        </p:spPr>
-        <p:style>
-          <a:lnRef idx="2">
-            <a:schemeClr val="accent1">
-              <a:shade val="50000"/>
-            </a:schemeClr>
-          </a:lnRef>
-          <a:fillRef idx="1">
-            <a:schemeClr val="accent1"/>
-          </a:fillRef>
-          <a:effectRef idx="0">
-            <a:schemeClr val="accent1"/>
-          </a:effectRef>
-          <a:fontRef idx="minor">
-            <a:schemeClr val="lt1"/>
-          </a:fontRef>
-        </p:style>
-        <p:txBody>
-          <a:bodyPr rtlCol="0" anchor="ctr"/>
-          <a:lstStyle/>
-          <a:p>
-            <a:pPr algn="ctr"/>
-            <a:r>
-              <a:rPr lang="de-DE" dirty="0" smtClean="0"/>
-              <a:t>Futter</a:t>
-            </a:r>
-            <a:endParaRPr lang="de-DE" dirty="0"/>
-          </a:p>
-        </p:txBody>
-      </p:sp>
-      <p:sp>
-        <p:nvSpPr>
-          <p:cNvPr id="10" name="Rechteck 9"/>
-          <p:cNvSpPr/>
-          <p:nvPr/>
-        </p:nvSpPr>
-        <p:spPr>
-          <a:xfrm>
-            <a:off x="1998370" y="4892956"/>
-            <a:ext cx="2163651" cy="463640"/>
-          </a:xfrm>
-          <a:prstGeom prst="rect">
-            <a:avLst/>
-          </a:prstGeom>
-          <a:solidFill>
-            <a:srgbClr val="FFC000"/>
-          </a:solidFill>
-          <a:ln>
-            <a:solidFill>
-              <a:schemeClr val="accent2"/>
-            </a:solidFill>
-          </a:ln>
-        </p:spPr>
-        <p:style>
-          <a:lnRef idx="2">
-            <a:schemeClr val="accent1">
-              <a:shade val="50000"/>
-            </a:schemeClr>
-          </a:lnRef>
-          <a:fillRef idx="1">
-            <a:schemeClr val="accent1"/>
-          </a:fillRef>
-          <a:effectRef idx="0">
-            <a:schemeClr val="accent1"/>
-          </a:effectRef>
-          <a:fontRef idx="minor">
-            <a:schemeClr val="lt1"/>
-          </a:fontRef>
-        </p:style>
-        <p:txBody>
-          <a:bodyPr rtlCol="0" anchor="ctr"/>
-          <a:lstStyle/>
-          <a:p>
-            <a:pPr algn="ctr"/>
-            <a:r>
-              <a:rPr lang="de-DE" dirty="0" smtClean="0">
-                <a:solidFill>
-                  <a:schemeClr val="tx1"/>
-                </a:solidFill>
-              </a:rPr>
-              <a:t>Diätpille</a:t>
-            </a:r>
-            <a:endParaRPr lang="de-DE" dirty="0">
-              <a:solidFill>
-                <a:schemeClr val="tx1"/>
-              </a:solidFill>
-            </a:endParaRPr>
-          </a:p>
-        </p:txBody>
-      </p:sp>
-      <p:cxnSp>
-        <p:nvCxnSpPr>
-          <p:cNvPr id="12" name="Gerader Verbinder 11"/>
-          <p:cNvCxnSpPr>
-            <a:stCxn id="5" idx="2"/>
-          </p:cNvCxnSpPr>
-          <p:nvPr/>
-        </p:nvCxnSpPr>
-        <p:spPr>
-          <a:xfrm>
-            <a:off x="1429555" y="2038610"/>
-            <a:ext cx="0" cy="4414008"/>
-          </a:xfrm>
-          <a:prstGeom prst="line">
-            <a:avLst/>
-          </a:prstGeom>
-        </p:spPr>
-        <p:style>
-          <a:lnRef idx="1">
-            <a:schemeClr val="accent1"/>
-          </a:lnRef>
-          <a:fillRef idx="0">
-            <a:schemeClr val="accent1"/>
-          </a:fillRef>
-          <a:effectRef idx="0">
-            <a:schemeClr val="accent1"/>
-          </a:effectRef>
-          <a:fontRef idx="minor">
-            <a:schemeClr val="tx1"/>
-          </a:fontRef>
-        </p:style>
-      </p:cxnSp>
-      <p:cxnSp>
-        <p:nvCxnSpPr>
-          <p:cNvPr id="14" name="Gerader Verbinder 13"/>
-          <p:cNvCxnSpPr>
-            <a:stCxn id="6" idx="1"/>
-          </p:cNvCxnSpPr>
-          <p:nvPr/>
-        </p:nvCxnSpPr>
-        <p:spPr>
-          <a:xfrm flipH="1">
-            <a:off x="1429555" y="2460790"/>
-            <a:ext cx="568817" cy="0"/>
-          </a:xfrm>
-          <a:prstGeom prst="line">
-            <a:avLst/>
-          </a:prstGeom>
-        </p:spPr>
-        <p:style>
-          <a:lnRef idx="1">
-            <a:schemeClr val="accent1"/>
-          </a:lnRef>
-          <a:fillRef idx="0">
-            <a:schemeClr val="accent1"/>
-          </a:fillRef>
-          <a:effectRef idx="0">
-            <a:schemeClr val="accent1"/>
-          </a:effectRef>
-          <a:fontRef idx="minor">
-            <a:schemeClr val="tx1"/>
-          </a:fontRef>
-        </p:style>
-      </p:cxnSp>
-      <p:sp>
-        <p:nvSpPr>
-          <p:cNvPr id="15" name="Rechteck 14"/>
-          <p:cNvSpPr/>
-          <p:nvPr/>
-        </p:nvSpPr>
-        <p:spPr>
-          <a:xfrm>
-            <a:off x="1998372" y="2892893"/>
-            <a:ext cx="2163651" cy="463640"/>
-          </a:xfrm>
-          <a:prstGeom prst="rect">
-            <a:avLst/>
-          </a:prstGeom>
-        </p:spPr>
-        <p:style>
-          <a:lnRef idx="2">
-            <a:schemeClr val="accent1">
-              <a:shade val="50000"/>
-            </a:schemeClr>
-          </a:lnRef>
-          <a:fillRef idx="1">
-            <a:schemeClr val="accent1"/>
-          </a:fillRef>
-          <a:effectRef idx="0">
-            <a:schemeClr val="accent1"/>
-          </a:effectRef>
-          <a:fontRef idx="minor">
-            <a:schemeClr val="lt1"/>
-          </a:fontRef>
-        </p:style>
-        <p:txBody>
-          <a:bodyPr rtlCol="0" anchor="ctr"/>
-          <a:lstStyle/>
-          <a:p>
-            <a:pPr algn="ctr"/>
-            <a:r>
-              <a:rPr lang="de-DE" dirty="0" smtClean="0"/>
-              <a:t>Spielfeld</a:t>
-            </a:r>
-            <a:endParaRPr lang="de-DE" dirty="0"/>
-          </a:p>
-        </p:txBody>
-      </p:sp>
-      <p:sp>
-        <p:nvSpPr>
-          <p:cNvPr id="16" name="Rechteck 15"/>
-          <p:cNvSpPr/>
-          <p:nvPr/>
-        </p:nvSpPr>
-        <p:spPr>
-          <a:xfrm>
-            <a:off x="1998369" y="6220800"/>
-            <a:ext cx="2163651" cy="463640"/>
-          </a:xfrm>
-          <a:prstGeom prst="rect">
-            <a:avLst/>
-          </a:prstGeom>
-        </p:spPr>
-        <p:style>
-          <a:lnRef idx="2">
-            <a:schemeClr val="accent1">
-              <a:shade val="50000"/>
-            </a:schemeClr>
-          </a:lnRef>
-          <a:fillRef idx="1">
-            <a:schemeClr val="accent1"/>
-          </a:fillRef>
-          <a:effectRef idx="0">
-            <a:schemeClr val="accent1"/>
-          </a:effectRef>
-          <a:fontRef idx="minor">
-            <a:schemeClr val="lt1"/>
-          </a:fontRef>
-        </p:style>
-        <p:txBody>
-          <a:bodyPr rtlCol="0" anchor="ctr"/>
-          <a:lstStyle/>
-          <a:p>
-            <a:pPr algn="ctr"/>
-            <a:r>
-              <a:rPr lang="de-DE" dirty="0" smtClean="0"/>
-              <a:t>Sonstige Objekte</a:t>
-            </a:r>
-            <a:endParaRPr lang="de-DE" dirty="0"/>
-          </a:p>
-        </p:txBody>
-      </p:sp>
-      <p:cxnSp>
-        <p:nvCxnSpPr>
-          <p:cNvPr id="18" name="Gerader Verbinder 17"/>
-          <p:cNvCxnSpPr>
-            <a:stCxn id="15" idx="1"/>
-          </p:cNvCxnSpPr>
-          <p:nvPr/>
-        </p:nvCxnSpPr>
-        <p:spPr>
-          <a:xfrm flipH="1">
-            <a:off x="1429555" y="3124713"/>
-            <a:ext cx="568817" cy="0"/>
-          </a:xfrm>
-          <a:prstGeom prst="line">
-            <a:avLst/>
-          </a:prstGeom>
-        </p:spPr>
-        <p:style>
-          <a:lnRef idx="1">
-            <a:schemeClr val="accent1"/>
-          </a:lnRef>
-          <a:fillRef idx="0">
-            <a:schemeClr val="accent1"/>
-          </a:fillRef>
-          <a:effectRef idx="0">
-            <a:schemeClr val="accent1"/>
-          </a:effectRef>
-          <a:fontRef idx="minor">
-            <a:schemeClr val="tx1"/>
-          </a:fontRef>
-        </p:style>
-      </p:cxnSp>
-      <p:cxnSp>
-        <p:nvCxnSpPr>
-          <p:cNvPr id="20" name="Gerader Verbinder 19"/>
-          <p:cNvCxnSpPr>
-            <a:stCxn id="7" idx="1"/>
-          </p:cNvCxnSpPr>
-          <p:nvPr/>
-        </p:nvCxnSpPr>
-        <p:spPr>
-          <a:xfrm flipH="1" flipV="1">
-            <a:off x="1429555" y="3796930"/>
-            <a:ext cx="568816" cy="2"/>
-          </a:xfrm>
-          <a:prstGeom prst="line">
-            <a:avLst/>
-          </a:prstGeom>
-        </p:spPr>
-        <p:style>
-          <a:lnRef idx="1">
-            <a:schemeClr val="accent1"/>
-          </a:lnRef>
-          <a:fillRef idx="0">
-            <a:schemeClr val="accent1"/>
-          </a:fillRef>
-          <a:effectRef idx="0">
-            <a:schemeClr val="accent1"/>
-          </a:effectRef>
-          <a:fontRef idx="minor">
-            <a:schemeClr val="tx1"/>
-          </a:fontRef>
-        </p:style>
-      </p:cxnSp>
-      <p:cxnSp>
-        <p:nvCxnSpPr>
-          <p:cNvPr id="24" name="Gerader Verbinder 23"/>
-          <p:cNvCxnSpPr>
-            <a:stCxn id="8" idx="1"/>
-          </p:cNvCxnSpPr>
-          <p:nvPr/>
-        </p:nvCxnSpPr>
-        <p:spPr>
-          <a:xfrm flipH="1">
-            <a:off x="1429555" y="4460854"/>
-            <a:ext cx="568816" cy="0"/>
-          </a:xfrm>
-          <a:prstGeom prst="line">
-            <a:avLst/>
-          </a:prstGeom>
-        </p:spPr>
-        <p:style>
-          <a:lnRef idx="1">
-            <a:schemeClr val="accent1"/>
-          </a:lnRef>
-          <a:fillRef idx="0">
-            <a:schemeClr val="accent1"/>
-          </a:fillRef>
-          <a:effectRef idx="0">
-            <a:schemeClr val="accent1"/>
-          </a:effectRef>
-          <a:fontRef idx="minor">
-            <a:schemeClr val="tx1"/>
-          </a:fontRef>
-        </p:style>
-      </p:cxnSp>
-      <p:cxnSp>
-        <p:nvCxnSpPr>
-          <p:cNvPr id="26" name="Gerader Verbinder 25"/>
-          <p:cNvCxnSpPr>
-            <a:stCxn id="10" idx="1"/>
-          </p:cNvCxnSpPr>
-          <p:nvPr/>
-        </p:nvCxnSpPr>
-        <p:spPr>
-          <a:xfrm flipH="1" flipV="1">
-            <a:off x="1429555" y="5124775"/>
-            <a:ext cx="568815" cy="1"/>
-          </a:xfrm>
-          <a:prstGeom prst="line">
-            <a:avLst/>
-          </a:prstGeom>
-        </p:spPr>
-        <p:style>
-          <a:lnRef idx="1">
-            <a:schemeClr val="accent1"/>
-          </a:lnRef>
-          <a:fillRef idx="0">
-            <a:schemeClr val="accent1"/>
-          </a:fillRef>
-          <a:effectRef idx="0">
-            <a:schemeClr val="accent1"/>
-          </a:effectRef>
-          <a:fontRef idx="minor">
-            <a:schemeClr val="tx1"/>
-          </a:fontRef>
-        </p:style>
-      </p:cxnSp>
-      <p:cxnSp>
-        <p:nvCxnSpPr>
-          <p:cNvPr id="28" name="Gerader Verbinder 27"/>
-          <p:cNvCxnSpPr>
-            <a:stCxn id="9" idx="1"/>
-          </p:cNvCxnSpPr>
-          <p:nvPr/>
-        </p:nvCxnSpPr>
-        <p:spPr>
-          <a:xfrm flipH="1" flipV="1">
-            <a:off x="1429555" y="5788696"/>
-            <a:ext cx="568815" cy="2"/>
-          </a:xfrm>
-          <a:prstGeom prst="line">
-            <a:avLst/>
-          </a:prstGeom>
-        </p:spPr>
-        <p:style>
-          <a:lnRef idx="1">
-            <a:schemeClr val="accent1"/>
-          </a:lnRef>
-          <a:fillRef idx="0">
-            <a:schemeClr val="accent1"/>
-          </a:fillRef>
-          <a:effectRef idx="0">
-            <a:schemeClr val="accent1"/>
-          </a:effectRef>
-          <a:fontRef idx="minor">
-            <a:schemeClr val="tx1"/>
-          </a:fontRef>
-        </p:style>
-      </p:cxnSp>
-      <p:cxnSp>
-        <p:nvCxnSpPr>
-          <p:cNvPr id="30" name="Gerader Verbinder 29"/>
-          <p:cNvCxnSpPr>
-            <a:stCxn id="16" idx="1"/>
-          </p:cNvCxnSpPr>
-          <p:nvPr/>
-        </p:nvCxnSpPr>
-        <p:spPr>
-          <a:xfrm flipH="1" flipV="1">
-            <a:off x="1429555" y="6452618"/>
-            <a:ext cx="568814" cy="2"/>
-          </a:xfrm>
-          <a:prstGeom prst="line">
-            <a:avLst/>
-          </a:prstGeom>
-        </p:spPr>
-        <p:style>
-          <a:lnRef idx="1">
-            <a:schemeClr val="accent1"/>
-          </a:lnRef>
-          <a:fillRef idx="0">
-            <a:schemeClr val="accent1"/>
-          </a:fillRef>
-          <a:effectRef idx="0">
-            <a:schemeClr val="accent1"/>
-          </a:effectRef>
-          <a:fontRef idx="minor">
-            <a:schemeClr val="tx1"/>
-          </a:fontRef>
-        </p:style>
-      </p:cxnSp>
       <p:pic>
         <p:nvPicPr>
           <p:cNvPr id="21" name="Inhaltsplatzhalter 4"/>
@@ -11193,6 +10486,663 @@
       </p:pic>
       <p:sp>
         <p:nvSpPr>
+          <p:cNvPr id="4" name="Foliennummernplatzhalter 3"/>
+          <p:cNvSpPr>
+            <a:spLocks noGrp="1"/>
+          </p:cNvSpPr>
+          <p:nvPr>
+            <p:ph type="sldNum" sz="quarter" idx="12"/>
+          </p:nvPr>
+        </p:nvSpPr>
+        <p:spPr/>
+        <p:txBody>
+          <a:bodyPr/>
+          <a:lstStyle/>
+          <a:p>
+            <a:fld id="{AFC15D4E-52BD-4359-8CF4-4D643ACA6A81}" type="slidenum">
+              <a:rPr lang="de-DE" smtClean="0"/>
+              <a:t>18</a:t>
+            </a:fld>
+            <a:endParaRPr lang="de-DE"/>
+          </a:p>
+        </p:txBody>
+      </p:sp>
+      <p:sp>
+        <p:nvSpPr>
+          <p:cNvPr id="5" name="Rechteck 4"/>
+          <p:cNvSpPr/>
+          <p:nvPr/>
+        </p:nvSpPr>
+        <p:spPr>
+          <a:xfrm>
+            <a:off x="115910" y="1403989"/>
+            <a:ext cx="2627290" cy="634621"/>
+          </a:xfrm>
+          <a:prstGeom prst="rect">
+            <a:avLst/>
+          </a:prstGeom>
+          <a:solidFill>
+            <a:schemeClr val="tx2"/>
+          </a:solidFill>
+          <a:ln>
+            <a:solidFill>
+              <a:schemeClr val="tx2">
+                <a:lumMod val="50000"/>
+              </a:schemeClr>
+            </a:solidFill>
+          </a:ln>
+        </p:spPr>
+        <p:style>
+          <a:lnRef idx="2">
+            <a:schemeClr val="accent1">
+              <a:shade val="50000"/>
+            </a:schemeClr>
+          </a:lnRef>
+          <a:fillRef idx="1">
+            <a:schemeClr val="accent1"/>
+          </a:fillRef>
+          <a:effectRef idx="0">
+            <a:schemeClr val="accent1"/>
+          </a:effectRef>
+          <a:fontRef idx="minor">
+            <a:schemeClr val="lt1"/>
+          </a:fontRef>
+        </p:style>
+        <p:txBody>
+          <a:bodyPr rtlCol="0" anchor="ctr"/>
+          <a:lstStyle/>
+          <a:p>
+            <a:pPr algn="ctr"/>
+            <a:r>
+              <a:rPr lang="de-DE" dirty="0" smtClean="0"/>
+              <a:t>Objekte im Spiel</a:t>
+            </a:r>
+            <a:endParaRPr lang="de-DE" dirty="0"/>
+          </a:p>
+        </p:txBody>
+      </p:sp>
+      <p:sp>
+        <p:nvSpPr>
+          <p:cNvPr id="6" name="Rechteck 5"/>
+          <p:cNvSpPr/>
+          <p:nvPr/>
+        </p:nvSpPr>
+        <p:spPr>
+          <a:xfrm>
+            <a:off x="1998372" y="2228970"/>
+            <a:ext cx="2163651" cy="463640"/>
+          </a:xfrm>
+          <a:prstGeom prst="rect">
+            <a:avLst/>
+          </a:prstGeom>
+        </p:spPr>
+        <p:style>
+          <a:lnRef idx="2">
+            <a:schemeClr val="accent1">
+              <a:shade val="50000"/>
+            </a:schemeClr>
+          </a:lnRef>
+          <a:fillRef idx="1">
+            <a:schemeClr val="accent1"/>
+          </a:fillRef>
+          <a:effectRef idx="0">
+            <a:schemeClr val="accent1"/>
+          </a:effectRef>
+          <a:fontRef idx="minor">
+            <a:schemeClr val="lt1"/>
+          </a:fontRef>
+        </p:style>
+        <p:txBody>
+          <a:bodyPr rtlCol="0" anchor="ctr"/>
+          <a:lstStyle/>
+          <a:p>
+            <a:pPr algn="ctr"/>
+            <a:r>
+              <a:rPr lang="de-DE" dirty="0" smtClean="0"/>
+              <a:t>Schlange</a:t>
+            </a:r>
+            <a:endParaRPr lang="de-DE" dirty="0"/>
+          </a:p>
+        </p:txBody>
+      </p:sp>
+      <p:sp>
+        <p:nvSpPr>
+          <p:cNvPr id="7" name="Rechteck 6"/>
+          <p:cNvSpPr/>
+          <p:nvPr/>
+        </p:nvSpPr>
+        <p:spPr>
+          <a:xfrm>
+            <a:off x="1998371" y="3565112"/>
+            <a:ext cx="2163651" cy="463640"/>
+          </a:xfrm>
+          <a:prstGeom prst="rect">
+            <a:avLst/>
+          </a:prstGeom>
+        </p:spPr>
+        <p:style>
+          <a:lnRef idx="2">
+            <a:schemeClr val="accent1">
+              <a:shade val="50000"/>
+            </a:schemeClr>
+          </a:lnRef>
+          <a:fillRef idx="1">
+            <a:schemeClr val="accent1"/>
+          </a:fillRef>
+          <a:effectRef idx="0">
+            <a:schemeClr val="accent1"/>
+          </a:effectRef>
+          <a:fontRef idx="minor">
+            <a:schemeClr val="lt1"/>
+          </a:fontRef>
+        </p:style>
+        <p:txBody>
+          <a:bodyPr rtlCol="0" anchor="ctr"/>
+          <a:lstStyle/>
+          <a:p>
+            <a:pPr algn="ctr"/>
+            <a:r>
+              <a:rPr lang="de-DE" dirty="0" smtClean="0"/>
+              <a:t>Speerfalle</a:t>
+            </a:r>
+            <a:endParaRPr lang="de-DE" dirty="0"/>
+          </a:p>
+        </p:txBody>
+      </p:sp>
+      <p:sp>
+        <p:nvSpPr>
+          <p:cNvPr id="8" name="Rechteck 7"/>
+          <p:cNvSpPr/>
+          <p:nvPr/>
+        </p:nvSpPr>
+        <p:spPr>
+          <a:xfrm>
+            <a:off x="1998371" y="4229034"/>
+            <a:ext cx="2163651" cy="463640"/>
+          </a:xfrm>
+          <a:prstGeom prst="rect">
+            <a:avLst/>
+          </a:prstGeom>
+        </p:spPr>
+        <p:style>
+          <a:lnRef idx="2">
+            <a:schemeClr val="accent1">
+              <a:shade val="50000"/>
+            </a:schemeClr>
+          </a:lnRef>
+          <a:fillRef idx="1">
+            <a:schemeClr val="accent1"/>
+          </a:fillRef>
+          <a:effectRef idx="0">
+            <a:schemeClr val="accent1"/>
+          </a:effectRef>
+          <a:fontRef idx="minor">
+            <a:schemeClr val="lt1"/>
+          </a:fontRef>
+        </p:style>
+        <p:txBody>
+          <a:bodyPr rtlCol="0" anchor="ctr"/>
+          <a:lstStyle/>
+          <a:p>
+            <a:pPr algn="ctr"/>
+            <a:r>
+              <a:rPr lang="de-DE" dirty="0" smtClean="0"/>
+              <a:t>Fallende Steine</a:t>
+            </a:r>
+            <a:endParaRPr lang="de-DE" dirty="0"/>
+          </a:p>
+        </p:txBody>
+      </p:sp>
+      <p:sp>
+        <p:nvSpPr>
+          <p:cNvPr id="9" name="Rechteck 8"/>
+          <p:cNvSpPr/>
+          <p:nvPr/>
+        </p:nvSpPr>
+        <p:spPr>
+          <a:xfrm>
+            <a:off x="1998370" y="5556878"/>
+            <a:ext cx="2163651" cy="463640"/>
+          </a:xfrm>
+          <a:prstGeom prst="rect">
+            <a:avLst/>
+          </a:prstGeom>
+        </p:spPr>
+        <p:style>
+          <a:lnRef idx="2">
+            <a:schemeClr val="accent1">
+              <a:shade val="50000"/>
+            </a:schemeClr>
+          </a:lnRef>
+          <a:fillRef idx="1">
+            <a:schemeClr val="accent1"/>
+          </a:fillRef>
+          <a:effectRef idx="0">
+            <a:schemeClr val="accent1"/>
+          </a:effectRef>
+          <a:fontRef idx="minor">
+            <a:schemeClr val="lt1"/>
+          </a:fontRef>
+        </p:style>
+        <p:txBody>
+          <a:bodyPr rtlCol="0" anchor="ctr"/>
+          <a:lstStyle/>
+          <a:p>
+            <a:pPr algn="ctr"/>
+            <a:r>
+              <a:rPr lang="de-DE" dirty="0" smtClean="0"/>
+              <a:t>Futter</a:t>
+            </a:r>
+            <a:endParaRPr lang="de-DE" dirty="0"/>
+          </a:p>
+        </p:txBody>
+      </p:sp>
+      <p:sp>
+        <p:nvSpPr>
+          <p:cNvPr id="10" name="Rechteck 9"/>
+          <p:cNvSpPr/>
+          <p:nvPr/>
+        </p:nvSpPr>
+        <p:spPr>
+          <a:xfrm>
+            <a:off x="1998370" y="4892956"/>
+            <a:ext cx="2163651" cy="463640"/>
+          </a:xfrm>
+          <a:prstGeom prst="rect">
+            <a:avLst/>
+          </a:prstGeom>
+          <a:solidFill>
+            <a:srgbClr val="FFC000"/>
+          </a:solidFill>
+          <a:ln>
+            <a:solidFill>
+              <a:schemeClr val="accent2"/>
+            </a:solidFill>
+          </a:ln>
+        </p:spPr>
+        <p:style>
+          <a:lnRef idx="2">
+            <a:schemeClr val="accent1">
+              <a:shade val="50000"/>
+            </a:schemeClr>
+          </a:lnRef>
+          <a:fillRef idx="1">
+            <a:schemeClr val="accent1"/>
+          </a:fillRef>
+          <a:effectRef idx="0">
+            <a:schemeClr val="accent1"/>
+          </a:effectRef>
+          <a:fontRef idx="minor">
+            <a:schemeClr val="lt1"/>
+          </a:fontRef>
+        </p:style>
+        <p:txBody>
+          <a:bodyPr rtlCol="0" anchor="ctr"/>
+          <a:lstStyle/>
+          <a:p>
+            <a:pPr algn="ctr"/>
+            <a:r>
+              <a:rPr lang="de-DE" dirty="0" smtClean="0">
+                <a:solidFill>
+                  <a:schemeClr val="tx1"/>
+                </a:solidFill>
+              </a:rPr>
+              <a:t>Diätpille</a:t>
+            </a:r>
+            <a:endParaRPr lang="de-DE" dirty="0">
+              <a:solidFill>
+                <a:schemeClr val="tx1"/>
+              </a:solidFill>
+            </a:endParaRPr>
+          </a:p>
+        </p:txBody>
+      </p:sp>
+      <p:cxnSp>
+        <p:nvCxnSpPr>
+          <p:cNvPr id="12" name="Gerader Verbinder 11"/>
+          <p:cNvCxnSpPr>
+            <a:stCxn id="5" idx="2"/>
+          </p:cNvCxnSpPr>
+          <p:nvPr/>
+        </p:nvCxnSpPr>
+        <p:spPr>
+          <a:xfrm>
+            <a:off x="1429555" y="2038610"/>
+            <a:ext cx="0" cy="4414008"/>
+          </a:xfrm>
+          <a:prstGeom prst="line">
+            <a:avLst/>
+          </a:prstGeom>
+        </p:spPr>
+        <p:style>
+          <a:lnRef idx="1">
+            <a:schemeClr val="accent1"/>
+          </a:lnRef>
+          <a:fillRef idx="0">
+            <a:schemeClr val="accent1"/>
+          </a:fillRef>
+          <a:effectRef idx="0">
+            <a:schemeClr val="accent1"/>
+          </a:effectRef>
+          <a:fontRef idx="minor">
+            <a:schemeClr val="tx1"/>
+          </a:fontRef>
+        </p:style>
+      </p:cxnSp>
+      <p:cxnSp>
+        <p:nvCxnSpPr>
+          <p:cNvPr id="14" name="Gerader Verbinder 13"/>
+          <p:cNvCxnSpPr>
+            <a:stCxn id="6" idx="1"/>
+          </p:cNvCxnSpPr>
+          <p:nvPr/>
+        </p:nvCxnSpPr>
+        <p:spPr>
+          <a:xfrm flipH="1">
+            <a:off x="1429555" y="2460790"/>
+            <a:ext cx="568817" cy="0"/>
+          </a:xfrm>
+          <a:prstGeom prst="line">
+            <a:avLst/>
+          </a:prstGeom>
+        </p:spPr>
+        <p:style>
+          <a:lnRef idx="1">
+            <a:schemeClr val="accent1"/>
+          </a:lnRef>
+          <a:fillRef idx="0">
+            <a:schemeClr val="accent1"/>
+          </a:fillRef>
+          <a:effectRef idx="0">
+            <a:schemeClr val="accent1"/>
+          </a:effectRef>
+          <a:fontRef idx="minor">
+            <a:schemeClr val="tx1"/>
+          </a:fontRef>
+        </p:style>
+      </p:cxnSp>
+      <p:sp>
+        <p:nvSpPr>
+          <p:cNvPr id="15" name="Rechteck 14"/>
+          <p:cNvSpPr/>
+          <p:nvPr/>
+        </p:nvSpPr>
+        <p:spPr>
+          <a:xfrm>
+            <a:off x="1998372" y="2892893"/>
+            <a:ext cx="2163651" cy="463640"/>
+          </a:xfrm>
+          <a:prstGeom prst="rect">
+            <a:avLst/>
+          </a:prstGeom>
+        </p:spPr>
+        <p:style>
+          <a:lnRef idx="2">
+            <a:schemeClr val="accent1">
+              <a:shade val="50000"/>
+            </a:schemeClr>
+          </a:lnRef>
+          <a:fillRef idx="1">
+            <a:schemeClr val="accent1"/>
+          </a:fillRef>
+          <a:effectRef idx="0">
+            <a:schemeClr val="accent1"/>
+          </a:effectRef>
+          <a:fontRef idx="minor">
+            <a:schemeClr val="lt1"/>
+          </a:fontRef>
+        </p:style>
+        <p:txBody>
+          <a:bodyPr rtlCol="0" anchor="ctr"/>
+          <a:lstStyle/>
+          <a:p>
+            <a:pPr algn="ctr"/>
+            <a:r>
+              <a:rPr lang="de-DE" dirty="0" smtClean="0"/>
+              <a:t>Spielfeld</a:t>
+            </a:r>
+            <a:endParaRPr lang="de-DE" dirty="0"/>
+          </a:p>
+        </p:txBody>
+      </p:sp>
+      <p:sp>
+        <p:nvSpPr>
+          <p:cNvPr id="16" name="Rechteck 15"/>
+          <p:cNvSpPr/>
+          <p:nvPr/>
+        </p:nvSpPr>
+        <p:spPr>
+          <a:xfrm>
+            <a:off x="1998369" y="6220800"/>
+            <a:ext cx="2163651" cy="463640"/>
+          </a:xfrm>
+          <a:prstGeom prst="rect">
+            <a:avLst/>
+          </a:prstGeom>
+        </p:spPr>
+        <p:style>
+          <a:lnRef idx="2">
+            <a:schemeClr val="accent1">
+              <a:shade val="50000"/>
+            </a:schemeClr>
+          </a:lnRef>
+          <a:fillRef idx="1">
+            <a:schemeClr val="accent1"/>
+          </a:fillRef>
+          <a:effectRef idx="0">
+            <a:schemeClr val="accent1"/>
+          </a:effectRef>
+          <a:fontRef idx="minor">
+            <a:schemeClr val="lt1"/>
+          </a:fontRef>
+        </p:style>
+        <p:txBody>
+          <a:bodyPr rtlCol="0" anchor="ctr"/>
+          <a:lstStyle/>
+          <a:p>
+            <a:pPr algn="ctr"/>
+            <a:r>
+              <a:rPr lang="de-DE" dirty="0" smtClean="0"/>
+              <a:t>Sonstige Objekte</a:t>
+            </a:r>
+            <a:endParaRPr lang="de-DE" dirty="0"/>
+          </a:p>
+        </p:txBody>
+      </p:sp>
+      <p:cxnSp>
+        <p:nvCxnSpPr>
+          <p:cNvPr id="18" name="Gerader Verbinder 17"/>
+          <p:cNvCxnSpPr>
+            <a:stCxn id="15" idx="1"/>
+          </p:cNvCxnSpPr>
+          <p:nvPr/>
+        </p:nvCxnSpPr>
+        <p:spPr>
+          <a:xfrm flipH="1">
+            <a:off x="1429555" y="3124713"/>
+            <a:ext cx="568817" cy="0"/>
+          </a:xfrm>
+          <a:prstGeom prst="line">
+            <a:avLst/>
+          </a:prstGeom>
+        </p:spPr>
+        <p:style>
+          <a:lnRef idx="1">
+            <a:schemeClr val="accent1"/>
+          </a:lnRef>
+          <a:fillRef idx="0">
+            <a:schemeClr val="accent1"/>
+          </a:fillRef>
+          <a:effectRef idx="0">
+            <a:schemeClr val="accent1"/>
+          </a:effectRef>
+          <a:fontRef idx="minor">
+            <a:schemeClr val="tx1"/>
+          </a:fontRef>
+        </p:style>
+      </p:cxnSp>
+      <p:cxnSp>
+        <p:nvCxnSpPr>
+          <p:cNvPr id="20" name="Gerader Verbinder 19"/>
+          <p:cNvCxnSpPr>
+            <a:stCxn id="7" idx="1"/>
+          </p:cNvCxnSpPr>
+          <p:nvPr/>
+        </p:nvCxnSpPr>
+        <p:spPr>
+          <a:xfrm flipH="1" flipV="1">
+            <a:off x="1429555" y="3796930"/>
+            <a:ext cx="568816" cy="2"/>
+          </a:xfrm>
+          <a:prstGeom prst="line">
+            <a:avLst/>
+          </a:prstGeom>
+        </p:spPr>
+        <p:style>
+          <a:lnRef idx="1">
+            <a:schemeClr val="accent1"/>
+          </a:lnRef>
+          <a:fillRef idx="0">
+            <a:schemeClr val="accent1"/>
+          </a:fillRef>
+          <a:effectRef idx="0">
+            <a:schemeClr val="accent1"/>
+          </a:effectRef>
+          <a:fontRef idx="minor">
+            <a:schemeClr val="tx1"/>
+          </a:fontRef>
+        </p:style>
+      </p:cxnSp>
+      <p:cxnSp>
+        <p:nvCxnSpPr>
+          <p:cNvPr id="24" name="Gerader Verbinder 23"/>
+          <p:cNvCxnSpPr>
+            <a:stCxn id="8" idx="1"/>
+          </p:cNvCxnSpPr>
+          <p:nvPr/>
+        </p:nvCxnSpPr>
+        <p:spPr>
+          <a:xfrm flipH="1">
+            <a:off x="1429555" y="4460854"/>
+            <a:ext cx="568816" cy="0"/>
+          </a:xfrm>
+          <a:prstGeom prst="line">
+            <a:avLst/>
+          </a:prstGeom>
+        </p:spPr>
+        <p:style>
+          <a:lnRef idx="1">
+            <a:schemeClr val="accent1"/>
+          </a:lnRef>
+          <a:fillRef idx="0">
+            <a:schemeClr val="accent1"/>
+          </a:fillRef>
+          <a:effectRef idx="0">
+            <a:schemeClr val="accent1"/>
+          </a:effectRef>
+          <a:fontRef idx="minor">
+            <a:schemeClr val="tx1"/>
+          </a:fontRef>
+        </p:style>
+      </p:cxnSp>
+      <p:cxnSp>
+        <p:nvCxnSpPr>
+          <p:cNvPr id="26" name="Gerader Verbinder 25"/>
+          <p:cNvCxnSpPr>
+            <a:stCxn id="10" idx="1"/>
+          </p:cNvCxnSpPr>
+          <p:nvPr/>
+        </p:nvCxnSpPr>
+        <p:spPr>
+          <a:xfrm flipH="1" flipV="1">
+            <a:off x="1429555" y="5124775"/>
+            <a:ext cx="568815" cy="1"/>
+          </a:xfrm>
+          <a:prstGeom prst="line">
+            <a:avLst/>
+          </a:prstGeom>
+        </p:spPr>
+        <p:style>
+          <a:lnRef idx="1">
+            <a:schemeClr val="accent1"/>
+          </a:lnRef>
+          <a:fillRef idx="0">
+            <a:schemeClr val="accent1"/>
+          </a:fillRef>
+          <a:effectRef idx="0">
+            <a:schemeClr val="accent1"/>
+          </a:effectRef>
+          <a:fontRef idx="minor">
+            <a:schemeClr val="tx1"/>
+          </a:fontRef>
+        </p:style>
+      </p:cxnSp>
+      <p:cxnSp>
+        <p:nvCxnSpPr>
+          <p:cNvPr id="28" name="Gerader Verbinder 27"/>
+          <p:cNvCxnSpPr>
+            <a:stCxn id="9" idx="1"/>
+          </p:cNvCxnSpPr>
+          <p:nvPr/>
+        </p:nvCxnSpPr>
+        <p:spPr>
+          <a:xfrm flipH="1" flipV="1">
+            <a:off x="1429555" y="5788696"/>
+            <a:ext cx="568815" cy="2"/>
+          </a:xfrm>
+          <a:prstGeom prst="line">
+            <a:avLst/>
+          </a:prstGeom>
+        </p:spPr>
+        <p:style>
+          <a:lnRef idx="1">
+            <a:schemeClr val="accent1"/>
+          </a:lnRef>
+          <a:fillRef idx="0">
+            <a:schemeClr val="accent1"/>
+          </a:fillRef>
+          <a:effectRef idx="0">
+            <a:schemeClr val="accent1"/>
+          </a:effectRef>
+          <a:fontRef idx="minor">
+            <a:schemeClr val="tx1"/>
+          </a:fontRef>
+        </p:style>
+      </p:cxnSp>
+      <p:cxnSp>
+        <p:nvCxnSpPr>
+          <p:cNvPr id="30" name="Gerader Verbinder 29"/>
+          <p:cNvCxnSpPr>
+            <a:stCxn id="16" idx="1"/>
+          </p:cNvCxnSpPr>
+          <p:nvPr/>
+        </p:nvCxnSpPr>
+        <p:spPr>
+          <a:xfrm flipH="1" flipV="1">
+            <a:off x="1429555" y="6452618"/>
+            <a:ext cx="568814" cy="2"/>
+          </a:xfrm>
+          <a:prstGeom prst="line">
+            <a:avLst/>
+          </a:prstGeom>
+        </p:spPr>
+        <p:style>
+          <a:lnRef idx="1">
+            <a:schemeClr val="accent1"/>
+          </a:lnRef>
+          <a:fillRef idx="0">
+            <a:schemeClr val="accent1"/>
+          </a:fillRef>
+          <a:effectRef idx="0">
+            <a:schemeClr val="accent1"/>
+          </a:effectRef>
+          <a:fontRef idx="minor">
+            <a:schemeClr val="tx1"/>
+          </a:fontRef>
+        </p:style>
+      </p:cxnSp>
+      <p:sp>
+        <p:nvSpPr>
           <p:cNvPr id="22" name="Textfeld 21"/>
           <p:cNvSpPr txBox="1"/>
           <p:nvPr/>
@@ -11371,18 +11321,7 @@
                   </a:schemeClr>
                 </a:solidFill>
               </a:rPr>
-              <a:t>Pille verzehrt. </a:t>
-            </a:r>
-            <a:r>
-              <a:rPr lang="de-DE" sz="1050" i="1" dirty="0" smtClean="0">
-                <a:solidFill>
-                  <a:schemeClr val="tx1">
-                    <a:lumMod val="50000"/>
-                    <a:lumOff val="50000"/>
-                  </a:schemeClr>
-                </a:solidFill>
-              </a:rPr>
-              <a:t>(Stand: 29.09.2015)</a:t>
+              <a:t>Pille verzehrt. (Stand: 29.09.2015)</a:t>
             </a:r>
             <a:endParaRPr lang="de-DE" sz="1050" i="1" dirty="0">
               <a:solidFill>
@@ -11459,663 +11398,6 @@
           </a:p>
         </p:txBody>
       </p:sp>
-      <p:sp>
-        <p:nvSpPr>
-          <p:cNvPr id="4" name="Foliennummernplatzhalter 3"/>
-          <p:cNvSpPr>
-            <a:spLocks noGrp="1"/>
-          </p:cNvSpPr>
-          <p:nvPr>
-            <p:ph type="sldNum" sz="quarter" idx="12"/>
-          </p:nvPr>
-        </p:nvSpPr>
-        <p:spPr/>
-        <p:txBody>
-          <a:bodyPr/>
-          <a:lstStyle/>
-          <a:p>
-            <a:fld id="{AFC15D4E-52BD-4359-8CF4-4D643ACA6A81}" type="slidenum">
-              <a:rPr lang="de-DE" smtClean="0"/>
-              <a:t>19</a:t>
-            </a:fld>
-            <a:endParaRPr lang="de-DE"/>
-          </a:p>
-        </p:txBody>
-      </p:sp>
-      <p:sp>
-        <p:nvSpPr>
-          <p:cNvPr id="5" name="Rechteck 4"/>
-          <p:cNvSpPr/>
-          <p:nvPr/>
-        </p:nvSpPr>
-        <p:spPr>
-          <a:xfrm>
-            <a:off x="115910" y="1403989"/>
-            <a:ext cx="2627290" cy="634621"/>
-          </a:xfrm>
-          <a:prstGeom prst="rect">
-            <a:avLst/>
-          </a:prstGeom>
-          <a:solidFill>
-            <a:schemeClr val="tx2"/>
-          </a:solidFill>
-          <a:ln>
-            <a:solidFill>
-              <a:schemeClr val="tx2">
-                <a:lumMod val="50000"/>
-              </a:schemeClr>
-            </a:solidFill>
-          </a:ln>
-        </p:spPr>
-        <p:style>
-          <a:lnRef idx="2">
-            <a:schemeClr val="accent1">
-              <a:shade val="50000"/>
-            </a:schemeClr>
-          </a:lnRef>
-          <a:fillRef idx="1">
-            <a:schemeClr val="accent1"/>
-          </a:fillRef>
-          <a:effectRef idx="0">
-            <a:schemeClr val="accent1"/>
-          </a:effectRef>
-          <a:fontRef idx="minor">
-            <a:schemeClr val="lt1"/>
-          </a:fontRef>
-        </p:style>
-        <p:txBody>
-          <a:bodyPr rtlCol="0" anchor="ctr"/>
-          <a:lstStyle/>
-          <a:p>
-            <a:pPr algn="ctr"/>
-            <a:r>
-              <a:rPr lang="de-DE" dirty="0" smtClean="0"/>
-              <a:t>Objekte im Spiel</a:t>
-            </a:r>
-            <a:endParaRPr lang="de-DE" dirty="0"/>
-          </a:p>
-        </p:txBody>
-      </p:sp>
-      <p:sp>
-        <p:nvSpPr>
-          <p:cNvPr id="6" name="Rechteck 5"/>
-          <p:cNvSpPr/>
-          <p:nvPr/>
-        </p:nvSpPr>
-        <p:spPr>
-          <a:xfrm>
-            <a:off x="1998372" y="2228970"/>
-            <a:ext cx="2163651" cy="463640"/>
-          </a:xfrm>
-          <a:prstGeom prst="rect">
-            <a:avLst/>
-          </a:prstGeom>
-        </p:spPr>
-        <p:style>
-          <a:lnRef idx="2">
-            <a:schemeClr val="accent1">
-              <a:shade val="50000"/>
-            </a:schemeClr>
-          </a:lnRef>
-          <a:fillRef idx="1">
-            <a:schemeClr val="accent1"/>
-          </a:fillRef>
-          <a:effectRef idx="0">
-            <a:schemeClr val="accent1"/>
-          </a:effectRef>
-          <a:fontRef idx="minor">
-            <a:schemeClr val="lt1"/>
-          </a:fontRef>
-        </p:style>
-        <p:txBody>
-          <a:bodyPr rtlCol="0" anchor="ctr"/>
-          <a:lstStyle/>
-          <a:p>
-            <a:pPr algn="ctr"/>
-            <a:r>
-              <a:rPr lang="de-DE" dirty="0" smtClean="0"/>
-              <a:t>Schlange</a:t>
-            </a:r>
-            <a:endParaRPr lang="de-DE" dirty="0"/>
-          </a:p>
-        </p:txBody>
-      </p:sp>
-      <p:sp>
-        <p:nvSpPr>
-          <p:cNvPr id="7" name="Rechteck 6"/>
-          <p:cNvSpPr/>
-          <p:nvPr/>
-        </p:nvSpPr>
-        <p:spPr>
-          <a:xfrm>
-            <a:off x="1998371" y="3565112"/>
-            <a:ext cx="2163651" cy="463640"/>
-          </a:xfrm>
-          <a:prstGeom prst="rect">
-            <a:avLst/>
-          </a:prstGeom>
-        </p:spPr>
-        <p:style>
-          <a:lnRef idx="2">
-            <a:schemeClr val="accent1">
-              <a:shade val="50000"/>
-            </a:schemeClr>
-          </a:lnRef>
-          <a:fillRef idx="1">
-            <a:schemeClr val="accent1"/>
-          </a:fillRef>
-          <a:effectRef idx="0">
-            <a:schemeClr val="accent1"/>
-          </a:effectRef>
-          <a:fontRef idx="minor">
-            <a:schemeClr val="lt1"/>
-          </a:fontRef>
-        </p:style>
-        <p:txBody>
-          <a:bodyPr rtlCol="0" anchor="ctr"/>
-          <a:lstStyle/>
-          <a:p>
-            <a:pPr algn="ctr"/>
-            <a:r>
-              <a:rPr lang="de-DE" dirty="0" smtClean="0"/>
-              <a:t>Speerfalle</a:t>
-            </a:r>
-            <a:endParaRPr lang="de-DE" dirty="0"/>
-          </a:p>
-        </p:txBody>
-      </p:sp>
-      <p:sp>
-        <p:nvSpPr>
-          <p:cNvPr id="8" name="Rechteck 7"/>
-          <p:cNvSpPr/>
-          <p:nvPr/>
-        </p:nvSpPr>
-        <p:spPr>
-          <a:xfrm>
-            <a:off x="1998371" y="4229034"/>
-            <a:ext cx="2163651" cy="463640"/>
-          </a:xfrm>
-          <a:prstGeom prst="rect">
-            <a:avLst/>
-          </a:prstGeom>
-        </p:spPr>
-        <p:style>
-          <a:lnRef idx="2">
-            <a:schemeClr val="accent1">
-              <a:shade val="50000"/>
-            </a:schemeClr>
-          </a:lnRef>
-          <a:fillRef idx="1">
-            <a:schemeClr val="accent1"/>
-          </a:fillRef>
-          <a:effectRef idx="0">
-            <a:schemeClr val="accent1"/>
-          </a:effectRef>
-          <a:fontRef idx="minor">
-            <a:schemeClr val="lt1"/>
-          </a:fontRef>
-        </p:style>
-        <p:txBody>
-          <a:bodyPr rtlCol="0" anchor="ctr"/>
-          <a:lstStyle/>
-          <a:p>
-            <a:pPr algn="ctr"/>
-            <a:r>
-              <a:rPr lang="de-DE" dirty="0" smtClean="0"/>
-              <a:t>Fallende Steine</a:t>
-            </a:r>
-            <a:endParaRPr lang="de-DE" dirty="0"/>
-          </a:p>
-        </p:txBody>
-      </p:sp>
-      <p:sp>
-        <p:nvSpPr>
-          <p:cNvPr id="9" name="Rechteck 8"/>
-          <p:cNvSpPr/>
-          <p:nvPr/>
-        </p:nvSpPr>
-        <p:spPr>
-          <a:xfrm>
-            <a:off x="1998370" y="5556878"/>
-            <a:ext cx="2163651" cy="463640"/>
-          </a:xfrm>
-          <a:prstGeom prst="rect">
-            <a:avLst/>
-          </a:prstGeom>
-          <a:solidFill>
-            <a:srgbClr val="FFC000"/>
-          </a:solidFill>
-          <a:ln>
-            <a:solidFill>
-              <a:schemeClr val="accent2"/>
-            </a:solidFill>
-          </a:ln>
-        </p:spPr>
-        <p:style>
-          <a:lnRef idx="2">
-            <a:schemeClr val="accent1">
-              <a:shade val="50000"/>
-            </a:schemeClr>
-          </a:lnRef>
-          <a:fillRef idx="1">
-            <a:schemeClr val="accent1"/>
-          </a:fillRef>
-          <a:effectRef idx="0">
-            <a:schemeClr val="accent1"/>
-          </a:effectRef>
-          <a:fontRef idx="minor">
-            <a:schemeClr val="lt1"/>
-          </a:fontRef>
-        </p:style>
-        <p:txBody>
-          <a:bodyPr rtlCol="0" anchor="ctr"/>
-          <a:lstStyle/>
-          <a:p>
-            <a:pPr algn="ctr"/>
-            <a:r>
-              <a:rPr lang="de-DE" dirty="0" smtClean="0">
-                <a:solidFill>
-                  <a:schemeClr val="tx1"/>
-                </a:solidFill>
-              </a:rPr>
-              <a:t>Futter</a:t>
-            </a:r>
-            <a:endParaRPr lang="de-DE" dirty="0">
-              <a:solidFill>
-                <a:schemeClr val="tx1"/>
-              </a:solidFill>
-            </a:endParaRPr>
-          </a:p>
-        </p:txBody>
-      </p:sp>
-      <p:sp>
-        <p:nvSpPr>
-          <p:cNvPr id="10" name="Rechteck 9"/>
-          <p:cNvSpPr/>
-          <p:nvPr/>
-        </p:nvSpPr>
-        <p:spPr>
-          <a:xfrm>
-            <a:off x="1998370" y="4892956"/>
-            <a:ext cx="2163651" cy="463640"/>
-          </a:xfrm>
-          <a:prstGeom prst="rect">
-            <a:avLst/>
-          </a:prstGeom>
-        </p:spPr>
-        <p:style>
-          <a:lnRef idx="2">
-            <a:schemeClr val="accent1">
-              <a:shade val="50000"/>
-            </a:schemeClr>
-          </a:lnRef>
-          <a:fillRef idx="1">
-            <a:schemeClr val="accent1"/>
-          </a:fillRef>
-          <a:effectRef idx="0">
-            <a:schemeClr val="accent1"/>
-          </a:effectRef>
-          <a:fontRef idx="minor">
-            <a:schemeClr val="lt1"/>
-          </a:fontRef>
-        </p:style>
-        <p:txBody>
-          <a:bodyPr rtlCol="0" anchor="ctr"/>
-          <a:lstStyle/>
-          <a:p>
-            <a:pPr algn="ctr"/>
-            <a:r>
-              <a:rPr lang="de-DE" dirty="0" smtClean="0"/>
-              <a:t>Diätpille</a:t>
-            </a:r>
-            <a:endParaRPr lang="de-DE" dirty="0"/>
-          </a:p>
-        </p:txBody>
-      </p:sp>
-      <p:cxnSp>
-        <p:nvCxnSpPr>
-          <p:cNvPr id="12" name="Gerader Verbinder 11"/>
-          <p:cNvCxnSpPr>
-            <a:stCxn id="5" idx="2"/>
-          </p:cNvCxnSpPr>
-          <p:nvPr/>
-        </p:nvCxnSpPr>
-        <p:spPr>
-          <a:xfrm>
-            <a:off x="1429555" y="2038610"/>
-            <a:ext cx="0" cy="4414008"/>
-          </a:xfrm>
-          <a:prstGeom prst="line">
-            <a:avLst/>
-          </a:prstGeom>
-        </p:spPr>
-        <p:style>
-          <a:lnRef idx="1">
-            <a:schemeClr val="accent1"/>
-          </a:lnRef>
-          <a:fillRef idx="0">
-            <a:schemeClr val="accent1"/>
-          </a:fillRef>
-          <a:effectRef idx="0">
-            <a:schemeClr val="accent1"/>
-          </a:effectRef>
-          <a:fontRef idx="minor">
-            <a:schemeClr val="tx1"/>
-          </a:fontRef>
-        </p:style>
-      </p:cxnSp>
-      <p:cxnSp>
-        <p:nvCxnSpPr>
-          <p:cNvPr id="14" name="Gerader Verbinder 13"/>
-          <p:cNvCxnSpPr>
-            <a:stCxn id="6" idx="1"/>
-          </p:cNvCxnSpPr>
-          <p:nvPr/>
-        </p:nvCxnSpPr>
-        <p:spPr>
-          <a:xfrm flipH="1">
-            <a:off x="1429555" y="2460790"/>
-            <a:ext cx="568817" cy="0"/>
-          </a:xfrm>
-          <a:prstGeom prst="line">
-            <a:avLst/>
-          </a:prstGeom>
-        </p:spPr>
-        <p:style>
-          <a:lnRef idx="1">
-            <a:schemeClr val="accent1"/>
-          </a:lnRef>
-          <a:fillRef idx="0">
-            <a:schemeClr val="accent1"/>
-          </a:fillRef>
-          <a:effectRef idx="0">
-            <a:schemeClr val="accent1"/>
-          </a:effectRef>
-          <a:fontRef idx="minor">
-            <a:schemeClr val="tx1"/>
-          </a:fontRef>
-        </p:style>
-      </p:cxnSp>
-      <p:sp>
-        <p:nvSpPr>
-          <p:cNvPr id="15" name="Rechteck 14"/>
-          <p:cNvSpPr/>
-          <p:nvPr/>
-        </p:nvSpPr>
-        <p:spPr>
-          <a:xfrm>
-            <a:off x="1998372" y="2892893"/>
-            <a:ext cx="2163651" cy="463640"/>
-          </a:xfrm>
-          <a:prstGeom prst="rect">
-            <a:avLst/>
-          </a:prstGeom>
-        </p:spPr>
-        <p:style>
-          <a:lnRef idx="2">
-            <a:schemeClr val="accent1">
-              <a:shade val="50000"/>
-            </a:schemeClr>
-          </a:lnRef>
-          <a:fillRef idx="1">
-            <a:schemeClr val="accent1"/>
-          </a:fillRef>
-          <a:effectRef idx="0">
-            <a:schemeClr val="accent1"/>
-          </a:effectRef>
-          <a:fontRef idx="minor">
-            <a:schemeClr val="lt1"/>
-          </a:fontRef>
-        </p:style>
-        <p:txBody>
-          <a:bodyPr rtlCol="0" anchor="ctr"/>
-          <a:lstStyle/>
-          <a:p>
-            <a:pPr algn="ctr"/>
-            <a:r>
-              <a:rPr lang="de-DE" dirty="0" smtClean="0"/>
-              <a:t>Spielfeld</a:t>
-            </a:r>
-            <a:endParaRPr lang="de-DE" dirty="0"/>
-          </a:p>
-        </p:txBody>
-      </p:sp>
-      <p:sp>
-        <p:nvSpPr>
-          <p:cNvPr id="16" name="Rechteck 15"/>
-          <p:cNvSpPr/>
-          <p:nvPr/>
-        </p:nvSpPr>
-        <p:spPr>
-          <a:xfrm>
-            <a:off x="1998369" y="6220800"/>
-            <a:ext cx="2163651" cy="463640"/>
-          </a:xfrm>
-          <a:prstGeom prst="rect">
-            <a:avLst/>
-          </a:prstGeom>
-        </p:spPr>
-        <p:style>
-          <a:lnRef idx="2">
-            <a:schemeClr val="accent1">
-              <a:shade val="50000"/>
-            </a:schemeClr>
-          </a:lnRef>
-          <a:fillRef idx="1">
-            <a:schemeClr val="accent1"/>
-          </a:fillRef>
-          <a:effectRef idx="0">
-            <a:schemeClr val="accent1"/>
-          </a:effectRef>
-          <a:fontRef idx="minor">
-            <a:schemeClr val="lt1"/>
-          </a:fontRef>
-        </p:style>
-        <p:txBody>
-          <a:bodyPr rtlCol="0" anchor="ctr"/>
-          <a:lstStyle/>
-          <a:p>
-            <a:pPr algn="ctr"/>
-            <a:r>
-              <a:rPr lang="de-DE" dirty="0" smtClean="0"/>
-              <a:t>Sonstige Objekte</a:t>
-            </a:r>
-            <a:endParaRPr lang="de-DE" dirty="0"/>
-          </a:p>
-        </p:txBody>
-      </p:sp>
-      <p:cxnSp>
-        <p:nvCxnSpPr>
-          <p:cNvPr id="18" name="Gerader Verbinder 17"/>
-          <p:cNvCxnSpPr>
-            <a:stCxn id="15" idx="1"/>
-          </p:cNvCxnSpPr>
-          <p:nvPr/>
-        </p:nvCxnSpPr>
-        <p:spPr>
-          <a:xfrm flipH="1">
-            <a:off x="1429555" y="3124713"/>
-            <a:ext cx="568817" cy="0"/>
-          </a:xfrm>
-          <a:prstGeom prst="line">
-            <a:avLst/>
-          </a:prstGeom>
-        </p:spPr>
-        <p:style>
-          <a:lnRef idx="1">
-            <a:schemeClr val="accent1"/>
-          </a:lnRef>
-          <a:fillRef idx="0">
-            <a:schemeClr val="accent1"/>
-          </a:fillRef>
-          <a:effectRef idx="0">
-            <a:schemeClr val="accent1"/>
-          </a:effectRef>
-          <a:fontRef idx="minor">
-            <a:schemeClr val="tx1"/>
-          </a:fontRef>
-        </p:style>
-      </p:cxnSp>
-      <p:cxnSp>
-        <p:nvCxnSpPr>
-          <p:cNvPr id="20" name="Gerader Verbinder 19"/>
-          <p:cNvCxnSpPr>
-            <a:stCxn id="7" idx="1"/>
-          </p:cNvCxnSpPr>
-          <p:nvPr/>
-        </p:nvCxnSpPr>
-        <p:spPr>
-          <a:xfrm flipH="1" flipV="1">
-            <a:off x="1429555" y="3796930"/>
-            <a:ext cx="568816" cy="2"/>
-          </a:xfrm>
-          <a:prstGeom prst="line">
-            <a:avLst/>
-          </a:prstGeom>
-        </p:spPr>
-        <p:style>
-          <a:lnRef idx="1">
-            <a:schemeClr val="accent1"/>
-          </a:lnRef>
-          <a:fillRef idx="0">
-            <a:schemeClr val="accent1"/>
-          </a:fillRef>
-          <a:effectRef idx="0">
-            <a:schemeClr val="accent1"/>
-          </a:effectRef>
-          <a:fontRef idx="minor">
-            <a:schemeClr val="tx1"/>
-          </a:fontRef>
-        </p:style>
-      </p:cxnSp>
-      <p:cxnSp>
-        <p:nvCxnSpPr>
-          <p:cNvPr id="24" name="Gerader Verbinder 23"/>
-          <p:cNvCxnSpPr>
-            <a:stCxn id="8" idx="1"/>
-          </p:cNvCxnSpPr>
-          <p:nvPr/>
-        </p:nvCxnSpPr>
-        <p:spPr>
-          <a:xfrm flipH="1">
-            <a:off x="1429555" y="4460854"/>
-            <a:ext cx="568816" cy="0"/>
-          </a:xfrm>
-          <a:prstGeom prst="line">
-            <a:avLst/>
-          </a:prstGeom>
-        </p:spPr>
-        <p:style>
-          <a:lnRef idx="1">
-            <a:schemeClr val="accent1"/>
-          </a:lnRef>
-          <a:fillRef idx="0">
-            <a:schemeClr val="accent1"/>
-          </a:fillRef>
-          <a:effectRef idx="0">
-            <a:schemeClr val="accent1"/>
-          </a:effectRef>
-          <a:fontRef idx="minor">
-            <a:schemeClr val="tx1"/>
-          </a:fontRef>
-        </p:style>
-      </p:cxnSp>
-      <p:cxnSp>
-        <p:nvCxnSpPr>
-          <p:cNvPr id="26" name="Gerader Verbinder 25"/>
-          <p:cNvCxnSpPr>
-            <a:stCxn id="10" idx="1"/>
-          </p:cNvCxnSpPr>
-          <p:nvPr/>
-        </p:nvCxnSpPr>
-        <p:spPr>
-          <a:xfrm flipH="1" flipV="1">
-            <a:off x="1429555" y="5124775"/>
-            <a:ext cx="568815" cy="1"/>
-          </a:xfrm>
-          <a:prstGeom prst="line">
-            <a:avLst/>
-          </a:prstGeom>
-        </p:spPr>
-        <p:style>
-          <a:lnRef idx="1">
-            <a:schemeClr val="accent1"/>
-          </a:lnRef>
-          <a:fillRef idx="0">
-            <a:schemeClr val="accent1"/>
-          </a:fillRef>
-          <a:effectRef idx="0">
-            <a:schemeClr val="accent1"/>
-          </a:effectRef>
-          <a:fontRef idx="minor">
-            <a:schemeClr val="tx1"/>
-          </a:fontRef>
-        </p:style>
-      </p:cxnSp>
-      <p:cxnSp>
-        <p:nvCxnSpPr>
-          <p:cNvPr id="28" name="Gerader Verbinder 27"/>
-          <p:cNvCxnSpPr>
-            <a:stCxn id="9" idx="1"/>
-          </p:cNvCxnSpPr>
-          <p:nvPr/>
-        </p:nvCxnSpPr>
-        <p:spPr>
-          <a:xfrm flipH="1" flipV="1">
-            <a:off x="1429555" y="5788696"/>
-            <a:ext cx="568815" cy="2"/>
-          </a:xfrm>
-          <a:prstGeom prst="line">
-            <a:avLst/>
-          </a:prstGeom>
-        </p:spPr>
-        <p:style>
-          <a:lnRef idx="1">
-            <a:schemeClr val="accent1"/>
-          </a:lnRef>
-          <a:fillRef idx="0">
-            <a:schemeClr val="accent1"/>
-          </a:fillRef>
-          <a:effectRef idx="0">
-            <a:schemeClr val="accent1"/>
-          </a:effectRef>
-          <a:fontRef idx="minor">
-            <a:schemeClr val="tx1"/>
-          </a:fontRef>
-        </p:style>
-      </p:cxnSp>
-      <p:cxnSp>
-        <p:nvCxnSpPr>
-          <p:cNvPr id="30" name="Gerader Verbinder 29"/>
-          <p:cNvCxnSpPr>
-            <a:stCxn id="16" idx="1"/>
-          </p:cNvCxnSpPr>
-          <p:nvPr/>
-        </p:nvCxnSpPr>
-        <p:spPr>
-          <a:xfrm flipH="1" flipV="1">
-            <a:off x="1429555" y="6452618"/>
-            <a:ext cx="568814" cy="2"/>
-          </a:xfrm>
-          <a:prstGeom prst="line">
-            <a:avLst/>
-          </a:prstGeom>
-        </p:spPr>
-        <p:style>
-          <a:lnRef idx="1">
-            <a:schemeClr val="accent1"/>
-          </a:lnRef>
-          <a:fillRef idx="0">
-            <a:schemeClr val="accent1"/>
-          </a:fillRef>
-          <a:effectRef idx="0">
-            <a:schemeClr val="accent1"/>
-          </a:effectRef>
-          <a:fontRef idx="minor">
-            <a:schemeClr val="tx1"/>
-          </a:fontRef>
-        </p:style>
-      </p:cxnSp>
       <p:pic>
         <p:nvPicPr>
           <p:cNvPr id="21" name="Inhaltsplatzhalter 4"/>
@@ -12145,6 +11427,663 @@
           </a:xfrm>
         </p:spPr>
       </p:pic>
+      <p:sp>
+        <p:nvSpPr>
+          <p:cNvPr id="4" name="Foliennummernplatzhalter 3"/>
+          <p:cNvSpPr>
+            <a:spLocks noGrp="1"/>
+          </p:cNvSpPr>
+          <p:nvPr>
+            <p:ph type="sldNum" sz="quarter" idx="12"/>
+          </p:nvPr>
+        </p:nvSpPr>
+        <p:spPr/>
+        <p:txBody>
+          <a:bodyPr/>
+          <a:lstStyle/>
+          <a:p>
+            <a:fld id="{AFC15D4E-52BD-4359-8CF4-4D643ACA6A81}" type="slidenum">
+              <a:rPr lang="de-DE" smtClean="0"/>
+              <a:t>19</a:t>
+            </a:fld>
+            <a:endParaRPr lang="de-DE"/>
+          </a:p>
+        </p:txBody>
+      </p:sp>
+      <p:sp>
+        <p:nvSpPr>
+          <p:cNvPr id="5" name="Rechteck 4"/>
+          <p:cNvSpPr/>
+          <p:nvPr/>
+        </p:nvSpPr>
+        <p:spPr>
+          <a:xfrm>
+            <a:off x="115910" y="1403989"/>
+            <a:ext cx="2627290" cy="634621"/>
+          </a:xfrm>
+          <a:prstGeom prst="rect">
+            <a:avLst/>
+          </a:prstGeom>
+          <a:solidFill>
+            <a:schemeClr val="tx2"/>
+          </a:solidFill>
+          <a:ln>
+            <a:solidFill>
+              <a:schemeClr val="tx2">
+                <a:lumMod val="50000"/>
+              </a:schemeClr>
+            </a:solidFill>
+          </a:ln>
+        </p:spPr>
+        <p:style>
+          <a:lnRef idx="2">
+            <a:schemeClr val="accent1">
+              <a:shade val="50000"/>
+            </a:schemeClr>
+          </a:lnRef>
+          <a:fillRef idx="1">
+            <a:schemeClr val="accent1"/>
+          </a:fillRef>
+          <a:effectRef idx="0">
+            <a:schemeClr val="accent1"/>
+          </a:effectRef>
+          <a:fontRef idx="minor">
+            <a:schemeClr val="lt1"/>
+          </a:fontRef>
+        </p:style>
+        <p:txBody>
+          <a:bodyPr rtlCol="0" anchor="ctr"/>
+          <a:lstStyle/>
+          <a:p>
+            <a:pPr algn="ctr"/>
+            <a:r>
+              <a:rPr lang="de-DE" dirty="0" smtClean="0"/>
+              <a:t>Objekte im Spiel</a:t>
+            </a:r>
+            <a:endParaRPr lang="de-DE" dirty="0"/>
+          </a:p>
+        </p:txBody>
+      </p:sp>
+      <p:sp>
+        <p:nvSpPr>
+          <p:cNvPr id="6" name="Rechteck 5"/>
+          <p:cNvSpPr/>
+          <p:nvPr/>
+        </p:nvSpPr>
+        <p:spPr>
+          <a:xfrm>
+            <a:off x="1998372" y="2228970"/>
+            <a:ext cx="2163651" cy="463640"/>
+          </a:xfrm>
+          <a:prstGeom prst="rect">
+            <a:avLst/>
+          </a:prstGeom>
+        </p:spPr>
+        <p:style>
+          <a:lnRef idx="2">
+            <a:schemeClr val="accent1">
+              <a:shade val="50000"/>
+            </a:schemeClr>
+          </a:lnRef>
+          <a:fillRef idx="1">
+            <a:schemeClr val="accent1"/>
+          </a:fillRef>
+          <a:effectRef idx="0">
+            <a:schemeClr val="accent1"/>
+          </a:effectRef>
+          <a:fontRef idx="minor">
+            <a:schemeClr val="lt1"/>
+          </a:fontRef>
+        </p:style>
+        <p:txBody>
+          <a:bodyPr rtlCol="0" anchor="ctr"/>
+          <a:lstStyle/>
+          <a:p>
+            <a:pPr algn="ctr"/>
+            <a:r>
+              <a:rPr lang="de-DE" dirty="0" smtClean="0"/>
+              <a:t>Schlange</a:t>
+            </a:r>
+            <a:endParaRPr lang="de-DE" dirty="0"/>
+          </a:p>
+        </p:txBody>
+      </p:sp>
+      <p:sp>
+        <p:nvSpPr>
+          <p:cNvPr id="7" name="Rechteck 6"/>
+          <p:cNvSpPr/>
+          <p:nvPr/>
+        </p:nvSpPr>
+        <p:spPr>
+          <a:xfrm>
+            <a:off x="1998371" y="3565112"/>
+            <a:ext cx="2163651" cy="463640"/>
+          </a:xfrm>
+          <a:prstGeom prst="rect">
+            <a:avLst/>
+          </a:prstGeom>
+        </p:spPr>
+        <p:style>
+          <a:lnRef idx="2">
+            <a:schemeClr val="accent1">
+              <a:shade val="50000"/>
+            </a:schemeClr>
+          </a:lnRef>
+          <a:fillRef idx="1">
+            <a:schemeClr val="accent1"/>
+          </a:fillRef>
+          <a:effectRef idx="0">
+            <a:schemeClr val="accent1"/>
+          </a:effectRef>
+          <a:fontRef idx="minor">
+            <a:schemeClr val="lt1"/>
+          </a:fontRef>
+        </p:style>
+        <p:txBody>
+          <a:bodyPr rtlCol="0" anchor="ctr"/>
+          <a:lstStyle/>
+          <a:p>
+            <a:pPr algn="ctr"/>
+            <a:r>
+              <a:rPr lang="de-DE" dirty="0" smtClean="0"/>
+              <a:t>Speerfalle</a:t>
+            </a:r>
+            <a:endParaRPr lang="de-DE" dirty="0"/>
+          </a:p>
+        </p:txBody>
+      </p:sp>
+      <p:sp>
+        <p:nvSpPr>
+          <p:cNvPr id="8" name="Rechteck 7"/>
+          <p:cNvSpPr/>
+          <p:nvPr/>
+        </p:nvSpPr>
+        <p:spPr>
+          <a:xfrm>
+            <a:off x="1998371" y="4229034"/>
+            <a:ext cx="2163651" cy="463640"/>
+          </a:xfrm>
+          <a:prstGeom prst="rect">
+            <a:avLst/>
+          </a:prstGeom>
+        </p:spPr>
+        <p:style>
+          <a:lnRef idx="2">
+            <a:schemeClr val="accent1">
+              <a:shade val="50000"/>
+            </a:schemeClr>
+          </a:lnRef>
+          <a:fillRef idx="1">
+            <a:schemeClr val="accent1"/>
+          </a:fillRef>
+          <a:effectRef idx="0">
+            <a:schemeClr val="accent1"/>
+          </a:effectRef>
+          <a:fontRef idx="minor">
+            <a:schemeClr val="lt1"/>
+          </a:fontRef>
+        </p:style>
+        <p:txBody>
+          <a:bodyPr rtlCol="0" anchor="ctr"/>
+          <a:lstStyle/>
+          <a:p>
+            <a:pPr algn="ctr"/>
+            <a:r>
+              <a:rPr lang="de-DE" dirty="0" smtClean="0"/>
+              <a:t>Fallende Steine</a:t>
+            </a:r>
+            <a:endParaRPr lang="de-DE" dirty="0"/>
+          </a:p>
+        </p:txBody>
+      </p:sp>
+      <p:sp>
+        <p:nvSpPr>
+          <p:cNvPr id="9" name="Rechteck 8"/>
+          <p:cNvSpPr/>
+          <p:nvPr/>
+        </p:nvSpPr>
+        <p:spPr>
+          <a:xfrm>
+            <a:off x="1998370" y="5556878"/>
+            <a:ext cx="2163651" cy="463640"/>
+          </a:xfrm>
+          <a:prstGeom prst="rect">
+            <a:avLst/>
+          </a:prstGeom>
+          <a:solidFill>
+            <a:srgbClr val="FFC000"/>
+          </a:solidFill>
+          <a:ln>
+            <a:solidFill>
+              <a:schemeClr val="accent2"/>
+            </a:solidFill>
+          </a:ln>
+        </p:spPr>
+        <p:style>
+          <a:lnRef idx="2">
+            <a:schemeClr val="accent1">
+              <a:shade val="50000"/>
+            </a:schemeClr>
+          </a:lnRef>
+          <a:fillRef idx="1">
+            <a:schemeClr val="accent1"/>
+          </a:fillRef>
+          <a:effectRef idx="0">
+            <a:schemeClr val="accent1"/>
+          </a:effectRef>
+          <a:fontRef idx="minor">
+            <a:schemeClr val="lt1"/>
+          </a:fontRef>
+        </p:style>
+        <p:txBody>
+          <a:bodyPr rtlCol="0" anchor="ctr"/>
+          <a:lstStyle/>
+          <a:p>
+            <a:pPr algn="ctr"/>
+            <a:r>
+              <a:rPr lang="de-DE" dirty="0" smtClean="0">
+                <a:solidFill>
+                  <a:schemeClr val="tx1"/>
+                </a:solidFill>
+              </a:rPr>
+              <a:t>Futter</a:t>
+            </a:r>
+            <a:endParaRPr lang="de-DE" dirty="0">
+              <a:solidFill>
+                <a:schemeClr val="tx1"/>
+              </a:solidFill>
+            </a:endParaRPr>
+          </a:p>
+        </p:txBody>
+      </p:sp>
+      <p:sp>
+        <p:nvSpPr>
+          <p:cNvPr id="10" name="Rechteck 9"/>
+          <p:cNvSpPr/>
+          <p:nvPr/>
+        </p:nvSpPr>
+        <p:spPr>
+          <a:xfrm>
+            <a:off x="1998370" y="4892956"/>
+            <a:ext cx="2163651" cy="463640"/>
+          </a:xfrm>
+          <a:prstGeom prst="rect">
+            <a:avLst/>
+          </a:prstGeom>
+        </p:spPr>
+        <p:style>
+          <a:lnRef idx="2">
+            <a:schemeClr val="accent1">
+              <a:shade val="50000"/>
+            </a:schemeClr>
+          </a:lnRef>
+          <a:fillRef idx="1">
+            <a:schemeClr val="accent1"/>
+          </a:fillRef>
+          <a:effectRef idx="0">
+            <a:schemeClr val="accent1"/>
+          </a:effectRef>
+          <a:fontRef idx="minor">
+            <a:schemeClr val="lt1"/>
+          </a:fontRef>
+        </p:style>
+        <p:txBody>
+          <a:bodyPr rtlCol="0" anchor="ctr"/>
+          <a:lstStyle/>
+          <a:p>
+            <a:pPr algn="ctr"/>
+            <a:r>
+              <a:rPr lang="de-DE" dirty="0" smtClean="0"/>
+              <a:t>Diätpille</a:t>
+            </a:r>
+            <a:endParaRPr lang="de-DE" dirty="0"/>
+          </a:p>
+        </p:txBody>
+      </p:sp>
+      <p:cxnSp>
+        <p:nvCxnSpPr>
+          <p:cNvPr id="12" name="Gerader Verbinder 11"/>
+          <p:cNvCxnSpPr>
+            <a:stCxn id="5" idx="2"/>
+          </p:cNvCxnSpPr>
+          <p:nvPr/>
+        </p:nvCxnSpPr>
+        <p:spPr>
+          <a:xfrm>
+            <a:off x="1429555" y="2038610"/>
+            <a:ext cx="0" cy="4414008"/>
+          </a:xfrm>
+          <a:prstGeom prst="line">
+            <a:avLst/>
+          </a:prstGeom>
+        </p:spPr>
+        <p:style>
+          <a:lnRef idx="1">
+            <a:schemeClr val="accent1"/>
+          </a:lnRef>
+          <a:fillRef idx="0">
+            <a:schemeClr val="accent1"/>
+          </a:fillRef>
+          <a:effectRef idx="0">
+            <a:schemeClr val="accent1"/>
+          </a:effectRef>
+          <a:fontRef idx="minor">
+            <a:schemeClr val="tx1"/>
+          </a:fontRef>
+        </p:style>
+      </p:cxnSp>
+      <p:cxnSp>
+        <p:nvCxnSpPr>
+          <p:cNvPr id="14" name="Gerader Verbinder 13"/>
+          <p:cNvCxnSpPr>
+            <a:stCxn id="6" idx="1"/>
+          </p:cNvCxnSpPr>
+          <p:nvPr/>
+        </p:nvCxnSpPr>
+        <p:spPr>
+          <a:xfrm flipH="1">
+            <a:off x="1429555" y="2460790"/>
+            <a:ext cx="568817" cy="0"/>
+          </a:xfrm>
+          <a:prstGeom prst="line">
+            <a:avLst/>
+          </a:prstGeom>
+        </p:spPr>
+        <p:style>
+          <a:lnRef idx="1">
+            <a:schemeClr val="accent1"/>
+          </a:lnRef>
+          <a:fillRef idx="0">
+            <a:schemeClr val="accent1"/>
+          </a:fillRef>
+          <a:effectRef idx="0">
+            <a:schemeClr val="accent1"/>
+          </a:effectRef>
+          <a:fontRef idx="minor">
+            <a:schemeClr val="tx1"/>
+          </a:fontRef>
+        </p:style>
+      </p:cxnSp>
+      <p:sp>
+        <p:nvSpPr>
+          <p:cNvPr id="15" name="Rechteck 14"/>
+          <p:cNvSpPr/>
+          <p:nvPr/>
+        </p:nvSpPr>
+        <p:spPr>
+          <a:xfrm>
+            <a:off x="1998372" y="2892893"/>
+            <a:ext cx="2163651" cy="463640"/>
+          </a:xfrm>
+          <a:prstGeom prst="rect">
+            <a:avLst/>
+          </a:prstGeom>
+        </p:spPr>
+        <p:style>
+          <a:lnRef idx="2">
+            <a:schemeClr val="accent1">
+              <a:shade val="50000"/>
+            </a:schemeClr>
+          </a:lnRef>
+          <a:fillRef idx="1">
+            <a:schemeClr val="accent1"/>
+          </a:fillRef>
+          <a:effectRef idx="0">
+            <a:schemeClr val="accent1"/>
+          </a:effectRef>
+          <a:fontRef idx="minor">
+            <a:schemeClr val="lt1"/>
+          </a:fontRef>
+        </p:style>
+        <p:txBody>
+          <a:bodyPr rtlCol="0" anchor="ctr"/>
+          <a:lstStyle/>
+          <a:p>
+            <a:pPr algn="ctr"/>
+            <a:r>
+              <a:rPr lang="de-DE" dirty="0" smtClean="0"/>
+              <a:t>Spielfeld</a:t>
+            </a:r>
+            <a:endParaRPr lang="de-DE" dirty="0"/>
+          </a:p>
+        </p:txBody>
+      </p:sp>
+      <p:sp>
+        <p:nvSpPr>
+          <p:cNvPr id="16" name="Rechteck 15"/>
+          <p:cNvSpPr/>
+          <p:nvPr/>
+        </p:nvSpPr>
+        <p:spPr>
+          <a:xfrm>
+            <a:off x="1998369" y="6220800"/>
+            <a:ext cx="2163651" cy="463640"/>
+          </a:xfrm>
+          <a:prstGeom prst="rect">
+            <a:avLst/>
+          </a:prstGeom>
+        </p:spPr>
+        <p:style>
+          <a:lnRef idx="2">
+            <a:schemeClr val="accent1">
+              <a:shade val="50000"/>
+            </a:schemeClr>
+          </a:lnRef>
+          <a:fillRef idx="1">
+            <a:schemeClr val="accent1"/>
+          </a:fillRef>
+          <a:effectRef idx="0">
+            <a:schemeClr val="accent1"/>
+          </a:effectRef>
+          <a:fontRef idx="minor">
+            <a:schemeClr val="lt1"/>
+          </a:fontRef>
+        </p:style>
+        <p:txBody>
+          <a:bodyPr rtlCol="0" anchor="ctr"/>
+          <a:lstStyle/>
+          <a:p>
+            <a:pPr algn="ctr"/>
+            <a:r>
+              <a:rPr lang="de-DE" dirty="0" smtClean="0"/>
+              <a:t>Sonstige Objekte</a:t>
+            </a:r>
+            <a:endParaRPr lang="de-DE" dirty="0"/>
+          </a:p>
+        </p:txBody>
+      </p:sp>
+      <p:cxnSp>
+        <p:nvCxnSpPr>
+          <p:cNvPr id="18" name="Gerader Verbinder 17"/>
+          <p:cNvCxnSpPr>
+            <a:stCxn id="15" idx="1"/>
+          </p:cNvCxnSpPr>
+          <p:nvPr/>
+        </p:nvCxnSpPr>
+        <p:spPr>
+          <a:xfrm flipH="1">
+            <a:off x="1429555" y="3124713"/>
+            <a:ext cx="568817" cy="0"/>
+          </a:xfrm>
+          <a:prstGeom prst="line">
+            <a:avLst/>
+          </a:prstGeom>
+        </p:spPr>
+        <p:style>
+          <a:lnRef idx="1">
+            <a:schemeClr val="accent1"/>
+          </a:lnRef>
+          <a:fillRef idx="0">
+            <a:schemeClr val="accent1"/>
+          </a:fillRef>
+          <a:effectRef idx="0">
+            <a:schemeClr val="accent1"/>
+          </a:effectRef>
+          <a:fontRef idx="minor">
+            <a:schemeClr val="tx1"/>
+          </a:fontRef>
+        </p:style>
+      </p:cxnSp>
+      <p:cxnSp>
+        <p:nvCxnSpPr>
+          <p:cNvPr id="20" name="Gerader Verbinder 19"/>
+          <p:cNvCxnSpPr>
+            <a:stCxn id="7" idx="1"/>
+          </p:cNvCxnSpPr>
+          <p:nvPr/>
+        </p:nvCxnSpPr>
+        <p:spPr>
+          <a:xfrm flipH="1" flipV="1">
+            <a:off x="1429555" y="3796930"/>
+            <a:ext cx="568816" cy="2"/>
+          </a:xfrm>
+          <a:prstGeom prst="line">
+            <a:avLst/>
+          </a:prstGeom>
+        </p:spPr>
+        <p:style>
+          <a:lnRef idx="1">
+            <a:schemeClr val="accent1"/>
+          </a:lnRef>
+          <a:fillRef idx="0">
+            <a:schemeClr val="accent1"/>
+          </a:fillRef>
+          <a:effectRef idx="0">
+            <a:schemeClr val="accent1"/>
+          </a:effectRef>
+          <a:fontRef idx="minor">
+            <a:schemeClr val="tx1"/>
+          </a:fontRef>
+        </p:style>
+      </p:cxnSp>
+      <p:cxnSp>
+        <p:nvCxnSpPr>
+          <p:cNvPr id="24" name="Gerader Verbinder 23"/>
+          <p:cNvCxnSpPr>
+            <a:stCxn id="8" idx="1"/>
+          </p:cNvCxnSpPr>
+          <p:nvPr/>
+        </p:nvCxnSpPr>
+        <p:spPr>
+          <a:xfrm flipH="1">
+            <a:off x="1429555" y="4460854"/>
+            <a:ext cx="568816" cy="0"/>
+          </a:xfrm>
+          <a:prstGeom prst="line">
+            <a:avLst/>
+          </a:prstGeom>
+        </p:spPr>
+        <p:style>
+          <a:lnRef idx="1">
+            <a:schemeClr val="accent1"/>
+          </a:lnRef>
+          <a:fillRef idx="0">
+            <a:schemeClr val="accent1"/>
+          </a:fillRef>
+          <a:effectRef idx="0">
+            <a:schemeClr val="accent1"/>
+          </a:effectRef>
+          <a:fontRef idx="minor">
+            <a:schemeClr val="tx1"/>
+          </a:fontRef>
+        </p:style>
+      </p:cxnSp>
+      <p:cxnSp>
+        <p:nvCxnSpPr>
+          <p:cNvPr id="26" name="Gerader Verbinder 25"/>
+          <p:cNvCxnSpPr>
+            <a:stCxn id="10" idx="1"/>
+          </p:cNvCxnSpPr>
+          <p:nvPr/>
+        </p:nvCxnSpPr>
+        <p:spPr>
+          <a:xfrm flipH="1" flipV="1">
+            <a:off x="1429555" y="5124775"/>
+            <a:ext cx="568815" cy="1"/>
+          </a:xfrm>
+          <a:prstGeom prst="line">
+            <a:avLst/>
+          </a:prstGeom>
+        </p:spPr>
+        <p:style>
+          <a:lnRef idx="1">
+            <a:schemeClr val="accent1"/>
+          </a:lnRef>
+          <a:fillRef idx="0">
+            <a:schemeClr val="accent1"/>
+          </a:fillRef>
+          <a:effectRef idx="0">
+            <a:schemeClr val="accent1"/>
+          </a:effectRef>
+          <a:fontRef idx="minor">
+            <a:schemeClr val="tx1"/>
+          </a:fontRef>
+        </p:style>
+      </p:cxnSp>
+      <p:cxnSp>
+        <p:nvCxnSpPr>
+          <p:cNvPr id="28" name="Gerader Verbinder 27"/>
+          <p:cNvCxnSpPr>
+            <a:stCxn id="9" idx="1"/>
+          </p:cNvCxnSpPr>
+          <p:nvPr/>
+        </p:nvCxnSpPr>
+        <p:spPr>
+          <a:xfrm flipH="1" flipV="1">
+            <a:off x="1429555" y="5788696"/>
+            <a:ext cx="568815" cy="2"/>
+          </a:xfrm>
+          <a:prstGeom prst="line">
+            <a:avLst/>
+          </a:prstGeom>
+        </p:spPr>
+        <p:style>
+          <a:lnRef idx="1">
+            <a:schemeClr val="accent1"/>
+          </a:lnRef>
+          <a:fillRef idx="0">
+            <a:schemeClr val="accent1"/>
+          </a:fillRef>
+          <a:effectRef idx="0">
+            <a:schemeClr val="accent1"/>
+          </a:effectRef>
+          <a:fontRef idx="minor">
+            <a:schemeClr val="tx1"/>
+          </a:fontRef>
+        </p:style>
+      </p:cxnSp>
+      <p:cxnSp>
+        <p:nvCxnSpPr>
+          <p:cNvPr id="30" name="Gerader Verbinder 29"/>
+          <p:cNvCxnSpPr>
+            <a:stCxn id="16" idx="1"/>
+          </p:cNvCxnSpPr>
+          <p:nvPr/>
+        </p:nvCxnSpPr>
+        <p:spPr>
+          <a:xfrm flipH="1" flipV="1">
+            <a:off x="1429555" y="6452618"/>
+            <a:ext cx="568814" cy="2"/>
+          </a:xfrm>
+          <a:prstGeom prst="line">
+            <a:avLst/>
+          </a:prstGeom>
+        </p:spPr>
+        <p:style>
+          <a:lnRef idx="1">
+            <a:schemeClr val="accent1"/>
+          </a:lnRef>
+          <a:fillRef idx="0">
+            <a:schemeClr val="accent1"/>
+          </a:fillRef>
+          <a:effectRef idx="0">
+            <a:schemeClr val="accent1"/>
+          </a:effectRef>
+          <a:fontRef idx="minor">
+            <a:schemeClr val="tx1"/>
+          </a:fontRef>
+        </p:style>
+      </p:cxnSp>
       <p:pic>
         <p:nvPicPr>
           <p:cNvPr id="22" name="Grafik 21"/>
@@ -12208,14 +12147,6 @@
               </a:rPr>
               <a:t>Das Essen.</a:t>
             </a:r>
-            <a:endParaRPr lang="de-DE" sz="1050" i="1" dirty="0" smtClean="0">
-              <a:solidFill>
-                <a:schemeClr val="tx1">
-                  <a:lumMod val="50000"/>
-                  <a:lumOff val="50000"/>
-                </a:schemeClr>
-              </a:solidFill>
-            </a:endParaRPr>
           </a:p>
           <a:p>
             <a:endParaRPr lang="de-DE" b="1" dirty="0"/>
@@ -18125,7 +18056,15 @@
           <a:p>
             <a:r>
               <a:rPr lang="de-DE" dirty="0" smtClean="0"/>
-              <a:t>Die Schlange ist ein Objekt mit einem Array als Attribut, was Three.js Würfel speichert.</a:t>
+              <a:t>Die Schlange ist ein </a:t>
+            </a:r>
+            <a:r>
+              <a:rPr lang="de-DE" dirty="0" smtClean="0"/>
+              <a:t>Array aus Three.js </a:t>
+            </a:r>
+            <a:r>
+              <a:rPr lang="de-DE" dirty="0" smtClean="0"/>
+              <a:t>Würfel speichert.</a:t>
             </a:r>
           </a:p>
           <a:p>
